--- a/Beginning_SQL_pres.pptx
+++ b/Beginning_SQL_pres.pptx
@@ -948,7 +948,35 @@
             </a:r>
             <a:r>
               <a:rPr lang="en-US" baseline="0" dirty="0" smtClean="0"/>
-              <a:t> that you have a brief overlook of how databases work, and why you might </a:t>
+              <a:t> that you have a brief overlook of how databases work, and why you </a:t>
+            </a:r>
+            <a:r>
+              <a:rPr lang="en-US" baseline="0" dirty="0" smtClean="0"/>
+              <a:t>might want to use them.  Let’s get into SQL.  SQL stands for </a:t>
+            </a:r>
+            <a:r>
+              <a:rPr lang="en-US" sz="1200" b="0" i="0" kern="1200" dirty="0" smtClean="0">
+                <a:solidFill>
+                  <a:schemeClr val="tx1"/>
+                </a:solidFill>
+                <a:effectLst/>
+                <a:latin typeface="+mn-lt"/>
+                <a:ea typeface="+mn-ea"/>
+                <a:cs typeface="+mn-cs"/>
+              </a:rPr>
+              <a:t>Structured Query Language</a:t>
+            </a:r>
+            <a:r>
+              <a:rPr lang="en-US" baseline="0" dirty="0" smtClean="0"/>
+              <a:t>   As I’ve said SQL is industry standard so the main functions CRUD should work for any </a:t>
+            </a:r>
+            <a:r>
+              <a:rPr lang="en-US" baseline="0" dirty="0" err="1" smtClean="0"/>
+              <a:t>RDMS</a:t>
+            </a:r>
+            <a:r>
+              <a:rPr lang="en-US" baseline="0" dirty="0" smtClean="0"/>
+              <a:t>, however companies like to be clever so some of the other more complex commands like JOIN (we will go over later) have some variation system to system.</a:t>
             </a:r>
             <a:endParaRPr lang="en-US" dirty="0"/>
           </a:p>
@@ -1085,7 +1113,7 @@
           <a:effectLst/>
           <a:extLst>
             <a:ext uri="{91240B29-F687-4f45-9708-019B960494DF}">
-              <a14:hiddenLine xmlns="" xmlns:a14="http://schemas.microsoft.com/office/drawing/2010/main" w="9525">
+              <a14:hiddenLine xmlns:a14="http://schemas.microsoft.com/office/drawing/2010/main" xmlns="" w="9525">
                 <a:solidFill>
                   <a:srgbClr val="000000"/>
                 </a:solidFill>
@@ -2595,7 +2623,7 @@
           <a:ln/>
           <a:extLst>
             <a:ext uri="{91240B29-F687-4f45-9708-019B960494DF}">
-              <a14:hiddenLine xmlns="" xmlns:a14="http://schemas.microsoft.com/office/drawing/2010/main" w="9525">
+              <a14:hiddenLine xmlns:a14="http://schemas.microsoft.com/office/drawing/2010/main" xmlns="" w="9525">
                 <a:solidFill>
                   <a:srgbClr val="000000"/>
                 </a:solidFill>
@@ -2867,7 +2895,7 @@
           <a:ln/>
           <a:extLst>
             <a:ext uri="{91240B29-F687-4f45-9708-019B960494DF}">
-              <a14:hiddenLine xmlns="" xmlns:a14="http://schemas.microsoft.com/office/drawing/2010/main" w="9525">
+              <a14:hiddenLine xmlns:a14="http://schemas.microsoft.com/office/drawing/2010/main" xmlns="" w="9525">
                 <a:solidFill>
                   <a:srgbClr val="000000"/>
                 </a:solidFill>
@@ -3147,7 +3175,7 @@
           <a:ln/>
           <a:extLst>
             <a:ext uri="{91240B29-F687-4f45-9708-019B960494DF}">
-              <a14:hiddenLine xmlns="" xmlns:a14="http://schemas.microsoft.com/office/drawing/2010/main" w="9525">
+              <a14:hiddenLine xmlns:a14="http://schemas.microsoft.com/office/drawing/2010/main" xmlns="" w="9525">
                 <a:solidFill>
                   <a:srgbClr val="000000"/>
                 </a:solidFill>
@@ -3767,7 +3795,7 @@
           <a:ln/>
           <a:extLst>
             <a:ext uri="{91240B29-F687-4f45-9708-019B960494DF}">
-              <a14:hiddenLine xmlns="" xmlns:a14="http://schemas.microsoft.com/office/drawing/2010/main" w="9525">
+              <a14:hiddenLine xmlns:a14="http://schemas.microsoft.com/office/drawing/2010/main" xmlns="" w="9525">
                 <a:solidFill>
                   <a:srgbClr val="000000"/>
                 </a:solidFill>
@@ -4103,7 +4131,7 @@
           <a:ln/>
           <a:extLst>
             <a:ext uri="{91240B29-F687-4f45-9708-019B960494DF}">
-              <a14:hiddenLine xmlns="" xmlns:a14="http://schemas.microsoft.com/office/drawing/2010/main" w="9525">
+              <a14:hiddenLine xmlns:a14="http://schemas.microsoft.com/office/drawing/2010/main" xmlns="" w="9525">
                 <a:solidFill>
                   <a:srgbClr val="000000"/>
                 </a:solidFill>
@@ -4577,7 +4605,7 @@
           <a:ln/>
           <a:extLst>
             <a:ext uri="{91240B29-F687-4f45-9708-019B960494DF}">
-              <a14:hiddenLine xmlns="" xmlns:a14="http://schemas.microsoft.com/office/drawing/2010/main" w="9525">
+              <a14:hiddenLine xmlns:a14="http://schemas.microsoft.com/office/drawing/2010/main" xmlns="" w="9525">
                 <a:solidFill>
                   <a:srgbClr val="000000"/>
                 </a:solidFill>
@@ -5000,7 +5028,7 @@
           <a:ln/>
           <a:extLst>
             <a:ext uri="{91240B29-F687-4f45-9708-019B960494DF}">
-              <a14:hiddenLine xmlns="" xmlns:a14="http://schemas.microsoft.com/office/drawing/2010/main" w="9525">
+              <a14:hiddenLine xmlns:a14="http://schemas.microsoft.com/office/drawing/2010/main" xmlns="" w="9525">
                 <a:solidFill>
                   <a:srgbClr val="000000"/>
                 </a:solidFill>
@@ -6502,13 +6530,8 @@
             </a:r>
             <a:r>
               <a:rPr lang="en-US" sz="2800" dirty="0" smtClean="0"/>
-              <a:t>    </a:t>
-            </a:r>
-            <a:r>
-              <a:rPr lang="en-US" sz="2800" dirty="0" smtClean="0"/>
-              <a:t>a </a:t>
-            </a:r>
-            <a:endParaRPr lang="en-US" sz="2800" dirty="0" smtClean="0"/>
+              <a:t>    a </a:t>
+            </a:r>
           </a:p>
           <a:p>
             <a:pPr marL="0" indent="0">
@@ -6830,7 +6853,63 @@
           <a:bodyPr/>
           <a:lstStyle/>
           <a:p>
-            <a:endParaRPr lang="en-US"/>
+            <a:r>
+              <a:rPr lang="en-US" dirty="0" smtClean="0"/>
+              <a:t>SQL: </a:t>
+            </a:r>
+            <a:r>
+              <a:rPr lang="en-US" dirty="0"/>
+              <a:t>Structured Query </a:t>
+            </a:r>
+            <a:r>
+              <a:rPr lang="en-US" dirty="0" smtClean="0"/>
+              <a:t>Language</a:t>
+            </a:r>
+          </a:p>
+          <a:p>
+            <a:r>
+              <a:rPr lang="en-US" dirty="0" smtClean="0"/>
+              <a:t>CRUD:</a:t>
+            </a:r>
+          </a:p>
+          <a:p>
+            <a:pPr marL="0" indent="0">
+              <a:buNone/>
+            </a:pPr>
+            <a:r>
+              <a:rPr lang="en-US" dirty="0" smtClean="0"/>
+              <a:t>C: create (table)</a:t>
+            </a:r>
+          </a:p>
+          <a:p>
+            <a:pPr marL="0" indent="0">
+              <a:buNone/>
+            </a:pPr>
+            <a:r>
+              <a:rPr lang="en-US" dirty="0" smtClean="0"/>
+              <a:t>R: retrieve (data)</a:t>
+            </a:r>
+          </a:p>
+          <a:p>
+            <a:pPr marL="0" indent="0">
+              <a:buNone/>
+            </a:pPr>
+            <a:r>
+              <a:rPr lang="en-US" dirty="0" smtClean="0"/>
+              <a:t>U: update (data)</a:t>
+            </a:r>
+          </a:p>
+          <a:p>
+            <a:pPr marL="0" indent="0">
+              <a:buNone/>
+            </a:pPr>
+            <a:r>
+              <a:rPr lang="en-US" dirty="0" smtClean="0"/>
+              <a:t>D: delete</a:t>
+            </a:r>
+          </a:p>
+          <a:p>
+            <a:endParaRPr lang="en-US" dirty="0"/>
           </a:p>
         </p:txBody>
       </p:sp>

--- a/Beginning_SQL_pres.pptx
+++ b/Beginning_SQL_pres.pptx
@@ -5,7 +5,7 @@
     <p:sldMasterId id="2147483648" r:id="rId1"/>
   </p:sldMasterIdLst>
   <p:notesMasterIdLst>
-    <p:notesMasterId r:id="rId9"/>
+    <p:notesMasterId r:id="rId23"/>
   </p:notesMasterIdLst>
   <p:sldIdLst>
     <p:sldId id="256" r:id="rId2"/>
@@ -15,6 +15,20 @@
     <p:sldId id="260" r:id="rId6"/>
     <p:sldId id="262" r:id="rId7"/>
     <p:sldId id="261" r:id="rId8"/>
+    <p:sldId id="263" r:id="rId9"/>
+    <p:sldId id="268" r:id="rId10"/>
+    <p:sldId id="264" r:id="rId11"/>
+    <p:sldId id="265" r:id="rId12"/>
+    <p:sldId id="266" r:id="rId13"/>
+    <p:sldId id="269" r:id="rId14"/>
+    <p:sldId id="272" r:id="rId15"/>
+    <p:sldId id="273" r:id="rId16"/>
+    <p:sldId id="274" r:id="rId17"/>
+    <p:sldId id="275" r:id="rId18"/>
+    <p:sldId id="276" r:id="rId19"/>
+    <p:sldId id="277" r:id="rId20"/>
+    <p:sldId id="278" r:id="rId21"/>
+    <p:sldId id="279" r:id="rId22"/>
   </p:sldIdLst>
   <p:sldSz cx="12192000" cy="6858000"/>
   <p:notesSz cx="6858000" cy="9144000"/>
@@ -517,28 +531,11 @@
           <a:p>
             <a:r>
               <a:rPr lang="en-US" dirty="0" smtClean="0"/>
-              <a:t>This table is pretty clear,</a:t>
+              <a:t>I would also like to thank</a:t>
             </a:r>
             <a:r>
               <a:rPr lang="en-US" baseline="0" dirty="0" smtClean="0"/>
-              <a:t> and you can see all the information and it would be pretty fast for you to scan it and find: 1) all the songs released in 2007 or 2) all the songs that are hip-hop and written by </a:t>
-            </a:r>
-            <a:r>
-              <a:rPr lang="en-US" baseline="0" dirty="0" err="1" smtClean="0"/>
-              <a:t>macklemore</a:t>
-            </a:r>
-            <a:endParaRPr lang="en-US" baseline="0" dirty="0" smtClean="0"/>
-          </a:p>
-          <a:p>
-            <a:r>
-              <a:rPr lang="en-US" baseline="0" dirty="0" smtClean="0"/>
-              <a:t>Now imagine there are 100 songs in this table.   You could use the find function and still pretty easily see all the songs released in 2007, but going through and looking at all the hip-hop songs, and then checking to see if there were written by Macklemore, would be a pain.</a:t>
-            </a:r>
-          </a:p>
-          <a:p>
-            <a:r>
-              <a:rPr lang="en-US" baseline="0" dirty="0" smtClean="0"/>
-              <a:t>Now imagine there are 2 million songs in the table.  At this point even using the find function for all the songs in 2007 might start to tax your computer.  </a:t>
+              <a:t> Digital Workshop for Donating this great space to us.  If you would like a snack, they have some for sale in the back.  The coffee is free.</a:t>
             </a:r>
             <a:endParaRPr lang="en-US" dirty="0"/>
           </a:p>
@@ -561,7 +558,7 @@
           <a:p>
             <a:fld id="{ACD478D8-D3E8-45D7-819A-1AB803E1BBA9}" type="slidenum">
               <a:rPr lang="en-US" smtClean="0"/>
-              <a:t>3</a:t>
+              <a:t>2</a:t>
             </a:fld>
             <a:endParaRPr lang="en-US"/>
           </a:p>
@@ -570,7 +567,625 @@
     </p:spTree>
     <p:extLst>
       <p:ext uri="{BB962C8B-B14F-4D97-AF65-F5344CB8AC3E}">
-        <p14:creationId xmlns:p14="http://schemas.microsoft.com/office/powerpoint/2010/main" val="2981373997"/>
+        <p14:creationId xmlns:p14="http://schemas.microsoft.com/office/powerpoint/2010/main" val="653689481"/>
+      </p:ext>
+    </p:extLst>
+  </p:cSld>
+  <p:clrMapOvr>
+    <a:masterClrMapping/>
+  </p:clrMapOvr>
+</p:notes>
+</file>
+
+<file path=ppt/notesSlides/notesSlide10.xml><?xml version="1.0" encoding="utf-8"?>
+<p:notes xmlns:a="http://schemas.openxmlformats.org/drawingml/2006/main" xmlns:r="http://schemas.openxmlformats.org/officeDocument/2006/relationships" xmlns:p="http://schemas.openxmlformats.org/presentationml/2006/main">
+  <p:cSld>
+    <p:spTree>
+      <p:nvGrpSpPr>
+        <p:cNvPr id="1" name=""/>
+        <p:cNvGrpSpPr/>
+        <p:nvPr/>
+      </p:nvGrpSpPr>
+      <p:grpSpPr>
+        <a:xfrm>
+          <a:off x="0" y="0"/>
+          <a:ext cx="0" cy="0"/>
+          <a:chOff x="0" y="0"/>
+          <a:chExt cx="0" cy="0"/>
+        </a:xfrm>
+      </p:grpSpPr>
+      <p:sp>
+        <p:nvSpPr>
+          <p:cNvPr id="2" name="Slide Image Placeholder 1"/>
+          <p:cNvSpPr>
+            <a:spLocks noGrp="1" noRot="1" noChangeAspect="1"/>
+          </p:cNvSpPr>
+          <p:nvPr>
+            <p:ph type="sldImg"/>
+          </p:nvPr>
+        </p:nvSpPr>
+        <p:spPr/>
+      </p:sp>
+      <p:sp>
+        <p:nvSpPr>
+          <p:cNvPr id="3" name="Notes Placeholder 2"/>
+          <p:cNvSpPr>
+            <a:spLocks noGrp="1"/>
+          </p:cNvSpPr>
+          <p:nvPr>
+            <p:ph type="body" idx="1"/>
+          </p:nvPr>
+        </p:nvSpPr>
+        <p:spPr/>
+        <p:txBody>
+          <a:bodyPr/>
+          <a:lstStyle/>
+          <a:p>
+            <a:r>
+              <a:rPr lang="en-US" dirty="0" smtClean="0"/>
+              <a:t>The Join function isn’t part of CRUD, but it is how you query</a:t>
+            </a:r>
+            <a:r>
+              <a:rPr lang="en-US" baseline="0" dirty="0" smtClean="0"/>
+              <a:t> multiple tables, which in my opinion is the whole point of </a:t>
+            </a:r>
+            <a:r>
+              <a:rPr lang="en-US" baseline="0" dirty="0" err="1" smtClean="0"/>
+              <a:t>RDMS</a:t>
+            </a:r>
+            <a:endParaRPr lang="en-US" dirty="0"/>
+          </a:p>
+        </p:txBody>
+      </p:sp>
+      <p:sp>
+        <p:nvSpPr>
+          <p:cNvPr id="4" name="Slide Number Placeholder 3"/>
+          <p:cNvSpPr>
+            <a:spLocks noGrp="1"/>
+          </p:cNvSpPr>
+          <p:nvPr>
+            <p:ph type="sldNum" sz="quarter" idx="10"/>
+          </p:nvPr>
+        </p:nvSpPr>
+        <p:spPr/>
+        <p:txBody>
+          <a:bodyPr/>
+          <a:lstStyle/>
+          <a:p>
+            <a:fld id="{ACD478D8-D3E8-45D7-819A-1AB803E1BBA9}" type="slidenum">
+              <a:rPr lang="en-US" smtClean="0"/>
+              <a:t>13</a:t>
+            </a:fld>
+            <a:endParaRPr lang="en-US"/>
+          </a:p>
+        </p:txBody>
+      </p:sp>
+    </p:spTree>
+    <p:extLst>
+      <p:ext uri="{BB962C8B-B14F-4D97-AF65-F5344CB8AC3E}">
+        <p14:creationId xmlns:p14="http://schemas.microsoft.com/office/powerpoint/2010/main" val="2479188232"/>
+      </p:ext>
+    </p:extLst>
+  </p:cSld>
+  <p:clrMapOvr>
+    <a:masterClrMapping/>
+  </p:clrMapOvr>
+</p:notes>
+</file>
+
+<file path=ppt/notesSlides/notesSlide11.xml><?xml version="1.0" encoding="utf-8"?>
+<p:notes xmlns:a="http://schemas.openxmlformats.org/drawingml/2006/main" xmlns:r="http://schemas.openxmlformats.org/officeDocument/2006/relationships" xmlns:p="http://schemas.openxmlformats.org/presentationml/2006/main">
+  <p:cSld>
+    <p:spTree>
+      <p:nvGrpSpPr>
+        <p:cNvPr id="1" name=""/>
+        <p:cNvGrpSpPr/>
+        <p:nvPr/>
+      </p:nvGrpSpPr>
+      <p:grpSpPr>
+        <a:xfrm>
+          <a:off x="0" y="0"/>
+          <a:ext cx="0" cy="0"/>
+          <a:chOff x="0" y="0"/>
+          <a:chExt cx="0" cy="0"/>
+        </a:xfrm>
+      </p:grpSpPr>
+      <p:sp>
+        <p:nvSpPr>
+          <p:cNvPr id="2" name="Slide Image Placeholder 1"/>
+          <p:cNvSpPr>
+            <a:spLocks noGrp="1" noRot="1" noChangeAspect="1"/>
+          </p:cNvSpPr>
+          <p:nvPr>
+            <p:ph type="sldImg"/>
+          </p:nvPr>
+        </p:nvSpPr>
+        <p:spPr/>
+      </p:sp>
+      <p:sp>
+        <p:nvSpPr>
+          <p:cNvPr id="3" name="Notes Placeholder 2"/>
+          <p:cNvSpPr>
+            <a:spLocks noGrp="1"/>
+          </p:cNvSpPr>
+          <p:nvPr>
+            <p:ph type="body" idx="1"/>
+          </p:nvPr>
+        </p:nvSpPr>
+        <p:spPr/>
+        <p:txBody>
+          <a:bodyPr/>
+          <a:lstStyle/>
+          <a:p>
+            <a:r>
+              <a:rPr lang="en-US" dirty="0" smtClean="0"/>
+              <a:t>Let’s take a 10 min break here. </a:t>
+            </a:r>
+            <a:endParaRPr lang="en-US" dirty="0"/>
+          </a:p>
+        </p:txBody>
+      </p:sp>
+      <p:sp>
+        <p:nvSpPr>
+          <p:cNvPr id="4" name="Slide Number Placeholder 3"/>
+          <p:cNvSpPr>
+            <a:spLocks noGrp="1"/>
+          </p:cNvSpPr>
+          <p:nvPr>
+            <p:ph type="sldNum" sz="quarter" idx="10"/>
+          </p:nvPr>
+        </p:nvSpPr>
+        <p:spPr/>
+        <p:txBody>
+          <a:bodyPr/>
+          <a:lstStyle/>
+          <a:p>
+            <a:fld id="{ACD478D8-D3E8-45D7-819A-1AB803E1BBA9}" type="slidenum">
+              <a:rPr lang="en-US" smtClean="0"/>
+              <a:t>14</a:t>
+            </a:fld>
+            <a:endParaRPr lang="en-US"/>
+          </a:p>
+        </p:txBody>
+      </p:sp>
+    </p:spTree>
+    <p:extLst>
+      <p:ext uri="{BB962C8B-B14F-4D97-AF65-F5344CB8AC3E}">
+        <p14:creationId xmlns:p14="http://schemas.microsoft.com/office/powerpoint/2010/main" val="1048633721"/>
+      </p:ext>
+    </p:extLst>
+  </p:cSld>
+  <p:clrMapOvr>
+    <a:masterClrMapping/>
+  </p:clrMapOvr>
+</p:notes>
+</file>
+
+<file path=ppt/notesSlides/notesSlide12.xml><?xml version="1.0" encoding="utf-8"?>
+<p:notes xmlns:a="http://schemas.openxmlformats.org/drawingml/2006/main" xmlns:r="http://schemas.openxmlformats.org/officeDocument/2006/relationships" xmlns:p="http://schemas.openxmlformats.org/presentationml/2006/main">
+  <p:cSld>
+    <p:spTree>
+      <p:nvGrpSpPr>
+        <p:cNvPr id="1" name=""/>
+        <p:cNvGrpSpPr/>
+        <p:nvPr/>
+      </p:nvGrpSpPr>
+      <p:grpSpPr>
+        <a:xfrm>
+          <a:off x="0" y="0"/>
+          <a:ext cx="0" cy="0"/>
+          <a:chOff x="0" y="0"/>
+          <a:chExt cx="0" cy="0"/>
+        </a:xfrm>
+      </p:grpSpPr>
+      <p:sp>
+        <p:nvSpPr>
+          <p:cNvPr id="2" name="Slide Image Placeholder 1"/>
+          <p:cNvSpPr>
+            <a:spLocks noGrp="1" noRot="1" noChangeAspect="1"/>
+          </p:cNvSpPr>
+          <p:nvPr>
+            <p:ph type="sldImg"/>
+          </p:nvPr>
+        </p:nvSpPr>
+        <p:spPr/>
+      </p:sp>
+      <p:sp>
+        <p:nvSpPr>
+          <p:cNvPr id="3" name="Notes Placeholder 2"/>
+          <p:cNvSpPr>
+            <a:spLocks noGrp="1"/>
+          </p:cNvSpPr>
+          <p:nvPr>
+            <p:ph type="body" idx="1"/>
+          </p:nvPr>
+        </p:nvSpPr>
+        <p:spPr/>
+        <p:txBody>
+          <a:bodyPr/>
+          <a:lstStyle/>
+          <a:p>
+            <a:r>
+              <a:rPr lang="en-US" dirty="0" smtClean="0"/>
+              <a:t>The first step,</a:t>
+            </a:r>
+            <a:r>
+              <a:rPr lang="en-US" baseline="0" dirty="0" smtClean="0"/>
+              <a:t> and arguably the most important step, </a:t>
+            </a:r>
+            <a:r>
+              <a:rPr lang="en-US" dirty="0" smtClean="0"/>
+              <a:t> in creating a database is planning.</a:t>
+            </a:r>
+            <a:endParaRPr lang="en-US" dirty="0"/>
+          </a:p>
+        </p:txBody>
+      </p:sp>
+      <p:sp>
+        <p:nvSpPr>
+          <p:cNvPr id="4" name="Slide Number Placeholder 3"/>
+          <p:cNvSpPr>
+            <a:spLocks noGrp="1"/>
+          </p:cNvSpPr>
+          <p:nvPr>
+            <p:ph type="sldNum" sz="quarter" idx="10"/>
+          </p:nvPr>
+        </p:nvSpPr>
+        <p:spPr/>
+        <p:txBody>
+          <a:bodyPr/>
+          <a:lstStyle/>
+          <a:p>
+            <a:fld id="{ACD478D8-D3E8-45D7-819A-1AB803E1BBA9}" type="slidenum">
+              <a:rPr lang="en-US" smtClean="0"/>
+              <a:t>16</a:t>
+            </a:fld>
+            <a:endParaRPr lang="en-US"/>
+          </a:p>
+        </p:txBody>
+      </p:sp>
+    </p:spTree>
+    <p:extLst>
+      <p:ext uri="{BB962C8B-B14F-4D97-AF65-F5344CB8AC3E}">
+        <p14:creationId xmlns:p14="http://schemas.microsoft.com/office/powerpoint/2010/main" val="2318525552"/>
+      </p:ext>
+    </p:extLst>
+  </p:cSld>
+  <p:clrMapOvr>
+    <a:masterClrMapping/>
+  </p:clrMapOvr>
+</p:notes>
+</file>
+
+<file path=ppt/notesSlides/notesSlide13.xml><?xml version="1.0" encoding="utf-8"?>
+<p:notes xmlns:a="http://schemas.openxmlformats.org/drawingml/2006/main" xmlns:r="http://schemas.openxmlformats.org/officeDocument/2006/relationships" xmlns:p="http://schemas.openxmlformats.org/presentationml/2006/main">
+  <p:cSld>
+    <p:spTree>
+      <p:nvGrpSpPr>
+        <p:cNvPr id="1" name=""/>
+        <p:cNvGrpSpPr/>
+        <p:nvPr/>
+      </p:nvGrpSpPr>
+      <p:grpSpPr>
+        <a:xfrm>
+          <a:off x="0" y="0"/>
+          <a:ext cx="0" cy="0"/>
+          <a:chOff x="0" y="0"/>
+          <a:chExt cx="0" cy="0"/>
+        </a:xfrm>
+      </p:grpSpPr>
+      <p:sp>
+        <p:nvSpPr>
+          <p:cNvPr id="2" name="Slide Image Placeholder 1"/>
+          <p:cNvSpPr>
+            <a:spLocks noGrp="1" noRot="1" noChangeAspect="1"/>
+          </p:cNvSpPr>
+          <p:nvPr>
+            <p:ph type="sldImg"/>
+          </p:nvPr>
+        </p:nvSpPr>
+        <p:spPr/>
+      </p:sp>
+      <p:sp>
+        <p:nvSpPr>
+          <p:cNvPr id="3" name="Notes Placeholder 2"/>
+          <p:cNvSpPr>
+            <a:spLocks noGrp="1"/>
+          </p:cNvSpPr>
+          <p:nvPr>
+            <p:ph type="body" idx="1"/>
+          </p:nvPr>
+        </p:nvSpPr>
+        <p:spPr/>
+        <p:txBody>
+          <a:bodyPr/>
+          <a:lstStyle/>
+          <a:p>
+            <a:r>
+              <a:rPr lang="en-US" dirty="0" smtClean="0"/>
+              <a:t>I’m going to do this on the white</a:t>
+            </a:r>
+            <a:r>
+              <a:rPr lang="en-US" baseline="0" dirty="0" smtClean="0"/>
+              <a:t> board, because there is no right answer, and ultimately what information you want to manage depends on what you are going to be using it for.  I’ve prepared slides on what I think it should look like, but feel free to personalize at this point.</a:t>
+            </a:r>
+          </a:p>
+          <a:p>
+            <a:r>
+              <a:rPr lang="en-US" baseline="0" dirty="0" smtClean="0"/>
+              <a:t>For my example I am going to say that I am a business that offers 2 services.  Service A and Service B.</a:t>
+            </a:r>
+          </a:p>
+          <a:p>
+            <a:r>
+              <a:rPr lang="en-US" baseline="0" dirty="0" smtClean="0"/>
+              <a:t>And I have clients that are part of larger companies.</a:t>
+            </a:r>
+          </a:p>
+          <a:p>
+            <a:endParaRPr lang="en-US" baseline="0" dirty="0" smtClean="0"/>
+          </a:p>
+          <a:p>
+            <a:pPr marL="171450" indent="-171450">
+              <a:buFont typeface="Arial" panose="020B0604020202020204" pitchFamily="34" charset="0"/>
+              <a:buChar char="•"/>
+            </a:pPr>
+            <a:r>
+              <a:rPr lang="en-US" baseline="0" dirty="0" smtClean="0"/>
+              <a:t>Before we start, a good indicator if something should be it’s own table is if we have to repeat that information.  A well designed database should not have any redundancy.</a:t>
+            </a:r>
+          </a:p>
+          <a:p>
+            <a:pPr marL="171450" indent="-171450">
+              <a:buFont typeface="Arial" panose="020B0604020202020204" pitchFamily="34" charset="0"/>
+              <a:buChar char="•"/>
+            </a:pPr>
+            <a:endParaRPr lang="en-US" baseline="0" dirty="0" smtClean="0"/>
+          </a:p>
+          <a:p>
+            <a:pPr marL="171450" indent="-171450">
+              <a:buFont typeface="Arial" panose="020B0604020202020204" pitchFamily="34" charset="0"/>
+              <a:buChar char="•"/>
+            </a:pPr>
+            <a:endParaRPr lang="en-US" baseline="0" dirty="0" smtClean="0"/>
+          </a:p>
+          <a:p>
+            <a:endParaRPr lang="en-US" baseline="0" dirty="0" smtClean="0"/>
+          </a:p>
+          <a:p>
+            <a:endParaRPr lang="en-US" baseline="0" dirty="0" smtClean="0"/>
+          </a:p>
+          <a:p>
+            <a:endParaRPr lang="en-US" baseline="0" dirty="0" smtClean="0"/>
+          </a:p>
+          <a:p>
+            <a:r>
+              <a:rPr lang="en-US" baseline="0" dirty="0" smtClean="0"/>
+              <a:t>Since this is a client information database, let’s start with Client information table.</a:t>
+            </a:r>
+          </a:p>
+          <a:p>
+            <a:r>
+              <a:rPr lang="en-US" baseline="0" dirty="0" smtClean="0"/>
+              <a:t>Automatically, I add the Primary Key id.  * this doesn’t have to be called id, there are quite a few “best practices scheme” and ultimately you just want to be consistent</a:t>
+            </a:r>
+          </a:p>
+          <a:p>
+            <a:endParaRPr lang="en-US" dirty="0"/>
+          </a:p>
+        </p:txBody>
+      </p:sp>
+      <p:sp>
+        <p:nvSpPr>
+          <p:cNvPr id="4" name="Slide Number Placeholder 3"/>
+          <p:cNvSpPr>
+            <a:spLocks noGrp="1"/>
+          </p:cNvSpPr>
+          <p:nvPr>
+            <p:ph type="sldNum" sz="quarter" idx="10"/>
+          </p:nvPr>
+        </p:nvSpPr>
+        <p:spPr/>
+        <p:txBody>
+          <a:bodyPr/>
+          <a:lstStyle/>
+          <a:p>
+            <a:fld id="{ACD478D8-D3E8-45D7-819A-1AB803E1BBA9}" type="slidenum">
+              <a:rPr lang="en-US" smtClean="0"/>
+              <a:t>17</a:t>
+            </a:fld>
+            <a:endParaRPr lang="en-US"/>
+          </a:p>
+        </p:txBody>
+      </p:sp>
+    </p:spTree>
+    <p:extLst>
+      <p:ext uri="{BB962C8B-B14F-4D97-AF65-F5344CB8AC3E}">
+        <p14:creationId xmlns:p14="http://schemas.microsoft.com/office/powerpoint/2010/main" val="4219943113"/>
+      </p:ext>
+    </p:extLst>
+  </p:cSld>
+  <p:clrMapOvr>
+    <a:masterClrMapping/>
+  </p:clrMapOvr>
+</p:notes>
+</file>
+
+<file path=ppt/notesSlides/notesSlide14.xml><?xml version="1.0" encoding="utf-8"?>
+<p:notes xmlns:a="http://schemas.openxmlformats.org/drawingml/2006/main" xmlns:r="http://schemas.openxmlformats.org/officeDocument/2006/relationships" xmlns:p="http://schemas.openxmlformats.org/presentationml/2006/main">
+  <p:cSld>
+    <p:spTree>
+      <p:nvGrpSpPr>
+        <p:cNvPr id="1" name=""/>
+        <p:cNvGrpSpPr/>
+        <p:nvPr/>
+      </p:nvGrpSpPr>
+      <p:grpSpPr>
+        <a:xfrm>
+          <a:off x="0" y="0"/>
+          <a:ext cx="0" cy="0"/>
+          <a:chOff x="0" y="0"/>
+          <a:chExt cx="0" cy="0"/>
+        </a:xfrm>
+      </p:grpSpPr>
+      <p:sp>
+        <p:nvSpPr>
+          <p:cNvPr id="2" name="Slide Image Placeholder 1"/>
+          <p:cNvSpPr>
+            <a:spLocks noGrp="1" noRot="1" noChangeAspect="1"/>
+          </p:cNvSpPr>
+          <p:nvPr>
+            <p:ph type="sldImg"/>
+          </p:nvPr>
+        </p:nvSpPr>
+        <p:spPr/>
+      </p:sp>
+      <p:sp>
+        <p:nvSpPr>
+          <p:cNvPr id="3" name="Notes Placeholder 2"/>
+          <p:cNvSpPr>
+            <a:spLocks noGrp="1"/>
+          </p:cNvSpPr>
+          <p:nvPr>
+            <p:ph type="body" idx="1"/>
+          </p:nvPr>
+        </p:nvSpPr>
+        <p:spPr/>
+        <p:txBody>
+          <a:bodyPr/>
+          <a:lstStyle/>
+          <a:p>
+            <a:r>
+              <a:rPr lang="en-US" dirty="0" smtClean="0"/>
+              <a:t>So</a:t>
+            </a:r>
+            <a:r>
+              <a:rPr lang="en-US" baseline="0" dirty="0" smtClean="0"/>
+              <a:t> using what we learned earlier create these four tables</a:t>
+            </a:r>
+            <a:endParaRPr lang="en-US" dirty="0"/>
+          </a:p>
+        </p:txBody>
+      </p:sp>
+      <p:sp>
+        <p:nvSpPr>
+          <p:cNvPr id="4" name="Slide Number Placeholder 3"/>
+          <p:cNvSpPr>
+            <a:spLocks noGrp="1"/>
+          </p:cNvSpPr>
+          <p:nvPr>
+            <p:ph type="sldNum" sz="quarter" idx="10"/>
+          </p:nvPr>
+        </p:nvSpPr>
+        <p:spPr/>
+        <p:txBody>
+          <a:bodyPr/>
+          <a:lstStyle/>
+          <a:p>
+            <a:fld id="{ACD478D8-D3E8-45D7-819A-1AB803E1BBA9}" type="slidenum">
+              <a:rPr lang="en-US" smtClean="0"/>
+              <a:t>18</a:t>
+            </a:fld>
+            <a:endParaRPr lang="en-US"/>
+          </a:p>
+        </p:txBody>
+      </p:sp>
+    </p:spTree>
+    <p:extLst>
+      <p:ext uri="{BB962C8B-B14F-4D97-AF65-F5344CB8AC3E}">
+        <p14:creationId xmlns:p14="http://schemas.microsoft.com/office/powerpoint/2010/main" val="1941331614"/>
+      </p:ext>
+    </p:extLst>
+  </p:cSld>
+  <p:clrMapOvr>
+    <a:masterClrMapping/>
+  </p:clrMapOvr>
+</p:notes>
+</file>
+
+<file path=ppt/notesSlides/notesSlide15.xml><?xml version="1.0" encoding="utf-8"?>
+<p:notes xmlns:a="http://schemas.openxmlformats.org/drawingml/2006/main" xmlns:r="http://schemas.openxmlformats.org/officeDocument/2006/relationships" xmlns:p="http://schemas.openxmlformats.org/presentationml/2006/main">
+  <p:cSld>
+    <p:spTree>
+      <p:nvGrpSpPr>
+        <p:cNvPr id="1" name=""/>
+        <p:cNvGrpSpPr/>
+        <p:nvPr/>
+      </p:nvGrpSpPr>
+      <p:grpSpPr>
+        <a:xfrm>
+          <a:off x="0" y="0"/>
+          <a:ext cx="0" cy="0"/>
+          <a:chOff x="0" y="0"/>
+          <a:chExt cx="0" cy="0"/>
+        </a:xfrm>
+      </p:grpSpPr>
+      <p:sp>
+        <p:nvSpPr>
+          <p:cNvPr id="2" name="Slide Image Placeholder 1"/>
+          <p:cNvSpPr>
+            <a:spLocks noGrp="1" noRot="1" noChangeAspect="1"/>
+          </p:cNvSpPr>
+          <p:nvPr>
+            <p:ph type="sldImg"/>
+          </p:nvPr>
+        </p:nvSpPr>
+        <p:spPr/>
+      </p:sp>
+      <p:sp>
+        <p:nvSpPr>
+          <p:cNvPr id="3" name="Notes Placeholder 2"/>
+          <p:cNvSpPr>
+            <a:spLocks noGrp="1"/>
+          </p:cNvSpPr>
+          <p:nvPr>
+            <p:ph type="body" idx="1"/>
+          </p:nvPr>
+        </p:nvSpPr>
+        <p:spPr/>
+        <p:txBody>
+          <a:bodyPr/>
+          <a:lstStyle/>
+          <a:p>
+            <a:r>
+              <a:rPr lang="en-US" dirty="0" smtClean="0"/>
+              <a:t>This is just to practice the</a:t>
+            </a:r>
+            <a:r>
+              <a:rPr lang="en-US" baseline="0" dirty="0" smtClean="0"/>
+              <a:t> different ways of getting information,  I suggest doing the Client information last, because you need to know the Foreign Keys.  The command stays, so you can also only change the name.  You really only need a few rows for company and client information.  </a:t>
+            </a:r>
+            <a:endParaRPr lang="en-US" dirty="0"/>
+          </a:p>
+        </p:txBody>
+      </p:sp>
+      <p:sp>
+        <p:nvSpPr>
+          <p:cNvPr id="4" name="Slide Number Placeholder 3"/>
+          <p:cNvSpPr>
+            <a:spLocks noGrp="1"/>
+          </p:cNvSpPr>
+          <p:nvPr>
+            <p:ph type="sldNum" sz="quarter" idx="10"/>
+          </p:nvPr>
+        </p:nvSpPr>
+        <p:spPr/>
+        <p:txBody>
+          <a:bodyPr/>
+          <a:lstStyle/>
+          <a:p>
+            <a:fld id="{ACD478D8-D3E8-45D7-819A-1AB803E1BBA9}" type="slidenum">
+              <a:rPr lang="en-US" smtClean="0"/>
+              <a:t>19</a:t>
+            </a:fld>
+            <a:endParaRPr lang="en-US"/>
+          </a:p>
+        </p:txBody>
+      </p:sp>
+    </p:spTree>
+    <p:extLst>
+      <p:ext uri="{BB962C8B-B14F-4D97-AF65-F5344CB8AC3E}">
+        <p14:creationId xmlns:p14="http://schemas.microsoft.com/office/powerpoint/2010/main" val="1953823485"/>
       </p:ext>
     </p:extLst>
   </p:cSld>
@@ -626,11 +1241,28 @@
           <a:p>
             <a:r>
               <a:rPr lang="en-US" dirty="0" smtClean="0"/>
-              <a:t>Relational</a:t>
+              <a:t>This table is pretty clear,</a:t>
             </a:r>
             <a:r>
               <a:rPr lang="en-US" baseline="0" dirty="0" smtClean="0"/>
-              <a:t> databases work by actually splitting up the data into individual tables.  And instead of one table referencing a lot of different data, you have a lot of different tables that reference each other.    </a:t>
+              <a:t> and you can see all the information and it would be pretty fast for you to scan it and find: 1) all the songs released in 2007 or 2) all the songs that are hip-hop and written by </a:t>
+            </a:r>
+            <a:r>
+              <a:rPr lang="en-US" baseline="0" dirty="0" err="1" smtClean="0"/>
+              <a:t>macklemore</a:t>
+            </a:r>
+            <a:endParaRPr lang="en-US" baseline="0" dirty="0" smtClean="0"/>
+          </a:p>
+          <a:p>
+            <a:r>
+              <a:rPr lang="en-US" baseline="0" dirty="0" smtClean="0"/>
+              <a:t>Now imagine there are 100 songs in this table.   You could use the find function and still pretty easily see all the songs released in 2007, but going through and looking at all the hip-hop songs, and then checking to see if there were written by Macklemore, would be a pain.</a:t>
+            </a:r>
+          </a:p>
+          <a:p>
+            <a:r>
+              <a:rPr lang="en-US" baseline="0" dirty="0" smtClean="0"/>
+              <a:t>Now imagine there are 2 million songs in the table.  At this point even using the find function for all the songs in 2007 might start to tax your computer.  </a:t>
             </a:r>
             <a:endParaRPr lang="en-US" dirty="0"/>
           </a:p>
@@ -653,7 +1285,7 @@
           <a:p>
             <a:fld id="{ACD478D8-D3E8-45D7-819A-1AB803E1BBA9}" type="slidenum">
               <a:rPr lang="en-US" smtClean="0"/>
-              <a:t>4</a:t>
+              <a:t>3</a:t>
             </a:fld>
             <a:endParaRPr lang="en-US"/>
           </a:p>
@@ -662,7 +1294,7 @@
     </p:spTree>
     <p:extLst>
       <p:ext uri="{BB962C8B-B14F-4D97-AF65-F5344CB8AC3E}">
-        <p14:creationId xmlns:p14="http://schemas.microsoft.com/office/powerpoint/2010/main" val="378192302"/>
+        <p14:creationId xmlns:p14="http://schemas.microsoft.com/office/powerpoint/2010/main" val="2981373997"/>
       </p:ext>
     </p:extLst>
   </p:cSld>
@@ -718,25 +1350,11 @@
           <a:p>
             <a:r>
               <a:rPr lang="en-US" dirty="0" smtClean="0"/>
-              <a:t>You can see that each table has an ID</a:t>
+              <a:t>Relational</a:t>
             </a:r>
             <a:r>
               <a:rPr lang="en-US" baseline="0" dirty="0" smtClean="0"/>
-              <a:t> number, that number is unique, and is called the PRIMARY KEY.   That ID number is how the database program will search for that information.  Just like the find function we talked about earlier, but because it’s a number not a string, the database program can find it faster, using less resources, and it can also use Math.  I’m not going to talk about how a database program actually does this, first I don’t understand it completely myself, but also we don’t really need to know how it works in order to utilize it.</a:t>
-            </a:r>
-          </a:p>
-          <a:p>
-            <a:r>
-              <a:rPr lang="en-US" baseline="0" dirty="0" smtClean="0"/>
-              <a:t>You might have also noticed, how when you use this system you don’t need to re-enter information.  In the excel table, I had to write the same album name, artist, and genre many different times, but here you can just use the number.  For this beginning class, we are going to physically type in the number, but know that all of that data input, and perhaps more importantly data updates is </a:t>
-            </a:r>
-            <a:r>
-              <a:rPr lang="en-US" baseline="0" dirty="0" err="1" smtClean="0"/>
-              <a:t>usally</a:t>
-            </a:r>
-            <a:r>
-              <a:rPr lang="en-US" baseline="0" dirty="0" smtClean="0"/>
-              <a:t> handled automatically by some other program.  PHP is really common when you are talking about website databases, python or R can be used when you are doing “Big Data Analysis”, probably every language has the ability to interface with databases, which is why we are not going to focus on that for this class.  </a:t>
+              <a:t> databases work by actually splitting up the data into individual tables.  And instead of one table referencing a lot of different data, you have a lot of different tables that reference each other.    </a:t>
             </a:r>
             <a:endParaRPr lang="en-US" dirty="0"/>
           </a:p>
@@ -759,7 +1377,7 @@
           <a:p>
             <a:fld id="{ACD478D8-D3E8-45D7-819A-1AB803E1BBA9}" type="slidenum">
               <a:rPr lang="en-US" smtClean="0"/>
-              <a:t>5</a:t>
+              <a:t>4</a:t>
             </a:fld>
             <a:endParaRPr lang="en-US"/>
           </a:p>
@@ -768,7 +1386,7 @@
     </p:spTree>
     <p:extLst>
       <p:ext uri="{BB962C8B-B14F-4D97-AF65-F5344CB8AC3E}">
-        <p14:creationId xmlns:p14="http://schemas.microsoft.com/office/powerpoint/2010/main" val="541782701"/>
+        <p14:creationId xmlns:p14="http://schemas.microsoft.com/office/powerpoint/2010/main" val="378192302"/>
       </p:ext>
     </p:extLst>
   </p:cSld>
@@ -824,39 +1442,25 @@
           <a:p>
             <a:r>
               <a:rPr lang="en-US" dirty="0" smtClean="0"/>
-              <a:t>Now I think databases are awesome, and so do a lot of other people (like every big business</a:t>
+              <a:t>You can see that each table has an ID</a:t>
             </a:r>
             <a:r>
               <a:rPr lang="en-US" baseline="0" dirty="0" smtClean="0"/>
-              <a:t> in existence).  But they do have their downsides.  1) you need to plan your database out first,  you need to figure out all the tables and how they are going to connect BEFORE you put any data in.  Adding tables and subtracting tables as you go is possible, but a lot of work and you run the risk of making the whole thing unstable.   There are other downsides, and if you are interested in that you can go to this website, which gives a pretty good point by point comparison. http://dataconomy.com/sql-vs-nosql-need-know/</a:t>
+              <a:t> number, that number is unique, and is called the PRIMARY KEY.   That ID number is how the database program will search for that information.  Just like the find function we talked about earlier, but because it’s a number not a string, the database program can find it faster, using less resources, and it can also use Math.  I’m not going to talk about how a database program actually does this, first I don’t understand it completely myself, but also we don’t really need to know how it works in order to utilize it.</a:t>
             </a:r>
           </a:p>
           <a:p>
             <a:r>
               <a:rPr lang="en-US" baseline="0" dirty="0" smtClean="0"/>
-              <a:t> </a:t>
-            </a:r>
-          </a:p>
-          <a:p>
+              <a:t>You might have also noticed, how when you use this system you don’t need to re-enter information.  In the excel table, I had to write the same album name, artist, and genre many different times, but here you can just use the number.  For this beginning class, we are going to physically type in the number, but know that all of that data input, and perhaps more importantly data updates is </a:t>
+            </a:r>
+            <a:r>
+              <a:rPr lang="en-US" baseline="0" dirty="0" err="1" smtClean="0"/>
+              <a:t>usally</a:t>
+            </a:r>
             <a:r>
               <a:rPr lang="en-US" baseline="0" dirty="0" smtClean="0"/>
-              <a:t>However, because </a:t>
-            </a:r>
-            <a:r>
-              <a:rPr lang="en-US" baseline="0" dirty="0" err="1" smtClean="0"/>
-              <a:t>RDBs</a:t>
-            </a:r>
-            <a:r>
-              <a:rPr lang="en-US" baseline="0" dirty="0" smtClean="0"/>
-              <a:t> are so popular  there are industry standards.  Such as everybody(</a:t>
-            </a:r>
-            <a:r>
-              <a:rPr lang="en-US" baseline="0" dirty="0" err="1" smtClean="0"/>
-              <a:t>Oriacle</a:t>
-            </a:r>
-            <a:r>
-              <a:rPr lang="en-US" baseline="0" dirty="0" smtClean="0"/>
-              <a:t>, MySQL, SQLite) all use SQL to talk to the database.  </a:t>
+              <a:t> handled automatically by some other program.  PHP is really common when you are talking about website databases, python or R can be used when you are doing “Big Data Analysis”, probably every language has the ability to interface with databases, which is why we are not going to focus on that for this class.  </a:t>
             </a:r>
             <a:endParaRPr lang="en-US" dirty="0"/>
           </a:p>
@@ -879,7 +1483,7 @@
           <a:p>
             <a:fld id="{ACD478D8-D3E8-45D7-819A-1AB803E1BBA9}" type="slidenum">
               <a:rPr lang="en-US" smtClean="0"/>
-              <a:t>6</a:t>
+              <a:t>5</a:t>
             </a:fld>
             <a:endParaRPr lang="en-US"/>
           </a:p>
@@ -888,7 +1492,7 @@
     </p:spTree>
     <p:extLst>
       <p:ext uri="{BB962C8B-B14F-4D97-AF65-F5344CB8AC3E}">
-        <p14:creationId xmlns:p14="http://schemas.microsoft.com/office/powerpoint/2010/main" val="1879172282"/>
+        <p14:creationId xmlns:p14="http://schemas.microsoft.com/office/powerpoint/2010/main" val="541782701"/>
       </p:ext>
     </p:extLst>
   </p:cSld>
@@ -944,15 +1548,131 @@
           <a:p>
             <a:r>
               <a:rPr lang="en-US" dirty="0" smtClean="0"/>
+              <a:t>Now I think databases are awesome, and so do a lot of other people (like every big business</a:t>
+            </a:r>
+            <a:r>
+              <a:rPr lang="en-US" baseline="0" dirty="0" smtClean="0"/>
+              <a:t> in existence).  But they do have their downsides.  1) you need to plan your database out first,  you need to figure out all the tables and how they are going to connect BEFORE you put any data in.  Adding tables and subtracting tables as you go is possible, but a lot of work and you run the risk of making the whole thing unstable.   There are other downsides, and if you are interested in that you can go to this website, which gives a pretty good point by point comparison. http://dataconomy.com/sql-vs-nosql-need-know/</a:t>
+            </a:r>
+          </a:p>
+          <a:p>
+            <a:r>
+              <a:rPr lang="en-US" baseline="0" dirty="0" smtClean="0"/>
+              <a:t> </a:t>
+            </a:r>
+          </a:p>
+          <a:p>
+            <a:r>
+              <a:rPr lang="en-US" baseline="0" dirty="0" smtClean="0"/>
+              <a:t>However, because </a:t>
+            </a:r>
+            <a:r>
+              <a:rPr lang="en-US" baseline="0" dirty="0" err="1" smtClean="0"/>
+              <a:t>RDBs</a:t>
+            </a:r>
+            <a:r>
+              <a:rPr lang="en-US" baseline="0" dirty="0" smtClean="0"/>
+              <a:t> are so popular  there are industry standards.  Such as everybody(</a:t>
+            </a:r>
+            <a:r>
+              <a:rPr lang="en-US" baseline="0" dirty="0" err="1" smtClean="0"/>
+              <a:t>Oriacle</a:t>
+            </a:r>
+            <a:r>
+              <a:rPr lang="en-US" baseline="0" dirty="0" smtClean="0"/>
+              <a:t>, MySQL, SQLite) all use SQL to talk to the database.  </a:t>
+            </a:r>
+            <a:endParaRPr lang="en-US" dirty="0"/>
+          </a:p>
+        </p:txBody>
+      </p:sp>
+      <p:sp>
+        <p:nvSpPr>
+          <p:cNvPr id="4" name="Slide Number Placeholder 3"/>
+          <p:cNvSpPr>
+            <a:spLocks noGrp="1"/>
+          </p:cNvSpPr>
+          <p:nvPr>
+            <p:ph type="sldNum" sz="quarter" idx="10"/>
+          </p:nvPr>
+        </p:nvSpPr>
+        <p:spPr/>
+        <p:txBody>
+          <a:bodyPr/>
+          <a:lstStyle/>
+          <a:p>
+            <a:fld id="{ACD478D8-D3E8-45D7-819A-1AB803E1BBA9}" type="slidenum">
+              <a:rPr lang="en-US" smtClean="0"/>
+              <a:t>6</a:t>
+            </a:fld>
+            <a:endParaRPr lang="en-US"/>
+          </a:p>
+        </p:txBody>
+      </p:sp>
+    </p:spTree>
+    <p:extLst>
+      <p:ext uri="{BB962C8B-B14F-4D97-AF65-F5344CB8AC3E}">
+        <p14:creationId xmlns:p14="http://schemas.microsoft.com/office/powerpoint/2010/main" val="1879172282"/>
+      </p:ext>
+    </p:extLst>
+  </p:cSld>
+  <p:clrMapOvr>
+    <a:masterClrMapping/>
+  </p:clrMapOvr>
+</p:notes>
+</file>
+
+<file path=ppt/notesSlides/notesSlide6.xml><?xml version="1.0" encoding="utf-8"?>
+<p:notes xmlns:a="http://schemas.openxmlformats.org/drawingml/2006/main" xmlns:r="http://schemas.openxmlformats.org/officeDocument/2006/relationships" xmlns:p="http://schemas.openxmlformats.org/presentationml/2006/main">
+  <p:cSld>
+    <p:spTree>
+      <p:nvGrpSpPr>
+        <p:cNvPr id="1" name=""/>
+        <p:cNvGrpSpPr/>
+        <p:nvPr/>
+      </p:nvGrpSpPr>
+      <p:grpSpPr>
+        <a:xfrm>
+          <a:off x="0" y="0"/>
+          <a:ext cx="0" cy="0"/>
+          <a:chOff x="0" y="0"/>
+          <a:chExt cx="0" cy="0"/>
+        </a:xfrm>
+      </p:grpSpPr>
+      <p:sp>
+        <p:nvSpPr>
+          <p:cNvPr id="2" name="Slide Image Placeholder 1"/>
+          <p:cNvSpPr>
+            <a:spLocks noGrp="1" noRot="1" noChangeAspect="1"/>
+          </p:cNvSpPr>
+          <p:nvPr>
+            <p:ph type="sldImg"/>
+          </p:nvPr>
+        </p:nvSpPr>
+        <p:spPr/>
+      </p:sp>
+      <p:sp>
+        <p:nvSpPr>
+          <p:cNvPr id="3" name="Notes Placeholder 2"/>
+          <p:cNvSpPr>
+            <a:spLocks noGrp="1"/>
+          </p:cNvSpPr>
+          <p:nvPr>
+            <p:ph type="body" idx="1"/>
+          </p:nvPr>
+        </p:nvSpPr>
+        <p:spPr/>
+        <p:txBody>
+          <a:bodyPr/>
+          <a:lstStyle/>
+          <a:p>
+            <a:r>
+              <a:rPr lang="en-US" dirty="0" smtClean="0"/>
               <a:t>Now</a:t>
             </a:r>
             <a:r>
               <a:rPr lang="en-US" baseline="0" dirty="0" smtClean="0"/>
-              <a:t> that you have a brief overlook of how databases work, and why you </a:t>
-            </a:r>
-            <a:r>
-              <a:rPr lang="en-US" baseline="0" dirty="0" smtClean="0"/>
-              <a:t>might want to use them.  Let’s get into SQL.  SQL stands for </a:t>
+              <a:t> that you have a brief overlook of how databases work, and why you might want to use them.  Let’s get into SQL.  SQL stands for </a:t>
             </a:r>
             <a:r>
               <a:rPr lang="en-US" sz="1200" b="0" i="0" kern="1200" dirty="0" smtClean="0">
@@ -1009,6 +1729,287 @@
     <p:extLst>
       <p:ext uri="{BB962C8B-B14F-4D97-AF65-F5344CB8AC3E}">
         <p14:creationId xmlns:p14="http://schemas.microsoft.com/office/powerpoint/2010/main" val="1554279606"/>
+      </p:ext>
+    </p:extLst>
+  </p:cSld>
+  <p:clrMapOvr>
+    <a:masterClrMapping/>
+  </p:clrMapOvr>
+</p:notes>
+</file>
+
+<file path=ppt/notesSlides/notesSlide7.xml><?xml version="1.0" encoding="utf-8"?>
+<p:notes xmlns:a="http://schemas.openxmlformats.org/drawingml/2006/main" xmlns:r="http://schemas.openxmlformats.org/officeDocument/2006/relationships" xmlns:p="http://schemas.openxmlformats.org/presentationml/2006/main">
+  <p:cSld>
+    <p:spTree>
+      <p:nvGrpSpPr>
+        <p:cNvPr id="1" name=""/>
+        <p:cNvGrpSpPr/>
+        <p:nvPr/>
+      </p:nvGrpSpPr>
+      <p:grpSpPr>
+        <a:xfrm>
+          <a:off x="0" y="0"/>
+          <a:ext cx="0" cy="0"/>
+          <a:chOff x="0" y="0"/>
+          <a:chExt cx="0" cy="0"/>
+        </a:xfrm>
+      </p:grpSpPr>
+      <p:sp>
+        <p:nvSpPr>
+          <p:cNvPr id="2" name="Slide Image Placeholder 1"/>
+          <p:cNvSpPr>
+            <a:spLocks noGrp="1" noRot="1" noChangeAspect="1"/>
+          </p:cNvSpPr>
+          <p:nvPr>
+            <p:ph type="sldImg"/>
+          </p:nvPr>
+        </p:nvSpPr>
+        <p:spPr/>
+      </p:sp>
+      <p:sp>
+        <p:nvSpPr>
+          <p:cNvPr id="3" name="Notes Placeholder 2"/>
+          <p:cNvSpPr>
+            <a:spLocks noGrp="1"/>
+          </p:cNvSpPr>
+          <p:nvPr>
+            <p:ph type="body" idx="1"/>
+          </p:nvPr>
+        </p:nvSpPr>
+        <p:spPr/>
+        <p:txBody>
+          <a:bodyPr/>
+          <a:lstStyle/>
+          <a:p>
+            <a:r>
+              <a:rPr lang="en-US" dirty="0" smtClean="0"/>
+              <a:t>Lets create</a:t>
+            </a:r>
+            <a:r>
+              <a:rPr lang="en-US" baseline="0" dirty="0" smtClean="0"/>
+              <a:t> three tables.  This is the generic create table function.  The purple color indicates information you are providing, and the black is actual SQL commands.  So we are going to create three tables  song, artist and  genre.  Remember that each table needs to have a Primary Key, so I like to always do the first column name as id.  * as a side note columns are commonly called “fields” .  </a:t>
+            </a:r>
+          </a:p>
+          <a:p>
+            <a:r>
+              <a:rPr lang="en-US" baseline="0" dirty="0" smtClean="0"/>
+              <a:t>Anyone familiar with Java won’t be surprised that you have to tell SQL what kind of information (datatype) you are going to put into your column/field.  Here is a list of common data types.  These are just a few of the data types that we will be using, there are a ton more that you can find pretty easily on the internet</a:t>
+            </a:r>
+          </a:p>
+        </p:txBody>
+      </p:sp>
+      <p:sp>
+        <p:nvSpPr>
+          <p:cNvPr id="4" name="Slide Number Placeholder 3"/>
+          <p:cNvSpPr>
+            <a:spLocks noGrp="1"/>
+          </p:cNvSpPr>
+          <p:nvPr>
+            <p:ph type="sldNum" sz="quarter" idx="10"/>
+          </p:nvPr>
+        </p:nvSpPr>
+        <p:spPr/>
+        <p:txBody>
+          <a:bodyPr/>
+          <a:lstStyle/>
+          <a:p>
+            <a:fld id="{ACD478D8-D3E8-45D7-819A-1AB803E1BBA9}" type="slidenum">
+              <a:rPr lang="en-US" smtClean="0"/>
+              <a:t>8</a:t>
+            </a:fld>
+            <a:endParaRPr lang="en-US"/>
+          </a:p>
+        </p:txBody>
+      </p:sp>
+    </p:spTree>
+    <p:extLst>
+      <p:ext uri="{BB962C8B-B14F-4D97-AF65-F5344CB8AC3E}">
+        <p14:creationId xmlns:p14="http://schemas.microsoft.com/office/powerpoint/2010/main" val="1236710469"/>
+      </p:ext>
+    </p:extLst>
+  </p:cSld>
+  <p:clrMapOvr>
+    <a:masterClrMapping/>
+  </p:clrMapOvr>
+</p:notes>
+</file>
+
+<file path=ppt/notesSlides/notesSlide8.xml><?xml version="1.0" encoding="utf-8"?>
+<p:notes xmlns:a="http://schemas.openxmlformats.org/drawingml/2006/main" xmlns:r="http://schemas.openxmlformats.org/officeDocument/2006/relationships" xmlns:p="http://schemas.openxmlformats.org/presentationml/2006/main">
+  <p:cSld>
+    <p:spTree>
+      <p:nvGrpSpPr>
+        <p:cNvPr id="1" name=""/>
+        <p:cNvGrpSpPr/>
+        <p:nvPr/>
+      </p:nvGrpSpPr>
+      <p:grpSpPr>
+        <a:xfrm>
+          <a:off x="0" y="0"/>
+          <a:ext cx="0" cy="0"/>
+          <a:chOff x="0" y="0"/>
+          <a:chExt cx="0" cy="0"/>
+        </a:xfrm>
+      </p:grpSpPr>
+      <p:sp>
+        <p:nvSpPr>
+          <p:cNvPr id="2" name="Slide Image Placeholder 1"/>
+          <p:cNvSpPr>
+            <a:spLocks noGrp="1" noRot="1" noChangeAspect="1"/>
+          </p:cNvSpPr>
+          <p:nvPr>
+            <p:ph type="sldImg"/>
+          </p:nvPr>
+        </p:nvSpPr>
+        <p:spPr/>
+      </p:sp>
+      <p:sp>
+        <p:nvSpPr>
+          <p:cNvPr id="3" name="Notes Placeholder 2"/>
+          <p:cNvSpPr>
+            <a:spLocks noGrp="1"/>
+          </p:cNvSpPr>
+          <p:nvPr>
+            <p:ph type="body" idx="1"/>
+          </p:nvPr>
+        </p:nvSpPr>
+        <p:spPr/>
+        <p:txBody>
+          <a:bodyPr/>
+          <a:lstStyle/>
+          <a:p>
+            <a:r>
+              <a:rPr lang="en-US" dirty="0" smtClean="0"/>
+              <a:t>Lets select</a:t>
+            </a:r>
+            <a:r>
+              <a:rPr lang="en-US" baseline="0" dirty="0" smtClean="0"/>
+              <a:t> the whole table</a:t>
+            </a:r>
+            <a:endParaRPr lang="en-US" dirty="0"/>
+          </a:p>
+        </p:txBody>
+      </p:sp>
+      <p:sp>
+        <p:nvSpPr>
+          <p:cNvPr id="4" name="Slide Number Placeholder 3"/>
+          <p:cNvSpPr>
+            <a:spLocks noGrp="1"/>
+          </p:cNvSpPr>
+          <p:nvPr>
+            <p:ph type="sldNum" sz="quarter" idx="10"/>
+          </p:nvPr>
+        </p:nvSpPr>
+        <p:spPr/>
+        <p:txBody>
+          <a:bodyPr/>
+          <a:lstStyle/>
+          <a:p>
+            <a:fld id="{ACD478D8-D3E8-45D7-819A-1AB803E1BBA9}" type="slidenum">
+              <a:rPr lang="en-US" smtClean="0"/>
+              <a:t>10</a:t>
+            </a:fld>
+            <a:endParaRPr lang="en-US"/>
+          </a:p>
+        </p:txBody>
+      </p:sp>
+    </p:spTree>
+    <p:extLst>
+      <p:ext uri="{BB962C8B-B14F-4D97-AF65-F5344CB8AC3E}">
+        <p14:creationId xmlns:p14="http://schemas.microsoft.com/office/powerpoint/2010/main" val="538959263"/>
+      </p:ext>
+    </p:extLst>
+  </p:cSld>
+  <p:clrMapOvr>
+    <a:masterClrMapping/>
+  </p:clrMapOvr>
+</p:notes>
+</file>
+
+<file path=ppt/notesSlides/notesSlide9.xml><?xml version="1.0" encoding="utf-8"?>
+<p:notes xmlns:a="http://schemas.openxmlformats.org/drawingml/2006/main" xmlns:r="http://schemas.openxmlformats.org/officeDocument/2006/relationships" xmlns:p="http://schemas.openxmlformats.org/presentationml/2006/main">
+  <p:cSld>
+    <p:spTree>
+      <p:nvGrpSpPr>
+        <p:cNvPr id="1" name=""/>
+        <p:cNvGrpSpPr/>
+        <p:nvPr/>
+      </p:nvGrpSpPr>
+      <p:grpSpPr>
+        <a:xfrm>
+          <a:off x="0" y="0"/>
+          <a:ext cx="0" cy="0"/>
+          <a:chOff x="0" y="0"/>
+          <a:chExt cx="0" cy="0"/>
+        </a:xfrm>
+      </p:grpSpPr>
+      <p:sp>
+        <p:nvSpPr>
+          <p:cNvPr id="2" name="Slide Image Placeholder 1"/>
+          <p:cNvSpPr>
+            <a:spLocks noGrp="1" noRot="1" noChangeAspect="1"/>
+          </p:cNvSpPr>
+          <p:nvPr>
+            <p:ph type="sldImg"/>
+          </p:nvPr>
+        </p:nvSpPr>
+        <p:spPr/>
+      </p:sp>
+      <p:sp>
+        <p:nvSpPr>
+          <p:cNvPr id="3" name="Notes Placeholder 2"/>
+          <p:cNvSpPr>
+            <a:spLocks noGrp="1"/>
+          </p:cNvSpPr>
+          <p:nvPr>
+            <p:ph type="body" idx="1"/>
+          </p:nvPr>
+        </p:nvSpPr>
+        <p:spPr/>
+        <p:txBody>
+          <a:bodyPr/>
+          <a:lstStyle/>
+          <a:p>
+            <a:r>
+              <a:rPr lang="en-US" dirty="0" smtClean="0"/>
+              <a:t>So</a:t>
+            </a:r>
+            <a:r>
+              <a:rPr lang="en-US" baseline="0" dirty="0" smtClean="0"/>
+              <a:t> lets say there was a mistake in one of the entries.  This is how we delete </a:t>
+            </a:r>
+            <a:endParaRPr lang="en-US" dirty="0"/>
+          </a:p>
+        </p:txBody>
+      </p:sp>
+      <p:sp>
+        <p:nvSpPr>
+          <p:cNvPr id="4" name="Slide Number Placeholder 3"/>
+          <p:cNvSpPr>
+            <a:spLocks noGrp="1"/>
+          </p:cNvSpPr>
+          <p:nvPr>
+            <p:ph type="sldNum" sz="quarter" idx="10"/>
+          </p:nvPr>
+        </p:nvSpPr>
+        <p:spPr/>
+        <p:txBody>
+          <a:bodyPr/>
+          <a:lstStyle/>
+          <a:p>
+            <a:fld id="{ACD478D8-D3E8-45D7-819A-1AB803E1BBA9}" type="slidenum">
+              <a:rPr lang="en-US" smtClean="0"/>
+              <a:t>12</a:t>
+            </a:fld>
+            <a:endParaRPr lang="en-US"/>
+          </a:p>
+        </p:txBody>
+      </p:sp>
+    </p:spTree>
+    <p:extLst>
+      <p:ext uri="{BB962C8B-B14F-4D97-AF65-F5344CB8AC3E}">
+        <p14:creationId xmlns:p14="http://schemas.microsoft.com/office/powerpoint/2010/main" val="1577780608"/>
       </p:ext>
     </p:extLst>
   </p:cSld>
@@ -1113,7 +2114,7 @@
           <a:effectLst/>
           <a:extLst>
             <a:ext uri="{91240B29-F687-4f45-9708-019B960494DF}">
-              <a14:hiddenLine xmlns:a14="http://schemas.microsoft.com/office/drawing/2010/main" xmlns="" w="9525">
+              <a14:hiddenLine xmlns="" xmlns:a14="http://schemas.microsoft.com/office/drawing/2010/main" w="9525">
                 <a:solidFill>
                   <a:srgbClr val="000000"/>
                 </a:solidFill>
@@ -2623,7 +3624,7 @@
           <a:ln/>
           <a:extLst>
             <a:ext uri="{91240B29-F687-4f45-9708-019B960494DF}">
-              <a14:hiddenLine xmlns:a14="http://schemas.microsoft.com/office/drawing/2010/main" xmlns="" w="9525">
+              <a14:hiddenLine xmlns="" xmlns:a14="http://schemas.microsoft.com/office/drawing/2010/main" w="9525">
                 <a:solidFill>
                   <a:srgbClr val="000000"/>
                 </a:solidFill>
@@ -2895,7 +3896,7 @@
           <a:ln/>
           <a:extLst>
             <a:ext uri="{91240B29-F687-4f45-9708-019B960494DF}">
-              <a14:hiddenLine xmlns:a14="http://schemas.microsoft.com/office/drawing/2010/main" xmlns="" w="9525">
+              <a14:hiddenLine xmlns="" xmlns:a14="http://schemas.microsoft.com/office/drawing/2010/main" w="9525">
                 <a:solidFill>
                   <a:srgbClr val="000000"/>
                 </a:solidFill>
@@ -3175,7 +4176,7 @@
           <a:ln/>
           <a:extLst>
             <a:ext uri="{91240B29-F687-4f45-9708-019B960494DF}">
-              <a14:hiddenLine xmlns:a14="http://schemas.microsoft.com/office/drawing/2010/main" xmlns="" w="9525">
+              <a14:hiddenLine xmlns="" xmlns:a14="http://schemas.microsoft.com/office/drawing/2010/main" w="9525">
                 <a:solidFill>
                   <a:srgbClr val="000000"/>
                 </a:solidFill>
@@ -3795,7 +4796,7 @@
           <a:ln/>
           <a:extLst>
             <a:ext uri="{91240B29-F687-4f45-9708-019B960494DF}">
-              <a14:hiddenLine xmlns:a14="http://schemas.microsoft.com/office/drawing/2010/main" xmlns="" w="9525">
+              <a14:hiddenLine xmlns="" xmlns:a14="http://schemas.microsoft.com/office/drawing/2010/main" w="9525">
                 <a:solidFill>
                   <a:srgbClr val="000000"/>
                 </a:solidFill>
@@ -4131,7 +5132,7 @@
           <a:ln/>
           <a:extLst>
             <a:ext uri="{91240B29-F687-4f45-9708-019B960494DF}">
-              <a14:hiddenLine xmlns:a14="http://schemas.microsoft.com/office/drawing/2010/main" xmlns="" w="9525">
+              <a14:hiddenLine xmlns="" xmlns:a14="http://schemas.microsoft.com/office/drawing/2010/main" w="9525">
                 <a:solidFill>
                   <a:srgbClr val="000000"/>
                 </a:solidFill>
@@ -4605,7 +5606,7 @@
           <a:ln/>
           <a:extLst>
             <a:ext uri="{91240B29-F687-4f45-9708-019B960494DF}">
-              <a14:hiddenLine xmlns:a14="http://schemas.microsoft.com/office/drawing/2010/main" xmlns="" w="9525">
+              <a14:hiddenLine xmlns="" xmlns:a14="http://schemas.microsoft.com/office/drawing/2010/main" w="9525">
                 <a:solidFill>
                   <a:srgbClr val="000000"/>
                 </a:solidFill>
@@ -5028,7 +6029,7 @@
           <a:ln/>
           <a:extLst>
             <a:ext uri="{91240B29-F687-4f45-9708-019B960494DF}">
-              <a14:hiddenLine xmlns:a14="http://schemas.microsoft.com/office/drawing/2010/main" xmlns="" w="9525">
+              <a14:hiddenLine xmlns="" xmlns:a14="http://schemas.microsoft.com/office/drawing/2010/main" w="9525">
                 <a:solidFill>
                   <a:srgbClr val="000000"/>
                 </a:solidFill>
@@ -6328,6 +7329,1663 @@
 </p:sld>
 </file>
 
+<file path=ppt/slides/slide10.xml><?xml version="1.0" encoding="utf-8"?>
+<p:sld xmlns:a="http://schemas.openxmlformats.org/drawingml/2006/main" xmlns:r="http://schemas.openxmlformats.org/officeDocument/2006/relationships" xmlns:p="http://schemas.openxmlformats.org/presentationml/2006/main">
+  <p:cSld>
+    <p:spTree>
+      <p:nvGrpSpPr>
+        <p:cNvPr id="1" name=""/>
+        <p:cNvGrpSpPr/>
+        <p:nvPr/>
+      </p:nvGrpSpPr>
+      <p:grpSpPr>
+        <a:xfrm>
+          <a:off x="0" y="0"/>
+          <a:ext cx="0" cy="0"/>
+          <a:chOff x="0" y="0"/>
+          <a:chExt cx="0" cy="0"/>
+        </a:xfrm>
+      </p:grpSpPr>
+      <p:sp>
+        <p:nvSpPr>
+          <p:cNvPr id="2" name="Title 1"/>
+          <p:cNvSpPr>
+            <a:spLocks noGrp="1"/>
+          </p:cNvSpPr>
+          <p:nvPr>
+            <p:ph type="title"/>
+          </p:nvPr>
+        </p:nvSpPr>
+        <p:spPr/>
+        <p:txBody>
+          <a:bodyPr/>
+          <a:lstStyle/>
+          <a:p>
+            <a:r>
+              <a:rPr lang="en-US" dirty="0" smtClean="0"/>
+              <a:t>Retrieve/Read</a:t>
+            </a:r>
+            <a:endParaRPr lang="en-US" dirty="0"/>
+          </a:p>
+        </p:txBody>
+      </p:sp>
+      <p:sp>
+        <p:nvSpPr>
+          <p:cNvPr id="3" name="Content Placeholder 2"/>
+          <p:cNvSpPr>
+            <a:spLocks noGrp="1"/>
+          </p:cNvSpPr>
+          <p:nvPr>
+            <p:ph idx="1"/>
+          </p:nvPr>
+        </p:nvSpPr>
+        <p:spPr/>
+        <p:txBody>
+          <a:bodyPr/>
+          <a:lstStyle/>
+          <a:p>
+            <a:endParaRPr lang="en-US" dirty="0"/>
+          </a:p>
+        </p:txBody>
+      </p:sp>
+    </p:spTree>
+    <p:extLst>
+      <p:ext uri="{BB962C8B-B14F-4D97-AF65-F5344CB8AC3E}">
+        <p14:creationId xmlns:p14="http://schemas.microsoft.com/office/powerpoint/2010/main" val="3711139260"/>
+      </p:ext>
+    </p:extLst>
+  </p:cSld>
+  <p:clrMapOvr>
+    <a:masterClrMapping/>
+  </p:clrMapOvr>
+  <p:timing>
+    <p:tnLst>
+      <p:par>
+        <p:cTn id="1" dur="indefinite" restart="never" nodeType="tmRoot"/>
+      </p:par>
+    </p:tnLst>
+  </p:timing>
+</p:sld>
+</file>
+
+<file path=ppt/slides/slide11.xml><?xml version="1.0" encoding="utf-8"?>
+<p:sld xmlns:a="http://schemas.openxmlformats.org/drawingml/2006/main" xmlns:r="http://schemas.openxmlformats.org/officeDocument/2006/relationships" xmlns:p="http://schemas.openxmlformats.org/presentationml/2006/main">
+  <p:cSld>
+    <p:spTree>
+      <p:nvGrpSpPr>
+        <p:cNvPr id="1" name=""/>
+        <p:cNvGrpSpPr/>
+        <p:nvPr/>
+      </p:nvGrpSpPr>
+      <p:grpSpPr>
+        <a:xfrm>
+          <a:off x="0" y="0"/>
+          <a:ext cx="0" cy="0"/>
+          <a:chOff x="0" y="0"/>
+          <a:chExt cx="0" cy="0"/>
+        </a:xfrm>
+      </p:grpSpPr>
+      <p:sp>
+        <p:nvSpPr>
+          <p:cNvPr id="2" name="Title 1"/>
+          <p:cNvSpPr>
+            <a:spLocks noGrp="1"/>
+          </p:cNvSpPr>
+          <p:nvPr>
+            <p:ph type="title"/>
+          </p:nvPr>
+        </p:nvSpPr>
+        <p:spPr/>
+        <p:txBody>
+          <a:bodyPr/>
+          <a:lstStyle/>
+          <a:p>
+            <a:r>
+              <a:rPr lang="en-US" dirty="0" smtClean="0"/>
+              <a:t>Update</a:t>
+            </a:r>
+            <a:endParaRPr lang="en-US" dirty="0"/>
+          </a:p>
+        </p:txBody>
+      </p:sp>
+      <p:sp>
+        <p:nvSpPr>
+          <p:cNvPr id="3" name="Content Placeholder 2"/>
+          <p:cNvSpPr>
+            <a:spLocks noGrp="1"/>
+          </p:cNvSpPr>
+          <p:nvPr>
+            <p:ph idx="1"/>
+          </p:nvPr>
+        </p:nvSpPr>
+        <p:spPr/>
+        <p:txBody>
+          <a:bodyPr/>
+          <a:lstStyle/>
+          <a:p>
+            <a:endParaRPr lang="en-US"/>
+          </a:p>
+        </p:txBody>
+      </p:sp>
+    </p:spTree>
+    <p:extLst>
+      <p:ext uri="{BB962C8B-B14F-4D97-AF65-F5344CB8AC3E}">
+        <p14:creationId xmlns:p14="http://schemas.microsoft.com/office/powerpoint/2010/main" val="3839475506"/>
+      </p:ext>
+    </p:extLst>
+  </p:cSld>
+  <p:clrMapOvr>
+    <a:masterClrMapping/>
+  </p:clrMapOvr>
+  <p:timing>
+    <p:tnLst>
+      <p:par>
+        <p:cTn id="1" dur="indefinite" restart="never" nodeType="tmRoot"/>
+      </p:par>
+    </p:tnLst>
+  </p:timing>
+</p:sld>
+</file>
+
+<file path=ppt/slides/slide12.xml><?xml version="1.0" encoding="utf-8"?>
+<p:sld xmlns:a="http://schemas.openxmlformats.org/drawingml/2006/main" xmlns:r="http://schemas.openxmlformats.org/officeDocument/2006/relationships" xmlns:p="http://schemas.openxmlformats.org/presentationml/2006/main">
+  <p:cSld>
+    <p:spTree>
+      <p:nvGrpSpPr>
+        <p:cNvPr id="1" name=""/>
+        <p:cNvGrpSpPr/>
+        <p:nvPr/>
+      </p:nvGrpSpPr>
+      <p:grpSpPr>
+        <a:xfrm>
+          <a:off x="0" y="0"/>
+          <a:ext cx="0" cy="0"/>
+          <a:chOff x="0" y="0"/>
+          <a:chExt cx="0" cy="0"/>
+        </a:xfrm>
+      </p:grpSpPr>
+      <p:sp>
+        <p:nvSpPr>
+          <p:cNvPr id="2" name="Title 1"/>
+          <p:cNvSpPr>
+            <a:spLocks noGrp="1"/>
+          </p:cNvSpPr>
+          <p:nvPr>
+            <p:ph type="title"/>
+          </p:nvPr>
+        </p:nvSpPr>
+        <p:spPr/>
+        <p:txBody>
+          <a:bodyPr/>
+          <a:lstStyle/>
+          <a:p>
+            <a:r>
+              <a:rPr lang="en-US" dirty="0" smtClean="0"/>
+              <a:t>Delete</a:t>
+            </a:r>
+            <a:endParaRPr lang="en-US" dirty="0"/>
+          </a:p>
+        </p:txBody>
+      </p:sp>
+      <p:sp>
+        <p:nvSpPr>
+          <p:cNvPr id="3" name="Content Placeholder 2"/>
+          <p:cNvSpPr>
+            <a:spLocks noGrp="1"/>
+          </p:cNvSpPr>
+          <p:nvPr>
+            <p:ph idx="1"/>
+          </p:nvPr>
+        </p:nvSpPr>
+        <p:spPr/>
+        <p:txBody>
+          <a:bodyPr/>
+          <a:lstStyle/>
+          <a:p>
+            <a:endParaRPr lang="en-US"/>
+          </a:p>
+        </p:txBody>
+      </p:sp>
+    </p:spTree>
+    <p:extLst>
+      <p:ext uri="{BB962C8B-B14F-4D97-AF65-F5344CB8AC3E}">
+        <p14:creationId xmlns:p14="http://schemas.microsoft.com/office/powerpoint/2010/main" val="1069394999"/>
+      </p:ext>
+    </p:extLst>
+  </p:cSld>
+  <p:clrMapOvr>
+    <a:masterClrMapping/>
+  </p:clrMapOvr>
+  <p:timing>
+    <p:tnLst>
+      <p:par>
+        <p:cTn id="1" dur="indefinite" restart="never" nodeType="tmRoot"/>
+      </p:par>
+    </p:tnLst>
+  </p:timing>
+</p:sld>
+</file>
+
+<file path=ppt/slides/slide13.xml><?xml version="1.0" encoding="utf-8"?>
+<p:sld xmlns:a="http://schemas.openxmlformats.org/drawingml/2006/main" xmlns:r="http://schemas.openxmlformats.org/officeDocument/2006/relationships" xmlns:p="http://schemas.openxmlformats.org/presentationml/2006/main">
+  <p:cSld>
+    <p:spTree>
+      <p:nvGrpSpPr>
+        <p:cNvPr id="1" name=""/>
+        <p:cNvGrpSpPr/>
+        <p:nvPr/>
+      </p:nvGrpSpPr>
+      <p:grpSpPr>
+        <a:xfrm>
+          <a:off x="0" y="0"/>
+          <a:ext cx="0" cy="0"/>
+          <a:chOff x="0" y="0"/>
+          <a:chExt cx="0" cy="0"/>
+        </a:xfrm>
+      </p:grpSpPr>
+      <p:sp>
+        <p:nvSpPr>
+          <p:cNvPr id="2" name="Title 1"/>
+          <p:cNvSpPr>
+            <a:spLocks noGrp="1"/>
+          </p:cNvSpPr>
+          <p:nvPr>
+            <p:ph type="title"/>
+          </p:nvPr>
+        </p:nvSpPr>
+        <p:spPr/>
+        <p:txBody>
+          <a:bodyPr/>
+          <a:lstStyle/>
+          <a:p>
+            <a:r>
+              <a:rPr lang="en-US" dirty="0" smtClean="0"/>
+              <a:t>Join</a:t>
+            </a:r>
+            <a:endParaRPr lang="en-US" dirty="0"/>
+          </a:p>
+        </p:txBody>
+      </p:sp>
+      <p:sp>
+        <p:nvSpPr>
+          <p:cNvPr id="3" name="Content Placeholder 2"/>
+          <p:cNvSpPr>
+            <a:spLocks noGrp="1"/>
+          </p:cNvSpPr>
+          <p:nvPr>
+            <p:ph idx="1"/>
+          </p:nvPr>
+        </p:nvSpPr>
+        <p:spPr/>
+        <p:txBody>
+          <a:bodyPr/>
+          <a:lstStyle/>
+          <a:p>
+            <a:endParaRPr lang="en-US" dirty="0"/>
+          </a:p>
+        </p:txBody>
+      </p:sp>
+    </p:spTree>
+    <p:extLst>
+      <p:ext uri="{BB962C8B-B14F-4D97-AF65-F5344CB8AC3E}">
+        <p14:creationId xmlns:p14="http://schemas.microsoft.com/office/powerpoint/2010/main" val="500879669"/>
+      </p:ext>
+    </p:extLst>
+  </p:cSld>
+  <p:clrMapOvr>
+    <a:masterClrMapping/>
+  </p:clrMapOvr>
+  <p:timing>
+    <p:tnLst>
+      <p:par>
+        <p:cTn id="1" dur="indefinite" restart="never" nodeType="tmRoot"/>
+      </p:par>
+    </p:tnLst>
+  </p:timing>
+</p:sld>
+</file>
+
+<file path=ppt/slides/slide14.xml><?xml version="1.0" encoding="utf-8"?>
+<p:sld xmlns:a="http://schemas.openxmlformats.org/drawingml/2006/main" xmlns:r="http://schemas.openxmlformats.org/officeDocument/2006/relationships" xmlns:p="http://schemas.openxmlformats.org/presentationml/2006/main">
+  <p:cSld>
+    <p:spTree>
+      <p:nvGrpSpPr>
+        <p:cNvPr id="1" name=""/>
+        <p:cNvGrpSpPr/>
+        <p:nvPr/>
+      </p:nvGrpSpPr>
+      <p:grpSpPr>
+        <a:xfrm>
+          <a:off x="0" y="0"/>
+          <a:ext cx="0" cy="0"/>
+          <a:chOff x="0" y="0"/>
+          <a:chExt cx="0" cy="0"/>
+        </a:xfrm>
+      </p:grpSpPr>
+      <p:sp>
+        <p:nvSpPr>
+          <p:cNvPr id="2" name="Title 1"/>
+          <p:cNvSpPr txBox="1">
+            <a:spLocks/>
+          </p:cNvSpPr>
+          <p:nvPr/>
+        </p:nvSpPr>
+        <p:spPr>
+          <a:xfrm>
+            <a:off x="810000" y="2951396"/>
+            <a:ext cx="10561418" cy="1468800"/>
+          </a:xfrm>
+          <a:prstGeom prst="rect">
+            <a:avLst/>
+          </a:prstGeom>
+        </p:spPr>
+        <p:txBody>
+          <a:bodyPr/>
+          <a:lstStyle>
+            <a:lvl1pPr algn="l" defTabSz="457200" rtl="0" eaLnBrk="1" latinLnBrk="0" hangingPunct="1">
+              <a:spcBef>
+                <a:spcPct val="0"/>
+              </a:spcBef>
+              <a:buNone/>
+              <a:defRPr sz="4000" b="1" kern="1200">
+                <a:solidFill>
+                  <a:srgbClr val="FEFEFE"/>
+                </a:solidFill>
+                <a:latin typeface="+mj-lt"/>
+                <a:ea typeface="+mj-ea"/>
+                <a:cs typeface="+mj-cs"/>
+              </a:defRPr>
+            </a:lvl1pPr>
+            <a:lvl2pPr eaLnBrk="1" hangingPunct="1">
+              <a:defRPr>
+                <a:solidFill>
+                  <a:schemeClr val="tx2"/>
+                </a:solidFill>
+              </a:defRPr>
+            </a:lvl2pPr>
+            <a:lvl3pPr eaLnBrk="1" hangingPunct="1">
+              <a:defRPr>
+                <a:solidFill>
+                  <a:schemeClr val="tx2"/>
+                </a:solidFill>
+              </a:defRPr>
+            </a:lvl3pPr>
+            <a:lvl4pPr eaLnBrk="1" hangingPunct="1">
+              <a:defRPr>
+                <a:solidFill>
+                  <a:schemeClr val="tx2"/>
+                </a:solidFill>
+              </a:defRPr>
+            </a:lvl4pPr>
+            <a:lvl5pPr eaLnBrk="1" hangingPunct="1">
+              <a:defRPr>
+                <a:solidFill>
+                  <a:schemeClr val="tx2"/>
+                </a:solidFill>
+              </a:defRPr>
+            </a:lvl5pPr>
+            <a:lvl6pPr eaLnBrk="1" hangingPunct="1">
+              <a:defRPr>
+                <a:solidFill>
+                  <a:schemeClr val="tx2"/>
+                </a:solidFill>
+              </a:defRPr>
+            </a:lvl6pPr>
+            <a:lvl7pPr eaLnBrk="1" hangingPunct="1">
+              <a:defRPr>
+                <a:solidFill>
+                  <a:schemeClr val="tx2"/>
+                </a:solidFill>
+              </a:defRPr>
+            </a:lvl7pPr>
+            <a:lvl8pPr eaLnBrk="1" hangingPunct="1">
+              <a:defRPr>
+                <a:solidFill>
+                  <a:schemeClr val="tx2"/>
+                </a:solidFill>
+              </a:defRPr>
+            </a:lvl8pPr>
+            <a:lvl9pPr eaLnBrk="1" hangingPunct="1">
+              <a:defRPr>
+                <a:solidFill>
+                  <a:schemeClr val="tx2"/>
+                </a:solidFill>
+              </a:defRPr>
+            </a:lvl9pPr>
+          </a:lstStyle>
+          <a:p>
+            <a:pPr algn="ctr"/>
+            <a:r>
+              <a:rPr lang="en-US" dirty="0" smtClean="0">
+                <a:solidFill>
+                  <a:schemeClr val="tx1"/>
+                </a:solidFill>
+              </a:rPr>
+              <a:t>Time for a break</a:t>
+            </a:r>
+            <a:endParaRPr lang="en-US" dirty="0">
+              <a:solidFill>
+                <a:schemeClr val="tx1"/>
+              </a:solidFill>
+            </a:endParaRPr>
+          </a:p>
+        </p:txBody>
+      </p:sp>
+    </p:spTree>
+    <p:extLst>
+      <p:ext uri="{BB962C8B-B14F-4D97-AF65-F5344CB8AC3E}">
+        <p14:creationId xmlns:p14="http://schemas.microsoft.com/office/powerpoint/2010/main" val="4141136810"/>
+      </p:ext>
+    </p:extLst>
+  </p:cSld>
+  <p:clrMapOvr>
+    <a:masterClrMapping/>
+  </p:clrMapOvr>
+  <p:timing>
+    <p:tnLst>
+      <p:par>
+        <p:cTn id="1" dur="indefinite" restart="never" nodeType="tmRoot"/>
+      </p:par>
+    </p:tnLst>
+  </p:timing>
+</p:sld>
+</file>
+
+<file path=ppt/slides/slide15.xml><?xml version="1.0" encoding="utf-8"?>
+<p:sld xmlns:a="http://schemas.openxmlformats.org/drawingml/2006/main" xmlns:r="http://schemas.openxmlformats.org/officeDocument/2006/relationships" xmlns:p="http://schemas.openxmlformats.org/presentationml/2006/main">
+  <p:cSld>
+    <p:spTree>
+      <p:nvGrpSpPr>
+        <p:cNvPr id="1" name=""/>
+        <p:cNvGrpSpPr/>
+        <p:nvPr/>
+      </p:nvGrpSpPr>
+      <p:grpSpPr>
+        <a:xfrm>
+          <a:off x="0" y="0"/>
+          <a:ext cx="0" cy="0"/>
+          <a:chOff x="0" y="0"/>
+          <a:chExt cx="0" cy="0"/>
+        </a:xfrm>
+      </p:grpSpPr>
+      <p:sp>
+        <p:nvSpPr>
+          <p:cNvPr id="2" name="Title 1"/>
+          <p:cNvSpPr>
+            <a:spLocks noGrp="1"/>
+          </p:cNvSpPr>
+          <p:nvPr>
+            <p:ph type="title"/>
+          </p:nvPr>
+        </p:nvSpPr>
+        <p:spPr/>
+        <p:txBody>
+          <a:bodyPr/>
+          <a:lstStyle/>
+          <a:p>
+            <a:r>
+              <a:rPr lang="en-US" dirty="0" smtClean="0"/>
+              <a:t>Client Data </a:t>
+            </a:r>
+            <a:endParaRPr lang="en-US" dirty="0"/>
+          </a:p>
+        </p:txBody>
+      </p:sp>
+      <p:sp>
+        <p:nvSpPr>
+          <p:cNvPr id="3" name="Content Placeholder 2"/>
+          <p:cNvSpPr>
+            <a:spLocks noGrp="1"/>
+          </p:cNvSpPr>
+          <p:nvPr>
+            <p:ph sz="half" idx="1"/>
+          </p:nvPr>
+        </p:nvSpPr>
+        <p:spPr/>
+        <p:txBody>
+          <a:bodyPr/>
+          <a:lstStyle/>
+          <a:p>
+            <a:endParaRPr lang="en-US"/>
+          </a:p>
+        </p:txBody>
+      </p:sp>
+      <p:sp>
+        <p:nvSpPr>
+          <p:cNvPr id="4" name="Content Placeholder 3"/>
+          <p:cNvSpPr>
+            <a:spLocks noGrp="1"/>
+          </p:cNvSpPr>
+          <p:nvPr>
+            <p:ph sz="half" idx="2"/>
+          </p:nvPr>
+        </p:nvSpPr>
+        <p:spPr/>
+        <p:txBody>
+          <a:bodyPr/>
+          <a:lstStyle/>
+          <a:p>
+            <a:endParaRPr lang="en-US"/>
+          </a:p>
+        </p:txBody>
+      </p:sp>
+    </p:spTree>
+    <p:extLst>
+      <p:ext uri="{BB962C8B-B14F-4D97-AF65-F5344CB8AC3E}">
+        <p14:creationId xmlns:p14="http://schemas.microsoft.com/office/powerpoint/2010/main" val="216648507"/>
+      </p:ext>
+    </p:extLst>
+  </p:cSld>
+  <p:clrMapOvr>
+    <a:masterClrMapping/>
+  </p:clrMapOvr>
+  <p:timing>
+    <p:tnLst>
+      <p:par>
+        <p:cTn id="1" dur="indefinite" restart="never" nodeType="tmRoot"/>
+      </p:par>
+    </p:tnLst>
+  </p:timing>
+</p:sld>
+</file>
+
+<file path=ppt/slides/slide16.xml><?xml version="1.0" encoding="utf-8"?>
+<p:sld xmlns:a="http://schemas.openxmlformats.org/drawingml/2006/main" xmlns:r="http://schemas.openxmlformats.org/officeDocument/2006/relationships" xmlns:p="http://schemas.openxmlformats.org/presentationml/2006/main">
+  <p:cSld>
+    <p:spTree>
+      <p:nvGrpSpPr>
+        <p:cNvPr id="1" name=""/>
+        <p:cNvGrpSpPr/>
+        <p:nvPr/>
+      </p:nvGrpSpPr>
+      <p:grpSpPr>
+        <a:xfrm>
+          <a:off x="0" y="0"/>
+          <a:ext cx="0" cy="0"/>
+          <a:chOff x="0" y="0"/>
+          <a:chExt cx="0" cy="0"/>
+        </a:xfrm>
+      </p:grpSpPr>
+      <p:sp>
+        <p:nvSpPr>
+          <p:cNvPr id="2" name="Title 1"/>
+          <p:cNvSpPr>
+            <a:spLocks noGrp="1"/>
+          </p:cNvSpPr>
+          <p:nvPr>
+            <p:ph type="title"/>
+          </p:nvPr>
+        </p:nvSpPr>
+        <p:spPr/>
+        <p:txBody>
+          <a:bodyPr/>
+          <a:lstStyle/>
+          <a:p>
+            <a:r>
+              <a:rPr lang="en-US" dirty="0" smtClean="0"/>
+              <a:t>Creating a Practice Client Database</a:t>
+            </a:r>
+            <a:endParaRPr lang="en-US" dirty="0"/>
+          </a:p>
+        </p:txBody>
+      </p:sp>
+      <p:sp>
+        <p:nvSpPr>
+          <p:cNvPr id="3" name="Content Placeholder 2"/>
+          <p:cNvSpPr>
+            <a:spLocks noGrp="1"/>
+          </p:cNvSpPr>
+          <p:nvPr>
+            <p:ph idx="1"/>
+          </p:nvPr>
+        </p:nvSpPr>
+        <p:spPr/>
+        <p:txBody>
+          <a:bodyPr/>
+          <a:lstStyle/>
+          <a:p>
+            <a:r>
+              <a:rPr lang="en-US" dirty="0" smtClean="0"/>
+              <a:t>Planning</a:t>
+            </a:r>
+          </a:p>
+          <a:p>
+            <a:pPr lvl="1"/>
+            <a:r>
+              <a:rPr lang="en-US" dirty="0" smtClean="0"/>
+              <a:t>Determining the tables, and how they will be created.</a:t>
+            </a:r>
+          </a:p>
+          <a:p>
+            <a:r>
+              <a:rPr lang="en-US" dirty="0" smtClean="0"/>
+              <a:t>Create the tables</a:t>
+            </a:r>
+          </a:p>
+          <a:p>
+            <a:r>
+              <a:rPr lang="en-US" dirty="0" smtClean="0"/>
+              <a:t>Add information</a:t>
+            </a:r>
+          </a:p>
+          <a:p>
+            <a:r>
+              <a:rPr lang="en-US" dirty="0" smtClean="0"/>
+              <a:t>Update information</a:t>
+            </a:r>
+          </a:p>
+          <a:p>
+            <a:r>
+              <a:rPr lang="en-US" dirty="0" smtClean="0"/>
+              <a:t>Query information</a:t>
+            </a:r>
+            <a:endParaRPr lang="en-US" dirty="0"/>
+          </a:p>
+        </p:txBody>
+      </p:sp>
+    </p:spTree>
+    <p:extLst>
+      <p:ext uri="{BB962C8B-B14F-4D97-AF65-F5344CB8AC3E}">
+        <p14:creationId xmlns:p14="http://schemas.microsoft.com/office/powerpoint/2010/main" val="541566726"/>
+      </p:ext>
+    </p:extLst>
+  </p:cSld>
+  <p:clrMapOvr>
+    <a:masterClrMapping/>
+  </p:clrMapOvr>
+  <p:timing>
+    <p:tnLst>
+      <p:par>
+        <p:cTn id="1" dur="indefinite" restart="never" nodeType="tmRoot"/>
+      </p:par>
+    </p:tnLst>
+  </p:timing>
+</p:sld>
+</file>
+
+<file path=ppt/slides/slide17.xml><?xml version="1.0" encoding="utf-8"?>
+<p:sld xmlns:a="http://schemas.openxmlformats.org/drawingml/2006/main" xmlns:r="http://schemas.openxmlformats.org/officeDocument/2006/relationships" xmlns:p="http://schemas.openxmlformats.org/presentationml/2006/main">
+  <p:cSld>
+    <p:spTree>
+      <p:nvGrpSpPr>
+        <p:cNvPr id="1" name=""/>
+        <p:cNvGrpSpPr/>
+        <p:nvPr/>
+      </p:nvGrpSpPr>
+      <p:grpSpPr>
+        <a:xfrm>
+          <a:off x="0" y="0"/>
+          <a:ext cx="0" cy="0"/>
+          <a:chOff x="0" y="0"/>
+          <a:chExt cx="0" cy="0"/>
+        </a:xfrm>
+      </p:grpSpPr>
+      <p:sp>
+        <p:nvSpPr>
+          <p:cNvPr id="2" name="Title 1"/>
+          <p:cNvSpPr>
+            <a:spLocks noGrp="1"/>
+          </p:cNvSpPr>
+          <p:nvPr>
+            <p:ph type="title"/>
+          </p:nvPr>
+        </p:nvSpPr>
+        <p:spPr/>
+        <p:txBody>
+          <a:bodyPr/>
+          <a:lstStyle/>
+          <a:p>
+            <a:r>
+              <a:rPr lang="en-US" dirty="0" smtClean="0"/>
+              <a:t>Planning</a:t>
+            </a:r>
+            <a:endParaRPr lang="en-US" dirty="0"/>
+          </a:p>
+        </p:txBody>
+      </p:sp>
+      <p:sp>
+        <p:nvSpPr>
+          <p:cNvPr id="3" name="Content Placeholder 2"/>
+          <p:cNvSpPr>
+            <a:spLocks noGrp="1"/>
+          </p:cNvSpPr>
+          <p:nvPr>
+            <p:ph sz="half" idx="1"/>
+          </p:nvPr>
+        </p:nvSpPr>
+        <p:spPr/>
+        <p:txBody>
+          <a:bodyPr/>
+          <a:lstStyle/>
+          <a:p>
+            <a:endParaRPr lang="en-US"/>
+          </a:p>
+        </p:txBody>
+      </p:sp>
+      <p:sp>
+        <p:nvSpPr>
+          <p:cNvPr id="4" name="Content Placeholder 3"/>
+          <p:cNvSpPr>
+            <a:spLocks noGrp="1"/>
+          </p:cNvSpPr>
+          <p:nvPr>
+            <p:ph sz="half" idx="2"/>
+          </p:nvPr>
+        </p:nvSpPr>
+        <p:spPr/>
+        <p:txBody>
+          <a:bodyPr/>
+          <a:lstStyle/>
+          <a:p>
+            <a:endParaRPr lang="en-US"/>
+          </a:p>
+        </p:txBody>
+      </p:sp>
+    </p:spTree>
+    <p:extLst>
+      <p:ext uri="{BB962C8B-B14F-4D97-AF65-F5344CB8AC3E}">
+        <p14:creationId xmlns:p14="http://schemas.microsoft.com/office/powerpoint/2010/main" val="2221896539"/>
+      </p:ext>
+    </p:extLst>
+  </p:cSld>
+  <p:clrMapOvr>
+    <a:masterClrMapping/>
+  </p:clrMapOvr>
+  <p:timing>
+    <p:tnLst>
+      <p:par>
+        <p:cTn id="1" dur="indefinite" restart="never" nodeType="tmRoot"/>
+      </p:par>
+    </p:tnLst>
+  </p:timing>
+</p:sld>
+</file>
+
+<file path=ppt/slides/slide18.xml><?xml version="1.0" encoding="utf-8"?>
+<p:sld xmlns:a="http://schemas.openxmlformats.org/drawingml/2006/main" xmlns:r="http://schemas.openxmlformats.org/officeDocument/2006/relationships" xmlns:p="http://schemas.openxmlformats.org/presentationml/2006/main">
+  <p:cSld>
+    <p:spTree>
+      <p:nvGrpSpPr>
+        <p:cNvPr id="1" name=""/>
+        <p:cNvGrpSpPr/>
+        <p:nvPr/>
+      </p:nvGrpSpPr>
+      <p:grpSpPr>
+        <a:xfrm>
+          <a:off x="0" y="0"/>
+          <a:ext cx="0" cy="0"/>
+          <a:chOff x="0" y="0"/>
+          <a:chExt cx="0" cy="0"/>
+        </a:xfrm>
+      </p:grpSpPr>
+      <p:sp>
+        <p:nvSpPr>
+          <p:cNvPr id="2" name="Title 1"/>
+          <p:cNvSpPr>
+            <a:spLocks noGrp="1"/>
+          </p:cNvSpPr>
+          <p:nvPr>
+            <p:ph type="title"/>
+          </p:nvPr>
+        </p:nvSpPr>
+        <p:spPr/>
+        <p:txBody>
+          <a:bodyPr/>
+          <a:lstStyle/>
+          <a:p>
+            <a:r>
+              <a:rPr lang="en-US" dirty="0"/>
+              <a:t>Create </a:t>
+            </a:r>
+            <a:r>
+              <a:rPr lang="en-US" dirty="0" smtClean="0"/>
+              <a:t>Example </a:t>
+            </a:r>
+            <a:r>
+              <a:rPr lang="en-US" dirty="0" smtClean="0"/>
+              <a:t>Tables</a:t>
+            </a:r>
+            <a:endParaRPr lang="en-US" dirty="0"/>
+          </a:p>
+        </p:txBody>
+      </p:sp>
+      <p:sp>
+        <p:nvSpPr>
+          <p:cNvPr id="5" name="Text Placeholder 4"/>
+          <p:cNvSpPr>
+            <a:spLocks noGrp="1"/>
+          </p:cNvSpPr>
+          <p:nvPr>
+            <p:ph type="body" idx="1"/>
+          </p:nvPr>
+        </p:nvSpPr>
+        <p:spPr>
+          <a:xfrm>
+            <a:off x="1138685" y="2348423"/>
+            <a:ext cx="2428804" cy="576262"/>
+          </a:xfrm>
+        </p:spPr>
+        <p:txBody>
+          <a:bodyPr/>
+          <a:lstStyle/>
+          <a:p>
+            <a:pPr algn="l"/>
+            <a:r>
+              <a:rPr lang="en-US" dirty="0" err="1" smtClean="0"/>
+              <a:t>Client_info</a:t>
+            </a:r>
+            <a:endParaRPr lang="en-US" dirty="0"/>
+          </a:p>
+        </p:txBody>
+      </p:sp>
+      <p:sp>
+        <p:nvSpPr>
+          <p:cNvPr id="3" name="Content Placeholder 2"/>
+          <p:cNvSpPr>
+            <a:spLocks noGrp="1"/>
+          </p:cNvSpPr>
+          <p:nvPr>
+            <p:ph sz="half" idx="2"/>
+          </p:nvPr>
+        </p:nvSpPr>
+        <p:spPr>
+          <a:xfrm>
+            <a:off x="1293961" y="2906415"/>
+            <a:ext cx="2428804" cy="3109913"/>
+          </a:xfrm>
+        </p:spPr>
+        <p:txBody>
+          <a:bodyPr/>
+          <a:lstStyle/>
+          <a:p>
+            <a:pPr marL="0" indent="0">
+              <a:buNone/>
+            </a:pPr>
+            <a:r>
+              <a:rPr lang="en-US" dirty="0"/>
+              <a:t>id</a:t>
+            </a:r>
+          </a:p>
+          <a:p>
+            <a:pPr marL="0" indent="0">
+              <a:buNone/>
+            </a:pPr>
+            <a:r>
+              <a:rPr lang="en-US" dirty="0" smtClean="0"/>
+              <a:t>Name</a:t>
+            </a:r>
+          </a:p>
+          <a:p>
+            <a:pPr marL="0" indent="0">
+              <a:buNone/>
+            </a:pPr>
+            <a:r>
+              <a:rPr lang="en-US" dirty="0" smtClean="0"/>
+              <a:t>Phone #</a:t>
+            </a:r>
+          </a:p>
+          <a:p>
+            <a:pPr marL="0" indent="0">
+              <a:buNone/>
+            </a:pPr>
+            <a:r>
+              <a:rPr lang="en-US" dirty="0" smtClean="0"/>
+              <a:t>Job title</a:t>
+            </a:r>
+          </a:p>
+          <a:p>
+            <a:pPr marL="0" indent="0">
+              <a:buNone/>
+            </a:pPr>
+            <a:r>
+              <a:rPr lang="en-US" dirty="0" err="1" smtClean="0"/>
+              <a:t>company_id</a:t>
+            </a:r>
+            <a:endParaRPr lang="en-US" dirty="0" smtClean="0"/>
+          </a:p>
+          <a:p>
+            <a:pPr marL="0" indent="0">
+              <a:buNone/>
+            </a:pPr>
+            <a:r>
+              <a:rPr lang="en-US" dirty="0" err="1" smtClean="0"/>
+              <a:t>serviceA_id</a:t>
+            </a:r>
+            <a:endParaRPr lang="en-US" dirty="0" smtClean="0"/>
+          </a:p>
+          <a:p>
+            <a:pPr marL="0" indent="0">
+              <a:buNone/>
+            </a:pPr>
+            <a:r>
+              <a:rPr lang="en-US" dirty="0" err="1" smtClean="0"/>
+              <a:t>service_id</a:t>
+            </a:r>
+            <a:endParaRPr lang="en-US" dirty="0"/>
+          </a:p>
+        </p:txBody>
+      </p:sp>
+      <p:sp>
+        <p:nvSpPr>
+          <p:cNvPr id="8" name="Text Placeholder 4"/>
+          <p:cNvSpPr txBox="1">
+            <a:spLocks/>
+          </p:cNvSpPr>
+          <p:nvPr/>
+        </p:nvSpPr>
+        <p:spPr>
+          <a:xfrm>
+            <a:off x="3620214" y="2345546"/>
+            <a:ext cx="2428804" cy="576262"/>
+          </a:xfrm>
+          <a:prstGeom prst="rect">
+            <a:avLst/>
+          </a:prstGeom>
+          <a:effectLst>
+            <a:outerShdw blurRad="50800" dir="14400000">
+              <a:srgbClr val="000000">
+                <a:alpha val="40000"/>
+              </a:srgbClr>
+            </a:outerShdw>
+          </a:effectLst>
+        </p:spPr>
+        <p:txBody>
+          <a:bodyPr vert="horz" lIns="91440" tIns="45720" rIns="91440" bIns="45720" rtlCol="0" anchor="b">
+            <a:noAutofit/>
+          </a:bodyPr>
+          <a:lstStyle>
+            <a:lvl1pPr marL="0" indent="0" algn="ctr" defTabSz="457200" rtl="0" eaLnBrk="1" latinLnBrk="0" hangingPunct="1">
+              <a:spcBef>
+                <a:spcPct val="20000"/>
+              </a:spcBef>
+              <a:spcAft>
+                <a:spcPts val="600"/>
+              </a:spcAft>
+              <a:buClr>
+                <a:schemeClr val="accent1"/>
+              </a:buClr>
+              <a:buFont typeface="Wingdings 2" charset="2"/>
+              <a:buNone/>
+              <a:defRPr sz="2000" b="0" kern="1200">
+                <a:solidFill>
+                  <a:schemeClr val="tx1"/>
+                </a:solidFill>
+                <a:latin typeface="+mn-lt"/>
+                <a:ea typeface="+mn-ea"/>
+                <a:cs typeface="+mn-cs"/>
+              </a:defRPr>
+            </a:lvl1pPr>
+            <a:lvl2pPr marL="457200" indent="0" algn="l" defTabSz="457200" rtl="0" eaLnBrk="1" latinLnBrk="0" hangingPunct="1">
+              <a:spcBef>
+                <a:spcPct val="20000"/>
+              </a:spcBef>
+              <a:spcAft>
+                <a:spcPts val="600"/>
+              </a:spcAft>
+              <a:buClr>
+                <a:schemeClr val="accent1"/>
+              </a:buClr>
+              <a:buFont typeface="Wingdings 2" charset="2"/>
+              <a:buNone/>
+              <a:defRPr sz="2000" b="1" kern="1200">
+                <a:solidFill>
+                  <a:schemeClr val="tx1"/>
+                </a:solidFill>
+                <a:latin typeface="+mn-lt"/>
+                <a:ea typeface="+mn-ea"/>
+                <a:cs typeface="+mn-cs"/>
+              </a:defRPr>
+            </a:lvl2pPr>
+            <a:lvl3pPr marL="914400" indent="0" algn="l" defTabSz="457200" rtl="0" eaLnBrk="1" latinLnBrk="0" hangingPunct="1">
+              <a:spcBef>
+                <a:spcPct val="20000"/>
+              </a:spcBef>
+              <a:spcAft>
+                <a:spcPts val="600"/>
+              </a:spcAft>
+              <a:buClr>
+                <a:schemeClr val="accent1"/>
+              </a:buClr>
+              <a:buFont typeface="Wingdings 2" charset="2"/>
+              <a:buNone/>
+              <a:defRPr sz="1800" b="1" kern="1200">
+                <a:solidFill>
+                  <a:schemeClr val="tx1"/>
+                </a:solidFill>
+                <a:latin typeface="+mn-lt"/>
+                <a:ea typeface="+mn-ea"/>
+                <a:cs typeface="+mn-cs"/>
+              </a:defRPr>
+            </a:lvl3pPr>
+            <a:lvl4pPr marL="1371600" indent="0" algn="l" defTabSz="457200" rtl="0" eaLnBrk="1" latinLnBrk="0" hangingPunct="1">
+              <a:spcBef>
+                <a:spcPct val="20000"/>
+              </a:spcBef>
+              <a:spcAft>
+                <a:spcPts val="600"/>
+              </a:spcAft>
+              <a:buClr>
+                <a:schemeClr val="accent1"/>
+              </a:buClr>
+              <a:buFont typeface="Wingdings 2" charset="2"/>
+              <a:buNone/>
+              <a:defRPr sz="1600" b="1" kern="1200">
+                <a:solidFill>
+                  <a:schemeClr val="tx1"/>
+                </a:solidFill>
+                <a:latin typeface="+mn-lt"/>
+                <a:ea typeface="+mn-ea"/>
+                <a:cs typeface="+mn-cs"/>
+              </a:defRPr>
+            </a:lvl4pPr>
+            <a:lvl5pPr marL="1828800" indent="0" algn="l" defTabSz="457200" rtl="0" eaLnBrk="1" latinLnBrk="0" hangingPunct="1">
+              <a:spcBef>
+                <a:spcPct val="20000"/>
+              </a:spcBef>
+              <a:spcAft>
+                <a:spcPts val="600"/>
+              </a:spcAft>
+              <a:buClr>
+                <a:schemeClr val="accent1"/>
+              </a:buClr>
+              <a:buFont typeface="Wingdings 2" charset="2"/>
+              <a:buNone/>
+              <a:defRPr sz="1600" b="1" kern="1200">
+                <a:solidFill>
+                  <a:schemeClr val="tx1"/>
+                </a:solidFill>
+                <a:latin typeface="+mn-lt"/>
+                <a:ea typeface="+mn-ea"/>
+                <a:cs typeface="+mn-cs"/>
+              </a:defRPr>
+            </a:lvl5pPr>
+            <a:lvl6pPr marL="2286000" indent="0" algn="l" defTabSz="457200" rtl="0" eaLnBrk="1" latinLnBrk="0" hangingPunct="1">
+              <a:spcBef>
+                <a:spcPct val="20000"/>
+              </a:spcBef>
+              <a:spcAft>
+                <a:spcPts val="600"/>
+              </a:spcAft>
+              <a:buClr>
+                <a:schemeClr val="accent1"/>
+              </a:buClr>
+              <a:buFont typeface="Wingdings 2" charset="2"/>
+              <a:buNone/>
+              <a:defRPr sz="1600" b="1" kern="1200">
+                <a:solidFill>
+                  <a:schemeClr val="tx1"/>
+                </a:solidFill>
+                <a:latin typeface="+mn-lt"/>
+                <a:ea typeface="+mn-ea"/>
+                <a:cs typeface="+mn-cs"/>
+              </a:defRPr>
+            </a:lvl6pPr>
+            <a:lvl7pPr marL="2743200" indent="0" algn="l" defTabSz="457200" rtl="0" eaLnBrk="1" latinLnBrk="0" hangingPunct="1">
+              <a:spcBef>
+                <a:spcPct val="20000"/>
+              </a:spcBef>
+              <a:spcAft>
+                <a:spcPts val="600"/>
+              </a:spcAft>
+              <a:buClr>
+                <a:schemeClr val="accent1"/>
+              </a:buClr>
+              <a:buFont typeface="Wingdings 2" charset="2"/>
+              <a:buNone/>
+              <a:defRPr sz="1600" b="1" kern="1200">
+                <a:solidFill>
+                  <a:schemeClr val="tx1"/>
+                </a:solidFill>
+                <a:latin typeface="+mn-lt"/>
+                <a:ea typeface="+mn-ea"/>
+                <a:cs typeface="+mn-cs"/>
+              </a:defRPr>
+            </a:lvl7pPr>
+            <a:lvl8pPr marL="3200400" indent="0" algn="l" defTabSz="457200" rtl="0" eaLnBrk="1" latinLnBrk="0" hangingPunct="1">
+              <a:spcBef>
+                <a:spcPct val="20000"/>
+              </a:spcBef>
+              <a:spcAft>
+                <a:spcPts val="600"/>
+              </a:spcAft>
+              <a:buClr>
+                <a:schemeClr val="accent1"/>
+              </a:buClr>
+              <a:buFont typeface="Wingdings 2" charset="2"/>
+              <a:buNone/>
+              <a:defRPr sz="1600" b="1" kern="1200">
+                <a:solidFill>
+                  <a:schemeClr val="tx1"/>
+                </a:solidFill>
+                <a:latin typeface="+mn-lt"/>
+                <a:ea typeface="+mn-ea"/>
+                <a:cs typeface="+mn-cs"/>
+              </a:defRPr>
+            </a:lvl8pPr>
+            <a:lvl9pPr marL="3657600" indent="0" algn="l" defTabSz="457200" rtl="0" eaLnBrk="1" latinLnBrk="0" hangingPunct="1">
+              <a:spcBef>
+                <a:spcPct val="20000"/>
+              </a:spcBef>
+              <a:spcAft>
+                <a:spcPts val="600"/>
+              </a:spcAft>
+              <a:buClr>
+                <a:schemeClr val="accent1"/>
+              </a:buClr>
+              <a:buFont typeface="Wingdings 2" charset="2"/>
+              <a:buNone/>
+              <a:defRPr sz="1600" b="1" kern="1200">
+                <a:solidFill>
+                  <a:schemeClr val="tx1"/>
+                </a:solidFill>
+                <a:latin typeface="+mn-lt"/>
+                <a:ea typeface="+mn-ea"/>
+                <a:cs typeface="+mn-cs"/>
+              </a:defRPr>
+            </a:lvl9pPr>
+          </a:lstStyle>
+          <a:p>
+            <a:r>
+              <a:rPr lang="en-US" dirty="0" err="1" smtClean="0"/>
+              <a:t>Company_info</a:t>
+            </a:r>
+            <a:endParaRPr lang="en-US" dirty="0"/>
+          </a:p>
+        </p:txBody>
+      </p:sp>
+      <p:sp>
+        <p:nvSpPr>
+          <p:cNvPr id="9" name="Content Placeholder 2"/>
+          <p:cNvSpPr txBox="1">
+            <a:spLocks/>
+          </p:cNvSpPr>
+          <p:nvPr/>
+        </p:nvSpPr>
+        <p:spPr>
+          <a:xfrm>
+            <a:off x="3775490" y="2903538"/>
+            <a:ext cx="2428804" cy="3109913"/>
+          </a:xfrm>
+          <a:prstGeom prst="rect">
+            <a:avLst/>
+          </a:prstGeom>
+          <a:effectLst>
+            <a:outerShdw blurRad="50800" dir="14400000">
+              <a:srgbClr val="000000">
+                <a:alpha val="40000"/>
+              </a:srgbClr>
+            </a:outerShdw>
+          </a:effectLst>
+        </p:spPr>
+        <p:txBody>
+          <a:bodyPr vert="horz" lIns="91440" tIns="45720" rIns="91440" bIns="45720" rtlCol="0" anchor="t">
+            <a:normAutofit/>
+          </a:bodyPr>
+          <a:lstStyle>
+            <a:lvl1pPr marL="342900" indent="-342900" algn="l" defTabSz="457200" rtl="0" eaLnBrk="1" latinLnBrk="0" hangingPunct="1">
+              <a:spcBef>
+                <a:spcPct val="20000"/>
+              </a:spcBef>
+              <a:spcAft>
+                <a:spcPts val="600"/>
+              </a:spcAft>
+              <a:buClr>
+                <a:schemeClr val="accent1"/>
+              </a:buClr>
+              <a:buFont typeface="Wingdings 2" charset="2"/>
+              <a:buChar char=""/>
+              <a:defRPr sz="1800" kern="1200">
+                <a:solidFill>
+                  <a:schemeClr val="tx1"/>
+                </a:solidFill>
+                <a:latin typeface="+mn-lt"/>
+                <a:ea typeface="+mn-ea"/>
+                <a:cs typeface="+mn-cs"/>
+              </a:defRPr>
+            </a:lvl1pPr>
+            <a:lvl2pPr marL="742950" indent="-285750" algn="l" defTabSz="457200" rtl="0" eaLnBrk="1" latinLnBrk="0" hangingPunct="1">
+              <a:spcBef>
+                <a:spcPct val="20000"/>
+              </a:spcBef>
+              <a:spcAft>
+                <a:spcPts val="600"/>
+              </a:spcAft>
+              <a:buClr>
+                <a:schemeClr val="accent1"/>
+              </a:buClr>
+              <a:buFont typeface="Wingdings 2" charset="2"/>
+              <a:buChar char=""/>
+              <a:defRPr sz="1600" kern="1200">
+                <a:solidFill>
+                  <a:schemeClr val="tx1"/>
+                </a:solidFill>
+                <a:latin typeface="+mn-lt"/>
+                <a:ea typeface="+mn-ea"/>
+                <a:cs typeface="+mn-cs"/>
+              </a:defRPr>
+            </a:lvl2pPr>
+            <a:lvl3pPr marL="1143000" indent="-228600" algn="l" defTabSz="457200" rtl="0" eaLnBrk="1" latinLnBrk="0" hangingPunct="1">
+              <a:spcBef>
+                <a:spcPct val="20000"/>
+              </a:spcBef>
+              <a:spcAft>
+                <a:spcPts val="600"/>
+              </a:spcAft>
+              <a:buClr>
+                <a:schemeClr val="accent1"/>
+              </a:buClr>
+              <a:buFont typeface="Wingdings 2" charset="2"/>
+              <a:buChar char=""/>
+              <a:defRPr sz="1400" kern="1200">
+                <a:solidFill>
+                  <a:schemeClr val="tx1"/>
+                </a:solidFill>
+                <a:latin typeface="+mn-lt"/>
+                <a:ea typeface="+mn-ea"/>
+                <a:cs typeface="+mn-cs"/>
+              </a:defRPr>
+            </a:lvl3pPr>
+            <a:lvl4pPr marL="1600200" indent="-228600" algn="l" defTabSz="457200" rtl="0" eaLnBrk="1" latinLnBrk="0" hangingPunct="1">
+              <a:spcBef>
+                <a:spcPct val="20000"/>
+              </a:spcBef>
+              <a:spcAft>
+                <a:spcPts val="600"/>
+              </a:spcAft>
+              <a:buClr>
+                <a:schemeClr val="accent1"/>
+              </a:buClr>
+              <a:buFont typeface="Wingdings 2" charset="2"/>
+              <a:buChar char=""/>
+              <a:defRPr sz="1200" kern="1200">
+                <a:solidFill>
+                  <a:schemeClr val="tx1"/>
+                </a:solidFill>
+                <a:latin typeface="+mn-lt"/>
+                <a:ea typeface="+mn-ea"/>
+                <a:cs typeface="+mn-cs"/>
+              </a:defRPr>
+            </a:lvl4pPr>
+            <a:lvl5pPr marL="2057400" indent="-228600" algn="l" defTabSz="457200" rtl="0" eaLnBrk="1" latinLnBrk="0" hangingPunct="1">
+              <a:spcBef>
+                <a:spcPct val="20000"/>
+              </a:spcBef>
+              <a:spcAft>
+                <a:spcPts val="600"/>
+              </a:spcAft>
+              <a:buClr>
+                <a:schemeClr val="accent1"/>
+              </a:buClr>
+              <a:buFont typeface="Wingdings 2" charset="2"/>
+              <a:buChar char=""/>
+              <a:defRPr sz="1200" kern="1200">
+                <a:solidFill>
+                  <a:schemeClr val="tx1"/>
+                </a:solidFill>
+                <a:latin typeface="+mn-lt"/>
+                <a:ea typeface="+mn-ea"/>
+                <a:cs typeface="+mn-cs"/>
+              </a:defRPr>
+            </a:lvl5pPr>
+            <a:lvl6pPr marL="2400000" indent="-228600" algn="l" defTabSz="457200" rtl="0" eaLnBrk="1" latinLnBrk="0" hangingPunct="1">
+              <a:spcBef>
+                <a:spcPct val="20000"/>
+              </a:spcBef>
+              <a:spcAft>
+                <a:spcPts val="600"/>
+              </a:spcAft>
+              <a:buClr>
+                <a:schemeClr val="accent1"/>
+              </a:buClr>
+              <a:buFont typeface="Wingdings 2" charset="2"/>
+              <a:buChar char=""/>
+              <a:defRPr sz="1200" kern="1200">
+                <a:solidFill>
+                  <a:schemeClr val="tx1"/>
+                </a:solidFill>
+                <a:latin typeface="+mn-lt"/>
+                <a:ea typeface="+mn-ea"/>
+                <a:cs typeface="+mn-cs"/>
+              </a:defRPr>
+            </a:lvl6pPr>
+            <a:lvl7pPr marL="2800000" indent="-228600" algn="l" defTabSz="457200" rtl="0" eaLnBrk="1" latinLnBrk="0" hangingPunct="1">
+              <a:spcBef>
+                <a:spcPct val="20000"/>
+              </a:spcBef>
+              <a:spcAft>
+                <a:spcPts val="600"/>
+              </a:spcAft>
+              <a:buClr>
+                <a:schemeClr val="accent1"/>
+              </a:buClr>
+              <a:buFont typeface="Wingdings 2" charset="2"/>
+              <a:buChar char=""/>
+              <a:defRPr sz="1200" kern="1200">
+                <a:solidFill>
+                  <a:schemeClr val="tx1"/>
+                </a:solidFill>
+                <a:latin typeface="+mn-lt"/>
+                <a:ea typeface="+mn-ea"/>
+                <a:cs typeface="+mn-cs"/>
+              </a:defRPr>
+            </a:lvl7pPr>
+            <a:lvl8pPr marL="3200000" indent="-228600" algn="l" defTabSz="457200" rtl="0" eaLnBrk="1" latinLnBrk="0" hangingPunct="1">
+              <a:spcBef>
+                <a:spcPct val="20000"/>
+              </a:spcBef>
+              <a:spcAft>
+                <a:spcPts val="600"/>
+              </a:spcAft>
+              <a:buClr>
+                <a:schemeClr val="accent1"/>
+              </a:buClr>
+              <a:buFont typeface="Wingdings 2" charset="2"/>
+              <a:buChar char=""/>
+              <a:defRPr sz="1200" kern="1200">
+                <a:solidFill>
+                  <a:schemeClr val="tx1"/>
+                </a:solidFill>
+                <a:latin typeface="+mn-lt"/>
+                <a:ea typeface="+mn-ea"/>
+                <a:cs typeface="+mn-cs"/>
+              </a:defRPr>
+            </a:lvl8pPr>
+            <a:lvl9pPr marL="3600000" indent="-228600" algn="l" defTabSz="457200" rtl="0" eaLnBrk="1" latinLnBrk="0" hangingPunct="1">
+              <a:spcBef>
+                <a:spcPct val="20000"/>
+              </a:spcBef>
+              <a:spcAft>
+                <a:spcPts val="600"/>
+              </a:spcAft>
+              <a:buClr>
+                <a:schemeClr val="accent1"/>
+              </a:buClr>
+              <a:buFont typeface="Wingdings 2" charset="2"/>
+              <a:buChar char=""/>
+              <a:defRPr sz="1200" kern="1200">
+                <a:solidFill>
+                  <a:schemeClr val="tx1"/>
+                </a:solidFill>
+                <a:latin typeface="+mn-lt"/>
+                <a:ea typeface="+mn-ea"/>
+                <a:cs typeface="+mn-cs"/>
+              </a:defRPr>
+            </a:lvl9pPr>
+          </a:lstStyle>
+          <a:p>
+            <a:pPr marL="0" indent="0">
+              <a:buNone/>
+            </a:pPr>
+            <a:r>
+              <a:rPr lang="en-US" dirty="0"/>
+              <a:t>id</a:t>
+            </a:r>
+          </a:p>
+          <a:p>
+            <a:pPr marL="0" indent="0">
+              <a:buFont typeface="Wingdings 2" charset="2"/>
+              <a:buNone/>
+            </a:pPr>
+            <a:r>
+              <a:rPr lang="en-US" dirty="0" smtClean="0"/>
+              <a:t>Name</a:t>
+            </a:r>
+          </a:p>
+          <a:p>
+            <a:pPr marL="0" indent="0">
+              <a:buFont typeface="Wingdings 2" charset="2"/>
+              <a:buNone/>
+            </a:pPr>
+            <a:r>
+              <a:rPr lang="en-US" dirty="0" smtClean="0"/>
+              <a:t>Phone #</a:t>
+            </a:r>
+          </a:p>
+          <a:p>
+            <a:pPr marL="0" indent="0">
+              <a:buFont typeface="Wingdings 2" charset="2"/>
+              <a:buNone/>
+            </a:pPr>
+            <a:r>
+              <a:rPr lang="en-US" dirty="0" smtClean="0"/>
+              <a:t>address</a:t>
+            </a:r>
+            <a:endParaRPr lang="en-US" dirty="0"/>
+          </a:p>
+        </p:txBody>
+      </p:sp>
+      <p:sp>
+        <p:nvSpPr>
+          <p:cNvPr id="10" name="Text Placeholder 4"/>
+          <p:cNvSpPr>
+            <a:spLocks noGrp="1"/>
+          </p:cNvSpPr>
+          <p:nvPr>
+            <p:ph type="body" idx="1"/>
+          </p:nvPr>
+        </p:nvSpPr>
+        <p:spPr>
+          <a:xfrm>
+            <a:off x="6359570" y="2352823"/>
+            <a:ext cx="1662994" cy="576262"/>
+          </a:xfrm>
+        </p:spPr>
+        <p:txBody>
+          <a:bodyPr/>
+          <a:lstStyle/>
+          <a:p>
+            <a:pPr algn="l"/>
+            <a:r>
+              <a:rPr lang="en-US" dirty="0" err="1" smtClean="0"/>
+              <a:t>Service_A</a:t>
+            </a:r>
+            <a:endParaRPr lang="en-US" dirty="0"/>
+          </a:p>
+        </p:txBody>
+      </p:sp>
+      <p:sp>
+        <p:nvSpPr>
+          <p:cNvPr id="11" name="Content Placeholder 2"/>
+          <p:cNvSpPr>
+            <a:spLocks noGrp="1"/>
+          </p:cNvSpPr>
+          <p:nvPr>
+            <p:ph sz="half" idx="2"/>
+          </p:nvPr>
+        </p:nvSpPr>
+        <p:spPr>
+          <a:xfrm>
+            <a:off x="6346164" y="2903538"/>
+            <a:ext cx="2428804" cy="3109913"/>
+          </a:xfrm>
+        </p:spPr>
+        <p:txBody>
+          <a:bodyPr/>
+          <a:lstStyle/>
+          <a:p>
+            <a:pPr marL="0" indent="0">
+              <a:buNone/>
+            </a:pPr>
+            <a:r>
+              <a:rPr lang="en-US" dirty="0" smtClean="0"/>
+              <a:t>id</a:t>
+            </a:r>
+          </a:p>
+          <a:p>
+            <a:pPr marL="0" indent="0">
+              <a:buNone/>
+            </a:pPr>
+            <a:r>
+              <a:rPr lang="en-US" dirty="0" smtClean="0"/>
+              <a:t>Cost</a:t>
+            </a:r>
+          </a:p>
+        </p:txBody>
+      </p:sp>
+      <p:sp>
+        <p:nvSpPr>
+          <p:cNvPr id="12" name="Content Placeholder 2"/>
+          <p:cNvSpPr>
+            <a:spLocks noGrp="1"/>
+          </p:cNvSpPr>
+          <p:nvPr>
+            <p:ph sz="half" idx="2"/>
+          </p:nvPr>
+        </p:nvSpPr>
+        <p:spPr>
+          <a:xfrm>
+            <a:off x="8465386" y="2921808"/>
+            <a:ext cx="2428804" cy="3109913"/>
+          </a:xfrm>
+        </p:spPr>
+        <p:txBody>
+          <a:bodyPr/>
+          <a:lstStyle/>
+          <a:p>
+            <a:pPr marL="0" indent="0">
+              <a:buNone/>
+            </a:pPr>
+            <a:r>
+              <a:rPr lang="en-US" dirty="0" smtClean="0"/>
+              <a:t>id</a:t>
+            </a:r>
+          </a:p>
+          <a:p>
+            <a:pPr marL="0" indent="0">
+              <a:buNone/>
+            </a:pPr>
+            <a:r>
+              <a:rPr lang="en-US" dirty="0" smtClean="0"/>
+              <a:t>Cost</a:t>
+            </a:r>
+          </a:p>
+        </p:txBody>
+      </p:sp>
+      <p:sp>
+        <p:nvSpPr>
+          <p:cNvPr id="13" name="Text Placeholder 4"/>
+          <p:cNvSpPr>
+            <a:spLocks noGrp="1"/>
+          </p:cNvSpPr>
+          <p:nvPr>
+            <p:ph type="body" idx="1"/>
+          </p:nvPr>
+        </p:nvSpPr>
+        <p:spPr>
+          <a:xfrm>
+            <a:off x="8206112" y="2352823"/>
+            <a:ext cx="1662994" cy="576262"/>
+          </a:xfrm>
+        </p:spPr>
+        <p:txBody>
+          <a:bodyPr/>
+          <a:lstStyle/>
+          <a:p>
+            <a:pPr algn="l"/>
+            <a:r>
+              <a:rPr lang="en-US" dirty="0" err="1" smtClean="0"/>
+              <a:t>Service_B</a:t>
+            </a:r>
+            <a:endParaRPr lang="en-US" dirty="0"/>
+          </a:p>
+        </p:txBody>
+      </p:sp>
+    </p:spTree>
+    <p:extLst>
+      <p:ext uri="{BB962C8B-B14F-4D97-AF65-F5344CB8AC3E}">
+        <p14:creationId xmlns:p14="http://schemas.microsoft.com/office/powerpoint/2010/main" val="3802024102"/>
+      </p:ext>
+    </p:extLst>
+  </p:cSld>
+  <p:clrMapOvr>
+    <a:masterClrMapping/>
+  </p:clrMapOvr>
+  <p:timing>
+    <p:tnLst>
+      <p:par>
+        <p:cTn id="1" dur="indefinite" restart="never" nodeType="tmRoot"/>
+      </p:par>
+    </p:tnLst>
+  </p:timing>
+</p:sld>
+</file>
+
+<file path=ppt/slides/slide19.xml><?xml version="1.0" encoding="utf-8"?>
+<p:sld xmlns:a="http://schemas.openxmlformats.org/drawingml/2006/main" xmlns:r="http://schemas.openxmlformats.org/officeDocument/2006/relationships" xmlns:p="http://schemas.openxmlformats.org/presentationml/2006/main">
+  <p:cSld>
+    <p:spTree>
+      <p:nvGrpSpPr>
+        <p:cNvPr id="1" name=""/>
+        <p:cNvGrpSpPr/>
+        <p:nvPr/>
+      </p:nvGrpSpPr>
+      <p:grpSpPr>
+        <a:xfrm>
+          <a:off x="0" y="0"/>
+          <a:ext cx="0" cy="0"/>
+          <a:chOff x="0" y="0"/>
+          <a:chExt cx="0" cy="0"/>
+        </a:xfrm>
+      </p:grpSpPr>
+      <p:sp>
+        <p:nvSpPr>
+          <p:cNvPr id="2" name="Title 1"/>
+          <p:cNvSpPr>
+            <a:spLocks noGrp="1"/>
+          </p:cNvSpPr>
+          <p:nvPr>
+            <p:ph type="title"/>
+          </p:nvPr>
+        </p:nvSpPr>
+        <p:spPr/>
+        <p:txBody>
+          <a:bodyPr/>
+          <a:lstStyle/>
+          <a:p>
+            <a:r>
+              <a:rPr lang="en-US" dirty="0" smtClean="0"/>
+              <a:t>Insert Information into the tables</a:t>
+            </a:r>
+            <a:endParaRPr lang="en-US" dirty="0"/>
+          </a:p>
+        </p:txBody>
+      </p:sp>
+      <p:sp>
+        <p:nvSpPr>
+          <p:cNvPr id="3" name="Content Placeholder 2"/>
+          <p:cNvSpPr>
+            <a:spLocks noGrp="1"/>
+          </p:cNvSpPr>
+          <p:nvPr>
+            <p:ph idx="1"/>
+          </p:nvPr>
+        </p:nvSpPr>
+        <p:spPr/>
+        <p:txBody>
+          <a:bodyPr/>
+          <a:lstStyle/>
+          <a:p>
+            <a:r>
+              <a:rPr lang="en-US" dirty="0" smtClean="0"/>
+              <a:t>Use the </a:t>
+            </a:r>
+            <a:endParaRPr lang="en-US" dirty="0"/>
+          </a:p>
+        </p:txBody>
+      </p:sp>
+    </p:spTree>
+    <p:extLst>
+      <p:ext uri="{BB962C8B-B14F-4D97-AF65-F5344CB8AC3E}">
+        <p14:creationId xmlns:p14="http://schemas.microsoft.com/office/powerpoint/2010/main" val="3794047903"/>
+      </p:ext>
+    </p:extLst>
+  </p:cSld>
+  <p:clrMapOvr>
+    <a:masterClrMapping/>
+  </p:clrMapOvr>
+</p:sld>
+</file>
+
 <file path=ppt/slides/slide2.xml><?xml version="1.0" encoding="utf-8"?>
 <p:sld xmlns:a="http://schemas.openxmlformats.org/drawingml/2006/main" xmlns:r="http://schemas.openxmlformats.org/officeDocument/2006/relationships" xmlns:p="http://schemas.openxmlformats.org/presentationml/2006/main">
   <p:cSld>
@@ -6446,6 +9104,227 @@
     <p:extLst>
       <p:ext uri="{BB962C8B-B14F-4D97-AF65-F5344CB8AC3E}">
         <p14:creationId xmlns:p14="http://schemas.microsoft.com/office/powerpoint/2010/main" val="2649534364"/>
+      </p:ext>
+    </p:extLst>
+  </p:cSld>
+  <p:clrMapOvr>
+    <a:masterClrMapping/>
+  </p:clrMapOvr>
+  <p:timing>
+    <p:tnLst>
+      <p:par>
+        <p:cTn id="1" dur="indefinite" restart="never" nodeType="tmRoot"/>
+      </p:par>
+    </p:tnLst>
+  </p:timing>
+</p:sld>
+</file>
+
+<file path=ppt/slides/slide20.xml><?xml version="1.0" encoding="utf-8"?>
+<p:sld xmlns:a="http://schemas.openxmlformats.org/drawingml/2006/main" xmlns:r="http://schemas.openxmlformats.org/officeDocument/2006/relationships" xmlns:p="http://schemas.openxmlformats.org/presentationml/2006/main">
+  <p:cSld>
+    <p:spTree>
+      <p:nvGrpSpPr>
+        <p:cNvPr id="1" name=""/>
+        <p:cNvGrpSpPr/>
+        <p:nvPr/>
+      </p:nvGrpSpPr>
+      <p:grpSpPr>
+        <a:xfrm>
+          <a:off x="0" y="0"/>
+          <a:ext cx="0" cy="0"/>
+          <a:chOff x="0" y="0"/>
+          <a:chExt cx="0" cy="0"/>
+        </a:xfrm>
+      </p:grpSpPr>
+      <p:sp>
+        <p:nvSpPr>
+          <p:cNvPr id="2" name="Title 1"/>
+          <p:cNvSpPr>
+            <a:spLocks noGrp="1"/>
+          </p:cNvSpPr>
+          <p:nvPr>
+            <p:ph type="title"/>
+          </p:nvPr>
+        </p:nvSpPr>
+        <p:spPr/>
+        <p:txBody>
+          <a:bodyPr/>
+          <a:lstStyle/>
+          <a:p>
+            <a:r>
+              <a:rPr lang="en-US" dirty="0" smtClean="0"/>
+              <a:t>Query the Data</a:t>
+            </a:r>
+            <a:endParaRPr lang="en-US" dirty="0"/>
+          </a:p>
+        </p:txBody>
+      </p:sp>
+      <p:sp>
+        <p:nvSpPr>
+          <p:cNvPr id="3" name="Content Placeholder 2"/>
+          <p:cNvSpPr>
+            <a:spLocks noGrp="1"/>
+          </p:cNvSpPr>
+          <p:nvPr>
+            <p:ph idx="1"/>
+          </p:nvPr>
+        </p:nvSpPr>
+        <p:spPr/>
+        <p:txBody>
+          <a:bodyPr/>
+          <a:lstStyle/>
+          <a:p>
+            <a:r>
+              <a:rPr lang="en-US" dirty="0" smtClean="0"/>
+              <a:t>Try selecting whole tables</a:t>
+            </a:r>
+          </a:p>
+          <a:p>
+            <a:r>
+              <a:rPr lang="en-US" dirty="0" smtClean="0"/>
+              <a:t>Selecting just the names in a few tables</a:t>
+            </a:r>
+          </a:p>
+          <a:p>
+            <a:r>
+              <a:rPr lang="en-US" dirty="0" smtClean="0"/>
+              <a:t>Try the join function</a:t>
+            </a:r>
+          </a:p>
+          <a:p>
+            <a:pPr lvl="1"/>
+            <a:r>
+              <a:rPr lang="en-US" dirty="0" smtClean="0"/>
+              <a:t>Find all the company names that used </a:t>
+            </a:r>
+            <a:r>
+              <a:rPr lang="en-US" dirty="0" err="1" smtClean="0"/>
+              <a:t>serviceA</a:t>
+            </a:r>
+            <a:endParaRPr lang="en-US" dirty="0" smtClean="0"/>
+          </a:p>
+          <a:p>
+            <a:pPr lvl="1"/>
+            <a:r>
+              <a:rPr lang="en-US" dirty="0" smtClean="0"/>
+              <a:t>Find the client names that used </a:t>
+            </a:r>
+            <a:r>
+              <a:rPr lang="en-US" dirty="0" err="1" smtClean="0"/>
+              <a:t>serviceB</a:t>
+            </a:r>
+            <a:r>
+              <a:rPr lang="en-US" dirty="0" smtClean="0"/>
+              <a:t> </a:t>
+            </a:r>
+            <a:endParaRPr lang="en-US" dirty="0"/>
+          </a:p>
+        </p:txBody>
+      </p:sp>
+    </p:spTree>
+    <p:extLst>
+      <p:ext uri="{BB962C8B-B14F-4D97-AF65-F5344CB8AC3E}">
+        <p14:creationId xmlns:p14="http://schemas.microsoft.com/office/powerpoint/2010/main" val="1959572592"/>
+      </p:ext>
+    </p:extLst>
+  </p:cSld>
+  <p:clrMapOvr>
+    <a:masterClrMapping/>
+  </p:clrMapOvr>
+</p:sld>
+</file>
+
+<file path=ppt/slides/slide21.xml><?xml version="1.0" encoding="utf-8"?>
+<p:sld xmlns:a="http://schemas.openxmlformats.org/drawingml/2006/main" xmlns:r="http://schemas.openxmlformats.org/officeDocument/2006/relationships" xmlns:p="http://schemas.openxmlformats.org/presentationml/2006/main">
+  <p:cSld>
+    <p:spTree>
+      <p:nvGrpSpPr>
+        <p:cNvPr id="1" name=""/>
+        <p:cNvGrpSpPr/>
+        <p:nvPr/>
+      </p:nvGrpSpPr>
+      <p:grpSpPr>
+        <a:xfrm>
+          <a:off x="0" y="0"/>
+          <a:ext cx="0" cy="0"/>
+          <a:chOff x="0" y="0"/>
+          <a:chExt cx="0" cy="0"/>
+        </a:xfrm>
+      </p:grpSpPr>
+      <p:sp>
+        <p:nvSpPr>
+          <p:cNvPr id="2" name="Title 1"/>
+          <p:cNvSpPr>
+            <a:spLocks noGrp="1"/>
+          </p:cNvSpPr>
+          <p:nvPr>
+            <p:ph type="title"/>
+          </p:nvPr>
+        </p:nvSpPr>
+        <p:spPr/>
+        <p:txBody>
+          <a:bodyPr/>
+          <a:lstStyle/>
+          <a:p>
+            <a:r>
+              <a:rPr lang="en-US" dirty="0" smtClean="0"/>
+              <a:t>Last Things</a:t>
+            </a:r>
+            <a:endParaRPr lang="en-US" dirty="0"/>
+          </a:p>
+        </p:txBody>
+      </p:sp>
+      <p:sp>
+        <p:nvSpPr>
+          <p:cNvPr id="3" name="Content Placeholder 2"/>
+          <p:cNvSpPr>
+            <a:spLocks noGrp="1"/>
+          </p:cNvSpPr>
+          <p:nvPr>
+            <p:ph idx="1"/>
+          </p:nvPr>
+        </p:nvSpPr>
+        <p:spPr/>
+        <p:txBody>
+          <a:bodyPr/>
+          <a:lstStyle/>
+          <a:p>
+            <a:endParaRPr lang="en-US" dirty="0" smtClean="0"/>
+          </a:p>
+          <a:p>
+            <a:r>
+              <a:rPr lang="en-US" dirty="0" smtClean="0"/>
+              <a:t>Thank you Digital Workshop for providing the space</a:t>
+            </a:r>
+          </a:p>
+          <a:p>
+            <a:r>
+              <a:rPr lang="en-US" dirty="0" smtClean="0"/>
+              <a:t>Thank you Sharon for being a TA!</a:t>
+            </a:r>
+          </a:p>
+          <a:p>
+            <a:r>
+              <a:rPr lang="en-US" dirty="0" smtClean="0"/>
+              <a:t>Thank YOU!</a:t>
+            </a:r>
+          </a:p>
+          <a:p>
+            <a:r>
+              <a:rPr lang="en-US" dirty="0" smtClean="0"/>
+              <a:t>*also, these slides are on my posted on my GitHub under</a:t>
+            </a:r>
+          </a:p>
+          <a:p>
+            <a:endParaRPr lang="en-US" dirty="0"/>
+          </a:p>
+        </p:txBody>
+      </p:sp>
+    </p:spTree>
+    <p:extLst>
+      <p:ext uri="{BB962C8B-B14F-4D97-AF65-F5344CB8AC3E}">
+        <p14:creationId xmlns:p14="http://schemas.microsoft.com/office/powerpoint/2010/main" val="3811184902"/>
       </p:ext>
     </p:extLst>
   </p:cSld>
@@ -6867,6 +9746,9 @@
             </a:r>
           </a:p>
           <a:p>
+            <a:endParaRPr lang="en-US" dirty="0"/>
+          </a:p>
+          <a:p>
             <a:r>
               <a:rPr lang="en-US" dirty="0" smtClean="0"/>
               <a:t>CRUD:</a:t>
@@ -6878,7 +9760,7 @@
             </a:pPr>
             <a:r>
               <a:rPr lang="en-US" dirty="0" smtClean="0"/>
-              <a:t>C: create (table)</a:t>
+              <a:t>									C: create (tables)</a:t>
             </a:r>
           </a:p>
           <a:p>
@@ -6887,7 +9769,7 @@
             </a:pPr>
             <a:r>
               <a:rPr lang="en-US" dirty="0" smtClean="0"/>
-              <a:t>R: retrieve (data)</a:t>
+              <a:t>									R: retrieve (data)</a:t>
             </a:r>
           </a:p>
           <a:p>
@@ -6896,7 +9778,7 @@
             </a:pPr>
             <a:r>
               <a:rPr lang="en-US" dirty="0" smtClean="0"/>
-              <a:t>U: update (data)</a:t>
+              <a:t>									U: update (data)</a:t>
             </a:r>
           </a:p>
           <a:p>
@@ -6905,7 +9787,7 @@
             </a:pPr>
             <a:r>
               <a:rPr lang="en-US" dirty="0" smtClean="0"/>
-              <a:t>D: delete</a:t>
+              <a:t>									D: delete</a:t>
             </a:r>
           </a:p>
           <a:p>
@@ -6923,6 +9805,890 @@
   <p:clrMapOvr>
     <a:masterClrMapping/>
   </p:clrMapOvr>
+  <p:timing>
+    <p:tnLst>
+      <p:par>
+        <p:cTn id="1" dur="indefinite" restart="never" nodeType="tmRoot"/>
+      </p:par>
+    </p:tnLst>
+  </p:timing>
+</p:sld>
+</file>
+
+<file path=ppt/slides/slide8.xml><?xml version="1.0" encoding="utf-8"?>
+<p:sld xmlns:a="http://schemas.openxmlformats.org/drawingml/2006/main" xmlns:r="http://schemas.openxmlformats.org/officeDocument/2006/relationships" xmlns:p="http://schemas.openxmlformats.org/presentationml/2006/main">
+  <p:cSld>
+    <p:spTree>
+      <p:nvGrpSpPr>
+        <p:cNvPr id="1" name=""/>
+        <p:cNvGrpSpPr/>
+        <p:nvPr/>
+      </p:nvGrpSpPr>
+      <p:grpSpPr>
+        <a:xfrm>
+          <a:off x="0" y="0"/>
+          <a:ext cx="0" cy="0"/>
+          <a:chOff x="0" y="0"/>
+          <a:chExt cx="0" cy="0"/>
+        </a:xfrm>
+      </p:grpSpPr>
+      <p:sp>
+        <p:nvSpPr>
+          <p:cNvPr id="2" name="Title 1"/>
+          <p:cNvSpPr>
+            <a:spLocks noGrp="1"/>
+          </p:cNvSpPr>
+          <p:nvPr>
+            <p:ph type="title"/>
+          </p:nvPr>
+        </p:nvSpPr>
+        <p:spPr/>
+        <p:txBody>
+          <a:bodyPr/>
+          <a:lstStyle/>
+          <a:p>
+            <a:r>
+              <a:rPr lang="en-US" dirty="0" smtClean="0"/>
+              <a:t>Create table function</a:t>
+            </a:r>
+            <a:endParaRPr lang="en-US" dirty="0"/>
+          </a:p>
+        </p:txBody>
+      </p:sp>
+      <p:sp>
+        <p:nvSpPr>
+          <p:cNvPr id="3" name="Content Placeholder 2"/>
+          <p:cNvSpPr>
+            <a:spLocks noGrp="1"/>
+          </p:cNvSpPr>
+          <p:nvPr>
+            <p:ph idx="1"/>
+          </p:nvPr>
+        </p:nvSpPr>
+        <p:spPr>
+          <a:xfrm>
+            <a:off x="818711" y="2222287"/>
+            <a:ext cx="7704187" cy="3636511"/>
+          </a:xfrm>
+        </p:spPr>
+        <p:txBody>
+          <a:bodyPr/>
+          <a:lstStyle/>
+          <a:p>
+            <a:r>
+              <a:rPr lang="en-US" dirty="0" smtClean="0"/>
+              <a:t>Create</a:t>
+            </a:r>
+          </a:p>
+          <a:p>
+            <a:pPr marL="0" indent="0">
+              <a:buNone/>
+            </a:pPr>
+            <a:r>
+              <a:rPr lang="en-US" dirty="0" smtClean="0"/>
+              <a:t>CREATE TABLE </a:t>
+            </a:r>
+            <a:r>
+              <a:rPr lang="en-US" dirty="0" smtClean="0">
+                <a:solidFill>
+                  <a:schemeClr val="accent2">
+                    <a:lumMod val="50000"/>
+                  </a:schemeClr>
+                </a:solidFill>
+              </a:rPr>
+              <a:t>&lt;table name&gt; </a:t>
+            </a:r>
+            <a:r>
+              <a:rPr lang="en-US" dirty="0" smtClean="0"/>
+              <a:t>( </a:t>
+            </a:r>
+          </a:p>
+          <a:p>
+            <a:pPr marL="0" indent="0">
+              <a:buNone/>
+            </a:pPr>
+            <a:r>
+              <a:rPr lang="en-US" dirty="0"/>
+              <a:t>i</a:t>
+            </a:r>
+            <a:r>
+              <a:rPr lang="en-US" dirty="0" smtClean="0"/>
+              <a:t>d INTEGER NOT NULL PRIMARY KEY </a:t>
+            </a:r>
+            <a:r>
+              <a:rPr lang="en-US" dirty="0" err="1" smtClean="0"/>
+              <a:t>AUTOINCREMENT</a:t>
+            </a:r>
+            <a:r>
+              <a:rPr lang="en-US" dirty="0" smtClean="0"/>
+              <a:t> UNIQUE,</a:t>
+            </a:r>
+          </a:p>
+          <a:p>
+            <a:pPr marL="0" indent="0">
+              <a:buNone/>
+            </a:pPr>
+            <a:r>
+              <a:rPr lang="en-US" dirty="0" smtClean="0">
+                <a:solidFill>
+                  <a:schemeClr val="accent2">
+                    <a:lumMod val="50000"/>
+                  </a:schemeClr>
+                </a:solidFill>
+              </a:rPr>
+              <a:t>&lt;column name&gt; </a:t>
+            </a:r>
+            <a:r>
+              <a:rPr lang="en-US" dirty="0" smtClean="0"/>
+              <a:t> datatype,</a:t>
+            </a:r>
+          </a:p>
+          <a:p>
+            <a:pPr marL="0" indent="0">
+              <a:buNone/>
+            </a:pPr>
+            <a:r>
+              <a:rPr lang="en-US" dirty="0">
+                <a:solidFill>
+                  <a:schemeClr val="accent2">
+                    <a:lumMod val="50000"/>
+                  </a:schemeClr>
+                </a:solidFill>
+              </a:rPr>
+              <a:t>&lt;column name&gt; </a:t>
+            </a:r>
+            <a:r>
+              <a:rPr lang="en-US" dirty="0"/>
+              <a:t> </a:t>
+            </a:r>
+            <a:r>
+              <a:rPr lang="en-US" dirty="0" smtClean="0"/>
+              <a:t>datatype</a:t>
+            </a:r>
+          </a:p>
+          <a:p>
+            <a:pPr marL="0" indent="0">
+              <a:buNone/>
+            </a:pPr>
+            <a:r>
+              <a:rPr lang="en-US" dirty="0" smtClean="0"/>
+              <a:t>);</a:t>
+            </a:r>
+          </a:p>
+          <a:p>
+            <a:pPr marL="0" indent="0">
+              <a:buNone/>
+            </a:pPr>
+            <a:endParaRPr lang="en-US" dirty="0" smtClean="0"/>
+          </a:p>
+          <a:p>
+            <a:pPr marL="0" indent="0">
+              <a:buNone/>
+            </a:pPr>
+            <a:endParaRPr lang="en-US" dirty="0">
+              <a:solidFill>
+                <a:schemeClr val="accent2">
+                  <a:lumMod val="50000"/>
+                </a:schemeClr>
+              </a:solidFill>
+            </a:endParaRPr>
+          </a:p>
+        </p:txBody>
+      </p:sp>
+      <p:graphicFrame>
+        <p:nvGraphicFramePr>
+          <p:cNvPr id="57" name="Table 56"/>
+          <p:cNvGraphicFramePr>
+            <a:graphicFrameLocks noGrp="1"/>
+          </p:cNvGraphicFramePr>
+          <p:nvPr>
+            <p:extLst>
+              <p:ext uri="{D42A27DB-BD31-4B8C-83A1-F6EECF244321}">
+                <p14:modId xmlns:p14="http://schemas.microsoft.com/office/powerpoint/2010/main" val="2410369412"/>
+              </p:ext>
+            </p:extLst>
+          </p:nvPr>
+        </p:nvGraphicFramePr>
+        <p:xfrm>
+          <a:off x="3758919" y="4759325"/>
+          <a:ext cx="6654800" cy="1169670"/>
+        </p:xfrm>
+        <a:graphic>
+          <a:graphicData uri="http://schemas.openxmlformats.org/drawingml/2006/table">
+            <a:tbl>
+              <a:tblPr/>
+              <a:tblGrid>
+                <a:gridCol w="1511300"/>
+                <a:gridCol w="5143500"/>
+              </a:tblGrid>
+              <a:tr h="0">
+                <a:tc gridSpan="2">
+                  <a:txBody>
+                    <a:bodyPr/>
+                    <a:lstStyle/>
+                    <a:p>
+                      <a:pPr algn="ctr" fontAlgn="ctr"/>
+                      <a:r>
+                        <a:rPr lang="en-US" sz="1800" b="0" i="0" u="none" strike="noStrike">
+                          <a:solidFill>
+                            <a:srgbClr val="000000"/>
+                          </a:solidFill>
+                          <a:effectLst/>
+                          <a:latin typeface="Calibri" panose="020F0502020204030204" pitchFamily="34" charset="0"/>
+                        </a:rPr>
+                        <a:t>DataTypes</a:t>
+                      </a:r>
+                    </a:p>
+                  </a:txBody>
+                  <a:tcPr marL="9525" marR="9525" marT="9525" marB="0" anchor="ctr">
+                    <a:lnL>
+                      <a:noFill/>
+                    </a:lnL>
+                    <a:lnR>
+                      <a:noFill/>
+                    </a:lnR>
+                    <a:lnT>
+                      <a:noFill/>
+                    </a:lnT>
+                    <a:lnB w="6350" cap="flat" cmpd="sng" algn="ctr">
+                      <a:solidFill>
+                        <a:srgbClr val="000000"/>
+                      </a:solidFill>
+                      <a:prstDash val="solid"/>
+                      <a:round/>
+                      <a:headEnd type="none" w="med" len="med"/>
+                      <a:tailEnd type="none" w="med" len="med"/>
+                    </a:lnB>
+                  </a:tcPr>
+                </a:tc>
+                <a:tc hMerge="1">
+                  <a:txBody>
+                    <a:bodyPr/>
+                    <a:lstStyle/>
+                    <a:p>
+                      <a:endParaRPr lang="en-US"/>
+                    </a:p>
+                  </a:txBody>
+                  <a:tcPr/>
+                </a:tc>
+              </a:tr>
+              <a:tr h="295275">
+                <a:tc>
+                  <a:txBody>
+                    <a:bodyPr/>
+                    <a:lstStyle/>
+                    <a:p>
+                      <a:pPr algn="l" fontAlgn="t"/>
+                      <a:r>
+                        <a:rPr lang="en-US" sz="1800" b="0" i="0" u="none" strike="noStrike">
+                          <a:solidFill>
+                            <a:srgbClr val="000000"/>
+                          </a:solidFill>
+                          <a:effectLst/>
+                          <a:latin typeface="Calibri" panose="020F0502020204030204" pitchFamily="34" charset="0"/>
+                        </a:rPr>
+                        <a:t>CHAR(n)</a:t>
+                      </a:r>
+                    </a:p>
+                  </a:txBody>
+                  <a:tcPr marL="9525" marR="9525" marT="9525" marB="0">
+                    <a:lnL w="6350" cap="flat" cmpd="sng" algn="ctr">
+                      <a:solidFill>
+                        <a:srgbClr val="000000"/>
+                      </a:solidFill>
+                      <a:prstDash val="solid"/>
+                      <a:round/>
+                      <a:headEnd type="none" w="med" len="med"/>
+                      <a:tailEnd type="none" w="med" len="med"/>
+                    </a:lnL>
+                    <a:lnR w="6350" cap="flat" cmpd="sng" algn="ctr">
+                      <a:solidFill>
+                        <a:srgbClr val="000000"/>
+                      </a:solidFill>
+                      <a:prstDash val="solid"/>
+                      <a:round/>
+                      <a:headEnd type="none" w="med" len="med"/>
+                      <a:tailEnd type="none" w="med" len="med"/>
+                    </a:lnR>
+                    <a:lnT w="6350" cap="flat" cmpd="sng" algn="ctr">
+                      <a:solidFill>
+                        <a:srgbClr val="000000"/>
+                      </a:solidFill>
+                      <a:prstDash val="solid"/>
+                      <a:round/>
+                      <a:headEnd type="none" w="med" len="med"/>
+                      <a:tailEnd type="none" w="med" len="med"/>
+                    </a:lnT>
+                    <a:lnB w="6350" cap="flat" cmpd="sng" algn="ctr">
+                      <a:solidFill>
+                        <a:srgbClr val="000000"/>
+                      </a:solidFill>
+                      <a:prstDash val="solid"/>
+                      <a:round/>
+                      <a:headEnd type="none" w="med" len="med"/>
+                      <a:tailEnd type="none" w="med" len="med"/>
+                    </a:lnB>
+                    <a:solidFill>
+                      <a:srgbClr val="F1F1F1"/>
+                    </a:solidFill>
+                  </a:tcPr>
+                </a:tc>
+                <a:tc>
+                  <a:txBody>
+                    <a:bodyPr/>
+                    <a:lstStyle/>
+                    <a:p>
+                      <a:pPr algn="l" fontAlgn="t"/>
+                      <a:r>
+                        <a:rPr lang="en-US" sz="1800" b="0" i="0" u="none" strike="noStrike">
+                          <a:solidFill>
+                            <a:srgbClr val="000000"/>
+                          </a:solidFill>
+                          <a:effectLst/>
+                          <a:latin typeface="Calibri" panose="020F0502020204030204" pitchFamily="34" charset="0"/>
+                        </a:rPr>
+                        <a:t>Character string. Fixed-length n</a:t>
+                      </a:r>
+                    </a:p>
+                  </a:txBody>
+                  <a:tcPr marL="9525" marR="9525" marT="9525" marB="0">
+                    <a:lnL w="6350" cap="flat" cmpd="sng" algn="ctr">
+                      <a:solidFill>
+                        <a:srgbClr val="000000"/>
+                      </a:solidFill>
+                      <a:prstDash val="solid"/>
+                      <a:round/>
+                      <a:headEnd type="none" w="med" len="med"/>
+                      <a:tailEnd type="none" w="med" len="med"/>
+                    </a:lnL>
+                    <a:lnR w="6350" cap="flat" cmpd="sng" algn="ctr">
+                      <a:solidFill>
+                        <a:srgbClr val="000000"/>
+                      </a:solidFill>
+                      <a:prstDash val="solid"/>
+                      <a:round/>
+                      <a:headEnd type="none" w="med" len="med"/>
+                      <a:tailEnd type="none" w="med" len="med"/>
+                    </a:lnR>
+                    <a:lnT w="6350" cap="flat" cmpd="sng" algn="ctr">
+                      <a:solidFill>
+                        <a:srgbClr val="000000"/>
+                      </a:solidFill>
+                      <a:prstDash val="solid"/>
+                      <a:round/>
+                      <a:headEnd type="none" w="med" len="med"/>
+                      <a:tailEnd type="none" w="med" len="med"/>
+                    </a:lnT>
+                    <a:lnB w="6350" cap="flat" cmpd="sng" algn="ctr">
+                      <a:solidFill>
+                        <a:srgbClr val="000000"/>
+                      </a:solidFill>
+                      <a:prstDash val="solid"/>
+                      <a:round/>
+                      <a:headEnd type="none" w="med" len="med"/>
+                      <a:tailEnd type="none" w="med" len="med"/>
+                    </a:lnB>
+                    <a:solidFill>
+                      <a:srgbClr val="F1F1F1"/>
+                    </a:solidFill>
+                  </a:tcPr>
+                </a:tc>
+              </a:tr>
+              <a:tr h="295275">
+                <a:tc>
+                  <a:txBody>
+                    <a:bodyPr/>
+                    <a:lstStyle/>
+                    <a:p>
+                      <a:pPr algn="l" fontAlgn="b"/>
+                      <a:r>
+                        <a:rPr lang="en-US" sz="1800" b="0" i="0" u="none" strike="noStrike">
+                          <a:solidFill>
+                            <a:srgbClr val="000000"/>
+                          </a:solidFill>
+                          <a:effectLst/>
+                          <a:latin typeface="Calibri" panose="020F0502020204030204" pitchFamily="34" charset="0"/>
+                        </a:rPr>
+                        <a:t>VARCHAR(128)</a:t>
+                      </a:r>
+                    </a:p>
+                  </a:txBody>
+                  <a:tcPr marL="9525" marR="9525" marT="9525" marB="0" anchor="b">
+                    <a:lnL w="6350" cap="flat" cmpd="sng" algn="ctr">
+                      <a:solidFill>
+                        <a:srgbClr val="000000"/>
+                      </a:solidFill>
+                      <a:prstDash val="solid"/>
+                      <a:round/>
+                      <a:headEnd type="none" w="med" len="med"/>
+                      <a:tailEnd type="none" w="med" len="med"/>
+                    </a:lnL>
+                    <a:lnR w="6350" cap="flat" cmpd="sng" algn="ctr">
+                      <a:solidFill>
+                        <a:srgbClr val="000000"/>
+                      </a:solidFill>
+                      <a:prstDash val="solid"/>
+                      <a:round/>
+                      <a:headEnd type="none" w="med" len="med"/>
+                      <a:tailEnd type="none" w="med" len="med"/>
+                    </a:lnR>
+                    <a:lnT w="6350" cap="flat" cmpd="sng" algn="ctr">
+                      <a:solidFill>
+                        <a:srgbClr val="000000"/>
+                      </a:solidFill>
+                      <a:prstDash val="solid"/>
+                      <a:round/>
+                      <a:headEnd type="none" w="med" len="med"/>
+                      <a:tailEnd type="none" w="med" len="med"/>
+                    </a:lnT>
+                    <a:lnB w="6350" cap="flat" cmpd="sng" algn="ctr">
+                      <a:solidFill>
+                        <a:srgbClr val="000000"/>
+                      </a:solidFill>
+                      <a:prstDash val="solid"/>
+                      <a:round/>
+                      <a:headEnd type="none" w="med" len="med"/>
+                      <a:tailEnd type="none" w="med" len="med"/>
+                    </a:lnB>
+                  </a:tcPr>
+                </a:tc>
+                <a:tc>
+                  <a:txBody>
+                    <a:bodyPr/>
+                    <a:lstStyle/>
+                    <a:p>
+                      <a:pPr algn="l" fontAlgn="b"/>
+                      <a:r>
+                        <a:rPr lang="en-US" sz="1800" b="0" i="0" u="none" strike="noStrike">
+                          <a:solidFill>
+                            <a:srgbClr val="000000"/>
+                          </a:solidFill>
+                          <a:effectLst/>
+                          <a:latin typeface="Calibri" panose="020F0502020204030204" pitchFamily="34" charset="0"/>
+                        </a:rPr>
+                        <a:t>Character string. Variable length. Maximum length n</a:t>
+                      </a:r>
+                    </a:p>
+                  </a:txBody>
+                  <a:tcPr marL="9525" marR="9525" marT="9525" marB="0" anchor="b">
+                    <a:lnL w="6350" cap="flat" cmpd="sng" algn="ctr">
+                      <a:solidFill>
+                        <a:srgbClr val="000000"/>
+                      </a:solidFill>
+                      <a:prstDash val="solid"/>
+                      <a:round/>
+                      <a:headEnd type="none" w="med" len="med"/>
+                      <a:tailEnd type="none" w="med" len="med"/>
+                    </a:lnL>
+                    <a:lnR w="6350" cap="flat" cmpd="sng" algn="ctr">
+                      <a:solidFill>
+                        <a:srgbClr val="000000"/>
+                      </a:solidFill>
+                      <a:prstDash val="solid"/>
+                      <a:round/>
+                      <a:headEnd type="none" w="med" len="med"/>
+                      <a:tailEnd type="none" w="med" len="med"/>
+                    </a:lnR>
+                    <a:lnT w="6350" cap="flat" cmpd="sng" algn="ctr">
+                      <a:solidFill>
+                        <a:srgbClr val="000000"/>
+                      </a:solidFill>
+                      <a:prstDash val="solid"/>
+                      <a:round/>
+                      <a:headEnd type="none" w="med" len="med"/>
+                      <a:tailEnd type="none" w="med" len="med"/>
+                    </a:lnT>
+                    <a:lnB w="6350" cap="flat" cmpd="sng" algn="ctr">
+                      <a:solidFill>
+                        <a:srgbClr val="000000"/>
+                      </a:solidFill>
+                      <a:prstDash val="solid"/>
+                      <a:round/>
+                      <a:headEnd type="none" w="med" len="med"/>
+                      <a:tailEnd type="none" w="med" len="med"/>
+                    </a:lnB>
+                  </a:tcPr>
+                </a:tc>
+              </a:tr>
+              <a:tr h="295275">
+                <a:tc>
+                  <a:txBody>
+                    <a:bodyPr/>
+                    <a:lstStyle/>
+                    <a:p>
+                      <a:pPr algn="l" fontAlgn="t"/>
+                      <a:r>
+                        <a:rPr lang="en-US" sz="1800" b="0" i="0" u="none" strike="noStrike">
+                          <a:solidFill>
+                            <a:srgbClr val="000000"/>
+                          </a:solidFill>
+                          <a:effectLst/>
+                          <a:latin typeface="Calibri" panose="020F0502020204030204" pitchFamily="34" charset="0"/>
+                        </a:rPr>
+                        <a:t>INTEGER</a:t>
+                      </a:r>
+                    </a:p>
+                  </a:txBody>
+                  <a:tcPr marL="9525" marR="9525" marT="9525" marB="0">
+                    <a:lnL w="6350" cap="flat" cmpd="sng" algn="ctr">
+                      <a:solidFill>
+                        <a:srgbClr val="000000"/>
+                      </a:solidFill>
+                      <a:prstDash val="solid"/>
+                      <a:round/>
+                      <a:headEnd type="none" w="med" len="med"/>
+                      <a:tailEnd type="none" w="med" len="med"/>
+                    </a:lnL>
+                    <a:lnR w="6350" cap="flat" cmpd="sng" algn="ctr">
+                      <a:solidFill>
+                        <a:srgbClr val="000000"/>
+                      </a:solidFill>
+                      <a:prstDash val="solid"/>
+                      <a:round/>
+                      <a:headEnd type="none" w="med" len="med"/>
+                      <a:tailEnd type="none" w="med" len="med"/>
+                    </a:lnR>
+                    <a:lnT w="6350" cap="flat" cmpd="sng" algn="ctr">
+                      <a:solidFill>
+                        <a:srgbClr val="000000"/>
+                      </a:solidFill>
+                      <a:prstDash val="solid"/>
+                      <a:round/>
+                      <a:headEnd type="none" w="med" len="med"/>
+                      <a:tailEnd type="none" w="med" len="med"/>
+                    </a:lnT>
+                    <a:lnB w="6350" cap="flat" cmpd="sng" algn="ctr">
+                      <a:solidFill>
+                        <a:srgbClr val="000000"/>
+                      </a:solidFill>
+                      <a:prstDash val="solid"/>
+                      <a:round/>
+                      <a:headEnd type="none" w="med" len="med"/>
+                      <a:tailEnd type="none" w="med" len="med"/>
+                    </a:lnB>
+                    <a:solidFill>
+                      <a:srgbClr val="FFFFFF"/>
+                    </a:solidFill>
+                  </a:tcPr>
+                </a:tc>
+                <a:tc>
+                  <a:txBody>
+                    <a:bodyPr/>
+                    <a:lstStyle/>
+                    <a:p>
+                      <a:pPr algn="l" fontAlgn="t"/>
+                      <a:r>
+                        <a:rPr lang="en-US" sz="1800" b="0" i="0" u="none" strike="noStrike" dirty="0">
+                          <a:solidFill>
+                            <a:srgbClr val="000000"/>
+                          </a:solidFill>
+                          <a:effectLst/>
+                          <a:latin typeface="Calibri" panose="020F0502020204030204" pitchFamily="34" charset="0"/>
+                        </a:rPr>
+                        <a:t>Integer numerical (no decimal). Precision 10</a:t>
+                      </a:r>
+                    </a:p>
+                  </a:txBody>
+                  <a:tcPr marL="9525" marR="9525" marT="9525" marB="0">
+                    <a:lnL w="6350" cap="flat" cmpd="sng" algn="ctr">
+                      <a:solidFill>
+                        <a:srgbClr val="000000"/>
+                      </a:solidFill>
+                      <a:prstDash val="solid"/>
+                      <a:round/>
+                      <a:headEnd type="none" w="med" len="med"/>
+                      <a:tailEnd type="none" w="med" len="med"/>
+                    </a:lnL>
+                    <a:lnR w="6350" cap="flat" cmpd="sng" algn="ctr">
+                      <a:solidFill>
+                        <a:srgbClr val="000000"/>
+                      </a:solidFill>
+                      <a:prstDash val="solid"/>
+                      <a:round/>
+                      <a:headEnd type="none" w="med" len="med"/>
+                      <a:tailEnd type="none" w="med" len="med"/>
+                    </a:lnR>
+                    <a:lnT w="6350" cap="flat" cmpd="sng" algn="ctr">
+                      <a:solidFill>
+                        <a:srgbClr val="000000"/>
+                      </a:solidFill>
+                      <a:prstDash val="solid"/>
+                      <a:round/>
+                      <a:headEnd type="none" w="med" len="med"/>
+                      <a:tailEnd type="none" w="med" len="med"/>
+                    </a:lnT>
+                    <a:lnB w="6350" cap="flat" cmpd="sng" algn="ctr">
+                      <a:solidFill>
+                        <a:srgbClr val="000000"/>
+                      </a:solidFill>
+                      <a:prstDash val="solid"/>
+                      <a:round/>
+                      <a:headEnd type="none" w="med" len="med"/>
+                      <a:tailEnd type="none" w="med" len="med"/>
+                    </a:lnB>
+                    <a:solidFill>
+                      <a:srgbClr val="FFFFFF"/>
+                    </a:solidFill>
+                  </a:tcPr>
+                </a:tc>
+              </a:tr>
+            </a:tbl>
+          </a:graphicData>
+        </a:graphic>
+      </p:graphicFrame>
+    </p:spTree>
+    <p:extLst>
+      <p:ext uri="{BB962C8B-B14F-4D97-AF65-F5344CB8AC3E}">
+        <p14:creationId xmlns:p14="http://schemas.microsoft.com/office/powerpoint/2010/main" val="829982516"/>
+      </p:ext>
+    </p:extLst>
+  </p:cSld>
+  <p:clrMapOvr>
+    <a:masterClrMapping/>
+  </p:clrMapOvr>
+  <p:timing>
+    <p:tnLst>
+      <p:par>
+        <p:cTn id="1" dur="indefinite" restart="never" nodeType="tmRoot">
+          <p:childTnLst>
+            <p:seq concurrent="1" nextAc="seek">
+              <p:cTn id="2" dur="indefinite" nodeType="mainSeq">
+                <p:childTnLst>
+                  <p:par>
+                    <p:cTn id="3" fill="hold">
+                      <p:stCondLst>
+                        <p:cond delay="indefinite"/>
+                      </p:stCondLst>
+                      <p:childTnLst>
+                        <p:par>
+                          <p:cTn id="4" fill="hold">
+                            <p:stCondLst>
+                              <p:cond delay="0"/>
+                            </p:stCondLst>
+                            <p:childTnLst>
+                              <p:par>
+                                <p:cTn id="5" presetID="1" presetClass="entr" presetSubtype="0" fill="hold" nodeType="clickEffect">
+                                  <p:stCondLst>
+                                    <p:cond delay="0"/>
+                                  </p:stCondLst>
+                                  <p:childTnLst>
+                                    <p:set>
+                                      <p:cBhvr>
+                                        <p:cTn id="6" dur="1" fill="hold">
+                                          <p:stCondLst>
+                                            <p:cond delay="0"/>
+                                          </p:stCondLst>
+                                        </p:cTn>
+                                        <p:tgtEl>
+                                          <p:spTgt spid="3">
+                                            <p:txEl>
+                                              <p:pRg st="2" end="2"/>
+                                            </p:txEl>
+                                          </p:spTgt>
+                                        </p:tgtEl>
+                                        <p:attrNameLst>
+                                          <p:attrName>style.visibility</p:attrName>
+                                        </p:attrNameLst>
+                                      </p:cBhvr>
+                                      <p:to>
+                                        <p:strVal val="visible"/>
+                                      </p:to>
+                                    </p:set>
+                                  </p:childTnLst>
+                                </p:cTn>
+                              </p:par>
+                            </p:childTnLst>
+                          </p:cTn>
+                        </p:par>
+                      </p:childTnLst>
+                    </p:cTn>
+                  </p:par>
+                </p:childTnLst>
+              </p:cTn>
+              <p:prevCondLst>
+                <p:cond evt="onPrev" delay="0">
+                  <p:tgtEl>
+                    <p:sldTgt/>
+                  </p:tgtEl>
+                </p:cond>
+              </p:prevCondLst>
+              <p:nextCondLst>
+                <p:cond evt="onNext" delay="0">
+                  <p:tgtEl>
+                    <p:sldTgt/>
+                  </p:tgtEl>
+                </p:cond>
+              </p:nextCondLst>
+            </p:seq>
+          </p:childTnLst>
+        </p:cTn>
+      </p:par>
+    </p:tnLst>
+  </p:timing>
+</p:sld>
+</file>
+
+<file path=ppt/slides/slide9.xml><?xml version="1.0" encoding="utf-8"?>
+<p:sld xmlns:a="http://schemas.openxmlformats.org/drawingml/2006/main" xmlns:r="http://schemas.openxmlformats.org/officeDocument/2006/relationships" xmlns:p="http://schemas.openxmlformats.org/presentationml/2006/main">
+  <p:cSld>
+    <p:spTree>
+      <p:nvGrpSpPr>
+        <p:cNvPr id="1" name=""/>
+        <p:cNvGrpSpPr/>
+        <p:nvPr/>
+      </p:nvGrpSpPr>
+      <p:grpSpPr>
+        <a:xfrm>
+          <a:off x="0" y="0"/>
+          <a:ext cx="0" cy="0"/>
+          <a:chOff x="0" y="0"/>
+          <a:chExt cx="0" cy="0"/>
+        </a:xfrm>
+      </p:grpSpPr>
+      <p:sp>
+        <p:nvSpPr>
+          <p:cNvPr id="2" name="Title 1"/>
+          <p:cNvSpPr>
+            <a:spLocks noGrp="1"/>
+          </p:cNvSpPr>
+          <p:nvPr>
+            <p:ph type="title"/>
+          </p:nvPr>
+        </p:nvSpPr>
+        <p:spPr/>
+        <p:txBody>
+          <a:bodyPr/>
+          <a:lstStyle/>
+          <a:p>
+            <a:r>
+              <a:rPr lang="en-US" dirty="0" smtClean="0"/>
+              <a:t>Practice Creating Tables</a:t>
+            </a:r>
+            <a:endParaRPr lang="en-US" dirty="0"/>
+          </a:p>
+        </p:txBody>
+      </p:sp>
+      <p:sp>
+        <p:nvSpPr>
+          <p:cNvPr id="3" name="Text Placeholder 2"/>
+          <p:cNvSpPr>
+            <a:spLocks noGrp="1"/>
+          </p:cNvSpPr>
+          <p:nvPr>
+            <p:ph type="body" idx="1"/>
+          </p:nvPr>
+        </p:nvSpPr>
+        <p:spPr>
+          <a:xfrm>
+            <a:off x="0" y="2174875"/>
+            <a:ext cx="5189857" cy="576262"/>
+          </a:xfrm>
+        </p:spPr>
+        <p:txBody>
+          <a:bodyPr/>
+          <a:lstStyle/>
+          <a:p>
+            <a:r>
+              <a:rPr lang="en-US" dirty="0" smtClean="0"/>
+              <a:t>Song</a:t>
+            </a:r>
+            <a:endParaRPr lang="en-US" dirty="0"/>
+          </a:p>
+        </p:txBody>
+      </p:sp>
+      <p:sp>
+        <p:nvSpPr>
+          <p:cNvPr id="4" name="Content Placeholder 3"/>
+          <p:cNvSpPr>
+            <a:spLocks noGrp="1"/>
+          </p:cNvSpPr>
+          <p:nvPr>
+            <p:ph sz="half" idx="2"/>
+          </p:nvPr>
+        </p:nvSpPr>
+        <p:spPr>
+          <a:xfrm>
+            <a:off x="1" y="2828086"/>
+            <a:ext cx="5189856" cy="3109913"/>
+          </a:xfrm>
+        </p:spPr>
+        <p:txBody>
+          <a:bodyPr/>
+          <a:lstStyle/>
+          <a:p>
+            <a:endParaRPr lang="en-US" dirty="0"/>
+          </a:p>
+        </p:txBody>
+      </p:sp>
+      <p:sp>
+        <p:nvSpPr>
+          <p:cNvPr id="5" name="Text Placeholder 4"/>
+          <p:cNvSpPr>
+            <a:spLocks noGrp="1"/>
+          </p:cNvSpPr>
+          <p:nvPr>
+            <p:ph type="body" sz="quarter" idx="3"/>
+          </p:nvPr>
+        </p:nvSpPr>
+        <p:spPr>
+          <a:xfrm>
+            <a:off x="5189857" y="2213349"/>
+            <a:ext cx="5194583" cy="576262"/>
+          </a:xfrm>
+        </p:spPr>
+        <p:txBody>
+          <a:bodyPr/>
+          <a:lstStyle/>
+          <a:p>
+            <a:r>
+              <a:rPr lang="en-US" dirty="0" smtClean="0"/>
+              <a:t>Artist</a:t>
+            </a:r>
+            <a:endParaRPr lang="en-US" dirty="0"/>
+          </a:p>
+        </p:txBody>
+      </p:sp>
+      <p:sp>
+        <p:nvSpPr>
+          <p:cNvPr id="6" name="Content Placeholder 5"/>
+          <p:cNvSpPr>
+            <a:spLocks noGrp="1"/>
+          </p:cNvSpPr>
+          <p:nvPr>
+            <p:ph sz="quarter" idx="4"/>
+          </p:nvPr>
+        </p:nvSpPr>
+        <p:spPr>
+          <a:xfrm>
+            <a:off x="5189857" y="2828085"/>
+            <a:ext cx="5194583" cy="3109913"/>
+          </a:xfrm>
+        </p:spPr>
+        <p:txBody>
+          <a:bodyPr/>
+          <a:lstStyle/>
+          <a:p>
+            <a:endParaRPr lang="en-US" dirty="0"/>
+          </a:p>
+        </p:txBody>
+      </p:sp>
+    </p:spTree>
+    <p:extLst>
+      <p:ext uri="{BB962C8B-B14F-4D97-AF65-F5344CB8AC3E}">
+        <p14:creationId xmlns:p14="http://schemas.microsoft.com/office/powerpoint/2010/main" val="3314465066"/>
+      </p:ext>
+    </p:extLst>
+  </p:cSld>
+  <p:clrMapOvr>
+    <a:masterClrMapping/>
+  </p:clrMapOvr>
+  <p:timing>
+    <p:tnLst>
+      <p:par>
+        <p:cTn id="1" dur="indefinite" restart="never" nodeType="tmRoot"/>
+      </p:par>
+    </p:tnLst>
+  </p:timing>
 </p:sld>
 </file>
 

--- a/Beginning_SQL_pres.pptx
+++ b/Beginning_SQL_pres.pptx
@@ -5,30 +5,36 @@
     <p:sldMasterId id="2147483648" r:id="rId1"/>
   </p:sldMasterIdLst>
   <p:notesMasterIdLst>
-    <p:notesMasterId r:id="rId23"/>
+    <p:notesMasterId r:id="rId29"/>
   </p:notesMasterIdLst>
   <p:sldIdLst>
     <p:sldId id="256" r:id="rId2"/>
     <p:sldId id="258" r:id="rId3"/>
-    <p:sldId id="257" r:id="rId4"/>
-    <p:sldId id="259" r:id="rId5"/>
-    <p:sldId id="260" r:id="rId6"/>
-    <p:sldId id="262" r:id="rId7"/>
-    <p:sldId id="261" r:id="rId8"/>
-    <p:sldId id="263" r:id="rId9"/>
-    <p:sldId id="268" r:id="rId10"/>
-    <p:sldId id="264" r:id="rId11"/>
-    <p:sldId id="265" r:id="rId12"/>
-    <p:sldId id="266" r:id="rId13"/>
-    <p:sldId id="269" r:id="rId14"/>
-    <p:sldId id="272" r:id="rId15"/>
-    <p:sldId id="273" r:id="rId16"/>
-    <p:sldId id="274" r:id="rId17"/>
-    <p:sldId id="275" r:id="rId18"/>
-    <p:sldId id="276" r:id="rId19"/>
-    <p:sldId id="277" r:id="rId20"/>
-    <p:sldId id="278" r:id="rId21"/>
-    <p:sldId id="279" r:id="rId22"/>
+    <p:sldId id="280" r:id="rId4"/>
+    <p:sldId id="257" r:id="rId5"/>
+    <p:sldId id="259" r:id="rId6"/>
+    <p:sldId id="260" r:id="rId7"/>
+    <p:sldId id="281" r:id="rId8"/>
+    <p:sldId id="262" r:id="rId9"/>
+    <p:sldId id="261" r:id="rId10"/>
+    <p:sldId id="282" r:id="rId11"/>
+    <p:sldId id="283" r:id="rId12"/>
+    <p:sldId id="284" r:id="rId13"/>
+    <p:sldId id="285" r:id="rId14"/>
+    <p:sldId id="263" r:id="rId15"/>
+    <p:sldId id="268" r:id="rId16"/>
+    <p:sldId id="264" r:id="rId17"/>
+    <p:sldId id="265" r:id="rId18"/>
+    <p:sldId id="266" r:id="rId19"/>
+    <p:sldId id="269" r:id="rId20"/>
+    <p:sldId id="272" r:id="rId21"/>
+    <p:sldId id="273" r:id="rId22"/>
+    <p:sldId id="274" r:id="rId23"/>
+    <p:sldId id="275" r:id="rId24"/>
+    <p:sldId id="276" r:id="rId25"/>
+    <p:sldId id="277" r:id="rId26"/>
+    <p:sldId id="278" r:id="rId27"/>
+    <p:sldId id="279" r:id="rId28"/>
   </p:sldIdLst>
   <p:sldSz cx="12192000" cy="6858000"/>
   <p:notesSz cx="6858000" cy="9144000"/>
@@ -623,15 +629,23 @@
           <a:p>
             <a:r>
               <a:rPr lang="en-US" dirty="0" smtClean="0"/>
-              <a:t>The Join function isn’t part of CRUD, but it is how you query</a:t>
+              <a:t>For this class, the big one is no server. </a:t>
+            </a:r>
+          </a:p>
+          <a:p>
+            <a:r>
+              <a:rPr lang="en-US" dirty="0" smtClean="0"/>
+              <a:t>Also,</a:t>
             </a:r>
             <a:r>
               <a:rPr lang="en-US" baseline="0" dirty="0" smtClean="0"/>
-              <a:t> multiple tables, which in my opinion is the whole point of </a:t>
-            </a:r>
-            <a:r>
-              <a:rPr lang="en-US" baseline="0" dirty="0" err="1" smtClean="0"/>
-              <a:t>RDMS</a:t>
+              <a:t> it’s really small so no matter what condition your laptop is in you can still run SQLite</a:t>
+            </a:r>
+          </a:p>
+          <a:p>
+            <a:r>
+              <a:rPr lang="en-US" baseline="0" dirty="0" smtClean="0"/>
+              <a:t>Python has a great library for it</a:t>
             </a:r>
             <a:endParaRPr lang="en-US" dirty="0"/>
           </a:p>
@@ -654,7 +668,7 @@
           <a:p>
             <a:fld id="{ACD478D8-D3E8-45D7-819A-1AB803E1BBA9}" type="slidenum">
               <a:rPr lang="en-US" smtClean="0"/>
-              <a:t>13</a:t>
+              <a:t>12</a:t>
             </a:fld>
             <a:endParaRPr lang="en-US"/>
           </a:p>
@@ -663,7 +677,7 @@
     </p:spTree>
     <p:extLst>
       <p:ext uri="{BB962C8B-B14F-4D97-AF65-F5344CB8AC3E}">
-        <p14:creationId xmlns:p14="http://schemas.microsoft.com/office/powerpoint/2010/main" val="2479188232"/>
+        <p14:creationId xmlns:p14="http://schemas.microsoft.com/office/powerpoint/2010/main" val="3974166631"/>
       </p:ext>
     </p:extLst>
   </p:cSld>
@@ -719,7 +733,17 @@
           <a:p>
             <a:r>
               <a:rPr lang="en-US" dirty="0" smtClean="0"/>
-              <a:t>Let’s take a 10 min break here. </a:t>
+              <a:t>This acronym</a:t>
+            </a:r>
+            <a:r>
+              <a:rPr lang="en-US" baseline="0" dirty="0" smtClean="0"/>
+              <a:t> stands for create, retrieve, update, and delete</a:t>
+            </a:r>
+          </a:p>
+          <a:p>
+            <a:r>
+              <a:rPr lang="en-US" baseline="0" dirty="0" smtClean="0"/>
+              <a:t>Which are the core functions of SQL</a:t>
             </a:r>
             <a:endParaRPr lang="en-US" dirty="0"/>
           </a:p>
@@ -742,7 +766,7 @@
           <a:p>
             <a:fld id="{ACD478D8-D3E8-45D7-819A-1AB803E1BBA9}" type="slidenum">
               <a:rPr lang="en-US" smtClean="0"/>
-              <a:t>14</a:t>
+              <a:t>13</a:t>
             </a:fld>
             <a:endParaRPr lang="en-US"/>
           </a:p>
@@ -751,7 +775,7 @@
     </p:spTree>
     <p:extLst>
       <p:ext uri="{BB962C8B-B14F-4D97-AF65-F5344CB8AC3E}">
-        <p14:creationId xmlns:p14="http://schemas.microsoft.com/office/powerpoint/2010/main" val="1048633721"/>
+        <p14:creationId xmlns:p14="http://schemas.microsoft.com/office/powerpoint/2010/main" val="2213049543"/>
       </p:ext>
     </p:extLst>
   </p:cSld>
@@ -807,17 +831,18 @@
           <a:p>
             <a:r>
               <a:rPr lang="en-US" dirty="0" smtClean="0"/>
-              <a:t>The first step,</a:t>
+              <a:t>Lets create</a:t>
             </a:r>
             <a:r>
               <a:rPr lang="en-US" baseline="0" dirty="0" smtClean="0"/>
-              <a:t> and arguably the most important step, </a:t>
-            </a:r>
-            <a:r>
-              <a:rPr lang="en-US" dirty="0" smtClean="0"/>
-              <a:t> in creating a database is planning.</a:t>
-            </a:r>
-            <a:endParaRPr lang="en-US" dirty="0"/>
+              <a:t> three tables.  This is the generic create table function.  The purple color indicates information you are providing, and the black is actual SQL commands.  So we are going to create three tables  song, artist and  genre.  Remember that each table needs to have a Primary Key, so I like to always do the first column name as id.  * as a side note columns are commonly called “fields” .  </a:t>
+            </a:r>
+          </a:p>
+          <a:p>
+            <a:r>
+              <a:rPr lang="en-US" baseline="0" dirty="0" smtClean="0"/>
+              <a:t>Anyone familiar with Java won’t be surprised that you have to tell SQL what kind of information (datatype) you are going to put into your column/field.  Here is a list of common data types.  These are just a few of the data types that we will be using, there are a ton more that you can find pretty easily on the internet</a:t>
+            </a:r>
           </a:p>
         </p:txBody>
       </p:sp>
@@ -838,7 +863,7 @@
           <a:p>
             <a:fld id="{ACD478D8-D3E8-45D7-819A-1AB803E1BBA9}" type="slidenum">
               <a:rPr lang="en-US" smtClean="0"/>
-              <a:t>16</a:t>
+              <a:t>14</a:t>
             </a:fld>
             <a:endParaRPr lang="en-US"/>
           </a:p>
@@ -847,7 +872,7 @@
     </p:spTree>
     <p:extLst>
       <p:ext uri="{BB962C8B-B14F-4D97-AF65-F5344CB8AC3E}">
-        <p14:creationId xmlns:p14="http://schemas.microsoft.com/office/powerpoint/2010/main" val="2318525552"/>
+        <p14:creationId xmlns:p14="http://schemas.microsoft.com/office/powerpoint/2010/main" val="1236710469"/>
       </p:ext>
     </p:extLst>
   </p:cSld>
@@ -903,74 +928,12 @@
           <a:p>
             <a:r>
               <a:rPr lang="en-US" dirty="0" smtClean="0"/>
-              <a:t>I’m going to do this on the white</a:t>
+              <a:t>Lets select</a:t>
             </a:r>
             <a:r>
               <a:rPr lang="en-US" baseline="0" dirty="0" smtClean="0"/>
-              <a:t> board, because there is no right answer, and ultimately what information you want to manage depends on what you are going to be using it for.  I’ve prepared slides on what I think it should look like, but feel free to personalize at this point.</a:t>
-            </a:r>
-          </a:p>
-          <a:p>
-            <a:r>
-              <a:rPr lang="en-US" baseline="0" dirty="0" smtClean="0"/>
-              <a:t>For my example I am going to say that I am a business that offers 2 services.  Service A and Service B.</a:t>
-            </a:r>
-          </a:p>
-          <a:p>
-            <a:r>
-              <a:rPr lang="en-US" baseline="0" dirty="0" smtClean="0"/>
-              <a:t>And I have clients that are part of larger companies.</a:t>
-            </a:r>
-          </a:p>
-          <a:p>
-            <a:endParaRPr lang="en-US" baseline="0" dirty="0" smtClean="0"/>
-          </a:p>
-          <a:p>
-            <a:pPr marL="171450" indent="-171450">
-              <a:buFont typeface="Arial" panose="020B0604020202020204" pitchFamily="34" charset="0"/>
-              <a:buChar char="•"/>
-            </a:pPr>
-            <a:r>
-              <a:rPr lang="en-US" baseline="0" dirty="0" smtClean="0"/>
-              <a:t>Before we start, a good indicator if something should be it’s own table is if we have to repeat that information.  A well designed database should not have any redundancy.</a:t>
-            </a:r>
-          </a:p>
-          <a:p>
-            <a:pPr marL="171450" indent="-171450">
-              <a:buFont typeface="Arial" panose="020B0604020202020204" pitchFamily="34" charset="0"/>
-              <a:buChar char="•"/>
-            </a:pPr>
-            <a:endParaRPr lang="en-US" baseline="0" dirty="0" smtClean="0"/>
-          </a:p>
-          <a:p>
-            <a:pPr marL="171450" indent="-171450">
-              <a:buFont typeface="Arial" panose="020B0604020202020204" pitchFamily="34" charset="0"/>
-              <a:buChar char="•"/>
-            </a:pPr>
-            <a:endParaRPr lang="en-US" baseline="0" dirty="0" smtClean="0"/>
-          </a:p>
-          <a:p>
-            <a:endParaRPr lang="en-US" baseline="0" dirty="0" smtClean="0"/>
-          </a:p>
-          <a:p>
-            <a:endParaRPr lang="en-US" baseline="0" dirty="0" smtClean="0"/>
-          </a:p>
-          <a:p>
-            <a:endParaRPr lang="en-US" baseline="0" dirty="0" smtClean="0"/>
-          </a:p>
-          <a:p>
-            <a:r>
-              <a:rPr lang="en-US" baseline="0" dirty="0" smtClean="0"/>
-              <a:t>Since this is a client information database, let’s start with Client information table.</a:t>
-            </a:r>
-          </a:p>
-          <a:p>
-            <a:r>
-              <a:rPr lang="en-US" baseline="0" dirty="0" smtClean="0"/>
-              <a:t>Automatically, I add the Primary Key id.  * this doesn’t have to be called id, there are quite a few “best practices scheme” and ultimately you just want to be consistent</a:t>
-            </a:r>
-          </a:p>
-          <a:p>
+              <a:t> the whole table</a:t>
+            </a:r>
             <a:endParaRPr lang="en-US" dirty="0"/>
           </a:p>
         </p:txBody>
@@ -992,7 +955,7 @@
           <a:p>
             <a:fld id="{ACD478D8-D3E8-45D7-819A-1AB803E1BBA9}" type="slidenum">
               <a:rPr lang="en-US" smtClean="0"/>
-              <a:t>17</a:t>
+              <a:t>16</a:t>
             </a:fld>
             <a:endParaRPr lang="en-US"/>
           </a:p>
@@ -1001,7 +964,7 @@
     </p:spTree>
     <p:extLst>
       <p:ext uri="{BB962C8B-B14F-4D97-AF65-F5344CB8AC3E}">
-        <p14:creationId xmlns:p14="http://schemas.microsoft.com/office/powerpoint/2010/main" val="4219943113"/>
+        <p14:creationId xmlns:p14="http://schemas.microsoft.com/office/powerpoint/2010/main" val="538959263"/>
       </p:ext>
     </p:extLst>
   </p:cSld>
@@ -1061,7 +1024,7 @@
             </a:r>
             <a:r>
               <a:rPr lang="en-US" baseline="0" dirty="0" smtClean="0"/>
-              <a:t> using what we learned earlier create these four tables</a:t>
+              <a:t> lets say there was a mistake in one of the entries.  This is how we delete </a:t>
             </a:r>
             <a:endParaRPr lang="en-US" dirty="0"/>
           </a:p>
@@ -1093,7 +1056,7 @@
     </p:spTree>
     <p:extLst>
       <p:ext uri="{BB962C8B-B14F-4D97-AF65-F5344CB8AC3E}">
-        <p14:creationId xmlns:p14="http://schemas.microsoft.com/office/powerpoint/2010/main" val="1941331614"/>
+        <p14:creationId xmlns:p14="http://schemas.microsoft.com/office/powerpoint/2010/main" val="1577780608"/>
       </p:ext>
     </p:extLst>
   </p:cSld>
@@ -1149,11 +1112,15 @@
           <a:p>
             <a:r>
               <a:rPr lang="en-US" dirty="0" smtClean="0"/>
-              <a:t>This is just to practice the</a:t>
+              <a:t>The Join function isn’t part of CRUD, but it is how you query</a:t>
             </a:r>
             <a:r>
               <a:rPr lang="en-US" baseline="0" dirty="0" smtClean="0"/>
-              <a:t> different ways of getting information,  I suggest doing the Client information last, because you need to know the Foreign Keys.  The command stays, so you can also only change the name.  You really only need a few rows for company and client information.  </a:t>
+              <a:t> multiple tables, which in my opinion is the whole point of </a:t>
+            </a:r>
+            <a:r>
+              <a:rPr lang="en-US" baseline="0" dirty="0" err="1" smtClean="0"/>
+              <a:t>RDMS</a:t>
             </a:r>
             <a:endParaRPr lang="en-US" dirty="0"/>
           </a:p>
@@ -1185,7 +1152,437 @@
     </p:spTree>
     <p:extLst>
       <p:ext uri="{BB962C8B-B14F-4D97-AF65-F5344CB8AC3E}">
-        <p14:creationId xmlns:p14="http://schemas.microsoft.com/office/powerpoint/2010/main" val="1953823485"/>
+        <p14:creationId xmlns:p14="http://schemas.microsoft.com/office/powerpoint/2010/main" val="2479188232"/>
+      </p:ext>
+    </p:extLst>
+  </p:cSld>
+  <p:clrMapOvr>
+    <a:masterClrMapping/>
+  </p:clrMapOvr>
+</p:notes>
+</file>
+
+<file path=ppt/notesSlides/notesSlide16.xml><?xml version="1.0" encoding="utf-8"?>
+<p:notes xmlns:a="http://schemas.openxmlformats.org/drawingml/2006/main" xmlns:r="http://schemas.openxmlformats.org/officeDocument/2006/relationships" xmlns:p="http://schemas.openxmlformats.org/presentationml/2006/main">
+  <p:cSld>
+    <p:spTree>
+      <p:nvGrpSpPr>
+        <p:cNvPr id="1" name=""/>
+        <p:cNvGrpSpPr/>
+        <p:nvPr/>
+      </p:nvGrpSpPr>
+      <p:grpSpPr>
+        <a:xfrm>
+          <a:off x="0" y="0"/>
+          <a:ext cx="0" cy="0"/>
+          <a:chOff x="0" y="0"/>
+          <a:chExt cx="0" cy="0"/>
+        </a:xfrm>
+      </p:grpSpPr>
+      <p:sp>
+        <p:nvSpPr>
+          <p:cNvPr id="2" name="Slide Image Placeholder 1"/>
+          <p:cNvSpPr>
+            <a:spLocks noGrp="1" noRot="1" noChangeAspect="1"/>
+          </p:cNvSpPr>
+          <p:nvPr>
+            <p:ph type="sldImg"/>
+          </p:nvPr>
+        </p:nvSpPr>
+        <p:spPr/>
+      </p:sp>
+      <p:sp>
+        <p:nvSpPr>
+          <p:cNvPr id="3" name="Notes Placeholder 2"/>
+          <p:cNvSpPr>
+            <a:spLocks noGrp="1"/>
+          </p:cNvSpPr>
+          <p:nvPr>
+            <p:ph type="body" idx="1"/>
+          </p:nvPr>
+        </p:nvSpPr>
+        <p:spPr/>
+        <p:txBody>
+          <a:bodyPr/>
+          <a:lstStyle/>
+          <a:p>
+            <a:r>
+              <a:rPr lang="en-US" dirty="0" smtClean="0"/>
+              <a:t>Let’s take a 10 min break here. </a:t>
+            </a:r>
+            <a:endParaRPr lang="en-US" dirty="0"/>
+          </a:p>
+        </p:txBody>
+      </p:sp>
+      <p:sp>
+        <p:nvSpPr>
+          <p:cNvPr id="4" name="Slide Number Placeholder 3"/>
+          <p:cNvSpPr>
+            <a:spLocks noGrp="1"/>
+          </p:cNvSpPr>
+          <p:nvPr>
+            <p:ph type="sldNum" sz="quarter" idx="10"/>
+          </p:nvPr>
+        </p:nvSpPr>
+        <p:spPr/>
+        <p:txBody>
+          <a:bodyPr/>
+          <a:lstStyle/>
+          <a:p>
+            <a:fld id="{ACD478D8-D3E8-45D7-819A-1AB803E1BBA9}" type="slidenum">
+              <a:rPr lang="en-US" smtClean="0"/>
+              <a:t>20</a:t>
+            </a:fld>
+            <a:endParaRPr lang="en-US"/>
+          </a:p>
+        </p:txBody>
+      </p:sp>
+    </p:spTree>
+    <p:extLst>
+      <p:ext uri="{BB962C8B-B14F-4D97-AF65-F5344CB8AC3E}">
+        <p14:creationId xmlns:p14="http://schemas.microsoft.com/office/powerpoint/2010/main" val="1048633721"/>
+      </p:ext>
+    </p:extLst>
+  </p:cSld>
+  <p:clrMapOvr>
+    <a:masterClrMapping/>
+  </p:clrMapOvr>
+</p:notes>
+</file>
+
+<file path=ppt/notesSlides/notesSlide17.xml><?xml version="1.0" encoding="utf-8"?>
+<p:notes xmlns:a="http://schemas.openxmlformats.org/drawingml/2006/main" xmlns:r="http://schemas.openxmlformats.org/officeDocument/2006/relationships" xmlns:p="http://schemas.openxmlformats.org/presentationml/2006/main">
+  <p:cSld>
+    <p:spTree>
+      <p:nvGrpSpPr>
+        <p:cNvPr id="1" name=""/>
+        <p:cNvGrpSpPr/>
+        <p:nvPr/>
+      </p:nvGrpSpPr>
+      <p:grpSpPr>
+        <a:xfrm>
+          <a:off x="0" y="0"/>
+          <a:ext cx="0" cy="0"/>
+          <a:chOff x="0" y="0"/>
+          <a:chExt cx="0" cy="0"/>
+        </a:xfrm>
+      </p:grpSpPr>
+      <p:sp>
+        <p:nvSpPr>
+          <p:cNvPr id="2" name="Slide Image Placeholder 1"/>
+          <p:cNvSpPr>
+            <a:spLocks noGrp="1" noRot="1" noChangeAspect="1"/>
+          </p:cNvSpPr>
+          <p:nvPr>
+            <p:ph type="sldImg"/>
+          </p:nvPr>
+        </p:nvSpPr>
+        <p:spPr/>
+      </p:sp>
+      <p:sp>
+        <p:nvSpPr>
+          <p:cNvPr id="3" name="Notes Placeholder 2"/>
+          <p:cNvSpPr>
+            <a:spLocks noGrp="1"/>
+          </p:cNvSpPr>
+          <p:nvPr>
+            <p:ph type="body" idx="1"/>
+          </p:nvPr>
+        </p:nvSpPr>
+        <p:spPr/>
+        <p:txBody>
+          <a:bodyPr/>
+          <a:lstStyle/>
+          <a:p>
+            <a:r>
+              <a:rPr lang="en-US" dirty="0" smtClean="0"/>
+              <a:t>The first step,</a:t>
+            </a:r>
+            <a:r>
+              <a:rPr lang="en-US" baseline="0" dirty="0" smtClean="0"/>
+              <a:t> and arguably the most important step, </a:t>
+            </a:r>
+            <a:r>
+              <a:rPr lang="en-US" dirty="0" smtClean="0"/>
+              <a:t> in creating a database is planning.</a:t>
+            </a:r>
+            <a:endParaRPr lang="en-US" dirty="0"/>
+          </a:p>
+        </p:txBody>
+      </p:sp>
+      <p:sp>
+        <p:nvSpPr>
+          <p:cNvPr id="4" name="Slide Number Placeholder 3"/>
+          <p:cNvSpPr>
+            <a:spLocks noGrp="1"/>
+          </p:cNvSpPr>
+          <p:nvPr>
+            <p:ph type="sldNum" sz="quarter" idx="10"/>
+          </p:nvPr>
+        </p:nvSpPr>
+        <p:spPr/>
+        <p:txBody>
+          <a:bodyPr/>
+          <a:lstStyle/>
+          <a:p>
+            <a:fld id="{ACD478D8-D3E8-45D7-819A-1AB803E1BBA9}" type="slidenum">
+              <a:rPr lang="en-US" smtClean="0"/>
+              <a:t>22</a:t>
+            </a:fld>
+            <a:endParaRPr lang="en-US"/>
+          </a:p>
+        </p:txBody>
+      </p:sp>
+    </p:spTree>
+    <p:extLst>
+      <p:ext uri="{BB962C8B-B14F-4D97-AF65-F5344CB8AC3E}">
+        <p14:creationId xmlns:p14="http://schemas.microsoft.com/office/powerpoint/2010/main" val="2318525552"/>
+      </p:ext>
+    </p:extLst>
+  </p:cSld>
+  <p:clrMapOvr>
+    <a:masterClrMapping/>
+  </p:clrMapOvr>
+</p:notes>
+</file>
+
+<file path=ppt/notesSlides/notesSlide18.xml><?xml version="1.0" encoding="utf-8"?>
+<p:notes xmlns:a="http://schemas.openxmlformats.org/drawingml/2006/main" xmlns:r="http://schemas.openxmlformats.org/officeDocument/2006/relationships" xmlns:p="http://schemas.openxmlformats.org/presentationml/2006/main">
+  <p:cSld>
+    <p:spTree>
+      <p:nvGrpSpPr>
+        <p:cNvPr id="1" name=""/>
+        <p:cNvGrpSpPr/>
+        <p:nvPr/>
+      </p:nvGrpSpPr>
+      <p:grpSpPr>
+        <a:xfrm>
+          <a:off x="0" y="0"/>
+          <a:ext cx="0" cy="0"/>
+          <a:chOff x="0" y="0"/>
+          <a:chExt cx="0" cy="0"/>
+        </a:xfrm>
+      </p:grpSpPr>
+      <p:sp>
+        <p:nvSpPr>
+          <p:cNvPr id="2" name="Slide Image Placeholder 1"/>
+          <p:cNvSpPr>
+            <a:spLocks noGrp="1" noRot="1" noChangeAspect="1"/>
+          </p:cNvSpPr>
+          <p:nvPr>
+            <p:ph type="sldImg"/>
+          </p:nvPr>
+        </p:nvSpPr>
+        <p:spPr/>
+      </p:sp>
+      <p:sp>
+        <p:nvSpPr>
+          <p:cNvPr id="3" name="Notes Placeholder 2"/>
+          <p:cNvSpPr>
+            <a:spLocks noGrp="1"/>
+          </p:cNvSpPr>
+          <p:nvPr>
+            <p:ph type="body" idx="1"/>
+          </p:nvPr>
+        </p:nvSpPr>
+        <p:spPr/>
+        <p:txBody>
+          <a:bodyPr/>
+          <a:lstStyle/>
+          <a:p>
+            <a:r>
+              <a:rPr lang="en-US" dirty="0" smtClean="0"/>
+              <a:t>I’m going to do this on the white</a:t>
+            </a:r>
+            <a:r>
+              <a:rPr lang="en-US" baseline="0" dirty="0" smtClean="0"/>
+              <a:t> board, because there is no right answer, and ultimately what information you want to manage depends on what you are going to be using it for.  I’ve prepared slides on what I think it should look like, but feel free to personalize at this point.</a:t>
+            </a:r>
+          </a:p>
+          <a:p>
+            <a:r>
+              <a:rPr lang="en-US" baseline="0" dirty="0" smtClean="0"/>
+              <a:t>For my example I am going to say that I am a business that offers 2 services.  Service A and Service B.</a:t>
+            </a:r>
+          </a:p>
+          <a:p>
+            <a:r>
+              <a:rPr lang="en-US" baseline="0" dirty="0" smtClean="0"/>
+              <a:t>And I have clients that are part of larger companies.</a:t>
+            </a:r>
+          </a:p>
+          <a:p>
+            <a:endParaRPr lang="en-US" baseline="0" dirty="0" smtClean="0"/>
+          </a:p>
+          <a:p>
+            <a:pPr marL="171450" indent="-171450">
+              <a:buFont typeface="Arial" panose="020B0604020202020204" pitchFamily="34" charset="0"/>
+              <a:buChar char="•"/>
+            </a:pPr>
+            <a:r>
+              <a:rPr lang="en-US" baseline="0" dirty="0" smtClean="0"/>
+              <a:t>Before we start, a good indicator if something should be it’s own table is if we have to repeat that information.  A well designed database should not have any redundancy.</a:t>
+            </a:r>
+          </a:p>
+          <a:p>
+            <a:pPr marL="171450" indent="-171450">
+              <a:buFont typeface="Arial" panose="020B0604020202020204" pitchFamily="34" charset="0"/>
+              <a:buChar char="•"/>
+            </a:pPr>
+            <a:endParaRPr lang="en-US" baseline="0" dirty="0" smtClean="0"/>
+          </a:p>
+          <a:p>
+            <a:pPr marL="171450" indent="-171450">
+              <a:buFont typeface="Arial" panose="020B0604020202020204" pitchFamily="34" charset="0"/>
+              <a:buChar char="•"/>
+            </a:pPr>
+            <a:endParaRPr lang="en-US" baseline="0" dirty="0" smtClean="0"/>
+          </a:p>
+          <a:p>
+            <a:endParaRPr lang="en-US" baseline="0" dirty="0" smtClean="0"/>
+          </a:p>
+          <a:p>
+            <a:endParaRPr lang="en-US" baseline="0" dirty="0" smtClean="0"/>
+          </a:p>
+          <a:p>
+            <a:endParaRPr lang="en-US" baseline="0" dirty="0" smtClean="0"/>
+          </a:p>
+          <a:p>
+            <a:r>
+              <a:rPr lang="en-US" baseline="0" dirty="0" smtClean="0"/>
+              <a:t>Since this is a client information database, let’s start with Client information table.</a:t>
+            </a:r>
+          </a:p>
+          <a:p>
+            <a:r>
+              <a:rPr lang="en-US" baseline="0" dirty="0" smtClean="0"/>
+              <a:t>Automatically, I add the Primary Key id.  * this doesn’t have to be called id, there are quite a few “best practices scheme” and ultimately you just want to be consistent</a:t>
+            </a:r>
+          </a:p>
+          <a:p>
+            <a:endParaRPr lang="en-US" dirty="0"/>
+          </a:p>
+        </p:txBody>
+      </p:sp>
+      <p:sp>
+        <p:nvSpPr>
+          <p:cNvPr id="4" name="Slide Number Placeholder 3"/>
+          <p:cNvSpPr>
+            <a:spLocks noGrp="1"/>
+          </p:cNvSpPr>
+          <p:nvPr>
+            <p:ph type="sldNum" sz="quarter" idx="10"/>
+          </p:nvPr>
+        </p:nvSpPr>
+        <p:spPr/>
+        <p:txBody>
+          <a:bodyPr/>
+          <a:lstStyle/>
+          <a:p>
+            <a:fld id="{ACD478D8-D3E8-45D7-819A-1AB803E1BBA9}" type="slidenum">
+              <a:rPr lang="en-US" smtClean="0"/>
+              <a:t>23</a:t>
+            </a:fld>
+            <a:endParaRPr lang="en-US"/>
+          </a:p>
+        </p:txBody>
+      </p:sp>
+    </p:spTree>
+    <p:extLst>
+      <p:ext uri="{BB962C8B-B14F-4D97-AF65-F5344CB8AC3E}">
+        <p14:creationId xmlns:p14="http://schemas.microsoft.com/office/powerpoint/2010/main" val="4219943113"/>
+      </p:ext>
+    </p:extLst>
+  </p:cSld>
+  <p:clrMapOvr>
+    <a:masterClrMapping/>
+  </p:clrMapOvr>
+</p:notes>
+</file>
+
+<file path=ppt/notesSlides/notesSlide19.xml><?xml version="1.0" encoding="utf-8"?>
+<p:notes xmlns:a="http://schemas.openxmlformats.org/drawingml/2006/main" xmlns:r="http://schemas.openxmlformats.org/officeDocument/2006/relationships" xmlns:p="http://schemas.openxmlformats.org/presentationml/2006/main">
+  <p:cSld>
+    <p:spTree>
+      <p:nvGrpSpPr>
+        <p:cNvPr id="1" name=""/>
+        <p:cNvGrpSpPr/>
+        <p:nvPr/>
+      </p:nvGrpSpPr>
+      <p:grpSpPr>
+        <a:xfrm>
+          <a:off x="0" y="0"/>
+          <a:ext cx="0" cy="0"/>
+          <a:chOff x="0" y="0"/>
+          <a:chExt cx="0" cy="0"/>
+        </a:xfrm>
+      </p:grpSpPr>
+      <p:sp>
+        <p:nvSpPr>
+          <p:cNvPr id="2" name="Slide Image Placeholder 1"/>
+          <p:cNvSpPr>
+            <a:spLocks noGrp="1" noRot="1" noChangeAspect="1"/>
+          </p:cNvSpPr>
+          <p:nvPr>
+            <p:ph type="sldImg"/>
+          </p:nvPr>
+        </p:nvSpPr>
+        <p:spPr/>
+      </p:sp>
+      <p:sp>
+        <p:nvSpPr>
+          <p:cNvPr id="3" name="Notes Placeholder 2"/>
+          <p:cNvSpPr>
+            <a:spLocks noGrp="1"/>
+          </p:cNvSpPr>
+          <p:nvPr>
+            <p:ph type="body" idx="1"/>
+          </p:nvPr>
+        </p:nvSpPr>
+        <p:spPr/>
+        <p:txBody>
+          <a:bodyPr/>
+          <a:lstStyle/>
+          <a:p>
+            <a:r>
+              <a:rPr lang="en-US" dirty="0" smtClean="0"/>
+              <a:t>So</a:t>
+            </a:r>
+            <a:r>
+              <a:rPr lang="en-US" baseline="0" dirty="0" smtClean="0"/>
+              <a:t> using what we learned earlier create these four tables</a:t>
+            </a:r>
+            <a:endParaRPr lang="en-US" dirty="0"/>
+          </a:p>
+        </p:txBody>
+      </p:sp>
+      <p:sp>
+        <p:nvSpPr>
+          <p:cNvPr id="4" name="Slide Number Placeholder 3"/>
+          <p:cNvSpPr>
+            <a:spLocks noGrp="1"/>
+          </p:cNvSpPr>
+          <p:nvPr>
+            <p:ph type="sldNum" sz="quarter" idx="10"/>
+          </p:nvPr>
+        </p:nvSpPr>
+        <p:spPr/>
+        <p:txBody>
+          <a:bodyPr/>
+          <a:lstStyle/>
+          <a:p>
+            <a:fld id="{ACD478D8-D3E8-45D7-819A-1AB803E1BBA9}" type="slidenum">
+              <a:rPr lang="en-US" smtClean="0"/>
+              <a:t>24</a:t>
+            </a:fld>
+            <a:endParaRPr lang="en-US"/>
+          </a:p>
+        </p:txBody>
+      </p:sp>
+    </p:spTree>
+    <p:extLst>
+      <p:ext uri="{BB962C8B-B14F-4D97-AF65-F5344CB8AC3E}">
+        <p14:creationId xmlns:p14="http://schemas.microsoft.com/office/powerpoint/2010/main" val="1941331614"/>
       </p:ext>
     </p:extLst>
   </p:cSld>
@@ -1241,28 +1638,11 @@
           <a:p>
             <a:r>
               <a:rPr lang="en-US" dirty="0" smtClean="0"/>
-              <a:t>This table is pretty clear,</a:t>
+              <a:t>RDBMS is a common acronym</a:t>
             </a:r>
             <a:r>
               <a:rPr lang="en-US" baseline="0" dirty="0" smtClean="0"/>
-              <a:t> and you can see all the information and it would be pretty fast for you to scan it and find: 1) all the songs released in 2007 or 2) all the songs that are hip-hop and written by </a:t>
-            </a:r>
-            <a:r>
-              <a:rPr lang="en-US" baseline="0" dirty="0" err="1" smtClean="0"/>
-              <a:t>macklemore</a:t>
-            </a:r>
-            <a:endParaRPr lang="en-US" baseline="0" dirty="0" smtClean="0"/>
-          </a:p>
-          <a:p>
-            <a:r>
-              <a:rPr lang="en-US" baseline="0" dirty="0" smtClean="0"/>
-              <a:t>Now imagine there are 100 songs in this table.   You could use the find function and still pretty easily see all the songs released in 2007, but going through and looking at all the hip-hop songs, and then checking to see if there were written by Macklemore, would be a pain.</a:t>
-            </a:r>
-          </a:p>
-          <a:p>
-            <a:r>
-              <a:rPr lang="en-US" baseline="0" dirty="0" smtClean="0"/>
-              <a:t>Now imagine there are 2 million songs in the table.  At this point even using the find function for all the songs in 2007 might start to tax your computer.  </a:t>
+              <a:t> for relational database management system</a:t>
             </a:r>
             <a:endParaRPr lang="en-US" dirty="0"/>
           </a:p>
@@ -1294,7 +1674,99 @@
     </p:spTree>
     <p:extLst>
       <p:ext uri="{BB962C8B-B14F-4D97-AF65-F5344CB8AC3E}">
-        <p14:creationId xmlns:p14="http://schemas.microsoft.com/office/powerpoint/2010/main" val="2981373997"/>
+        <p14:creationId xmlns:p14="http://schemas.microsoft.com/office/powerpoint/2010/main" val="2016463096"/>
+      </p:ext>
+    </p:extLst>
+  </p:cSld>
+  <p:clrMapOvr>
+    <a:masterClrMapping/>
+  </p:clrMapOvr>
+</p:notes>
+</file>
+
+<file path=ppt/notesSlides/notesSlide20.xml><?xml version="1.0" encoding="utf-8"?>
+<p:notes xmlns:a="http://schemas.openxmlformats.org/drawingml/2006/main" xmlns:r="http://schemas.openxmlformats.org/officeDocument/2006/relationships" xmlns:p="http://schemas.openxmlformats.org/presentationml/2006/main">
+  <p:cSld>
+    <p:spTree>
+      <p:nvGrpSpPr>
+        <p:cNvPr id="1" name=""/>
+        <p:cNvGrpSpPr/>
+        <p:nvPr/>
+      </p:nvGrpSpPr>
+      <p:grpSpPr>
+        <a:xfrm>
+          <a:off x="0" y="0"/>
+          <a:ext cx="0" cy="0"/>
+          <a:chOff x="0" y="0"/>
+          <a:chExt cx="0" cy="0"/>
+        </a:xfrm>
+      </p:grpSpPr>
+      <p:sp>
+        <p:nvSpPr>
+          <p:cNvPr id="2" name="Slide Image Placeholder 1"/>
+          <p:cNvSpPr>
+            <a:spLocks noGrp="1" noRot="1" noChangeAspect="1"/>
+          </p:cNvSpPr>
+          <p:nvPr>
+            <p:ph type="sldImg"/>
+          </p:nvPr>
+        </p:nvSpPr>
+        <p:spPr/>
+      </p:sp>
+      <p:sp>
+        <p:nvSpPr>
+          <p:cNvPr id="3" name="Notes Placeholder 2"/>
+          <p:cNvSpPr>
+            <a:spLocks noGrp="1"/>
+          </p:cNvSpPr>
+          <p:nvPr>
+            <p:ph type="body" idx="1"/>
+          </p:nvPr>
+        </p:nvSpPr>
+        <p:spPr/>
+        <p:txBody>
+          <a:bodyPr/>
+          <a:lstStyle/>
+          <a:p>
+            <a:r>
+              <a:rPr lang="en-US" dirty="0" smtClean="0"/>
+              <a:t>This is just to practice the</a:t>
+            </a:r>
+            <a:r>
+              <a:rPr lang="en-US" baseline="0" dirty="0" smtClean="0"/>
+              <a:t> different ways of getting information,  I suggest doing the Client information last, because you need to know the Foreign Keys.  The command stays, so you can also only change the name.  You really only need a few rows for company and client information.  </a:t>
+            </a:r>
+            <a:endParaRPr lang="en-US" dirty="0"/>
+          </a:p>
+        </p:txBody>
+      </p:sp>
+      <p:sp>
+        <p:nvSpPr>
+          <p:cNvPr id="4" name="Slide Number Placeholder 3"/>
+          <p:cNvSpPr>
+            <a:spLocks noGrp="1"/>
+          </p:cNvSpPr>
+          <p:nvPr>
+            <p:ph type="sldNum" sz="quarter" idx="10"/>
+          </p:nvPr>
+        </p:nvSpPr>
+        <p:spPr/>
+        <p:txBody>
+          <a:bodyPr/>
+          <a:lstStyle/>
+          <a:p>
+            <a:fld id="{ACD478D8-D3E8-45D7-819A-1AB803E1BBA9}" type="slidenum">
+              <a:rPr lang="en-US" smtClean="0"/>
+              <a:t>25</a:t>
+            </a:fld>
+            <a:endParaRPr lang="en-US"/>
+          </a:p>
+        </p:txBody>
+      </p:sp>
+    </p:spTree>
+    <p:extLst>
+      <p:ext uri="{BB962C8B-B14F-4D97-AF65-F5344CB8AC3E}">
+        <p14:creationId xmlns:p14="http://schemas.microsoft.com/office/powerpoint/2010/main" val="1953823485"/>
       </p:ext>
     </p:extLst>
   </p:cSld>
@@ -1350,11 +1822,69 @@
           <a:p>
             <a:r>
               <a:rPr lang="en-US" dirty="0" smtClean="0"/>
-              <a:t>Relational</a:t>
+              <a:t>This is not a relational database, </a:t>
+            </a:r>
+          </a:p>
+          <a:p>
+            <a:endParaRPr lang="en-US" dirty="0" smtClean="0"/>
+          </a:p>
+          <a:p>
+            <a:r>
+              <a:rPr lang="en-US" dirty="0" smtClean="0"/>
+              <a:t>This </a:t>
+            </a:r>
+            <a:r>
+              <a:rPr lang="en-US" dirty="0" smtClean="0"/>
+              <a:t>table is pretty clear,</a:t>
             </a:r>
             <a:r>
               <a:rPr lang="en-US" baseline="0" dirty="0" smtClean="0"/>
-              <a:t> databases work by actually splitting up the data into individual tables.  And instead of one table referencing a lot of different data, you have a lot of different tables that reference each other.    </a:t>
+              <a:t> and you can see all the information and it would be pretty fast for you to scan it and find: 1) all the songs released in 2007 or 2) all the songs that are </a:t>
+            </a:r>
+            <a:r>
+              <a:rPr lang="en-US" baseline="0" dirty="0" smtClean="0"/>
+              <a:t>for kids and written by </a:t>
+            </a:r>
+            <a:r>
+              <a:rPr lang="en-US" baseline="0" dirty="0" err="1" smtClean="0"/>
+              <a:t>KidzBob</a:t>
+            </a:r>
+            <a:endParaRPr lang="en-US" baseline="0" dirty="0" smtClean="0"/>
+          </a:p>
+          <a:p>
+            <a:r>
+              <a:rPr lang="en-US" baseline="0" dirty="0" smtClean="0"/>
+              <a:t>Now imagine there are 100 songs in this table.   You could use the find function and </a:t>
+            </a:r>
+            <a:r>
+              <a:rPr lang="en-US" baseline="0" dirty="0" smtClean="0"/>
+              <a:t>easily </a:t>
+            </a:r>
+            <a:r>
+              <a:rPr lang="en-US" baseline="0" dirty="0" smtClean="0"/>
+              <a:t>see all the songs released in </a:t>
+            </a:r>
+            <a:r>
+              <a:rPr lang="en-US" baseline="0" dirty="0" smtClean="0"/>
+              <a:t>2015, </a:t>
+            </a:r>
+            <a:r>
+              <a:rPr lang="en-US" baseline="0" dirty="0" smtClean="0"/>
+              <a:t>but going through and looking at all the </a:t>
+            </a:r>
+            <a:r>
+              <a:rPr lang="en-US" baseline="0" dirty="0" smtClean="0"/>
+              <a:t>hip-hop </a:t>
+            </a:r>
+            <a:r>
+              <a:rPr lang="en-US" baseline="0" dirty="0" smtClean="0"/>
+              <a:t>songs, and then checking to see if there were written by Macklemore, would be a pain.</a:t>
+            </a:r>
+          </a:p>
+          <a:p>
+            <a:r>
+              <a:rPr lang="en-US" baseline="0" dirty="0" smtClean="0"/>
+              <a:t>Now imagine there are 2 million songs in the table.  At this point even using the find function for all the songs in 2007 might start to tax your computer.  </a:t>
             </a:r>
             <a:endParaRPr lang="en-US" dirty="0"/>
           </a:p>
@@ -1386,7 +1916,7 @@
     </p:spTree>
     <p:extLst>
       <p:ext uri="{BB962C8B-B14F-4D97-AF65-F5344CB8AC3E}">
-        <p14:creationId xmlns:p14="http://schemas.microsoft.com/office/powerpoint/2010/main" val="378192302"/>
+        <p14:creationId xmlns:p14="http://schemas.microsoft.com/office/powerpoint/2010/main" val="2981373997"/>
       </p:ext>
     </p:extLst>
   </p:cSld>
@@ -1442,25 +1972,15 @@
           <a:p>
             <a:r>
               <a:rPr lang="en-US" dirty="0" smtClean="0"/>
-              <a:t>You can see that each table has an ID</a:t>
+              <a:t>Relational</a:t>
             </a:r>
             <a:r>
               <a:rPr lang="en-US" baseline="0" dirty="0" smtClean="0"/>
-              <a:t> number, that number is unique, and is called the PRIMARY KEY.   That ID number is how the database program will search for that information.  Just like the find function we talked about earlier, but because it’s a number not a string, the database program can find it faster, using less resources, and it can also use Math.  I’m not going to talk about how a database program actually does this, first I don’t understand it completely myself, but also we don’t really need to know how it works in order to utilize it.</a:t>
-            </a:r>
-          </a:p>
-          <a:p>
+              <a:t> databases work by actually splitting up the data into individual tables.  And instead of one table referencing a lot of different data, you have a lot of different tables that reference each other. </a:t>
+            </a:r>
             <a:r>
               <a:rPr lang="en-US" baseline="0" dirty="0" smtClean="0"/>
-              <a:t>You might have also noticed, how when you use this system you don’t need to re-enter information.  In the excel table, I had to write the same album name, artist, and genre many different times, but here you can just use the number.  For this beginning class, we are going to physically type in the number, but know that all of that data input, and perhaps more importantly data updates is </a:t>
-            </a:r>
-            <a:r>
-              <a:rPr lang="en-US" baseline="0" dirty="0" err="1" smtClean="0"/>
-              <a:t>usally</a:t>
-            </a:r>
-            <a:r>
-              <a:rPr lang="en-US" baseline="0" dirty="0" smtClean="0"/>
-              <a:t> handled automatically by some other program.  PHP is really common when you are talking about website databases, python or R can be used when you are doing “Big Data Analysis”, probably every language has the ability to interface with databases, which is why we are not going to focus on that for this class.  </a:t>
+              <a:t>  For a little bit of data, this is a lot of work for nothing.  But for a LOT of data, this system eliminates redundancy (you only need to type Prince once, for all the songs he’s done.  And because they are related by numbers, the database system can find things very fast, and also give very detailed and complicated search results FAST.</a:t>
             </a:r>
             <a:endParaRPr lang="en-US" dirty="0"/>
           </a:p>
@@ -1492,7 +2012,7 @@
     </p:spTree>
     <p:extLst>
       <p:ext uri="{BB962C8B-B14F-4D97-AF65-F5344CB8AC3E}">
-        <p14:creationId xmlns:p14="http://schemas.microsoft.com/office/powerpoint/2010/main" val="541782701"/>
+        <p14:creationId xmlns:p14="http://schemas.microsoft.com/office/powerpoint/2010/main" val="378192302"/>
       </p:ext>
     </p:extLst>
   </p:cSld>
@@ -1548,40 +2068,49 @@
           <a:p>
             <a:r>
               <a:rPr lang="en-US" dirty="0" smtClean="0"/>
-              <a:t>Now I think databases are awesome, and so do a lot of other people (like every big business</a:t>
+              <a:t>You can see that each table has an ID</a:t>
             </a:r>
             <a:r>
               <a:rPr lang="en-US" baseline="0" dirty="0" smtClean="0"/>
-              <a:t> in existence).  But they do have their downsides.  1) you need to plan your database out first,  you need to figure out all the tables and how they are going to connect BEFORE you put any data in.  Adding tables and subtracting tables as you go is possible, but a lot of work and you run the risk of making the whole thing unstable.   There are other downsides, and if you are interested in that you can go to this website, which gives a pretty good point by point comparison. http://dataconomy.com/sql-vs-nosql-need-know/</a:t>
+              <a:t> number, that number is unique, and is called the PRIMARY KEY.   That ID number is how the database program will search for that information.  Just like the find function we talked about earlier, but because it’s a number not a string, the database program can find it faster, using less resources, and it can also use Math.  I’m not going to talk about how a database program actually does this, first I don’t understand it completely myself, but also we don’t really need to know how it works in order to utilize it.</a:t>
             </a:r>
           </a:p>
           <a:p>
             <a:r>
               <a:rPr lang="en-US" baseline="0" dirty="0" smtClean="0"/>
-              <a:t> </a:t>
-            </a:r>
-          </a:p>
-          <a:p>
+              <a:t>You might have also noticed, how when you use this system you don’t need to re-enter information.  In the excel table, I had to write the same album name, artist, and genre many different times, but here you can just use the number.  For this beginning class, we are going to physically type in the number, but know that all of that data input, and perhaps more importantly data updates is </a:t>
+            </a:r>
+            <a:r>
+              <a:rPr lang="en-US" baseline="0" dirty="0" err="1" smtClean="0"/>
+              <a:t>usally</a:t>
+            </a:r>
             <a:r>
               <a:rPr lang="en-US" baseline="0" dirty="0" smtClean="0"/>
-              <a:t>However, because </a:t>
+              <a:t> handled automatically by some other program.  PHP is really common when you are talking about website databases, python or R can be used when you are doing “Big Data Analysis”, probably every language has the ability to interface with databases, which is why we are not going to focus on that for this class.  </a:t>
+            </a:r>
+            <a:endParaRPr lang="en-US" baseline="0" dirty="0" smtClean="0"/>
+          </a:p>
+          <a:p>
+            <a:endParaRPr lang="en-US" baseline="0" dirty="0" smtClean="0"/>
+          </a:p>
+          <a:p>
+            <a:r>
+              <a:rPr lang="en-US" baseline="0" dirty="0" smtClean="0"/>
+              <a:t>Foreign keys are the ID number for other tables, this is the relationship part of a </a:t>
             </a:r>
             <a:r>
               <a:rPr lang="en-US" baseline="0" dirty="0" err="1" smtClean="0"/>
-              <a:t>RDBs</a:t>
+              <a:t>RDB</a:t>
             </a:r>
             <a:r>
               <a:rPr lang="en-US" baseline="0" dirty="0" smtClean="0"/>
-              <a:t> are so popular  there are industry standards.  Such as everybody(</a:t>
-            </a:r>
-            <a:r>
-              <a:rPr lang="en-US" baseline="0" dirty="0" err="1" smtClean="0"/>
-              <a:t>Oriacle</a:t>
-            </a:r>
-            <a:r>
-              <a:rPr lang="en-US" baseline="0" dirty="0" smtClean="0"/>
-              <a:t>, MySQL, SQLite) all use SQL to talk to the database.  </a:t>
-            </a:r>
+              <a:t>.  </a:t>
+            </a:r>
+          </a:p>
+          <a:p>
+            <a:endParaRPr lang="en-US" baseline="0" dirty="0" smtClean="0"/>
+          </a:p>
+          <a:p>
             <a:endParaRPr lang="en-US" dirty="0"/>
           </a:p>
         </p:txBody>
@@ -1612,7 +2141,7 @@
     </p:spTree>
     <p:extLst>
       <p:ext uri="{BB962C8B-B14F-4D97-AF65-F5344CB8AC3E}">
-        <p14:creationId xmlns:p14="http://schemas.microsoft.com/office/powerpoint/2010/main" val="1879172282"/>
+        <p14:creationId xmlns:p14="http://schemas.microsoft.com/office/powerpoint/2010/main" val="541782701"/>
       </p:ext>
     </p:extLst>
   </p:cSld>
@@ -1668,35 +2197,23 @@
           <a:p>
             <a:r>
               <a:rPr lang="en-US" dirty="0" smtClean="0"/>
-              <a:t>Now</a:t>
+              <a:t>This is what the tables looks like with some data filled in.</a:t>
+            </a:r>
+          </a:p>
+          <a:p>
+            <a:r>
+              <a:rPr lang="en-US" dirty="0" smtClean="0"/>
+              <a:t>You can see each</a:t>
             </a:r>
             <a:r>
               <a:rPr lang="en-US" baseline="0" dirty="0" smtClean="0"/>
-              <a:t> that you have a brief overlook of how databases work, and why you might want to use them.  Let’s get into SQL.  SQL stands for </a:t>
-            </a:r>
-            <a:r>
-              <a:rPr lang="en-US" sz="1200" b="0" i="0" kern="1200" dirty="0" smtClean="0">
-                <a:solidFill>
-                  <a:schemeClr val="tx1"/>
-                </a:solidFill>
-                <a:effectLst/>
-                <a:latin typeface="+mn-lt"/>
-                <a:ea typeface="+mn-ea"/>
-                <a:cs typeface="+mn-cs"/>
-              </a:rPr>
-              <a:t>Structured Query Language</a:t>
-            </a:r>
+              <a:t> table has a Primary Key, and at least one field/column</a:t>
+            </a:r>
+          </a:p>
+          <a:p>
             <a:r>
               <a:rPr lang="en-US" baseline="0" dirty="0" smtClean="0"/>
-              <a:t>   As I’ve said SQL is industry standard so the main functions CRUD should work for any </a:t>
-            </a:r>
-            <a:r>
-              <a:rPr lang="en-US" baseline="0" dirty="0" err="1" smtClean="0"/>
-              <a:t>RDMS</a:t>
-            </a:r>
-            <a:r>
-              <a:rPr lang="en-US" baseline="0" dirty="0" smtClean="0"/>
-              <a:t>, however companies like to be clever so some of the other more complex commands like JOIN (we will go over later) have some variation system to system.</a:t>
+              <a:t>You can also see that the Album table has a Foreign Key that connects the Album and the Artist table.</a:t>
             </a:r>
             <a:endParaRPr lang="en-US" dirty="0"/>
           </a:p>
@@ -1728,7 +2245,7 @@
     </p:spTree>
     <p:extLst>
       <p:ext uri="{BB962C8B-B14F-4D97-AF65-F5344CB8AC3E}">
-        <p14:creationId xmlns:p14="http://schemas.microsoft.com/office/powerpoint/2010/main" val="1554279606"/>
+        <p14:creationId xmlns:p14="http://schemas.microsoft.com/office/powerpoint/2010/main" val="77176302"/>
       </p:ext>
     </p:extLst>
   </p:cSld>
@@ -1784,18 +2301,49 @@
           <a:p>
             <a:r>
               <a:rPr lang="en-US" dirty="0" smtClean="0"/>
-              <a:t>Lets create</a:t>
+              <a:t>Now I think databases are awesome, and so do a lot of other people (like every big business</a:t>
             </a:r>
             <a:r>
               <a:rPr lang="en-US" baseline="0" dirty="0" smtClean="0"/>
-              <a:t> three tables.  This is the generic create table function.  The purple color indicates information you are providing, and the black is actual SQL commands.  So we are going to create three tables  song, artist and  genre.  Remember that each table needs to have a Primary Key, so I like to always do the first column name as id.  * as a side note columns are commonly called “fields” .  </a:t>
-            </a:r>
-          </a:p>
-          <a:p>
+              <a:t> in existence</a:t>
+            </a:r>
             <a:r>
               <a:rPr lang="en-US" baseline="0" dirty="0" smtClean="0"/>
-              <a:t>Anyone familiar with Java won’t be surprised that you have to tell SQL what kind of information (datatype) you are going to put into your column/field.  Here is a list of common data types.  These are just a few of the data types that we will be using, there are a ton more that you can find pretty easily on the internet</a:t>
-            </a:r>
+              <a:t>), but they are not the only game in town.  Downsides:  </a:t>
+            </a:r>
+            <a:r>
+              <a:rPr lang="en-US" baseline="0" dirty="0" smtClean="0"/>
+              <a:t>1) you need to plan your database out first,  you need to figure out all the tables and how they are going to connect BEFORE you put any data in.  Adding tables and subtracting tables as you go is possible, but a lot of work and you run the risk of making the whole thing unstable.   There are other downsides, and if you are interested in that you can go to this website, which gives a pretty good point by point comparison. http://dataconomy.com/sql-vs-nosql-need-know/</a:t>
+            </a:r>
+          </a:p>
+          <a:p>
+            <a:r>
+              <a:rPr lang="en-US" baseline="0" dirty="0" smtClean="0"/>
+              <a:t> </a:t>
+            </a:r>
+          </a:p>
+          <a:p>
+            <a:r>
+              <a:rPr lang="en-US" baseline="0" dirty="0" smtClean="0"/>
+              <a:t>However, because </a:t>
+            </a:r>
+            <a:r>
+              <a:rPr lang="en-US" baseline="0" dirty="0" err="1" smtClean="0"/>
+              <a:t>RDBs</a:t>
+            </a:r>
+            <a:r>
+              <a:rPr lang="en-US" baseline="0" dirty="0" smtClean="0"/>
+              <a:t> are so popular  there are industry standards.  Such as everybody(</a:t>
+            </a:r>
+            <a:r>
+              <a:rPr lang="en-US" baseline="0" dirty="0" err="1" smtClean="0"/>
+              <a:t>Oriacle</a:t>
+            </a:r>
+            <a:r>
+              <a:rPr lang="en-US" baseline="0" dirty="0" smtClean="0"/>
+              <a:t>, MySQL, SQLite) all use SQL to talk to the database.  </a:t>
+            </a:r>
+            <a:endParaRPr lang="en-US" dirty="0"/>
           </a:p>
         </p:txBody>
       </p:sp>
@@ -1825,7 +2373,7 @@
     </p:spTree>
     <p:extLst>
       <p:ext uri="{BB962C8B-B14F-4D97-AF65-F5344CB8AC3E}">
-        <p14:creationId xmlns:p14="http://schemas.microsoft.com/office/powerpoint/2010/main" val="1236710469"/>
+        <p14:creationId xmlns:p14="http://schemas.microsoft.com/office/powerpoint/2010/main" val="1879172282"/>
       </p:ext>
     </p:extLst>
   </p:cSld>
@@ -1881,11 +2429,35 @@
           <a:p>
             <a:r>
               <a:rPr lang="en-US" dirty="0" smtClean="0"/>
-              <a:t>Lets select</a:t>
+              <a:t>Now</a:t>
             </a:r>
             <a:r>
               <a:rPr lang="en-US" baseline="0" dirty="0" smtClean="0"/>
-              <a:t> the whole table</a:t>
+              <a:t> that you have a brief overlook of how databases work, and why you might want to use them.  Let’s get into SQL.  SQL stands for </a:t>
+            </a:r>
+            <a:r>
+              <a:rPr lang="en-US" sz="1200" b="0" i="0" kern="1200" dirty="0" smtClean="0">
+                <a:solidFill>
+                  <a:schemeClr val="tx1"/>
+                </a:solidFill>
+                <a:effectLst/>
+                <a:latin typeface="+mn-lt"/>
+                <a:ea typeface="+mn-ea"/>
+                <a:cs typeface="+mn-cs"/>
+              </a:rPr>
+              <a:t>Structured Query Language</a:t>
+            </a:r>
+            <a:r>
+              <a:rPr lang="en-US" baseline="0" dirty="0" smtClean="0"/>
+              <a:t>   As I’ve said SQL is industry standard so the main functions CRUD should work for any </a:t>
+            </a:r>
+            <a:r>
+              <a:rPr lang="en-US" baseline="0" dirty="0" err="1" smtClean="0"/>
+              <a:t>RDMS</a:t>
+            </a:r>
+            <a:r>
+              <a:rPr lang="en-US" baseline="0" dirty="0" smtClean="0"/>
+              <a:t>, however companies like to be clever so some of the other more complex commands like JOIN (we will go over later) have some variation system to system.</a:t>
             </a:r>
             <a:endParaRPr lang="en-US" dirty="0"/>
           </a:p>
@@ -1908,7 +2480,7 @@
           <a:p>
             <a:fld id="{ACD478D8-D3E8-45D7-819A-1AB803E1BBA9}" type="slidenum">
               <a:rPr lang="en-US" smtClean="0"/>
-              <a:t>10</a:t>
+              <a:t>9</a:t>
             </a:fld>
             <a:endParaRPr lang="en-US"/>
           </a:p>
@@ -1917,7 +2489,7 @@
     </p:spTree>
     <p:extLst>
       <p:ext uri="{BB962C8B-B14F-4D97-AF65-F5344CB8AC3E}">
-        <p14:creationId xmlns:p14="http://schemas.microsoft.com/office/powerpoint/2010/main" val="538959263"/>
+        <p14:creationId xmlns:p14="http://schemas.microsoft.com/office/powerpoint/2010/main" val="1554279606"/>
       </p:ext>
     </p:extLst>
   </p:cSld>
@@ -1973,11 +2545,47 @@
           <a:p>
             <a:r>
               <a:rPr lang="en-US" dirty="0" smtClean="0"/>
-              <a:t>So</a:t>
+              <a:t>Now</a:t>
             </a:r>
             <a:r>
               <a:rPr lang="en-US" baseline="0" dirty="0" smtClean="0"/>
-              <a:t> lets say there was a mistake in one of the entries.  This is how we delete </a:t>
+              <a:t> that you have a brief overlook of how databases work, and why you might want to use them.  Let’s get into SQL.  SQL stands for </a:t>
+            </a:r>
+            <a:r>
+              <a:rPr lang="en-US" sz="1200" b="0" i="0" kern="1200" dirty="0" smtClean="0">
+                <a:solidFill>
+                  <a:schemeClr val="tx1"/>
+                </a:solidFill>
+                <a:effectLst/>
+                <a:latin typeface="+mn-lt"/>
+                <a:ea typeface="+mn-ea"/>
+                <a:cs typeface="+mn-cs"/>
+              </a:rPr>
+              <a:t>Structured Query </a:t>
+            </a:r>
+            <a:r>
+              <a:rPr lang="en-US" sz="1200" b="0" i="0" kern="1200" dirty="0" smtClean="0">
+                <a:solidFill>
+                  <a:schemeClr val="tx1"/>
+                </a:solidFill>
+                <a:effectLst/>
+                <a:latin typeface="+mn-lt"/>
+                <a:ea typeface="+mn-ea"/>
+                <a:cs typeface="+mn-cs"/>
+              </a:rPr>
+              <a:t>Language.  We</a:t>
+            </a:r>
+            <a:r>
+              <a:rPr lang="en-US" sz="1200" b="0" i="0" kern="1200" baseline="0" dirty="0" smtClean="0">
+                <a:solidFill>
+                  <a:schemeClr val="tx1"/>
+                </a:solidFill>
+                <a:effectLst/>
+                <a:latin typeface="+mn-lt"/>
+                <a:ea typeface="+mn-ea"/>
+                <a:cs typeface="+mn-cs"/>
+              </a:rPr>
+              <a:t> are not going into the last two items, but I wanted to make you aware of them.</a:t>
             </a:r>
             <a:endParaRPr lang="en-US" dirty="0"/>
           </a:p>
@@ -2000,7 +2608,7 @@
           <a:p>
             <a:fld id="{ACD478D8-D3E8-45D7-819A-1AB803E1BBA9}" type="slidenum">
               <a:rPr lang="en-US" smtClean="0"/>
-              <a:t>12</a:t>
+              <a:t>10</a:t>
             </a:fld>
             <a:endParaRPr lang="en-US"/>
           </a:p>
@@ -2009,7 +2617,7 @@
     </p:spTree>
     <p:extLst>
       <p:ext uri="{BB962C8B-B14F-4D97-AF65-F5344CB8AC3E}">
-        <p14:creationId xmlns:p14="http://schemas.microsoft.com/office/powerpoint/2010/main" val="1577780608"/>
+        <p14:creationId xmlns:p14="http://schemas.microsoft.com/office/powerpoint/2010/main" val="3758900205"/>
       </p:ext>
     </p:extLst>
   </p:cSld>
@@ -7363,7 +7971,7 @@
           <a:p>
             <a:r>
               <a:rPr lang="en-US" dirty="0" smtClean="0"/>
-              <a:t>Retrieve/Read</a:t>
+              <a:t>SQL</a:t>
             </a:r>
             <a:endParaRPr lang="en-US" dirty="0"/>
           </a:p>
@@ -7379,19 +7987,122 @@
             <p:ph idx="1"/>
           </p:nvPr>
         </p:nvSpPr>
-        <p:spPr/>
-        <p:txBody>
-          <a:bodyPr/>
-          <a:lstStyle/>
+        <p:spPr>
+          <a:xfrm>
+            <a:off x="818712" y="2222287"/>
+            <a:ext cx="10554574" cy="4407113"/>
+          </a:xfrm>
+        </p:spPr>
+        <p:txBody>
+          <a:bodyPr>
+            <a:normAutofit/>
+          </a:bodyPr>
+          <a:lstStyle/>
+          <a:p>
+            <a:r>
+              <a:rPr lang="en-US" dirty="0"/>
+              <a:t>Execute queries against a database and retrieve information from a </a:t>
+            </a:r>
+            <a:r>
+              <a:rPr lang="en-US" dirty="0" smtClean="0"/>
+              <a:t>database</a:t>
+            </a:r>
+          </a:p>
           <a:p>
             <a:endParaRPr lang="en-US" dirty="0"/>
+          </a:p>
+          <a:p>
+            <a:r>
+              <a:rPr lang="en-US" dirty="0" smtClean="0"/>
+              <a:t>Create </a:t>
+            </a:r>
+            <a:r>
+              <a:rPr lang="en-US" dirty="0"/>
+              <a:t>a new database and create tables in that database</a:t>
+            </a:r>
+          </a:p>
+          <a:p>
+            <a:endParaRPr lang="en-US" dirty="0" smtClean="0"/>
+          </a:p>
+          <a:p>
+            <a:r>
+              <a:rPr lang="en-US" dirty="0" smtClean="0"/>
+              <a:t>Insert</a:t>
+            </a:r>
+            <a:r>
+              <a:rPr lang="en-US" dirty="0"/>
+              <a:t>, update and delete records</a:t>
+            </a:r>
+          </a:p>
+          <a:p>
+            <a:endParaRPr lang="en-US" dirty="0" smtClean="0">
+              <a:solidFill>
+                <a:srgbClr val="FF0000"/>
+              </a:solidFill>
+            </a:endParaRPr>
+          </a:p>
+          <a:p>
+            <a:r>
+              <a:rPr lang="en-US" dirty="0" smtClean="0">
+                <a:solidFill>
+                  <a:srgbClr val="FF0000"/>
+                </a:solidFill>
+              </a:rPr>
+              <a:t>Create </a:t>
+            </a:r>
+            <a:r>
+              <a:rPr lang="en-US" dirty="0">
+                <a:solidFill>
+                  <a:srgbClr val="FF0000"/>
+                </a:solidFill>
+              </a:rPr>
+              <a:t>stored procedures and views</a:t>
+            </a:r>
+          </a:p>
+          <a:p>
+            <a:endParaRPr lang="en-US" dirty="0" smtClean="0">
+              <a:solidFill>
+                <a:srgbClr val="FF0000"/>
+              </a:solidFill>
+            </a:endParaRPr>
+          </a:p>
+          <a:p>
+            <a:r>
+              <a:rPr lang="en-US" dirty="0" smtClean="0">
+                <a:solidFill>
+                  <a:srgbClr val="FF0000"/>
+                </a:solidFill>
+              </a:rPr>
+              <a:t>Set </a:t>
+            </a:r>
+            <a:r>
+              <a:rPr lang="en-US" dirty="0">
+                <a:solidFill>
+                  <a:srgbClr val="FF0000"/>
+                </a:solidFill>
+              </a:rPr>
+              <a:t>permissions on </a:t>
+            </a:r>
+            <a:r>
+              <a:rPr lang="en-US" dirty="0" smtClean="0">
+                <a:solidFill>
+                  <a:srgbClr val="FF0000"/>
+                </a:solidFill>
+              </a:rPr>
+              <a:t>database</a:t>
+            </a:r>
+            <a:endParaRPr lang="en-US" dirty="0">
+              <a:solidFill>
+                <a:srgbClr val="FF0000"/>
+              </a:solidFill>
+            </a:endParaRPr>
           </a:p>
         </p:txBody>
       </p:sp>
     </p:spTree>
     <p:extLst>
       <p:ext uri="{BB962C8B-B14F-4D97-AF65-F5344CB8AC3E}">
-        <p14:creationId xmlns:p14="http://schemas.microsoft.com/office/powerpoint/2010/main" val="3711139260"/>
+        <p14:creationId xmlns:p14="http://schemas.microsoft.com/office/powerpoint/2010/main" val="354022162"/>
       </p:ext>
     </p:extLst>
   </p:cSld>
@@ -7441,10 +8152,9 @@
           <a:lstStyle/>
           <a:p>
             <a:r>
-              <a:rPr lang="en-US" dirty="0" smtClean="0"/>
-              <a:t>Update</a:t>
-            </a:r>
-            <a:endParaRPr lang="en-US" dirty="0"/>
+              <a:rPr lang="en-US" dirty="0"/>
+              <a:t>Vendors that use SQL</a:t>
+            </a:r>
           </a:p>
         </p:txBody>
       </p:sp>
@@ -7458,19 +8168,67 @@
             <p:ph idx="1"/>
           </p:nvPr>
         </p:nvSpPr>
-        <p:spPr/>
-        <p:txBody>
-          <a:bodyPr/>
-          <a:lstStyle/>
-          <a:p>
-            <a:endParaRPr lang="en-US"/>
+        <p:spPr>
+          <a:xfrm>
+            <a:off x="818712" y="2222287"/>
+            <a:ext cx="10554574" cy="4087073"/>
+          </a:xfrm>
+        </p:spPr>
+        <p:txBody>
+          <a:bodyPr/>
+          <a:lstStyle/>
+          <a:p>
+            <a:r>
+              <a:rPr lang="en-US" dirty="0"/>
+              <a:t>Microsoft SQL Server (T-SQL)</a:t>
+            </a:r>
+          </a:p>
+          <a:p>
+            <a:r>
+              <a:rPr lang="en-US" dirty="0"/>
+              <a:t>Oracle (PL-SQL)</a:t>
+            </a:r>
+          </a:p>
+          <a:p>
+            <a:r>
+              <a:rPr lang="en-US" dirty="0" err="1"/>
+              <a:t>Postgre</a:t>
+            </a:r>
+            <a:r>
+              <a:rPr lang="en-US" dirty="0"/>
+              <a:t> SQL</a:t>
+            </a:r>
+          </a:p>
+          <a:p>
+            <a:r>
+              <a:rPr lang="en-US" dirty="0"/>
+              <a:t>MySQL</a:t>
+            </a:r>
+          </a:p>
+          <a:p>
+            <a:r>
+              <a:rPr lang="en-US" dirty="0"/>
+              <a:t>DB2 (IBM Product)</a:t>
+            </a:r>
+          </a:p>
+          <a:p>
+            <a:r>
+              <a:rPr lang="en-US" dirty="0"/>
+              <a:t>Sybase</a:t>
+            </a:r>
+          </a:p>
+          <a:p>
+            <a:r>
+              <a:rPr lang="en-US" dirty="0"/>
+              <a:t>Microsoft Azure</a:t>
+            </a:r>
           </a:p>
         </p:txBody>
       </p:sp>
     </p:spTree>
     <p:extLst>
       <p:ext uri="{BB962C8B-B14F-4D97-AF65-F5344CB8AC3E}">
-        <p14:creationId xmlns:p14="http://schemas.microsoft.com/office/powerpoint/2010/main" val="3839475506"/>
+        <p14:creationId xmlns:p14="http://schemas.microsoft.com/office/powerpoint/2010/main" val="988350851"/>
       </p:ext>
     </p:extLst>
   </p:cSld>
@@ -7521,7 +8279,7 @@
           <a:p>
             <a:r>
               <a:rPr lang="en-US" dirty="0" smtClean="0"/>
-              <a:t>Delete</a:t>
+              <a:t>Why SQLite</a:t>
             </a:r>
             <a:endParaRPr lang="en-US" dirty="0"/>
           </a:p>
@@ -7537,19 +8295,68 @@
             <p:ph idx="1"/>
           </p:nvPr>
         </p:nvSpPr>
-        <p:spPr/>
-        <p:txBody>
-          <a:bodyPr/>
-          <a:lstStyle/>
-          <a:p>
-            <a:endParaRPr lang="en-US"/>
+        <p:spPr>
+          <a:xfrm>
+            <a:off x="818712" y="2542327"/>
+            <a:ext cx="10554574" cy="3636511"/>
+          </a:xfrm>
+        </p:spPr>
+        <p:txBody>
+          <a:bodyPr>
+            <a:normAutofit lnSpcReduction="10000"/>
+          </a:bodyPr>
+          <a:lstStyle/>
+          <a:p>
+            <a:r>
+              <a:rPr lang="en-US" dirty="0" smtClean="0"/>
+              <a:t>No server</a:t>
+            </a:r>
+          </a:p>
+          <a:p>
+            <a:endParaRPr lang="en-US" dirty="0" smtClean="0"/>
+          </a:p>
+          <a:p>
+            <a:r>
+              <a:rPr lang="en-US" dirty="0" smtClean="0"/>
+              <a:t>Easy to install and use</a:t>
+            </a:r>
+          </a:p>
+          <a:p>
+            <a:endParaRPr lang="en-US" dirty="0" smtClean="0"/>
+          </a:p>
+          <a:p>
+            <a:r>
+              <a:rPr lang="en-US" dirty="0" smtClean="0"/>
+              <a:t>Doesn’t consume a lot of computer resources</a:t>
+            </a:r>
+          </a:p>
+          <a:p>
+            <a:endParaRPr lang="en-US" dirty="0"/>
+          </a:p>
+          <a:p>
+            <a:r>
+              <a:rPr lang="en-US" dirty="0" smtClean="0"/>
+              <a:t>Python compatible</a:t>
+            </a:r>
+          </a:p>
+          <a:p>
+            <a:endParaRPr lang="en-US" dirty="0"/>
+          </a:p>
+          <a:p>
+            <a:r>
+              <a:rPr lang="en-US" dirty="0" smtClean="0"/>
+              <a:t>Open source/free</a:t>
+            </a:r>
+          </a:p>
+          <a:p>
+            <a:endParaRPr lang="en-US" dirty="0"/>
           </a:p>
         </p:txBody>
       </p:sp>
     </p:spTree>
     <p:extLst>
       <p:ext uri="{BB962C8B-B14F-4D97-AF65-F5344CB8AC3E}">
-        <p14:creationId xmlns:p14="http://schemas.microsoft.com/office/powerpoint/2010/main" val="1069394999"/>
+        <p14:creationId xmlns:p14="http://schemas.microsoft.com/office/powerpoint/2010/main" val="106204291"/>
       </p:ext>
     </p:extLst>
   </p:cSld>
@@ -7599,10 +8406,9 @@
           <a:lstStyle/>
           <a:p>
             <a:r>
-              <a:rPr lang="en-US" dirty="0" smtClean="0"/>
-              <a:t>Join</a:t>
-            </a:r>
-            <a:endParaRPr lang="en-US" dirty="0"/>
+              <a:rPr lang="en-US" dirty="0"/>
+              <a:t>Let's Develop It!</a:t>
+            </a:r>
           </a:p>
         </p:txBody>
       </p:sp>
@@ -7620,6 +8426,48 @@
         <p:txBody>
           <a:bodyPr/>
           <a:lstStyle/>
+          <a:p>
+            <a:r>
+              <a:rPr lang="en-US" dirty="0"/>
+              <a:t>CRUD:</a:t>
+            </a:r>
+          </a:p>
+          <a:p>
+            <a:pPr marL="0" indent="0">
+              <a:buNone/>
+            </a:pPr>
+            <a:r>
+              <a:rPr lang="en-US" dirty="0"/>
+              <a:t>									C: create (tables)</a:t>
+            </a:r>
+          </a:p>
+          <a:p>
+            <a:pPr marL="0" indent="0">
+              <a:buNone/>
+            </a:pPr>
+            <a:r>
+              <a:rPr lang="en-US" dirty="0"/>
+              <a:t>									R: retrieve (data)</a:t>
+            </a:r>
+          </a:p>
+          <a:p>
+            <a:pPr marL="0" indent="0">
+              <a:buNone/>
+            </a:pPr>
+            <a:r>
+              <a:rPr lang="en-US" dirty="0"/>
+              <a:t>									U: update (data)</a:t>
+            </a:r>
+          </a:p>
+          <a:p>
+            <a:pPr marL="0" indent="0">
+              <a:buNone/>
+            </a:pPr>
+            <a:r>
+              <a:rPr lang="en-US" dirty="0"/>
+              <a:t>									D: delete</a:t>
+            </a:r>
+          </a:p>
           <a:p>
             <a:endParaRPr lang="en-US" dirty="0"/>
           </a:p>
@@ -7628,7 +8476,7 @@
     </p:spTree>
     <p:extLst>
       <p:ext uri="{BB962C8B-B14F-4D97-AF65-F5344CB8AC3E}">
-        <p14:creationId xmlns:p14="http://schemas.microsoft.com/office/powerpoint/2010/main" val="500879669"/>
+        <p14:creationId xmlns:p14="http://schemas.microsoft.com/office/powerpoint/2010/main" val="1351142416"/>
       </p:ext>
     </p:extLst>
   </p:cSld>
@@ -7646,2176 +8494,6 @@
 </file>
 
 <file path=ppt/slides/slide14.xml><?xml version="1.0" encoding="utf-8"?>
-<p:sld xmlns:a="http://schemas.openxmlformats.org/drawingml/2006/main" xmlns:r="http://schemas.openxmlformats.org/officeDocument/2006/relationships" xmlns:p="http://schemas.openxmlformats.org/presentationml/2006/main">
-  <p:cSld>
-    <p:spTree>
-      <p:nvGrpSpPr>
-        <p:cNvPr id="1" name=""/>
-        <p:cNvGrpSpPr/>
-        <p:nvPr/>
-      </p:nvGrpSpPr>
-      <p:grpSpPr>
-        <a:xfrm>
-          <a:off x="0" y="0"/>
-          <a:ext cx="0" cy="0"/>
-          <a:chOff x="0" y="0"/>
-          <a:chExt cx="0" cy="0"/>
-        </a:xfrm>
-      </p:grpSpPr>
-      <p:sp>
-        <p:nvSpPr>
-          <p:cNvPr id="2" name="Title 1"/>
-          <p:cNvSpPr txBox="1">
-            <a:spLocks/>
-          </p:cNvSpPr>
-          <p:nvPr/>
-        </p:nvSpPr>
-        <p:spPr>
-          <a:xfrm>
-            <a:off x="810000" y="2951396"/>
-            <a:ext cx="10561418" cy="1468800"/>
-          </a:xfrm>
-          <a:prstGeom prst="rect">
-            <a:avLst/>
-          </a:prstGeom>
-        </p:spPr>
-        <p:txBody>
-          <a:bodyPr/>
-          <a:lstStyle>
-            <a:lvl1pPr algn="l" defTabSz="457200" rtl="0" eaLnBrk="1" latinLnBrk="0" hangingPunct="1">
-              <a:spcBef>
-                <a:spcPct val="0"/>
-              </a:spcBef>
-              <a:buNone/>
-              <a:defRPr sz="4000" b="1" kern="1200">
-                <a:solidFill>
-                  <a:srgbClr val="FEFEFE"/>
-                </a:solidFill>
-                <a:latin typeface="+mj-lt"/>
-                <a:ea typeface="+mj-ea"/>
-                <a:cs typeface="+mj-cs"/>
-              </a:defRPr>
-            </a:lvl1pPr>
-            <a:lvl2pPr eaLnBrk="1" hangingPunct="1">
-              <a:defRPr>
-                <a:solidFill>
-                  <a:schemeClr val="tx2"/>
-                </a:solidFill>
-              </a:defRPr>
-            </a:lvl2pPr>
-            <a:lvl3pPr eaLnBrk="1" hangingPunct="1">
-              <a:defRPr>
-                <a:solidFill>
-                  <a:schemeClr val="tx2"/>
-                </a:solidFill>
-              </a:defRPr>
-            </a:lvl3pPr>
-            <a:lvl4pPr eaLnBrk="1" hangingPunct="1">
-              <a:defRPr>
-                <a:solidFill>
-                  <a:schemeClr val="tx2"/>
-                </a:solidFill>
-              </a:defRPr>
-            </a:lvl4pPr>
-            <a:lvl5pPr eaLnBrk="1" hangingPunct="1">
-              <a:defRPr>
-                <a:solidFill>
-                  <a:schemeClr val="tx2"/>
-                </a:solidFill>
-              </a:defRPr>
-            </a:lvl5pPr>
-            <a:lvl6pPr eaLnBrk="1" hangingPunct="1">
-              <a:defRPr>
-                <a:solidFill>
-                  <a:schemeClr val="tx2"/>
-                </a:solidFill>
-              </a:defRPr>
-            </a:lvl6pPr>
-            <a:lvl7pPr eaLnBrk="1" hangingPunct="1">
-              <a:defRPr>
-                <a:solidFill>
-                  <a:schemeClr val="tx2"/>
-                </a:solidFill>
-              </a:defRPr>
-            </a:lvl7pPr>
-            <a:lvl8pPr eaLnBrk="1" hangingPunct="1">
-              <a:defRPr>
-                <a:solidFill>
-                  <a:schemeClr val="tx2"/>
-                </a:solidFill>
-              </a:defRPr>
-            </a:lvl8pPr>
-            <a:lvl9pPr eaLnBrk="1" hangingPunct="1">
-              <a:defRPr>
-                <a:solidFill>
-                  <a:schemeClr val="tx2"/>
-                </a:solidFill>
-              </a:defRPr>
-            </a:lvl9pPr>
-          </a:lstStyle>
-          <a:p>
-            <a:pPr algn="ctr"/>
-            <a:r>
-              <a:rPr lang="en-US" dirty="0" smtClean="0">
-                <a:solidFill>
-                  <a:schemeClr val="tx1"/>
-                </a:solidFill>
-              </a:rPr>
-              <a:t>Time for a break</a:t>
-            </a:r>
-            <a:endParaRPr lang="en-US" dirty="0">
-              <a:solidFill>
-                <a:schemeClr val="tx1"/>
-              </a:solidFill>
-            </a:endParaRPr>
-          </a:p>
-        </p:txBody>
-      </p:sp>
-    </p:spTree>
-    <p:extLst>
-      <p:ext uri="{BB962C8B-B14F-4D97-AF65-F5344CB8AC3E}">
-        <p14:creationId xmlns:p14="http://schemas.microsoft.com/office/powerpoint/2010/main" val="4141136810"/>
-      </p:ext>
-    </p:extLst>
-  </p:cSld>
-  <p:clrMapOvr>
-    <a:masterClrMapping/>
-  </p:clrMapOvr>
-  <p:timing>
-    <p:tnLst>
-      <p:par>
-        <p:cTn id="1" dur="indefinite" restart="never" nodeType="tmRoot"/>
-      </p:par>
-    </p:tnLst>
-  </p:timing>
-</p:sld>
-</file>
-
-<file path=ppt/slides/slide15.xml><?xml version="1.0" encoding="utf-8"?>
-<p:sld xmlns:a="http://schemas.openxmlformats.org/drawingml/2006/main" xmlns:r="http://schemas.openxmlformats.org/officeDocument/2006/relationships" xmlns:p="http://schemas.openxmlformats.org/presentationml/2006/main">
-  <p:cSld>
-    <p:spTree>
-      <p:nvGrpSpPr>
-        <p:cNvPr id="1" name=""/>
-        <p:cNvGrpSpPr/>
-        <p:nvPr/>
-      </p:nvGrpSpPr>
-      <p:grpSpPr>
-        <a:xfrm>
-          <a:off x="0" y="0"/>
-          <a:ext cx="0" cy="0"/>
-          <a:chOff x="0" y="0"/>
-          <a:chExt cx="0" cy="0"/>
-        </a:xfrm>
-      </p:grpSpPr>
-      <p:sp>
-        <p:nvSpPr>
-          <p:cNvPr id="2" name="Title 1"/>
-          <p:cNvSpPr>
-            <a:spLocks noGrp="1"/>
-          </p:cNvSpPr>
-          <p:nvPr>
-            <p:ph type="title"/>
-          </p:nvPr>
-        </p:nvSpPr>
-        <p:spPr/>
-        <p:txBody>
-          <a:bodyPr/>
-          <a:lstStyle/>
-          <a:p>
-            <a:r>
-              <a:rPr lang="en-US" dirty="0" smtClean="0"/>
-              <a:t>Client Data </a:t>
-            </a:r>
-            <a:endParaRPr lang="en-US" dirty="0"/>
-          </a:p>
-        </p:txBody>
-      </p:sp>
-      <p:sp>
-        <p:nvSpPr>
-          <p:cNvPr id="3" name="Content Placeholder 2"/>
-          <p:cNvSpPr>
-            <a:spLocks noGrp="1"/>
-          </p:cNvSpPr>
-          <p:nvPr>
-            <p:ph sz="half" idx="1"/>
-          </p:nvPr>
-        </p:nvSpPr>
-        <p:spPr/>
-        <p:txBody>
-          <a:bodyPr/>
-          <a:lstStyle/>
-          <a:p>
-            <a:endParaRPr lang="en-US"/>
-          </a:p>
-        </p:txBody>
-      </p:sp>
-      <p:sp>
-        <p:nvSpPr>
-          <p:cNvPr id="4" name="Content Placeholder 3"/>
-          <p:cNvSpPr>
-            <a:spLocks noGrp="1"/>
-          </p:cNvSpPr>
-          <p:nvPr>
-            <p:ph sz="half" idx="2"/>
-          </p:nvPr>
-        </p:nvSpPr>
-        <p:spPr/>
-        <p:txBody>
-          <a:bodyPr/>
-          <a:lstStyle/>
-          <a:p>
-            <a:endParaRPr lang="en-US"/>
-          </a:p>
-        </p:txBody>
-      </p:sp>
-    </p:spTree>
-    <p:extLst>
-      <p:ext uri="{BB962C8B-B14F-4D97-AF65-F5344CB8AC3E}">
-        <p14:creationId xmlns:p14="http://schemas.microsoft.com/office/powerpoint/2010/main" val="216648507"/>
-      </p:ext>
-    </p:extLst>
-  </p:cSld>
-  <p:clrMapOvr>
-    <a:masterClrMapping/>
-  </p:clrMapOvr>
-  <p:timing>
-    <p:tnLst>
-      <p:par>
-        <p:cTn id="1" dur="indefinite" restart="never" nodeType="tmRoot"/>
-      </p:par>
-    </p:tnLst>
-  </p:timing>
-</p:sld>
-</file>
-
-<file path=ppt/slides/slide16.xml><?xml version="1.0" encoding="utf-8"?>
-<p:sld xmlns:a="http://schemas.openxmlformats.org/drawingml/2006/main" xmlns:r="http://schemas.openxmlformats.org/officeDocument/2006/relationships" xmlns:p="http://schemas.openxmlformats.org/presentationml/2006/main">
-  <p:cSld>
-    <p:spTree>
-      <p:nvGrpSpPr>
-        <p:cNvPr id="1" name=""/>
-        <p:cNvGrpSpPr/>
-        <p:nvPr/>
-      </p:nvGrpSpPr>
-      <p:grpSpPr>
-        <a:xfrm>
-          <a:off x="0" y="0"/>
-          <a:ext cx="0" cy="0"/>
-          <a:chOff x="0" y="0"/>
-          <a:chExt cx="0" cy="0"/>
-        </a:xfrm>
-      </p:grpSpPr>
-      <p:sp>
-        <p:nvSpPr>
-          <p:cNvPr id="2" name="Title 1"/>
-          <p:cNvSpPr>
-            <a:spLocks noGrp="1"/>
-          </p:cNvSpPr>
-          <p:nvPr>
-            <p:ph type="title"/>
-          </p:nvPr>
-        </p:nvSpPr>
-        <p:spPr/>
-        <p:txBody>
-          <a:bodyPr/>
-          <a:lstStyle/>
-          <a:p>
-            <a:r>
-              <a:rPr lang="en-US" dirty="0" smtClean="0"/>
-              <a:t>Creating a Practice Client Database</a:t>
-            </a:r>
-            <a:endParaRPr lang="en-US" dirty="0"/>
-          </a:p>
-        </p:txBody>
-      </p:sp>
-      <p:sp>
-        <p:nvSpPr>
-          <p:cNvPr id="3" name="Content Placeholder 2"/>
-          <p:cNvSpPr>
-            <a:spLocks noGrp="1"/>
-          </p:cNvSpPr>
-          <p:nvPr>
-            <p:ph idx="1"/>
-          </p:nvPr>
-        </p:nvSpPr>
-        <p:spPr/>
-        <p:txBody>
-          <a:bodyPr/>
-          <a:lstStyle/>
-          <a:p>
-            <a:r>
-              <a:rPr lang="en-US" dirty="0" smtClean="0"/>
-              <a:t>Planning</a:t>
-            </a:r>
-          </a:p>
-          <a:p>
-            <a:pPr lvl="1"/>
-            <a:r>
-              <a:rPr lang="en-US" dirty="0" smtClean="0"/>
-              <a:t>Determining the tables, and how they will be created.</a:t>
-            </a:r>
-          </a:p>
-          <a:p>
-            <a:r>
-              <a:rPr lang="en-US" dirty="0" smtClean="0"/>
-              <a:t>Create the tables</a:t>
-            </a:r>
-          </a:p>
-          <a:p>
-            <a:r>
-              <a:rPr lang="en-US" dirty="0" smtClean="0"/>
-              <a:t>Add information</a:t>
-            </a:r>
-          </a:p>
-          <a:p>
-            <a:r>
-              <a:rPr lang="en-US" dirty="0" smtClean="0"/>
-              <a:t>Update information</a:t>
-            </a:r>
-          </a:p>
-          <a:p>
-            <a:r>
-              <a:rPr lang="en-US" dirty="0" smtClean="0"/>
-              <a:t>Query information</a:t>
-            </a:r>
-            <a:endParaRPr lang="en-US" dirty="0"/>
-          </a:p>
-        </p:txBody>
-      </p:sp>
-    </p:spTree>
-    <p:extLst>
-      <p:ext uri="{BB962C8B-B14F-4D97-AF65-F5344CB8AC3E}">
-        <p14:creationId xmlns:p14="http://schemas.microsoft.com/office/powerpoint/2010/main" val="541566726"/>
-      </p:ext>
-    </p:extLst>
-  </p:cSld>
-  <p:clrMapOvr>
-    <a:masterClrMapping/>
-  </p:clrMapOvr>
-  <p:timing>
-    <p:tnLst>
-      <p:par>
-        <p:cTn id="1" dur="indefinite" restart="never" nodeType="tmRoot"/>
-      </p:par>
-    </p:tnLst>
-  </p:timing>
-</p:sld>
-</file>
-
-<file path=ppt/slides/slide17.xml><?xml version="1.0" encoding="utf-8"?>
-<p:sld xmlns:a="http://schemas.openxmlformats.org/drawingml/2006/main" xmlns:r="http://schemas.openxmlformats.org/officeDocument/2006/relationships" xmlns:p="http://schemas.openxmlformats.org/presentationml/2006/main">
-  <p:cSld>
-    <p:spTree>
-      <p:nvGrpSpPr>
-        <p:cNvPr id="1" name=""/>
-        <p:cNvGrpSpPr/>
-        <p:nvPr/>
-      </p:nvGrpSpPr>
-      <p:grpSpPr>
-        <a:xfrm>
-          <a:off x="0" y="0"/>
-          <a:ext cx="0" cy="0"/>
-          <a:chOff x="0" y="0"/>
-          <a:chExt cx="0" cy="0"/>
-        </a:xfrm>
-      </p:grpSpPr>
-      <p:sp>
-        <p:nvSpPr>
-          <p:cNvPr id="2" name="Title 1"/>
-          <p:cNvSpPr>
-            <a:spLocks noGrp="1"/>
-          </p:cNvSpPr>
-          <p:nvPr>
-            <p:ph type="title"/>
-          </p:nvPr>
-        </p:nvSpPr>
-        <p:spPr/>
-        <p:txBody>
-          <a:bodyPr/>
-          <a:lstStyle/>
-          <a:p>
-            <a:r>
-              <a:rPr lang="en-US" dirty="0" smtClean="0"/>
-              <a:t>Planning</a:t>
-            </a:r>
-            <a:endParaRPr lang="en-US" dirty="0"/>
-          </a:p>
-        </p:txBody>
-      </p:sp>
-      <p:sp>
-        <p:nvSpPr>
-          <p:cNvPr id="3" name="Content Placeholder 2"/>
-          <p:cNvSpPr>
-            <a:spLocks noGrp="1"/>
-          </p:cNvSpPr>
-          <p:nvPr>
-            <p:ph sz="half" idx="1"/>
-          </p:nvPr>
-        </p:nvSpPr>
-        <p:spPr/>
-        <p:txBody>
-          <a:bodyPr/>
-          <a:lstStyle/>
-          <a:p>
-            <a:endParaRPr lang="en-US"/>
-          </a:p>
-        </p:txBody>
-      </p:sp>
-      <p:sp>
-        <p:nvSpPr>
-          <p:cNvPr id="4" name="Content Placeholder 3"/>
-          <p:cNvSpPr>
-            <a:spLocks noGrp="1"/>
-          </p:cNvSpPr>
-          <p:nvPr>
-            <p:ph sz="half" idx="2"/>
-          </p:nvPr>
-        </p:nvSpPr>
-        <p:spPr/>
-        <p:txBody>
-          <a:bodyPr/>
-          <a:lstStyle/>
-          <a:p>
-            <a:endParaRPr lang="en-US"/>
-          </a:p>
-        </p:txBody>
-      </p:sp>
-    </p:spTree>
-    <p:extLst>
-      <p:ext uri="{BB962C8B-B14F-4D97-AF65-F5344CB8AC3E}">
-        <p14:creationId xmlns:p14="http://schemas.microsoft.com/office/powerpoint/2010/main" val="2221896539"/>
-      </p:ext>
-    </p:extLst>
-  </p:cSld>
-  <p:clrMapOvr>
-    <a:masterClrMapping/>
-  </p:clrMapOvr>
-  <p:timing>
-    <p:tnLst>
-      <p:par>
-        <p:cTn id="1" dur="indefinite" restart="never" nodeType="tmRoot"/>
-      </p:par>
-    </p:tnLst>
-  </p:timing>
-</p:sld>
-</file>
-
-<file path=ppt/slides/slide18.xml><?xml version="1.0" encoding="utf-8"?>
-<p:sld xmlns:a="http://schemas.openxmlformats.org/drawingml/2006/main" xmlns:r="http://schemas.openxmlformats.org/officeDocument/2006/relationships" xmlns:p="http://schemas.openxmlformats.org/presentationml/2006/main">
-  <p:cSld>
-    <p:spTree>
-      <p:nvGrpSpPr>
-        <p:cNvPr id="1" name=""/>
-        <p:cNvGrpSpPr/>
-        <p:nvPr/>
-      </p:nvGrpSpPr>
-      <p:grpSpPr>
-        <a:xfrm>
-          <a:off x="0" y="0"/>
-          <a:ext cx="0" cy="0"/>
-          <a:chOff x="0" y="0"/>
-          <a:chExt cx="0" cy="0"/>
-        </a:xfrm>
-      </p:grpSpPr>
-      <p:sp>
-        <p:nvSpPr>
-          <p:cNvPr id="2" name="Title 1"/>
-          <p:cNvSpPr>
-            <a:spLocks noGrp="1"/>
-          </p:cNvSpPr>
-          <p:nvPr>
-            <p:ph type="title"/>
-          </p:nvPr>
-        </p:nvSpPr>
-        <p:spPr/>
-        <p:txBody>
-          <a:bodyPr/>
-          <a:lstStyle/>
-          <a:p>
-            <a:r>
-              <a:rPr lang="en-US" dirty="0"/>
-              <a:t>Create </a:t>
-            </a:r>
-            <a:r>
-              <a:rPr lang="en-US" dirty="0" smtClean="0"/>
-              <a:t>Example </a:t>
-            </a:r>
-            <a:r>
-              <a:rPr lang="en-US" dirty="0" smtClean="0"/>
-              <a:t>Tables</a:t>
-            </a:r>
-            <a:endParaRPr lang="en-US" dirty="0"/>
-          </a:p>
-        </p:txBody>
-      </p:sp>
-      <p:sp>
-        <p:nvSpPr>
-          <p:cNvPr id="5" name="Text Placeholder 4"/>
-          <p:cNvSpPr>
-            <a:spLocks noGrp="1"/>
-          </p:cNvSpPr>
-          <p:nvPr>
-            <p:ph type="body" idx="1"/>
-          </p:nvPr>
-        </p:nvSpPr>
-        <p:spPr>
-          <a:xfrm>
-            <a:off x="1138685" y="2348423"/>
-            <a:ext cx="2428804" cy="576262"/>
-          </a:xfrm>
-        </p:spPr>
-        <p:txBody>
-          <a:bodyPr/>
-          <a:lstStyle/>
-          <a:p>
-            <a:pPr algn="l"/>
-            <a:r>
-              <a:rPr lang="en-US" dirty="0" err="1" smtClean="0"/>
-              <a:t>Client_info</a:t>
-            </a:r>
-            <a:endParaRPr lang="en-US" dirty="0"/>
-          </a:p>
-        </p:txBody>
-      </p:sp>
-      <p:sp>
-        <p:nvSpPr>
-          <p:cNvPr id="3" name="Content Placeholder 2"/>
-          <p:cNvSpPr>
-            <a:spLocks noGrp="1"/>
-          </p:cNvSpPr>
-          <p:nvPr>
-            <p:ph sz="half" idx="2"/>
-          </p:nvPr>
-        </p:nvSpPr>
-        <p:spPr>
-          <a:xfrm>
-            <a:off x="1293961" y="2906415"/>
-            <a:ext cx="2428804" cy="3109913"/>
-          </a:xfrm>
-        </p:spPr>
-        <p:txBody>
-          <a:bodyPr/>
-          <a:lstStyle/>
-          <a:p>
-            <a:pPr marL="0" indent="0">
-              <a:buNone/>
-            </a:pPr>
-            <a:r>
-              <a:rPr lang="en-US" dirty="0"/>
-              <a:t>id</a:t>
-            </a:r>
-          </a:p>
-          <a:p>
-            <a:pPr marL="0" indent="0">
-              <a:buNone/>
-            </a:pPr>
-            <a:r>
-              <a:rPr lang="en-US" dirty="0" smtClean="0"/>
-              <a:t>Name</a:t>
-            </a:r>
-          </a:p>
-          <a:p>
-            <a:pPr marL="0" indent="0">
-              <a:buNone/>
-            </a:pPr>
-            <a:r>
-              <a:rPr lang="en-US" dirty="0" smtClean="0"/>
-              <a:t>Phone #</a:t>
-            </a:r>
-          </a:p>
-          <a:p>
-            <a:pPr marL="0" indent="0">
-              <a:buNone/>
-            </a:pPr>
-            <a:r>
-              <a:rPr lang="en-US" dirty="0" smtClean="0"/>
-              <a:t>Job title</a:t>
-            </a:r>
-          </a:p>
-          <a:p>
-            <a:pPr marL="0" indent="0">
-              <a:buNone/>
-            </a:pPr>
-            <a:r>
-              <a:rPr lang="en-US" dirty="0" err="1" smtClean="0"/>
-              <a:t>company_id</a:t>
-            </a:r>
-            <a:endParaRPr lang="en-US" dirty="0" smtClean="0"/>
-          </a:p>
-          <a:p>
-            <a:pPr marL="0" indent="0">
-              <a:buNone/>
-            </a:pPr>
-            <a:r>
-              <a:rPr lang="en-US" dirty="0" err="1" smtClean="0"/>
-              <a:t>serviceA_id</a:t>
-            </a:r>
-            <a:endParaRPr lang="en-US" dirty="0" smtClean="0"/>
-          </a:p>
-          <a:p>
-            <a:pPr marL="0" indent="0">
-              <a:buNone/>
-            </a:pPr>
-            <a:r>
-              <a:rPr lang="en-US" dirty="0" err="1" smtClean="0"/>
-              <a:t>service_id</a:t>
-            </a:r>
-            <a:endParaRPr lang="en-US" dirty="0"/>
-          </a:p>
-        </p:txBody>
-      </p:sp>
-      <p:sp>
-        <p:nvSpPr>
-          <p:cNvPr id="8" name="Text Placeholder 4"/>
-          <p:cNvSpPr txBox="1">
-            <a:spLocks/>
-          </p:cNvSpPr>
-          <p:nvPr/>
-        </p:nvSpPr>
-        <p:spPr>
-          <a:xfrm>
-            <a:off x="3620214" y="2345546"/>
-            <a:ext cx="2428804" cy="576262"/>
-          </a:xfrm>
-          <a:prstGeom prst="rect">
-            <a:avLst/>
-          </a:prstGeom>
-          <a:effectLst>
-            <a:outerShdw blurRad="50800" dir="14400000">
-              <a:srgbClr val="000000">
-                <a:alpha val="40000"/>
-              </a:srgbClr>
-            </a:outerShdw>
-          </a:effectLst>
-        </p:spPr>
-        <p:txBody>
-          <a:bodyPr vert="horz" lIns="91440" tIns="45720" rIns="91440" bIns="45720" rtlCol="0" anchor="b">
-            <a:noAutofit/>
-          </a:bodyPr>
-          <a:lstStyle>
-            <a:lvl1pPr marL="0" indent="0" algn="ctr" defTabSz="457200" rtl="0" eaLnBrk="1" latinLnBrk="0" hangingPunct="1">
-              <a:spcBef>
-                <a:spcPct val="20000"/>
-              </a:spcBef>
-              <a:spcAft>
-                <a:spcPts val="600"/>
-              </a:spcAft>
-              <a:buClr>
-                <a:schemeClr val="accent1"/>
-              </a:buClr>
-              <a:buFont typeface="Wingdings 2" charset="2"/>
-              <a:buNone/>
-              <a:defRPr sz="2000" b="0" kern="1200">
-                <a:solidFill>
-                  <a:schemeClr val="tx1"/>
-                </a:solidFill>
-                <a:latin typeface="+mn-lt"/>
-                <a:ea typeface="+mn-ea"/>
-                <a:cs typeface="+mn-cs"/>
-              </a:defRPr>
-            </a:lvl1pPr>
-            <a:lvl2pPr marL="457200" indent="0" algn="l" defTabSz="457200" rtl="0" eaLnBrk="1" latinLnBrk="0" hangingPunct="1">
-              <a:spcBef>
-                <a:spcPct val="20000"/>
-              </a:spcBef>
-              <a:spcAft>
-                <a:spcPts val="600"/>
-              </a:spcAft>
-              <a:buClr>
-                <a:schemeClr val="accent1"/>
-              </a:buClr>
-              <a:buFont typeface="Wingdings 2" charset="2"/>
-              <a:buNone/>
-              <a:defRPr sz="2000" b="1" kern="1200">
-                <a:solidFill>
-                  <a:schemeClr val="tx1"/>
-                </a:solidFill>
-                <a:latin typeface="+mn-lt"/>
-                <a:ea typeface="+mn-ea"/>
-                <a:cs typeface="+mn-cs"/>
-              </a:defRPr>
-            </a:lvl2pPr>
-            <a:lvl3pPr marL="914400" indent="0" algn="l" defTabSz="457200" rtl="0" eaLnBrk="1" latinLnBrk="0" hangingPunct="1">
-              <a:spcBef>
-                <a:spcPct val="20000"/>
-              </a:spcBef>
-              <a:spcAft>
-                <a:spcPts val="600"/>
-              </a:spcAft>
-              <a:buClr>
-                <a:schemeClr val="accent1"/>
-              </a:buClr>
-              <a:buFont typeface="Wingdings 2" charset="2"/>
-              <a:buNone/>
-              <a:defRPr sz="1800" b="1" kern="1200">
-                <a:solidFill>
-                  <a:schemeClr val="tx1"/>
-                </a:solidFill>
-                <a:latin typeface="+mn-lt"/>
-                <a:ea typeface="+mn-ea"/>
-                <a:cs typeface="+mn-cs"/>
-              </a:defRPr>
-            </a:lvl3pPr>
-            <a:lvl4pPr marL="1371600" indent="0" algn="l" defTabSz="457200" rtl="0" eaLnBrk="1" latinLnBrk="0" hangingPunct="1">
-              <a:spcBef>
-                <a:spcPct val="20000"/>
-              </a:spcBef>
-              <a:spcAft>
-                <a:spcPts val="600"/>
-              </a:spcAft>
-              <a:buClr>
-                <a:schemeClr val="accent1"/>
-              </a:buClr>
-              <a:buFont typeface="Wingdings 2" charset="2"/>
-              <a:buNone/>
-              <a:defRPr sz="1600" b="1" kern="1200">
-                <a:solidFill>
-                  <a:schemeClr val="tx1"/>
-                </a:solidFill>
-                <a:latin typeface="+mn-lt"/>
-                <a:ea typeface="+mn-ea"/>
-                <a:cs typeface="+mn-cs"/>
-              </a:defRPr>
-            </a:lvl4pPr>
-            <a:lvl5pPr marL="1828800" indent="0" algn="l" defTabSz="457200" rtl="0" eaLnBrk="1" latinLnBrk="0" hangingPunct="1">
-              <a:spcBef>
-                <a:spcPct val="20000"/>
-              </a:spcBef>
-              <a:spcAft>
-                <a:spcPts val="600"/>
-              </a:spcAft>
-              <a:buClr>
-                <a:schemeClr val="accent1"/>
-              </a:buClr>
-              <a:buFont typeface="Wingdings 2" charset="2"/>
-              <a:buNone/>
-              <a:defRPr sz="1600" b="1" kern="1200">
-                <a:solidFill>
-                  <a:schemeClr val="tx1"/>
-                </a:solidFill>
-                <a:latin typeface="+mn-lt"/>
-                <a:ea typeface="+mn-ea"/>
-                <a:cs typeface="+mn-cs"/>
-              </a:defRPr>
-            </a:lvl5pPr>
-            <a:lvl6pPr marL="2286000" indent="0" algn="l" defTabSz="457200" rtl="0" eaLnBrk="1" latinLnBrk="0" hangingPunct="1">
-              <a:spcBef>
-                <a:spcPct val="20000"/>
-              </a:spcBef>
-              <a:spcAft>
-                <a:spcPts val="600"/>
-              </a:spcAft>
-              <a:buClr>
-                <a:schemeClr val="accent1"/>
-              </a:buClr>
-              <a:buFont typeface="Wingdings 2" charset="2"/>
-              <a:buNone/>
-              <a:defRPr sz="1600" b="1" kern="1200">
-                <a:solidFill>
-                  <a:schemeClr val="tx1"/>
-                </a:solidFill>
-                <a:latin typeface="+mn-lt"/>
-                <a:ea typeface="+mn-ea"/>
-                <a:cs typeface="+mn-cs"/>
-              </a:defRPr>
-            </a:lvl6pPr>
-            <a:lvl7pPr marL="2743200" indent="0" algn="l" defTabSz="457200" rtl="0" eaLnBrk="1" latinLnBrk="0" hangingPunct="1">
-              <a:spcBef>
-                <a:spcPct val="20000"/>
-              </a:spcBef>
-              <a:spcAft>
-                <a:spcPts val="600"/>
-              </a:spcAft>
-              <a:buClr>
-                <a:schemeClr val="accent1"/>
-              </a:buClr>
-              <a:buFont typeface="Wingdings 2" charset="2"/>
-              <a:buNone/>
-              <a:defRPr sz="1600" b="1" kern="1200">
-                <a:solidFill>
-                  <a:schemeClr val="tx1"/>
-                </a:solidFill>
-                <a:latin typeface="+mn-lt"/>
-                <a:ea typeface="+mn-ea"/>
-                <a:cs typeface="+mn-cs"/>
-              </a:defRPr>
-            </a:lvl7pPr>
-            <a:lvl8pPr marL="3200400" indent="0" algn="l" defTabSz="457200" rtl="0" eaLnBrk="1" latinLnBrk="0" hangingPunct="1">
-              <a:spcBef>
-                <a:spcPct val="20000"/>
-              </a:spcBef>
-              <a:spcAft>
-                <a:spcPts val="600"/>
-              </a:spcAft>
-              <a:buClr>
-                <a:schemeClr val="accent1"/>
-              </a:buClr>
-              <a:buFont typeface="Wingdings 2" charset="2"/>
-              <a:buNone/>
-              <a:defRPr sz="1600" b="1" kern="1200">
-                <a:solidFill>
-                  <a:schemeClr val="tx1"/>
-                </a:solidFill>
-                <a:latin typeface="+mn-lt"/>
-                <a:ea typeface="+mn-ea"/>
-                <a:cs typeface="+mn-cs"/>
-              </a:defRPr>
-            </a:lvl8pPr>
-            <a:lvl9pPr marL="3657600" indent="0" algn="l" defTabSz="457200" rtl="0" eaLnBrk="1" latinLnBrk="0" hangingPunct="1">
-              <a:spcBef>
-                <a:spcPct val="20000"/>
-              </a:spcBef>
-              <a:spcAft>
-                <a:spcPts val="600"/>
-              </a:spcAft>
-              <a:buClr>
-                <a:schemeClr val="accent1"/>
-              </a:buClr>
-              <a:buFont typeface="Wingdings 2" charset="2"/>
-              <a:buNone/>
-              <a:defRPr sz="1600" b="1" kern="1200">
-                <a:solidFill>
-                  <a:schemeClr val="tx1"/>
-                </a:solidFill>
-                <a:latin typeface="+mn-lt"/>
-                <a:ea typeface="+mn-ea"/>
-                <a:cs typeface="+mn-cs"/>
-              </a:defRPr>
-            </a:lvl9pPr>
-          </a:lstStyle>
-          <a:p>
-            <a:r>
-              <a:rPr lang="en-US" dirty="0" err="1" smtClean="0"/>
-              <a:t>Company_info</a:t>
-            </a:r>
-            <a:endParaRPr lang="en-US" dirty="0"/>
-          </a:p>
-        </p:txBody>
-      </p:sp>
-      <p:sp>
-        <p:nvSpPr>
-          <p:cNvPr id="9" name="Content Placeholder 2"/>
-          <p:cNvSpPr txBox="1">
-            <a:spLocks/>
-          </p:cNvSpPr>
-          <p:nvPr/>
-        </p:nvSpPr>
-        <p:spPr>
-          <a:xfrm>
-            <a:off x="3775490" y="2903538"/>
-            <a:ext cx="2428804" cy="3109913"/>
-          </a:xfrm>
-          <a:prstGeom prst="rect">
-            <a:avLst/>
-          </a:prstGeom>
-          <a:effectLst>
-            <a:outerShdw blurRad="50800" dir="14400000">
-              <a:srgbClr val="000000">
-                <a:alpha val="40000"/>
-              </a:srgbClr>
-            </a:outerShdw>
-          </a:effectLst>
-        </p:spPr>
-        <p:txBody>
-          <a:bodyPr vert="horz" lIns="91440" tIns="45720" rIns="91440" bIns="45720" rtlCol="0" anchor="t">
-            <a:normAutofit/>
-          </a:bodyPr>
-          <a:lstStyle>
-            <a:lvl1pPr marL="342900" indent="-342900" algn="l" defTabSz="457200" rtl="0" eaLnBrk="1" latinLnBrk="0" hangingPunct="1">
-              <a:spcBef>
-                <a:spcPct val="20000"/>
-              </a:spcBef>
-              <a:spcAft>
-                <a:spcPts val="600"/>
-              </a:spcAft>
-              <a:buClr>
-                <a:schemeClr val="accent1"/>
-              </a:buClr>
-              <a:buFont typeface="Wingdings 2" charset="2"/>
-              <a:buChar char=""/>
-              <a:defRPr sz="1800" kern="1200">
-                <a:solidFill>
-                  <a:schemeClr val="tx1"/>
-                </a:solidFill>
-                <a:latin typeface="+mn-lt"/>
-                <a:ea typeface="+mn-ea"/>
-                <a:cs typeface="+mn-cs"/>
-              </a:defRPr>
-            </a:lvl1pPr>
-            <a:lvl2pPr marL="742950" indent="-285750" algn="l" defTabSz="457200" rtl="0" eaLnBrk="1" latinLnBrk="0" hangingPunct="1">
-              <a:spcBef>
-                <a:spcPct val="20000"/>
-              </a:spcBef>
-              <a:spcAft>
-                <a:spcPts val="600"/>
-              </a:spcAft>
-              <a:buClr>
-                <a:schemeClr val="accent1"/>
-              </a:buClr>
-              <a:buFont typeface="Wingdings 2" charset="2"/>
-              <a:buChar char=""/>
-              <a:defRPr sz="1600" kern="1200">
-                <a:solidFill>
-                  <a:schemeClr val="tx1"/>
-                </a:solidFill>
-                <a:latin typeface="+mn-lt"/>
-                <a:ea typeface="+mn-ea"/>
-                <a:cs typeface="+mn-cs"/>
-              </a:defRPr>
-            </a:lvl2pPr>
-            <a:lvl3pPr marL="1143000" indent="-228600" algn="l" defTabSz="457200" rtl="0" eaLnBrk="1" latinLnBrk="0" hangingPunct="1">
-              <a:spcBef>
-                <a:spcPct val="20000"/>
-              </a:spcBef>
-              <a:spcAft>
-                <a:spcPts val="600"/>
-              </a:spcAft>
-              <a:buClr>
-                <a:schemeClr val="accent1"/>
-              </a:buClr>
-              <a:buFont typeface="Wingdings 2" charset="2"/>
-              <a:buChar char=""/>
-              <a:defRPr sz="1400" kern="1200">
-                <a:solidFill>
-                  <a:schemeClr val="tx1"/>
-                </a:solidFill>
-                <a:latin typeface="+mn-lt"/>
-                <a:ea typeface="+mn-ea"/>
-                <a:cs typeface="+mn-cs"/>
-              </a:defRPr>
-            </a:lvl3pPr>
-            <a:lvl4pPr marL="1600200" indent="-228600" algn="l" defTabSz="457200" rtl="0" eaLnBrk="1" latinLnBrk="0" hangingPunct="1">
-              <a:spcBef>
-                <a:spcPct val="20000"/>
-              </a:spcBef>
-              <a:spcAft>
-                <a:spcPts val="600"/>
-              </a:spcAft>
-              <a:buClr>
-                <a:schemeClr val="accent1"/>
-              </a:buClr>
-              <a:buFont typeface="Wingdings 2" charset="2"/>
-              <a:buChar char=""/>
-              <a:defRPr sz="1200" kern="1200">
-                <a:solidFill>
-                  <a:schemeClr val="tx1"/>
-                </a:solidFill>
-                <a:latin typeface="+mn-lt"/>
-                <a:ea typeface="+mn-ea"/>
-                <a:cs typeface="+mn-cs"/>
-              </a:defRPr>
-            </a:lvl4pPr>
-            <a:lvl5pPr marL="2057400" indent="-228600" algn="l" defTabSz="457200" rtl="0" eaLnBrk="1" latinLnBrk="0" hangingPunct="1">
-              <a:spcBef>
-                <a:spcPct val="20000"/>
-              </a:spcBef>
-              <a:spcAft>
-                <a:spcPts val="600"/>
-              </a:spcAft>
-              <a:buClr>
-                <a:schemeClr val="accent1"/>
-              </a:buClr>
-              <a:buFont typeface="Wingdings 2" charset="2"/>
-              <a:buChar char=""/>
-              <a:defRPr sz="1200" kern="1200">
-                <a:solidFill>
-                  <a:schemeClr val="tx1"/>
-                </a:solidFill>
-                <a:latin typeface="+mn-lt"/>
-                <a:ea typeface="+mn-ea"/>
-                <a:cs typeface="+mn-cs"/>
-              </a:defRPr>
-            </a:lvl5pPr>
-            <a:lvl6pPr marL="2400000" indent="-228600" algn="l" defTabSz="457200" rtl="0" eaLnBrk="1" latinLnBrk="0" hangingPunct="1">
-              <a:spcBef>
-                <a:spcPct val="20000"/>
-              </a:spcBef>
-              <a:spcAft>
-                <a:spcPts val="600"/>
-              </a:spcAft>
-              <a:buClr>
-                <a:schemeClr val="accent1"/>
-              </a:buClr>
-              <a:buFont typeface="Wingdings 2" charset="2"/>
-              <a:buChar char=""/>
-              <a:defRPr sz="1200" kern="1200">
-                <a:solidFill>
-                  <a:schemeClr val="tx1"/>
-                </a:solidFill>
-                <a:latin typeface="+mn-lt"/>
-                <a:ea typeface="+mn-ea"/>
-                <a:cs typeface="+mn-cs"/>
-              </a:defRPr>
-            </a:lvl6pPr>
-            <a:lvl7pPr marL="2800000" indent="-228600" algn="l" defTabSz="457200" rtl="0" eaLnBrk="1" latinLnBrk="0" hangingPunct="1">
-              <a:spcBef>
-                <a:spcPct val="20000"/>
-              </a:spcBef>
-              <a:spcAft>
-                <a:spcPts val="600"/>
-              </a:spcAft>
-              <a:buClr>
-                <a:schemeClr val="accent1"/>
-              </a:buClr>
-              <a:buFont typeface="Wingdings 2" charset="2"/>
-              <a:buChar char=""/>
-              <a:defRPr sz="1200" kern="1200">
-                <a:solidFill>
-                  <a:schemeClr val="tx1"/>
-                </a:solidFill>
-                <a:latin typeface="+mn-lt"/>
-                <a:ea typeface="+mn-ea"/>
-                <a:cs typeface="+mn-cs"/>
-              </a:defRPr>
-            </a:lvl7pPr>
-            <a:lvl8pPr marL="3200000" indent="-228600" algn="l" defTabSz="457200" rtl="0" eaLnBrk="1" latinLnBrk="0" hangingPunct="1">
-              <a:spcBef>
-                <a:spcPct val="20000"/>
-              </a:spcBef>
-              <a:spcAft>
-                <a:spcPts val="600"/>
-              </a:spcAft>
-              <a:buClr>
-                <a:schemeClr val="accent1"/>
-              </a:buClr>
-              <a:buFont typeface="Wingdings 2" charset="2"/>
-              <a:buChar char=""/>
-              <a:defRPr sz="1200" kern="1200">
-                <a:solidFill>
-                  <a:schemeClr val="tx1"/>
-                </a:solidFill>
-                <a:latin typeface="+mn-lt"/>
-                <a:ea typeface="+mn-ea"/>
-                <a:cs typeface="+mn-cs"/>
-              </a:defRPr>
-            </a:lvl8pPr>
-            <a:lvl9pPr marL="3600000" indent="-228600" algn="l" defTabSz="457200" rtl="0" eaLnBrk="1" latinLnBrk="0" hangingPunct="1">
-              <a:spcBef>
-                <a:spcPct val="20000"/>
-              </a:spcBef>
-              <a:spcAft>
-                <a:spcPts val="600"/>
-              </a:spcAft>
-              <a:buClr>
-                <a:schemeClr val="accent1"/>
-              </a:buClr>
-              <a:buFont typeface="Wingdings 2" charset="2"/>
-              <a:buChar char=""/>
-              <a:defRPr sz="1200" kern="1200">
-                <a:solidFill>
-                  <a:schemeClr val="tx1"/>
-                </a:solidFill>
-                <a:latin typeface="+mn-lt"/>
-                <a:ea typeface="+mn-ea"/>
-                <a:cs typeface="+mn-cs"/>
-              </a:defRPr>
-            </a:lvl9pPr>
-          </a:lstStyle>
-          <a:p>
-            <a:pPr marL="0" indent="0">
-              <a:buNone/>
-            </a:pPr>
-            <a:r>
-              <a:rPr lang="en-US" dirty="0"/>
-              <a:t>id</a:t>
-            </a:r>
-          </a:p>
-          <a:p>
-            <a:pPr marL="0" indent="0">
-              <a:buFont typeface="Wingdings 2" charset="2"/>
-              <a:buNone/>
-            </a:pPr>
-            <a:r>
-              <a:rPr lang="en-US" dirty="0" smtClean="0"/>
-              <a:t>Name</a:t>
-            </a:r>
-          </a:p>
-          <a:p>
-            <a:pPr marL="0" indent="0">
-              <a:buFont typeface="Wingdings 2" charset="2"/>
-              <a:buNone/>
-            </a:pPr>
-            <a:r>
-              <a:rPr lang="en-US" dirty="0" smtClean="0"/>
-              <a:t>Phone #</a:t>
-            </a:r>
-          </a:p>
-          <a:p>
-            <a:pPr marL="0" indent="0">
-              <a:buFont typeface="Wingdings 2" charset="2"/>
-              <a:buNone/>
-            </a:pPr>
-            <a:r>
-              <a:rPr lang="en-US" dirty="0" smtClean="0"/>
-              <a:t>address</a:t>
-            </a:r>
-            <a:endParaRPr lang="en-US" dirty="0"/>
-          </a:p>
-        </p:txBody>
-      </p:sp>
-      <p:sp>
-        <p:nvSpPr>
-          <p:cNvPr id="10" name="Text Placeholder 4"/>
-          <p:cNvSpPr>
-            <a:spLocks noGrp="1"/>
-          </p:cNvSpPr>
-          <p:nvPr>
-            <p:ph type="body" idx="1"/>
-          </p:nvPr>
-        </p:nvSpPr>
-        <p:spPr>
-          <a:xfrm>
-            <a:off x="6359570" y="2352823"/>
-            <a:ext cx="1662994" cy="576262"/>
-          </a:xfrm>
-        </p:spPr>
-        <p:txBody>
-          <a:bodyPr/>
-          <a:lstStyle/>
-          <a:p>
-            <a:pPr algn="l"/>
-            <a:r>
-              <a:rPr lang="en-US" dirty="0" err="1" smtClean="0"/>
-              <a:t>Service_A</a:t>
-            </a:r>
-            <a:endParaRPr lang="en-US" dirty="0"/>
-          </a:p>
-        </p:txBody>
-      </p:sp>
-      <p:sp>
-        <p:nvSpPr>
-          <p:cNvPr id="11" name="Content Placeholder 2"/>
-          <p:cNvSpPr>
-            <a:spLocks noGrp="1"/>
-          </p:cNvSpPr>
-          <p:nvPr>
-            <p:ph sz="half" idx="2"/>
-          </p:nvPr>
-        </p:nvSpPr>
-        <p:spPr>
-          <a:xfrm>
-            <a:off x="6346164" y="2903538"/>
-            <a:ext cx="2428804" cy="3109913"/>
-          </a:xfrm>
-        </p:spPr>
-        <p:txBody>
-          <a:bodyPr/>
-          <a:lstStyle/>
-          <a:p>
-            <a:pPr marL="0" indent="0">
-              <a:buNone/>
-            </a:pPr>
-            <a:r>
-              <a:rPr lang="en-US" dirty="0" smtClean="0"/>
-              <a:t>id</a:t>
-            </a:r>
-          </a:p>
-          <a:p>
-            <a:pPr marL="0" indent="0">
-              <a:buNone/>
-            </a:pPr>
-            <a:r>
-              <a:rPr lang="en-US" dirty="0" smtClean="0"/>
-              <a:t>Cost</a:t>
-            </a:r>
-          </a:p>
-        </p:txBody>
-      </p:sp>
-      <p:sp>
-        <p:nvSpPr>
-          <p:cNvPr id="12" name="Content Placeholder 2"/>
-          <p:cNvSpPr>
-            <a:spLocks noGrp="1"/>
-          </p:cNvSpPr>
-          <p:nvPr>
-            <p:ph sz="half" idx="2"/>
-          </p:nvPr>
-        </p:nvSpPr>
-        <p:spPr>
-          <a:xfrm>
-            <a:off x="8465386" y="2921808"/>
-            <a:ext cx="2428804" cy="3109913"/>
-          </a:xfrm>
-        </p:spPr>
-        <p:txBody>
-          <a:bodyPr/>
-          <a:lstStyle/>
-          <a:p>
-            <a:pPr marL="0" indent="0">
-              <a:buNone/>
-            </a:pPr>
-            <a:r>
-              <a:rPr lang="en-US" dirty="0" smtClean="0"/>
-              <a:t>id</a:t>
-            </a:r>
-          </a:p>
-          <a:p>
-            <a:pPr marL="0" indent="0">
-              <a:buNone/>
-            </a:pPr>
-            <a:r>
-              <a:rPr lang="en-US" dirty="0" smtClean="0"/>
-              <a:t>Cost</a:t>
-            </a:r>
-          </a:p>
-        </p:txBody>
-      </p:sp>
-      <p:sp>
-        <p:nvSpPr>
-          <p:cNvPr id="13" name="Text Placeholder 4"/>
-          <p:cNvSpPr>
-            <a:spLocks noGrp="1"/>
-          </p:cNvSpPr>
-          <p:nvPr>
-            <p:ph type="body" idx="1"/>
-          </p:nvPr>
-        </p:nvSpPr>
-        <p:spPr>
-          <a:xfrm>
-            <a:off x="8206112" y="2352823"/>
-            <a:ext cx="1662994" cy="576262"/>
-          </a:xfrm>
-        </p:spPr>
-        <p:txBody>
-          <a:bodyPr/>
-          <a:lstStyle/>
-          <a:p>
-            <a:pPr algn="l"/>
-            <a:r>
-              <a:rPr lang="en-US" dirty="0" err="1" smtClean="0"/>
-              <a:t>Service_B</a:t>
-            </a:r>
-            <a:endParaRPr lang="en-US" dirty="0"/>
-          </a:p>
-        </p:txBody>
-      </p:sp>
-    </p:spTree>
-    <p:extLst>
-      <p:ext uri="{BB962C8B-B14F-4D97-AF65-F5344CB8AC3E}">
-        <p14:creationId xmlns:p14="http://schemas.microsoft.com/office/powerpoint/2010/main" val="3802024102"/>
-      </p:ext>
-    </p:extLst>
-  </p:cSld>
-  <p:clrMapOvr>
-    <a:masterClrMapping/>
-  </p:clrMapOvr>
-  <p:timing>
-    <p:tnLst>
-      <p:par>
-        <p:cTn id="1" dur="indefinite" restart="never" nodeType="tmRoot"/>
-      </p:par>
-    </p:tnLst>
-  </p:timing>
-</p:sld>
-</file>
-
-<file path=ppt/slides/slide19.xml><?xml version="1.0" encoding="utf-8"?>
-<p:sld xmlns:a="http://schemas.openxmlformats.org/drawingml/2006/main" xmlns:r="http://schemas.openxmlformats.org/officeDocument/2006/relationships" xmlns:p="http://schemas.openxmlformats.org/presentationml/2006/main">
-  <p:cSld>
-    <p:spTree>
-      <p:nvGrpSpPr>
-        <p:cNvPr id="1" name=""/>
-        <p:cNvGrpSpPr/>
-        <p:nvPr/>
-      </p:nvGrpSpPr>
-      <p:grpSpPr>
-        <a:xfrm>
-          <a:off x="0" y="0"/>
-          <a:ext cx="0" cy="0"/>
-          <a:chOff x="0" y="0"/>
-          <a:chExt cx="0" cy="0"/>
-        </a:xfrm>
-      </p:grpSpPr>
-      <p:sp>
-        <p:nvSpPr>
-          <p:cNvPr id="2" name="Title 1"/>
-          <p:cNvSpPr>
-            <a:spLocks noGrp="1"/>
-          </p:cNvSpPr>
-          <p:nvPr>
-            <p:ph type="title"/>
-          </p:nvPr>
-        </p:nvSpPr>
-        <p:spPr/>
-        <p:txBody>
-          <a:bodyPr/>
-          <a:lstStyle/>
-          <a:p>
-            <a:r>
-              <a:rPr lang="en-US" dirty="0" smtClean="0"/>
-              <a:t>Insert Information into the tables</a:t>
-            </a:r>
-            <a:endParaRPr lang="en-US" dirty="0"/>
-          </a:p>
-        </p:txBody>
-      </p:sp>
-      <p:sp>
-        <p:nvSpPr>
-          <p:cNvPr id="3" name="Content Placeholder 2"/>
-          <p:cNvSpPr>
-            <a:spLocks noGrp="1"/>
-          </p:cNvSpPr>
-          <p:nvPr>
-            <p:ph idx="1"/>
-          </p:nvPr>
-        </p:nvSpPr>
-        <p:spPr/>
-        <p:txBody>
-          <a:bodyPr/>
-          <a:lstStyle/>
-          <a:p>
-            <a:r>
-              <a:rPr lang="en-US" dirty="0" smtClean="0"/>
-              <a:t>Use the </a:t>
-            </a:r>
-            <a:endParaRPr lang="en-US" dirty="0"/>
-          </a:p>
-        </p:txBody>
-      </p:sp>
-    </p:spTree>
-    <p:extLst>
-      <p:ext uri="{BB962C8B-B14F-4D97-AF65-F5344CB8AC3E}">
-        <p14:creationId xmlns:p14="http://schemas.microsoft.com/office/powerpoint/2010/main" val="3794047903"/>
-      </p:ext>
-    </p:extLst>
-  </p:cSld>
-  <p:clrMapOvr>
-    <a:masterClrMapping/>
-  </p:clrMapOvr>
-</p:sld>
-</file>
-
-<file path=ppt/slides/slide2.xml><?xml version="1.0" encoding="utf-8"?>
-<p:sld xmlns:a="http://schemas.openxmlformats.org/drawingml/2006/main" xmlns:r="http://schemas.openxmlformats.org/officeDocument/2006/relationships" xmlns:p="http://schemas.openxmlformats.org/presentationml/2006/main">
-  <p:cSld>
-    <p:spTree>
-      <p:nvGrpSpPr>
-        <p:cNvPr id="1" name=""/>
-        <p:cNvGrpSpPr/>
-        <p:nvPr/>
-      </p:nvGrpSpPr>
-      <p:grpSpPr>
-        <a:xfrm>
-          <a:off x="0" y="0"/>
-          <a:ext cx="0" cy="0"/>
-          <a:chOff x="0" y="0"/>
-          <a:chExt cx="0" cy="0"/>
-        </a:xfrm>
-      </p:grpSpPr>
-      <p:sp>
-        <p:nvSpPr>
-          <p:cNvPr id="2" name="Title 1"/>
-          <p:cNvSpPr>
-            <a:spLocks noGrp="1"/>
-          </p:cNvSpPr>
-          <p:nvPr>
-            <p:ph type="title"/>
-          </p:nvPr>
-        </p:nvSpPr>
-        <p:spPr/>
-        <p:txBody>
-          <a:bodyPr/>
-          <a:lstStyle/>
-          <a:p>
-            <a:r>
-              <a:rPr lang="en-US" dirty="0"/>
-              <a:t>Welcome</a:t>
-            </a:r>
-          </a:p>
-        </p:txBody>
-      </p:sp>
-      <p:sp>
-        <p:nvSpPr>
-          <p:cNvPr id="3" name="Content Placeholder 2"/>
-          <p:cNvSpPr>
-            <a:spLocks noGrp="1"/>
-          </p:cNvSpPr>
-          <p:nvPr>
-            <p:ph idx="1"/>
-          </p:nvPr>
-        </p:nvSpPr>
-        <p:spPr>
-          <a:xfrm>
-            <a:off x="818712" y="2222287"/>
-            <a:ext cx="10554574" cy="4436090"/>
-          </a:xfrm>
-        </p:spPr>
-        <p:txBody>
-          <a:bodyPr>
-            <a:normAutofit fontScale="85000" lnSpcReduction="20000"/>
-          </a:bodyPr>
-          <a:lstStyle/>
-          <a:p>
-            <a:pPr marL="0" indent="0" fontAlgn="base">
-              <a:buNone/>
-            </a:pPr>
-            <a:r>
-              <a:rPr lang="en-US" sz="3600" dirty="0"/>
-              <a:t>Girl Develop It is here to provide affordable and accessible programs to learn software through mentorship and hands-on instruction.</a:t>
-            </a:r>
-          </a:p>
-          <a:p>
-            <a:pPr marL="0" indent="0" fontAlgn="base">
-              <a:buNone/>
-            </a:pPr>
-            <a:endParaRPr lang="en-US" sz="3600" dirty="0"/>
-          </a:p>
-          <a:p>
-            <a:pPr marL="0" indent="0" fontAlgn="base">
-              <a:buNone/>
-            </a:pPr>
-            <a:r>
-              <a:rPr lang="en-US" sz="3600" dirty="0"/>
-              <a:t>Some "rules"</a:t>
-            </a:r>
-          </a:p>
-          <a:p>
-            <a:pPr lvl="1" fontAlgn="base"/>
-            <a:r>
-              <a:rPr lang="en-US" sz="3200" dirty="0"/>
-              <a:t>We are here for you!</a:t>
-            </a:r>
-          </a:p>
-          <a:p>
-            <a:pPr lvl="1" fontAlgn="base"/>
-            <a:r>
-              <a:rPr lang="en-US" sz="3200" dirty="0"/>
-              <a:t>Every question is important</a:t>
-            </a:r>
-          </a:p>
-          <a:p>
-            <a:pPr lvl="1" fontAlgn="base"/>
-            <a:r>
-              <a:rPr lang="en-US" sz="3200" dirty="0"/>
-              <a:t>Help each other</a:t>
-            </a:r>
-          </a:p>
-          <a:p>
-            <a:pPr lvl="1" fontAlgn="base"/>
-            <a:r>
-              <a:rPr lang="en-US" sz="3200" dirty="0"/>
-              <a:t>Have fun</a:t>
-            </a:r>
-          </a:p>
-        </p:txBody>
-      </p:sp>
-    </p:spTree>
-    <p:extLst>
-      <p:ext uri="{BB962C8B-B14F-4D97-AF65-F5344CB8AC3E}">
-        <p14:creationId xmlns:p14="http://schemas.microsoft.com/office/powerpoint/2010/main" val="2649534364"/>
-      </p:ext>
-    </p:extLst>
-  </p:cSld>
-  <p:clrMapOvr>
-    <a:masterClrMapping/>
-  </p:clrMapOvr>
-  <p:timing>
-    <p:tnLst>
-      <p:par>
-        <p:cTn id="1" dur="indefinite" restart="never" nodeType="tmRoot"/>
-      </p:par>
-    </p:tnLst>
-  </p:timing>
-</p:sld>
-</file>
-
-<file path=ppt/slides/slide20.xml><?xml version="1.0" encoding="utf-8"?>
-<p:sld xmlns:a="http://schemas.openxmlformats.org/drawingml/2006/main" xmlns:r="http://schemas.openxmlformats.org/officeDocument/2006/relationships" xmlns:p="http://schemas.openxmlformats.org/presentationml/2006/main">
-  <p:cSld>
-    <p:spTree>
-      <p:nvGrpSpPr>
-        <p:cNvPr id="1" name=""/>
-        <p:cNvGrpSpPr/>
-        <p:nvPr/>
-      </p:nvGrpSpPr>
-      <p:grpSpPr>
-        <a:xfrm>
-          <a:off x="0" y="0"/>
-          <a:ext cx="0" cy="0"/>
-          <a:chOff x="0" y="0"/>
-          <a:chExt cx="0" cy="0"/>
-        </a:xfrm>
-      </p:grpSpPr>
-      <p:sp>
-        <p:nvSpPr>
-          <p:cNvPr id="2" name="Title 1"/>
-          <p:cNvSpPr>
-            <a:spLocks noGrp="1"/>
-          </p:cNvSpPr>
-          <p:nvPr>
-            <p:ph type="title"/>
-          </p:nvPr>
-        </p:nvSpPr>
-        <p:spPr/>
-        <p:txBody>
-          <a:bodyPr/>
-          <a:lstStyle/>
-          <a:p>
-            <a:r>
-              <a:rPr lang="en-US" dirty="0" smtClean="0"/>
-              <a:t>Query the Data</a:t>
-            </a:r>
-            <a:endParaRPr lang="en-US" dirty="0"/>
-          </a:p>
-        </p:txBody>
-      </p:sp>
-      <p:sp>
-        <p:nvSpPr>
-          <p:cNvPr id="3" name="Content Placeholder 2"/>
-          <p:cNvSpPr>
-            <a:spLocks noGrp="1"/>
-          </p:cNvSpPr>
-          <p:nvPr>
-            <p:ph idx="1"/>
-          </p:nvPr>
-        </p:nvSpPr>
-        <p:spPr/>
-        <p:txBody>
-          <a:bodyPr/>
-          <a:lstStyle/>
-          <a:p>
-            <a:r>
-              <a:rPr lang="en-US" dirty="0" smtClean="0"/>
-              <a:t>Try selecting whole tables</a:t>
-            </a:r>
-          </a:p>
-          <a:p>
-            <a:r>
-              <a:rPr lang="en-US" dirty="0" smtClean="0"/>
-              <a:t>Selecting just the names in a few tables</a:t>
-            </a:r>
-          </a:p>
-          <a:p>
-            <a:r>
-              <a:rPr lang="en-US" dirty="0" smtClean="0"/>
-              <a:t>Try the join function</a:t>
-            </a:r>
-          </a:p>
-          <a:p>
-            <a:pPr lvl="1"/>
-            <a:r>
-              <a:rPr lang="en-US" dirty="0" smtClean="0"/>
-              <a:t>Find all the company names that used </a:t>
-            </a:r>
-            <a:r>
-              <a:rPr lang="en-US" dirty="0" err="1" smtClean="0"/>
-              <a:t>serviceA</a:t>
-            </a:r>
-            <a:endParaRPr lang="en-US" dirty="0" smtClean="0"/>
-          </a:p>
-          <a:p>
-            <a:pPr lvl="1"/>
-            <a:r>
-              <a:rPr lang="en-US" dirty="0" smtClean="0"/>
-              <a:t>Find the client names that used </a:t>
-            </a:r>
-            <a:r>
-              <a:rPr lang="en-US" dirty="0" err="1" smtClean="0"/>
-              <a:t>serviceB</a:t>
-            </a:r>
-            <a:r>
-              <a:rPr lang="en-US" dirty="0" smtClean="0"/>
-              <a:t> </a:t>
-            </a:r>
-            <a:endParaRPr lang="en-US" dirty="0"/>
-          </a:p>
-        </p:txBody>
-      </p:sp>
-    </p:spTree>
-    <p:extLst>
-      <p:ext uri="{BB962C8B-B14F-4D97-AF65-F5344CB8AC3E}">
-        <p14:creationId xmlns:p14="http://schemas.microsoft.com/office/powerpoint/2010/main" val="1959572592"/>
-      </p:ext>
-    </p:extLst>
-  </p:cSld>
-  <p:clrMapOvr>
-    <a:masterClrMapping/>
-  </p:clrMapOvr>
-</p:sld>
-</file>
-
-<file path=ppt/slides/slide21.xml><?xml version="1.0" encoding="utf-8"?>
-<p:sld xmlns:a="http://schemas.openxmlformats.org/drawingml/2006/main" xmlns:r="http://schemas.openxmlformats.org/officeDocument/2006/relationships" xmlns:p="http://schemas.openxmlformats.org/presentationml/2006/main">
-  <p:cSld>
-    <p:spTree>
-      <p:nvGrpSpPr>
-        <p:cNvPr id="1" name=""/>
-        <p:cNvGrpSpPr/>
-        <p:nvPr/>
-      </p:nvGrpSpPr>
-      <p:grpSpPr>
-        <a:xfrm>
-          <a:off x="0" y="0"/>
-          <a:ext cx="0" cy="0"/>
-          <a:chOff x="0" y="0"/>
-          <a:chExt cx="0" cy="0"/>
-        </a:xfrm>
-      </p:grpSpPr>
-      <p:sp>
-        <p:nvSpPr>
-          <p:cNvPr id="2" name="Title 1"/>
-          <p:cNvSpPr>
-            <a:spLocks noGrp="1"/>
-          </p:cNvSpPr>
-          <p:nvPr>
-            <p:ph type="title"/>
-          </p:nvPr>
-        </p:nvSpPr>
-        <p:spPr/>
-        <p:txBody>
-          <a:bodyPr/>
-          <a:lstStyle/>
-          <a:p>
-            <a:r>
-              <a:rPr lang="en-US" dirty="0" smtClean="0"/>
-              <a:t>Last Things</a:t>
-            </a:r>
-            <a:endParaRPr lang="en-US" dirty="0"/>
-          </a:p>
-        </p:txBody>
-      </p:sp>
-      <p:sp>
-        <p:nvSpPr>
-          <p:cNvPr id="3" name="Content Placeholder 2"/>
-          <p:cNvSpPr>
-            <a:spLocks noGrp="1"/>
-          </p:cNvSpPr>
-          <p:nvPr>
-            <p:ph idx="1"/>
-          </p:nvPr>
-        </p:nvSpPr>
-        <p:spPr/>
-        <p:txBody>
-          <a:bodyPr/>
-          <a:lstStyle/>
-          <a:p>
-            <a:endParaRPr lang="en-US" dirty="0" smtClean="0"/>
-          </a:p>
-          <a:p>
-            <a:r>
-              <a:rPr lang="en-US" dirty="0" smtClean="0"/>
-              <a:t>Thank you Digital Workshop for providing the space</a:t>
-            </a:r>
-          </a:p>
-          <a:p>
-            <a:r>
-              <a:rPr lang="en-US" dirty="0" smtClean="0"/>
-              <a:t>Thank you Sharon for being a TA!</a:t>
-            </a:r>
-          </a:p>
-          <a:p>
-            <a:r>
-              <a:rPr lang="en-US" dirty="0" smtClean="0"/>
-              <a:t>Thank YOU!</a:t>
-            </a:r>
-          </a:p>
-          <a:p>
-            <a:r>
-              <a:rPr lang="en-US" dirty="0" smtClean="0"/>
-              <a:t>*also, these slides are on my posted on my GitHub under</a:t>
-            </a:r>
-          </a:p>
-          <a:p>
-            <a:endParaRPr lang="en-US" dirty="0"/>
-          </a:p>
-        </p:txBody>
-      </p:sp>
-    </p:spTree>
-    <p:extLst>
-      <p:ext uri="{BB962C8B-B14F-4D97-AF65-F5344CB8AC3E}">
-        <p14:creationId xmlns:p14="http://schemas.microsoft.com/office/powerpoint/2010/main" val="3811184902"/>
-      </p:ext>
-    </p:extLst>
-  </p:cSld>
-  <p:clrMapOvr>
-    <a:masterClrMapping/>
-  </p:clrMapOvr>
-</p:sld>
-</file>
-
-<file path=ppt/slides/slide3.xml><?xml version="1.0" encoding="utf-8"?>
-<p:sld xmlns:a="http://schemas.openxmlformats.org/drawingml/2006/main" xmlns:r="http://schemas.openxmlformats.org/officeDocument/2006/relationships" xmlns:p="http://schemas.openxmlformats.org/presentationml/2006/main">
-  <p:cSld>
-    <p:spTree>
-      <p:nvGrpSpPr>
-        <p:cNvPr id="1" name=""/>
-        <p:cNvGrpSpPr/>
-        <p:nvPr/>
-      </p:nvGrpSpPr>
-      <p:grpSpPr>
-        <a:xfrm>
-          <a:off x="0" y="0"/>
-          <a:ext cx="0" cy="0"/>
-          <a:chOff x="0" y="0"/>
-          <a:chExt cx="0" cy="0"/>
-        </a:xfrm>
-      </p:grpSpPr>
-      <p:sp>
-        <p:nvSpPr>
-          <p:cNvPr id="2" name="Title 1"/>
-          <p:cNvSpPr>
-            <a:spLocks noGrp="1"/>
-          </p:cNvSpPr>
-          <p:nvPr>
-            <p:ph type="title"/>
-          </p:nvPr>
-        </p:nvSpPr>
-        <p:spPr/>
-        <p:txBody>
-          <a:bodyPr/>
-          <a:lstStyle/>
-          <a:p>
-            <a:r>
-              <a:rPr lang="en-US" dirty="0" smtClean="0"/>
-              <a:t>Non-Database Data</a:t>
-            </a:r>
-            <a:endParaRPr lang="en-US" dirty="0"/>
-          </a:p>
-        </p:txBody>
-      </p:sp>
-      <p:sp>
-        <p:nvSpPr>
-          <p:cNvPr id="3" name="Content Placeholder 2"/>
-          <p:cNvSpPr>
-            <a:spLocks noGrp="1"/>
-          </p:cNvSpPr>
-          <p:nvPr>
-            <p:ph idx="1"/>
-          </p:nvPr>
-        </p:nvSpPr>
-        <p:spPr>
-          <a:xfrm>
-            <a:off x="250442" y="2753923"/>
-            <a:ext cx="3441664" cy="3636511"/>
-          </a:xfrm>
-        </p:spPr>
-        <p:txBody>
-          <a:bodyPr/>
-          <a:lstStyle/>
-          <a:p>
-            <a:r>
-              <a:rPr lang="en-US" sz="2800" dirty="0" smtClean="0"/>
-              <a:t> Most data was </a:t>
-            </a:r>
-          </a:p>
-          <a:p>
-            <a:pPr marL="0" indent="0">
-              <a:buNone/>
-            </a:pPr>
-            <a:r>
-              <a:rPr lang="en-US" sz="2800" dirty="0"/>
-              <a:t> </a:t>
-            </a:r>
-            <a:r>
-              <a:rPr lang="en-US" sz="2800" dirty="0" smtClean="0"/>
-              <a:t>    a </a:t>
-            </a:r>
-          </a:p>
-          <a:p>
-            <a:pPr marL="0" indent="0">
-              <a:buNone/>
-            </a:pPr>
-            <a:endParaRPr lang="en-US" sz="2000" dirty="0" smtClean="0"/>
-          </a:p>
-        </p:txBody>
-      </p:sp>
-    </p:spTree>
-    <p:extLst>
-      <p:ext uri="{BB962C8B-B14F-4D97-AF65-F5344CB8AC3E}">
-        <p14:creationId xmlns:p14="http://schemas.microsoft.com/office/powerpoint/2010/main" val="1122362679"/>
-      </p:ext>
-    </p:extLst>
-  </p:cSld>
-  <p:clrMapOvr>
-    <a:masterClrMapping/>
-  </p:clrMapOvr>
-  <p:timing>
-    <p:tnLst>
-      <p:par>
-        <p:cTn id="1" dur="indefinite" restart="never" nodeType="tmRoot"/>
-      </p:par>
-    </p:tnLst>
-  </p:timing>
-</p:sld>
-</file>
-
-<file path=ppt/slides/slide4.xml><?xml version="1.0" encoding="utf-8"?>
-<p:sld xmlns:a="http://schemas.openxmlformats.org/drawingml/2006/main" xmlns:r="http://schemas.openxmlformats.org/officeDocument/2006/relationships" xmlns:p="http://schemas.openxmlformats.org/presentationml/2006/main">
-  <p:cSld>
-    <p:spTree>
-      <p:nvGrpSpPr>
-        <p:cNvPr id="1" name=""/>
-        <p:cNvGrpSpPr/>
-        <p:nvPr/>
-      </p:nvGrpSpPr>
-      <p:grpSpPr>
-        <a:xfrm>
-          <a:off x="0" y="0"/>
-          <a:ext cx="0" cy="0"/>
-          <a:chOff x="0" y="0"/>
-          <a:chExt cx="0" cy="0"/>
-        </a:xfrm>
-      </p:grpSpPr>
-      <p:sp>
-        <p:nvSpPr>
-          <p:cNvPr id="2" name="Title 1"/>
-          <p:cNvSpPr>
-            <a:spLocks noGrp="1"/>
-          </p:cNvSpPr>
-          <p:nvPr>
-            <p:ph type="title"/>
-          </p:nvPr>
-        </p:nvSpPr>
-        <p:spPr/>
-        <p:txBody>
-          <a:bodyPr/>
-          <a:lstStyle/>
-          <a:p>
-            <a:r>
-              <a:rPr lang="en-US" dirty="0" smtClean="0"/>
-              <a:t>The Relational Database Way</a:t>
-            </a:r>
-            <a:endParaRPr lang="en-US" dirty="0"/>
-          </a:p>
-        </p:txBody>
-      </p:sp>
-      <p:sp>
-        <p:nvSpPr>
-          <p:cNvPr id="5" name="Content Placeholder 2"/>
-          <p:cNvSpPr>
-            <a:spLocks noGrp="1"/>
-          </p:cNvSpPr>
-          <p:nvPr>
-            <p:ph idx="1"/>
-          </p:nvPr>
-        </p:nvSpPr>
-        <p:spPr>
-          <a:xfrm>
-            <a:off x="250442" y="2753923"/>
-            <a:ext cx="3441664" cy="3636511"/>
-          </a:xfrm>
-        </p:spPr>
-        <p:txBody>
-          <a:bodyPr/>
-          <a:lstStyle/>
-          <a:p>
-            <a:r>
-              <a:rPr lang="en-US" sz="2800" dirty="0" smtClean="0"/>
-              <a:t> This is the same data, but organized using a relational database</a:t>
-            </a:r>
-          </a:p>
-          <a:p>
-            <a:pPr marL="0" indent="0">
-              <a:buNone/>
-            </a:pPr>
-            <a:endParaRPr lang="en-US" sz="2000" dirty="0" smtClean="0"/>
-          </a:p>
-        </p:txBody>
-      </p:sp>
-    </p:spTree>
-    <p:extLst>
-      <p:ext uri="{BB962C8B-B14F-4D97-AF65-F5344CB8AC3E}">
-        <p14:creationId xmlns:p14="http://schemas.microsoft.com/office/powerpoint/2010/main" val="863347242"/>
-      </p:ext>
-    </p:extLst>
-  </p:cSld>
-  <p:clrMapOvr>
-    <a:masterClrMapping/>
-  </p:clrMapOvr>
-  <p:timing>
-    <p:tnLst>
-      <p:par>
-        <p:cTn id="1" dur="indefinite" restart="never" nodeType="tmRoot"/>
-      </p:par>
-    </p:tnLst>
-  </p:timing>
-</p:sld>
-</file>
-
-<file path=ppt/slides/slide5.xml><?xml version="1.0" encoding="utf-8"?>
-<p:sld xmlns:a="http://schemas.openxmlformats.org/drawingml/2006/main" xmlns:r="http://schemas.openxmlformats.org/officeDocument/2006/relationships" xmlns:p="http://schemas.openxmlformats.org/presentationml/2006/main">
-  <p:cSld>
-    <p:spTree>
-      <p:nvGrpSpPr>
-        <p:cNvPr id="1" name=""/>
-        <p:cNvGrpSpPr/>
-        <p:nvPr/>
-      </p:nvGrpSpPr>
-      <p:grpSpPr>
-        <a:xfrm>
-          <a:off x="0" y="0"/>
-          <a:ext cx="0" cy="0"/>
-          <a:chOff x="0" y="0"/>
-          <a:chExt cx="0" cy="0"/>
-        </a:xfrm>
-      </p:grpSpPr>
-      <p:sp>
-        <p:nvSpPr>
-          <p:cNvPr id="2" name="Title 1"/>
-          <p:cNvSpPr>
-            <a:spLocks noGrp="1"/>
-          </p:cNvSpPr>
-          <p:nvPr>
-            <p:ph type="title"/>
-          </p:nvPr>
-        </p:nvSpPr>
-        <p:spPr/>
-        <p:txBody>
-          <a:bodyPr/>
-          <a:lstStyle/>
-          <a:p>
-            <a:r>
-              <a:rPr lang="en-US" dirty="0" smtClean="0"/>
-              <a:t>A Closer Look</a:t>
-            </a:r>
-            <a:endParaRPr lang="en-US" dirty="0"/>
-          </a:p>
-        </p:txBody>
-      </p:sp>
-      <p:sp>
-        <p:nvSpPr>
-          <p:cNvPr id="3" name="Content Placeholder 2"/>
-          <p:cNvSpPr>
-            <a:spLocks noGrp="1"/>
-          </p:cNvSpPr>
-          <p:nvPr>
-            <p:ph idx="1"/>
-          </p:nvPr>
-        </p:nvSpPr>
-        <p:spPr/>
-        <p:txBody>
-          <a:bodyPr/>
-          <a:lstStyle/>
-          <a:p>
-            <a:endParaRPr lang="en-US"/>
-          </a:p>
-        </p:txBody>
-      </p:sp>
-    </p:spTree>
-    <p:extLst>
-      <p:ext uri="{BB962C8B-B14F-4D97-AF65-F5344CB8AC3E}">
-        <p14:creationId xmlns:p14="http://schemas.microsoft.com/office/powerpoint/2010/main" val="3800716240"/>
-      </p:ext>
-    </p:extLst>
-  </p:cSld>
-  <p:clrMapOvr>
-    <a:masterClrMapping/>
-  </p:clrMapOvr>
-</p:sld>
-</file>
-
-<file path=ppt/slides/slide6.xml><?xml version="1.0" encoding="utf-8"?>
-<p:sld xmlns:a="http://schemas.openxmlformats.org/drawingml/2006/main" xmlns:r="http://schemas.openxmlformats.org/officeDocument/2006/relationships" xmlns:p="http://schemas.openxmlformats.org/presentationml/2006/main">
-  <p:cSld>
-    <p:spTree>
-      <p:nvGrpSpPr>
-        <p:cNvPr id="1" name=""/>
-        <p:cNvGrpSpPr/>
-        <p:nvPr/>
-      </p:nvGrpSpPr>
-      <p:grpSpPr>
-        <a:xfrm>
-          <a:off x="0" y="0"/>
-          <a:ext cx="0" cy="0"/>
-          <a:chOff x="0" y="0"/>
-          <a:chExt cx="0" cy="0"/>
-        </a:xfrm>
-      </p:grpSpPr>
-      <p:sp>
-        <p:nvSpPr>
-          <p:cNvPr id="2" name="Title 1"/>
-          <p:cNvSpPr>
-            <a:spLocks noGrp="1"/>
-          </p:cNvSpPr>
-          <p:nvPr>
-            <p:ph type="title"/>
-          </p:nvPr>
-        </p:nvSpPr>
-        <p:spPr/>
-        <p:txBody>
-          <a:bodyPr/>
-          <a:lstStyle/>
-          <a:p>
-            <a:r>
-              <a:rPr lang="en-US" dirty="0" smtClean="0"/>
-              <a:t>Fair and Balanced</a:t>
-            </a:r>
-            <a:endParaRPr lang="en-US" dirty="0"/>
-          </a:p>
-        </p:txBody>
-      </p:sp>
-      <p:sp>
-        <p:nvSpPr>
-          <p:cNvPr id="3" name="Content Placeholder 2"/>
-          <p:cNvSpPr>
-            <a:spLocks noGrp="1"/>
-          </p:cNvSpPr>
-          <p:nvPr>
-            <p:ph idx="1"/>
-          </p:nvPr>
-        </p:nvSpPr>
-        <p:spPr/>
-        <p:txBody>
-          <a:bodyPr/>
-          <a:lstStyle/>
-          <a:p>
-            <a:endParaRPr lang="en-US"/>
-          </a:p>
-        </p:txBody>
-      </p:sp>
-    </p:spTree>
-    <p:extLst>
-      <p:ext uri="{BB962C8B-B14F-4D97-AF65-F5344CB8AC3E}">
-        <p14:creationId xmlns:p14="http://schemas.microsoft.com/office/powerpoint/2010/main" val="274396566"/>
-      </p:ext>
-    </p:extLst>
-  </p:cSld>
-  <p:clrMapOvr>
-    <a:masterClrMapping/>
-  </p:clrMapOvr>
-</p:sld>
-</file>
-
-<file path=ppt/slides/slide7.xml><?xml version="1.0" encoding="utf-8"?>
-<p:sld xmlns:a="http://schemas.openxmlformats.org/drawingml/2006/main" xmlns:r="http://schemas.openxmlformats.org/officeDocument/2006/relationships" xmlns:p="http://schemas.openxmlformats.org/presentationml/2006/main">
-  <p:cSld>
-    <p:spTree>
-      <p:nvGrpSpPr>
-        <p:cNvPr id="1" name=""/>
-        <p:cNvGrpSpPr/>
-        <p:nvPr/>
-      </p:nvGrpSpPr>
-      <p:grpSpPr>
-        <a:xfrm>
-          <a:off x="0" y="0"/>
-          <a:ext cx="0" cy="0"/>
-          <a:chOff x="0" y="0"/>
-          <a:chExt cx="0" cy="0"/>
-        </a:xfrm>
-      </p:grpSpPr>
-      <p:sp>
-        <p:nvSpPr>
-          <p:cNvPr id="2" name="Title 1"/>
-          <p:cNvSpPr>
-            <a:spLocks noGrp="1"/>
-          </p:cNvSpPr>
-          <p:nvPr>
-            <p:ph type="title"/>
-          </p:nvPr>
-        </p:nvSpPr>
-        <p:spPr/>
-        <p:txBody>
-          <a:bodyPr/>
-          <a:lstStyle/>
-          <a:p>
-            <a:r>
-              <a:rPr lang="en-US" dirty="0" smtClean="0"/>
-              <a:t>SQL</a:t>
-            </a:r>
-            <a:endParaRPr lang="en-US" dirty="0"/>
-          </a:p>
-        </p:txBody>
-      </p:sp>
-      <p:sp>
-        <p:nvSpPr>
-          <p:cNvPr id="3" name="Content Placeholder 2"/>
-          <p:cNvSpPr>
-            <a:spLocks noGrp="1"/>
-          </p:cNvSpPr>
-          <p:nvPr>
-            <p:ph idx="1"/>
-          </p:nvPr>
-        </p:nvSpPr>
-        <p:spPr/>
-        <p:txBody>
-          <a:bodyPr/>
-          <a:lstStyle/>
-          <a:p>
-            <a:r>
-              <a:rPr lang="en-US" dirty="0" smtClean="0"/>
-              <a:t>SQL: </a:t>
-            </a:r>
-            <a:r>
-              <a:rPr lang="en-US" dirty="0"/>
-              <a:t>Structured Query </a:t>
-            </a:r>
-            <a:r>
-              <a:rPr lang="en-US" dirty="0" smtClean="0"/>
-              <a:t>Language</a:t>
-            </a:r>
-          </a:p>
-          <a:p>
-            <a:endParaRPr lang="en-US" dirty="0"/>
-          </a:p>
-          <a:p>
-            <a:r>
-              <a:rPr lang="en-US" dirty="0" smtClean="0"/>
-              <a:t>CRUD:</a:t>
-            </a:r>
-          </a:p>
-          <a:p>
-            <a:pPr marL="0" indent="0">
-              <a:buNone/>
-            </a:pPr>
-            <a:r>
-              <a:rPr lang="en-US" dirty="0" smtClean="0"/>
-              <a:t>									C: create (tables)</a:t>
-            </a:r>
-          </a:p>
-          <a:p>
-            <a:pPr marL="0" indent="0">
-              <a:buNone/>
-            </a:pPr>
-            <a:r>
-              <a:rPr lang="en-US" dirty="0" smtClean="0"/>
-              <a:t>									R: retrieve (data)</a:t>
-            </a:r>
-          </a:p>
-          <a:p>
-            <a:pPr marL="0" indent="0">
-              <a:buNone/>
-            </a:pPr>
-            <a:r>
-              <a:rPr lang="en-US" dirty="0" smtClean="0"/>
-              <a:t>									U: update (data)</a:t>
-            </a:r>
-          </a:p>
-          <a:p>
-            <a:pPr marL="0" indent="0">
-              <a:buNone/>
-            </a:pPr>
-            <a:r>
-              <a:rPr lang="en-US" dirty="0" smtClean="0"/>
-              <a:t>									D: delete</a:t>
-            </a:r>
-          </a:p>
-          <a:p>
-            <a:endParaRPr lang="en-US" dirty="0"/>
-          </a:p>
-        </p:txBody>
-      </p:sp>
-    </p:spTree>
-    <p:extLst>
-      <p:ext uri="{BB962C8B-B14F-4D97-AF65-F5344CB8AC3E}">
-        <p14:creationId xmlns:p14="http://schemas.microsoft.com/office/powerpoint/2010/main" val="3423406044"/>
-      </p:ext>
-    </p:extLst>
-  </p:cSld>
-  <p:clrMapOvr>
-    <a:masterClrMapping/>
-  </p:clrMapOvr>
-  <p:timing>
-    <p:tnLst>
-      <p:par>
-        <p:cTn id="1" dur="indefinite" restart="never" nodeType="tmRoot"/>
-      </p:par>
-    </p:tnLst>
-  </p:timing>
-</p:sld>
-</file>
-
-<file path=ppt/slides/slide8.xml><?xml version="1.0" encoding="utf-8"?>
 <p:sld xmlns:a="http://schemas.openxmlformats.org/drawingml/2006/main" xmlns:r="http://schemas.openxmlformats.org/officeDocument/2006/relationships" xmlns:p="http://schemas.openxmlformats.org/presentationml/2006/main">
   <p:cSld>
     <p:spTree>
@@ -10528,6 +9206,3999 @@
 </p:sld>
 </file>
 
+<file path=ppt/slides/slide15.xml><?xml version="1.0" encoding="utf-8"?>
+<p:sld xmlns:a="http://schemas.openxmlformats.org/drawingml/2006/main" xmlns:r="http://schemas.openxmlformats.org/officeDocument/2006/relationships" xmlns:p="http://schemas.openxmlformats.org/presentationml/2006/main">
+  <p:cSld>
+    <p:spTree>
+      <p:nvGrpSpPr>
+        <p:cNvPr id="1" name=""/>
+        <p:cNvGrpSpPr/>
+        <p:nvPr/>
+      </p:nvGrpSpPr>
+      <p:grpSpPr>
+        <a:xfrm>
+          <a:off x="0" y="0"/>
+          <a:ext cx="0" cy="0"/>
+          <a:chOff x="0" y="0"/>
+          <a:chExt cx="0" cy="0"/>
+        </a:xfrm>
+      </p:grpSpPr>
+      <p:sp>
+        <p:nvSpPr>
+          <p:cNvPr id="2" name="Title 1"/>
+          <p:cNvSpPr>
+            <a:spLocks noGrp="1"/>
+          </p:cNvSpPr>
+          <p:nvPr>
+            <p:ph type="title"/>
+          </p:nvPr>
+        </p:nvSpPr>
+        <p:spPr/>
+        <p:txBody>
+          <a:bodyPr/>
+          <a:lstStyle/>
+          <a:p>
+            <a:r>
+              <a:rPr lang="en-US" dirty="0" smtClean="0"/>
+              <a:t>Practice Creating Tables</a:t>
+            </a:r>
+            <a:endParaRPr lang="en-US" dirty="0"/>
+          </a:p>
+        </p:txBody>
+      </p:sp>
+      <p:sp>
+        <p:nvSpPr>
+          <p:cNvPr id="3" name="Text Placeholder 2"/>
+          <p:cNvSpPr>
+            <a:spLocks noGrp="1"/>
+          </p:cNvSpPr>
+          <p:nvPr>
+            <p:ph type="body" idx="1"/>
+          </p:nvPr>
+        </p:nvSpPr>
+        <p:spPr>
+          <a:xfrm>
+            <a:off x="0" y="2174875"/>
+            <a:ext cx="5189857" cy="576262"/>
+          </a:xfrm>
+        </p:spPr>
+        <p:txBody>
+          <a:bodyPr/>
+          <a:lstStyle/>
+          <a:p>
+            <a:r>
+              <a:rPr lang="en-US" dirty="0" smtClean="0"/>
+              <a:t>Song</a:t>
+            </a:r>
+            <a:endParaRPr lang="en-US" dirty="0"/>
+          </a:p>
+        </p:txBody>
+      </p:sp>
+      <p:sp>
+        <p:nvSpPr>
+          <p:cNvPr id="4" name="Content Placeholder 3"/>
+          <p:cNvSpPr>
+            <a:spLocks noGrp="1"/>
+          </p:cNvSpPr>
+          <p:nvPr>
+            <p:ph sz="half" idx="2"/>
+          </p:nvPr>
+        </p:nvSpPr>
+        <p:spPr>
+          <a:xfrm>
+            <a:off x="1" y="2828086"/>
+            <a:ext cx="5189856" cy="3109913"/>
+          </a:xfrm>
+        </p:spPr>
+        <p:txBody>
+          <a:bodyPr/>
+          <a:lstStyle/>
+          <a:p>
+            <a:endParaRPr lang="en-US" dirty="0"/>
+          </a:p>
+        </p:txBody>
+      </p:sp>
+      <p:sp>
+        <p:nvSpPr>
+          <p:cNvPr id="5" name="Text Placeholder 4"/>
+          <p:cNvSpPr>
+            <a:spLocks noGrp="1"/>
+          </p:cNvSpPr>
+          <p:nvPr>
+            <p:ph type="body" sz="quarter" idx="3"/>
+          </p:nvPr>
+        </p:nvSpPr>
+        <p:spPr>
+          <a:xfrm>
+            <a:off x="5189857" y="2213349"/>
+            <a:ext cx="5194583" cy="576262"/>
+          </a:xfrm>
+        </p:spPr>
+        <p:txBody>
+          <a:bodyPr/>
+          <a:lstStyle/>
+          <a:p>
+            <a:r>
+              <a:rPr lang="en-US" dirty="0" smtClean="0"/>
+              <a:t>Artist</a:t>
+            </a:r>
+            <a:endParaRPr lang="en-US" dirty="0"/>
+          </a:p>
+        </p:txBody>
+      </p:sp>
+      <p:sp>
+        <p:nvSpPr>
+          <p:cNvPr id="6" name="Content Placeholder 5"/>
+          <p:cNvSpPr>
+            <a:spLocks noGrp="1"/>
+          </p:cNvSpPr>
+          <p:nvPr>
+            <p:ph sz="quarter" idx="4"/>
+          </p:nvPr>
+        </p:nvSpPr>
+        <p:spPr>
+          <a:xfrm>
+            <a:off x="5189857" y="2828085"/>
+            <a:ext cx="5194583" cy="3109913"/>
+          </a:xfrm>
+        </p:spPr>
+        <p:txBody>
+          <a:bodyPr/>
+          <a:lstStyle/>
+          <a:p>
+            <a:endParaRPr lang="en-US" dirty="0"/>
+          </a:p>
+        </p:txBody>
+      </p:sp>
+    </p:spTree>
+    <p:extLst>
+      <p:ext uri="{BB962C8B-B14F-4D97-AF65-F5344CB8AC3E}">
+        <p14:creationId xmlns:p14="http://schemas.microsoft.com/office/powerpoint/2010/main" val="3314465066"/>
+      </p:ext>
+    </p:extLst>
+  </p:cSld>
+  <p:clrMapOvr>
+    <a:masterClrMapping/>
+  </p:clrMapOvr>
+  <p:timing>
+    <p:tnLst>
+      <p:par>
+        <p:cTn id="1" dur="indefinite" restart="never" nodeType="tmRoot"/>
+      </p:par>
+    </p:tnLst>
+  </p:timing>
+</p:sld>
+</file>
+
+<file path=ppt/slides/slide16.xml><?xml version="1.0" encoding="utf-8"?>
+<p:sld xmlns:a="http://schemas.openxmlformats.org/drawingml/2006/main" xmlns:r="http://schemas.openxmlformats.org/officeDocument/2006/relationships" xmlns:p="http://schemas.openxmlformats.org/presentationml/2006/main">
+  <p:cSld>
+    <p:spTree>
+      <p:nvGrpSpPr>
+        <p:cNvPr id="1" name=""/>
+        <p:cNvGrpSpPr/>
+        <p:nvPr/>
+      </p:nvGrpSpPr>
+      <p:grpSpPr>
+        <a:xfrm>
+          <a:off x="0" y="0"/>
+          <a:ext cx="0" cy="0"/>
+          <a:chOff x="0" y="0"/>
+          <a:chExt cx="0" cy="0"/>
+        </a:xfrm>
+      </p:grpSpPr>
+      <p:sp>
+        <p:nvSpPr>
+          <p:cNvPr id="2" name="Title 1"/>
+          <p:cNvSpPr>
+            <a:spLocks noGrp="1"/>
+          </p:cNvSpPr>
+          <p:nvPr>
+            <p:ph type="title"/>
+          </p:nvPr>
+        </p:nvSpPr>
+        <p:spPr/>
+        <p:txBody>
+          <a:bodyPr/>
+          <a:lstStyle/>
+          <a:p>
+            <a:r>
+              <a:rPr lang="en-US" dirty="0" smtClean="0"/>
+              <a:t>Retrieve/Read</a:t>
+            </a:r>
+            <a:endParaRPr lang="en-US" dirty="0"/>
+          </a:p>
+        </p:txBody>
+      </p:sp>
+      <p:sp>
+        <p:nvSpPr>
+          <p:cNvPr id="3" name="Content Placeholder 2"/>
+          <p:cNvSpPr>
+            <a:spLocks noGrp="1"/>
+          </p:cNvSpPr>
+          <p:nvPr>
+            <p:ph idx="1"/>
+          </p:nvPr>
+        </p:nvSpPr>
+        <p:spPr/>
+        <p:txBody>
+          <a:bodyPr/>
+          <a:lstStyle/>
+          <a:p>
+            <a:endParaRPr lang="en-US" dirty="0"/>
+          </a:p>
+        </p:txBody>
+      </p:sp>
+    </p:spTree>
+    <p:extLst>
+      <p:ext uri="{BB962C8B-B14F-4D97-AF65-F5344CB8AC3E}">
+        <p14:creationId xmlns:p14="http://schemas.microsoft.com/office/powerpoint/2010/main" val="3711139260"/>
+      </p:ext>
+    </p:extLst>
+  </p:cSld>
+  <p:clrMapOvr>
+    <a:masterClrMapping/>
+  </p:clrMapOvr>
+  <p:timing>
+    <p:tnLst>
+      <p:par>
+        <p:cTn id="1" dur="indefinite" restart="never" nodeType="tmRoot"/>
+      </p:par>
+    </p:tnLst>
+  </p:timing>
+</p:sld>
+</file>
+
+<file path=ppt/slides/slide17.xml><?xml version="1.0" encoding="utf-8"?>
+<p:sld xmlns:a="http://schemas.openxmlformats.org/drawingml/2006/main" xmlns:r="http://schemas.openxmlformats.org/officeDocument/2006/relationships" xmlns:p="http://schemas.openxmlformats.org/presentationml/2006/main">
+  <p:cSld>
+    <p:spTree>
+      <p:nvGrpSpPr>
+        <p:cNvPr id="1" name=""/>
+        <p:cNvGrpSpPr/>
+        <p:nvPr/>
+      </p:nvGrpSpPr>
+      <p:grpSpPr>
+        <a:xfrm>
+          <a:off x="0" y="0"/>
+          <a:ext cx="0" cy="0"/>
+          <a:chOff x="0" y="0"/>
+          <a:chExt cx="0" cy="0"/>
+        </a:xfrm>
+      </p:grpSpPr>
+      <p:sp>
+        <p:nvSpPr>
+          <p:cNvPr id="2" name="Title 1"/>
+          <p:cNvSpPr>
+            <a:spLocks noGrp="1"/>
+          </p:cNvSpPr>
+          <p:nvPr>
+            <p:ph type="title"/>
+          </p:nvPr>
+        </p:nvSpPr>
+        <p:spPr/>
+        <p:txBody>
+          <a:bodyPr/>
+          <a:lstStyle/>
+          <a:p>
+            <a:r>
+              <a:rPr lang="en-US" dirty="0" smtClean="0"/>
+              <a:t>Update</a:t>
+            </a:r>
+            <a:endParaRPr lang="en-US" dirty="0"/>
+          </a:p>
+        </p:txBody>
+      </p:sp>
+      <p:sp>
+        <p:nvSpPr>
+          <p:cNvPr id="3" name="Content Placeholder 2"/>
+          <p:cNvSpPr>
+            <a:spLocks noGrp="1"/>
+          </p:cNvSpPr>
+          <p:nvPr>
+            <p:ph idx="1"/>
+          </p:nvPr>
+        </p:nvSpPr>
+        <p:spPr/>
+        <p:txBody>
+          <a:bodyPr/>
+          <a:lstStyle/>
+          <a:p>
+            <a:endParaRPr lang="en-US"/>
+          </a:p>
+        </p:txBody>
+      </p:sp>
+    </p:spTree>
+    <p:extLst>
+      <p:ext uri="{BB962C8B-B14F-4D97-AF65-F5344CB8AC3E}">
+        <p14:creationId xmlns:p14="http://schemas.microsoft.com/office/powerpoint/2010/main" val="3839475506"/>
+      </p:ext>
+    </p:extLst>
+  </p:cSld>
+  <p:clrMapOvr>
+    <a:masterClrMapping/>
+  </p:clrMapOvr>
+  <p:timing>
+    <p:tnLst>
+      <p:par>
+        <p:cTn id="1" dur="indefinite" restart="never" nodeType="tmRoot"/>
+      </p:par>
+    </p:tnLst>
+  </p:timing>
+</p:sld>
+</file>
+
+<file path=ppt/slides/slide18.xml><?xml version="1.0" encoding="utf-8"?>
+<p:sld xmlns:a="http://schemas.openxmlformats.org/drawingml/2006/main" xmlns:r="http://schemas.openxmlformats.org/officeDocument/2006/relationships" xmlns:p="http://schemas.openxmlformats.org/presentationml/2006/main">
+  <p:cSld>
+    <p:spTree>
+      <p:nvGrpSpPr>
+        <p:cNvPr id="1" name=""/>
+        <p:cNvGrpSpPr/>
+        <p:nvPr/>
+      </p:nvGrpSpPr>
+      <p:grpSpPr>
+        <a:xfrm>
+          <a:off x="0" y="0"/>
+          <a:ext cx="0" cy="0"/>
+          <a:chOff x="0" y="0"/>
+          <a:chExt cx="0" cy="0"/>
+        </a:xfrm>
+      </p:grpSpPr>
+      <p:sp>
+        <p:nvSpPr>
+          <p:cNvPr id="2" name="Title 1"/>
+          <p:cNvSpPr>
+            <a:spLocks noGrp="1"/>
+          </p:cNvSpPr>
+          <p:nvPr>
+            <p:ph type="title"/>
+          </p:nvPr>
+        </p:nvSpPr>
+        <p:spPr/>
+        <p:txBody>
+          <a:bodyPr/>
+          <a:lstStyle/>
+          <a:p>
+            <a:r>
+              <a:rPr lang="en-US" dirty="0" smtClean="0"/>
+              <a:t>Delete</a:t>
+            </a:r>
+            <a:endParaRPr lang="en-US" dirty="0"/>
+          </a:p>
+        </p:txBody>
+      </p:sp>
+      <p:sp>
+        <p:nvSpPr>
+          <p:cNvPr id="3" name="Content Placeholder 2"/>
+          <p:cNvSpPr>
+            <a:spLocks noGrp="1"/>
+          </p:cNvSpPr>
+          <p:nvPr>
+            <p:ph idx="1"/>
+          </p:nvPr>
+        </p:nvSpPr>
+        <p:spPr/>
+        <p:txBody>
+          <a:bodyPr/>
+          <a:lstStyle/>
+          <a:p>
+            <a:endParaRPr lang="en-US"/>
+          </a:p>
+        </p:txBody>
+      </p:sp>
+    </p:spTree>
+    <p:extLst>
+      <p:ext uri="{BB962C8B-B14F-4D97-AF65-F5344CB8AC3E}">
+        <p14:creationId xmlns:p14="http://schemas.microsoft.com/office/powerpoint/2010/main" val="1069394999"/>
+      </p:ext>
+    </p:extLst>
+  </p:cSld>
+  <p:clrMapOvr>
+    <a:masterClrMapping/>
+  </p:clrMapOvr>
+  <p:timing>
+    <p:tnLst>
+      <p:par>
+        <p:cTn id="1" dur="indefinite" restart="never" nodeType="tmRoot"/>
+      </p:par>
+    </p:tnLst>
+  </p:timing>
+</p:sld>
+</file>
+
+<file path=ppt/slides/slide19.xml><?xml version="1.0" encoding="utf-8"?>
+<p:sld xmlns:a="http://schemas.openxmlformats.org/drawingml/2006/main" xmlns:r="http://schemas.openxmlformats.org/officeDocument/2006/relationships" xmlns:p="http://schemas.openxmlformats.org/presentationml/2006/main">
+  <p:cSld>
+    <p:spTree>
+      <p:nvGrpSpPr>
+        <p:cNvPr id="1" name=""/>
+        <p:cNvGrpSpPr/>
+        <p:nvPr/>
+      </p:nvGrpSpPr>
+      <p:grpSpPr>
+        <a:xfrm>
+          <a:off x="0" y="0"/>
+          <a:ext cx="0" cy="0"/>
+          <a:chOff x="0" y="0"/>
+          <a:chExt cx="0" cy="0"/>
+        </a:xfrm>
+      </p:grpSpPr>
+      <p:sp>
+        <p:nvSpPr>
+          <p:cNvPr id="2" name="Title 1"/>
+          <p:cNvSpPr>
+            <a:spLocks noGrp="1"/>
+          </p:cNvSpPr>
+          <p:nvPr>
+            <p:ph type="title"/>
+          </p:nvPr>
+        </p:nvSpPr>
+        <p:spPr/>
+        <p:txBody>
+          <a:bodyPr/>
+          <a:lstStyle/>
+          <a:p>
+            <a:r>
+              <a:rPr lang="en-US" dirty="0" smtClean="0"/>
+              <a:t>Join</a:t>
+            </a:r>
+            <a:endParaRPr lang="en-US" dirty="0"/>
+          </a:p>
+        </p:txBody>
+      </p:sp>
+      <p:sp>
+        <p:nvSpPr>
+          <p:cNvPr id="3" name="Content Placeholder 2"/>
+          <p:cNvSpPr>
+            <a:spLocks noGrp="1"/>
+          </p:cNvSpPr>
+          <p:nvPr>
+            <p:ph idx="1"/>
+          </p:nvPr>
+        </p:nvSpPr>
+        <p:spPr/>
+        <p:txBody>
+          <a:bodyPr/>
+          <a:lstStyle/>
+          <a:p>
+            <a:endParaRPr lang="en-US" dirty="0"/>
+          </a:p>
+        </p:txBody>
+      </p:sp>
+    </p:spTree>
+    <p:extLst>
+      <p:ext uri="{BB962C8B-B14F-4D97-AF65-F5344CB8AC3E}">
+        <p14:creationId xmlns:p14="http://schemas.microsoft.com/office/powerpoint/2010/main" val="500879669"/>
+      </p:ext>
+    </p:extLst>
+  </p:cSld>
+  <p:clrMapOvr>
+    <a:masterClrMapping/>
+  </p:clrMapOvr>
+  <p:timing>
+    <p:tnLst>
+      <p:par>
+        <p:cTn id="1" dur="indefinite" restart="never" nodeType="tmRoot"/>
+      </p:par>
+    </p:tnLst>
+  </p:timing>
+</p:sld>
+</file>
+
+<file path=ppt/slides/slide2.xml><?xml version="1.0" encoding="utf-8"?>
+<p:sld xmlns:a="http://schemas.openxmlformats.org/drawingml/2006/main" xmlns:r="http://schemas.openxmlformats.org/officeDocument/2006/relationships" xmlns:p="http://schemas.openxmlformats.org/presentationml/2006/main">
+  <p:cSld>
+    <p:spTree>
+      <p:nvGrpSpPr>
+        <p:cNvPr id="1" name=""/>
+        <p:cNvGrpSpPr/>
+        <p:nvPr/>
+      </p:nvGrpSpPr>
+      <p:grpSpPr>
+        <a:xfrm>
+          <a:off x="0" y="0"/>
+          <a:ext cx="0" cy="0"/>
+          <a:chOff x="0" y="0"/>
+          <a:chExt cx="0" cy="0"/>
+        </a:xfrm>
+      </p:grpSpPr>
+      <p:sp>
+        <p:nvSpPr>
+          <p:cNvPr id="2" name="Title 1"/>
+          <p:cNvSpPr>
+            <a:spLocks noGrp="1"/>
+          </p:cNvSpPr>
+          <p:nvPr>
+            <p:ph type="title"/>
+          </p:nvPr>
+        </p:nvSpPr>
+        <p:spPr/>
+        <p:txBody>
+          <a:bodyPr/>
+          <a:lstStyle/>
+          <a:p>
+            <a:r>
+              <a:rPr lang="en-US" dirty="0"/>
+              <a:t>Welcome</a:t>
+            </a:r>
+          </a:p>
+        </p:txBody>
+      </p:sp>
+      <p:sp>
+        <p:nvSpPr>
+          <p:cNvPr id="3" name="Content Placeholder 2"/>
+          <p:cNvSpPr>
+            <a:spLocks noGrp="1"/>
+          </p:cNvSpPr>
+          <p:nvPr>
+            <p:ph idx="1"/>
+          </p:nvPr>
+        </p:nvSpPr>
+        <p:spPr>
+          <a:xfrm>
+            <a:off x="818712" y="2222287"/>
+            <a:ext cx="10554574" cy="4436090"/>
+          </a:xfrm>
+        </p:spPr>
+        <p:txBody>
+          <a:bodyPr>
+            <a:normAutofit fontScale="85000" lnSpcReduction="20000"/>
+          </a:bodyPr>
+          <a:lstStyle/>
+          <a:p>
+            <a:pPr marL="0" indent="0" fontAlgn="base">
+              <a:buNone/>
+            </a:pPr>
+            <a:r>
+              <a:rPr lang="en-US" sz="3600" dirty="0"/>
+              <a:t>Girl Develop It is here to provide affordable and accessible programs to learn software through mentorship and hands-on instruction.</a:t>
+            </a:r>
+          </a:p>
+          <a:p>
+            <a:pPr marL="0" indent="0" fontAlgn="base">
+              <a:buNone/>
+            </a:pPr>
+            <a:endParaRPr lang="en-US" sz="3600" dirty="0"/>
+          </a:p>
+          <a:p>
+            <a:pPr marL="0" indent="0" fontAlgn="base">
+              <a:buNone/>
+            </a:pPr>
+            <a:r>
+              <a:rPr lang="en-US" sz="3600" dirty="0"/>
+              <a:t>Some "rules"</a:t>
+            </a:r>
+          </a:p>
+          <a:p>
+            <a:pPr lvl="1" fontAlgn="base"/>
+            <a:r>
+              <a:rPr lang="en-US" sz="3200" dirty="0"/>
+              <a:t>We are here for you!</a:t>
+            </a:r>
+          </a:p>
+          <a:p>
+            <a:pPr lvl="1" fontAlgn="base"/>
+            <a:r>
+              <a:rPr lang="en-US" sz="3200" dirty="0"/>
+              <a:t>Every question is important</a:t>
+            </a:r>
+          </a:p>
+          <a:p>
+            <a:pPr lvl="1" fontAlgn="base"/>
+            <a:r>
+              <a:rPr lang="en-US" sz="3200" dirty="0"/>
+              <a:t>Help each other</a:t>
+            </a:r>
+          </a:p>
+          <a:p>
+            <a:pPr lvl="1" fontAlgn="base"/>
+            <a:r>
+              <a:rPr lang="en-US" sz="3200" dirty="0"/>
+              <a:t>Have fun</a:t>
+            </a:r>
+          </a:p>
+        </p:txBody>
+      </p:sp>
+    </p:spTree>
+    <p:extLst>
+      <p:ext uri="{BB962C8B-B14F-4D97-AF65-F5344CB8AC3E}">
+        <p14:creationId xmlns:p14="http://schemas.microsoft.com/office/powerpoint/2010/main" val="2649534364"/>
+      </p:ext>
+    </p:extLst>
+  </p:cSld>
+  <p:clrMapOvr>
+    <a:masterClrMapping/>
+  </p:clrMapOvr>
+  <p:timing>
+    <p:tnLst>
+      <p:par>
+        <p:cTn id="1" dur="indefinite" restart="never" nodeType="tmRoot"/>
+      </p:par>
+    </p:tnLst>
+  </p:timing>
+</p:sld>
+</file>
+
+<file path=ppt/slides/slide20.xml><?xml version="1.0" encoding="utf-8"?>
+<p:sld xmlns:a="http://schemas.openxmlformats.org/drawingml/2006/main" xmlns:r="http://schemas.openxmlformats.org/officeDocument/2006/relationships" xmlns:p="http://schemas.openxmlformats.org/presentationml/2006/main">
+  <p:cSld>
+    <p:spTree>
+      <p:nvGrpSpPr>
+        <p:cNvPr id="1" name=""/>
+        <p:cNvGrpSpPr/>
+        <p:nvPr/>
+      </p:nvGrpSpPr>
+      <p:grpSpPr>
+        <a:xfrm>
+          <a:off x="0" y="0"/>
+          <a:ext cx="0" cy="0"/>
+          <a:chOff x="0" y="0"/>
+          <a:chExt cx="0" cy="0"/>
+        </a:xfrm>
+      </p:grpSpPr>
+      <p:sp>
+        <p:nvSpPr>
+          <p:cNvPr id="2" name="Title 1"/>
+          <p:cNvSpPr txBox="1">
+            <a:spLocks/>
+          </p:cNvSpPr>
+          <p:nvPr/>
+        </p:nvSpPr>
+        <p:spPr>
+          <a:xfrm>
+            <a:off x="810000" y="2951396"/>
+            <a:ext cx="10561418" cy="1468800"/>
+          </a:xfrm>
+          <a:prstGeom prst="rect">
+            <a:avLst/>
+          </a:prstGeom>
+        </p:spPr>
+        <p:txBody>
+          <a:bodyPr/>
+          <a:lstStyle>
+            <a:lvl1pPr algn="l" defTabSz="457200" rtl="0" eaLnBrk="1" latinLnBrk="0" hangingPunct="1">
+              <a:spcBef>
+                <a:spcPct val="0"/>
+              </a:spcBef>
+              <a:buNone/>
+              <a:defRPr sz="4000" b="1" kern="1200">
+                <a:solidFill>
+                  <a:srgbClr val="FEFEFE"/>
+                </a:solidFill>
+                <a:latin typeface="+mj-lt"/>
+                <a:ea typeface="+mj-ea"/>
+                <a:cs typeface="+mj-cs"/>
+              </a:defRPr>
+            </a:lvl1pPr>
+            <a:lvl2pPr eaLnBrk="1" hangingPunct="1">
+              <a:defRPr>
+                <a:solidFill>
+                  <a:schemeClr val="tx2"/>
+                </a:solidFill>
+              </a:defRPr>
+            </a:lvl2pPr>
+            <a:lvl3pPr eaLnBrk="1" hangingPunct="1">
+              <a:defRPr>
+                <a:solidFill>
+                  <a:schemeClr val="tx2"/>
+                </a:solidFill>
+              </a:defRPr>
+            </a:lvl3pPr>
+            <a:lvl4pPr eaLnBrk="1" hangingPunct="1">
+              <a:defRPr>
+                <a:solidFill>
+                  <a:schemeClr val="tx2"/>
+                </a:solidFill>
+              </a:defRPr>
+            </a:lvl4pPr>
+            <a:lvl5pPr eaLnBrk="1" hangingPunct="1">
+              <a:defRPr>
+                <a:solidFill>
+                  <a:schemeClr val="tx2"/>
+                </a:solidFill>
+              </a:defRPr>
+            </a:lvl5pPr>
+            <a:lvl6pPr eaLnBrk="1" hangingPunct="1">
+              <a:defRPr>
+                <a:solidFill>
+                  <a:schemeClr val="tx2"/>
+                </a:solidFill>
+              </a:defRPr>
+            </a:lvl6pPr>
+            <a:lvl7pPr eaLnBrk="1" hangingPunct="1">
+              <a:defRPr>
+                <a:solidFill>
+                  <a:schemeClr val="tx2"/>
+                </a:solidFill>
+              </a:defRPr>
+            </a:lvl7pPr>
+            <a:lvl8pPr eaLnBrk="1" hangingPunct="1">
+              <a:defRPr>
+                <a:solidFill>
+                  <a:schemeClr val="tx2"/>
+                </a:solidFill>
+              </a:defRPr>
+            </a:lvl8pPr>
+            <a:lvl9pPr eaLnBrk="1" hangingPunct="1">
+              <a:defRPr>
+                <a:solidFill>
+                  <a:schemeClr val="tx2"/>
+                </a:solidFill>
+              </a:defRPr>
+            </a:lvl9pPr>
+          </a:lstStyle>
+          <a:p>
+            <a:pPr algn="ctr"/>
+            <a:r>
+              <a:rPr lang="en-US" dirty="0" smtClean="0">
+                <a:solidFill>
+                  <a:schemeClr val="tx1"/>
+                </a:solidFill>
+              </a:rPr>
+              <a:t>Time for a break</a:t>
+            </a:r>
+            <a:endParaRPr lang="en-US" dirty="0">
+              <a:solidFill>
+                <a:schemeClr val="tx1"/>
+              </a:solidFill>
+            </a:endParaRPr>
+          </a:p>
+        </p:txBody>
+      </p:sp>
+    </p:spTree>
+    <p:extLst>
+      <p:ext uri="{BB962C8B-B14F-4D97-AF65-F5344CB8AC3E}">
+        <p14:creationId xmlns:p14="http://schemas.microsoft.com/office/powerpoint/2010/main" val="4141136810"/>
+      </p:ext>
+    </p:extLst>
+  </p:cSld>
+  <p:clrMapOvr>
+    <a:masterClrMapping/>
+  </p:clrMapOvr>
+  <p:timing>
+    <p:tnLst>
+      <p:par>
+        <p:cTn id="1" dur="indefinite" restart="never" nodeType="tmRoot"/>
+      </p:par>
+    </p:tnLst>
+  </p:timing>
+</p:sld>
+</file>
+
+<file path=ppt/slides/slide21.xml><?xml version="1.0" encoding="utf-8"?>
+<p:sld xmlns:a="http://schemas.openxmlformats.org/drawingml/2006/main" xmlns:r="http://schemas.openxmlformats.org/officeDocument/2006/relationships" xmlns:p="http://schemas.openxmlformats.org/presentationml/2006/main">
+  <p:cSld>
+    <p:spTree>
+      <p:nvGrpSpPr>
+        <p:cNvPr id="1" name=""/>
+        <p:cNvGrpSpPr/>
+        <p:nvPr/>
+      </p:nvGrpSpPr>
+      <p:grpSpPr>
+        <a:xfrm>
+          <a:off x="0" y="0"/>
+          <a:ext cx="0" cy="0"/>
+          <a:chOff x="0" y="0"/>
+          <a:chExt cx="0" cy="0"/>
+        </a:xfrm>
+      </p:grpSpPr>
+      <p:sp>
+        <p:nvSpPr>
+          <p:cNvPr id="2" name="Title 1"/>
+          <p:cNvSpPr>
+            <a:spLocks noGrp="1"/>
+          </p:cNvSpPr>
+          <p:nvPr>
+            <p:ph type="title"/>
+          </p:nvPr>
+        </p:nvSpPr>
+        <p:spPr/>
+        <p:txBody>
+          <a:bodyPr/>
+          <a:lstStyle/>
+          <a:p>
+            <a:r>
+              <a:rPr lang="en-US" dirty="0" smtClean="0"/>
+              <a:t>Client Data </a:t>
+            </a:r>
+            <a:endParaRPr lang="en-US" dirty="0"/>
+          </a:p>
+        </p:txBody>
+      </p:sp>
+      <p:sp>
+        <p:nvSpPr>
+          <p:cNvPr id="3" name="Content Placeholder 2"/>
+          <p:cNvSpPr>
+            <a:spLocks noGrp="1"/>
+          </p:cNvSpPr>
+          <p:nvPr>
+            <p:ph sz="half" idx="1"/>
+          </p:nvPr>
+        </p:nvSpPr>
+        <p:spPr/>
+        <p:txBody>
+          <a:bodyPr/>
+          <a:lstStyle/>
+          <a:p>
+            <a:endParaRPr lang="en-US"/>
+          </a:p>
+        </p:txBody>
+      </p:sp>
+      <p:sp>
+        <p:nvSpPr>
+          <p:cNvPr id="4" name="Content Placeholder 3"/>
+          <p:cNvSpPr>
+            <a:spLocks noGrp="1"/>
+          </p:cNvSpPr>
+          <p:nvPr>
+            <p:ph sz="half" idx="2"/>
+          </p:nvPr>
+        </p:nvSpPr>
+        <p:spPr/>
+        <p:txBody>
+          <a:bodyPr/>
+          <a:lstStyle/>
+          <a:p>
+            <a:endParaRPr lang="en-US"/>
+          </a:p>
+        </p:txBody>
+      </p:sp>
+    </p:spTree>
+    <p:extLst>
+      <p:ext uri="{BB962C8B-B14F-4D97-AF65-F5344CB8AC3E}">
+        <p14:creationId xmlns:p14="http://schemas.microsoft.com/office/powerpoint/2010/main" val="216648507"/>
+      </p:ext>
+    </p:extLst>
+  </p:cSld>
+  <p:clrMapOvr>
+    <a:masterClrMapping/>
+  </p:clrMapOvr>
+  <p:timing>
+    <p:tnLst>
+      <p:par>
+        <p:cTn id="1" dur="indefinite" restart="never" nodeType="tmRoot"/>
+      </p:par>
+    </p:tnLst>
+  </p:timing>
+</p:sld>
+</file>
+
+<file path=ppt/slides/slide22.xml><?xml version="1.0" encoding="utf-8"?>
+<p:sld xmlns:a="http://schemas.openxmlformats.org/drawingml/2006/main" xmlns:r="http://schemas.openxmlformats.org/officeDocument/2006/relationships" xmlns:p="http://schemas.openxmlformats.org/presentationml/2006/main">
+  <p:cSld>
+    <p:spTree>
+      <p:nvGrpSpPr>
+        <p:cNvPr id="1" name=""/>
+        <p:cNvGrpSpPr/>
+        <p:nvPr/>
+      </p:nvGrpSpPr>
+      <p:grpSpPr>
+        <a:xfrm>
+          <a:off x="0" y="0"/>
+          <a:ext cx="0" cy="0"/>
+          <a:chOff x="0" y="0"/>
+          <a:chExt cx="0" cy="0"/>
+        </a:xfrm>
+      </p:grpSpPr>
+      <p:sp>
+        <p:nvSpPr>
+          <p:cNvPr id="2" name="Title 1"/>
+          <p:cNvSpPr>
+            <a:spLocks noGrp="1"/>
+          </p:cNvSpPr>
+          <p:nvPr>
+            <p:ph type="title"/>
+          </p:nvPr>
+        </p:nvSpPr>
+        <p:spPr/>
+        <p:txBody>
+          <a:bodyPr/>
+          <a:lstStyle/>
+          <a:p>
+            <a:r>
+              <a:rPr lang="en-US" dirty="0" smtClean="0"/>
+              <a:t>Creating a Practice Client Database</a:t>
+            </a:r>
+            <a:endParaRPr lang="en-US" dirty="0"/>
+          </a:p>
+        </p:txBody>
+      </p:sp>
+      <p:sp>
+        <p:nvSpPr>
+          <p:cNvPr id="3" name="Content Placeholder 2"/>
+          <p:cNvSpPr>
+            <a:spLocks noGrp="1"/>
+          </p:cNvSpPr>
+          <p:nvPr>
+            <p:ph idx="1"/>
+          </p:nvPr>
+        </p:nvSpPr>
+        <p:spPr/>
+        <p:txBody>
+          <a:bodyPr/>
+          <a:lstStyle/>
+          <a:p>
+            <a:r>
+              <a:rPr lang="en-US" dirty="0" smtClean="0"/>
+              <a:t>Planning</a:t>
+            </a:r>
+          </a:p>
+          <a:p>
+            <a:pPr lvl="1"/>
+            <a:r>
+              <a:rPr lang="en-US" dirty="0" smtClean="0"/>
+              <a:t>Determining the tables, and how they will be created.</a:t>
+            </a:r>
+          </a:p>
+          <a:p>
+            <a:r>
+              <a:rPr lang="en-US" dirty="0" smtClean="0"/>
+              <a:t>Create the tables</a:t>
+            </a:r>
+          </a:p>
+          <a:p>
+            <a:r>
+              <a:rPr lang="en-US" dirty="0" smtClean="0"/>
+              <a:t>Add information</a:t>
+            </a:r>
+          </a:p>
+          <a:p>
+            <a:r>
+              <a:rPr lang="en-US" dirty="0" smtClean="0"/>
+              <a:t>Update information</a:t>
+            </a:r>
+          </a:p>
+          <a:p>
+            <a:r>
+              <a:rPr lang="en-US" dirty="0" smtClean="0"/>
+              <a:t>Query information</a:t>
+            </a:r>
+            <a:endParaRPr lang="en-US" dirty="0"/>
+          </a:p>
+        </p:txBody>
+      </p:sp>
+    </p:spTree>
+    <p:extLst>
+      <p:ext uri="{BB962C8B-B14F-4D97-AF65-F5344CB8AC3E}">
+        <p14:creationId xmlns:p14="http://schemas.microsoft.com/office/powerpoint/2010/main" val="541566726"/>
+      </p:ext>
+    </p:extLst>
+  </p:cSld>
+  <p:clrMapOvr>
+    <a:masterClrMapping/>
+  </p:clrMapOvr>
+  <p:timing>
+    <p:tnLst>
+      <p:par>
+        <p:cTn id="1" dur="indefinite" restart="never" nodeType="tmRoot"/>
+      </p:par>
+    </p:tnLst>
+  </p:timing>
+</p:sld>
+</file>
+
+<file path=ppt/slides/slide23.xml><?xml version="1.0" encoding="utf-8"?>
+<p:sld xmlns:a="http://schemas.openxmlformats.org/drawingml/2006/main" xmlns:r="http://schemas.openxmlformats.org/officeDocument/2006/relationships" xmlns:p="http://schemas.openxmlformats.org/presentationml/2006/main">
+  <p:cSld>
+    <p:spTree>
+      <p:nvGrpSpPr>
+        <p:cNvPr id="1" name=""/>
+        <p:cNvGrpSpPr/>
+        <p:nvPr/>
+      </p:nvGrpSpPr>
+      <p:grpSpPr>
+        <a:xfrm>
+          <a:off x="0" y="0"/>
+          <a:ext cx="0" cy="0"/>
+          <a:chOff x="0" y="0"/>
+          <a:chExt cx="0" cy="0"/>
+        </a:xfrm>
+      </p:grpSpPr>
+      <p:sp>
+        <p:nvSpPr>
+          <p:cNvPr id="2" name="Title 1"/>
+          <p:cNvSpPr>
+            <a:spLocks noGrp="1"/>
+          </p:cNvSpPr>
+          <p:nvPr>
+            <p:ph type="title"/>
+          </p:nvPr>
+        </p:nvSpPr>
+        <p:spPr/>
+        <p:txBody>
+          <a:bodyPr/>
+          <a:lstStyle/>
+          <a:p>
+            <a:r>
+              <a:rPr lang="en-US" dirty="0" smtClean="0"/>
+              <a:t>Planning</a:t>
+            </a:r>
+            <a:endParaRPr lang="en-US" dirty="0"/>
+          </a:p>
+        </p:txBody>
+      </p:sp>
+      <p:sp>
+        <p:nvSpPr>
+          <p:cNvPr id="3" name="Content Placeholder 2"/>
+          <p:cNvSpPr>
+            <a:spLocks noGrp="1"/>
+          </p:cNvSpPr>
+          <p:nvPr>
+            <p:ph sz="half" idx="1"/>
+          </p:nvPr>
+        </p:nvSpPr>
+        <p:spPr/>
+        <p:txBody>
+          <a:bodyPr/>
+          <a:lstStyle/>
+          <a:p>
+            <a:endParaRPr lang="en-US"/>
+          </a:p>
+        </p:txBody>
+      </p:sp>
+      <p:sp>
+        <p:nvSpPr>
+          <p:cNvPr id="4" name="Content Placeholder 3"/>
+          <p:cNvSpPr>
+            <a:spLocks noGrp="1"/>
+          </p:cNvSpPr>
+          <p:nvPr>
+            <p:ph sz="half" idx="2"/>
+          </p:nvPr>
+        </p:nvSpPr>
+        <p:spPr/>
+        <p:txBody>
+          <a:bodyPr/>
+          <a:lstStyle/>
+          <a:p>
+            <a:endParaRPr lang="en-US"/>
+          </a:p>
+        </p:txBody>
+      </p:sp>
+    </p:spTree>
+    <p:extLst>
+      <p:ext uri="{BB962C8B-B14F-4D97-AF65-F5344CB8AC3E}">
+        <p14:creationId xmlns:p14="http://schemas.microsoft.com/office/powerpoint/2010/main" val="2221896539"/>
+      </p:ext>
+    </p:extLst>
+  </p:cSld>
+  <p:clrMapOvr>
+    <a:masterClrMapping/>
+  </p:clrMapOvr>
+  <p:timing>
+    <p:tnLst>
+      <p:par>
+        <p:cTn id="1" dur="indefinite" restart="never" nodeType="tmRoot"/>
+      </p:par>
+    </p:tnLst>
+  </p:timing>
+</p:sld>
+</file>
+
+<file path=ppt/slides/slide24.xml><?xml version="1.0" encoding="utf-8"?>
+<p:sld xmlns:a="http://schemas.openxmlformats.org/drawingml/2006/main" xmlns:r="http://schemas.openxmlformats.org/officeDocument/2006/relationships" xmlns:p="http://schemas.openxmlformats.org/presentationml/2006/main">
+  <p:cSld>
+    <p:spTree>
+      <p:nvGrpSpPr>
+        <p:cNvPr id="1" name=""/>
+        <p:cNvGrpSpPr/>
+        <p:nvPr/>
+      </p:nvGrpSpPr>
+      <p:grpSpPr>
+        <a:xfrm>
+          <a:off x="0" y="0"/>
+          <a:ext cx="0" cy="0"/>
+          <a:chOff x="0" y="0"/>
+          <a:chExt cx="0" cy="0"/>
+        </a:xfrm>
+      </p:grpSpPr>
+      <p:sp>
+        <p:nvSpPr>
+          <p:cNvPr id="2" name="Title 1"/>
+          <p:cNvSpPr>
+            <a:spLocks noGrp="1"/>
+          </p:cNvSpPr>
+          <p:nvPr>
+            <p:ph type="title"/>
+          </p:nvPr>
+        </p:nvSpPr>
+        <p:spPr/>
+        <p:txBody>
+          <a:bodyPr/>
+          <a:lstStyle/>
+          <a:p>
+            <a:r>
+              <a:rPr lang="en-US" dirty="0"/>
+              <a:t>Create </a:t>
+            </a:r>
+            <a:r>
+              <a:rPr lang="en-US" dirty="0" smtClean="0"/>
+              <a:t>Example </a:t>
+            </a:r>
+            <a:r>
+              <a:rPr lang="en-US" dirty="0" smtClean="0"/>
+              <a:t>Tables</a:t>
+            </a:r>
+            <a:endParaRPr lang="en-US" dirty="0"/>
+          </a:p>
+        </p:txBody>
+      </p:sp>
+      <p:sp>
+        <p:nvSpPr>
+          <p:cNvPr id="5" name="Text Placeholder 4"/>
+          <p:cNvSpPr>
+            <a:spLocks noGrp="1"/>
+          </p:cNvSpPr>
+          <p:nvPr>
+            <p:ph type="body" idx="1"/>
+          </p:nvPr>
+        </p:nvSpPr>
+        <p:spPr>
+          <a:xfrm>
+            <a:off x="1138685" y="2348423"/>
+            <a:ext cx="2428804" cy="576262"/>
+          </a:xfrm>
+        </p:spPr>
+        <p:txBody>
+          <a:bodyPr/>
+          <a:lstStyle/>
+          <a:p>
+            <a:pPr algn="l"/>
+            <a:r>
+              <a:rPr lang="en-US" dirty="0" err="1" smtClean="0"/>
+              <a:t>Client_info</a:t>
+            </a:r>
+            <a:endParaRPr lang="en-US" dirty="0"/>
+          </a:p>
+        </p:txBody>
+      </p:sp>
+      <p:sp>
+        <p:nvSpPr>
+          <p:cNvPr id="3" name="Content Placeholder 2"/>
+          <p:cNvSpPr>
+            <a:spLocks noGrp="1"/>
+          </p:cNvSpPr>
+          <p:nvPr>
+            <p:ph sz="half" idx="2"/>
+          </p:nvPr>
+        </p:nvSpPr>
+        <p:spPr>
+          <a:xfrm>
+            <a:off x="1293961" y="2906415"/>
+            <a:ext cx="2428804" cy="3109913"/>
+          </a:xfrm>
+        </p:spPr>
+        <p:txBody>
+          <a:bodyPr/>
+          <a:lstStyle/>
+          <a:p>
+            <a:pPr marL="0" indent="0">
+              <a:buNone/>
+            </a:pPr>
+            <a:r>
+              <a:rPr lang="en-US" dirty="0"/>
+              <a:t>id</a:t>
+            </a:r>
+          </a:p>
+          <a:p>
+            <a:pPr marL="0" indent="0">
+              <a:buNone/>
+            </a:pPr>
+            <a:r>
+              <a:rPr lang="en-US" dirty="0" smtClean="0"/>
+              <a:t>Name</a:t>
+            </a:r>
+          </a:p>
+          <a:p>
+            <a:pPr marL="0" indent="0">
+              <a:buNone/>
+            </a:pPr>
+            <a:r>
+              <a:rPr lang="en-US" dirty="0" smtClean="0"/>
+              <a:t>Phone #</a:t>
+            </a:r>
+          </a:p>
+          <a:p>
+            <a:pPr marL="0" indent="0">
+              <a:buNone/>
+            </a:pPr>
+            <a:r>
+              <a:rPr lang="en-US" dirty="0" smtClean="0"/>
+              <a:t>Job title</a:t>
+            </a:r>
+          </a:p>
+          <a:p>
+            <a:pPr marL="0" indent="0">
+              <a:buNone/>
+            </a:pPr>
+            <a:r>
+              <a:rPr lang="en-US" dirty="0" err="1" smtClean="0"/>
+              <a:t>company_id</a:t>
+            </a:r>
+            <a:endParaRPr lang="en-US" dirty="0" smtClean="0"/>
+          </a:p>
+          <a:p>
+            <a:pPr marL="0" indent="0">
+              <a:buNone/>
+            </a:pPr>
+            <a:r>
+              <a:rPr lang="en-US" dirty="0" err="1" smtClean="0"/>
+              <a:t>serviceA_id</a:t>
+            </a:r>
+            <a:endParaRPr lang="en-US" dirty="0" smtClean="0"/>
+          </a:p>
+          <a:p>
+            <a:pPr marL="0" indent="0">
+              <a:buNone/>
+            </a:pPr>
+            <a:r>
+              <a:rPr lang="en-US" dirty="0" err="1" smtClean="0"/>
+              <a:t>service_id</a:t>
+            </a:r>
+            <a:endParaRPr lang="en-US" dirty="0"/>
+          </a:p>
+        </p:txBody>
+      </p:sp>
+      <p:sp>
+        <p:nvSpPr>
+          <p:cNvPr id="8" name="Text Placeholder 4"/>
+          <p:cNvSpPr txBox="1">
+            <a:spLocks/>
+          </p:cNvSpPr>
+          <p:nvPr/>
+        </p:nvSpPr>
+        <p:spPr>
+          <a:xfrm>
+            <a:off x="3620214" y="2345546"/>
+            <a:ext cx="2428804" cy="576262"/>
+          </a:xfrm>
+          <a:prstGeom prst="rect">
+            <a:avLst/>
+          </a:prstGeom>
+          <a:effectLst>
+            <a:outerShdw blurRad="50800" dir="14400000">
+              <a:srgbClr val="000000">
+                <a:alpha val="40000"/>
+              </a:srgbClr>
+            </a:outerShdw>
+          </a:effectLst>
+        </p:spPr>
+        <p:txBody>
+          <a:bodyPr vert="horz" lIns="91440" tIns="45720" rIns="91440" bIns="45720" rtlCol="0" anchor="b">
+            <a:noAutofit/>
+          </a:bodyPr>
+          <a:lstStyle>
+            <a:lvl1pPr marL="0" indent="0" algn="ctr" defTabSz="457200" rtl="0" eaLnBrk="1" latinLnBrk="0" hangingPunct="1">
+              <a:spcBef>
+                <a:spcPct val="20000"/>
+              </a:spcBef>
+              <a:spcAft>
+                <a:spcPts val="600"/>
+              </a:spcAft>
+              <a:buClr>
+                <a:schemeClr val="accent1"/>
+              </a:buClr>
+              <a:buFont typeface="Wingdings 2" charset="2"/>
+              <a:buNone/>
+              <a:defRPr sz="2000" b="0" kern="1200">
+                <a:solidFill>
+                  <a:schemeClr val="tx1"/>
+                </a:solidFill>
+                <a:latin typeface="+mn-lt"/>
+                <a:ea typeface="+mn-ea"/>
+                <a:cs typeface="+mn-cs"/>
+              </a:defRPr>
+            </a:lvl1pPr>
+            <a:lvl2pPr marL="457200" indent="0" algn="l" defTabSz="457200" rtl="0" eaLnBrk="1" latinLnBrk="0" hangingPunct="1">
+              <a:spcBef>
+                <a:spcPct val="20000"/>
+              </a:spcBef>
+              <a:spcAft>
+                <a:spcPts val="600"/>
+              </a:spcAft>
+              <a:buClr>
+                <a:schemeClr val="accent1"/>
+              </a:buClr>
+              <a:buFont typeface="Wingdings 2" charset="2"/>
+              <a:buNone/>
+              <a:defRPr sz="2000" b="1" kern="1200">
+                <a:solidFill>
+                  <a:schemeClr val="tx1"/>
+                </a:solidFill>
+                <a:latin typeface="+mn-lt"/>
+                <a:ea typeface="+mn-ea"/>
+                <a:cs typeface="+mn-cs"/>
+              </a:defRPr>
+            </a:lvl2pPr>
+            <a:lvl3pPr marL="914400" indent="0" algn="l" defTabSz="457200" rtl="0" eaLnBrk="1" latinLnBrk="0" hangingPunct="1">
+              <a:spcBef>
+                <a:spcPct val="20000"/>
+              </a:spcBef>
+              <a:spcAft>
+                <a:spcPts val="600"/>
+              </a:spcAft>
+              <a:buClr>
+                <a:schemeClr val="accent1"/>
+              </a:buClr>
+              <a:buFont typeface="Wingdings 2" charset="2"/>
+              <a:buNone/>
+              <a:defRPr sz="1800" b="1" kern="1200">
+                <a:solidFill>
+                  <a:schemeClr val="tx1"/>
+                </a:solidFill>
+                <a:latin typeface="+mn-lt"/>
+                <a:ea typeface="+mn-ea"/>
+                <a:cs typeface="+mn-cs"/>
+              </a:defRPr>
+            </a:lvl3pPr>
+            <a:lvl4pPr marL="1371600" indent="0" algn="l" defTabSz="457200" rtl="0" eaLnBrk="1" latinLnBrk="0" hangingPunct="1">
+              <a:spcBef>
+                <a:spcPct val="20000"/>
+              </a:spcBef>
+              <a:spcAft>
+                <a:spcPts val="600"/>
+              </a:spcAft>
+              <a:buClr>
+                <a:schemeClr val="accent1"/>
+              </a:buClr>
+              <a:buFont typeface="Wingdings 2" charset="2"/>
+              <a:buNone/>
+              <a:defRPr sz="1600" b="1" kern="1200">
+                <a:solidFill>
+                  <a:schemeClr val="tx1"/>
+                </a:solidFill>
+                <a:latin typeface="+mn-lt"/>
+                <a:ea typeface="+mn-ea"/>
+                <a:cs typeface="+mn-cs"/>
+              </a:defRPr>
+            </a:lvl4pPr>
+            <a:lvl5pPr marL="1828800" indent="0" algn="l" defTabSz="457200" rtl="0" eaLnBrk="1" latinLnBrk="0" hangingPunct="1">
+              <a:spcBef>
+                <a:spcPct val="20000"/>
+              </a:spcBef>
+              <a:spcAft>
+                <a:spcPts val="600"/>
+              </a:spcAft>
+              <a:buClr>
+                <a:schemeClr val="accent1"/>
+              </a:buClr>
+              <a:buFont typeface="Wingdings 2" charset="2"/>
+              <a:buNone/>
+              <a:defRPr sz="1600" b="1" kern="1200">
+                <a:solidFill>
+                  <a:schemeClr val="tx1"/>
+                </a:solidFill>
+                <a:latin typeface="+mn-lt"/>
+                <a:ea typeface="+mn-ea"/>
+                <a:cs typeface="+mn-cs"/>
+              </a:defRPr>
+            </a:lvl5pPr>
+            <a:lvl6pPr marL="2286000" indent="0" algn="l" defTabSz="457200" rtl="0" eaLnBrk="1" latinLnBrk="0" hangingPunct="1">
+              <a:spcBef>
+                <a:spcPct val="20000"/>
+              </a:spcBef>
+              <a:spcAft>
+                <a:spcPts val="600"/>
+              </a:spcAft>
+              <a:buClr>
+                <a:schemeClr val="accent1"/>
+              </a:buClr>
+              <a:buFont typeface="Wingdings 2" charset="2"/>
+              <a:buNone/>
+              <a:defRPr sz="1600" b="1" kern="1200">
+                <a:solidFill>
+                  <a:schemeClr val="tx1"/>
+                </a:solidFill>
+                <a:latin typeface="+mn-lt"/>
+                <a:ea typeface="+mn-ea"/>
+                <a:cs typeface="+mn-cs"/>
+              </a:defRPr>
+            </a:lvl6pPr>
+            <a:lvl7pPr marL="2743200" indent="0" algn="l" defTabSz="457200" rtl="0" eaLnBrk="1" latinLnBrk="0" hangingPunct="1">
+              <a:spcBef>
+                <a:spcPct val="20000"/>
+              </a:spcBef>
+              <a:spcAft>
+                <a:spcPts val="600"/>
+              </a:spcAft>
+              <a:buClr>
+                <a:schemeClr val="accent1"/>
+              </a:buClr>
+              <a:buFont typeface="Wingdings 2" charset="2"/>
+              <a:buNone/>
+              <a:defRPr sz="1600" b="1" kern="1200">
+                <a:solidFill>
+                  <a:schemeClr val="tx1"/>
+                </a:solidFill>
+                <a:latin typeface="+mn-lt"/>
+                <a:ea typeface="+mn-ea"/>
+                <a:cs typeface="+mn-cs"/>
+              </a:defRPr>
+            </a:lvl7pPr>
+            <a:lvl8pPr marL="3200400" indent="0" algn="l" defTabSz="457200" rtl="0" eaLnBrk="1" latinLnBrk="0" hangingPunct="1">
+              <a:spcBef>
+                <a:spcPct val="20000"/>
+              </a:spcBef>
+              <a:spcAft>
+                <a:spcPts val="600"/>
+              </a:spcAft>
+              <a:buClr>
+                <a:schemeClr val="accent1"/>
+              </a:buClr>
+              <a:buFont typeface="Wingdings 2" charset="2"/>
+              <a:buNone/>
+              <a:defRPr sz="1600" b="1" kern="1200">
+                <a:solidFill>
+                  <a:schemeClr val="tx1"/>
+                </a:solidFill>
+                <a:latin typeface="+mn-lt"/>
+                <a:ea typeface="+mn-ea"/>
+                <a:cs typeface="+mn-cs"/>
+              </a:defRPr>
+            </a:lvl8pPr>
+            <a:lvl9pPr marL="3657600" indent="0" algn="l" defTabSz="457200" rtl="0" eaLnBrk="1" latinLnBrk="0" hangingPunct="1">
+              <a:spcBef>
+                <a:spcPct val="20000"/>
+              </a:spcBef>
+              <a:spcAft>
+                <a:spcPts val="600"/>
+              </a:spcAft>
+              <a:buClr>
+                <a:schemeClr val="accent1"/>
+              </a:buClr>
+              <a:buFont typeface="Wingdings 2" charset="2"/>
+              <a:buNone/>
+              <a:defRPr sz="1600" b="1" kern="1200">
+                <a:solidFill>
+                  <a:schemeClr val="tx1"/>
+                </a:solidFill>
+                <a:latin typeface="+mn-lt"/>
+                <a:ea typeface="+mn-ea"/>
+                <a:cs typeface="+mn-cs"/>
+              </a:defRPr>
+            </a:lvl9pPr>
+          </a:lstStyle>
+          <a:p>
+            <a:r>
+              <a:rPr lang="en-US" dirty="0" err="1" smtClean="0"/>
+              <a:t>Company_info</a:t>
+            </a:r>
+            <a:endParaRPr lang="en-US" dirty="0"/>
+          </a:p>
+        </p:txBody>
+      </p:sp>
+      <p:sp>
+        <p:nvSpPr>
+          <p:cNvPr id="9" name="Content Placeholder 2"/>
+          <p:cNvSpPr txBox="1">
+            <a:spLocks/>
+          </p:cNvSpPr>
+          <p:nvPr/>
+        </p:nvSpPr>
+        <p:spPr>
+          <a:xfrm>
+            <a:off x="3775490" y="2903538"/>
+            <a:ext cx="2428804" cy="3109913"/>
+          </a:xfrm>
+          <a:prstGeom prst="rect">
+            <a:avLst/>
+          </a:prstGeom>
+          <a:effectLst>
+            <a:outerShdw blurRad="50800" dir="14400000">
+              <a:srgbClr val="000000">
+                <a:alpha val="40000"/>
+              </a:srgbClr>
+            </a:outerShdw>
+          </a:effectLst>
+        </p:spPr>
+        <p:txBody>
+          <a:bodyPr vert="horz" lIns="91440" tIns="45720" rIns="91440" bIns="45720" rtlCol="0" anchor="t">
+            <a:normAutofit/>
+          </a:bodyPr>
+          <a:lstStyle>
+            <a:lvl1pPr marL="342900" indent="-342900" algn="l" defTabSz="457200" rtl="0" eaLnBrk="1" latinLnBrk="0" hangingPunct="1">
+              <a:spcBef>
+                <a:spcPct val="20000"/>
+              </a:spcBef>
+              <a:spcAft>
+                <a:spcPts val="600"/>
+              </a:spcAft>
+              <a:buClr>
+                <a:schemeClr val="accent1"/>
+              </a:buClr>
+              <a:buFont typeface="Wingdings 2" charset="2"/>
+              <a:buChar char=""/>
+              <a:defRPr sz="1800" kern="1200">
+                <a:solidFill>
+                  <a:schemeClr val="tx1"/>
+                </a:solidFill>
+                <a:latin typeface="+mn-lt"/>
+                <a:ea typeface="+mn-ea"/>
+                <a:cs typeface="+mn-cs"/>
+              </a:defRPr>
+            </a:lvl1pPr>
+            <a:lvl2pPr marL="742950" indent="-285750" algn="l" defTabSz="457200" rtl="0" eaLnBrk="1" latinLnBrk="0" hangingPunct="1">
+              <a:spcBef>
+                <a:spcPct val="20000"/>
+              </a:spcBef>
+              <a:spcAft>
+                <a:spcPts val="600"/>
+              </a:spcAft>
+              <a:buClr>
+                <a:schemeClr val="accent1"/>
+              </a:buClr>
+              <a:buFont typeface="Wingdings 2" charset="2"/>
+              <a:buChar char=""/>
+              <a:defRPr sz="1600" kern="1200">
+                <a:solidFill>
+                  <a:schemeClr val="tx1"/>
+                </a:solidFill>
+                <a:latin typeface="+mn-lt"/>
+                <a:ea typeface="+mn-ea"/>
+                <a:cs typeface="+mn-cs"/>
+              </a:defRPr>
+            </a:lvl2pPr>
+            <a:lvl3pPr marL="1143000" indent="-228600" algn="l" defTabSz="457200" rtl="0" eaLnBrk="1" latinLnBrk="0" hangingPunct="1">
+              <a:spcBef>
+                <a:spcPct val="20000"/>
+              </a:spcBef>
+              <a:spcAft>
+                <a:spcPts val="600"/>
+              </a:spcAft>
+              <a:buClr>
+                <a:schemeClr val="accent1"/>
+              </a:buClr>
+              <a:buFont typeface="Wingdings 2" charset="2"/>
+              <a:buChar char=""/>
+              <a:defRPr sz="1400" kern="1200">
+                <a:solidFill>
+                  <a:schemeClr val="tx1"/>
+                </a:solidFill>
+                <a:latin typeface="+mn-lt"/>
+                <a:ea typeface="+mn-ea"/>
+                <a:cs typeface="+mn-cs"/>
+              </a:defRPr>
+            </a:lvl3pPr>
+            <a:lvl4pPr marL="1600200" indent="-228600" algn="l" defTabSz="457200" rtl="0" eaLnBrk="1" latinLnBrk="0" hangingPunct="1">
+              <a:spcBef>
+                <a:spcPct val="20000"/>
+              </a:spcBef>
+              <a:spcAft>
+                <a:spcPts val="600"/>
+              </a:spcAft>
+              <a:buClr>
+                <a:schemeClr val="accent1"/>
+              </a:buClr>
+              <a:buFont typeface="Wingdings 2" charset="2"/>
+              <a:buChar char=""/>
+              <a:defRPr sz="1200" kern="1200">
+                <a:solidFill>
+                  <a:schemeClr val="tx1"/>
+                </a:solidFill>
+                <a:latin typeface="+mn-lt"/>
+                <a:ea typeface="+mn-ea"/>
+                <a:cs typeface="+mn-cs"/>
+              </a:defRPr>
+            </a:lvl4pPr>
+            <a:lvl5pPr marL="2057400" indent="-228600" algn="l" defTabSz="457200" rtl="0" eaLnBrk="1" latinLnBrk="0" hangingPunct="1">
+              <a:spcBef>
+                <a:spcPct val="20000"/>
+              </a:spcBef>
+              <a:spcAft>
+                <a:spcPts val="600"/>
+              </a:spcAft>
+              <a:buClr>
+                <a:schemeClr val="accent1"/>
+              </a:buClr>
+              <a:buFont typeface="Wingdings 2" charset="2"/>
+              <a:buChar char=""/>
+              <a:defRPr sz="1200" kern="1200">
+                <a:solidFill>
+                  <a:schemeClr val="tx1"/>
+                </a:solidFill>
+                <a:latin typeface="+mn-lt"/>
+                <a:ea typeface="+mn-ea"/>
+                <a:cs typeface="+mn-cs"/>
+              </a:defRPr>
+            </a:lvl5pPr>
+            <a:lvl6pPr marL="2400000" indent="-228600" algn="l" defTabSz="457200" rtl="0" eaLnBrk="1" latinLnBrk="0" hangingPunct="1">
+              <a:spcBef>
+                <a:spcPct val="20000"/>
+              </a:spcBef>
+              <a:spcAft>
+                <a:spcPts val="600"/>
+              </a:spcAft>
+              <a:buClr>
+                <a:schemeClr val="accent1"/>
+              </a:buClr>
+              <a:buFont typeface="Wingdings 2" charset="2"/>
+              <a:buChar char=""/>
+              <a:defRPr sz="1200" kern="1200">
+                <a:solidFill>
+                  <a:schemeClr val="tx1"/>
+                </a:solidFill>
+                <a:latin typeface="+mn-lt"/>
+                <a:ea typeface="+mn-ea"/>
+                <a:cs typeface="+mn-cs"/>
+              </a:defRPr>
+            </a:lvl6pPr>
+            <a:lvl7pPr marL="2800000" indent="-228600" algn="l" defTabSz="457200" rtl="0" eaLnBrk="1" latinLnBrk="0" hangingPunct="1">
+              <a:spcBef>
+                <a:spcPct val="20000"/>
+              </a:spcBef>
+              <a:spcAft>
+                <a:spcPts val="600"/>
+              </a:spcAft>
+              <a:buClr>
+                <a:schemeClr val="accent1"/>
+              </a:buClr>
+              <a:buFont typeface="Wingdings 2" charset="2"/>
+              <a:buChar char=""/>
+              <a:defRPr sz="1200" kern="1200">
+                <a:solidFill>
+                  <a:schemeClr val="tx1"/>
+                </a:solidFill>
+                <a:latin typeface="+mn-lt"/>
+                <a:ea typeface="+mn-ea"/>
+                <a:cs typeface="+mn-cs"/>
+              </a:defRPr>
+            </a:lvl7pPr>
+            <a:lvl8pPr marL="3200000" indent="-228600" algn="l" defTabSz="457200" rtl="0" eaLnBrk="1" latinLnBrk="0" hangingPunct="1">
+              <a:spcBef>
+                <a:spcPct val="20000"/>
+              </a:spcBef>
+              <a:spcAft>
+                <a:spcPts val="600"/>
+              </a:spcAft>
+              <a:buClr>
+                <a:schemeClr val="accent1"/>
+              </a:buClr>
+              <a:buFont typeface="Wingdings 2" charset="2"/>
+              <a:buChar char=""/>
+              <a:defRPr sz="1200" kern="1200">
+                <a:solidFill>
+                  <a:schemeClr val="tx1"/>
+                </a:solidFill>
+                <a:latin typeface="+mn-lt"/>
+                <a:ea typeface="+mn-ea"/>
+                <a:cs typeface="+mn-cs"/>
+              </a:defRPr>
+            </a:lvl8pPr>
+            <a:lvl9pPr marL="3600000" indent="-228600" algn="l" defTabSz="457200" rtl="0" eaLnBrk="1" latinLnBrk="0" hangingPunct="1">
+              <a:spcBef>
+                <a:spcPct val="20000"/>
+              </a:spcBef>
+              <a:spcAft>
+                <a:spcPts val="600"/>
+              </a:spcAft>
+              <a:buClr>
+                <a:schemeClr val="accent1"/>
+              </a:buClr>
+              <a:buFont typeface="Wingdings 2" charset="2"/>
+              <a:buChar char=""/>
+              <a:defRPr sz="1200" kern="1200">
+                <a:solidFill>
+                  <a:schemeClr val="tx1"/>
+                </a:solidFill>
+                <a:latin typeface="+mn-lt"/>
+                <a:ea typeface="+mn-ea"/>
+                <a:cs typeface="+mn-cs"/>
+              </a:defRPr>
+            </a:lvl9pPr>
+          </a:lstStyle>
+          <a:p>
+            <a:pPr marL="0" indent="0">
+              <a:buNone/>
+            </a:pPr>
+            <a:r>
+              <a:rPr lang="en-US" dirty="0"/>
+              <a:t>id</a:t>
+            </a:r>
+          </a:p>
+          <a:p>
+            <a:pPr marL="0" indent="0">
+              <a:buFont typeface="Wingdings 2" charset="2"/>
+              <a:buNone/>
+            </a:pPr>
+            <a:r>
+              <a:rPr lang="en-US" dirty="0" smtClean="0"/>
+              <a:t>Name</a:t>
+            </a:r>
+          </a:p>
+          <a:p>
+            <a:pPr marL="0" indent="0">
+              <a:buFont typeface="Wingdings 2" charset="2"/>
+              <a:buNone/>
+            </a:pPr>
+            <a:r>
+              <a:rPr lang="en-US" dirty="0" smtClean="0"/>
+              <a:t>Phone #</a:t>
+            </a:r>
+          </a:p>
+          <a:p>
+            <a:pPr marL="0" indent="0">
+              <a:buFont typeface="Wingdings 2" charset="2"/>
+              <a:buNone/>
+            </a:pPr>
+            <a:r>
+              <a:rPr lang="en-US" dirty="0" smtClean="0"/>
+              <a:t>address</a:t>
+            </a:r>
+            <a:endParaRPr lang="en-US" dirty="0"/>
+          </a:p>
+        </p:txBody>
+      </p:sp>
+      <p:sp>
+        <p:nvSpPr>
+          <p:cNvPr id="10" name="Text Placeholder 4"/>
+          <p:cNvSpPr>
+            <a:spLocks noGrp="1"/>
+          </p:cNvSpPr>
+          <p:nvPr>
+            <p:ph type="body" idx="1"/>
+          </p:nvPr>
+        </p:nvSpPr>
+        <p:spPr>
+          <a:xfrm>
+            <a:off x="6359570" y="2352823"/>
+            <a:ext cx="1662994" cy="576262"/>
+          </a:xfrm>
+        </p:spPr>
+        <p:txBody>
+          <a:bodyPr/>
+          <a:lstStyle/>
+          <a:p>
+            <a:pPr algn="l"/>
+            <a:r>
+              <a:rPr lang="en-US" dirty="0" err="1" smtClean="0"/>
+              <a:t>Service_A</a:t>
+            </a:r>
+            <a:endParaRPr lang="en-US" dirty="0"/>
+          </a:p>
+        </p:txBody>
+      </p:sp>
+      <p:sp>
+        <p:nvSpPr>
+          <p:cNvPr id="11" name="Content Placeholder 2"/>
+          <p:cNvSpPr>
+            <a:spLocks noGrp="1"/>
+          </p:cNvSpPr>
+          <p:nvPr>
+            <p:ph sz="half" idx="2"/>
+          </p:nvPr>
+        </p:nvSpPr>
+        <p:spPr>
+          <a:xfrm>
+            <a:off x="6346164" y="2903538"/>
+            <a:ext cx="2428804" cy="3109913"/>
+          </a:xfrm>
+        </p:spPr>
+        <p:txBody>
+          <a:bodyPr/>
+          <a:lstStyle/>
+          <a:p>
+            <a:pPr marL="0" indent="0">
+              <a:buNone/>
+            </a:pPr>
+            <a:r>
+              <a:rPr lang="en-US" dirty="0" smtClean="0"/>
+              <a:t>id</a:t>
+            </a:r>
+          </a:p>
+          <a:p>
+            <a:pPr marL="0" indent="0">
+              <a:buNone/>
+            </a:pPr>
+            <a:r>
+              <a:rPr lang="en-US" dirty="0" smtClean="0"/>
+              <a:t>Cost</a:t>
+            </a:r>
+          </a:p>
+        </p:txBody>
+      </p:sp>
+      <p:sp>
+        <p:nvSpPr>
+          <p:cNvPr id="12" name="Content Placeholder 2"/>
+          <p:cNvSpPr>
+            <a:spLocks noGrp="1"/>
+          </p:cNvSpPr>
+          <p:nvPr>
+            <p:ph sz="half" idx="2"/>
+          </p:nvPr>
+        </p:nvSpPr>
+        <p:spPr>
+          <a:xfrm>
+            <a:off x="8465386" y="2921808"/>
+            <a:ext cx="2428804" cy="3109913"/>
+          </a:xfrm>
+        </p:spPr>
+        <p:txBody>
+          <a:bodyPr/>
+          <a:lstStyle/>
+          <a:p>
+            <a:pPr marL="0" indent="0">
+              <a:buNone/>
+            </a:pPr>
+            <a:r>
+              <a:rPr lang="en-US" dirty="0" smtClean="0"/>
+              <a:t>id</a:t>
+            </a:r>
+          </a:p>
+          <a:p>
+            <a:pPr marL="0" indent="0">
+              <a:buNone/>
+            </a:pPr>
+            <a:r>
+              <a:rPr lang="en-US" dirty="0" smtClean="0"/>
+              <a:t>Cost</a:t>
+            </a:r>
+          </a:p>
+        </p:txBody>
+      </p:sp>
+      <p:sp>
+        <p:nvSpPr>
+          <p:cNvPr id="13" name="Text Placeholder 4"/>
+          <p:cNvSpPr>
+            <a:spLocks noGrp="1"/>
+          </p:cNvSpPr>
+          <p:nvPr>
+            <p:ph type="body" idx="1"/>
+          </p:nvPr>
+        </p:nvSpPr>
+        <p:spPr>
+          <a:xfrm>
+            <a:off x="8206112" y="2352823"/>
+            <a:ext cx="1662994" cy="576262"/>
+          </a:xfrm>
+        </p:spPr>
+        <p:txBody>
+          <a:bodyPr/>
+          <a:lstStyle/>
+          <a:p>
+            <a:pPr algn="l"/>
+            <a:r>
+              <a:rPr lang="en-US" dirty="0" err="1" smtClean="0"/>
+              <a:t>Service_B</a:t>
+            </a:r>
+            <a:endParaRPr lang="en-US" dirty="0"/>
+          </a:p>
+        </p:txBody>
+      </p:sp>
+    </p:spTree>
+    <p:extLst>
+      <p:ext uri="{BB962C8B-B14F-4D97-AF65-F5344CB8AC3E}">
+        <p14:creationId xmlns:p14="http://schemas.microsoft.com/office/powerpoint/2010/main" val="3802024102"/>
+      </p:ext>
+    </p:extLst>
+  </p:cSld>
+  <p:clrMapOvr>
+    <a:masterClrMapping/>
+  </p:clrMapOvr>
+  <p:timing>
+    <p:tnLst>
+      <p:par>
+        <p:cTn id="1" dur="indefinite" restart="never" nodeType="tmRoot"/>
+      </p:par>
+    </p:tnLst>
+  </p:timing>
+</p:sld>
+</file>
+
+<file path=ppt/slides/slide25.xml><?xml version="1.0" encoding="utf-8"?>
+<p:sld xmlns:a="http://schemas.openxmlformats.org/drawingml/2006/main" xmlns:r="http://schemas.openxmlformats.org/officeDocument/2006/relationships" xmlns:p="http://schemas.openxmlformats.org/presentationml/2006/main">
+  <p:cSld>
+    <p:spTree>
+      <p:nvGrpSpPr>
+        <p:cNvPr id="1" name=""/>
+        <p:cNvGrpSpPr/>
+        <p:nvPr/>
+      </p:nvGrpSpPr>
+      <p:grpSpPr>
+        <a:xfrm>
+          <a:off x="0" y="0"/>
+          <a:ext cx="0" cy="0"/>
+          <a:chOff x="0" y="0"/>
+          <a:chExt cx="0" cy="0"/>
+        </a:xfrm>
+      </p:grpSpPr>
+      <p:sp>
+        <p:nvSpPr>
+          <p:cNvPr id="2" name="Title 1"/>
+          <p:cNvSpPr>
+            <a:spLocks noGrp="1"/>
+          </p:cNvSpPr>
+          <p:nvPr>
+            <p:ph type="title"/>
+          </p:nvPr>
+        </p:nvSpPr>
+        <p:spPr/>
+        <p:txBody>
+          <a:bodyPr/>
+          <a:lstStyle/>
+          <a:p>
+            <a:r>
+              <a:rPr lang="en-US" dirty="0" smtClean="0"/>
+              <a:t>Insert Information into the tables</a:t>
+            </a:r>
+            <a:endParaRPr lang="en-US" dirty="0"/>
+          </a:p>
+        </p:txBody>
+      </p:sp>
+      <p:sp>
+        <p:nvSpPr>
+          <p:cNvPr id="3" name="Content Placeholder 2"/>
+          <p:cNvSpPr>
+            <a:spLocks noGrp="1"/>
+          </p:cNvSpPr>
+          <p:nvPr>
+            <p:ph idx="1"/>
+          </p:nvPr>
+        </p:nvSpPr>
+        <p:spPr/>
+        <p:txBody>
+          <a:bodyPr/>
+          <a:lstStyle/>
+          <a:p>
+            <a:r>
+              <a:rPr lang="en-US" dirty="0" smtClean="0"/>
+              <a:t>Use the </a:t>
+            </a:r>
+            <a:endParaRPr lang="en-US" dirty="0"/>
+          </a:p>
+        </p:txBody>
+      </p:sp>
+    </p:spTree>
+    <p:extLst>
+      <p:ext uri="{BB962C8B-B14F-4D97-AF65-F5344CB8AC3E}">
+        <p14:creationId xmlns:p14="http://schemas.microsoft.com/office/powerpoint/2010/main" val="3794047903"/>
+      </p:ext>
+    </p:extLst>
+  </p:cSld>
+  <p:clrMapOvr>
+    <a:masterClrMapping/>
+  </p:clrMapOvr>
+</p:sld>
+</file>
+
+<file path=ppt/slides/slide26.xml><?xml version="1.0" encoding="utf-8"?>
+<p:sld xmlns:a="http://schemas.openxmlformats.org/drawingml/2006/main" xmlns:r="http://schemas.openxmlformats.org/officeDocument/2006/relationships" xmlns:p="http://schemas.openxmlformats.org/presentationml/2006/main">
+  <p:cSld>
+    <p:spTree>
+      <p:nvGrpSpPr>
+        <p:cNvPr id="1" name=""/>
+        <p:cNvGrpSpPr/>
+        <p:nvPr/>
+      </p:nvGrpSpPr>
+      <p:grpSpPr>
+        <a:xfrm>
+          <a:off x="0" y="0"/>
+          <a:ext cx="0" cy="0"/>
+          <a:chOff x="0" y="0"/>
+          <a:chExt cx="0" cy="0"/>
+        </a:xfrm>
+      </p:grpSpPr>
+      <p:sp>
+        <p:nvSpPr>
+          <p:cNvPr id="2" name="Title 1"/>
+          <p:cNvSpPr>
+            <a:spLocks noGrp="1"/>
+          </p:cNvSpPr>
+          <p:nvPr>
+            <p:ph type="title"/>
+          </p:nvPr>
+        </p:nvSpPr>
+        <p:spPr/>
+        <p:txBody>
+          <a:bodyPr/>
+          <a:lstStyle/>
+          <a:p>
+            <a:r>
+              <a:rPr lang="en-US" dirty="0" smtClean="0"/>
+              <a:t>Query the Data</a:t>
+            </a:r>
+            <a:endParaRPr lang="en-US" dirty="0"/>
+          </a:p>
+        </p:txBody>
+      </p:sp>
+      <p:sp>
+        <p:nvSpPr>
+          <p:cNvPr id="3" name="Content Placeholder 2"/>
+          <p:cNvSpPr>
+            <a:spLocks noGrp="1"/>
+          </p:cNvSpPr>
+          <p:nvPr>
+            <p:ph idx="1"/>
+          </p:nvPr>
+        </p:nvSpPr>
+        <p:spPr/>
+        <p:txBody>
+          <a:bodyPr/>
+          <a:lstStyle/>
+          <a:p>
+            <a:r>
+              <a:rPr lang="en-US" dirty="0" smtClean="0"/>
+              <a:t>Try selecting whole tables</a:t>
+            </a:r>
+          </a:p>
+          <a:p>
+            <a:r>
+              <a:rPr lang="en-US" dirty="0" smtClean="0"/>
+              <a:t>Selecting just the names in a few tables</a:t>
+            </a:r>
+          </a:p>
+          <a:p>
+            <a:r>
+              <a:rPr lang="en-US" dirty="0" smtClean="0"/>
+              <a:t>Try the join function</a:t>
+            </a:r>
+          </a:p>
+          <a:p>
+            <a:pPr lvl="1"/>
+            <a:r>
+              <a:rPr lang="en-US" dirty="0" smtClean="0"/>
+              <a:t>Find all the company names that used </a:t>
+            </a:r>
+            <a:r>
+              <a:rPr lang="en-US" dirty="0" err="1" smtClean="0"/>
+              <a:t>serviceA</a:t>
+            </a:r>
+            <a:endParaRPr lang="en-US" dirty="0" smtClean="0"/>
+          </a:p>
+          <a:p>
+            <a:pPr lvl="1"/>
+            <a:r>
+              <a:rPr lang="en-US" dirty="0" smtClean="0"/>
+              <a:t>Find the client names that used </a:t>
+            </a:r>
+            <a:r>
+              <a:rPr lang="en-US" dirty="0" err="1" smtClean="0"/>
+              <a:t>serviceB</a:t>
+            </a:r>
+            <a:r>
+              <a:rPr lang="en-US" dirty="0" smtClean="0"/>
+              <a:t> </a:t>
+            </a:r>
+            <a:endParaRPr lang="en-US" dirty="0"/>
+          </a:p>
+        </p:txBody>
+      </p:sp>
+    </p:spTree>
+    <p:extLst>
+      <p:ext uri="{BB962C8B-B14F-4D97-AF65-F5344CB8AC3E}">
+        <p14:creationId xmlns:p14="http://schemas.microsoft.com/office/powerpoint/2010/main" val="1959572592"/>
+      </p:ext>
+    </p:extLst>
+  </p:cSld>
+  <p:clrMapOvr>
+    <a:masterClrMapping/>
+  </p:clrMapOvr>
+</p:sld>
+</file>
+
+<file path=ppt/slides/slide27.xml><?xml version="1.0" encoding="utf-8"?>
+<p:sld xmlns:a="http://schemas.openxmlformats.org/drawingml/2006/main" xmlns:r="http://schemas.openxmlformats.org/officeDocument/2006/relationships" xmlns:p="http://schemas.openxmlformats.org/presentationml/2006/main">
+  <p:cSld>
+    <p:spTree>
+      <p:nvGrpSpPr>
+        <p:cNvPr id="1" name=""/>
+        <p:cNvGrpSpPr/>
+        <p:nvPr/>
+      </p:nvGrpSpPr>
+      <p:grpSpPr>
+        <a:xfrm>
+          <a:off x="0" y="0"/>
+          <a:ext cx="0" cy="0"/>
+          <a:chOff x="0" y="0"/>
+          <a:chExt cx="0" cy="0"/>
+        </a:xfrm>
+      </p:grpSpPr>
+      <p:sp>
+        <p:nvSpPr>
+          <p:cNvPr id="2" name="Title 1"/>
+          <p:cNvSpPr>
+            <a:spLocks noGrp="1"/>
+          </p:cNvSpPr>
+          <p:nvPr>
+            <p:ph type="title"/>
+          </p:nvPr>
+        </p:nvSpPr>
+        <p:spPr/>
+        <p:txBody>
+          <a:bodyPr/>
+          <a:lstStyle/>
+          <a:p>
+            <a:r>
+              <a:rPr lang="en-US" dirty="0" smtClean="0"/>
+              <a:t>Last Things</a:t>
+            </a:r>
+            <a:endParaRPr lang="en-US" dirty="0"/>
+          </a:p>
+        </p:txBody>
+      </p:sp>
+      <p:sp>
+        <p:nvSpPr>
+          <p:cNvPr id="3" name="Content Placeholder 2"/>
+          <p:cNvSpPr>
+            <a:spLocks noGrp="1"/>
+          </p:cNvSpPr>
+          <p:nvPr>
+            <p:ph idx="1"/>
+          </p:nvPr>
+        </p:nvSpPr>
+        <p:spPr/>
+        <p:txBody>
+          <a:bodyPr/>
+          <a:lstStyle/>
+          <a:p>
+            <a:endParaRPr lang="en-US" dirty="0" smtClean="0"/>
+          </a:p>
+          <a:p>
+            <a:r>
+              <a:rPr lang="en-US" dirty="0" smtClean="0"/>
+              <a:t>Thank you Digital Workshop for providing the space</a:t>
+            </a:r>
+          </a:p>
+          <a:p>
+            <a:r>
+              <a:rPr lang="en-US" dirty="0" smtClean="0"/>
+              <a:t>Thank you Sharon for being a TA!</a:t>
+            </a:r>
+          </a:p>
+          <a:p>
+            <a:r>
+              <a:rPr lang="en-US" dirty="0" smtClean="0"/>
+              <a:t>Thank YOU!</a:t>
+            </a:r>
+          </a:p>
+          <a:p>
+            <a:r>
+              <a:rPr lang="en-US" dirty="0" smtClean="0"/>
+              <a:t>*also, these slides are on my posted on my GitHub under</a:t>
+            </a:r>
+          </a:p>
+          <a:p>
+            <a:endParaRPr lang="en-US" dirty="0"/>
+          </a:p>
+        </p:txBody>
+      </p:sp>
+    </p:spTree>
+    <p:extLst>
+      <p:ext uri="{BB962C8B-B14F-4D97-AF65-F5344CB8AC3E}">
+        <p14:creationId xmlns:p14="http://schemas.microsoft.com/office/powerpoint/2010/main" val="3811184902"/>
+      </p:ext>
+    </p:extLst>
+  </p:cSld>
+  <p:clrMapOvr>
+    <a:masterClrMapping/>
+  </p:clrMapOvr>
+</p:sld>
+</file>
+
+<file path=ppt/slides/slide3.xml><?xml version="1.0" encoding="utf-8"?>
+<p:sld xmlns:a="http://schemas.openxmlformats.org/drawingml/2006/main" xmlns:r="http://schemas.openxmlformats.org/officeDocument/2006/relationships" xmlns:p="http://schemas.openxmlformats.org/presentationml/2006/main">
+  <p:cSld>
+    <p:spTree>
+      <p:nvGrpSpPr>
+        <p:cNvPr id="1" name=""/>
+        <p:cNvGrpSpPr/>
+        <p:nvPr/>
+      </p:nvGrpSpPr>
+      <p:grpSpPr>
+        <a:xfrm>
+          <a:off x="0" y="0"/>
+          <a:ext cx="0" cy="0"/>
+          <a:chOff x="0" y="0"/>
+          <a:chExt cx="0" cy="0"/>
+        </a:xfrm>
+      </p:grpSpPr>
+      <p:sp>
+        <p:nvSpPr>
+          <p:cNvPr id="2" name="Title 1"/>
+          <p:cNvSpPr>
+            <a:spLocks noGrp="1"/>
+          </p:cNvSpPr>
+          <p:nvPr>
+            <p:ph type="title"/>
+          </p:nvPr>
+        </p:nvSpPr>
+        <p:spPr/>
+        <p:txBody>
+          <a:bodyPr/>
+          <a:lstStyle/>
+          <a:p>
+            <a:r>
+              <a:rPr lang="en-US" dirty="0" smtClean="0"/>
+              <a:t>Background Information and Terms</a:t>
+            </a:r>
+            <a:endParaRPr lang="en-US" dirty="0"/>
+          </a:p>
+        </p:txBody>
+      </p:sp>
+      <p:sp>
+        <p:nvSpPr>
+          <p:cNvPr id="3" name="Content Placeholder 2"/>
+          <p:cNvSpPr>
+            <a:spLocks noGrp="1"/>
+          </p:cNvSpPr>
+          <p:nvPr>
+            <p:ph idx="1"/>
+          </p:nvPr>
+        </p:nvSpPr>
+        <p:spPr>
+          <a:xfrm>
+            <a:off x="818712" y="2222287"/>
+            <a:ext cx="10554574" cy="4116168"/>
+          </a:xfrm>
+        </p:spPr>
+        <p:txBody>
+          <a:bodyPr>
+            <a:normAutofit/>
+          </a:bodyPr>
+          <a:lstStyle/>
+          <a:p>
+            <a:r>
+              <a:rPr lang="en-US" sz="2000" dirty="0" smtClean="0"/>
+              <a:t>RDBMS: relational </a:t>
+            </a:r>
+            <a:r>
+              <a:rPr lang="en-US" sz="2000" dirty="0"/>
+              <a:t>database management </a:t>
+            </a:r>
+            <a:r>
+              <a:rPr lang="en-US" sz="2000" dirty="0" smtClean="0"/>
+              <a:t>system</a:t>
+            </a:r>
+          </a:p>
+          <a:p>
+            <a:pPr marL="0" indent="0">
+              <a:buNone/>
+            </a:pPr>
+            <a:r>
+              <a:rPr lang="en-US" sz="2000" dirty="0" smtClean="0"/>
+              <a:t> </a:t>
+            </a:r>
+            <a:endParaRPr lang="en-US" sz="2000" dirty="0"/>
+          </a:p>
+          <a:p>
+            <a:r>
+              <a:rPr lang="en-US" sz="2000" dirty="0" smtClean="0"/>
+              <a:t>First introduced by Oracle in the 1970’s</a:t>
+            </a:r>
+          </a:p>
+          <a:p>
+            <a:pPr marL="0" indent="0">
+              <a:buNone/>
+            </a:pPr>
+            <a:endParaRPr lang="en-US" sz="2000" dirty="0" smtClean="0"/>
+          </a:p>
+          <a:p>
+            <a:r>
+              <a:rPr lang="en-US" sz="2000" dirty="0" smtClean="0"/>
+              <a:t>SQL: Structured Query Language</a:t>
+            </a:r>
+          </a:p>
+          <a:p>
+            <a:pPr lvl="1"/>
+            <a:r>
+              <a:rPr lang="en-US" sz="1800" dirty="0" smtClean="0"/>
+              <a:t>Special purpose language for </a:t>
+            </a:r>
+            <a:r>
+              <a:rPr lang="en-US" sz="1800" dirty="0"/>
+              <a:t>managing data in a </a:t>
+            </a:r>
+            <a:r>
+              <a:rPr lang="en-US" sz="1800" dirty="0" smtClean="0"/>
+              <a:t>RDBMS</a:t>
+            </a:r>
+          </a:p>
+          <a:p>
+            <a:pPr lvl="1"/>
+            <a:r>
+              <a:rPr lang="en-US" sz="1800" dirty="0"/>
+              <a:t>Main language to manipulate data in database platforms</a:t>
+            </a:r>
+          </a:p>
+          <a:p>
+            <a:pPr lvl="1"/>
+            <a:r>
+              <a:rPr lang="en-US" sz="1800" dirty="0"/>
+              <a:t>SQL is an ANSI and ISO standard but there are different versions of </a:t>
+            </a:r>
+            <a:r>
+              <a:rPr lang="en-US" sz="1800" dirty="0" smtClean="0"/>
+              <a:t>SQL, but all versions support the major commands</a:t>
+            </a:r>
+          </a:p>
+        </p:txBody>
+      </p:sp>
+    </p:spTree>
+    <p:extLst>
+      <p:ext uri="{BB962C8B-B14F-4D97-AF65-F5344CB8AC3E}">
+        <p14:creationId xmlns:p14="http://schemas.microsoft.com/office/powerpoint/2010/main" val="2193813899"/>
+      </p:ext>
+    </p:extLst>
+  </p:cSld>
+  <p:clrMapOvr>
+    <a:masterClrMapping/>
+  </p:clrMapOvr>
+  <p:timing>
+    <p:tnLst>
+      <p:par>
+        <p:cTn id="1" dur="indefinite" restart="never" nodeType="tmRoot"/>
+      </p:par>
+    </p:tnLst>
+  </p:timing>
+</p:sld>
+</file>
+
+<file path=ppt/slides/slide4.xml><?xml version="1.0" encoding="utf-8"?>
+<p:sld xmlns:a="http://schemas.openxmlformats.org/drawingml/2006/main" xmlns:r="http://schemas.openxmlformats.org/officeDocument/2006/relationships" xmlns:p="http://schemas.openxmlformats.org/presentationml/2006/main">
+  <p:cSld>
+    <p:spTree>
+      <p:nvGrpSpPr>
+        <p:cNvPr id="1" name=""/>
+        <p:cNvGrpSpPr/>
+        <p:nvPr/>
+      </p:nvGrpSpPr>
+      <p:grpSpPr>
+        <a:xfrm>
+          <a:off x="0" y="0"/>
+          <a:ext cx="0" cy="0"/>
+          <a:chOff x="0" y="0"/>
+          <a:chExt cx="0" cy="0"/>
+        </a:xfrm>
+      </p:grpSpPr>
+      <p:sp>
+        <p:nvSpPr>
+          <p:cNvPr id="2" name="Title 1"/>
+          <p:cNvSpPr>
+            <a:spLocks noGrp="1"/>
+          </p:cNvSpPr>
+          <p:nvPr>
+            <p:ph type="title"/>
+          </p:nvPr>
+        </p:nvSpPr>
+        <p:spPr/>
+        <p:txBody>
+          <a:bodyPr/>
+          <a:lstStyle/>
+          <a:p>
+            <a:r>
+              <a:rPr lang="en-US" dirty="0" smtClean="0"/>
+              <a:t>How do RDBMS work:</a:t>
+            </a:r>
+            <a:endParaRPr lang="en-US" dirty="0"/>
+          </a:p>
+        </p:txBody>
+      </p:sp>
+      <p:sp>
+        <p:nvSpPr>
+          <p:cNvPr id="3" name="Content Placeholder 2"/>
+          <p:cNvSpPr>
+            <a:spLocks noGrp="1"/>
+          </p:cNvSpPr>
+          <p:nvPr>
+            <p:ph idx="1"/>
+          </p:nvPr>
+        </p:nvSpPr>
+        <p:spPr>
+          <a:xfrm>
+            <a:off x="250442" y="2753923"/>
+            <a:ext cx="3441664" cy="3636511"/>
+          </a:xfrm>
+        </p:spPr>
+        <p:txBody>
+          <a:bodyPr/>
+          <a:lstStyle/>
+          <a:p>
+            <a:r>
+              <a:rPr lang="en-US" sz="2800" dirty="0" smtClean="0"/>
+              <a:t> </a:t>
+            </a:r>
+            <a:r>
+              <a:rPr lang="en-US" sz="2800" dirty="0" smtClean="0"/>
+              <a:t>“Flat” data </a:t>
+            </a:r>
+            <a:endParaRPr lang="en-US" sz="2800" dirty="0" smtClean="0"/>
+          </a:p>
+          <a:p>
+            <a:pPr marL="0" indent="0">
+              <a:buNone/>
+            </a:pPr>
+            <a:endParaRPr lang="en-US" sz="2000" dirty="0" smtClean="0"/>
+          </a:p>
+        </p:txBody>
+      </p:sp>
+      <p:graphicFrame>
+        <p:nvGraphicFramePr>
+          <p:cNvPr id="6" name="Object 5"/>
+          <p:cNvGraphicFramePr>
+            <a:graphicFrameLocks noChangeAspect="1"/>
+          </p:cNvGraphicFramePr>
+          <p:nvPr>
+            <p:extLst>
+              <p:ext uri="{D42A27DB-BD31-4B8C-83A1-F6EECF244321}">
+                <p14:modId xmlns:p14="http://schemas.microsoft.com/office/powerpoint/2010/main" val="751414024"/>
+              </p:ext>
+            </p:extLst>
+          </p:nvPr>
+        </p:nvGraphicFramePr>
+        <p:xfrm>
+          <a:off x="3026541" y="3871881"/>
+          <a:ext cx="9023499" cy="1400594"/>
+        </p:xfrm>
+        <a:graphic>
+          <a:graphicData uri="http://schemas.openxmlformats.org/presentationml/2006/ole">
+            <mc:AlternateContent xmlns:mc="http://schemas.openxmlformats.org/markup-compatibility/2006">
+              <mc:Choice xmlns:v="urn:schemas-microsoft-com:vml" Requires="v">
+                <p:oleObj spid="_x0000_s2058" name="Worksheet" r:id="rId4" imgW="3743440" imgH="581068" progId="Excel.Sheet.12">
+                  <p:embed/>
+                </p:oleObj>
+              </mc:Choice>
+              <mc:Fallback>
+                <p:oleObj name="Worksheet" r:id="rId4" imgW="3743440" imgH="581068" progId="Excel.Sheet.12">
+                  <p:embed/>
+                  <p:pic>
+                    <p:nvPicPr>
+                      <p:cNvPr id="0" name=""/>
+                      <p:cNvPicPr/>
+                      <p:nvPr/>
+                    </p:nvPicPr>
+                    <p:blipFill>
+                      <a:blip r:embed="rId5"/>
+                      <a:stretch>
+                        <a:fillRect/>
+                      </a:stretch>
+                    </p:blipFill>
+                    <p:spPr>
+                      <a:xfrm>
+                        <a:off x="3026541" y="3871881"/>
+                        <a:ext cx="9023499" cy="1400594"/>
+                      </a:xfrm>
+                      <a:prstGeom prst="rect">
+                        <a:avLst/>
+                      </a:prstGeom>
+                    </p:spPr>
+                  </p:pic>
+                </p:oleObj>
+              </mc:Fallback>
+            </mc:AlternateContent>
+          </a:graphicData>
+        </a:graphic>
+      </p:graphicFrame>
+    </p:spTree>
+    <p:extLst>
+      <p:ext uri="{BB962C8B-B14F-4D97-AF65-F5344CB8AC3E}">
+        <p14:creationId xmlns:p14="http://schemas.microsoft.com/office/powerpoint/2010/main" val="1122362679"/>
+      </p:ext>
+    </p:extLst>
+  </p:cSld>
+  <p:clrMapOvr>
+    <a:masterClrMapping/>
+  </p:clrMapOvr>
+  <p:timing>
+    <p:tnLst>
+      <p:par>
+        <p:cTn id="1" dur="indefinite" restart="never" nodeType="tmRoot"/>
+      </p:par>
+    </p:tnLst>
+  </p:timing>
+</p:sld>
+</file>
+
+<file path=ppt/slides/slide5.xml><?xml version="1.0" encoding="utf-8"?>
+<p:sld xmlns:a="http://schemas.openxmlformats.org/drawingml/2006/main" xmlns:r="http://schemas.openxmlformats.org/officeDocument/2006/relationships" xmlns:p="http://schemas.openxmlformats.org/presentationml/2006/main">
+  <p:cSld>
+    <p:spTree>
+      <p:nvGrpSpPr>
+        <p:cNvPr id="1" name=""/>
+        <p:cNvGrpSpPr/>
+        <p:nvPr/>
+      </p:nvGrpSpPr>
+      <p:grpSpPr>
+        <a:xfrm>
+          <a:off x="0" y="0"/>
+          <a:ext cx="0" cy="0"/>
+          <a:chOff x="0" y="0"/>
+          <a:chExt cx="0" cy="0"/>
+        </a:xfrm>
+      </p:grpSpPr>
+      <p:sp>
+        <p:nvSpPr>
+          <p:cNvPr id="2" name="Title 1"/>
+          <p:cNvSpPr>
+            <a:spLocks noGrp="1"/>
+          </p:cNvSpPr>
+          <p:nvPr>
+            <p:ph type="title"/>
+          </p:nvPr>
+        </p:nvSpPr>
+        <p:spPr/>
+        <p:txBody>
+          <a:bodyPr/>
+          <a:lstStyle/>
+          <a:p>
+            <a:r>
+              <a:rPr lang="en-US" dirty="0"/>
+              <a:t>How do RDBMS work:</a:t>
+            </a:r>
+            <a:endParaRPr lang="en-US" dirty="0"/>
+          </a:p>
+        </p:txBody>
+      </p:sp>
+      <p:sp>
+        <p:nvSpPr>
+          <p:cNvPr id="5" name="Content Placeholder 2"/>
+          <p:cNvSpPr>
+            <a:spLocks noGrp="1"/>
+          </p:cNvSpPr>
+          <p:nvPr>
+            <p:ph idx="1"/>
+          </p:nvPr>
+        </p:nvSpPr>
+        <p:spPr>
+          <a:xfrm>
+            <a:off x="164178" y="1612326"/>
+            <a:ext cx="3441664" cy="3636511"/>
+          </a:xfrm>
+        </p:spPr>
+        <p:txBody>
+          <a:bodyPr/>
+          <a:lstStyle/>
+          <a:p>
+            <a:r>
+              <a:rPr lang="en-US" sz="2000" dirty="0" smtClean="0"/>
+              <a:t> This </a:t>
+            </a:r>
+            <a:r>
+              <a:rPr lang="en-US" sz="2000" dirty="0" smtClean="0"/>
+              <a:t>how a</a:t>
+            </a:r>
+            <a:r>
+              <a:rPr lang="en-US" sz="2000" dirty="0" smtClean="0"/>
+              <a:t> </a:t>
+            </a:r>
+            <a:r>
+              <a:rPr lang="en-US" sz="2000" dirty="0" smtClean="0"/>
+              <a:t>relational </a:t>
+            </a:r>
+            <a:r>
+              <a:rPr lang="en-US" sz="2000" dirty="0" smtClean="0"/>
+              <a:t>database is organized</a:t>
+            </a:r>
+            <a:endParaRPr lang="en-US" sz="2000" dirty="0" smtClean="0"/>
+          </a:p>
+          <a:p>
+            <a:pPr marL="0" indent="0">
+              <a:buNone/>
+            </a:pPr>
+            <a:endParaRPr lang="en-US" sz="2000" dirty="0" smtClean="0"/>
+          </a:p>
+        </p:txBody>
+      </p:sp>
+      <p:sp>
+        <p:nvSpPr>
+          <p:cNvPr id="3" name="TextBox 2"/>
+          <p:cNvSpPr txBox="1"/>
+          <p:nvPr/>
+        </p:nvSpPr>
+        <p:spPr>
+          <a:xfrm>
+            <a:off x="7660257" y="3674853"/>
+            <a:ext cx="1293962" cy="1754326"/>
+          </a:xfrm>
+          <a:prstGeom prst="rect">
+            <a:avLst/>
+          </a:prstGeom>
+          <a:noFill/>
+          <a:ln>
+            <a:solidFill>
+              <a:schemeClr val="tx1"/>
+            </a:solidFill>
+          </a:ln>
+        </p:spPr>
+        <p:txBody>
+          <a:bodyPr wrap="square" rtlCol="0">
+            <a:spAutoFit/>
+          </a:bodyPr>
+          <a:lstStyle/>
+          <a:p>
+            <a:r>
+              <a:rPr lang="en-US" u="sng" dirty="0" smtClean="0"/>
+              <a:t>Songs</a:t>
+            </a:r>
+          </a:p>
+          <a:p>
+            <a:r>
+              <a:rPr lang="en-US" dirty="0" smtClean="0"/>
+              <a:t>Id#</a:t>
+            </a:r>
+          </a:p>
+          <a:p>
+            <a:r>
+              <a:rPr lang="en-US" dirty="0" smtClean="0"/>
+              <a:t>Title</a:t>
+            </a:r>
+          </a:p>
+          <a:p>
+            <a:r>
+              <a:rPr lang="en-US" dirty="0" smtClean="0"/>
+              <a:t>Year</a:t>
+            </a:r>
+          </a:p>
+          <a:p>
+            <a:r>
+              <a:rPr lang="en-US" dirty="0" err="1" smtClean="0">
+                <a:solidFill>
+                  <a:srgbClr val="FF0000"/>
+                </a:solidFill>
+              </a:rPr>
+              <a:t>Artist_id</a:t>
+            </a:r>
+            <a:endParaRPr lang="en-US" dirty="0" smtClean="0">
+              <a:solidFill>
+                <a:srgbClr val="FF0000"/>
+              </a:solidFill>
+            </a:endParaRPr>
+          </a:p>
+          <a:p>
+            <a:r>
+              <a:rPr lang="en-US" dirty="0" err="1" smtClean="0">
+                <a:solidFill>
+                  <a:srgbClr val="FF0000"/>
+                </a:solidFill>
+              </a:rPr>
+              <a:t>Genre_id</a:t>
+            </a:r>
+            <a:endParaRPr lang="en-US" dirty="0" smtClean="0">
+              <a:solidFill>
+                <a:srgbClr val="FF0000"/>
+              </a:solidFill>
+            </a:endParaRPr>
+          </a:p>
+        </p:txBody>
+      </p:sp>
+      <p:sp>
+        <p:nvSpPr>
+          <p:cNvPr id="6" name="TextBox 5"/>
+          <p:cNvSpPr txBox="1"/>
+          <p:nvPr/>
+        </p:nvSpPr>
+        <p:spPr>
+          <a:xfrm>
+            <a:off x="10331569" y="2553418"/>
+            <a:ext cx="1293962" cy="923330"/>
+          </a:xfrm>
+          <a:prstGeom prst="rect">
+            <a:avLst/>
+          </a:prstGeom>
+          <a:noFill/>
+          <a:ln>
+            <a:solidFill>
+              <a:schemeClr val="tx1"/>
+            </a:solidFill>
+          </a:ln>
+        </p:spPr>
+        <p:txBody>
+          <a:bodyPr wrap="square" rtlCol="0">
+            <a:spAutoFit/>
+          </a:bodyPr>
+          <a:lstStyle/>
+          <a:p>
+            <a:r>
+              <a:rPr lang="en-US" u="sng" dirty="0" smtClean="0"/>
+              <a:t>Artist</a:t>
+            </a:r>
+          </a:p>
+          <a:p>
+            <a:r>
+              <a:rPr lang="en-US" dirty="0" smtClean="0"/>
+              <a:t>Id#</a:t>
+            </a:r>
+          </a:p>
+          <a:p>
+            <a:r>
+              <a:rPr lang="en-US" dirty="0" smtClean="0"/>
+              <a:t>Name</a:t>
+            </a:r>
+            <a:endParaRPr lang="en-US" dirty="0" smtClean="0">
+              <a:solidFill>
+                <a:srgbClr val="FF0000"/>
+              </a:solidFill>
+            </a:endParaRPr>
+          </a:p>
+        </p:txBody>
+      </p:sp>
+      <p:sp>
+        <p:nvSpPr>
+          <p:cNvPr id="7" name="TextBox 6"/>
+          <p:cNvSpPr txBox="1"/>
+          <p:nvPr/>
+        </p:nvSpPr>
+        <p:spPr>
+          <a:xfrm>
+            <a:off x="5674743" y="2751523"/>
+            <a:ext cx="1293962" cy="923330"/>
+          </a:xfrm>
+          <a:prstGeom prst="rect">
+            <a:avLst/>
+          </a:prstGeom>
+          <a:noFill/>
+          <a:ln>
+            <a:solidFill>
+              <a:schemeClr val="tx1"/>
+            </a:solidFill>
+          </a:ln>
+        </p:spPr>
+        <p:txBody>
+          <a:bodyPr wrap="square" rtlCol="0">
+            <a:spAutoFit/>
+          </a:bodyPr>
+          <a:lstStyle/>
+          <a:p>
+            <a:r>
+              <a:rPr lang="en-US" u="sng" dirty="0" smtClean="0"/>
+              <a:t>Genre</a:t>
+            </a:r>
+          </a:p>
+          <a:p>
+            <a:r>
+              <a:rPr lang="en-US" dirty="0" smtClean="0"/>
+              <a:t>Id#</a:t>
+            </a:r>
+          </a:p>
+          <a:p>
+            <a:r>
+              <a:rPr lang="en-US" dirty="0" smtClean="0"/>
+              <a:t>Name</a:t>
+            </a:r>
+            <a:endParaRPr lang="en-US" dirty="0" smtClean="0">
+              <a:solidFill>
+                <a:srgbClr val="FF0000"/>
+              </a:solidFill>
+            </a:endParaRPr>
+          </a:p>
+        </p:txBody>
+      </p:sp>
+      <p:cxnSp>
+        <p:nvCxnSpPr>
+          <p:cNvPr id="8" name="Straight Arrow Connector 7"/>
+          <p:cNvCxnSpPr>
+            <a:endCxn id="6" idx="1"/>
+          </p:cNvCxnSpPr>
+          <p:nvPr/>
+        </p:nvCxnSpPr>
+        <p:spPr>
+          <a:xfrm flipV="1">
+            <a:off x="8678174" y="3015083"/>
+            <a:ext cx="1653395" cy="1970985"/>
+          </a:xfrm>
+          <a:prstGeom prst="straightConnector1">
+            <a:avLst/>
+          </a:prstGeom>
+          <a:ln>
+            <a:tailEnd type="triangle"/>
+          </a:ln>
+        </p:spPr>
+        <p:style>
+          <a:lnRef idx="1">
+            <a:schemeClr val="accent1"/>
+          </a:lnRef>
+          <a:fillRef idx="0">
+            <a:schemeClr val="accent1"/>
+          </a:fillRef>
+          <a:effectRef idx="0">
+            <a:schemeClr val="accent1"/>
+          </a:effectRef>
+          <a:fontRef idx="minor">
+            <a:schemeClr val="tx1"/>
+          </a:fontRef>
+        </p:style>
+      </p:cxnSp>
+      <p:cxnSp>
+        <p:nvCxnSpPr>
+          <p:cNvPr id="10" name="Straight Arrow Connector 9"/>
+          <p:cNvCxnSpPr/>
+          <p:nvPr/>
+        </p:nvCxnSpPr>
+        <p:spPr>
+          <a:xfrm flipH="1" flipV="1">
+            <a:off x="6676845" y="3674853"/>
+            <a:ext cx="983412" cy="1573984"/>
+          </a:xfrm>
+          <a:prstGeom prst="straightConnector1">
+            <a:avLst/>
+          </a:prstGeom>
+          <a:ln>
+            <a:tailEnd type="triangle"/>
+          </a:ln>
+        </p:spPr>
+        <p:style>
+          <a:lnRef idx="1">
+            <a:schemeClr val="accent1"/>
+          </a:lnRef>
+          <a:fillRef idx="0">
+            <a:schemeClr val="accent1"/>
+          </a:fillRef>
+          <a:effectRef idx="0">
+            <a:schemeClr val="accent1"/>
+          </a:effectRef>
+          <a:fontRef idx="minor">
+            <a:schemeClr val="tx1"/>
+          </a:fontRef>
+        </p:style>
+      </p:cxnSp>
+    </p:spTree>
+    <p:extLst>
+      <p:ext uri="{BB962C8B-B14F-4D97-AF65-F5344CB8AC3E}">
+        <p14:creationId xmlns:p14="http://schemas.microsoft.com/office/powerpoint/2010/main" val="863347242"/>
+      </p:ext>
+    </p:extLst>
+  </p:cSld>
+  <p:clrMapOvr>
+    <a:masterClrMapping/>
+  </p:clrMapOvr>
+  <p:timing>
+    <p:tnLst>
+      <p:par>
+        <p:cTn id="1" dur="indefinite" restart="never" nodeType="tmRoot"/>
+      </p:par>
+    </p:tnLst>
+  </p:timing>
+</p:sld>
+</file>
+
+<file path=ppt/slides/slide6.xml><?xml version="1.0" encoding="utf-8"?>
+<p:sld xmlns:a="http://schemas.openxmlformats.org/drawingml/2006/main" xmlns:r="http://schemas.openxmlformats.org/officeDocument/2006/relationships" xmlns:p="http://schemas.openxmlformats.org/presentationml/2006/main">
+  <p:cSld>
+    <p:spTree>
+      <p:nvGrpSpPr>
+        <p:cNvPr id="1" name=""/>
+        <p:cNvGrpSpPr/>
+        <p:nvPr/>
+      </p:nvGrpSpPr>
+      <p:grpSpPr>
+        <a:xfrm>
+          <a:off x="0" y="0"/>
+          <a:ext cx="0" cy="0"/>
+          <a:chOff x="0" y="0"/>
+          <a:chExt cx="0" cy="0"/>
+        </a:xfrm>
+      </p:grpSpPr>
+      <p:sp>
+        <p:nvSpPr>
+          <p:cNvPr id="2" name="Title 1"/>
+          <p:cNvSpPr>
+            <a:spLocks noGrp="1"/>
+          </p:cNvSpPr>
+          <p:nvPr>
+            <p:ph type="title"/>
+          </p:nvPr>
+        </p:nvSpPr>
+        <p:spPr/>
+        <p:txBody>
+          <a:bodyPr/>
+          <a:lstStyle/>
+          <a:p>
+            <a:r>
+              <a:rPr lang="en-US" dirty="0" smtClean="0"/>
+              <a:t>A Closer </a:t>
+            </a:r>
+            <a:r>
+              <a:rPr lang="en-US" dirty="0" smtClean="0"/>
+              <a:t>Look at Tables</a:t>
+            </a:r>
+            <a:endParaRPr lang="en-US" dirty="0"/>
+          </a:p>
+        </p:txBody>
+      </p:sp>
+      <p:sp>
+        <p:nvSpPr>
+          <p:cNvPr id="4" name="TextBox 3"/>
+          <p:cNvSpPr txBox="1"/>
+          <p:nvPr/>
+        </p:nvSpPr>
+        <p:spPr>
+          <a:xfrm>
+            <a:off x="818712" y="2701714"/>
+            <a:ext cx="2035834" cy="2246769"/>
+          </a:xfrm>
+          <a:prstGeom prst="rect">
+            <a:avLst/>
+          </a:prstGeom>
+          <a:noFill/>
+          <a:ln>
+            <a:solidFill>
+              <a:schemeClr val="tx1"/>
+            </a:solidFill>
+          </a:ln>
+        </p:spPr>
+        <p:txBody>
+          <a:bodyPr wrap="square" rtlCol="0">
+            <a:spAutoFit/>
+          </a:bodyPr>
+          <a:lstStyle/>
+          <a:p>
+            <a:r>
+              <a:rPr lang="en-US" sz="2800" u="sng" dirty="0" smtClean="0"/>
+              <a:t>Songs</a:t>
+            </a:r>
+          </a:p>
+          <a:p>
+            <a:r>
+              <a:rPr lang="en-US" sz="2800" dirty="0" smtClean="0"/>
+              <a:t>Id#</a:t>
+            </a:r>
+          </a:p>
+          <a:p>
+            <a:r>
+              <a:rPr lang="en-US" sz="2800" dirty="0" smtClean="0"/>
+              <a:t>Title</a:t>
+            </a:r>
+          </a:p>
+          <a:p>
+            <a:r>
+              <a:rPr lang="en-US" sz="2800" dirty="0" err="1" smtClean="0">
+                <a:solidFill>
+                  <a:srgbClr val="FF0000"/>
+                </a:solidFill>
+              </a:rPr>
+              <a:t>Artist_id</a:t>
+            </a:r>
+            <a:endParaRPr lang="en-US" sz="2800" dirty="0" smtClean="0">
+              <a:solidFill>
+                <a:srgbClr val="FF0000"/>
+              </a:solidFill>
+            </a:endParaRPr>
+          </a:p>
+          <a:p>
+            <a:r>
+              <a:rPr lang="en-US" sz="2800" dirty="0" err="1" smtClean="0">
+                <a:solidFill>
+                  <a:srgbClr val="FF0000"/>
+                </a:solidFill>
+              </a:rPr>
+              <a:t>Genre_id</a:t>
+            </a:r>
+            <a:endParaRPr lang="en-US" sz="2800" dirty="0" smtClean="0">
+              <a:solidFill>
+                <a:srgbClr val="FF0000"/>
+              </a:solidFill>
+            </a:endParaRPr>
+          </a:p>
+        </p:txBody>
+      </p:sp>
+      <p:grpSp>
+        <p:nvGrpSpPr>
+          <p:cNvPr id="10" name="Group 9"/>
+          <p:cNvGrpSpPr/>
+          <p:nvPr/>
+        </p:nvGrpSpPr>
+        <p:grpSpPr>
+          <a:xfrm>
+            <a:off x="810000" y="2359907"/>
+            <a:ext cx="4590137" cy="883625"/>
+            <a:chOff x="810000" y="2359907"/>
+            <a:chExt cx="4590137" cy="883625"/>
+          </a:xfrm>
+        </p:grpSpPr>
+        <p:sp>
+          <p:nvSpPr>
+            <p:cNvPr id="5" name="TextBox 4"/>
+            <p:cNvSpPr txBox="1"/>
+            <p:nvPr/>
+          </p:nvSpPr>
+          <p:spPr>
+            <a:xfrm>
+              <a:off x="3847382" y="2359907"/>
+              <a:ext cx="1552755" cy="369332"/>
+            </a:xfrm>
+            <a:prstGeom prst="rect">
+              <a:avLst/>
+            </a:prstGeom>
+            <a:noFill/>
+          </p:spPr>
+          <p:txBody>
+            <a:bodyPr wrap="square" rtlCol="0">
+              <a:spAutoFit/>
+            </a:bodyPr>
+            <a:lstStyle/>
+            <a:p>
+              <a:r>
+                <a:rPr lang="en-US" dirty="0" smtClean="0"/>
+                <a:t>Table name</a:t>
+              </a:r>
+              <a:endParaRPr lang="en-US" dirty="0"/>
+            </a:p>
+          </p:txBody>
+        </p:sp>
+        <p:cxnSp>
+          <p:nvCxnSpPr>
+            <p:cNvPr id="7" name="Straight Arrow Connector 6"/>
+            <p:cNvCxnSpPr/>
+            <p:nvPr/>
+          </p:nvCxnSpPr>
+          <p:spPr>
+            <a:xfrm flipV="1">
+              <a:off x="2191109" y="2701714"/>
+              <a:ext cx="1535502" cy="265773"/>
+            </a:xfrm>
+            <a:prstGeom prst="straightConnector1">
+              <a:avLst/>
+            </a:prstGeom>
+            <a:ln>
+              <a:tailEnd type="triangle"/>
+            </a:ln>
+          </p:spPr>
+          <p:style>
+            <a:lnRef idx="1">
+              <a:schemeClr val="accent1"/>
+            </a:lnRef>
+            <a:fillRef idx="0">
+              <a:schemeClr val="accent1"/>
+            </a:fillRef>
+            <a:effectRef idx="0">
+              <a:schemeClr val="accent1"/>
+            </a:effectRef>
+            <a:fontRef idx="minor">
+              <a:schemeClr val="tx1"/>
+            </a:fontRef>
+          </p:style>
+        </p:cxnSp>
+        <p:sp>
+          <p:nvSpPr>
+            <p:cNvPr id="8" name="Rectangle 7"/>
+            <p:cNvSpPr/>
+            <p:nvPr/>
+          </p:nvSpPr>
+          <p:spPr>
+            <a:xfrm>
+              <a:off x="810000" y="2701714"/>
+              <a:ext cx="1467374" cy="541818"/>
+            </a:xfrm>
+            <a:prstGeom prst="rect">
+              <a:avLst/>
+            </a:prstGeom>
+            <a:noFill/>
+            <a:ln w="47625"/>
+          </p:spPr>
+          <p:style>
+            <a:lnRef idx="2">
+              <a:schemeClr val="accent1">
+                <a:shade val="50000"/>
+              </a:schemeClr>
+            </a:lnRef>
+            <a:fillRef idx="1">
+              <a:schemeClr val="accent1"/>
+            </a:fillRef>
+            <a:effectRef idx="0">
+              <a:schemeClr val="accent1"/>
+            </a:effectRef>
+            <a:fontRef idx="minor">
+              <a:schemeClr val="lt1"/>
+            </a:fontRef>
+          </p:style>
+          <p:txBody>
+            <a:bodyPr rtlCol="0" anchor="ctr"/>
+            <a:lstStyle/>
+            <a:p>
+              <a:pPr algn="ctr"/>
+              <a:endParaRPr lang="en-US"/>
+            </a:p>
+          </p:txBody>
+        </p:sp>
+      </p:grpSp>
+      <p:grpSp>
+        <p:nvGrpSpPr>
+          <p:cNvPr id="11" name="Group 10"/>
+          <p:cNvGrpSpPr/>
+          <p:nvPr/>
+        </p:nvGrpSpPr>
+        <p:grpSpPr>
+          <a:xfrm>
+            <a:off x="810000" y="2801719"/>
+            <a:ext cx="5849592" cy="883625"/>
+            <a:chOff x="810000" y="2359907"/>
+            <a:chExt cx="5849592" cy="883625"/>
+          </a:xfrm>
+        </p:grpSpPr>
+        <p:sp>
+          <p:nvSpPr>
+            <p:cNvPr id="12" name="TextBox 11"/>
+            <p:cNvSpPr txBox="1"/>
+            <p:nvPr/>
+          </p:nvSpPr>
+          <p:spPr>
+            <a:xfrm>
+              <a:off x="3847382" y="2359907"/>
+              <a:ext cx="2812210" cy="646331"/>
+            </a:xfrm>
+            <a:prstGeom prst="rect">
+              <a:avLst/>
+            </a:prstGeom>
+            <a:noFill/>
+          </p:spPr>
+          <p:txBody>
+            <a:bodyPr wrap="square" rtlCol="0">
+              <a:spAutoFit/>
+            </a:bodyPr>
+            <a:lstStyle/>
+            <a:p>
+              <a:r>
+                <a:rPr lang="en-US" dirty="0" smtClean="0"/>
+                <a:t>Table ID number/ Primary Key</a:t>
+              </a:r>
+              <a:endParaRPr lang="en-US" dirty="0"/>
+            </a:p>
+          </p:txBody>
+        </p:sp>
+        <p:cxnSp>
+          <p:nvCxnSpPr>
+            <p:cNvPr id="13" name="Straight Arrow Connector 12"/>
+            <p:cNvCxnSpPr/>
+            <p:nvPr/>
+          </p:nvCxnSpPr>
+          <p:spPr>
+            <a:xfrm flipV="1">
+              <a:off x="2191109" y="2701714"/>
+              <a:ext cx="1535502" cy="265773"/>
+            </a:xfrm>
+            <a:prstGeom prst="straightConnector1">
+              <a:avLst/>
+            </a:prstGeom>
+            <a:ln>
+              <a:tailEnd type="triangle"/>
+            </a:ln>
+          </p:spPr>
+          <p:style>
+            <a:lnRef idx="1">
+              <a:schemeClr val="accent1"/>
+            </a:lnRef>
+            <a:fillRef idx="0">
+              <a:schemeClr val="accent1"/>
+            </a:fillRef>
+            <a:effectRef idx="0">
+              <a:schemeClr val="accent1"/>
+            </a:effectRef>
+            <a:fontRef idx="minor">
+              <a:schemeClr val="tx1"/>
+            </a:fontRef>
+          </p:style>
+        </p:cxnSp>
+        <p:sp>
+          <p:nvSpPr>
+            <p:cNvPr id="14" name="Rectangle 13"/>
+            <p:cNvSpPr/>
+            <p:nvPr/>
+          </p:nvSpPr>
+          <p:spPr>
+            <a:xfrm>
+              <a:off x="810000" y="2701714"/>
+              <a:ext cx="1467374" cy="541818"/>
+            </a:xfrm>
+            <a:prstGeom prst="rect">
+              <a:avLst/>
+            </a:prstGeom>
+            <a:noFill/>
+            <a:ln w="47625"/>
+          </p:spPr>
+          <p:style>
+            <a:lnRef idx="2">
+              <a:schemeClr val="accent1">
+                <a:shade val="50000"/>
+              </a:schemeClr>
+            </a:lnRef>
+            <a:fillRef idx="1">
+              <a:schemeClr val="accent1"/>
+            </a:fillRef>
+            <a:effectRef idx="0">
+              <a:schemeClr val="accent1"/>
+            </a:effectRef>
+            <a:fontRef idx="minor">
+              <a:schemeClr val="lt1"/>
+            </a:fontRef>
+          </p:style>
+          <p:txBody>
+            <a:bodyPr rtlCol="0" anchor="ctr"/>
+            <a:lstStyle/>
+            <a:p>
+              <a:pPr algn="ctr"/>
+              <a:endParaRPr lang="en-US"/>
+            </a:p>
+          </p:txBody>
+        </p:sp>
+      </p:grpSp>
+      <p:grpSp>
+        <p:nvGrpSpPr>
+          <p:cNvPr id="15" name="Group 14"/>
+          <p:cNvGrpSpPr/>
+          <p:nvPr/>
+        </p:nvGrpSpPr>
+        <p:grpSpPr>
+          <a:xfrm>
+            <a:off x="818712" y="3564354"/>
+            <a:ext cx="5185273" cy="727438"/>
+            <a:chOff x="810000" y="2701714"/>
+            <a:chExt cx="5185273" cy="727438"/>
+          </a:xfrm>
+        </p:grpSpPr>
+        <p:sp>
+          <p:nvSpPr>
+            <p:cNvPr id="16" name="TextBox 15"/>
+            <p:cNvSpPr txBox="1"/>
+            <p:nvPr/>
+          </p:nvSpPr>
+          <p:spPr>
+            <a:xfrm>
+              <a:off x="3838670" y="2782821"/>
+              <a:ext cx="2156603" cy="646331"/>
+            </a:xfrm>
+            <a:prstGeom prst="rect">
+              <a:avLst/>
+            </a:prstGeom>
+            <a:noFill/>
+          </p:spPr>
+          <p:txBody>
+            <a:bodyPr wrap="square" rtlCol="0">
+              <a:spAutoFit/>
+            </a:bodyPr>
+            <a:lstStyle/>
+            <a:p>
+              <a:r>
+                <a:rPr lang="en-US" dirty="0" smtClean="0"/>
+                <a:t>Column names/ fields</a:t>
+              </a:r>
+              <a:endParaRPr lang="en-US" dirty="0"/>
+            </a:p>
+          </p:txBody>
+        </p:sp>
+        <p:cxnSp>
+          <p:nvCxnSpPr>
+            <p:cNvPr id="17" name="Straight Arrow Connector 16"/>
+            <p:cNvCxnSpPr/>
+            <p:nvPr/>
+          </p:nvCxnSpPr>
+          <p:spPr>
+            <a:xfrm flipV="1">
+              <a:off x="2268662" y="2995012"/>
+              <a:ext cx="1535502" cy="265773"/>
+            </a:xfrm>
+            <a:prstGeom prst="straightConnector1">
+              <a:avLst/>
+            </a:prstGeom>
+            <a:ln>
+              <a:tailEnd type="triangle"/>
+            </a:ln>
+          </p:spPr>
+          <p:style>
+            <a:lnRef idx="1">
+              <a:schemeClr val="accent1"/>
+            </a:lnRef>
+            <a:fillRef idx="0">
+              <a:schemeClr val="accent1"/>
+            </a:fillRef>
+            <a:effectRef idx="0">
+              <a:schemeClr val="accent1"/>
+            </a:effectRef>
+            <a:fontRef idx="minor">
+              <a:schemeClr val="tx1"/>
+            </a:fontRef>
+          </p:style>
+        </p:cxnSp>
+        <p:sp>
+          <p:nvSpPr>
+            <p:cNvPr id="18" name="Rectangle 17"/>
+            <p:cNvSpPr/>
+            <p:nvPr/>
+          </p:nvSpPr>
+          <p:spPr>
+            <a:xfrm>
+              <a:off x="810000" y="2701714"/>
+              <a:ext cx="1467374" cy="438081"/>
+            </a:xfrm>
+            <a:prstGeom prst="rect">
+              <a:avLst/>
+            </a:prstGeom>
+            <a:noFill/>
+            <a:ln w="47625"/>
+          </p:spPr>
+          <p:style>
+            <a:lnRef idx="2">
+              <a:schemeClr val="accent1">
+                <a:shade val="50000"/>
+              </a:schemeClr>
+            </a:lnRef>
+            <a:fillRef idx="1">
+              <a:schemeClr val="accent1"/>
+            </a:fillRef>
+            <a:effectRef idx="0">
+              <a:schemeClr val="accent1"/>
+            </a:effectRef>
+            <a:fontRef idx="minor">
+              <a:schemeClr val="lt1"/>
+            </a:fontRef>
+          </p:style>
+          <p:txBody>
+            <a:bodyPr rtlCol="0" anchor="ctr"/>
+            <a:lstStyle/>
+            <a:p>
+              <a:pPr algn="ctr"/>
+              <a:endParaRPr lang="en-US"/>
+            </a:p>
+          </p:txBody>
+        </p:sp>
+      </p:grpSp>
+      <p:grpSp>
+        <p:nvGrpSpPr>
+          <p:cNvPr id="19" name="Group 18"/>
+          <p:cNvGrpSpPr/>
+          <p:nvPr/>
+        </p:nvGrpSpPr>
+        <p:grpSpPr>
+          <a:xfrm>
+            <a:off x="792748" y="4013315"/>
+            <a:ext cx="5029445" cy="1122219"/>
+            <a:chOff x="810000" y="2701713"/>
+            <a:chExt cx="5029445" cy="1122219"/>
+          </a:xfrm>
+        </p:grpSpPr>
+        <p:sp>
+          <p:nvSpPr>
+            <p:cNvPr id="20" name="TextBox 19"/>
+            <p:cNvSpPr txBox="1"/>
+            <p:nvPr/>
+          </p:nvSpPr>
+          <p:spPr>
+            <a:xfrm>
+              <a:off x="4286690" y="3177601"/>
+              <a:ext cx="1552755" cy="646331"/>
+            </a:xfrm>
+            <a:prstGeom prst="rect">
+              <a:avLst/>
+            </a:prstGeom>
+            <a:noFill/>
+          </p:spPr>
+          <p:txBody>
+            <a:bodyPr wrap="square" rtlCol="0">
+              <a:spAutoFit/>
+            </a:bodyPr>
+            <a:lstStyle/>
+            <a:p>
+              <a:r>
+                <a:rPr lang="en-US" dirty="0" smtClean="0"/>
+                <a:t>Foreign Keys</a:t>
+              </a:r>
+              <a:endParaRPr lang="en-US" dirty="0"/>
+            </a:p>
+          </p:txBody>
+        </p:sp>
+        <p:cxnSp>
+          <p:nvCxnSpPr>
+            <p:cNvPr id="21" name="Straight Arrow Connector 20"/>
+            <p:cNvCxnSpPr/>
+            <p:nvPr/>
+          </p:nvCxnSpPr>
+          <p:spPr>
+            <a:xfrm>
+              <a:off x="2540080" y="3350013"/>
+              <a:ext cx="1595249" cy="70511"/>
+            </a:xfrm>
+            <a:prstGeom prst="straightConnector1">
+              <a:avLst/>
+            </a:prstGeom>
+            <a:ln>
+              <a:tailEnd type="triangle"/>
+            </a:ln>
+          </p:spPr>
+          <p:style>
+            <a:lnRef idx="1">
+              <a:schemeClr val="accent1"/>
+            </a:lnRef>
+            <a:fillRef idx="0">
+              <a:schemeClr val="accent1"/>
+            </a:fillRef>
+            <a:effectRef idx="0">
+              <a:schemeClr val="accent1"/>
+            </a:effectRef>
+            <a:fontRef idx="minor">
+              <a:schemeClr val="tx1"/>
+            </a:fontRef>
+          </p:style>
+        </p:cxnSp>
+        <p:sp>
+          <p:nvSpPr>
+            <p:cNvPr id="22" name="Rectangle 21"/>
+            <p:cNvSpPr/>
+            <p:nvPr/>
+          </p:nvSpPr>
+          <p:spPr>
+            <a:xfrm>
+              <a:off x="810000" y="2701713"/>
+              <a:ext cx="1874410" cy="973525"/>
+            </a:xfrm>
+            <a:prstGeom prst="rect">
+              <a:avLst/>
+            </a:prstGeom>
+            <a:noFill/>
+            <a:ln w="47625"/>
+          </p:spPr>
+          <p:style>
+            <a:lnRef idx="2">
+              <a:schemeClr val="accent1">
+                <a:shade val="50000"/>
+              </a:schemeClr>
+            </a:lnRef>
+            <a:fillRef idx="1">
+              <a:schemeClr val="accent1"/>
+            </a:fillRef>
+            <a:effectRef idx="0">
+              <a:schemeClr val="accent1"/>
+            </a:effectRef>
+            <a:fontRef idx="minor">
+              <a:schemeClr val="lt1"/>
+            </a:fontRef>
+          </p:style>
+          <p:txBody>
+            <a:bodyPr rtlCol="0" anchor="ctr"/>
+            <a:lstStyle/>
+            <a:p>
+              <a:pPr algn="ctr"/>
+              <a:endParaRPr lang="en-US"/>
+            </a:p>
+          </p:txBody>
+        </p:sp>
+      </p:grpSp>
+    </p:spTree>
+    <p:extLst>
+      <p:ext uri="{BB962C8B-B14F-4D97-AF65-F5344CB8AC3E}">
+        <p14:creationId xmlns:p14="http://schemas.microsoft.com/office/powerpoint/2010/main" val="3800716240"/>
+      </p:ext>
+    </p:extLst>
+  </p:cSld>
+  <p:clrMapOvr>
+    <a:masterClrMapping/>
+  </p:clrMapOvr>
+  <p:timing>
+    <p:tnLst>
+      <p:par>
+        <p:cTn id="1" dur="indefinite" restart="never" nodeType="tmRoot">
+          <p:childTnLst>
+            <p:seq concurrent="1" nextAc="seek">
+              <p:cTn id="2" dur="indefinite" nodeType="mainSeq">
+                <p:childTnLst>
+                  <p:par>
+                    <p:cTn id="3" fill="hold">
+                      <p:stCondLst>
+                        <p:cond delay="indefinite"/>
+                      </p:stCondLst>
+                      <p:childTnLst>
+                        <p:par>
+                          <p:cTn id="4" fill="hold">
+                            <p:stCondLst>
+                              <p:cond delay="0"/>
+                            </p:stCondLst>
+                            <p:childTnLst>
+                              <p:par>
+                                <p:cTn id="5" presetID="1" presetClass="exit" presetSubtype="0" fill="hold" nodeType="clickEffect">
+                                  <p:stCondLst>
+                                    <p:cond delay="0"/>
+                                  </p:stCondLst>
+                                  <p:childTnLst>
+                                    <p:set>
+                                      <p:cBhvr>
+                                        <p:cTn id="6" dur="1" fill="hold">
+                                          <p:stCondLst>
+                                            <p:cond delay="0"/>
+                                          </p:stCondLst>
+                                        </p:cTn>
+                                        <p:tgtEl>
+                                          <p:spTgt spid="10"/>
+                                        </p:tgtEl>
+                                        <p:attrNameLst>
+                                          <p:attrName>style.visibility</p:attrName>
+                                        </p:attrNameLst>
+                                      </p:cBhvr>
+                                      <p:to>
+                                        <p:strVal val="hidden"/>
+                                      </p:to>
+                                    </p:set>
+                                  </p:childTnLst>
+                                </p:cTn>
+                              </p:par>
+                            </p:childTnLst>
+                          </p:cTn>
+                        </p:par>
+                      </p:childTnLst>
+                    </p:cTn>
+                  </p:par>
+                  <p:par>
+                    <p:cTn id="7" fill="hold">
+                      <p:stCondLst>
+                        <p:cond delay="indefinite"/>
+                      </p:stCondLst>
+                      <p:childTnLst>
+                        <p:par>
+                          <p:cTn id="8" fill="hold">
+                            <p:stCondLst>
+                              <p:cond delay="0"/>
+                            </p:stCondLst>
+                            <p:childTnLst>
+                              <p:par>
+                                <p:cTn id="9" presetID="1" presetClass="exit" presetSubtype="0" fill="hold" nodeType="clickEffect">
+                                  <p:stCondLst>
+                                    <p:cond delay="0"/>
+                                  </p:stCondLst>
+                                  <p:childTnLst>
+                                    <p:set>
+                                      <p:cBhvr>
+                                        <p:cTn id="10" dur="1" fill="hold">
+                                          <p:stCondLst>
+                                            <p:cond delay="0"/>
+                                          </p:stCondLst>
+                                        </p:cTn>
+                                        <p:tgtEl>
+                                          <p:spTgt spid="11"/>
+                                        </p:tgtEl>
+                                        <p:attrNameLst>
+                                          <p:attrName>style.visibility</p:attrName>
+                                        </p:attrNameLst>
+                                      </p:cBhvr>
+                                      <p:to>
+                                        <p:strVal val="hidden"/>
+                                      </p:to>
+                                    </p:set>
+                                  </p:childTnLst>
+                                </p:cTn>
+                              </p:par>
+                            </p:childTnLst>
+                          </p:cTn>
+                        </p:par>
+                      </p:childTnLst>
+                    </p:cTn>
+                  </p:par>
+                  <p:par>
+                    <p:cTn id="11" fill="hold">
+                      <p:stCondLst>
+                        <p:cond delay="indefinite"/>
+                      </p:stCondLst>
+                      <p:childTnLst>
+                        <p:par>
+                          <p:cTn id="12" fill="hold">
+                            <p:stCondLst>
+                              <p:cond delay="0"/>
+                            </p:stCondLst>
+                            <p:childTnLst>
+                              <p:par>
+                                <p:cTn id="13" presetID="1" presetClass="exit" presetSubtype="0" fill="hold" nodeType="clickEffect">
+                                  <p:stCondLst>
+                                    <p:cond delay="0"/>
+                                  </p:stCondLst>
+                                  <p:childTnLst>
+                                    <p:set>
+                                      <p:cBhvr>
+                                        <p:cTn id="14" dur="1" fill="hold">
+                                          <p:stCondLst>
+                                            <p:cond delay="0"/>
+                                          </p:stCondLst>
+                                        </p:cTn>
+                                        <p:tgtEl>
+                                          <p:spTgt spid="15"/>
+                                        </p:tgtEl>
+                                        <p:attrNameLst>
+                                          <p:attrName>style.visibility</p:attrName>
+                                        </p:attrNameLst>
+                                      </p:cBhvr>
+                                      <p:to>
+                                        <p:strVal val="hidden"/>
+                                      </p:to>
+                                    </p:set>
+                                  </p:childTnLst>
+                                </p:cTn>
+                              </p:par>
+                            </p:childTnLst>
+                          </p:cTn>
+                        </p:par>
+                      </p:childTnLst>
+                    </p:cTn>
+                  </p:par>
+                  <p:par>
+                    <p:cTn id="15" fill="hold">
+                      <p:stCondLst>
+                        <p:cond delay="indefinite"/>
+                      </p:stCondLst>
+                      <p:childTnLst>
+                        <p:par>
+                          <p:cTn id="16" fill="hold">
+                            <p:stCondLst>
+                              <p:cond delay="0"/>
+                            </p:stCondLst>
+                            <p:childTnLst>
+                              <p:par>
+                                <p:cTn id="17" presetID="1" presetClass="exit" presetSubtype="0" fill="hold" nodeType="clickEffect">
+                                  <p:stCondLst>
+                                    <p:cond delay="0"/>
+                                  </p:stCondLst>
+                                  <p:childTnLst>
+                                    <p:set>
+                                      <p:cBhvr>
+                                        <p:cTn id="18" dur="1" fill="hold">
+                                          <p:stCondLst>
+                                            <p:cond delay="0"/>
+                                          </p:stCondLst>
+                                        </p:cTn>
+                                        <p:tgtEl>
+                                          <p:spTgt spid="19"/>
+                                        </p:tgtEl>
+                                        <p:attrNameLst>
+                                          <p:attrName>style.visibility</p:attrName>
+                                        </p:attrNameLst>
+                                      </p:cBhvr>
+                                      <p:to>
+                                        <p:strVal val="hidden"/>
+                                      </p:to>
+                                    </p:set>
+                                  </p:childTnLst>
+                                </p:cTn>
+                              </p:par>
+                            </p:childTnLst>
+                          </p:cTn>
+                        </p:par>
+                      </p:childTnLst>
+                    </p:cTn>
+                  </p:par>
+                </p:childTnLst>
+              </p:cTn>
+              <p:prevCondLst>
+                <p:cond evt="onPrev" delay="0">
+                  <p:tgtEl>
+                    <p:sldTgt/>
+                  </p:tgtEl>
+                </p:cond>
+              </p:prevCondLst>
+              <p:nextCondLst>
+                <p:cond evt="onNext" delay="0">
+                  <p:tgtEl>
+                    <p:sldTgt/>
+                  </p:tgtEl>
+                </p:cond>
+              </p:nextCondLst>
+            </p:seq>
+          </p:childTnLst>
+        </p:cTn>
+      </p:par>
+    </p:tnLst>
+  </p:timing>
+</p:sld>
+</file>
+
+<file path=ppt/slides/slide7.xml><?xml version="1.0" encoding="utf-8"?>
+<p:sld xmlns:a="http://schemas.openxmlformats.org/drawingml/2006/main" xmlns:r="http://schemas.openxmlformats.org/officeDocument/2006/relationships" xmlns:p="http://schemas.openxmlformats.org/presentationml/2006/main">
+  <p:cSld>
+    <p:spTree>
+      <p:nvGrpSpPr>
+        <p:cNvPr id="1" name=""/>
+        <p:cNvGrpSpPr/>
+        <p:nvPr/>
+      </p:nvGrpSpPr>
+      <p:grpSpPr>
+        <a:xfrm>
+          <a:off x="0" y="0"/>
+          <a:ext cx="0" cy="0"/>
+          <a:chOff x="0" y="0"/>
+          <a:chExt cx="0" cy="0"/>
+        </a:xfrm>
+      </p:grpSpPr>
+      <p:sp>
+        <p:nvSpPr>
+          <p:cNvPr id="2" name="Title 1"/>
+          <p:cNvSpPr>
+            <a:spLocks noGrp="1"/>
+          </p:cNvSpPr>
+          <p:nvPr>
+            <p:ph type="title"/>
+          </p:nvPr>
+        </p:nvSpPr>
+        <p:spPr/>
+        <p:txBody>
+          <a:bodyPr/>
+          <a:lstStyle/>
+          <a:p>
+            <a:r>
+              <a:rPr lang="en-US" dirty="0"/>
+              <a:t>A Closer Look at </a:t>
+            </a:r>
+            <a:r>
+              <a:rPr lang="en-US" dirty="0" smtClean="0"/>
+              <a:t>the Data</a:t>
+            </a:r>
+            <a:endParaRPr lang="en-US" dirty="0"/>
+          </a:p>
+        </p:txBody>
+      </p:sp>
+      <p:pic>
+        <p:nvPicPr>
+          <p:cNvPr id="4" name="Picture 3"/>
+          <p:cNvPicPr>
+            <a:picLocks noChangeAspect="1"/>
+          </p:cNvPicPr>
+          <p:nvPr/>
+        </p:nvPicPr>
+        <p:blipFill>
+          <a:blip r:embed="rId3">
+            <a:extLst>
+              <a:ext uri="{28A0092B-C50C-407E-A947-70E740481C1C}">
+                <a14:useLocalDpi xmlns:a14="http://schemas.microsoft.com/office/drawing/2010/main" val="0"/>
+              </a:ext>
+            </a:extLst>
+          </a:blip>
+          <a:stretch>
+            <a:fillRect/>
+          </a:stretch>
+        </p:blipFill>
+        <p:spPr>
+          <a:xfrm>
+            <a:off x="648688" y="2093613"/>
+            <a:ext cx="3543750" cy="4454593"/>
+          </a:xfrm>
+          <a:prstGeom prst="rect">
+            <a:avLst/>
+          </a:prstGeom>
+        </p:spPr>
+      </p:pic>
+      <p:pic>
+        <p:nvPicPr>
+          <p:cNvPr id="5" name="Picture 4"/>
+          <p:cNvPicPr>
+            <a:picLocks noChangeAspect="1"/>
+          </p:cNvPicPr>
+          <p:nvPr/>
+        </p:nvPicPr>
+        <p:blipFill>
+          <a:blip r:embed="rId4">
+            <a:extLst>
+              <a:ext uri="{28A0092B-C50C-407E-A947-70E740481C1C}">
+                <a14:useLocalDpi xmlns:a14="http://schemas.microsoft.com/office/drawing/2010/main" val="0"/>
+              </a:ext>
+            </a:extLst>
+          </a:blip>
+          <a:stretch>
+            <a:fillRect/>
+          </a:stretch>
+        </p:blipFill>
+        <p:spPr>
+          <a:xfrm>
+            <a:off x="5635654" y="1936190"/>
+            <a:ext cx="4284723" cy="4921810"/>
+          </a:xfrm>
+          <a:prstGeom prst="rect">
+            <a:avLst/>
+          </a:prstGeom>
+        </p:spPr>
+      </p:pic>
+    </p:spTree>
+    <p:extLst>
+      <p:ext uri="{BB962C8B-B14F-4D97-AF65-F5344CB8AC3E}">
+        <p14:creationId xmlns:p14="http://schemas.microsoft.com/office/powerpoint/2010/main" val="363448360"/>
+      </p:ext>
+    </p:extLst>
+  </p:cSld>
+  <p:clrMapOvr>
+    <a:masterClrMapping/>
+  </p:clrMapOvr>
+  <p:timing>
+    <p:tnLst>
+      <p:par>
+        <p:cTn id="1" dur="indefinite" restart="never" nodeType="tmRoot"/>
+      </p:par>
+    </p:tnLst>
+  </p:timing>
+</p:sld>
+</file>
+
+<file path=ppt/slides/slide8.xml><?xml version="1.0" encoding="utf-8"?>
+<p:sld xmlns:a="http://schemas.openxmlformats.org/drawingml/2006/main" xmlns:r="http://schemas.openxmlformats.org/officeDocument/2006/relationships" xmlns:p="http://schemas.openxmlformats.org/presentationml/2006/main">
+  <p:cSld>
+    <p:spTree>
+      <p:nvGrpSpPr>
+        <p:cNvPr id="1" name=""/>
+        <p:cNvGrpSpPr/>
+        <p:nvPr/>
+      </p:nvGrpSpPr>
+      <p:grpSpPr>
+        <a:xfrm>
+          <a:off x="0" y="0"/>
+          <a:ext cx="0" cy="0"/>
+          <a:chOff x="0" y="0"/>
+          <a:chExt cx="0" cy="0"/>
+        </a:xfrm>
+      </p:grpSpPr>
+      <p:sp>
+        <p:nvSpPr>
+          <p:cNvPr id="2" name="Title 1"/>
+          <p:cNvSpPr>
+            <a:spLocks noGrp="1"/>
+          </p:cNvSpPr>
+          <p:nvPr>
+            <p:ph type="title"/>
+          </p:nvPr>
+        </p:nvSpPr>
+        <p:spPr/>
+        <p:txBody>
+          <a:bodyPr/>
+          <a:lstStyle/>
+          <a:p>
+            <a:r>
+              <a:rPr lang="en-US" dirty="0" smtClean="0"/>
+              <a:t>Fair and Balanced</a:t>
+            </a:r>
+            <a:endParaRPr lang="en-US" dirty="0"/>
+          </a:p>
+        </p:txBody>
+      </p:sp>
+      <p:sp>
+        <p:nvSpPr>
+          <p:cNvPr id="4" name="Text Placeholder 3"/>
+          <p:cNvSpPr>
+            <a:spLocks noGrp="1"/>
+          </p:cNvSpPr>
+          <p:nvPr>
+            <p:ph type="body" idx="1"/>
+          </p:nvPr>
+        </p:nvSpPr>
+        <p:spPr/>
+        <p:txBody>
+          <a:bodyPr/>
+          <a:lstStyle/>
+          <a:p>
+            <a:r>
+              <a:rPr lang="en-US" dirty="0" smtClean="0"/>
+              <a:t>The Good</a:t>
+            </a:r>
+            <a:endParaRPr lang="en-US" dirty="0"/>
+          </a:p>
+        </p:txBody>
+      </p:sp>
+      <p:sp>
+        <p:nvSpPr>
+          <p:cNvPr id="5" name="Content Placeholder 4"/>
+          <p:cNvSpPr>
+            <a:spLocks noGrp="1"/>
+          </p:cNvSpPr>
+          <p:nvPr>
+            <p:ph sz="half" idx="2"/>
+          </p:nvPr>
+        </p:nvSpPr>
+        <p:spPr/>
+        <p:txBody>
+          <a:bodyPr/>
+          <a:lstStyle/>
+          <a:p>
+            <a:r>
+              <a:rPr lang="en-US" dirty="0" smtClean="0"/>
+              <a:t>Stable</a:t>
+            </a:r>
+          </a:p>
+          <a:p>
+            <a:r>
+              <a:rPr lang="en-US" dirty="0" smtClean="0"/>
+              <a:t>Fast</a:t>
+            </a:r>
+          </a:p>
+          <a:p>
+            <a:r>
+              <a:rPr lang="en-US" dirty="0" smtClean="0"/>
+              <a:t>Handles large data sets</a:t>
+            </a:r>
+          </a:p>
+          <a:p>
+            <a:r>
+              <a:rPr lang="en-US" dirty="0" smtClean="0"/>
+              <a:t>Industry standards (SQL)</a:t>
+            </a:r>
+            <a:endParaRPr lang="en-US" dirty="0"/>
+          </a:p>
+        </p:txBody>
+      </p:sp>
+      <p:sp>
+        <p:nvSpPr>
+          <p:cNvPr id="6" name="Text Placeholder 5"/>
+          <p:cNvSpPr>
+            <a:spLocks noGrp="1"/>
+          </p:cNvSpPr>
+          <p:nvPr>
+            <p:ph type="body" sz="quarter" idx="3"/>
+          </p:nvPr>
+        </p:nvSpPr>
+        <p:spPr/>
+        <p:txBody>
+          <a:bodyPr/>
+          <a:lstStyle/>
+          <a:p>
+            <a:r>
+              <a:rPr lang="en-US" dirty="0" smtClean="0"/>
+              <a:t>The Bad</a:t>
+            </a:r>
+            <a:endParaRPr lang="en-US" dirty="0"/>
+          </a:p>
+        </p:txBody>
+      </p:sp>
+      <p:sp>
+        <p:nvSpPr>
+          <p:cNvPr id="7" name="Content Placeholder 6"/>
+          <p:cNvSpPr>
+            <a:spLocks noGrp="1"/>
+          </p:cNvSpPr>
+          <p:nvPr>
+            <p:ph sz="quarter" idx="4"/>
+          </p:nvPr>
+        </p:nvSpPr>
+        <p:spPr/>
+        <p:txBody>
+          <a:bodyPr/>
+          <a:lstStyle/>
+          <a:p>
+            <a:r>
+              <a:rPr lang="en-US" dirty="0" err="1" smtClean="0"/>
+              <a:t>RDM</a:t>
+            </a:r>
+            <a:r>
+              <a:rPr lang="en-US" dirty="0" smtClean="0"/>
+              <a:t> need to be planned BEFORE </a:t>
+            </a:r>
+            <a:r>
+              <a:rPr lang="en-US" dirty="0"/>
+              <a:t>you put any data </a:t>
+            </a:r>
+            <a:r>
+              <a:rPr lang="en-US" dirty="0" smtClean="0"/>
+              <a:t>in</a:t>
+            </a:r>
+          </a:p>
+          <a:p>
+            <a:r>
+              <a:rPr lang="en-US" dirty="0" smtClean="0"/>
+              <a:t>Adding </a:t>
+            </a:r>
+            <a:r>
+              <a:rPr lang="en-US" dirty="0"/>
+              <a:t>tables and subtracting tables as you go is possible, but a lot of work and you run the risk of making the whole thing unstable.   </a:t>
+            </a:r>
+            <a:endParaRPr lang="en-US" dirty="0" smtClean="0"/>
+          </a:p>
+          <a:p>
+            <a:r>
+              <a:rPr lang="en-US" dirty="0" smtClean="0"/>
+              <a:t>There </a:t>
+            </a:r>
+            <a:r>
+              <a:rPr lang="en-US" dirty="0"/>
+              <a:t>are other downsides, and if you are interested in that you can go to this website, which gives a pretty good point by point comparison. </a:t>
+            </a:r>
+          </a:p>
+        </p:txBody>
+      </p:sp>
+    </p:spTree>
+    <p:extLst>
+      <p:ext uri="{BB962C8B-B14F-4D97-AF65-F5344CB8AC3E}">
+        <p14:creationId xmlns:p14="http://schemas.microsoft.com/office/powerpoint/2010/main" val="274396566"/>
+      </p:ext>
+    </p:extLst>
+  </p:cSld>
+  <p:clrMapOvr>
+    <a:masterClrMapping/>
+  </p:clrMapOvr>
+  <p:timing>
+    <p:tnLst>
+      <p:par>
+        <p:cTn id="1" dur="indefinite" restart="never" nodeType="tmRoot"/>
+      </p:par>
+    </p:tnLst>
+  </p:timing>
+</p:sld>
+</file>
+
 <file path=ppt/slides/slide9.xml><?xml version="1.0" encoding="utf-8"?>
 <p:sld xmlns:a="http://schemas.openxmlformats.org/drawingml/2006/main" xmlns:r="http://schemas.openxmlformats.org/officeDocument/2006/relationships" xmlns:p="http://schemas.openxmlformats.org/presentationml/2006/main">
   <p:cSld>
@@ -10562,7 +13233,7 @@
           <a:p>
             <a:r>
               <a:rPr lang="en-US" dirty="0" smtClean="0"/>
-              <a:t>Practice Creating Tables</a:t>
+              <a:t>SQL</a:t>
             </a:r>
             <a:endParaRPr lang="en-US" dirty="0"/>
           </a:p>
@@ -10570,103 +13241,111 @@
       </p:sp>
       <p:sp>
         <p:nvSpPr>
-          <p:cNvPr id="3" name="Text Placeholder 2"/>
-          <p:cNvSpPr>
-            <a:spLocks noGrp="1"/>
-          </p:cNvSpPr>
-          <p:nvPr>
-            <p:ph type="body" idx="1"/>
-          </p:nvPr>
-        </p:nvSpPr>
-        <p:spPr>
-          <a:xfrm>
-            <a:off x="0" y="2174875"/>
-            <a:ext cx="5189857" cy="576262"/>
-          </a:xfrm>
-        </p:spPr>
-        <p:txBody>
-          <a:bodyPr/>
-          <a:lstStyle/>
-          <a:p>
+          <p:cNvPr id="3" name="Content Placeholder 2"/>
+          <p:cNvSpPr>
+            <a:spLocks noGrp="1"/>
+          </p:cNvSpPr>
+          <p:nvPr>
+            <p:ph idx="1"/>
+          </p:nvPr>
+        </p:nvSpPr>
+        <p:spPr/>
+        <p:txBody>
+          <a:bodyPr>
+            <a:normAutofit fontScale="85000" lnSpcReduction="20000"/>
+          </a:bodyPr>
+          <a:lstStyle/>
+          <a:p>
+            <a:r>
+              <a:rPr lang="en-US" dirty="0"/>
+              <a:t>Execute queries against a database and retrieve information from a database</a:t>
+            </a:r>
+          </a:p>
+          <a:p>
+            <a:r>
+              <a:rPr lang="en-US" dirty="0"/>
+              <a:t>Create a new database and create tables in that database</a:t>
+            </a:r>
+          </a:p>
+          <a:p>
+            <a:r>
+              <a:rPr lang="en-US" dirty="0"/>
+              <a:t>Insert, update and delete records</a:t>
+            </a:r>
+          </a:p>
+          <a:p>
+            <a:r>
+              <a:rPr lang="en-US" dirty="0"/>
+              <a:t>Create stored procedures and views</a:t>
+            </a:r>
+          </a:p>
+          <a:p>
+            <a:r>
+              <a:rPr lang="en-US" dirty="0"/>
+              <a:t>Set permissions on database </a:t>
+            </a:r>
+            <a:r>
+              <a:rPr lang="en-US" dirty="0" err="1"/>
+              <a:t>objectsSQL</a:t>
+            </a:r>
             <a:r>
               <a:rPr lang="en-US" dirty="0" smtClean="0"/>
-              <a:t>Song</a:t>
-            </a:r>
+              <a:t>: </a:t>
+            </a:r>
+            <a:r>
+              <a:rPr lang="en-US" dirty="0"/>
+              <a:t>Structured Query </a:t>
+            </a:r>
+            <a:r>
+              <a:rPr lang="en-US" dirty="0" smtClean="0"/>
+              <a:t>Language</a:t>
+            </a:r>
+          </a:p>
+          <a:p>
             <a:endParaRPr lang="en-US" dirty="0"/>
           </a:p>
-        </p:txBody>
-      </p:sp>
-      <p:sp>
-        <p:nvSpPr>
-          <p:cNvPr id="4" name="Content Placeholder 3"/>
-          <p:cNvSpPr>
-            <a:spLocks noGrp="1"/>
-          </p:cNvSpPr>
-          <p:nvPr>
-            <p:ph sz="half" idx="2"/>
-          </p:nvPr>
-        </p:nvSpPr>
-        <p:spPr>
-          <a:xfrm>
-            <a:off x="1" y="2828086"/>
-            <a:ext cx="5189856" cy="3109913"/>
-          </a:xfrm>
-        </p:spPr>
-        <p:txBody>
-          <a:bodyPr/>
-          <a:lstStyle/>
-          <a:p>
-            <a:endParaRPr lang="en-US" dirty="0"/>
-          </a:p>
-        </p:txBody>
-      </p:sp>
-      <p:sp>
-        <p:nvSpPr>
-          <p:cNvPr id="5" name="Text Placeholder 4"/>
-          <p:cNvSpPr>
-            <a:spLocks noGrp="1"/>
-          </p:cNvSpPr>
-          <p:nvPr>
-            <p:ph type="body" sz="quarter" idx="3"/>
-          </p:nvPr>
-        </p:nvSpPr>
-        <p:spPr>
-          <a:xfrm>
-            <a:off x="5189857" y="2213349"/>
-            <a:ext cx="5194583" cy="576262"/>
-          </a:xfrm>
-        </p:spPr>
-        <p:txBody>
-          <a:bodyPr/>
-          <a:lstStyle/>
           <a:p>
             <a:r>
               <a:rPr lang="en-US" dirty="0" smtClean="0"/>
-              <a:t>Artist</a:t>
-            </a:r>
-            <a:endParaRPr lang="en-US" dirty="0"/>
-          </a:p>
-        </p:txBody>
-      </p:sp>
-      <p:sp>
-        <p:nvSpPr>
-          <p:cNvPr id="6" name="Content Placeholder 5"/>
-          <p:cNvSpPr>
-            <a:spLocks noGrp="1"/>
-          </p:cNvSpPr>
-          <p:nvPr>
-            <p:ph sz="quarter" idx="4"/>
-          </p:nvPr>
-        </p:nvSpPr>
-        <p:spPr>
-          <a:xfrm>
-            <a:off x="5189857" y="2828085"/>
-            <a:ext cx="5194583" cy="3109913"/>
-          </a:xfrm>
-        </p:spPr>
-        <p:txBody>
-          <a:bodyPr/>
-          <a:lstStyle/>
+              <a:t>CRUD:</a:t>
+            </a:r>
+          </a:p>
+          <a:p>
+            <a:pPr marL="0" indent="0">
+              <a:buNone/>
+            </a:pPr>
+            <a:r>
+              <a:rPr lang="en-US" dirty="0" smtClean="0"/>
+              <a:t>									C: create (tables)</a:t>
+            </a:r>
+          </a:p>
+          <a:p>
+            <a:pPr marL="0" indent="0">
+              <a:buNone/>
+            </a:pPr>
+            <a:r>
+              <a:rPr lang="en-US" dirty="0" smtClean="0"/>
+              <a:t>									R: retrieve (data)</a:t>
+            </a:r>
+          </a:p>
+          <a:p>
+            <a:pPr marL="0" indent="0">
+              <a:buNone/>
+            </a:pPr>
+            <a:r>
+              <a:rPr lang="en-US" dirty="0" smtClean="0"/>
+              <a:t>									U: update (data)</a:t>
+            </a:r>
+          </a:p>
+          <a:p>
+            <a:pPr marL="0" indent="0">
+              <a:buNone/>
+            </a:pPr>
+            <a:r>
+              <a:rPr lang="en-US" dirty="0" smtClean="0"/>
+              <a:t>									D: delete</a:t>
+            </a:r>
+          </a:p>
           <a:p>
             <a:endParaRPr lang="en-US" dirty="0"/>
           </a:p>
@@ -10675,7 +13354,7 @@
     </p:spTree>
     <p:extLst>
       <p:ext uri="{BB962C8B-B14F-4D97-AF65-F5344CB8AC3E}">
-        <p14:creationId xmlns:p14="http://schemas.microsoft.com/office/powerpoint/2010/main" val="3314465066"/>
+        <p14:creationId xmlns:p14="http://schemas.microsoft.com/office/powerpoint/2010/main" val="3423406044"/>
       </p:ext>
     </p:extLst>
   </p:cSld>

--- a/Beginning_SQL_pres.pptx
+++ b/Beginning_SQL_pres.pptx
@@ -5,36 +5,43 @@
     <p:sldMasterId id="2147483648" r:id="rId1"/>
   </p:sldMasterIdLst>
   <p:notesMasterIdLst>
-    <p:notesMasterId r:id="rId29"/>
+    <p:notesMasterId r:id="rId36"/>
   </p:notesMasterIdLst>
   <p:sldIdLst>
     <p:sldId id="256" r:id="rId2"/>
     <p:sldId id="258" r:id="rId3"/>
-    <p:sldId id="280" r:id="rId4"/>
-    <p:sldId id="257" r:id="rId5"/>
-    <p:sldId id="259" r:id="rId6"/>
-    <p:sldId id="260" r:id="rId7"/>
-    <p:sldId id="281" r:id="rId8"/>
-    <p:sldId id="262" r:id="rId9"/>
-    <p:sldId id="261" r:id="rId10"/>
+    <p:sldId id="296" r:id="rId4"/>
+    <p:sldId id="280" r:id="rId5"/>
+    <p:sldId id="257" r:id="rId6"/>
+    <p:sldId id="259" r:id="rId7"/>
+    <p:sldId id="260" r:id="rId8"/>
+    <p:sldId id="281" r:id="rId9"/>
+    <p:sldId id="262" r:id="rId10"/>
     <p:sldId id="282" r:id="rId11"/>
     <p:sldId id="283" r:id="rId12"/>
     <p:sldId id="284" r:id="rId13"/>
     <p:sldId id="285" r:id="rId14"/>
-    <p:sldId id="263" r:id="rId15"/>
-    <p:sldId id="268" r:id="rId16"/>
-    <p:sldId id="264" r:id="rId17"/>
-    <p:sldId id="265" r:id="rId18"/>
-    <p:sldId id="266" r:id="rId19"/>
-    <p:sldId id="269" r:id="rId20"/>
-    <p:sldId id="272" r:id="rId21"/>
-    <p:sldId id="273" r:id="rId22"/>
-    <p:sldId id="274" r:id="rId23"/>
-    <p:sldId id="275" r:id="rId24"/>
-    <p:sldId id="276" r:id="rId25"/>
-    <p:sldId id="277" r:id="rId26"/>
-    <p:sldId id="278" r:id="rId27"/>
-    <p:sldId id="279" r:id="rId28"/>
+    <p:sldId id="297" r:id="rId15"/>
+    <p:sldId id="263" r:id="rId16"/>
+    <p:sldId id="268" r:id="rId17"/>
+    <p:sldId id="286" r:id="rId18"/>
+    <p:sldId id="287" r:id="rId19"/>
+    <p:sldId id="289" r:id="rId20"/>
+    <p:sldId id="265" r:id="rId21"/>
+    <p:sldId id="291" r:id="rId22"/>
+    <p:sldId id="266" r:id="rId23"/>
+    <p:sldId id="292" r:id="rId24"/>
+    <p:sldId id="264" r:id="rId25"/>
+    <p:sldId id="269" r:id="rId26"/>
+    <p:sldId id="293" r:id="rId27"/>
+    <p:sldId id="272" r:id="rId28"/>
+    <p:sldId id="274" r:id="rId29"/>
+    <p:sldId id="275" r:id="rId30"/>
+    <p:sldId id="276" r:id="rId31"/>
+    <p:sldId id="277" r:id="rId32"/>
+    <p:sldId id="278" r:id="rId33"/>
+    <p:sldId id="294" r:id="rId34"/>
+    <p:sldId id="279" r:id="rId35"/>
   </p:sldIdLst>
   <p:sldSz cx="12192000" cy="6858000"/>
   <p:notesSz cx="6858000" cy="9144000"/>
@@ -223,7 +230,7 @@
           <a:p>
             <a:fld id="{4A1363E6-184B-4E5F-BFCC-68C88E4BF296}" type="datetimeFigureOut">
               <a:rPr lang="en-US" smtClean="0"/>
-              <a:t>5/13/2016</a:t>
+              <a:t>5/17/2016</a:t>
             </a:fld>
             <a:endParaRPr lang="en-US"/>
           </a:p>
@@ -629,23 +636,29 @@
           <a:p>
             <a:r>
               <a:rPr lang="en-US" dirty="0" smtClean="0"/>
-              <a:t>For this class, the big one is no server. </a:t>
-            </a:r>
-          </a:p>
-          <a:p>
-            <a:r>
-              <a:rPr lang="en-US" dirty="0" smtClean="0"/>
-              <a:t>Also,</a:t>
+              <a:t>This acronym</a:t>
             </a:r>
             <a:r>
               <a:rPr lang="en-US" baseline="0" dirty="0" smtClean="0"/>
-              <a:t> it’s really small so no matter what condition your laptop is in you can still run SQLite</a:t>
+              <a:t> stands for create, retrieve, update, and delete</a:t>
             </a:r>
           </a:p>
           <a:p>
             <a:r>
               <a:rPr lang="en-US" baseline="0" dirty="0" smtClean="0"/>
-              <a:t>Python has a great library for it</a:t>
+              <a:t>Which are the core functions of </a:t>
+            </a:r>
+            <a:r>
+              <a:rPr lang="en-US" baseline="0" dirty="0" smtClean="0"/>
+              <a:t>SQL, they should be the same for any </a:t>
+            </a:r>
+            <a:r>
+              <a:rPr lang="en-US" baseline="0" dirty="0" err="1" smtClean="0"/>
+              <a:t>RDMS</a:t>
+            </a:r>
+            <a:r>
+              <a:rPr lang="en-US" baseline="0" dirty="0" smtClean="0"/>
+              <a:t> you use.</a:t>
             </a:r>
             <a:endParaRPr lang="en-US" dirty="0"/>
           </a:p>
@@ -668,7 +681,7 @@
           <a:p>
             <a:fld id="{ACD478D8-D3E8-45D7-819A-1AB803E1BBA9}" type="slidenum">
               <a:rPr lang="en-US" smtClean="0"/>
-              <a:t>12</a:t>
+              <a:t>13</a:t>
             </a:fld>
             <a:endParaRPr lang="en-US"/>
           </a:p>
@@ -677,7 +690,7 @@
     </p:spTree>
     <p:extLst>
       <p:ext uri="{BB962C8B-B14F-4D97-AF65-F5344CB8AC3E}">
-        <p14:creationId xmlns:p14="http://schemas.microsoft.com/office/powerpoint/2010/main" val="3974166631"/>
+        <p14:creationId xmlns:p14="http://schemas.microsoft.com/office/powerpoint/2010/main" val="2213049543"/>
       </p:ext>
     </p:extLst>
   </p:cSld>
@@ -733,17 +746,15 @@
           <a:p>
             <a:r>
               <a:rPr lang="en-US" dirty="0" smtClean="0"/>
-              <a:t>This acronym</a:t>
-            </a:r>
-            <a:r>
-              <a:rPr lang="en-US" baseline="0" dirty="0" smtClean="0"/>
-              <a:t> stands for create, retrieve, update, and delete</a:t>
-            </a:r>
-          </a:p>
-          <a:p>
-            <a:r>
-              <a:rPr lang="en-US" baseline="0" dirty="0" smtClean="0"/>
-              <a:t>Which are the core functions of SQL</a:t>
+              <a:t>Let’s take a </a:t>
+            </a:r>
+            <a:r>
+              <a:rPr lang="en-US" dirty="0" smtClean="0"/>
+              <a:t>2 </a:t>
+            </a:r>
+            <a:r>
+              <a:rPr lang="en-US" dirty="0" smtClean="0"/>
+              <a:t>min break here. </a:t>
             </a:r>
             <a:endParaRPr lang="en-US" dirty="0"/>
           </a:p>
@@ -766,7 +777,7 @@
           <a:p>
             <a:fld id="{ACD478D8-D3E8-45D7-819A-1AB803E1BBA9}" type="slidenum">
               <a:rPr lang="en-US" smtClean="0"/>
-              <a:t>13</a:t>
+              <a:t>14</a:t>
             </a:fld>
             <a:endParaRPr lang="en-US"/>
           </a:p>
@@ -775,7 +786,7 @@
     </p:spTree>
     <p:extLst>
       <p:ext uri="{BB962C8B-B14F-4D97-AF65-F5344CB8AC3E}">
-        <p14:creationId xmlns:p14="http://schemas.microsoft.com/office/powerpoint/2010/main" val="2213049543"/>
+        <p14:creationId xmlns:p14="http://schemas.microsoft.com/office/powerpoint/2010/main" val="523510145"/>
       </p:ext>
     </p:extLst>
   </p:cSld>
@@ -835,8 +846,31 @@
             </a:r>
             <a:r>
               <a:rPr lang="en-US" baseline="0" dirty="0" smtClean="0"/>
-              <a:t> three tables.  This is the generic create table function.  The purple color indicates information you are providing, and the black is actual SQL commands.  So we are going to create three tables  song, artist and  genre.  Remember that each table needs to have a Primary Key, so I like to always do the first column name as id.  * as a side note columns are commonly called “fields” .  </a:t>
-            </a:r>
+              <a:t> three tables.  This is the generic create table function.  The purple color indicates information you are providing, and the black is actual SQL commands.  So we are going to create three tables  song, artist and  genre.  Remember that each table needs to have a Primary Key, so I like to always do the first column name as id.  </a:t>
+            </a:r>
+            <a:endParaRPr lang="en-US" baseline="0" dirty="0" smtClean="0"/>
+          </a:p>
+          <a:p>
+            <a:pPr marL="171450" indent="-171450">
+              <a:buFont typeface="Arial" panose="020B0604020202020204" pitchFamily="34" charset="0"/>
+              <a:buChar char="•"/>
+            </a:pPr>
+            <a:r>
+              <a:rPr lang="en-US" baseline="0" dirty="0" smtClean="0"/>
+              <a:t>as </a:t>
+            </a:r>
+            <a:r>
+              <a:rPr lang="en-US" baseline="0" dirty="0" smtClean="0"/>
+              <a:t>a side note columns are commonly called “fields” .  </a:t>
+            </a:r>
+            <a:endParaRPr lang="en-US" baseline="0" dirty="0" smtClean="0"/>
+          </a:p>
+          <a:p>
+            <a:pPr marL="171450" indent="-171450">
+              <a:buFont typeface="Arial" panose="020B0604020202020204" pitchFamily="34" charset="0"/>
+              <a:buChar char="•"/>
+            </a:pPr>
+            <a:endParaRPr lang="en-US" baseline="0" dirty="0" smtClean="0"/>
           </a:p>
           <a:p>
             <a:r>
@@ -863,7 +897,7 @@
           <a:p>
             <a:fld id="{ACD478D8-D3E8-45D7-819A-1AB803E1BBA9}" type="slidenum">
               <a:rPr lang="en-US" smtClean="0"/>
-              <a:t>14</a:t>
+              <a:t>15</a:t>
             </a:fld>
             <a:endParaRPr lang="en-US"/>
           </a:p>
@@ -928,11 +962,28 @@
           <a:p>
             <a:r>
               <a:rPr lang="en-US" dirty="0" smtClean="0"/>
-              <a:t>Lets select</a:t>
+              <a:t>open SQLite browser,</a:t>
             </a:r>
             <a:r>
               <a:rPr lang="en-US" baseline="0" dirty="0" smtClean="0"/>
-              <a:t> the whole table</a:t>
+              <a:t> hit cancel if a window pops up, and navigate to the execute SQL tab.  This is where we type commands.  </a:t>
+            </a:r>
+            <a:endParaRPr lang="en-US" baseline="0" dirty="0" smtClean="0"/>
+          </a:p>
+          <a:p>
+            <a:r>
+              <a:rPr lang="en-US" baseline="0" dirty="0" smtClean="0"/>
+              <a:t>The </a:t>
+            </a:r>
+            <a:r>
+              <a:rPr lang="en-US" baseline="0" dirty="0" smtClean="0"/>
+              <a:t>first window is where you type, the second is the output, and the third helps you troubleshoot.  </a:t>
+            </a:r>
+          </a:p>
+          <a:p>
+            <a:r>
+              <a:rPr lang="en-US" baseline="0" dirty="0" smtClean="0"/>
+              <a:t>Type in the first table commands, then hit the play button up top.</a:t>
             </a:r>
             <a:endParaRPr lang="en-US" dirty="0"/>
           </a:p>
@@ -964,7 +1015,7 @@
     </p:spTree>
     <p:extLst>
       <p:ext uri="{BB962C8B-B14F-4D97-AF65-F5344CB8AC3E}">
-        <p14:creationId xmlns:p14="http://schemas.microsoft.com/office/powerpoint/2010/main" val="538959263"/>
+        <p14:creationId xmlns:p14="http://schemas.microsoft.com/office/powerpoint/2010/main" val="1335259074"/>
       </p:ext>
     </p:extLst>
   </p:cSld>
@@ -1020,13 +1071,12 @@
           <a:p>
             <a:r>
               <a:rPr lang="en-US" dirty="0" smtClean="0"/>
-              <a:t>So</a:t>
+              <a:t>You can also</a:t>
             </a:r>
             <a:r>
               <a:rPr lang="en-US" baseline="0" dirty="0" smtClean="0"/>
-              <a:t> lets say there was a mistake in one of the entries.  This is how we delete </a:t>
-            </a:r>
-            <a:endParaRPr lang="en-US" dirty="0"/>
+              <a:t> add data using SQL.  Go to Execute SQL and insert three artist names.  again the id number will automatically be generated.</a:t>
+            </a:r>
           </a:p>
         </p:txBody>
       </p:sp>
@@ -1056,7 +1106,7 @@
     </p:spTree>
     <p:extLst>
       <p:ext uri="{BB962C8B-B14F-4D97-AF65-F5344CB8AC3E}">
-        <p14:creationId xmlns:p14="http://schemas.microsoft.com/office/powerpoint/2010/main" val="1577780608"/>
+        <p14:creationId xmlns:p14="http://schemas.microsoft.com/office/powerpoint/2010/main" val="2791758842"/>
       </p:ext>
     </p:extLst>
   </p:cSld>
@@ -1112,17 +1162,18 @@
           <a:p>
             <a:r>
               <a:rPr lang="en-US" dirty="0" smtClean="0"/>
-              <a:t>The Join function isn’t part of CRUD, but it is how you query</a:t>
+              <a:t>I’m leaving the generic command</a:t>
             </a:r>
             <a:r>
               <a:rPr lang="en-US" baseline="0" dirty="0" smtClean="0"/>
-              <a:t> multiple tables, which in my opinion is the whole point of </a:t>
-            </a:r>
-            <a:r>
-              <a:rPr lang="en-US" baseline="0" dirty="0" err="1" smtClean="0"/>
-              <a:t>RDMS</a:t>
-            </a:r>
-            <a:endParaRPr lang="en-US" dirty="0"/>
+              <a:t> to help.  </a:t>
+            </a:r>
+          </a:p>
+          <a:p>
+            <a:r>
+              <a:rPr lang="en-US" baseline="0" dirty="0" smtClean="0"/>
+              <a:t>This is just an example of what that command might look like.</a:t>
+            </a:r>
           </a:p>
         </p:txBody>
       </p:sp>
@@ -1152,7 +1203,7 @@
     </p:spTree>
     <p:extLst>
       <p:ext uri="{BB962C8B-B14F-4D97-AF65-F5344CB8AC3E}">
-        <p14:creationId xmlns:p14="http://schemas.microsoft.com/office/powerpoint/2010/main" val="2479188232"/>
+        <p14:creationId xmlns:p14="http://schemas.microsoft.com/office/powerpoint/2010/main" val="3652925045"/>
       </p:ext>
     </p:extLst>
   </p:cSld>
@@ -1208,7 +1259,21 @@
           <a:p>
             <a:r>
               <a:rPr lang="en-US" dirty="0" smtClean="0"/>
-              <a:t>Let’s take a 10 min break here. </a:t>
+              <a:t>This is exactly what it sounds like,</a:t>
+            </a:r>
+            <a:r>
+              <a:rPr lang="en-US" baseline="0" dirty="0" smtClean="0"/>
+              <a:t> updating values that already exist in the </a:t>
+            </a:r>
+            <a:r>
+              <a:rPr lang="en-US" baseline="0" dirty="0" smtClean="0"/>
+              <a:t>table.</a:t>
+            </a:r>
+          </a:p>
+          <a:p>
+            <a:r>
+              <a:rPr lang="en-US" baseline="0" dirty="0" smtClean="0"/>
+              <a:t>In the example I am updating the artist name to “Formally Known as Prince” everywhere the primary key = 10</a:t>
             </a:r>
             <a:endParaRPr lang="en-US" dirty="0"/>
           </a:p>
@@ -1240,7 +1305,7 @@
     </p:spTree>
     <p:extLst>
       <p:ext uri="{BB962C8B-B14F-4D97-AF65-F5344CB8AC3E}">
-        <p14:creationId xmlns:p14="http://schemas.microsoft.com/office/powerpoint/2010/main" val="1048633721"/>
+        <p14:creationId xmlns:p14="http://schemas.microsoft.com/office/powerpoint/2010/main" val="3905622878"/>
       </p:ext>
     </p:extLst>
   </p:cSld>
@@ -1296,15 +1361,29 @@
           <a:p>
             <a:r>
               <a:rPr lang="en-US" dirty="0" smtClean="0"/>
-              <a:t>The first step,</a:t>
+              <a:t>So</a:t>
             </a:r>
             <a:r>
               <a:rPr lang="en-US" baseline="0" dirty="0" smtClean="0"/>
-              <a:t> and arguably the most important step, </a:t>
-            </a:r>
-            <a:r>
-              <a:rPr lang="en-US" dirty="0" smtClean="0"/>
-              <a:t> in creating a database is planning.</a:t>
+              <a:t> lets say there was a mistake in one of the entries.  This is how we </a:t>
+            </a:r>
+            <a:r>
+              <a:rPr lang="en-US" baseline="0" dirty="0" smtClean="0"/>
+              <a:t>delete.</a:t>
+            </a:r>
+          </a:p>
+          <a:p>
+            <a:r>
+              <a:rPr lang="en-US" baseline="0" dirty="0" smtClean="0"/>
+              <a:t>In the example I am deleting information from the table song everywhere the name of the song is “</a:t>
+            </a:r>
+            <a:r>
+              <a:rPr lang="en-US" baseline="0" dirty="0" err="1" smtClean="0"/>
+              <a:t>Yani</a:t>
+            </a:r>
+            <a:r>
+              <a:rPr lang="en-US" baseline="0" dirty="0" smtClean="0"/>
+              <a:t>”</a:t>
             </a:r>
             <a:endParaRPr lang="en-US" dirty="0"/>
           </a:p>
@@ -1336,7 +1415,7 @@
     </p:spTree>
     <p:extLst>
       <p:ext uri="{BB962C8B-B14F-4D97-AF65-F5344CB8AC3E}">
-        <p14:creationId xmlns:p14="http://schemas.microsoft.com/office/powerpoint/2010/main" val="2318525552"/>
+        <p14:creationId xmlns:p14="http://schemas.microsoft.com/office/powerpoint/2010/main" val="1577780608"/>
       </p:ext>
     </p:extLst>
   </p:cSld>
@@ -1392,74 +1471,12 @@
           <a:p>
             <a:r>
               <a:rPr lang="en-US" dirty="0" smtClean="0"/>
-              <a:t>I’m going to do this on the white</a:t>
+              <a:t>Now</a:t>
             </a:r>
             <a:r>
               <a:rPr lang="en-US" baseline="0" dirty="0" smtClean="0"/>
-              <a:t> board, because there is no right answer, and ultimately what information you want to manage depends on what you are going to be using it for.  I’ve prepared slides on what I think it should look like, but feel free to personalize at this point.</a:t>
-            </a:r>
-          </a:p>
-          <a:p>
-            <a:r>
-              <a:rPr lang="en-US" baseline="0" dirty="0" smtClean="0"/>
-              <a:t>For my example I am going to say that I am a business that offers 2 services.  Service A and Service B.</a:t>
-            </a:r>
-          </a:p>
-          <a:p>
-            <a:r>
-              <a:rPr lang="en-US" baseline="0" dirty="0" smtClean="0"/>
-              <a:t>And I have clients that are part of larger companies.</a:t>
-            </a:r>
-          </a:p>
-          <a:p>
-            <a:endParaRPr lang="en-US" baseline="0" dirty="0" smtClean="0"/>
-          </a:p>
-          <a:p>
-            <a:pPr marL="171450" indent="-171450">
-              <a:buFont typeface="Arial" panose="020B0604020202020204" pitchFamily="34" charset="0"/>
-              <a:buChar char="•"/>
-            </a:pPr>
-            <a:r>
-              <a:rPr lang="en-US" baseline="0" dirty="0" smtClean="0"/>
-              <a:t>Before we start, a good indicator if something should be it’s own table is if we have to repeat that information.  A well designed database should not have any redundancy.</a:t>
-            </a:r>
-          </a:p>
-          <a:p>
-            <a:pPr marL="171450" indent="-171450">
-              <a:buFont typeface="Arial" panose="020B0604020202020204" pitchFamily="34" charset="0"/>
-              <a:buChar char="•"/>
-            </a:pPr>
-            <a:endParaRPr lang="en-US" baseline="0" dirty="0" smtClean="0"/>
-          </a:p>
-          <a:p>
-            <a:pPr marL="171450" indent="-171450">
-              <a:buFont typeface="Arial" panose="020B0604020202020204" pitchFamily="34" charset="0"/>
-              <a:buChar char="•"/>
-            </a:pPr>
-            <a:endParaRPr lang="en-US" baseline="0" dirty="0" smtClean="0"/>
-          </a:p>
-          <a:p>
-            <a:endParaRPr lang="en-US" baseline="0" dirty="0" smtClean="0"/>
-          </a:p>
-          <a:p>
-            <a:endParaRPr lang="en-US" baseline="0" dirty="0" smtClean="0"/>
-          </a:p>
-          <a:p>
-            <a:endParaRPr lang="en-US" baseline="0" dirty="0" smtClean="0"/>
-          </a:p>
-          <a:p>
-            <a:r>
-              <a:rPr lang="en-US" baseline="0" dirty="0" smtClean="0"/>
-              <a:t>Since this is a client information database, let’s start with Client information table.</a:t>
-            </a:r>
-          </a:p>
-          <a:p>
-            <a:r>
-              <a:rPr lang="en-US" baseline="0" dirty="0" smtClean="0"/>
-              <a:t>Automatically, I add the Primary Key id.  * this doesn’t have to be called id, there are quite a few “best practices scheme” and ultimately you just want to be consistent</a:t>
-            </a:r>
-          </a:p>
-          <a:p>
+              <a:t> that we have some data in our database, let’s do some querying.  Again, in the execute SQL tab type these commands</a:t>
+            </a:r>
             <a:endParaRPr lang="en-US" dirty="0"/>
           </a:p>
         </p:txBody>
@@ -1481,7 +1498,7 @@
           <a:p>
             <a:fld id="{ACD478D8-D3E8-45D7-819A-1AB803E1BBA9}" type="slidenum">
               <a:rPr lang="en-US" smtClean="0"/>
-              <a:t>23</a:t>
+              <a:t>24</a:t>
             </a:fld>
             <a:endParaRPr lang="en-US"/>
           </a:p>
@@ -1490,7 +1507,7 @@
     </p:spTree>
     <p:extLst>
       <p:ext uri="{BB962C8B-B14F-4D97-AF65-F5344CB8AC3E}">
-        <p14:creationId xmlns:p14="http://schemas.microsoft.com/office/powerpoint/2010/main" val="4219943113"/>
+        <p14:creationId xmlns:p14="http://schemas.microsoft.com/office/powerpoint/2010/main" val="538959263"/>
       </p:ext>
     </p:extLst>
   </p:cSld>
@@ -1546,13 +1563,40 @@
           <a:p>
             <a:r>
               <a:rPr lang="en-US" dirty="0" smtClean="0"/>
-              <a:t>So</a:t>
+              <a:t>The Join function isn’t part of CRUD, but it is how you query</a:t>
             </a:r>
             <a:r>
               <a:rPr lang="en-US" baseline="0" dirty="0" smtClean="0"/>
-              <a:t> using what we learned earlier create these four tables</a:t>
-            </a:r>
-            <a:endParaRPr lang="en-US" dirty="0"/>
+              <a:t> multiple tables, which in my opinion is the whole point of </a:t>
+            </a:r>
+            <a:r>
+              <a:rPr lang="en-US" baseline="0" dirty="0" err="1" smtClean="0"/>
+              <a:t>RDMS</a:t>
+            </a:r>
+            <a:r>
+              <a:rPr lang="en-US" baseline="0" dirty="0" smtClean="0"/>
+              <a:t>.</a:t>
+            </a:r>
+          </a:p>
+          <a:p>
+            <a:r>
+              <a:rPr lang="en-US" baseline="0" dirty="0" smtClean="0"/>
+              <a:t>When you were doing select statements, I’m sure you noticed that you ended up with columns with numbers.</a:t>
+            </a:r>
+            <a:r>
+              <a:rPr lang="en-US" baseline="0" dirty="0"/>
+              <a:t> </a:t>
+            </a:r>
+            <a:r>
+              <a:rPr lang="en-US" baseline="0" dirty="0" smtClean="0"/>
+              <a:t> This will join the tables, and replace the numbers with the information.</a:t>
+            </a:r>
+          </a:p>
+          <a:p>
+            <a:r>
+              <a:rPr lang="en-US" baseline="0" dirty="0" smtClean="0"/>
+              <a:t>The order of the tables doesn’t matter, but as a beginner I would just always keep the order the same. I makes it easier.</a:t>
+            </a:r>
           </a:p>
         </p:txBody>
       </p:sp>
@@ -1573,7 +1617,7 @@
           <a:p>
             <a:fld id="{ACD478D8-D3E8-45D7-819A-1AB803E1BBA9}" type="slidenum">
               <a:rPr lang="en-US" smtClean="0"/>
-              <a:t>24</a:t>
+              <a:t>25</a:t>
             </a:fld>
             <a:endParaRPr lang="en-US"/>
           </a:p>
@@ -1582,7 +1626,7 @@
     </p:spTree>
     <p:extLst>
       <p:ext uri="{BB962C8B-B14F-4D97-AF65-F5344CB8AC3E}">
-        <p14:creationId xmlns:p14="http://schemas.microsoft.com/office/powerpoint/2010/main" val="1941331614"/>
+        <p14:creationId xmlns:p14="http://schemas.microsoft.com/office/powerpoint/2010/main" val="2479188232"/>
       </p:ext>
     </p:extLst>
   </p:cSld>
@@ -1665,7 +1709,7 @@
           <a:p>
             <a:fld id="{ACD478D8-D3E8-45D7-819A-1AB803E1BBA9}" type="slidenum">
               <a:rPr lang="en-US" smtClean="0"/>
-              <a:t>3</a:t>
+              <a:t>4</a:t>
             </a:fld>
             <a:endParaRPr lang="en-US"/>
           </a:p>
@@ -1728,13 +1772,541 @@
           <a:bodyPr/>
           <a:lstStyle/>
           <a:p>
+            <a:endParaRPr lang="en-US" dirty="0"/>
+          </a:p>
+        </p:txBody>
+      </p:sp>
+      <p:sp>
+        <p:nvSpPr>
+          <p:cNvPr id="4" name="Slide Number Placeholder 3"/>
+          <p:cNvSpPr>
+            <a:spLocks noGrp="1"/>
+          </p:cNvSpPr>
+          <p:nvPr>
+            <p:ph type="sldNum" sz="quarter" idx="10"/>
+          </p:nvPr>
+        </p:nvSpPr>
+        <p:spPr/>
+        <p:txBody>
+          <a:bodyPr/>
+          <a:lstStyle/>
+          <a:p>
+            <a:fld id="{ACD478D8-D3E8-45D7-819A-1AB803E1BBA9}" type="slidenum">
+              <a:rPr lang="en-US" smtClean="0"/>
+              <a:t>26</a:t>
+            </a:fld>
+            <a:endParaRPr lang="en-US"/>
+          </a:p>
+        </p:txBody>
+      </p:sp>
+    </p:spTree>
+    <p:extLst>
+      <p:ext uri="{BB962C8B-B14F-4D97-AF65-F5344CB8AC3E}">
+        <p14:creationId xmlns:p14="http://schemas.microsoft.com/office/powerpoint/2010/main" val="4281751165"/>
+      </p:ext>
+    </p:extLst>
+  </p:cSld>
+  <p:clrMapOvr>
+    <a:masterClrMapping/>
+  </p:clrMapOvr>
+</p:notes>
+</file>
+
+<file path=ppt/notesSlides/notesSlide21.xml><?xml version="1.0" encoding="utf-8"?>
+<p:notes xmlns:a="http://schemas.openxmlformats.org/drawingml/2006/main" xmlns:r="http://schemas.openxmlformats.org/officeDocument/2006/relationships" xmlns:p="http://schemas.openxmlformats.org/presentationml/2006/main">
+  <p:cSld>
+    <p:spTree>
+      <p:nvGrpSpPr>
+        <p:cNvPr id="1" name=""/>
+        <p:cNvGrpSpPr/>
+        <p:nvPr/>
+      </p:nvGrpSpPr>
+      <p:grpSpPr>
+        <a:xfrm>
+          <a:off x="0" y="0"/>
+          <a:ext cx="0" cy="0"/>
+          <a:chOff x="0" y="0"/>
+          <a:chExt cx="0" cy="0"/>
+        </a:xfrm>
+      </p:grpSpPr>
+      <p:sp>
+        <p:nvSpPr>
+          <p:cNvPr id="2" name="Slide Image Placeholder 1"/>
+          <p:cNvSpPr>
+            <a:spLocks noGrp="1" noRot="1" noChangeAspect="1"/>
+          </p:cNvSpPr>
+          <p:nvPr>
+            <p:ph type="sldImg"/>
+          </p:nvPr>
+        </p:nvSpPr>
+        <p:spPr/>
+      </p:sp>
+      <p:sp>
+        <p:nvSpPr>
+          <p:cNvPr id="3" name="Notes Placeholder 2"/>
+          <p:cNvSpPr>
+            <a:spLocks noGrp="1"/>
+          </p:cNvSpPr>
+          <p:nvPr>
+            <p:ph type="body" idx="1"/>
+          </p:nvPr>
+        </p:nvSpPr>
+        <p:spPr/>
+        <p:txBody>
+          <a:bodyPr/>
+          <a:lstStyle/>
+          <a:p>
+            <a:r>
+              <a:rPr lang="en-US" dirty="0" smtClean="0"/>
+              <a:t>Let’s take a 10 min break here. </a:t>
+            </a:r>
+            <a:endParaRPr lang="en-US" dirty="0"/>
+          </a:p>
+        </p:txBody>
+      </p:sp>
+      <p:sp>
+        <p:nvSpPr>
+          <p:cNvPr id="4" name="Slide Number Placeholder 3"/>
+          <p:cNvSpPr>
+            <a:spLocks noGrp="1"/>
+          </p:cNvSpPr>
+          <p:nvPr>
+            <p:ph type="sldNum" sz="quarter" idx="10"/>
+          </p:nvPr>
+        </p:nvSpPr>
+        <p:spPr/>
+        <p:txBody>
+          <a:bodyPr/>
+          <a:lstStyle/>
+          <a:p>
+            <a:fld id="{ACD478D8-D3E8-45D7-819A-1AB803E1BBA9}" type="slidenum">
+              <a:rPr lang="en-US" smtClean="0"/>
+              <a:t>27</a:t>
+            </a:fld>
+            <a:endParaRPr lang="en-US"/>
+          </a:p>
+        </p:txBody>
+      </p:sp>
+    </p:spTree>
+    <p:extLst>
+      <p:ext uri="{BB962C8B-B14F-4D97-AF65-F5344CB8AC3E}">
+        <p14:creationId xmlns:p14="http://schemas.microsoft.com/office/powerpoint/2010/main" val="1048633721"/>
+      </p:ext>
+    </p:extLst>
+  </p:cSld>
+  <p:clrMapOvr>
+    <a:masterClrMapping/>
+  </p:clrMapOvr>
+</p:notes>
+</file>
+
+<file path=ppt/notesSlides/notesSlide22.xml><?xml version="1.0" encoding="utf-8"?>
+<p:notes xmlns:a="http://schemas.openxmlformats.org/drawingml/2006/main" xmlns:r="http://schemas.openxmlformats.org/officeDocument/2006/relationships" xmlns:p="http://schemas.openxmlformats.org/presentationml/2006/main">
+  <p:cSld>
+    <p:spTree>
+      <p:nvGrpSpPr>
+        <p:cNvPr id="1" name=""/>
+        <p:cNvGrpSpPr/>
+        <p:nvPr/>
+      </p:nvGrpSpPr>
+      <p:grpSpPr>
+        <a:xfrm>
+          <a:off x="0" y="0"/>
+          <a:ext cx="0" cy="0"/>
+          <a:chOff x="0" y="0"/>
+          <a:chExt cx="0" cy="0"/>
+        </a:xfrm>
+      </p:grpSpPr>
+      <p:sp>
+        <p:nvSpPr>
+          <p:cNvPr id="2" name="Slide Image Placeholder 1"/>
+          <p:cNvSpPr>
+            <a:spLocks noGrp="1" noRot="1" noChangeAspect="1"/>
+          </p:cNvSpPr>
+          <p:nvPr>
+            <p:ph type="sldImg"/>
+          </p:nvPr>
+        </p:nvSpPr>
+        <p:spPr/>
+      </p:sp>
+      <p:sp>
+        <p:nvSpPr>
+          <p:cNvPr id="3" name="Notes Placeholder 2"/>
+          <p:cNvSpPr>
+            <a:spLocks noGrp="1"/>
+          </p:cNvSpPr>
+          <p:nvPr>
+            <p:ph type="body" idx="1"/>
+          </p:nvPr>
+        </p:nvSpPr>
+        <p:spPr/>
+        <p:txBody>
+          <a:bodyPr/>
+          <a:lstStyle/>
+          <a:p>
+            <a:r>
+              <a:rPr lang="en-US" dirty="0" smtClean="0"/>
+              <a:t>The first step,</a:t>
+            </a:r>
+            <a:r>
+              <a:rPr lang="en-US" baseline="0" dirty="0" smtClean="0"/>
+              <a:t> and arguably the most important step, </a:t>
+            </a:r>
+            <a:r>
+              <a:rPr lang="en-US" dirty="0" smtClean="0"/>
+              <a:t> in creating a database is planning.</a:t>
+            </a:r>
+            <a:endParaRPr lang="en-US" dirty="0"/>
+          </a:p>
+        </p:txBody>
+      </p:sp>
+      <p:sp>
+        <p:nvSpPr>
+          <p:cNvPr id="4" name="Slide Number Placeholder 3"/>
+          <p:cNvSpPr>
+            <a:spLocks noGrp="1"/>
+          </p:cNvSpPr>
+          <p:nvPr>
+            <p:ph type="sldNum" sz="quarter" idx="10"/>
+          </p:nvPr>
+        </p:nvSpPr>
+        <p:spPr/>
+        <p:txBody>
+          <a:bodyPr/>
+          <a:lstStyle/>
+          <a:p>
+            <a:fld id="{ACD478D8-D3E8-45D7-819A-1AB803E1BBA9}" type="slidenum">
+              <a:rPr lang="en-US" smtClean="0"/>
+              <a:t>28</a:t>
+            </a:fld>
+            <a:endParaRPr lang="en-US"/>
+          </a:p>
+        </p:txBody>
+      </p:sp>
+    </p:spTree>
+    <p:extLst>
+      <p:ext uri="{BB962C8B-B14F-4D97-AF65-F5344CB8AC3E}">
+        <p14:creationId xmlns:p14="http://schemas.microsoft.com/office/powerpoint/2010/main" val="2318525552"/>
+      </p:ext>
+    </p:extLst>
+  </p:cSld>
+  <p:clrMapOvr>
+    <a:masterClrMapping/>
+  </p:clrMapOvr>
+</p:notes>
+</file>
+
+<file path=ppt/notesSlides/notesSlide23.xml><?xml version="1.0" encoding="utf-8"?>
+<p:notes xmlns:a="http://schemas.openxmlformats.org/drawingml/2006/main" xmlns:r="http://schemas.openxmlformats.org/officeDocument/2006/relationships" xmlns:p="http://schemas.openxmlformats.org/presentationml/2006/main">
+  <p:cSld>
+    <p:spTree>
+      <p:nvGrpSpPr>
+        <p:cNvPr id="1" name=""/>
+        <p:cNvGrpSpPr/>
+        <p:nvPr/>
+      </p:nvGrpSpPr>
+      <p:grpSpPr>
+        <a:xfrm>
+          <a:off x="0" y="0"/>
+          <a:ext cx="0" cy="0"/>
+          <a:chOff x="0" y="0"/>
+          <a:chExt cx="0" cy="0"/>
+        </a:xfrm>
+      </p:grpSpPr>
+      <p:sp>
+        <p:nvSpPr>
+          <p:cNvPr id="2" name="Slide Image Placeholder 1"/>
+          <p:cNvSpPr>
+            <a:spLocks noGrp="1" noRot="1" noChangeAspect="1"/>
+          </p:cNvSpPr>
+          <p:nvPr>
+            <p:ph type="sldImg"/>
+          </p:nvPr>
+        </p:nvSpPr>
+        <p:spPr/>
+      </p:sp>
+      <p:sp>
+        <p:nvSpPr>
+          <p:cNvPr id="3" name="Notes Placeholder 2"/>
+          <p:cNvSpPr>
+            <a:spLocks noGrp="1"/>
+          </p:cNvSpPr>
+          <p:nvPr>
+            <p:ph type="body" idx="1"/>
+          </p:nvPr>
+        </p:nvSpPr>
+        <p:spPr/>
+        <p:txBody>
+          <a:bodyPr/>
+          <a:lstStyle/>
+          <a:p>
+            <a:r>
+              <a:rPr lang="en-US" dirty="0" smtClean="0"/>
+              <a:t>I’m going to do this on the white</a:t>
+            </a:r>
+            <a:r>
+              <a:rPr lang="en-US" baseline="0" dirty="0" smtClean="0"/>
+              <a:t> board, because there is no right answer, and ultimately what information you want to manage depends on what you are going to be using it for.  I’ve prepared slides on what I think it should look like, but feel free to personalize at this point.</a:t>
+            </a:r>
+          </a:p>
+          <a:p>
+            <a:r>
+              <a:rPr lang="en-US" baseline="0" dirty="0" smtClean="0"/>
+              <a:t>For my example I am going to say that I am a business that offers 2 services.  Service A and Service B.</a:t>
+            </a:r>
+          </a:p>
+          <a:p>
+            <a:r>
+              <a:rPr lang="en-US" baseline="0" dirty="0" smtClean="0"/>
+              <a:t>And I have clients that are part of larger companies.</a:t>
+            </a:r>
+          </a:p>
+          <a:p>
+            <a:endParaRPr lang="en-US" baseline="0" dirty="0" smtClean="0"/>
+          </a:p>
+          <a:p>
+            <a:pPr marL="171450" indent="-171450">
+              <a:buFont typeface="Arial" panose="020B0604020202020204" pitchFamily="34" charset="0"/>
+              <a:buChar char="•"/>
+            </a:pPr>
+            <a:r>
+              <a:rPr lang="en-US" baseline="0" dirty="0" smtClean="0"/>
+              <a:t>Before we start, a good indicator if something should be it’s own table is if we have to repeat that information.  A well designed database should not have any redundancy.</a:t>
+            </a:r>
+          </a:p>
+          <a:p>
+            <a:pPr marL="171450" indent="-171450">
+              <a:buFont typeface="Arial" panose="020B0604020202020204" pitchFamily="34" charset="0"/>
+              <a:buChar char="•"/>
+            </a:pPr>
+            <a:endParaRPr lang="en-US" baseline="0" dirty="0" smtClean="0"/>
+          </a:p>
+          <a:p>
+            <a:pPr marL="171450" indent="-171450">
+              <a:buFont typeface="Arial" panose="020B0604020202020204" pitchFamily="34" charset="0"/>
+              <a:buChar char="•"/>
+            </a:pPr>
+            <a:endParaRPr lang="en-US" baseline="0" dirty="0" smtClean="0"/>
+          </a:p>
+          <a:p>
+            <a:r>
+              <a:rPr lang="en-US" baseline="0" dirty="0" smtClean="0"/>
+              <a:t>Since </a:t>
+            </a:r>
+            <a:r>
+              <a:rPr lang="en-US" baseline="0" dirty="0" smtClean="0"/>
+              <a:t>this is a client information database, let’s start with Client information table.</a:t>
+            </a:r>
+          </a:p>
+          <a:p>
+            <a:r>
+              <a:rPr lang="en-US" baseline="0" dirty="0" smtClean="0"/>
+              <a:t>Automatically, I add the Primary Key id.  </a:t>
+            </a:r>
+            <a:endParaRPr lang="en-US" baseline="0" dirty="0" smtClean="0"/>
+          </a:p>
+          <a:p>
+            <a:r>
+              <a:rPr lang="en-US" baseline="0" dirty="0" smtClean="0"/>
+              <a:t>* </a:t>
+            </a:r>
+            <a:r>
+              <a:rPr lang="en-US" baseline="0" dirty="0" smtClean="0"/>
+              <a:t>this doesn’t have to be called id, there are quite a few “best practices scheme” and ultimately you just want to be consistent</a:t>
+            </a:r>
+          </a:p>
+          <a:p>
+            <a:endParaRPr lang="en-US" dirty="0"/>
+          </a:p>
+        </p:txBody>
+      </p:sp>
+      <p:sp>
+        <p:nvSpPr>
+          <p:cNvPr id="4" name="Slide Number Placeholder 3"/>
+          <p:cNvSpPr>
+            <a:spLocks noGrp="1"/>
+          </p:cNvSpPr>
+          <p:nvPr>
+            <p:ph type="sldNum" sz="quarter" idx="10"/>
+          </p:nvPr>
+        </p:nvSpPr>
+        <p:spPr/>
+        <p:txBody>
+          <a:bodyPr/>
+          <a:lstStyle/>
+          <a:p>
+            <a:fld id="{ACD478D8-D3E8-45D7-819A-1AB803E1BBA9}" type="slidenum">
+              <a:rPr lang="en-US" smtClean="0"/>
+              <a:t>29</a:t>
+            </a:fld>
+            <a:endParaRPr lang="en-US"/>
+          </a:p>
+        </p:txBody>
+      </p:sp>
+    </p:spTree>
+    <p:extLst>
+      <p:ext uri="{BB962C8B-B14F-4D97-AF65-F5344CB8AC3E}">
+        <p14:creationId xmlns:p14="http://schemas.microsoft.com/office/powerpoint/2010/main" val="4219943113"/>
+      </p:ext>
+    </p:extLst>
+  </p:cSld>
+  <p:clrMapOvr>
+    <a:masterClrMapping/>
+  </p:clrMapOvr>
+</p:notes>
+</file>
+
+<file path=ppt/notesSlides/notesSlide24.xml><?xml version="1.0" encoding="utf-8"?>
+<p:notes xmlns:a="http://schemas.openxmlformats.org/drawingml/2006/main" xmlns:r="http://schemas.openxmlformats.org/officeDocument/2006/relationships" xmlns:p="http://schemas.openxmlformats.org/presentationml/2006/main">
+  <p:cSld>
+    <p:spTree>
+      <p:nvGrpSpPr>
+        <p:cNvPr id="1" name=""/>
+        <p:cNvGrpSpPr/>
+        <p:nvPr/>
+      </p:nvGrpSpPr>
+      <p:grpSpPr>
+        <a:xfrm>
+          <a:off x="0" y="0"/>
+          <a:ext cx="0" cy="0"/>
+          <a:chOff x="0" y="0"/>
+          <a:chExt cx="0" cy="0"/>
+        </a:xfrm>
+      </p:grpSpPr>
+      <p:sp>
+        <p:nvSpPr>
+          <p:cNvPr id="2" name="Slide Image Placeholder 1"/>
+          <p:cNvSpPr>
+            <a:spLocks noGrp="1" noRot="1" noChangeAspect="1"/>
+          </p:cNvSpPr>
+          <p:nvPr>
+            <p:ph type="sldImg"/>
+          </p:nvPr>
+        </p:nvSpPr>
+        <p:spPr/>
+      </p:sp>
+      <p:sp>
+        <p:nvSpPr>
+          <p:cNvPr id="3" name="Notes Placeholder 2"/>
+          <p:cNvSpPr>
+            <a:spLocks noGrp="1"/>
+          </p:cNvSpPr>
+          <p:nvPr>
+            <p:ph type="body" idx="1"/>
+          </p:nvPr>
+        </p:nvSpPr>
+        <p:spPr/>
+        <p:txBody>
+          <a:bodyPr/>
+          <a:lstStyle/>
+          <a:p>
+            <a:r>
+              <a:rPr lang="en-US" dirty="0" smtClean="0"/>
+              <a:t>So</a:t>
+            </a:r>
+            <a:r>
+              <a:rPr lang="en-US" baseline="0" dirty="0" smtClean="0"/>
+              <a:t> using what we learned earlier create these four tables</a:t>
+            </a:r>
+            <a:endParaRPr lang="en-US" dirty="0"/>
+          </a:p>
+        </p:txBody>
+      </p:sp>
+      <p:sp>
+        <p:nvSpPr>
+          <p:cNvPr id="4" name="Slide Number Placeholder 3"/>
+          <p:cNvSpPr>
+            <a:spLocks noGrp="1"/>
+          </p:cNvSpPr>
+          <p:nvPr>
+            <p:ph type="sldNum" sz="quarter" idx="10"/>
+          </p:nvPr>
+        </p:nvSpPr>
+        <p:spPr/>
+        <p:txBody>
+          <a:bodyPr/>
+          <a:lstStyle/>
+          <a:p>
+            <a:fld id="{ACD478D8-D3E8-45D7-819A-1AB803E1BBA9}" type="slidenum">
+              <a:rPr lang="en-US" smtClean="0"/>
+              <a:t>30</a:t>
+            </a:fld>
+            <a:endParaRPr lang="en-US"/>
+          </a:p>
+        </p:txBody>
+      </p:sp>
+    </p:spTree>
+    <p:extLst>
+      <p:ext uri="{BB962C8B-B14F-4D97-AF65-F5344CB8AC3E}">
+        <p14:creationId xmlns:p14="http://schemas.microsoft.com/office/powerpoint/2010/main" val="1941331614"/>
+      </p:ext>
+    </p:extLst>
+  </p:cSld>
+  <p:clrMapOvr>
+    <a:masterClrMapping/>
+  </p:clrMapOvr>
+</p:notes>
+</file>
+
+<file path=ppt/notesSlides/notesSlide25.xml><?xml version="1.0" encoding="utf-8"?>
+<p:notes xmlns:a="http://schemas.openxmlformats.org/drawingml/2006/main" xmlns:r="http://schemas.openxmlformats.org/officeDocument/2006/relationships" xmlns:p="http://schemas.openxmlformats.org/presentationml/2006/main">
+  <p:cSld>
+    <p:spTree>
+      <p:nvGrpSpPr>
+        <p:cNvPr id="1" name=""/>
+        <p:cNvGrpSpPr/>
+        <p:nvPr/>
+      </p:nvGrpSpPr>
+      <p:grpSpPr>
+        <a:xfrm>
+          <a:off x="0" y="0"/>
+          <a:ext cx="0" cy="0"/>
+          <a:chOff x="0" y="0"/>
+          <a:chExt cx="0" cy="0"/>
+        </a:xfrm>
+      </p:grpSpPr>
+      <p:sp>
+        <p:nvSpPr>
+          <p:cNvPr id="2" name="Slide Image Placeholder 1"/>
+          <p:cNvSpPr>
+            <a:spLocks noGrp="1" noRot="1" noChangeAspect="1"/>
+          </p:cNvSpPr>
+          <p:nvPr>
+            <p:ph type="sldImg"/>
+          </p:nvPr>
+        </p:nvSpPr>
+        <p:spPr/>
+      </p:sp>
+      <p:sp>
+        <p:nvSpPr>
+          <p:cNvPr id="3" name="Notes Placeholder 2"/>
+          <p:cNvSpPr>
+            <a:spLocks noGrp="1"/>
+          </p:cNvSpPr>
+          <p:nvPr>
+            <p:ph type="body" idx="1"/>
+          </p:nvPr>
+        </p:nvSpPr>
+        <p:spPr/>
+        <p:txBody>
+          <a:bodyPr/>
+          <a:lstStyle/>
+          <a:p>
             <a:r>
               <a:rPr lang="en-US" dirty="0" smtClean="0"/>
               <a:t>This is just to practice the</a:t>
             </a:r>
             <a:r>
               <a:rPr lang="en-US" baseline="0" dirty="0" smtClean="0"/>
-              <a:t> different ways of getting information,  I suggest doing the Client information last, because you need to know the Foreign Keys.  The command stays, so you can also only change the name.  You really only need a few rows for company and client information.  </a:t>
+              <a:t> different ways of getting </a:t>
+            </a:r>
+            <a:r>
+              <a:rPr lang="en-US" baseline="0" dirty="0" smtClean="0"/>
+              <a:t>information into the database,  </a:t>
+            </a:r>
+            <a:r>
+              <a:rPr lang="en-US" baseline="0" dirty="0" smtClean="0"/>
+              <a:t>I suggest doing the Client information last, because you need to know the Foreign Keys.  The command stays, so you can also only change the name.  You really only need a few rows for company and client information.  </a:t>
             </a:r>
             <a:endParaRPr lang="en-US" dirty="0"/>
           </a:p>
@@ -1757,7 +2329,7 @@
           <a:p>
             <a:fld id="{ACD478D8-D3E8-45D7-819A-1AB803E1BBA9}" type="slidenum">
               <a:rPr lang="en-US" smtClean="0"/>
-              <a:t>25</a:t>
+              <a:t>31</a:t>
             </a:fld>
             <a:endParaRPr lang="en-US"/>
           </a:p>
@@ -1831,19 +2403,11 @@
           <a:p>
             <a:r>
               <a:rPr lang="en-US" dirty="0" smtClean="0"/>
-              <a:t>This </a:t>
-            </a:r>
-            <a:r>
-              <a:rPr lang="en-US" dirty="0" smtClean="0"/>
-              <a:t>table is pretty clear,</a:t>
+              <a:t>This table is pretty clear,</a:t>
             </a:r>
             <a:r>
               <a:rPr lang="en-US" baseline="0" dirty="0" smtClean="0"/>
-              <a:t> and you can see all the information and it would be pretty fast for you to scan it and find: 1) all the songs released in 2007 or 2) all the songs that are </a:t>
-            </a:r>
-            <a:r>
-              <a:rPr lang="en-US" baseline="0" dirty="0" smtClean="0"/>
-              <a:t>for kids and written by </a:t>
+              <a:t> and you can see all the information and it would be pretty fast for you to scan it and find: 1) all the songs released in 2007 or 2) all the songs that are for kids and written by </a:t>
             </a:r>
             <a:r>
               <a:rPr lang="en-US" baseline="0" dirty="0" err="1" smtClean="0"/>
@@ -1854,31 +2418,7 @@
           <a:p>
             <a:r>
               <a:rPr lang="en-US" baseline="0" dirty="0" smtClean="0"/>
-              <a:t>Now imagine there are 100 songs in this table.   You could use the find function and </a:t>
-            </a:r>
-            <a:r>
-              <a:rPr lang="en-US" baseline="0" dirty="0" smtClean="0"/>
-              <a:t>easily </a:t>
-            </a:r>
-            <a:r>
-              <a:rPr lang="en-US" baseline="0" dirty="0" smtClean="0"/>
-              <a:t>see all the songs released in </a:t>
-            </a:r>
-            <a:r>
-              <a:rPr lang="en-US" baseline="0" dirty="0" smtClean="0"/>
-              <a:t>2015, </a:t>
-            </a:r>
-            <a:r>
-              <a:rPr lang="en-US" baseline="0" dirty="0" smtClean="0"/>
-              <a:t>but going through and looking at all the </a:t>
-            </a:r>
-            <a:r>
-              <a:rPr lang="en-US" baseline="0" dirty="0" smtClean="0"/>
-              <a:t>hip-hop </a:t>
-            </a:r>
-            <a:r>
-              <a:rPr lang="en-US" baseline="0" dirty="0" smtClean="0"/>
-              <a:t>songs, and then checking to see if there were written by Macklemore, would be a pain.</a:t>
+              <a:t>Now imagine there are 100 songs in this table.   You could use the find function and easily see all the songs released in 2015, but going through and looking at all the hip-hop songs, and then checking to see if there were written by Macklemore, would be a pain.</a:t>
             </a:r>
           </a:p>
           <a:p>
@@ -1907,7 +2447,7 @@
           <a:p>
             <a:fld id="{ACD478D8-D3E8-45D7-819A-1AB803E1BBA9}" type="slidenum">
               <a:rPr lang="en-US" smtClean="0"/>
-              <a:t>4</a:t>
+              <a:t>5</a:t>
             </a:fld>
             <a:endParaRPr lang="en-US"/>
           </a:p>
@@ -1976,11 +2516,7 @@
             </a:r>
             <a:r>
               <a:rPr lang="en-US" baseline="0" dirty="0" smtClean="0"/>
-              <a:t> databases work by actually splitting up the data into individual tables.  And instead of one table referencing a lot of different data, you have a lot of different tables that reference each other. </a:t>
-            </a:r>
-            <a:r>
-              <a:rPr lang="en-US" baseline="0" dirty="0" smtClean="0"/>
-              <a:t>  For a little bit of data, this is a lot of work for nothing.  But for a LOT of data, this system eliminates redundancy (you only need to type Prince once, for all the songs he’s done.  And because they are related by numbers, the database system can find things very fast, and also give very detailed and complicated search results FAST.</a:t>
+              <a:t> databases work by actually splitting up the data into individual tables.  And instead of one table referencing a lot of different data, you have a lot of different tables that reference each other.   For a little bit of data, this is a lot of work for nothing.  But for a LOT of data, this system eliminates redundancy (you only need to type Prince once, for all the songs he’s done.  And because they are related by numbers, the database system can find things very fast, and also give very detailed and complicated search results FAST.</a:t>
             </a:r>
             <a:endParaRPr lang="en-US" dirty="0"/>
           </a:p>
@@ -2003,7 +2539,7 @@
           <a:p>
             <a:fld id="{ACD478D8-D3E8-45D7-819A-1AB803E1BBA9}" type="slidenum">
               <a:rPr lang="en-US" smtClean="0"/>
-              <a:t>5</a:t>
+              <a:t>6</a:t>
             </a:fld>
             <a:endParaRPr lang="en-US"/>
           </a:p>
@@ -2078,34 +2614,71 @@
           <a:p>
             <a:r>
               <a:rPr lang="en-US" baseline="0" dirty="0" smtClean="0"/>
-              <a:t>You might have also noticed, how when you use this system you don’t need to re-enter information.  In the excel table, I had to write the same album name, artist, and genre many different times, but here you can just use the number.  For this beginning class, we are going to physically type in the number, but know that all of that data input, and perhaps more importantly data updates is </a:t>
+              <a:t>You might have also noticed, </a:t>
+            </a:r>
+            <a:r>
+              <a:rPr lang="en-US" baseline="0" dirty="0" smtClean="0"/>
+              <a:t>when </a:t>
+            </a:r>
+            <a:r>
+              <a:rPr lang="en-US" baseline="0" dirty="0" smtClean="0"/>
+              <a:t>you use this system you don’t need to re-enter information.  In the excel table, I had to write the same album name, artist, and genre many different times, but here you can just use the number.  For this beginning class, we are going to physically type in the </a:t>
+            </a:r>
+            <a:r>
+              <a:rPr lang="en-US" baseline="0" dirty="0" smtClean="0"/>
+              <a:t>primary and foreign keys, </a:t>
+            </a:r>
+            <a:r>
+              <a:rPr lang="en-US" baseline="0" dirty="0" smtClean="0"/>
+              <a:t>but know that all of that data input, and perhaps more importantly data updates is </a:t>
+            </a:r>
+            <a:r>
+              <a:rPr lang="en-US" baseline="0" dirty="0" smtClean="0"/>
+              <a:t>usually </a:t>
+            </a:r>
+            <a:r>
+              <a:rPr lang="en-US" baseline="0" dirty="0" smtClean="0"/>
+              <a:t>handled automatically by some other program.  PHP is really common when you are talking about website databases, python or R can be used when you are doing “Big Data Analysis”, probably every language has the ability to interface with databases, which is why we are not going to focus on that for this class.  </a:t>
+            </a:r>
+          </a:p>
+          <a:p>
+            <a:endParaRPr lang="en-US" baseline="0" dirty="0" smtClean="0"/>
+          </a:p>
+          <a:p>
+            <a:r>
+              <a:rPr lang="en-US" baseline="0" dirty="0" smtClean="0"/>
+              <a:t>Title is a column in the Songs table, this is also called a Field.</a:t>
+            </a:r>
+          </a:p>
+          <a:p>
+            <a:endParaRPr lang="en-US" baseline="0" dirty="0" smtClean="0"/>
+          </a:p>
+          <a:p>
+            <a:r>
+              <a:rPr lang="en-US" baseline="0" dirty="0" smtClean="0"/>
+              <a:t>Foreign keys are the ID number </a:t>
+            </a:r>
+            <a:r>
+              <a:rPr lang="en-US" baseline="0" dirty="0" smtClean="0"/>
+              <a:t>from </a:t>
+            </a:r>
+            <a:r>
+              <a:rPr lang="en-US" baseline="0" dirty="0" smtClean="0"/>
+              <a:t>other tables, this is </a:t>
+            </a:r>
+            <a:r>
+              <a:rPr lang="en-US" baseline="0" dirty="0" smtClean="0"/>
+              <a:t>how the DB understands how the tables relate to </a:t>
             </a:r>
             <a:r>
               <a:rPr lang="en-US" baseline="0" dirty="0" err="1" smtClean="0"/>
-              <a:t>usally</a:t>
-            </a:r>
-            <a:r>
-              <a:rPr lang="en-US" baseline="0" dirty="0" smtClean="0"/>
-              <a:t> handled automatically by some other program.  PHP is really common when you are talking about website databases, python or R can be used when you are doing “Big Data Analysis”, probably every language has the ability to interface with databases, which is why we are not going to focus on that for this class.  </a:t>
-            </a:r>
-            <a:endParaRPr lang="en-US" baseline="0" dirty="0" smtClean="0"/>
-          </a:p>
-          <a:p>
-            <a:endParaRPr lang="en-US" baseline="0" dirty="0" smtClean="0"/>
-          </a:p>
-          <a:p>
-            <a:r>
-              <a:rPr lang="en-US" baseline="0" dirty="0" smtClean="0"/>
-              <a:t>Foreign keys are the ID number for other tables, this is the relationship part of a </a:t>
-            </a:r>
-            <a:r>
-              <a:rPr lang="en-US" baseline="0" dirty="0" err="1" smtClean="0"/>
-              <a:t>RDB</a:t>
+              <a:t>eachother</a:t>
             </a:r>
             <a:r>
               <a:rPr lang="en-US" baseline="0" dirty="0" smtClean="0"/>
               <a:t>.  </a:t>
             </a:r>
+            <a:endParaRPr lang="en-US" baseline="0" dirty="0" smtClean="0"/>
           </a:p>
           <a:p>
             <a:endParaRPr lang="en-US" baseline="0" dirty="0" smtClean="0"/>
@@ -2132,7 +2705,7 @@
           <a:p>
             <a:fld id="{ACD478D8-D3E8-45D7-819A-1AB803E1BBA9}" type="slidenum">
               <a:rPr lang="en-US" smtClean="0"/>
-              <a:t>6</a:t>
+              <a:t>7</a:t>
             </a:fld>
             <a:endParaRPr lang="en-US"/>
           </a:p>
@@ -2236,7 +2809,7 @@
           <a:p>
             <a:fld id="{ACD478D8-D3E8-45D7-819A-1AB803E1BBA9}" type="slidenum">
               <a:rPr lang="en-US" smtClean="0"/>
-              <a:t>7</a:t>
+              <a:t>8</a:t>
             </a:fld>
             <a:endParaRPr lang="en-US"/>
           </a:p>
@@ -2305,15 +2878,7 @@
             </a:r>
             <a:r>
               <a:rPr lang="en-US" baseline="0" dirty="0" smtClean="0"/>
-              <a:t> in existence</a:t>
-            </a:r>
-            <a:r>
-              <a:rPr lang="en-US" baseline="0" dirty="0" smtClean="0"/>
-              <a:t>), but they are not the only game in town.  Downsides:  </a:t>
-            </a:r>
-            <a:r>
-              <a:rPr lang="en-US" baseline="0" dirty="0" smtClean="0"/>
-              <a:t>1) you need to plan your database out first,  you need to figure out all the tables and how they are going to connect BEFORE you put any data in.  Adding tables and subtracting tables as you go is possible, but a lot of work and you run the risk of making the whole thing unstable.   There are other downsides, and if you are interested in that you can go to this website, which gives a pretty good point by point comparison. http://dataconomy.com/sql-vs-nosql-need-know/</a:t>
+              <a:t> in existence), but they are not the only game in town.  Downsides:  1) you need to plan your database out first,  you need to figure out all the tables and how they are going to connect BEFORE you put any data in.  Adding tables and subtracting tables as you go is possible, but a lot of work and you run the risk of making the whole thing unstable.   There are other downsides, and if you are interested in that you can go to this website, which gives a pretty good point by point comparison. http://dataconomy.com/sql-vs-nosql-need-know/</a:t>
             </a:r>
           </a:p>
           <a:p>
@@ -2364,7 +2929,7 @@
           <a:p>
             <a:fld id="{ACD478D8-D3E8-45D7-819A-1AB803E1BBA9}" type="slidenum">
               <a:rPr lang="en-US" smtClean="0"/>
-              <a:t>8</a:t>
+              <a:t>9</a:t>
             </a:fld>
             <a:endParaRPr lang="en-US"/>
           </a:p>
@@ -2445,19 +3010,19 @@
                 <a:ea typeface="+mn-ea"/>
                 <a:cs typeface="+mn-cs"/>
               </a:rPr>
-              <a:t>Structured Query Language</a:t>
-            </a:r>
-            <a:r>
-              <a:rPr lang="en-US" baseline="0" dirty="0" smtClean="0"/>
-              <a:t>   As I’ve said SQL is industry standard so the main functions CRUD should work for any </a:t>
-            </a:r>
-            <a:r>
-              <a:rPr lang="en-US" baseline="0" dirty="0" err="1" smtClean="0"/>
-              <a:t>RDMS</a:t>
-            </a:r>
-            <a:r>
-              <a:rPr lang="en-US" baseline="0" dirty="0" smtClean="0"/>
-              <a:t>, however companies like to be clever so some of the other more complex commands like JOIN (we will go over later) have some variation system to system.</a:t>
+              <a:t>Structured Query Language.  We</a:t>
+            </a:r>
+            <a:r>
+              <a:rPr lang="en-US" sz="1200" b="0" i="0" kern="1200" baseline="0" dirty="0" smtClean="0">
+                <a:solidFill>
+                  <a:schemeClr val="tx1"/>
+                </a:solidFill>
+                <a:effectLst/>
+                <a:latin typeface="+mn-lt"/>
+                <a:ea typeface="+mn-ea"/>
+                <a:cs typeface="+mn-cs"/>
+              </a:rPr>
+              <a:t> are not going into the last two items, but I wanted to make you aware of them.</a:t>
             </a:r>
             <a:endParaRPr lang="en-US" dirty="0"/>
           </a:p>
@@ -2480,7 +3045,7 @@
           <a:p>
             <a:fld id="{ACD478D8-D3E8-45D7-819A-1AB803E1BBA9}" type="slidenum">
               <a:rPr lang="en-US" smtClean="0"/>
-              <a:t>9</a:t>
+              <a:t>10</a:t>
             </a:fld>
             <a:endParaRPr lang="en-US"/>
           </a:p>
@@ -2489,7 +3054,7 @@
     </p:spTree>
     <p:extLst>
       <p:ext uri="{BB962C8B-B14F-4D97-AF65-F5344CB8AC3E}">
-        <p14:creationId xmlns:p14="http://schemas.microsoft.com/office/powerpoint/2010/main" val="1554279606"/>
+        <p14:creationId xmlns:p14="http://schemas.microsoft.com/office/powerpoint/2010/main" val="3758900205"/>
       </p:ext>
     </p:extLst>
   </p:cSld>
@@ -2545,47 +3110,23 @@
           <a:p>
             <a:r>
               <a:rPr lang="en-US" dirty="0" smtClean="0"/>
-              <a:t>Now</a:t>
+              <a:t>For this class, the big one is no server. </a:t>
+            </a:r>
+          </a:p>
+          <a:p>
+            <a:r>
+              <a:rPr lang="en-US" dirty="0" smtClean="0"/>
+              <a:t>Also,</a:t>
             </a:r>
             <a:r>
               <a:rPr lang="en-US" baseline="0" dirty="0" smtClean="0"/>
-              <a:t> that you have a brief overlook of how databases work, and why you might want to use them.  Let’s get into SQL.  SQL stands for </a:t>
-            </a:r>
-            <a:r>
-              <a:rPr lang="en-US" sz="1200" b="0" i="0" kern="1200" dirty="0" smtClean="0">
-                <a:solidFill>
-                  <a:schemeClr val="tx1"/>
-                </a:solidFill>
-                <a:effectLst/>
-                <a:latin typeface="+mn-lt"/>
-                <a:ea typeface="+mn-ea"/>
-                <a:cs typeface="+mn-cs"/>
-              </a:rPr>
-              <a:t>Structured Query </a:t>
-            </a:r>
-            <a:r>
-              <a:rPr lang="en-US" sz="1200" b="0" i="0" kern="1200" dirty="0" smtClean="0">
-                <a:solidFill>
-                  <a:schemeClr val="tx1"/>
-                </a:solidFill>
-                <a:effectLst/>
-                <a:latin typeface="+mn-lt"/>
-                <a:ea typeface="+mn-ea"/>
-                <a:cs typeface="+mn-cs"/>
-              </a:rPr>
-              <a:t>Language.  We</a:t>
-            </a:r>
-            <a:r>
-              <a:rPr lang="en-US" sz="1200" b="0" i="0" kern="1200" baseline="0" dirty="0" smtClean="0">
-                <a:solidFill>
-                  <a:schemeClr val="tx1"/>
-                </a:solidFill>
-                <a:effectLst/>
-                <a:latin typeface="+mn-lt"/>
-                <a:ea typeface="+mn-ea"/>
-                <a:cs typeface="+mn-cs"/>
-              </a:rPr>
-              <a:t> are not going into the last two items, but I wanted to make you aware of them.</a:t>
+              <a:t> it’s really small so no matter what condition your laptop is in you can still run SQLite</a:t>
+            </a:r>
+          </a:p>
+          <a:p>
+            <a:r>
+              <a:rPr lang="en-US" baseline="0" dirty="0" smtClean="0"/>
+              <a:t>Python has a great library for it</a:t>
             </a:r>
             <a:endParaRPr lang="en-US" dirty="0"/>
           </a:p>
@@ -2608,7 +3149,7 @@
           <a:p>
             <a:fld id="{ACD478D8-D3E8-45D7-819A-1AB803E1BBA9}" type="slidenum">
               <a:rPr lang="en-US" smtClean="0"/>
-              <a:t>10</a:t>
+              <a:t>12</a:t>
             </a:fld>
             <a:endParaRPr lang="en-US"/>
           </a:p>
@@ -2617,7 +3158,7 @@
     </p:spTree>
     <p:extLst>
       <p:ext uri="{BB962C8B-B14F-4D97-AF65-F5344CB8AC3E}">
-        <p14:creationId xmlns:p14="http://schemas.microsoft.com/office/powerpoint/2010/main" val="3758900205"/>
+        <p14:creationId xmlns:p14="http://schemas.microsoft.com/office/powerpoint/2010/main" val="3974166631"/>
       </p:ext>
     </p:extLst>
   </p:cSld>
@@ -2915,7 +3456,7 @@
             <a:fld id="{08B9EBBA-996F-894A-B54A-D6246ED52CEA}" type="datetimeFigureOut">
               <a:rPr lang="en-US" dirty="0"/>
               <a:pPr/>
-              <a:t>5/13/2016</a:t>
+              <a:t>5/17/2016</a:t>
             </a:fld>
             <a:endParaRPr lang="en-US" dirty="0"/>
           </a:p>
@@ -3230,7 +3771,7 @@
             <a:fld id="{18C79C5D-2A6F-F04D-97DA-BEF2467B64E4}" type="datetimeFigureOut">
               <a:rPr lang="en-US" dirty="0"/>
               <a:pPr/>
-              <a:t>5/13/2016</a:t>
+              <a:t>5/17/2016</a:t>
             </a:fld>
             <a:endParaRPr lang="en-US" dirty="0"/>
           </a:p>
@@ -3715,7 +4256,7 @@
             <a:fld id="{8DFA1846-DA80-1C48-A609-854EA85C59AD}" type="datetimeFigureOut">
               <a:rPr lang="en-US" dirty="0"/>
               <a:pPr/>
-              <a:t>5/13/2016</a:t>
+              <a:t>5/17/2016</a:t>
             </a:fld>
             <a:endParaRPr lang="en-US" dirty="0"/>
           </a:p>
@@ -4081,7 +4622,7 @@
             <a:fld id="{FBF54567-0DE4-3F47-BF90-CB84690072F9}" type="datetimeFigureOut">
               <a:rPr lang="en-US" dirty="0"/>
               <a:pPr/>
-              <a:t>5/13/2016</a:t>
+              <a:t>5/17/2016</a:t>
             </a:fld>
             <a:endParaRPr lang="en-US" dirty="0"/>
           </a:p>
@@ -4351,7 +4892,7 @@
             <a:fld id="{C6C52C72-DE31-F449-A4ED-4C594FD91407}" type="datetimeFigureOut">
               <a:rPr lang="en-US" dirty="0"/>
               <a:pPr/>
-              <a:t>5/13/2016</a:t>
+              <a:t>5/17/2016</a:t>
             </a:fld>
             <a:endParaRPr lang="en-US" dirty="0"/>
           </a:p>
@@ -4633,7 +5174,7 @@
             <a:fld id="{ED62726E-379B-B349-9EED-81ED093FA806}" type="datetimeFigureOut">
               <a:rPr lang="en-US" dirty="0"/>
               <a:pPr/>
-              <a:t>5/13/2016</a:t>
+              <a:t>5/17/2016</a:t>
             </a:fld>
             <a:endParaRPr lang="en-US" dirty="0"/>
           </a:p>
@@ -4913,7 +5454,7 @@
             <a:fld id="{9B3A1323-8D79-1946-B0D7-40001CF92E9D}" type="datetimeFigureOut">
               <a:rPr lang="en-US" dirty="0"/>
               <a:pPr/>
-              <a:t>5/13/2016</a:t>
+              <a:t>5/17/2016</a:t>
             </a:fld>
             <a:endParaRPr lang="en-US" dirty="0"/>
           </a:p>
@@ -5253,7 +5794,7 @@
             <a:fld id="{8DFA1846-DA80-1C48-A609-854EA85C59AD}" type="datetimeFigureOut">
               <a:rPr lang="en-US" dirty="0"/>
               <a:pPr/>
-              <a:t>5/13/2016</a:t>
+              <a:t>5/17/2016</a:t>
             </a:fld>
             <a:endParaRPr lang="en-US" dirty="0"/>
           </a:p>
@@ -5589,7 +6130,7 @@
             <a:fld id="{57302355-E14B-8545-A8F8-0FE83CC9D524}" type="datetimeFigureOut">
               <a:rPr lang="en-US" dirty="0"/>
               <a:pPr/>
-              <a:t>5/13/2016</a:t>
+              <a:t>5/17/2016</a:t>
             </a:fld>
             <a:endParaRPr lang="en-US" dirty="0"/>
           </a:p>
@@ -6063,7 +6604,7 @@
             <a:fld id="{02640F58-564D-2B4F-AE67-E407BA4FCF45}" type="datetimeFigureOut">
               <a:rPr lang="en-US" dirty="0"/>
               <a:pPr/>
-              <a:t>5/13/2016</a:t>
+              <a:t>5/17/2016</a:t>
             </a:fld>
             <a:endParaRPr lang="en-US" dirty="0"/>
           </a:p>
@@ -6281,7 +6822,7 @@
             <a:fld id="{F13A34C8-038E-2045-AF43-DF7DBB8E0E9E}" type="datetimeFigureOut">
               <a:rPr lang="en-US" dirty="0"/>
               <a:pPr/>
-              <a:t>5/13/2016</a:t>
+              <a:t>5/17/2016</a:t>
             </a:fld>
             <a:endParaRPr lang="en-US" dirty="0"/>
           </a:p>
@@ -6373,7 +6914,7 @@
             <a:fld id="{8818C68F-D26B-8F47-958C-23B49CF8A634}" type="datetimeFigureOut">
               <a:rPr lang="en-US" dirty="0"/>
               <a:pPr/>
-              <a:t>5/13/2016</a:t>
+              <a:t>5/17/2016</a:t>
             </a:fld>
             <a:endParaRPr lang="en-US" dirty="0"/>
           </a:p>
@@ -6837,7 +7378,7 @@
             <a:fld id="{D0DF5E60-9974-AC48-9591-99C2BB44B7CF}" type="datetimeFigureOut">
               <a:rPr lang="en-US" dirty="0"/>
               <a:pPr/>
-              <a:t>5/13/2016</a:t>
+              <a:t>5/17/2016</a:t>
             </a:fld>
             <a:endParaRPr lang="en-US" dirty="0"/>
           </a:p>
@@ -7147,7 +7688,7 @@
             <a:fld id="{18C79C5D-2A6F-F04D-97DA-BEF2467B64E4}" type="datetimeFigureOut">
               <a:rPr lang="en-US" dirty="0"/>
               <a:pPr/>
-              <a:t>5/13/2016</a:t>
+              <a:t>5/17/2016</a:t>
             </a:fld>
             <a:endParaRPr lang="en-US" dirty="0"/>
           </a:p>
@@ -7414,7 +7955,7 @@
             <a:fld id="{09B482E8-6E0E-1B4F-B1FD-C69DB9E858D9}" type="datetimeFigureOut">
               <a:rPr lang="en-US" dirty="0"/>
               <a:pPr/>
-              <a:t>5/13/2016</a:t>
+              <a:t>5/17/2016</a:t>
             </a:fld>
             <a:endParaRPr lang="en-US" dirty="0"/>
           </a:p>
@@ -7934,6 +8475,13 @@
   <p:clrMapOvr>
     <a:masterClrMapping/>
   </p:clrMapOvr>
+  <p:timing>
+    <p:tnLst>
+      <p:par>
+        <p:cTn id="1" dur="indefinite" restart="never" nodeType="tmRoot"/>
+      </p:par>
+    </p:tnLst>
+  </p:timing>
 </p:sld>
 </file>
 
@@ -7971,7 +8519,7 @@
           <a:p>
             <a:r>
               <a:rPr lang="en-US" dirty="0" smtClean="0"/>
-              <a:t>SQL</a:t>
+              <a:t>SQL: what does it do?</a:t>
             </a:r>
             <a:endParaRPr lang="en-US" dirty="0"/>
           </a:p>
@@ -8513,6 +9061,152 @@
       <p:sp>
         <p:nvSpPr>
           <p:cNvPr id="2" name="Title 1"/>
+          <p:cNvSpPr txBox="1">
+            <a:spLocks/>
+          </p:cNvSpPr>
+          <p:nvPr/>
+        </p:nvSpPr>
+        <p:spPr>
+          <a:xfrm>
+            <a:off x="810000" y="2951396"/>
+            <a:ext cx="10561418" cy="1468800"/>
+          </a:xfrm>
+          <a:prstGeom prst="rect">
+            <a:avLst/>
+          </a:prstGeom>
+        </p:spPr>
+        <p:txBody>
+          <a:bodyPr/>
+          <a:lstStyle>
+            <a:lvl1pPr algn="l" defTabSz="457200" rtl="0" eaLnBrk="1" latinLnBrk="0" hangingPunct="1">
+              <a:spcBef>
+                <a:spcPct val="0"/>
+              </a:spcBef>
+              <a:buNone/>
+              <a:defRPr sz="4000" b="1" kern="1200">
+                <a:solidFill>
+                  <a:srgbClr val="FEFEFE"/>
+                </a:solidFill>
+                <a:latin typeface="+mj-lt"/>
+                <a:ea typeface="+mj-ea"/>
+                <a:cs typeface="+mj-cs"/>
+              </a:defRPr>
+            </a:lvl1pPr>
+            <a:lvl2pPr eaLnBrk="1" hangingPunct="1">
+              <a:defRPr>
+                <a:solidFill>
+                  <a:schemeClr val="tx2"/>
+                </a:solidFill>
+              </a:defRPr>
+            </a:lvl2pPr>
+            <a:lvl3pPr eaLnBrk="1" hangingPunct="1">
+              <a:defRPr>
+                <a:solidFill>
+                  <a:schemeClr val="tx2"/>
+                </a:solidFill>
+              </a:defRPr>
+            </a:lvl3pPr>
+            <a:lvl4pPr eaLnBrk="1" hangingPunct="1">
+              <a:defRPr>
+                <a:solidFill>
+                  <a:schemeClr val="tx2"/>
+                </a:solidFill>
+              </a:defRPr>
+            </a:lvl4pPr>
+            <a:lvl5pPr eaLnBrk="1" hangingPunct="1">
+              <a:defRPr>
+                <a:solidFill>
+                  <a:schemeClr val="tx2"/>
+                </a:solidFill>
+              </a:defRPr>
+            </a:lvl5pPr>
+            <a:lvl6pPr eaLnBrk="1" hangingPunct="1">
+              <a:defRPr>
+                <a:solidFill>
+                  <a:schemeClr val="tx2"/>
+                </a:solidFill>
+              </a:defRPr>
+            </a:lvl6pPr>
+            <a:lvl7pPr eaLnBrk="1" hangingPunct="1">
+              <a:defRPr>
+                <a:solidFill>
+                  <a:schemeClr val="tx2"/>
+                </a:solidFill>
+              </a:defRPr>
+            </a:lvl7pPr>
+            <a:lvl8pPr eaLnBrk="1" hangingPunct="1">
+              <a:defRPr>
+                <a:solidFill>
+                  <a:schemeClr val="tx2"/>
+                </a:solidFill>
+              </a:defRPr>
+            </a:lvl8pPr>
+            <a:lvl9pPr eaLnBrk="1" hangingPunct="1">
+              <a:defRPr>
+                <a:solidFill>
+                  <a:schemeClr val="tx2"/>
+                </a:solidFill>
+              </a:defRPr>
+            </a:lvl9pPr>
+          </a:lstStyle>
+          <a:p>
+            <a:pPr algn="ctr"/>
+            <a:r>
+              <a:rPr lang="en-US" dirty="0" smtClean="0">
+                <a:solidFill>
+                  <a:schemeClr val="tx1"/>
+                </a:solidFill>
+              </a:rPr>
+              <a:t>Time for a break</a:t>
+            </a:r>
+            <a:endParaRPr lang="en-US" dirty="0">
+              <a:solidFill>
+                <a:schemeClr val="tx1"/>
+              </a:solidFill>
+            </a:endParaRPr>
+          </a:p>
+        </p:txBody>
+      </p:sp>
+    </p:spTree>
+    <p:extLst>
+      <p:ext uri="{BB962C8B-B14F-4D97-AF65-F5344CB8AC3E}">
+        <p14:creationId xmlns:p14="http://schemas.microsoft.com/office/powerpoint/2010/main" val="2861465426"/>
+      </p:ext>
+    </p:extLst>
+  </p:cSld>
+  <p:clrMapOvr>
+    <a:masterClrMapping/>
+  </p:clrMapOvr>
+  <p:timing>
+    <p:tnLst>
+      <p:par>
+        <p:cTn id="1" dur="indefinite" restart="never" nodeType="tmRoot"/>
+      </p:par>
+    </p:tnLst>
+  </p:timing>
+</p:sld>
+</file>
+
+<file path=ppt/slides/slide15.xml><?xml version="1.0" encoding="utf-8"?>
+<p:sld xmlns:a="http://schemas.openxmlformats.org/drawingml/2006/main" xmlns:r="http://schemas.openxmlformats.org/officeDocument/2006/relationships" xmlns:p="http://schemas.openxmlformats.org/presentationml/2006/main">
+  <p:cSld>
+    <p:spTree>
+      <p:nvGrpSpPr>
+        <p:cNvPr id="1" name=""/>
+        <p:cNvGrpSpPr/>
+        <p:nvPr/>
+      </p:nvGrpSpPr>
+      <p:grpSpPr>
+        <a:xfrm>
+          <a:off x="0" y="0"/>
+          <a:ext cx="0" cy="0"/>
+          <a:chOff x="0" y="0"/>
+          <a:chExt cx="0" cy="0"/>
+        </a:xfrm>
+      </p:grpSpPr>
+      <p:sp>
+        <p:nvSpPr>
+          <p:cNvPr id="2" name="Title 1"/>
           <p:cNvSpPr>
             <a:spLocks noGrp="1"/>
           </p:cNvSpPr>
@@ -8555,7 +9249,7 @@
           <a:p>
             <a:r>
               <a:rPr lang="en-US" dirty="0" smtClean="0"/>
-              <a:t>Create</a:t>
+              <a:t>Generic Create Table Function</a:t>
             </a:r>
           </a:p>
           <a:p>
@@ -8565,6 +9259,16 @@
             <a:r>
               <a:rPr lang="en-US" dirty="0" smtClean="0"/>
               <a:t>CREATE TABLE </a:t>
+            </a:r>
+            <a:r>
+              <a:rPr lang="en-US" dirty="0" err="1" smtClean="0">
+                <a:solidFill>
+                  <a:schemeClr val="accent2">
+                    <a:lumMod val="50000"/>
+                  </a:schemeClr>
+                </a:solidFill>
+              </a:rPr>
+              <a:t>table</a:t>
             </a:r>
             <a:r>
               <a:rPr lang="en-US" dirty="0" smtClean="0">
@@ -8574,7 +9278,7 @@
                   </a:schemeClr>
                 </a:solidFill>
               </a:rPr>
-              <a:t>&lt;table name&gt; </a:t>
+              <a:t> name </a:t>
             </a:r>
             <a:r>
               <a:rPr lang="en-US" dirty="0" smtClean="0"/>
@@ -8586,20 +9290,32 @@
               <a:buNone/>
             </a:pPr>
             <a:r>
-              <a:rPr lang="en-US" dirty="0"/>
+              <a:rPr lang="en-US" dirty="0">
+                <a:latin typeface="+mj-lt"/>
+              </a:rPr>
               <a:t>i</a:t>
             </a:r>
             <a:r>
+              <a:rPr lang="en-US" dirty="0" smtClean="0">
+                <a:latin typeface="+mj-lt"/>
+              </a:rPr>
+              <a:t>d INTEGER NOT NULL PRIMARY KEY </a:t>
+            </a:r>
+            <a:r>
+              <a:rPr lang="en-US" dirty="0" err="1" smtClean="0">
+                <a:latin typeface="+mj-lt"/>
+              </a:rPr>
+              <a:t>AUTOINCREMENT</a:t>
+            </a:r>
+            <a:r>
+              <a:rPr lang="en-US" dirty="0" smtClean="0">
+                <a:latin typeface="+mj-lt"/>
+              </a:rPr>
+              <a:t> UNIQUE</a:t>
+            </a:r>
+            <a:r>
               <a:rPr lang="en-US" dirty="0" smtClean="0"/>
-              <a:t>d INTEGER NOT NULL PRIMARY KEY </a:t>
-            </a:r>
-            <a:r>
-              <a:rPr lang="en-US" dirty="0" err="1" smtClean="0"/>
-              <a:t>AUTOINCREMENT</a:t>
-            </a:r>
-            <a:r>
-              <a:rPr lang="en-US" dirty="0" smtClean="0"/>
-              <a:t> UNIQUE,</a:t>
+              <a:t>,</a:t>
             </a:r>
           </a:p>
           <a:p>
@@ -8614,11 +9330,15 @@
                   </a:schemeClr>
                 </a:solidFill>
               </a:rPr>
-              <a:t>&lt;column name&gt; </a:t>
+              <a:t>column name</a:t>
             </a:r>
             <a:r>
               <a:rPr lang="en-US" dirty="0" smtClean="0"/>
-              <a:t> datatype,</a:t>
+              <a:t> </a:t>
+            </a:r>
+            <a:r>
+              <a:rPr lang="en-US" dirty="0" smtClean="0"/>
+              <a:t>datatype,</a:t>
             </a:r>
           </a:p>
           <a:p>
@@ -8626,17 +9346,17 @@
               <a:buNone/>
             </a:pPr>
             <a:r>
-              <a:rPr lang="en-US" dirty="0">
+              <a:rPr lang="en-US" dirty="0" smtClean="0">
                 <a:solidFill>
                   <a:schemeClr val="accent2">
                     <a:lumMod val="50000"/>
                   </a:schemeClr>
                 </a:solidFill>
               </a:rPr>
-              <a:t>&lt;column name&gt; </a:t>
-            </a:r>
-            <a:r>
-              <a:rPr lang="en-US" dirty="0"/>
+              <a:t>column name</a:t>
+            </a:r>
+            <a:r>
+              <a:rPr lang="en-US" dirty="0" smtClean="0"/>
               <a:t> </a:t>
             </a:r>
             <a:r>
@@ -9127,6 +9847,516 @@
   <p:timing>
     <p:tnLst>
       <p:par>
+        <p:cTn id="1" dur="indefinite" restart="never" nodeType="tmRoot"/>
+      </p:par>
+    </p:tnLst>
+  </p:timing>
+</p:sld>
+</file>
+
+<file path=ppt/slides/slide16.xml><?xml version="1.0" encoding="utf-8"?>
+<p:sld xmlns:a="http://schemas.openxmlformats.org/drawingml/2006/main" xmlns:r="http://schemas.openxmlformats.org/officeDocument/2006/relationships" xmlns:p="http://schemas.openxmlformats.org/presentationml/2006/main">
+  <p:cSld>
+    <p:spTree>
+      <p:nvGrpSpPr>
+        <p:cNvPr id="1" name=""/>
+        <p:cNvGrpSpPr/>
+        <p:nvPr/>
+      </p:nvGrpSpPr>
+      <p:grpSpPr>
+        <a:xfrm>
+          <a:off x="0" y="0"/>
+          <a:ext cx="0" cy="0"/>
+          <a:chOff x="0" y="0"/>
+          <a:chExt cx="0" cy="0"/>
+        </a:xfrm>
+      </p:grpSpPr>
+      <p:sp>
+        <p:nvSpPr>
+          <p:cNvPr id="2" name="Title 1"/>
+          <p:cNvSpPr>
+            <a:spLocks noGrp="1"/>
+          </p:cNvSpPr>
+          <p:nvPr>
+            <p:ph type="title"/>
+          </p:nvPr>
+        </p:nvSpPr>
+        <p:spPr/>
+        <p:txBody>
+          <a:bodyPr/>
+          <a:lstStyle/>
+          <a:p>
+            <a:r>
+              <a:rPr lang="en-US" dirty="0" smtClean="0"/>
+              <a:t>Practice Creating Tables</a:t>
+            </a:r>
+            <a:endParaRPr lang="en-US" dirty="0"/>
+          </a:p>
+        </p:txBody>
+      </p:sp>
+      <p:sp>
+        <p:nvSpPr>
+          <p:cNvPr id="3" name="Text Placeholder 2"/>
+          <p:cNvSpPr>
+            <a:spLocks noGrp="1"/>
+          </p:cNvSpPr>
+          <p:nvPr>
+            <p:ph type="body" idx="1"/>
+          </p:nvPr>
+        </p:nvSpPr>
+        <p:spPr>
+          <a:xfrm>
+            <a:off x="1" y="2174875"/>
+            <a:ext cx="4071668" cy="576262"/>
+          </a:xfrm>
+        </p:spPr>
+        <p:txBody>
+          <a:bodyPr/>
+          <a:lstStyle/>
+          <a:p>
+            <a:r>
+              <a:rPr lang="en-US" dirty="0" smtClean="0"/>
+              <a:t>Song Table</a:t>
+            </a:r>
+            <a:endParaRPr lang="en-US" dirty="0"/>
+          </a:p>
+        </p:txBody>
+      </p:sp>
+      <p:sp>
+        <p:nvSpPr>
+          <p:cNvPr id="4" name="Content Placeholder 3"/>
+          <p:cNvSpPr>
+            <a:spLocks noGrp="1"/>
+          </p:cNvSpPr>
+          <p:nvPr>
+            <p:ph sz="half" idx="2"/>
+          </p:nvPr>
+        </p:nvSpPr>
+        <p:spPr>
+          <a:xfrm>
+            <a:off x="1" y="2828086"/>
+            <a:ext cx="4071667" cy="3109913"/>
+          </a:xfrm>
+        </p:spPr>
+        <p:txBody>
+          <a:bodyPr/>
+          <a:lstStyle/>
+          <a:p>
+            <a:pPr marL="0" indent="0">
+              <a:buNone/>
+            </a:pPr>
+            <a:r>
+              <a:rPr lang="en-US" dirty="0"/>
+              <a:t>CREATE TABLE </a:t>
+            </a:r>
+            <a:r>
+              <a:rPr lang="en-US" dirty="0">
+                <a:solidFill>
+                  <a:schemeClr val="accent2">
+                    <a:lumMod val="50000"/>
+                  </a:schemeClr>
+                </a:solidFill>
+              </a:rPr>
+              <a:t>s</a:t>
+            </a:r>
+            <a:r>
+              <a:rPr lang="en-US" dirty="0" smtClean="0">
+                <a:solidFill>
+                  <a:schemeClr val="accent2">
+                    <a:lumMod val="50000"/>
+                  </a:schemeClr>
+                </a:solidFill>
+              </a:rPr>
+              <a:t>ong </a:t>
+            </a:r>
+            <a:r>
+              <a:rPr lang="en-US" dirty="0"/>
+              <a:t>( </a:t>
+            </a:r>
+          </a:p>
+          <a:p>
+            <a:pPr marL="0" indent="0">
+              <a:buNone/>
+            </a:pPr>
+            <a:r>
+              <a:rPr lang="en-US" dirty="0"/>
+              <a:t>id INTEGER NOT NULL PRIMARY KEY </a:t>
+            </a:r>
+            <a:r>
+              <a:rPr lang="en-US" dirty="0" err="1"/>
+              <a:t>AUTOINCREMENT</a:t>
+            </a:r>
+            <a:r>
+              <a:rPr lang="en-US" dirty="0"/>
+              <a:t> UNIQUE,</a:t>
+            </a:r>
+          </a:p>
+          <a:p>
+            <a:pPr marL="0" indent="0">
+              <a:buNone/>
+            </a:pPr>
+            <a:r>
+              <a:rPr lang="en-US" dirty="0" smtClean="0">
+                <a:solidFill>
+                  <a:schemeClr val="accent2">
+                    <a:lumMod val="50000"/>
+                  </a:schemeClr>
+                </a:solidFill>
+              </a:rPr>
+              <a:t>name </a:t>
+            </a:r>
+            <a:r>
+              <a:rPr lang="en-US" dirty="0" smtClean="0"/>
+              <a:t> TEXT,</a:t>
+            </a:r>
+            <a:endParaRPr lang="en-US" dirty="0"/>
+          </a:p>
+          <a:p>
+            <a:pPr marL="0" indent="0">
+              <a:buNone/>
+            </a:pPr>
+            <a:r>
+              <a:rPr lang="en-US" dirty="0" err="1" smtClean="0">
+                <a:solidFill>
+                  <a:schemeClr val="accent2">
+                    <a:lumMod val="50000"/>
+                  </a:schemeClr>
+                </a:solidFill>
+              </a:rPr>
+              <a:t>artist_id</a:t>
+            </a:r>
+            <a:r>
+              <a:rPr lang="en-US" dirty="0" smtClean="0">
+                <a:solidFill>
+                  <a:schemeClr val="accent2">
+                    <a:lumMod val="50000"/>
+                  </a:schemeClr>
+                </a:solidFill>
+              </a:rPr>
+              <a:t> </a:t>
+            </a:r>
+            <a:r>
+              <a:rPr lang="en-US" dirty="0" smtClean="0"/>
+              <a:t> INTEGER,</a:t>
+            </a:r>
+          </a:p>
+          <a:p>
+            <a:pPr marL="0" indent="0">
+              <a:buNone/>
+            </a:pPr>
+            <a:r>
+              <a:rPr lang="en-US" dirty="0" err="1" smtClean="0">
+                <a:solidFill>
+                  <a:schemeClr val="accent2">
+                    <a:lumMod val="50000"/>
+                  </a:schemeClr>
+                </a:solidFill>
+              </a:rPr>
+              <a:t>genre_id</a:t>
+            </a:r>
+            <a:r>
+              <a:rPr lang="en-US" dirty="0" smtClean="0">
+                <a:solidFill>
+                  <a:schemeClr val="accent2">
+                    <a:lumMod val="50000"/>
+                  </a:schemeClr>
+                </a:solidFill>
+              </a:rPr>
+              <a:t> </a:t>
+            </a:r>
+            <a:r>
+              <a:rPr lang="en-US" dirty="0" smtClean="0"/>
+              <a:t> INTEGER</a:t>
+            </a:r>
+            <a:endParaRPr lang="en-US" dirty="0"/>
+          </a:p>
+          <a:p>
+            <a:pPr marL="0" indent="0">
+              <a:buNone/>
+            </a:pPr>
+            <a:r>
+              <a:rPr lang="en-US" dirty="0" smtClean="0"/>
+              <a:t>);</a:t>
+            </a:r>
+            <a:endParaRPr lang="en-US" dirty="0"/>
+          </a:p>
+        </p:txBody>
+      </p:sp>
+      <p:sp>
+        <p:nvSpPr>
+          <p:cNvPr id="8" name="Text Placeholder 2"/>
+          <p:cNvSpPr>
+            <a:spLocks noGrp="1"/>
+          </p:cNvSpPr>
+          <p:nvPr>
+            <p:ph type="body" idx="1"/>
+          </p:nvPr>
+        </p:nvSpPr>
+        <p:spPr>
+          <a:xfrm>
+            <a:off x="4155058" y="2172001"/>
+            <a:ext cx="4071668" cy="576262"/>
+          </a:xfrm>
+        </p:spPr>
+        <p:txBody>
+          <a:bodyPr/>
+          <a:lstStyle/>
+          <a:p>
+            <a:r>
+              <a:rPr lang="en-US" dirty="0" smtClean="0"/>
+              <a:t>Artist Table</a:t>
+            </a:r>
+            <a:endParaRPr lang="en-US" dirty="0"/>
+          </a:p>
+        </p:txBody>
+      </p:sp>
+      <p:sp>
+        <p:nvSpPr>
+          <p:cNvPr id="9" name="Content Placeholder 3"/>
+          <p:cNvSpPr>
+            <a:spLocks noGrp="1"/>
+          </p:cNvSpPr>
+          <p:nvPr>
+            <p:ph sz="half" idx="2"/>
+          </p:nvPr>
+        </p:nvSpPr>
+        <p:spPr>
+          <a:xfrm>
+            <a:off x="4155058" y="2825212"/>
+            <a:ext cx="4071667" cy="3109913"/>
+          </a:xfrm>
+        </p:spPr>
+        <p:txBody>
+          <a:bodyPr/>
+          <a:lstStyle/>
+          <a:p>
+            <a:pPr marL="0" indent="0">
+              <a:buNone/>
+            </a:pPr>
+            <a:r>
+              <a:rPr lang="en-US" dirty="0"/>
+              <a:t>CREATE TABLE </a:t>
+            </a:r>
+            <a:r>
+              <a:rPr lang="en-US" dirty="0" smtClean="0">
+                <a:solidFill>
+                  <a:schemeClr val="accent2">
+                    <a:lumMod val="50000"/>
+                  </a:schemeClr>
+                </a:solidFill>
+              </a:rPr>
+              <a:t>artist </a:t>
+            </a:r>
+            <a:r>
+              <a:rPr lang="en-US" dirty="0"/>
+              <a:t>( </a:t>
+            </a:r>
+          </a:p>
+          <a:p>
+            <a:pPr marL="0" indent="0">
+              <a:buNone/>
+            </a:pPr>
+            <a:r>
+              <a:rPr lang="en-US" dirty="0"/>
+              <a:t>id INTEGER NOT NULL PRIMARY KEY </a:t>
+            </a:r>
+            <a:r>
+              <a:rPr lang="en-US" dirty="0" err="1"/>
+              <a:t>AUTOINCREMENT</a:t>
+            </a:r>
+            <a:r>
+              <a:rPr lang="en-US" dirty="0"/>
+              <a:t> UNIQUE,</a:t>
+            </a:r>
+          </a:p>
+          <a:p>
+            <a:pPr marL="0" indent="0">
+              <a:buNone/>
+            </a:pPr>
+            <a:r>
+              <a:rPr lang="en-US" dirty="0" smtClean="0">
+                <a:solidFill>
+                  <a:schemeClr val="accent2">
+                    <a:lumMod val="50000"/>
+                  </a:schemeClr>
+                </a:solidFill>
+              </a:rPr>
+              <a:t>name </a:t>
+            </a:r>
+            <a:r>
+              <a:rPr lang="en-US" dirty="0" smtClean="0"/>
+              <a:t> TEXT</a:t>
+            </a:r>
+            <a:endParaRPr lang="en-US" dirty="0"/>
+          </a:p>
+          <a:p>
+            <a:pPr marL="0" indent="0">
+              <a:buNone/>
+            </a:pPr>
+            <a:r>
+              <a:rPr lang="en-US" dirty="0" smtClean="0"/>
+              <a:t>);</a:t>
+            </a:r>
+            <a:endParaRPr lang="en-US" dirty="0"/>
+          </a:p>
+        </p:txBody>
+      </p:sp>
+      <p:sp>
+        <p:nvSpPr>
+          <p:cNvPr id="10" name="Text Placeholder 2"/>
+          <p:cNvSpPr>
+            <a:spLocks noGrp="1"/>
+          </p:cNvSpPr>
+          <p:nvPr>
+            <p:ph type="body" idx="1"/>
+          </p:nvPr>
+        </p:nvSpPr>
+        <p:spPr>
+          <a:xfrm>
+            <a:off x="8174958" y="2171998"/>
+            <a:ext cx="4071668" cy="576262"/>
+          </a:xfrm>
+        </p:spPr>
+        <p:txBody>
+          <a:bodyPr/>
+          <a:lstStyle/>
+          <a:p>
+            <a:r>
+              <a:rPr lang="en-US" dirty="0" smtClean="0"/>
+              <a:t>Genre Table</a:t>
+            </a:r>
+            <a:endParaRPr lang="en-US" dirty="0"/>
+          </a:p>
+        </p:txBody>
+      </p:sp>
+      <p:sp>
+        <p:nvSpPr>
+          <p:cNvPr id="11" name="Content Placeholder 3"/>
+          <p:cNvSpPr>
+            <a:spLocks noGrp="1"/>
+          </p:cNvSpPr>
+          <p:nvPr>
+            <p:ph sz="half" idx="2"/>
+          </p:nvPr>
+        </p:nvSpPr>
+        <p:spPr>
+          <a:xfrm>
+            <a:off x="8174958" y="2825209"/>
+            <a:ext cx="4071667" cy="3109913"/>
+          </a:xfrm>
+        </p:spPr>
+        <p:txBody>
+          <a:bodyPr/>
+          <a:lstStyle/>
+          <a:p>
+            <a:pPr marL="0" indent="0">
+              <a:buNone/>
+            </a:pPr>
+            <a:r>
+              <a:rPr lang="en-US" dirty="0"/>
+              <a:t>CREATE TABLE </a:t>
+            </a:r>
+            <a:r>
+              <a:rPr lang="en-US" dirty="0" smtClean="0">
+                <a:solidFill>
+                  <a:schemeClr val="accent2">
+                    <a:lumMod val="50000"/>
+                  </a:schemeClr>
+                </a:solidFill>
+              </a:rPr>
+              <a:t>genre </a:t>
+            </a:r>
+            <a:r>
+              <a:rPr lang="en-US" dirty="0"/>
+              <a:t>( </a:t>
+            </a:r>
+          </a:p>
+          <a:p>
+            <a:pPr marL="0" indent="0">
+              <a:buNone/>
+            </a:pPr>
+            <a:r>
+              <a:rPr lang="en-US" dirty="0"/>
+              <a:t>id INTEGER NOT NULL PRIMARY KEY </a:t>
+            </a:r>
+            <a:r>
+              <a:rPr lang="en-US" dirty="0" err="1"/>
+              <a:t>AUTOINCREMENT</a:t>
+            </a:r>
+            <a:r>
+              <a:rPr lang="en-US" dirty="0"/>
+              <a:t> UNIQUE,</a:t>
+            </a:r>
+          </a:p>
+          <a:p>
+            <a:pPr marL="0" indent="0">
+              <a:buNone/>
+            </a:pPr>
+            <a:r>
+              <a:rPr lang="en-US" dirty="0" smtClean="0">
+                <a:solidFill>
+                  <a:schemeClr val="accent2">
+                    <a:lumMod val="50000"/>
+                  </a:schemeClr>
+                </a:solidFill>
+              </a:rPr>
+              <a:t>name </a:t>
+            </a:r>
+            <a:r>
+              <a:rPr lang="en-US" dirty="0" smtClean="0"/>
+              <a:t> TEXT</a:t>
+            </a:r>
+            <a:endParaRPr lang="en-US" dirty="0"/>
+          </a:p>
+          <a:p>
+            <a:pPr marL="0" indent="0">
+              <a:buNone/>
+            </a:pPr>
+            <a:r>
+              <a:rPr lang="en-US" dirty="0" smtClean="0"/>
+              <a:t>);</a:t>
+            </a:r>
+            <a:endParaRPr lang="en-US" dirty="0"/>
+          </a:p>
+        </p:txBody>
+      </p:sp>
+      <p:pic>
+        <p:nvPicPr>
+          <p:cNvPr id="12" name="Picture 11"/>
+          <p:cNvPicPr>
+            <a:picLocks noChangeAspect="1"/>
+          </p:cNvPicPr>
+          <p:nvPr/>
+        </p:nvPicPr>
+        <p:blipFill>
+          <a:blip r:embed="rId3"/>
+          <a:stretch>
+            <a:fillRect/>
+          </a:stretch>
+        </p:blipFill>
+        <p:spPr>
+          <a:xfrm>
+            <a:off x="12330014" y="447188"/>
+            <a:ext cx="6587437" cy="5419861"/>
+          </a:xfrm>
+          <a:prstGeom prst="rect">
+            <a:avLst/>
+          </a:prstGeom>
+        </p:spPr>
+      </p:pic>
+    </p:spTree>
+    <p:extLst>
+      <p:ext uri="{BB962C8B-B14F-4D97-AF65-F5344CB8AC3E}">
+        <p14:creationId xmlns:p14="http://schemas.microsoft.com/office/powerpoint/2010/main" val="3314465066"/>
+      </p:ext>
+    </p:extLst>
+  </p:cSld>
+  <p:clrMapOvr>
+    <a:masterClrMapping/>
+  </p:clrMapOvr>
+  <p:timing>
+    <p:tnLst>
+      <p:par>
         <p:cTn id="1" dur="indefinite" restart="never" nodeType="tmRoot">
           <p:childTnLst>
             <p:seq concurrent="1" nextAc="seek">
@@ -9158,11 +10388,924 @@
                                           </p:stCondLst>
                                         </p:cTn>
                                         <p:tgtEl>
-                                          <p:spTgt spid="3">
-                                            <p:txEl>
-                                              <p:pRg st="2" end="2"/>
-                                            </p:txEl>
-                                          </p:spTgt>
+                                          <p:spTgt spid="12"/>
+                                        </p:tgtEl>
+                                        <p:attrNameLst>
+                                          <p:attrName>style.visibility</p:attrName>
+                                        </p:attrNameLst>
+                                      </p:cBhvr>
+                                      <p:to>
+                                        <p:strVal val="visible"/>
+                                      </p:to>
+                                    </p:set>
+                                  </p:childTnLst>
+                                </p:cTn>
+                              </p:par>
+                            </p:childTnLst>
+                          </p:cTn>
+                        </p:par>
+                      </p:childTnLst>
+                    </p:cTn>
+                  </p:par>
+                  <p:par>
+                    <p:cTn id="7" fill="hold">
+                      <p:stCondLst>
+                        <p:cond delay="indefinite"/>
+                      </p:stCondLst>
+                      <p:childTnLst>
+                        <p:par>
+                          <p:cTn id="8" fill="hold">
+                            <p:stCondLst>
+                              <p:cond delay="0"/>
+                            </p:stCondLst>
+                            <p:childTnLst>
+                              <p:par>
+                                <p:cTn id="9" presetID="1" presetClass="exit" presetSubtype="0" fill="hold" nodeType="clickEffect">
+                                  <p:stCondLst>
+                                    <p:cond delay="0"/>
+                                  </p:stCondLst>
+                                  <p:childTnLst>
+                                    <p:set>
+                                      <p:cBhvr>
+                                        <p:cTn id="10" dur="1" fill="hold">
+                                          <p:stCondLst>
+                                            <p:cond delay="0"/>
+                                          </p:stCondLst>
+                                        </p:cTn>
+                                        <p:tgtEl>
+                                          <p:spTgt spid="12"/>
+                                        </p:tgtEl>
+                                        <p:attrNameLst>
+                                          <p:attrName>style.visibility</p:attrName>
+                                        </p:attrNameLst>
+                                      </p:cBhvr>
+                                      <p:to>
+                                        <p:strVal val="hidden"/>
+                                      </p:to>
+                                    </p:set>
+                                  </p:childTnLst>
+                                </p:cTn>
+                              </p:par>
+                            </p:childTnLst>
+                          </p:cTn>
+                        </p:par>
+                      </p:childTnLst>
+                    </p:cTn>
+                  </p:par>
+                </p:childTnLst>
+              </p:cTn>
+              <p:prevCondLst>
+                <p:cond evt="onPrev" delay="0">
+                  <p:tgtEl>
+                    <p:sldTgt/>
+                  </p:tgtEl>
+                </p:cond>
+              </p:prevCondLst>
+              <p:nextCondLst>
+                <p:cond evt="onNext" delay="0">
+                  <p:tgtEl>
+                    <p:sldTgt/>
+                  </p:tgtEl>
+                </p:cond>
+              </p:nextCondLst>
+            </p:seq>
+          </p:childTnLst>
+        </p:cTn>
+      </p:par>
+    </p:tnLst>
+  </p:timing>
+</p:sld>
+</file>
+
+<file path=ppt/slides/slide17.xml><?xml version="1.0" encoding="utf-8"?>
+<p:sld xmlns:a="http://schemas.openxmlformats.org/drawingml/2006/main" xmlns:r="http://schemas.openxmlformats.org/officeDocument/2006/relationships" xmlns:p="http://schemas.openxmlformats.org/presentationml/2006/main">
+  <p:cSld>
+    <p:spTree>
+      <p:nvGrpSpPr>
+        <p:cNvPr id="1" name=""/>
+        <p:cNvGrpSpPr/>
+        <p:nvPr/>
+      </p:nvGrpSpPr>
+      <p:grpSpPr>
+        <a:xfrm>
+          <a:off x="0" y="0"/>
+          <a:ext cx="0" cy="0"/>
+          <a:chOff x="0" y="0"/>
+          <a:chExt cx="0" cy="0"/>
+        </a:xfrm>
+      </p:grpSpPr>
+      <p:sp>
+        <p:nvSpPr>
+          <p:cNvPr id="2" name="Title 1"/>
+          <p:cNvSpPr>
+            <a:spLocks noGrp="1"/>
+          </p:cNvSpPr>
+          <p:nvPr>
+            <p:ph type="title"/>
+          </p:nvPr>
+        </p:nvSpPr>
+        <p:spPr/>
+        <p:txBody>
+          <a:bodyPr/>
+          <a:lstStyle/>
+          <a:p>
+            <a:r>
+              <a:rPr lang="en-US" dirty="0" smtClean="0"/>
+              <a:t>Add some data with the </a:t>
+            </a:r>
+            <a:r>
+              <a:rPr lang="en-US" dirty="0" err="1" smtClean="0"/>
+              <a:t>UX</a:t>
+            </a:r>
+            <a:endParaRPr lang="en-US" dirty="0"/>
+          </a:p>
+        </p:txBody>
+      </p:sp>
+      <p:sp>
+        <p:nvSpPr>
+          <p:cNvPr id="7" name="Content Placeholder 6"/>
+          <p:cNvSpPr>
+            <a:spLocks noGrp="1"/>
+          </p:cNvSpPr>
+          <p:nvPr>
+            <p:ph idx="1"/>
+          </p:nvPr>
+        </p:nvSpPr>
+        <p:spPr>
+          <a:xfrm>
+            <a:off x="818712" y="2222287"/>
+            <a:ext cx="10554574" cy="4402800"/>
+          </a:xfrm>
+        </p:spPr>
+        <p:txBody>
+          <a:bodyPr/>
+          <a:lstStyle/>
+          <a:p>
+            <a:r>
+              <a:rPr lang="en-US" dirty="0" smtClean="0"/>
+              <a:t>Go to browse data tab</a:t>
+            </a:r>
+          </a:p>
+          <a:p>
+            <a:endParaRPr lang="en-US" dirty="0" smtClean="0"/>
+          </a:p>
+          <a:p>
+            <a:r>
+              <a:rPr lang="en-US" dirty="0" smtClean="0"/>
+              <a:t>use drop down to change the table to Genre</a:t>
+            </a:r>
+          </a:p>
+          <a:p>
+            <a:endParaRPr lang="en-US" dirty="0" smtClean="0"/>
+          </a:p>
+          <a:p>
+            <a:r>
+              <a:rPr lang="en-US" dirty="0" smtClean="0"/>
+              <a:t>click New Record (the id should fill automatically)</a:t>
+            </a:r>
+          </a:p>
+          <a:p>
+            <a:endParaRPr lang="en-US" dirty="0" smtClean="0"/>
+          </a:p>
+          <a:p>
+            <a:r>
+              <a:rPr lang="en-US" dirty="0" smtClean="0"/>
+              <a:t>add a genre to the box</a:t>
+            </a:r>
+          </a:p>
+          <a:p>
+            <a:pPr lvl="1"/>
+            <a:r>
+              <a:rPr lang="en-US" dirty="0" smtClean="0"/>
+              <a:t>do about three of these</a:t>
+            </a:r>
+          </a:p>
+          <a:p>
+            <a:endParaRPr lang="en-US" dirty="0"/>
+          </a:p>
+        </p:txBody>
+      </p:sp>
+      <p:pic>
+        <p:nvPicPr>
+          <p:cNvPr id="8" name="Picture 7"/>
+          <p:cNvPicPr>
+            <a:picLocks noChangeAspect="1"/>
+          </p:cNvPicPr>
+          <p:nvPr/>
+        </p:nvPicPr>
+        <p:blipFill>
+          <a:blip r:embed="rId2"/>
+          <a:stretch>
+            <a:fillRect/>
+          </a:stretch>
+        </p:blipFill>
+        <p:spPr>
+          <a:xfrm>
+            <a:off x="6710901" y="2516542"/>
+            <a:ext cx="4429125" cy="3048000"/>
+          </a:xfrm>
+          <a:prstGeom prst="rect">
+            <a:avLst/>
+          </a:prstGeom>
+        </p:spPr>
+      </p:pic>
+    </p:spTree>
+    <p:extLst>
+      <p:ext uri="{BB962C8B-B14F-4D97-AF65-F5344CB8AC3E}">
+        <p14:creationId xmlns:p14="http://schemas.microsoft.com/office/powerpoint/2010/main" val="1089430309"/>
+      </p:ext>
+    </p:extLst>
+  </p:cSld>
+  <p:clrMapOvr>
+    <a:masterClrMapping/>
+  </p:clrMapOvr>
+  <p:timing>
+    <p:tnLst>
+      <p:par>
+        <p:cTn id="1" dur="indefinite" restart="never" nodeType="tmRoot"/>
+      </p:par>
+    </p:tnLst>
+  </p:timing>
+</p:sld>
+</file>
+
+<file path=ppt/slides/slide18.xml><?xml version="1.0" encoding="utf-8"?>
+<p:sld xmlns:a="http://schemas.openxmlformats.org/drawingml/2006/main" xmlns:r="http://schemas.openxmlformats.org/officeDocument/2006/relationships" xmlns:p="http://schemas.openxmlformats.org/presentationml/2006/main">
+  <p:cSld>
+    <p:spTree>
+      <p:nvGrpSpPr>
+        <p:cNvPr id="1" name=""/>
+        <p:cNvGrpSpPr/>
+        <p:nvPr/>
+      </p:nvGrpSpPr>
+      <p:grpSpPr>
+        <a:xfrm>
+          <a:off x="0" y="0"/>
+          <a:ext cx="0" cy="0"/>
+          <a:chOff x="0" y="0"/>
+          <a:chExt cx="0" cy="0"/>
+        </a:xfrm>
+      </p:grpSpPr>
+      <p:sp>
+        <p:nvSpPr>
+          <p:cNvPr id="2" name="Title 1"/>
+          <p:cNvSpPr>
+            <a:spLocks noGrp="1"/>
+          </p:cNvSpPr>
+          <p:nvPr>
+            <p:ph type="title"/>
+          </p:nvPr>
+        </p:nvSpPr>
+        <p:spPr/>
+        <p:txBody>
+          <a:bodyPr/>
+          <a:lstStyle/>
+          <a:p>
+            <a:r>
+              <a:rPr lang="en-US" dirty="0" smtClean="0"/>
+              <a:t>Add some data with SQL</a:t>
+            </a:r>
+            <a:endParaRPr lang="en-US" dirty="0"/>
+          </a:p>
+        </p:txBody>
+      </p:sp>
+      <p:sp>
+        <p:nvSpPr>
+          <p:cNvPr id="5" name="Content Placeholder 4"/>
+          <p:cNvSpPr>
+            <a:spLocks noGrp="1"/>
+          </p:cNvSpPr>
+          <p:nvPr>
+            <p:ph sz="half" idx="1"/>
+          </p:nvPr>
+        </p:nvSpPr>
+        <p:spPr>
+          <a:xfrm>
+            <a:off x="224287" y="2236213"/>
+            <a:ext cx="5185873" cy="3638763"/>
+          </a:xfrm>
+        </p:spPr>
+        <p:txBody>
+          <a:bodyPr/>
+          <a:lstStyle/>
+          <a:p>
+            <a:pPr marL="0" indent="0">
+              <a:buNone/>
+            </a:pPr>
+            <a:r>
+              <a:rPr lang="en-US" dirty="0" smtClean="0"/>
+              <a:t>INSERT INTO </a:t>
+            </a:r>
+            <a:r>
+              <a:rPr lang="en-US" dirty="0" err="1" smtClean="0">
+                <a:solidFill>
+                  <a:srgbClr val="7030A0"/>
+                </a:solidFill>
+              </a:rPr>
+              <a:t>tablename</a:t>
+            </a:r>
+            <a:r>
+              <a:rPr lang="en-US" dirty="0" smtClean="0"/>
+              <a:t> </a:t>
+            </a:r>
+            <a:r>
+              <a:rPr lang="en-US" dirty="0" smtClean="0"/>
+              <a:t>(</a:t>
+            </a:r>
+            <a:r>
+              <a:rPr lang="en-US" dirty="0" smtClean="0">
+                <a:solidFill>
+                  <a:srgbClr val="7030A0"/>
+                </a:solidFill>
+              </a:rPr>
+              <a:t>field1</a:t>
+            </a:r>
+            <a:r>
+              <a:rPr lang="en-US" dirty="0" smtClean="0">
+                <a:solidFill>
+                  <a:srgbClr val="7030A0"/>
+                </a:solidFill>
+              </a:rPr>
+              <a:t>, field2</a:t>
+            </a:r>
+            <a:r>
+              <a:rPr lang="en-US" dirty="0" smtClean="0"/>
+              <a:t>)</a:t>
+            </a:r>
+          </a:p>
+          <a:p>
+            <a:pPr marL="0" indent="0">
+              <a:buNone/>
+            </a:pPr>
+            <a:r>
+              <a:rPr lang="en-US" dirty="0" smtClean="0"/>
+              <a:t>VALUES (</a:t>
+            </a:r>
+            <a:r>
+              <a:rPr lang="en-US" dirty="0" smtClean="0">
+                <a:solidFill>
+                  <a:srgbClr val="7030A0"/>
+                </a:solidFill>
+              </a:rPr>
+              <a:t>field1_value, field2_value</a:t>
+            </a:r>
+            <a:r>
+              <a:rPr lang="en-US" dirty="0" smtClean="0"/>
+              <a:t>);</a:t>
+            </a:r>
+            <a:endParaRPr lang="en-US" dirty="0"/>
+          </a:p>
+        </p:txBody>
+      </p:sp>
+      <p:sp>
+        <p:nvSpPr>
+          <p:cNvPr id="6" name="Content Placeholder 5"/>
+          <p:cNvSpPr>
+            <a:spLocks noGrp="1"/>
+          </p:cNvSpPr>
+          <p:nvPr>
+            <p:ph sz="half" idx="2"/>
+          </p:nvPr>
+        </p:nvSpPr>
+        <p:spPr/>
+        <p:txBody>
+          <a:bodyPr/>
+          <a:lstStyle/>
+          <a:p>
+            <a:endParaRPr lang="en-US"/>
+          </a:p>
+        </p:txBody>
+      </p:sp>
+      <p:pic>
+        <p:nvPicPr>
+          <p:cNvPr id="4" name="Picture 3"/>
+          <p:cNvPicPr>
+            <a:picLocks noChangeAspect="1"/>
+          </p:cNvPicPr>
+          <p:nvPr/>
+        </p:nvPicPr>
+        <p:blipFill>
+          <a:blip r:embed="rId3"/>
+          <a:stretch>
+            <a:fillRect/>
+          </a:stretch>
+        </p:blipFill>
+        <p:spPr>
+          <a:xfrm>
+            <a:off x="5161741" y="1931597"/>
+            <a:ext cx="6587437" cy="5419861"/>
+          </a:xfrm>
+          <a:prstGeom prst="rect">
+            <a:avLst/>
+          </a:prstGeom>
+        </p:spPr>
+      </p:pic>
+    </p:spTree>
+    <p:extLst>
+      <p:ext uri="{BB962C8B-B14F-4D97-AF65-F5344CB8AC3E}">
+        <p14:creationId xmlns:p14="http://schemas.microsoft.com/office/powerpoint/2010/main" val="1317056159"/>
+      </p:ext>
+    </p:extLst>
+  </p:cSld>
+  <p:clrMapOvr>
+    <a:masterClrMapping/>
+  </p:clrMapOvr>
+  <p:timing>
+    <p:tnLst>
+      <p:par>
+        <p:cTn id="1" dur="indefinite" restart="never" nodeType="tmRoot"/>
+      </p:par>
+    </p:tnLst>
+  </p:timing>
+</p:sld>
+</file>
+
+<file path=ppt/slides/slide19.xml><?xml version="1.0" encoding="utf-8"?>
+<p:sld xmlns:a="http://schemas.openxmlformats.org/drawingml/2006/main" xmlns:r="http://schemas.openxmlformats.org/officeDocument/2006/relationships" xmlns:p="http://schemas.openxmlformats.org/presentationml/2006/main">
+  <p:cSld>
+    <p:spTree>
+      <p:nvGrpSpPr>
+        <p:cNvPr id="1" name=""/>
+        <p:cNvGrpSpPr/>
+        <p:nvPr/>
+      </p:nvGrpSpPr>
+      <p:grpSpPr>
+        <a:xfrm>
+          <a:off x="0" y="0"/>
+          <a:ext cx="0" cy="0"/>
+          <a:chOff x="0" y="0"/>
+          <a:chExt cx="0" cy="0"/>
+        </a:xfrm>
+      </p:grpSpPr>
+      <p:sp>
+        <p:nvSpPr>
+          <p:cNvPr id="2" name="Title 1"/>
+          <p:cNvSpPr>
+            <a:spLocks noGrp="1"/>
+          </p:cNvSpPr>
+          <p:nvPr>
+            <p:ph type="title"/>
+          </p:nvPr>
+        </p:nvSpPr>
+        <p:spPr/>
+        <p:txBody>
+          <a:bodyPr/>
+          <a:lstStyle/>
+          <a:p>
+            <a:r>
+              <a:rPr lang="en-US" dirty="0" smtClean="0"/>
+              <a:t>Now you try!</a:t>
+            </a:r>
+            <a:endParaRPr lang="en-US" dirty="0"/>
+          </a:p>
+        </p:txBody>
+      </p:sp>
+      <p:sp>
+        <p:nvSpPr>
+          <p:cNvPr id="3" name="Content Placeholder 2"/>
+          <p:cNvSpPr>
+            <a:spLocks noGrp="1"/>
+          </p:cNvSpPr>
+          <p:nvPr>
+            <p:ph sz="half" idx="1"/>
+          </p:nvPr>
+        </p:nvSpPr>
+        <p:spPr/>
+        <p:txBody>
+          <a:bodyPr>
+            <a:normAutofit lnSpcReduction="10000"/>
+          </a:bodyPr>
+          <a:lstStyle/>
+          <a:p>
+            <a:r>
+              <a:rPr lang="en-US" sz="2400" dirty="0" smtClean="0"/>
+              <a:t>Add three songs</a:t>
+            </a:r>
+          </a:p>
+          <a:p>
+            <a:pPr lvl="1"/>
+            <a:r>
+              <a:rPr lang="en-US" sz="2000" dirty="0" smtClean="0"/>
+              <a:t>use the </a:t>
+            </a:r>
+            <a:r>
+              <a:rPr lang="en-US" sz="2000" dirty="0" err="1" smtClean="0"/>
+              <a:t>UX</a:t>
+            </a:r>
+            <a:r>
+              <a:rPr lang="en-US" sz="2000" dirty="0" smtClean="0"/>
+              <a:t> and SQL</a:t>
+            </a:r>
+          </a:p>
+          <a:p>
+            <a:pPr lvl="1"/>
+            <a:r>
+              <a:rPr lang="en-US" sz="2000" dirty="0" smtClean="0"/>
+              <a:t>don’t forget to add the </a:t>
+            </a:r>
+            <a:r>
+              <a:rPr lang="en-US" sz="2000" dirty="0"/>
+              <a:t>Foreign </a:t>
+            </a:r>
+            <a:r>
+              <a:rPr lang="en-US" sz="2000" dirty="0" smtClean="0"/>
+              <a:t>Keys</a:t>
+            </a:r>
+            <a:endParaRPr lang="en-US" sz="2000" dirty="0"/>
+          </a:p>
+          <a:p>
+            <a:pPr lvl="1"/>
+            <a:endParaRPr lang="en-US" dirty="0"/>
+          </a:p>
+        </p:txBody>
+      </p:sp>
+      <p:sp>
+        <p:nvSpPr>
+          <p:cNvPr id="4" name="Content Placeholder 3"/>
+          <p:cNvSpPr>
+            <a:spLocks noGrp="1"/>
+          </p:cNvSpPr>
+          <p:nvPr>
+            <p:ph sz="half" idx="2"/>
+          </p:nvPr>
+        </p:nvSpPr>
+        <p:spPr>
+          <a:xfrm>
+            <a:off x="6187415" y="2222287"/>
+            <a:ext cx="5194583" cy="1694105"/>
+          </a:xfrm>
+        </p:spPr>
+        <p:txBody>
+          <a:bodyPr>
+            <a:normAutofit lnSpcReduction="10000"/>
+          </a:bodyPr>
+          <a:lstStyle/>
+          <a:p>
+            <a:pPr marL="0" indent="0">
+              <a:buNone/>
+            </a:pPr>
+            <a:r>
+              <a:rPr lang="en-US" sz="2400" dirty="0" smtClean="0"/>
+              <a:t>Generic:</a:t>
+            </a:r>
+          </a:p>
+          <a:p>
+            <a:pPr marL="0" indent="0">
+              <a:buNone/>
+            </a:pPr>
+            <a:r>
+              <a:rPr lang="en-US" sz="2400" dirty="0" smtClean="0"/>
+              <a:t>INSERT </a:t>
+            </a:r>
+            <a:r>
+              <a:rPr lang="en-US" sz="2400" dirty="0"/>
+              <a:t>INTO </a:t>
+            </a:r>
+            <a:r>
+              <a:rPr lang="en-US" sz="2400" dirty="0" err="1" smtClean="0">
+                <a:solidFill>
+                  <a:srgbClr val="7030A0"/>
+                </a:solidFill>
+              </a:rPr>
+              <a:t>tablename</a:t>
+            </a:r>
+            <a:r>
+              <a:rPr lang="en-US" sz="2400" dirty="0" smtClean="0">
+                <a:solidFill>
+                  <a:srgbClr val="7030A0"/>
+                </a:solidFill>
+              </a:rPr>
+              <a:t>(field1</a:t>
+            </a:r>
+            <a:r>
+              <a:rPr lang="en-US" sz="2400" dirty="0">
+                <a:solidFill>
+                  <a:srgbClr val="7030A0"/>
+                </a:solidFill>
+              </a:rPr>
+              <a:t>, field2</a:t>
+            </a:r>
+            <a:r>
+              <a:rPr lang="en-US" sz="2400" dirty="0"/>
+              <a:t>) VALUES (</a:t>
+            </a:r>
+            <a:r>
+              <a:rPr lang="en-US" sz="2400" dirty="0">
+                <a:solidFill>
+                  <a:srgbClr val="7030A0"/>
+                </a:solidFill>
+              </a:rPr>
+              <a:t>field1_value, field2_value</a:t>
+            </a:r>
+            <a:r>
+              <a:rPr lang="en-US" sz="2400" dirty="0" smtClean="0"/>
+              <a:t>);</a:t>
+            </a:r>
+          </a:p>
+        </p:txBody>
+      </p:sp>
+      <p:sp>
+        <p:nvSpPr>
+          <p:cNvPr id="5" name="Content Placeholder 3"/>
+          <p:cNvSpPr txBox="1">
+            <a:spLocks/>
+          </p:cNvSpPr>
+          <p:nvPr/>
+        </p:nvSpPr>
+        <p:spPr>
+          <a:xfrm>
+            <a:off x="6095999" y="4166945"/>
+            <a:ext cx="5194583" cy="1694105"/>
+          </a:xfrm>
+          <a:prstGeom prst="rect">
+            <a:avLst/>
+          </a:prstGeom>
+          <a:effectLst>
+            <a:outerShdw blurRad="50800" dir="14400000">
+              <a:srgbClr val="000000">
+                <a:alpha val="40000"/>
+              </a:srgbClr>
+            </a:outerShdw>
+          </a:effectLst>
+        </p:spPr>
+        <p:txBody>
+          <a:bodyPr vert="horz" lIns="91440" tIns="45720" rIns="91440" bIns="45720" rtlCol="0" anchor="ctr">
+            <a:noAutofit/>
+          </a:bodyPr>
+          <a:lstStyle>
+            <a:lvl1pPr marL="342900" indent="-342900" algn="l" defTabSz="457200" rtl="0" eaLnBrk="1" latinLnBrk="0" hangingPunct="1">
+              <a:spcBef>
+                <a:spcPct val="20000"/>
+              </a:spcBef>
+              <a:spcAft>
+                <a:spcPts val="600"/>
+              </a:spcAft>
+              <a:buClr>
+                <a:schemeClr val="accent1"/>
+              </a:buClr>
+              <a:buFont typeface="Wingdings 2" charset="2"/>
+              <a:buChar char=""/>
+              <a:defRPr sz="1800" kern="1200">
+                <a:solidFill>
+                  <a:schemeClr val="tx1"/>
+                </a:solidFill>
+                <a:latin typeface="+mn-lt"/>
+                <a:ea typeface="+mn-ea"/>
+                <a:cs typeface="+mn-cs"/>
+              </a:defRPr>
+            </a:lvl1pPr>
+            <a:lvl2pPr marL="742950" indent="-285750" algn="l" defTabSz="457200" rtl="0" eaLnBrk="1" latinLnBrk="0" hangingPunct="1">
+              <a:spcBef>
+                <a:spcPct val="20000"/>
+              </a:spcBef>
+              <a:spcAft>
+                <a:spcPts val="600"/>
+              </a:spcAft>
+              <a:buClr>
+                <a:schemeClr val="accent1"/>
+              </a:buClr>
+              <a:buFont typeface="Wingdings 2" charset="2"/>
+              <a:buChar char=""/>
+              <a:defRPr sz="1600" kern="1200">
+                <a:solidFill>
+                  <a:schemeClr val="tx1"/>
+                </a:solidFill>
+                <a:latin typeface="+mn-lt"/>
+                <a:ea typeface="+mn-ea"/>
+                <a:cs typeface="+mn-cs"/>
+              </a:defRPr>
+            </a:lvl2pPr>
+            <a:lvl3pPr marL="1143000" indent="-228600" algn="l" defTabSz="457200" rtl="0" eaLnBrk="1" latinLnBrk="0" hangingPunct="1">
+              <a:spcBef>
+                <a:spcPct val="20000"/>
+              </a:spcBef>
+              <a:spcAft>
+                <a:spcPts val="600"/>
+              </a:spcAft>
+              <a:buClr>
+                <a:schemeClr val="accent1"/>
+              </a:buClr>
+              <a:buFont typeface="Wingdings 2" charset="2"/>
+              <a:buChar char=""/>
+              <a:defRPr sz="1400" kern="1200">
+                <a:solidFill>
+                  <a:schemeClr val="tx1"/>
+                </a:solidFill>
+                <a:latin typeface="+mn-lt"/>
+                <a:ea typeface="+mn-ea"/>
+                <a:cs typeface="+mn-cs"/>
+              </a:defRPr>
+            </a:lvl3pPr>
+            <a:lvl4pPr marL="1600200" indent="-228600" algn="l" defTabSz="457200" rtl="0" eaLnBrk="1" latinLnBrk="0" hangingPunct="1">
+              <a:spcBef>
+                <a:spcPct val="20000"/>
+              </a:spcBef>
+              <a:spcAft>
+                <a:spcPts val="600"/>
+              </a:spcAft>
+              <a:buClr>
+                <a:schemeClr val="accent1"/>
+              </a:buClr>
+              <a:buFont typeface="Wingdings 2" charset="2"/>
+              <a:buChar char=""/>
+              <a:defRPr sz="1200" kern="1200">
+                <a:solidFill>
+                  <a:schemeClr val="tx1"/>
+                </a:solidFill>
+                <a:latin typeface="+mn-lt"/>
+                <a:ea typeface="+mn-ea"/>
+                <a:cs typeface="+mn-cs"/>
+              </a:defRPr>
+            </a:lvl4pPr>
+            <a:lvl5pPr marL="2057400" indent="-228600" algn="l" defTabSz="457200" rtl="0" eaLnBrk="1" latinLnBrk="0" hangingPunct="1">
+              <a:spcBef>
+                <a:spcPct val="20000"/>
+              </a:spcBef>
+              <a:spcAft>
+                <a:spcPts val="600"/>
+              </a:spcAft>
+              <a:buClr>
+                <a:schemeClr val="accent1"/>
+              </a:buClr>
+              <a:buFont typeface="Wingdings 2" charset="2"/>
+              <a:buChar char=""/>
+              <a:defRPr sz="1200" kern="1200">
+                <a:solidFill>
+                  <a:schemeClr val="tx1"/>
+                </a:solidFill>
+                <a:latin typeface="+mn-lt"/>
+                <a:ea typeface="+mn-ea"/>
+                <a:cs typeface="+mn-cs"/>
+              </a:defRPr>
+            </a:lvl5pPr>
+            <a:lvl6pPr marL="2400000" indent="-228600" algn="l" defTabSz="457200" rtl="0" eaLnBrk="1" latinLnBrk="0" hangingPunct="1">
+              <a:spcBef>
+                <a:spcPct val="20000"/>
+              </a:spcBef>
+              <a:spcAft>
+                <a:spcPts val="600"/>
+              </a:spcAft>
+              <a:buClr>
+                <a:schemeClr val="accent1"/>
+              </a:buClr>
+              <a:buFont typeface="Wingdings 2" charset="2"/>
+              <a:buChar char=""/>
+              <a:defRPr sz="1200" kern="1200">
+                <a:solidFill>
+                  <a:schemeClr val="tx1"/>
+                </a:solidFill>
+                <a:latin typeface="+mn-lt"/>
+                <a:ea typeface="+mn-ea"/>
+                <a:cs typeface="+mn-cs"/>
+              </a:defRPr>
+            </a:lvl6pPr>
+            <a:lvl7pPr marL="2800000" indent="-228600" algn="l" defTabSz="457200" rtl="0" eaLnBrk="1" latinLnBrk="0" hangingPunct="1">
+              <a:spcBef>
+                <a:spcPct val="20000"/>
+              </a:spcBef>
+              <a:spcAft>
+                <a:spcPts val="600"/>
+              </a:spcAft>
+              <a:buClr>
+                <a:schemeClr val="accent1"/>
+              </a:buClr>
+              <a:buFont typeface="Wingdings 2" charset="2"/>
+              <a:buChar char=""/>
+              <a:defRPr sz="1200" kern="1200">
+                <a:solidFill>
+                  <a:schemeClr val="tx1"/>
+                </a:solidFill>
+                <a:latin typeface="+mn-lt"/>
+                <a:ea typeface="+mn-ea"/>
+                <a:cs typeface="+mn-cs"/>
+              </a:defRPr>
+            </a:lvl7pPr>
+            <a:lvl8pPr marL="3200000" indent="-228600" algn="l" defTabSz="457200" rtl="0" eaLnBrk="1" latinLnBrk="0" hangingPunct="1">
+              <a:spcBef>
+                <a:spcPct val="20000"/>
+              </a:spcBef>
+              <a:spcAft>
+                <a:spcPts val="600"/>
+              </a:spcAft>
+              <a:buClr>
+                <a:schemeClr val="accent1"/>
+              </a:buClr>
+              <a:buFont typeface="Wingdings 2" charset="2"/>
+              <a:buChar char=""/>
+              <a:defRPr sz="1200" kern="1200">
+                <a:solidFill>
+                  <a:schemeClr val="tx1"/>
+                </a:solidFill>
+                <a:latin typeface="+mn-lt"/>
+                <a:ea typeface="+mn-ea"/>
+                <a:cs typeface="+mn-cs"/>
+              </a:defRPr>
+            </a:lvl8pPr>
+            <a:lvl9pPr marL="3600000" indent="-228600" algn="l" defTabSz="457200" rtl="0" eaLnBrk="1" latinLnBrk="0" hangingPunct="1">
+              <a:spcBef>
+                <a:spcPct val="20000"/>
+              </a:spcBef>
+              <a:spcAft>
+                <a:spcPts val="600"/>
+              </a:spcAft>
+              <a:buClr>
+                <a:schemeClr val="accent1"/>
+              </a:buClr>
+              <a:buFont typeface="Wingdings 2" charset="2"/>
+              <a:buChar char=""/>
+              <a:defRPr sz="1200" kern="1200">
+                <a:solidFill>
+                  <a:schemeClr val="tx1"/>
+                </a:solidFill>
+                <a:latin typeface="+mn-lt"/>
+                <a:ea typeface="+mn-ea"/>
+                <a:cs typeface="+mn-cs"/>
+              </a:defRPr>
+            </a:lvl9pPr>
+          </a:lstStyle>
+          <a:p>
+            <a:pPr marL="0" indent="0">
+              <a:buFont typeface="Wingdings 2" charset="2"/>
+              <a:buNone/>
+            </a:pPr>
+            <a:r>
+              <a:rPr lang="en-US" sz="2400" dirty="0" smtClean="0"/>
+              <a:t>Example:</a:t>
+            </a:r>
+          </a:p>
+          <a:p>
+            <a:pPr marL="0" indent="0">
+              <a:buFont typeface="Wingdings 2" charset="2"/>
+              <a:buNone/>
+            </a:pPr>
+            <a:r>
+              <a:rPr lang="en-US" sz="2400" dirty="0" smtClean="0"/>
+              <a:t>INSERT INTO song(name, </a:t>
+            </a:r>
+            <a:r>
+              <a:rPr lang="en-US" sz="2400" dirty="0" err="1" smtClean="0"/>
+              <a:t>artist_id</a:t>
+            </a:r>
+            <a:r>
+              <a:rPr lang="en-US" sz="2400" dirty="0" smtClean="0"/>
+              <a:t>, </a:t>
+            </a:r>
+            <a:r>
+              <a:rPr lang="en-US" sz="2400" dirty="0" err="1" smtClean="0"/>
+              <a:t>genre_id</a:t>
+            </a:r>
+            <a:r>
+              <a:rPr lang="en-US" sz="2400" dirty="0" smtClean="0"/>
+              <a:t>) VALUES (‘Hold On’, 3, 12);</a:t>
+            </a:r>
+          </a:p>
+        </p:txBody>
+      </p:sp>
+    </p:spTree>
+    <p:extLst>
+      <p:ext uri="{BB962C8B-B14F-4D97-AF65-F5344CB8AC3E}">
+        <p14:creationId xmlns:p14="http://schemas.microsoft.com/office/powerpoint/2010/main" val="1863382704"/>
+      </p:ext>
+    </p:extLst>
+  </p:cSld>
+  <p:clrMapOvr>
+    <a:masterClrMapping/>
+  </p:clrMapOvr>
+  <p:timing>
+    <p:tnLst>
+      <p:par>
+        <p:cTn id="1" dur="indefinite" restart="never" nodeType="tmRoot">
+          <p:childTnLst>
+            <p:seq concurrent="1" nextAc="seek">
+              <p:cTn id="2" dur="indefinite" nodeType="mainSeq">
+                <p:childTnLst>
+                  <p:par>
+                    <p:cTn id="3" fill="hold">
+                      <p:stCondLst>
+                        <p:cond delay="indefinite"/>
+                      </p:stCondLst>
+                      <p:childTnLst>
+                        <p:par>
+                          <p:cTn id="4" fill="hold">
+                            <p:stCondLst>
+                              <p:cond delay="0"/>
+                            </p:stCondLst>
+                            <p:childTnLst>
+                              <p:par>
+                                <p:cTn id="5" presetID="1" presetClass="entr" presetSubtype="0" fill="hold" grpId="0" nodeType="clickEffect">
+                                  <p:stCondLst>
+                                    <p:cond delay="0"/>
+                                  </p:stCondLst>
+                                  <p:childTnLst>
+                                    <p:set>
+                                      <p:cBhvr>
+                                        <p:cTn id="6" dur="1" fill="hold">
+                                          <p:stCondLst>
+                                            <p:cond delay="0"/>
+                                          </p:stCondLst>
+                                        </p:cTn>
+                                        <p:tgtEl>
+                                          <p:spTgt spid="5"/>
                                         </p:tgtEl>
                                         <p:attrNameLst>
                                           <p:attrName>style.visibility</p:attrName>
@@ -9202,486 +11345,9 @@
         </p:cTn>
       </p:par>
     </p:tnLst>
-  </p:timing>
-</p:sld>
-</file>
-
-<file path=ppt/slides/slide15.xml><?xml version="1.0" encoding="utf-8"?>
-<p:sld xmlns:a="http://schemas.openxmlformats.org/drawingml/2006/main" xmlns:r="http://schemas.openxmlformats.org/officeDocument/2006/relationships" xmlns:p="http://schemas.openxmlformats.org/presentationml/2006/main">
-  <p:cSld>
-    <p:spTree>
-      <p:nvGrpSpPr>
-        <p:cNvPr id="1" name=""/>
-        <p:cNvGrpSpPr/>
-        <p:nvPr/>
-      </p:nvGrpSpPr>
-      <p:grpSpPr>
-        <a:xfrm>
-          <a:off x="0" y="0"/>
-          <a:ext cx="0" cy="0"/>
-          <a:chOff x="0" y="0"/>
-          <a:chExt cx="0" cy="0"/>
-        </a:xfrm>
-      </p:grpSpPr>
-      <p:sp>
-        <p:nvSpPr>
-          <p:cNvPr id="2" name="Title 1"/>
-          <p:cNvSpPr>
-            <a:spLocks noGrp="1"/>
-          </p:cNvSpPr>
-          <p:nvPr>
-            <p:ph type="title"/>
-          </p:nvPr>
-        </p:nvSpPr>
-        <p:spPr/>
-        <p:txBody>
-          <a:bodyPr/>
-          <a:lstStyle/>
-          <a:p>
-            <a:r>
-              <a:rPr lang="en-US" dirty="0" smtClean="0"/>
-              <a:t>Practice Creating Tables</a:t>
-            </a:r>
-            <a:endParaRPr lang="en-US" dirty="0"/>
-          </a:p>
-        </p:txBody>
-      </p:sp>
-      <p:sp>
-        <p:nvSpPr>
-          <p:cNvPr id="3" name="Text Placeholder 2"/>
-          <p:cNvSpPr>
-            <a:spLocks noGrp="1"/>
-          </p:cNvSpPr>
-          <p:nvPr>
-            <p:ph type="body" idx="1"/>
-          </p:nvPr>
-        </p:nvSpPr>
-        <p:spPr>
-          <a:xfrm>
-            <a:off x="0" y="2174875"/>
-            <a:ext cx="5189857" cy="576262"/>
-          </a:xfrm>
-        </p:spPr>
-        <p:txBody>
-          <a:bodyPr/>
-          <a:lstStyle/>
-          <a:p>
-            <a:r>
-              <a:rPr lang="en-US" dirty="0" smtClean="0"/>
-              <a:t>Song</a:t>
-            </a:r>
-            <a:endParaRPr lang="en-US" dirty="0"/>
-          </a:p>
-        </p:txBody>
-      </p:sp>
-      <p:sp>
-        <p:nvSpPr>
-          <p:cNvPr id="4" name="Content Placeholder 3"/>
-          <p:cNvSpPr>
-            <a:spLocks noGrp="1"/>
-          </p:cNvSpPr>
-          <p:nvPr>
-            <p:ph sz="half" idx="2"/>
-          </p:nvPr>
-        </p:nvSpPr>
-        <p:spPr>
-          <a:xfrm>
-            <a:off x="1" y="2828086"/>
-            <a:ext cx="5189856" cy="3109913"/>
-          </a:xfrm>
-        </p:spPr>
-        <p:txBody>
-          <a:bodyPr/>
-          <a:lstStyle/>
-          <a:p>
-            <a:endParaRPr lang="en-US" dirty="0"/>
-          </a:p>
-        </p:txBody>
-      </p:sp>
-      <p:sp>
-        <p:nvSpPr>
-          <p:cNvPr id="5" name="Text Placeholder 4"/>
-          <p:cNvSpPr>
-            <a:spLocks noGrp="1"/>
-          </p:cNvSpPr>
-          <p:nvPr>
-            <p:ph type="body" sz="quarter" idx="3"/>
-          </p:nvPr>
-        </p:nvSpPr>
-        <p:spPr>
-          <a:xfrm>
-            <a:off x="5189857" y="2213349"/>
-            <a:ext cx="5194583" cy="576262"/>
-          </a:xfrm>
-        </p:spPr>
-        <p:txBody>
-          <a:bodyPr/>
-          <a:lstStyle/>
-          <a:p>
-            <a:r>
-              <a:rPr lang="en-US" dirty="0" smtClean="0"/>
-              <a:t>Artist</a:t>
-            </a:r>
-            <a:endParaRPr lang="en-US" dirty="0"/>
-          </a:p>
-        </p:txBody>
-      </p:sp>
-      <p:sp>
-        <p:nvSpPr>
-          <p:cNvPr id="6" name="Content Placeholder 5"/>
-          <p:cNvSpPr>
-            <a:spLocks noGrp="1"/>
-          </p:cNvSpPr>
-          <p:nvPr>
-            <p:ph sz="quarter" idx="4"/>
-          </p:nvPr>
-        </p:nvSpPr>
-        <p:spPr>
-          <a:xfrm>
-            <a:off x="5189857" y="2828085"/>
-            <a:ext cx="5194583" cy="3109913"/>
-          </a:xfrm>
-        </p:spPr>
-        <p:txBody>
-          <a:bodyPr/>
-          <a:lstStyle/>
-          <a:p>
-            <a:endParaRPr lang="en-US" dirty="0"/>
-          </a:p>
-        </p:txBody>
-      </p:sp>
-    </p:spTree>
-    <p:extLst>
-      <p:ext uri="{BB962C8B-B14F-4D97-AF65-F5344CB8AC3E}">
-        <p14:creationId xmlns:p14="http://schemas.microsoft.com/office/powerpoint/2010/main" val="3314465066"/>
-      </p:ext>
-    </p:extLst>
-  </p:cSld>
-  <p:clrMapOvr>
-    <a:masterClrMapping/>
-  </p:clrMapOvr>
-  <p:timing>
-    <p:tnLst>
-      <p:par>
-        <p:cTn id="1" dur="indefinite" restart="never" nodeType="tmRoot"/>
-      </p:par>
-    </p:tnLst>
-  </p:timing>
-</p:sld>
-</file>
-
-<file path=ppt/slides/slide16.xml><?xml version="1.0" encoding="utf-8"?>
-<p:sld xmlns:a="http://schemas.openxmlformats.org/drawingml/2006/main" xmlns:r="http://schemas.openxmlformats.org/officeDocument/2006/relationships" xmlns:p="http://schemas.openxmlformats.org/presentationml/2006/main">
-  <p:cSld>
-    <p:spTree>
-      <p:nvGrpSpPr>
-        <p:cNvPr id="1" name=""/>
-        <p:cNvGrpSpPr/>
-        <p:nvPr/>
-      </p:nvGrpSpPr>
-      <p:grpSpPr>
-        <a:xfrm>
-          <a:off x="0" y="0"/>
-          <a:ext cx="0" cy="0"/>
-          <a:chOff x="0" y="0"/>
-          <a:chExt cx="0" cy="0"/>
-        </a:xfrm>
-      </p:grpSpPr>
-      <p:sp>
-        <p:nvSpPr>
-          <p:cNvPr id="2" name="Title 1"/>
-          <p:cNvSpPr>
-            <a:spLocks noGrp="1"/>
-          </p:cNvSpPr>
-          <p:nvPr>
-            <p:ph type="title"/>
-          </p:nvPr>
-        </p:nvSpPr>
-        <p:spPr/>
-        <p:txBody>
-          <a:bodyPr/>
-          <a:lstStyle/>
-          <a:p>
-            <a:r>
-              <a:rPr lang="en-US" dirty="0" smtClean="0"/>
-              <a:t>Retrieve/Read</a:t>
-            </a:r>
-            <a:endParaRPr lang="en-US" dirty="0"/>
-          </a:p>
-        </p:txBody>
-      </p:sp>
-      <p:sp>
-        <p:nvSpPr>
-          <p:cNvPr id="3" name="Content Placeholder 2"/>
-          <p:cNvSpPr>
-            <a:spLocks noGrp="1"/>
-          </p:cNvSpPr>
-          <p:nvPr>
-            <p:ph idx="1"/>
-          </p:nvPr>
-        </p:nvSpPr>
-        <p:spPr/>
-        <p:txBody>
-          <a:bodyPr/>
-          <a:lstStyle/>
-          <a:p>
-            <a:endParaRPr lang="en-US" dirty="0"/>
-          </a:p>
-        </p:txBody>
-      </p:sp>
-    </p:spTree>
-    <p:extLst>
-      <p:ext uri="{BB962C8B-B14F-4D97-AF65-F5344CB8AC3E}">
-        <p14:creationId xmlns:p14="http://schemas.microsoft.com/office/powerpoint/2010/main" val="3711139260"/>
-      </p:ext>
-    </p:extLst>
-  </p:cSld>
-  <p:clrMapOvr>
-    <a:masterClrMapping/>
-  </p:clrMapOvr>
-  <p:timing>
-    <p:tnLst>
-      <p:par>
-        <p:cTn id="1" dur="indefinite" restart="never" nodeType="tmRoot"/>
-      </p:par>
-    </p:tnLst>
-  </p:timing>
-</p:sld>
-</file>
-
-<file path=ppt/slides/slide17.xml><?xml version="1.0" encoding="utf-8"?>
-<p:sld xmlns:a="http://schemas.openxmlformats.org/drawingml/2006/main" xmlns:r="http://schemas.openxmlformats.org/officeDocument/2006/relationships" xmlns:p="http://schemas.openxmlformats.org/presentationml/2006/main">
-  <p:cSld>
-    <p:spTree>
-      <p:nvGrpSpPr>
-        <p:cNvPr id="1" name=""/>
-        <p:cNvGrpSpPr/>
-        <p:nvPr/>
-      </p:nvGrpSpPr>
-      <p:grpSpPr>
-        <a:xfrm>
-          <a:off x="0" y="0"/>
-          <a:ext cx="0" cy="0"/>
-          <a:chOff x="0" y="0"/>
-          <a:chExt cx="0" cy="0"/>
-        </a:xfrm>
-      </p:grpSpPr>
-      <p:sp>
-        <p:nvSpPr>
-          <p:cNvPr id="2" name="Title 1"/>
-          <p:cNvSpPr>
-            <a:spLocks noGrp="1"/>
-          </p:cNvSpPr>
-          <p:nvPr>
-            <p:ph type="title"/>
-          </p:nvPr>
-        </p:nvSpPr>
-        <p:spPr/>
-        <p:txBody>
-          <a:bodyPr/>
-          <a:lstStyle/>
-          <a:p>
-            <a:r>
-              <a:rPr lang="en-US" dirty="0" smtClean="0"/>
-              <a:t>Update</a:t>
-            </a:r>
-            <a:endParaRPr lang="en-US" dirty="0"/>
-          </a:p>
-        </p:txBody>
-      </p:sp>
-      <p:sp>
-        <p:nvSpPr>
-          <p:cNvPr id="3" name="Content Placeholder 2"/>
-          <p:cNvSpPr>
-            <a:spLocks noGrp="1"/>
-          </p:cNvSpPr>
-          <p:nvPr>
-            <p:ph idx="1"/>
-          </p:nvPr>
-        </p:nvSpPr>
-        <p:spPr/>
-        <p:txBody>
-          <a:bodyPr/>
-          <a:lstStyle/>
-          <a:p>
-            <a:endParaRPr lang="en-US"/>
-          </a:p>
-        </p:txBody>
-      </p:sp>
-    </p:spTree>
-    <p:extLst>
-      <p:ext uri="{BB962C8B-B14F-4D97-AF65-F5344CB8AC3E}">
-        <p14:creationId xmlns:p14="http://schemas.microsoft.com/office/powerpoint/2010/main" val="3839475506"/>
-      </p:ext>
-    </p:extLst>
-  </p:cSld>
-  <p:clrMapOvr>
-    <a:masterClrMapping/>
-  </p:clrMapOvr>
-  <p:timing>
-    <p:tnLst>
-      <p:par>
-        <p:cTn id="1" dur="indefinite" restart="never" nodeType="tmRoot"/>
-      </p:par>
-    </p:tnLst>
-  </p:timing>
-</p:sld>
-</file>
-
-<file path=ppt/slides/slide18.xml><?xml version="1.0" encoding="utf-8"?>
-<p:sld xmlns:a="http://schemas.openxmlformats.org/drawingml/2006/main" xmlns:r="http://schemas.openxmlformats.org/officeDocument/2006/relationships" xmlns:p="http://schemas.openxmlformats.org/presentationml/2006/main">
-  <p:cSld>
-    <p:spTree>
-      <p:nvGrpSpPr>
-        <p:cNvPr id="1" name=""/>
-        <p:cNvGrpSpPr/>
-        <p:nvPr/>
-      </p:nvGrpSpPr>
-      <p:grpSpPr>
-        <a:xfrm>
-          <a:off x="0" y="0"/>
-          <a:ext cx="0" cy="0"/>
-          <a:chOff x="0" y="0"/>
-          <a:chExt cx="0" cy="0"/>
-        </a:xfrm>
-      </p:grpSpPr>
-      <p:sp>
-        <p:nvSpPr>
-          <p:cNvPr id="2" name="Title 1"/>
-          <p:cNvSpPr>
-            <a:spLocks noGrp="1"/>
-          </p:cNvSpPr>
-          <p:nvPr>
-            <p:ph type="title"/>
-          </p:nvPr>
-        </p:nvSpPr>
-        <p:spPr/>
-        <p:txBody>
-          <a:bodyPr/>
-          <a:lstStyle/>
-          <a:p>
-            <a:r>
-              <a:rPr lang="en-US" dirty="0" smtClean="0"/>
-              <a:t>Delete</a:t>
-            </a:r>
-            <a:endParaRPr lang="en-US" dirty="0"/>
-          </a:p>
-        </p:txBody>
-      </p:sp>
-      <p:sp>
-        <p:nvSpPr>
-          <p:cNvPr id="3" name="Content Placeholder 2"/>
-          <p:cNvSpPr>
-            <a:spLocks noGrp="1"/>
-          </p:cNvSpPr>
-          <p:nvPr>
-            <p:ph idx="1"/>
-          </p:nvPr>
-        </p:nvSpPr>
-        <p:spPr/>
-        <p:txBody>
-          <a:bodyPr/>
-          <a:lstStyle/>
-          <a:p>
-            <a:endParaRPr lang="en-US"/>
-          </a:p>
-        </p:txBody>
-      </p:sp>
-    </p:spTree>
-    <p:extLst>
-      <p:ext uri="{BB962C8B-B14F-4D97-AF65-F5344CB8AC3E}">
-        <p14:creationId xmlns:p14="http://schemas.microsoft.com/office/powerpoint/2010/main" val="1069394999"/>
-      </p:ext>
-    </p:extLst>
-  </p:cSld>
-  <p:clrMapOvr>
-    <a:masterClrMapping/>
-  </p:clrMapOvr>
-  <p:timing>
-    <p:tnLst>
-      <p:par>
-        <p:cTn id="1" dur="indefinite" restart="never" nodeType="tmRoot"/>
-      </p:par>
-    </p:tnLst>
-  </p:timing>
-</p:sld>
-</file>
-
-<file path=ppt/slides/slide19.xml><?xml version="1.0" encoding="utf-8"?>
-<p:sld xmlns:a="http://schemas.openxmlformats.org/drawingml/2006/main" xmlns:r="http://schemas.openxmlformats.org/officeDocument/2006/relationships" xmlns:p="http://schemas.openxmlformats.org/presentationml/2006/main">
-  <p:cSld>
-    <p:spTree>
-      <p:nvGrpSpPr>
-        <p:cNvPr id="1" name=""/>
-        <p:cNvGrpSpPr/>
-        <p:nvPr/>
-      </p:nvGrpSpPr>
-      <p:grpSpPr>
-        <a:xfrm>
-          <a:off x="0" y="0"/>
-          <a:ext cx="0" cy="0"/>
-          <a:chOff x="0" y="0"/>
-          <a:chExt cx="0" cy="0"/>
-        </a:xfrm>
-      </p:grpSpPr>
-      <p:sp>
-        <p:nvSpPr>
-          <p:cNvPr id="2" name="Title 1"/>
-          <p:cNvSpPr>
-            <a:spLocks noGrp="1"/>
-          </p:cNvSpPr>
-          <p:nvPr>
-            <p:ph type="title"/>
-          </p:nvPr>
-        </p:nvSpPr>
-        <p:spPr/>
-        <p:txBody>
-          <a:bodyPr/>
-          <a:lstStyle/>
-          <a:p>
-            <a:r>
-              <a:rPr lang="en-US" dirty="0" smtClean="0"/>
-              <a:t>Join</a:t>
-            </a:r>
-            <a:endParaRPr lang="en-US" dirty="0"/>
-          </a:p>
-        </p:txBody>
-      </p:sp>
-      <p:sp>
-        <p:nvSpPr>
-          <p:cNvPr id="3" name="Content Placeholder 2"/>
-          <p:cNvSpPr>
-            <a:spLocks noGrp="1"/>
-          </p:cNvSpPr>
-          <p:nvPr>
-            <p:ph idx="1"/>
-          </p:nvPr>
-        </p:nvSpPr>
-        <p:spPr/>
-        <p:txBody>
-          <a:bodyPr/>
-          <a:lstStyle/>
-          <a:p>
-            <a:endParaRPr lang="en-US" dirty="0"/>
-          </a:p>
-        </p:txBody>
-      </p:sp>
-    </p:spTree>
-    <p:extLst>
-      <p:ext uri="{BB962C8B-B14F-4D97-AF65-F5344CB8AC3E}">
-        <p14:creationId xmlns:p14="http://schemas.microsoft.com/office/powerpoint/2010/main" val="500879669"/>
-      </p:ext>
-    </p:extLst>
-  </p:cSld>
-  <p:clrMapOvr>
-    <a:masterClrMapping/>
-  </p:clrMapOvr>
-  <p:timing>
-    <p:tnLst>
-      <p:par>
-        <p:cTn id="1" dur="indefinite" restart="never" nodeType="tmRoot"/>
-      </p:par>
-    </p:tnLst>
+    <p:bldLst>
+      <p:bldP spid="5" grpId="0"/>
+    </p:bldLst>
   </p:timing>
 </p:sld>
 </file>
@@ -9821,6 +11487,3060 @@
 </file>
 
 <file path=ppt/slides/slide20.xml><?xml version="1.0" encoding="utf-8"?>
+<p:sld xmlns:a="http://schemas.openxmlformats.org/drawingml/2006/main" xmlns:r="http://schemas.openxmlformats.org/officeDocument/2006/relationships" xmlns:p="http://schemas.openxmlformats.org/presentationml/2006/main">
+  <p:cSld>
+    <p:spTree>
+      <p:nvGrpSpPr>
+        <p:cNvPr id="1" name=""/>
+        <p:cNvGrpSpPr/>
+        <p:nvPr/>
+      </p:nvGrpSpPr>
+      <p:grpSpPr>
+        <a:xfrm>
+          <a:off x="0" y="0"/>
+          <a:ext cx="0" cy="0"/>
+          <a:chOff x="0" y="0"/>
+          <a:chExt cx="0" cy="0"/>
+        </a:xfrm>
+      </p:grpSpPr>
+      <p:sp>
+        <p:nvSpPr>
+          <p:cNvPr id="2" name="Title 1"/>
+          <p:cNvSpPr>
+            <a:spLocks noGrp="1"/>
+          </p:cNvSpPr>
+          <p:nvPr>
+            <p:ph type="title"/>
+          </p:nvPr>
+        </p:nvSpPr>
+        <p:spPr/>
+        <p:txBody>
+          <a:bodyPr/>
+          <a:lstStyle/>
+          <a:p>
+            <a:r>
+              <a:rPr lang="en-US" dirty="0" smtClean="0"/>
+              <a:t>Update</a:t>
+            </a:r>
+            <a:endParaRPr lang="en-US" dirty="0"/>
+          </a:p>
+        </p:txBody>
+      </p:sp>
+      <p:sp>
+        <p:nvSpPr>
+          <p:cNvPr id="3" name="Content Placeholder 2"/>
+          <p:cNvSpPr>
+            <a:spLocks noGrp="1"/>
+          </p:cNvSpPr>
+          <p:nvPr>
+            <p:ph idx="1"/>
+          </p:nvPr>
+        </p:nvSpPr>
+        <p:spPr>
+          <a:xfrm>
+            <a:off x="818712" y="2670860"/>
+            <a:ext cx="10554574" cy="3636511"/>
+          </a:xfrm>
+        </p:spPr>
+        <p:txBody>
+          <a:bodyPr/>
+          <a:lstStyle/>
+          <a:p>
+            <a:r>
+              <a:rPr lang="en-US" sz="2400" dirty="0"/>
+              <a:t>Generic </a:t>
+            </a:r>
+            <a:r>
+              <a:rPr lang="en-US" sz="2400" dirty="0" smtClean="0"/>
+              <a:t>Update Function</a:t>
+            </a:r>
+            <a:endParaRPr lang="en-US" sz="2400" dirty="0"/>
+          </a:p>
+          <a:p>
+            <a:pPr lvl="1"/>
+            <a:r>
+              <a:rPr lang="en-US" sz="2000" dirty="0" smtClean="0"/>
+              <a:t>UPDATE  </a:t>
+            </a:r>
+            <a:r>
+              <a:rPr lang="en-US" sz="2000" dirty="0" err="1" smtClean="0">
+                <a:solidFill>
+                  <a:schemeClr val="accent2">
+                    <a:lumMod val="50000"/>
+                  </a:schemeClr>
+                </a:solidFill>
+              </a:rPr>
+              <a:t>tablename</a:t>
+            </a:r>
+            <a:r>
+              <a:rPr lang="en-US" sz="2000" dirty="0" smtClean="0">
+                <a:solidFill>
+                  <a:schemeClr val="accent2">
+                    <a:lumMod val="50000"/>
+                  </a:schemeClr>
+                </a:solidFill>
+              </a:rPr>
+              <a:t> </a:t>
+            </a:r>
+            <a:r>
+              <a:rPr lang="en-US" sz="2000" dirty="0" smtClean="0"/>
+              <a:t> </a:t>
+            </a:r>
+            <a:r>
+              <a:rPr lang="en-US" sz="2000" dirty="0" smtClean="0"/>
+              <a:t>SET </a:t>
+            </a:r>
+            <a:r>
+              <a:rPr lang="en-US" sz="2000" dirty="0" smtClean="0">
+                <a:solidFill>
+                  <a:schemeClr val="accent2">
+                    <a:lumMod val="50000"/>
+                  </a:schemeClr>
+                </a:solidFill>
+              </a:rPr>
+              <a:t>fieldname </a:t>
+            </a:r>
+            <a:r>
+              <a:rPr lang="en-US" sz="2000" dirty="0" smtClean="0">
+                <a:solidFill>
+                  <a:schemeClr val="accent2">
+                    <a:lumMod val="50000"/>
+                  </a:schemeClr>
+                </a:solidFill>
+              </a:rPr>
+              <a:t>= </a:t>
+            </a:r>
+            <a:r>
+              <a:rPr lang="en-US" sz="2000" dirty="0" smtClean="0">
+                <a:solidFill>
+                  <a:schemeClr val="accent2">
+                    <a:lumMod val="50000"/>
+                  </a:schemeClr>
+                </a:solidFill>
+              </a:rPr>
+              <a:t>new value </a:t>
+            </a:r>
+            <a:r>
+              <a:rPr lang="en-US" sz="2000" dirty="0" smtClean="0"/>
+              <a:t>WHERE </a:t>
+            </a:r>
+            <a:r>
+              <a:rPr lang="en-US" sz="2000" dirty="0" smtClean="0">
+                <a:solidFill>
+                  <a:schemeClr val="accent2">
+                    <a:lumMod val="50000"/>
+                  </a:schemeClr>
+                </a:solidFill>
+              </a:rPr>
+              <a:t>condition</a:t>
+            </a:r>
+            <a:endParaRPr lang="en-US" sz="2000" dirty="0" smtClean="0">
+              <a:solidFill>
+                <a:schemeClr val="accent2">
+                  <a:lumMod val="50000"/>
+                </a:schemeClr>
+              </a:solidFill>
+            </a:endParaRPr>
+          </a:p>
+          <a:p>
+            <a:endParaRPr lang="en-US" sz="2200" dirty="0">
+              <a:solidFill>
+                <a:schemeClr val="accent2">
+                  <a:lumMod val="50000"/>
+                </a:schemeClr>
+              </a:solidFill>
+            </a:endParaRPr>
+          </a:p>
+          <a:p>
+            <a:r>
+              <a:rPr lang="en-US" sz="2200" dirty="0" smtClean="0"/>
+              <a:t>Example</a:t>
+            </a:r>
+          </a:p>
+          <a:p>
+            <a:pPr lvl="1"/>
+            <a:r>
+              <a:rPr lang="en-US" sz="2000" dirty="0" smtClean="0"/>
+              <a:t>UPDATE artist SET name = ‘Formally Known as Prince’ WHERE id = 10</a:t>
+            </a:r>
+          </a:p>
+          <a:p>
+            <a:endParaRPr lang="en-US" sz="2200" dirty="0"/>
+          </a:p>
+          <a:p>
+            <a:r>
+              <a:rPr lang="en-US" sz="2200" dirty="0" smtClean="0"/>
+              <a:t>You try!</a:t>
+            </a:r>
+          </a:p>
+          <a:p>
+            <a:pPr marL="0" indent="0">
+              <a:buNone/>
+            </a:pPr>
+            <a:endParaRPr lang="en-US" sz="2000" dirty="0">
+              <a:solidFill>
+                <a:schemeClr val="accent2">
+                  <a:lumMod val="50000"/>
+                </a:schemeClr>
+              </a:solidFill>
+            </a:endParaRPr>
+          </a:p>
+        </p:txBody>
+      </p:sp>
+    </p:spTree>
+    <p:extLst>
+      <p:ext uri="{BB962C8B-B14F-4D97-AF65-F5344CB8AC3E}">
+        <p14:creationId xmlns:p14="http://schemas.microsoft.com/office/powerpoint/2010/main" val="3839475506"/>
+      </p:ext>
+    </p:extLst>
+  </p:cSld>
+  <p:clrMapOvr>
+    <a:masterClrMapping/>
+  </p:clrMapOvr>
+  <p:timing>
+    <p:tnLst>
+      <p:par>
+        <p:cTn id="1" dur="indefinite" restart="never" nodeType="tmRoot"/>
+      </p:par>
+    </p:tnLst>
+  </p:timing>
+</p:sld>
+</file>
+
+<file path=ppt/slides/slide21.xml><?xml version="1.0" encoding="utf-8"?>
+<p:sld xmlns:a="http://schemas.openxmlformats.org/drawingml/2006/main" xmlns:r="http://schemas.openxmlformats.org/officeDocument/2006/relationships" xmlns:p="http://schemas.openxmlformats.org/presentationml/2006/main">
+  <p:cSld>
+    <p:spTree>
+      <p:nvGrpSpPr>
+        <p:cNvPr id="1" name=""/>
+        <p:cNvGrpSpPr/>
+        <p:nvPr/>
+      </p:nvGrpSpPr>
+      <p:grpSpPr>
+        <a:xfrm>
+          <a:off x="0" y="0"/>
+          <a:ext cx="0" cy="0"/>
+          <a:chOff x="0" y="0"/>
+          <a:chExt cx="0" cy="0"/>
+        </a:xfrm>
+      </p:grpSpPr>
+      <p:sp>
+        <p:nvSpPr>
+          <p:cNvPr id="2" name="Rectangle 1"/>
+          <p:cNvSpPr/>
+          <p:nvPr/>
+        </p:nvSpPr>
+        <p:spPr>
+          <a:xfrm>
+            <a:off x="0" y="445928"/>
+            <a:ext cx="12192000" cy="1015663"/>
+          </a:xfrm>
+          <a:prstGeom prst="rect">
+            <a:avLst/>
+          </a:prstGeom>
+        </p:spPr>
+        <p:txBody>
+          <a:bodyPr wrap="square">
+            <a:spAutoFit/>
+          </a:bodyPr>
+          <a:lstStyle/>
+          <a:p>
+            <a:pPr lvl="1"/>
+            <a:r>
+              <a:rPr lang="en-US" sz="2000" dirty="0" smtClean="0"/>
+              <a:t>Generic function:</a:t>
+            </a:r>
+          </a:p>
+          <a:p>
+            <a:pPr lvl="1"/>
+            <a:endParaRPr lang="en-US" sz="2000" dirty="0" smtClean="0"/>
+          </a:p>
+          <a:p>
+            <a:pPr lvl="1"/>
+            <a:r>
+              <a:rPr lang="en-US" sz="2000" dirty="0"/>
+              <a:t>UPDATE  </a:t>
+            </a:r>
+            <a:r>
+              <a:rPr lang="en-US" sz="2000" dirty="0" err="1">
+                <a:solidFill>
+                  <a:schemeClr val="accent2">
+                    <a:lumMod val="50000"/>
+                  </a:schemeClr>
+                </a:solidFill>
+              </a:rPr>
+              <a:t>tablename</a:t>
+            </a:r>
+            <a:r>
+              <a:rPr lang="en-US" sz="2000" dirty="0">
+                <a:solidFill>
+                  <a:schemeClr val="accent2">
+                    <a:lumMod val="50000"/>
+                  </a:schemeClr>
+                </a:solidFill>
+              </a:rPr>
+              <a:t> </a:t>
+            </a:r>
+            <a:r>
+              <a:rPr lang="en-US" sz="2000" dirty="0"/>
+              <a:t> SET </a:t>
+            </a:r>
+            <a:r>
+              <a:rPr lang="en-US" sz="2000" dirty="0">
+                <a:solidFill>
+                  <a:schemeClr val="accent2">
+                    <a:lumMod val="50000"/>
+                  </a:schemeClr>
+                </a:solidFill>
+              </a:rPr>
+              <a:t>fieldname = new value </a:t>
+            </a:r>
+            <a:r>
+              <a:rPr lang="en-US" sz="2000" dirty="0"/>
+              <a:t>WHERE </a:t>
+            </a:r>
+            <a:r>
+              <a:rPr lang="en-US" sz="2000" dirty="0">
+                <a:solidFill>
+                  <a:schemeClr val="accent2">
+                    <a:lumMod val="50000"/>
+                  </a:schemeClr>
+                </a:solidFill>
+              </a:rPr>
+              <a:t>condition</a:t>
+            </a:r>
+          </a:p>
+        </p:txBody>
+      </p:sp>
+      <p:graphicFrame>
+        <p:nvGraphicFramePr>
+          <p:cNvPr id="3" name="Table 2"/>
+          <p:cNvGraphicFramePr>
+            <a:graphicFrameLocks noGrp="1"/>
+          </p:cNvGraphicFramePr>
+          <p:nvPr>
+            <p:extLst>
+              <p:ext uri="{D42A27DB-BD31-4B8C-83A1-F6EECF244321}">
+                <p14:modId xmlns:p14="http://schemas.microsoft.com/office/powerpoint/2010/main" val="2902758477"/>
+              </p:ext>
+            </p:extLst>
+          </p:nvPr>
+        </p:nvGraphicFramePr>
+        <p:xfrm>
+          <a:off x="588539" y="2391435"/>
+          <a:ext cx="10108248" cy="3675062"/>
+        </p:xfrm>
+        <a:graphic>
+          <a:graphicData uri="http://schemas.openxmlformats.org/drawingml/2006/table">
+            <a:tbl>
+              <a:tblPr/>
+              <a:tblGrid>
+                <a:gridCol w="5054124"/>
+                <a:gridCol w="5054124"/>
+              </a:tblGrid>
+              <a:tr h="350006">
+                <a:tc>
+                  <a:txBody>
+                    <a:bodyPr/>
+                    <a:lstStyle/>
+                    <a:p>
+                      <a:pPr algn="l" fontAlgn="base"/>
+                      <a:r>
+                        <a:rPr lang="en-US" sz="1700">
+                          <a:effectLst/>
+                          <a:latin typeface="inherit"/>
+                        </a:rPr>
+                        <a:t>=</a:t>
+                      </a:r>
+                    </a:p>
+                  </a:txBody>
+                  <a:tcPr marL="87501" marR="87501" marT="43751" marB="43751" anchor="ctr">
+                    <a:lnL>
+                      <a:noFill/>
+                    </a:lnL>
+                    <a:lnR>
+                      <a:noFill/>
+                    </a:lnR>
+                    <a:lnT>
+                      <a:noFill/>
+                    </a:lnT>
+                    <a:lnB>
+                      <a:noFill/>
+                    </a:lnB>
+                    <a:solidFill>
+                      <a:srgbClr val="FFFFFF"/>
+                    </a:solidFill>
+                  </a:tcPr>
+                </a:tc>
+                <a:tc>
+                  <a:txBody>
+                    <a:bodyPr/>
+                    <a:lstStyle/>
+                    <a:p>
+                      <a:pPr algn="l" fontAlgn="base"/>
+                      <a:r>
+                        <a:rPr lang="en-US" sz="1700">
+                          <a:effectLst/>
+                          <a:latin typeface="inherit"/>
+                        </a:rPr>
+                        <a:t>Equal</a:t>
+                      </a:r>
+                    </a:p>
+                  </a:txBody>
+                  <a:tcPr marL="87501" marR="87501" marT="43751" marB="43751" anchor="ctr">
+                    <a:lnL>
+                      <a:noFill/>
+                    </a:lnL>
+                    <a:lnR>
+                      <a:noFill/>
+                    </a:lnR>
+                    <a:lnT>
+                      <a:noFill/>
+                    </a:lnT>
+                    <a:lnB>
+                      <a:noFill/>
+                    </a:lnB>
+                    <a:solidFill>
+                      <a:srgbClr val="FFFFFF"/>
+                    </a:solidFill>
+                  </a:tcPr>
+                </a:tc>
+              </a:tr>
+              <a:tr h="612510">
+                <a:tc>
+                  <a:txBody>
+                    <a:bodyPr/>
+                    <a:lstStyle/>
+                    <a:p>
+                      <a:pPr algn="l" fontAlgn="base"/>
+                      <a:r>
+                        <a:rPr lang="en-US" sz="1700">
+                          <a:effectLst/>
+                          <a:latin typeface="inherit"/>
+                        </a:rPr>
+                        <a:t>&lt;&gt;</a:t>
+                      </a:r>
+                    </a:p>
+                  </a:txBody>
+                  <a:tcPr marL="87501" marR="87501" marT="43751" marB="43751" anchor="ctr">
+                    <a:lnL>
+                      <a:noFill/>
+                    </a:lnL>
+                    <a:lnR>
+                      <a:noFill/>
+                    </a:lnR>
+                    <a:lnT>
+                      <a:noFill/>
+                    </a:lnT>
+                    <a:lnB>
+                      <a:noFill/>
+                    </a:lnB>
+                    <a:solidFill>
+                      <a:srgbClr val="FFFFFF"/>
+                    </a:solidFill>
+                  </a:tcPr>
+                </a:tc>
+                <a:tc>
+                  <a:txBody>
+                    <a:bodyPr/>
+                    <a:lstStyle/>
+                    <a:p>
+                      <a:pPr algn="l" fontAlgn="base"/>
+                      <a:r>
+                        <a:rPr lang="en-US" sz="1700">
+                          <a:effectLst/>
+                          <a:latin typeface="inherit"/>
+                        </a:rPr>
+                        <a:t>Not equal. </a:t>
+                      </a:r>
+                      <a:r>
+                        <a:rPr lang="en-US" sz="1700" i="1">
+                          <a:effectLst/>
+                          <a:latin typeface="inherit"/>
+                        </a:rPr>
+                        <a:t>Note:</a:t>
+                      </a:r>
+                      <a:r>
+                        <a:rPr lang="en-US" sz="1700">
+                          <a:effectLst/>
+                          <a:latin typeface="inherit"/>
+                        </a:rPr>
+                        <a:t> In some versions of SQL, this may be written as !=</a:t>
+                      </a:r>
+                    </a:p>
+                  </a:txBody>
+                  <a:tcPr marL="87501" marR="87501" marT="43751" marB="43751" anchor="ctr">
+                    <a:lnL>
+                      <a:noFill/>
+                    </a:lnL>
+                    <a:lnR>
+                      <a:noFill/>
+                    </a:lnR>
+                    <a:lnT>
+                      <a:noFill/>
+                    </a:lnT>
+                    <a:lnB>
+                      <a:noFill/>
+                    </a:lnB>
+                    <a:solidFill>
+                      <a:srgbClr val="FFFFFF"/>
+                    </a:solidFill>
+                  </a:tcPr>
+                </a:tc>
+              </a:tr>
+              <a:tr h="350006">
+                <a:tc>
+                  <a:txBody>
+                    <a:bodyPr/>
+                    <a:lstStyle/>
+                    <a:p>
+                      <a:pPr algn="l" fontAlgn="base"/>
+                      <a:r>
+                        <a:rPr lang="en-US" sz="1700">
+                          <a:effectLst/>
+                          <a:latin typeface="inherit"/>
+                        </a:rPr>
+                        <a:t>&gt;</a:t>
+                      </a:r>
+                    </a:p>
+                  </a:txBody>
+                  <a:tcPr marL="87501" marR="87501" marT="43751" marB="43751" anchor="ctr">
+                    <a:lnL>
+                      <a:noFill/>
+                    </a:lnL>
+                    <a:lnR>
+                      <a:noFill/>
+                    </a:lnR>
+                    <a:lnT>
+                      <a:noFill/>
+                    </a:lnT>
+                    <a:lnB>
+                      <a:noFill/>
+                    </a:lnB>
+                    <a:solidFill>
+                      <a:srgbClr val="FFFFFF"/>
+                    </a:solidFill>
+                  </a:tcPr>
+                </a:tc>
+                <a:tc>
+                  <a:txBody>
+                    <a:bodyPr/>
+                    <a:lstStyle/>
+                    <a:p>
+                      <a:pPr algn="l" fontAlgn="base"/>
+                      <a:r>
+                        <a:rPr lang="en-US" sz="1700">
+                          <a:effectLst/>
+                          <a:latin typeface="inherit"/>
+                        </a:rPr>
+                        <a:t>Greater than</a:t>
+                      </a:r>
+                    </a:p>
+                  </a:txBody>
+                  <a:tcPr marL="87501" marR="87501" marT="43751" marB="43751" anchor="ctr">
+                    <a:lnL>
+                      <a:noFill/>
+                    </a:lnL>
+                    <a:lnR>
+                      <a:noFill/>
+                    </a:lnR>
+                    <a:lnT>
+                      <a:noFill/>
+                    </a:lnT>
+                    <a:lnB>
+                      <a:noFill/>
+                    </a:lnB>
+                    <a:solidFill>
+                      <a:srgbClr val="FFFFFF"/>
+                    </a:solidFill>
+                  </a:tcPr>
+                </a:tc>
+              </a:tr>
+              <a:tr h="350006">
+                <a:tc>
+                  <a:txBody>
+                    <a:bodyPr/>
+                    <a:lstStyle/>
+                    <a:p>
+                      <a:pPr algn="l" fontAlgn="base"/>
+                      <a:r>
+                        <a:rPr lang="en-US" sz="1700">
+                          <a:effectLst/>
+                          <a:latin typeface="inherit"/>
+                        </a:rPr>
+                        <a:t>&lt;</a:t>
+                      </a:r>
+                    </a:p>
+                  </a:txBody>
+                  <a:tcPr marL="87501" marR="87501" marT="43751" marB="43751" anchor="ctr">
+                    <a:lnL>
+                      <a:noFill/>
+                    </a:lnL>
+                    <a:lnR>
+                      <a:noFill/>
+                    </a:lnR>
+                    <a:lnT>
+                      <a:noFill/>
+                    </a:lnT>
+                    <a:lnB>
+                      <a:noFill/>
+                    </a:lnB>
+                    <a:solidFill>
+                      <a:srgbClr val="FFFFFF"/>
+                    </a:solidFill>
+                  </a:tcPr>
+                </a:tc>
+                <a:tc>
+                  <a:txBody>
+                    <a:bodyPr/>
+                    <a:lstStyle/>
+                    <a:p>
+                      <a:pPr algn="l" fontAlgn="base"/>
+                      <a:r>
+                        <a:rPr lang="en-US" sz="1700">
+                          <a:effectLst/>
+                          <a:latin typeface="inherit"/>
+                        </a:rPr>
+                        <a:t>Less than</a:t>
+                      </a:r>
+                    </a:p>
+                  </a:txBody>
+                  <a:tcPr marL="87501" marR="87501" marT="43751" marB="43751" anchor="ctr">
+                    <a:lnL>
+                      <a:noFill/>
+                    </a:lnL>
+                    <a:lnR>
+                      <a:noFill/>
+                    </a:lnR>
+                    <a:lnT>
+                      <a:noFill/>
+                    </a:lnT>
+                    <a:lnB>
+                      <a:noFill/>
+                    </a:lnB>
+                    <a:solidFill>
+                      <a:srgbClr val="FFFFFF"/>
+                    </a:solidFill>
+                  </a:tcPr>
+                </a:tc>
+              </a:tr>
+              <a:tr h="350006">
+                <a:tc>
+                  <a:txBody>
+                    <a:bodyPr/>
+                    <a:lstStyle/>
+                    <a:p>
+                      <a:pPr algn="l" fontAlgn="base"/>
+                      <a:r>
+                        <a:rPr lang="en-US" sz="1700">
+                          <a:effectLst/>
+                          <a:latin typeface="inherit"/>
+                        </a:rPr>
+                        <a:t>&gt;=</a:t>
+                      </a:r>
+                    </a:p>
+                  </a:txBody>
+                  <a:tcPr marL="87501" marR="87501" marT="43751" marB="43751" anchor="ctr">
+                    <a:lnL>
+                      <a:noFill/>
+                    </a:lnL>
+                    <a:lnR>
+                      <a:noFill/>
+                    </a:lnR>
+                    <a:lnT>
+                      <a:noFill/>
+                    </a:lnT>
+                    <a:lnB>
+                      <a:noFill/>
+                    </a:lnB>
+                    <a:solidFill>
+                      <a:srgbClr val="FFFFFF"/>
+                    </a:solidFill>
+                  </a:tcPr>
+                </a:tc>
+                <a:tc>
+                  <a:txBody>
+                    <a:bodyPr/>
+                    <a:lstStyle/>
+                    <a:p>
+                      <a:pPr algn="l" fontAlgn="base"/>
+                      <a:r>
+                        <a:rPr lang="en-US" sz="1700">
+                          <a:effectLst/>
+                          <a:latin typeface="inherit"/>
+                        </a:rPr>
+                        <a:t>Greater than or equal</a:t>
+                      </a:r>
+                    </a:p>
+                  </a:txBody>
+                  <a:tcPr marL="87501" marR="87501" marT="43751" marB="43751" anchor="ctr">
+                    <a:lnL>
+                      <a:noFill/>
+                    </a:lnL>
+                    <a:lnR>
+                      <a:noFill/>
+                    </a:lnR>
+                    <a:lnT>
+                      <a:noFill/>
+                    </a:lnT>
+                    <a:lnB>
+                      <a:noFill/>
+                    </a:lnB>
+                    <a:solidFill>
+                      <a:srgbClr val="FFFFFF"/>
+                    </a:solidFill>
+                  </a:tcPr>
+                </a:tc>
+              </a:tr>
+              <a:tr h="350006">
+                <a:tc>
+                  <a:txBody>
+                    <a:bodyPr/>
+                    <a:lstStyle/>
+                    <a:p>
+                      <a:pPr algn="l" fontAlgn="base"/>
+                      <a:r>
+                        <a:rPr lang="en-US" sz="1700">
+                          <a:effectLst/>
+                          <a:latin typeface="inherit"/>
+                        </a:rPr>
+                        <a:t>&lt;=</a:t>
+                      </a:r>
+                    </a:p>
+                  </a:txBody>
+                  <a:tcPr marL="87501" marR="87501" marT="43751" marB="43751" anchor="ctr">
+                    <a:lnL>
+                      <a:noFill/>
+                    </a:lnL>
+                    <a:lnR>
+                      <a:noFill/>
+                    </a:lnR>
+                    <a:lnT>
+                      <a:noFill/>
+                    </a:lnT>
+                    <a:lnB>
+                      <a:noFill/>
+                    </a:lnB>
+                    <a:solidFill>
+                      <a:srgbClr val="FFFFFF"/>
+                    </a:solidFill>
+                  </a:tcPr>
+                </a:tc>
+                <a:tc>
+                  <a:txBody>
+                    <a:bodyPr/>
+                    <a:lstStyle/>
+                    <a:p>
+                      <a:pPr algn="l" fontAlgn="base"/>
+                      <a:r>
+                        <a:rPr lang="en-US" sz="1700">
+                          <a:effectLst/>
+                          <a:latin typeface="inherit"/>
+                        </a:rPr>
+                        <a:t>Less than or equal</a:t>
+                      </a:r>
+                    </a:p>
+                  </a:txBody>
+                  <a:tcPr marL="87501" marR="87501" marT="43751" marB="43751" anchor="ctr">
+                    <a:lnL>
+                      <a:noFill/>
+                    </a:lnL>
+                    <a:lnR>
+                      <a:noFill/>
+                    </a:lnR>
+                    <a:lnT>
+                      <a:noFill/>
+                    </a:lnT>
+                    <a:lnB>
+                      <a:noFill/>
+                    </a:lnB>
+                    <a:solidFill>
+                      <a:srgbClr val="FFFFFF"/>
+                    </a:solidFill>
+                  </a:tcPr>
+                </a:tc>
+              </a:tr>
+              <a:tr h="350006">
+                <a:tc>
+                  <a:txBody>
+                    <a:bodyPr/>
+                    <a:lstStyle/>
+                    <a:p>
+                      <a:pPr algn="l" fontAlgn="base"/>
+                      <a:r>
+                        <a:rPr lang="en-US" sz="1700">
+                          <a:effectLst/>
+                          <a:latin typeface="inherit"/>
+                        </a:rPr>
+                        <a:t>BETWEEN</a:t>
+                      </a:r>
+                    </a:p>
+                  </a:txBody>
+                  <a:tcPr marL="87501" marR="87501" marT="43751" marB="43751" anchor="ctr">
+                    <a:lnL>
+                      <a:noFill/>
+                    </a:lnL>
+                    <a:lnR>
+                      <a:noFill/>
+                    </a:lnR>
+                    <a:lnT>
+                      <a:noFill/>
+                    </a:lnT>
+                    <a:lnB>
+                      <a:noFill/>
+                    </a:lnB>
+                    <a:solidFill>
+                      <a:srgbClr val="FFFFFF"/>
+                    </a:solidFill>
+                  </a:tcPr>
+                </a:tc>
+                <a:tc>
+                  <a:txBody>
+                    <a:bodyPr/>
+                    <a:lstStyle/>
+                    <a:p>
+                      <a:pPr algn="l" fontAlgn="base"/>
+                      <a:r>
+                        <a:rPr lang="en-US" sz="1700">
+                          <a:effectLst/>
+                          <a:latin typeface="inherit"/>
+                        </a:rPr>
+                        <a:t>Between an inclusive range</a:t>
+                      </a:r>
+                    </a:p>
+                  </a:txBody>
+                  <a:tcPr marL="87501" marR="87501" marT="43751" marB="43751" anchor="ctr">
+                    <a:lnL>
+                      <a:noFill/>
+                    </a:lnL>
+                    <a:lnR>
+                      <a:noFill/>
+                    </a:lnR>
+                    <a:lnT>
+                      <a:noFill/>
+                    </a:lnT>
+                    <a:lnB>
+                      <a:noFill/>
+                    </a:lnB>
+                    <a:solidFill>
+                      <a:srgbClr val="FFFFFF"/>
+                    </a:solidFill>
+                  </a:tcPr>
+                </a:tc>
+              </a:tr>
+              <a:tr h="612510">
+                <a:tc>
+                  <a:txBody>
+                    <a:bodyPr/>
+                    <a:lstStyle/>
+                    <a:p>
+                      <a:pPr algn="l" fontAlgn="base"/>
+                      <a:r>
+                        <a:rPr lang="en-US" sz="1700">
+                          <a:effectLst/>
+                          <a:latin typeface="inherit"/>
+                        </a:rPr>
+                        <a:t>LIKE</a:t>
+                      </a:r>
+                    </a:p>
+                  </a:txBody>
+                  <a:tcPr marL="87501" marR="87501" marT="43751" marB="43751" anchor="ctr">
+                    <a:lnL>
+                      <a:noFill/>
+                    </a:lnL>
+                    <a:lnR>
+                      <a:noFill/>
+                    </a:lnR>
+                    <a:lnT>
+                      <a:noFill/>
+                    </a:lnT>
+                    <a:lnB>
+                      <a:noFill/>
+                    </a:lnB>
+                    <a:solidFill>
+                      <a:srgbClr val="FFFFFF"/>
+                    </a:solidFill>
+                  </a:tcPr>
+                </a:tc>
+                <a:tc>
+                  <a:txBody>
+                    <a:bodyPr/>
+                    <a:lstStyle/>
+                    <a:p>
+                      <a:pPr algn="l" fontAlgn="base"/>
+                      <a:r>
+                        <a:rPr lang="en-US" sz="1700">
+                          <a:effectLst/>
+                          <a:latin typeface="inherit"/>
+                        </a:rPr>
+                        <a:t>Search for a pattern (can use a wildcard character)</a:t>
+                      </a:r>
+                    </a:p>
+                  </a:txBody>
+                  <a:tcPr marL="87501" marR="87501" marT="43751" marB="43751" anchor="ctr">
+                    <a:lnL>
+                      <a:noFill/>
+                    </a:lnL>
+                    <a:lnR>
+                      <a:noFill/>
+                    </a:lnR>
+                    <a:lnT>
+                      <a:noFill/>
+                    </a:lnT>
+                    <a:lnB>
+                      <a:noFill/>
+                    </a:lnB>
+                    <a:solidFill>
+                      <a:srgbClr val="FFFFFF"/>
+                    </a:solidFill>
+                  </a:tcPr>
+                </a:tc>
+              </a:tr>
+              <a:tr h="350006">
+                <a:tc>
+                  <a:txBody>
+                    <a:bodyPr/>
+                    <a:lstStyle/>
+                    <a:p>
+                      <a:pPr algn="l" fontAlgn="base"/>
+                      <a:r>
+                        <a:rPr lang="en-US" sz="1700">
+                          <a:effectLst/>
+                          <a:latin typeface="inherit"/>
+                        </a:rPr>
+                        <a:t>IN</a:t>
+                      </a:r>
+                    </a:p>
+                  </a:txBody>
+                  <a:tcPr marL="87501" marR="87501" marT="43751" marB="43751" anchor="ctr">
+                    <a:lnL>
+                      <a:noFill/>
+                    </a:lnL>
+                    <a:lnR>
+                      <a:noFill/>
+                    </a:lnR>
+                    <a:lnT>
+                      <a:noFill/>
+                    </a:lnT>
+                    <a:lnB>
+                      <a:noFill/>
+                    </a:lnB>
+                    <a:solidFill>
+                      <a:srgbClr val="FFFFFF"/>
+                    </a:solidFill>
+                  </a:tcPr>
+                </a:tc>
+                <a:tc>
+                  <a:txBody>
+                    <a:bodyPr/>
+                    <a:lstStyle/>
+                    <a:p>
+                      <a:pPr algn="l" fontAlgn="base"/>
+                      <a:r>
+                        <a:rPr lang="en-US" sz="1700" dirty="0">
+                          <a:effectLst/>
+                          <a:latin typeface="inherit"/>
+                        </a:rPr>
+                        <a:t>To specify multiple possible values for a column</a:t>
+                      </a:r>
+                    </a:p>
+                  </a:txBody>
+                  <a:tcPr marL="87501" marR="87501" marT="43751" marB="43751" anchor="ctr">
+                    <a:lnL>
+                      <a:noFill/>
+                    </a:lnL>
+                    <a:lnR>
+                      <a:noFill/>
+                    </a:lnR>
+                    <a:lnT>
+                      <a:noFill/>
+                    </a:lnT>
+                    <a:lnB>
+                      <a:noFill/>
+                    </a:lnB>
+                    <a:solidFill>
+                      <a:srgbClr val="FFFFFF"/>
+                    </a:solidFill>
+                  </a:tcPr>
+                </a:tc>
+              </a:tr>
+            </a:tbl>
+          </a:graphicData>
+        </a:graphic>
+      </p:graphicFrame>
+      <p:sp>
+        <p:nvSpPr>
+          <p:cNvPr id="4" name="Rectangle 3"/>
+          <p:cNvSpPr/>
+          <p:nvPr/>
+        </p:nvSpPr>
+        <p:spPr>
+          <a:xfrm>
+            <a:off x="0" y="1726458"/>
+            <a:ext cx="12192000" cy="400110"/>
+          </a:xfrm>
+          <a:prstGeom prst="rect">
+            <a:avLst/>
+          </a:prstGeom>
+        </p:spPr>
+        <p:txBody>
+          <a:bodyPr wrap="square">
+            <a:spAutoFit/>
+          </a:bodyPr>
+          <a:lstStyle/>
+          <a:p>
+            <a:pPr lvl="1"/>
+            <a:r>
+              <a:rPr lang="en-US" sz="2000" dirty="0" smtClean="0"/>
+              <a:t>Operators that can be used with WHERE</a:t>
+            </a:r>
+            <a:endParaRPr lang="en-US" sz="2200" dirty="0">
+              <a:solidFill>
+                <a:schemeClr val="accent2">
+                  <a:lumMod val="50000"/>
+                </a:schemeClr>
+              </a:solidFill>
+            </a:endParaRPr>
+          </a:p>
+        </p:txBody>
+      </p:sp>
+    </p:spTree>
+    <p:extLst>
+      <p:ext uri="{BB962C8B-B14F-4D97-AF65-F5344CB8AC3E}">
+        <p14:creationId xmlns:p14="http://schemas.microsoft.com/office/powerpoint/2010/main" val="785804502"/>
+      </p:ext>
+    </p:extLst>
+  </p:cSld>
+  <p:clrMapOvr>
+    <a:masterClrMapping/>
+  </p:clrMapOvr>
+  <p:timing>
+    <p:tnLst>
+      <p:par>
+        <p:cTn id="1" dur="indefinite" restart="never" nodeType="tmRoot"/>
+      </p:par>
+    </p:tnLst>
+  </p:timing>
+</p:sld>
+</file>
+
+<file path=ppt/slides/slide22.xml><?xml version="1.0" encoding="utf-8"?>
+<p:sld xmlns:a="http://schemas.openxmlformats.org/drawingml/2006/main" xmlns:r="http://schemas.openxmlformats.org/officeDocument/2006/relationships" xmlns:p="http://schemas.openxmlformats.org/presentationml/2006/main">
+  <p:cSld>
+    <p:spTree>
+      <p:nvGrpSpPr>
+        <p:cNvPr id="1" name=""/>
+        <p:cNvGrpSpPr/>
+        <p:nvPr/>
+      </p:nvGrpSpPr>
+      <p:grpSpPr>
+        <a:xfrm>
+          <a:off x="0" y="0"/>
+          <a:ext cx="0" cy="0"/>
+          <a:chOff x="0" y="0"/>
+          <a:chExt cx="0" cy="0"/>
+        </a:xfrm>
+      </p:grpSpPr>
+      <p:sp>
+        <p:nvSpPr>
+          <p:cNvPr id="2" name="Title 1"/>
+          <p:cNvSpPr>
+            <a:spLocks noGrp="1"/>
+          </p:cNvSpPr>
+          <p:nvPr>
+            <p:ph type="title"/>
+          </p:nvPr>
+        </p:nvSpPr>
+        <p:spPr/>
+        <p:txBody>
+          <a:bodyPr/>
+          <a:lstStyle/>
+          <a:p>
+            <a:r>
+              <a:rPr lang="en-US" dirty="0" smtClean="0"/>
+              <a:t>Delete</a:t>
+            </a:r>
+            <a:endParaRPr lang="en-US" dirty="0"/>
+          </a:p>
+        </p:txBody>
+      </p:sp>
+      <p:sp>
+        <p:nvSpPr>
+          <p:cNvPr id="3" name="Content Placeholder 2"/>
+          <p:cNvSpPr>
+            <a:spLocks noGrp="1"/>
+          </p:cNvSpPr>
+          <p:nvPr>
+            <p:ph idx="1"/>
+          </p:nvPr>
+        </p:nvSpPr>
+        <p:spPr/>
+        <p:txBody>
+          <a:bodyPr/>
+          <a:lstStyle/>
+          <a:p>
+            <a:endParaRPr lang="en-US" sz="2000" dirty="0" smtClean="0"/>
+          </a:p>
+          <a:p>
+            <a:r>
+              <a:rPr lang="en-US" sz="2000" dirty="0" smtClean="0"/>
+              <a:t>Generic Delete Function</a:t>
+            </a:r>
+            <a:endParaRPr lang="en-US" sz="2000" dirty="0"/>
+          </a:p>
+          <a:p>
+            <a:pPr lvl="1"/>
+            <a:r>
+              <a:rPr lang="en-US" sz="1800" dirty="0" smtClean="0"/>
+              <a:t>DELETE FROM </a:t>
+            </a:r>
+            <a:r>
+              <a:rPr lang="en-US" sz="1800" dirty="0" err="1" smtClean="0">
+                <a:solidFill>
+                  <a:schemeClr val="accent2">
+                    <a:lumMod val="50000"/>
+                  </a:schemeClr>
+                </a:solidFill>
+              </a:rPr>
+              <a:t>tablename</a:t>
+            </a:r>
+            <a:r>
+              <a:rPr lang="en-US" sz="1800" dirty="0" smtClean="0">
+                <a:solidFill>
+                  <a:schemeClr val="accent2">
+                    <a:lumMod val="50000"/>
+                  </a:schemeClr>
+                </a:solidFill>
+              </a:rPr>
+              <a:t> </a:t>
+            </a:r>
+            <a:r>
+              <a:rPr lang="en-US" sz="1800" dirty="0"/>
+              <a:t>WHERE </a:t>
+            </a:r>
+            <a:r>
+              <a:rPr lang="en-US" sz="1800" dirty="0" smtClean="0">
+                <a:solidFill>
+                  <a:schemeClr val="accent2">
+                    <a:lumMod val="50000"/>
+                  </a:schemeClr>
+                </a:solidFill>
+              </a:rPr>
+              <a:t>condition</a:t>
+            </a:r>
+            <a:endParaRPr lang="en-US" sz="1800" dirty="0">
+              <a:solidFill>
+                <a:schemeClr val="accent2">
+                  <a:lumMod val="50000"/>
+                </a:schemeClr>
+              </a:solidFill>
+            </a:endParaRPr>
+          </a:p>
+          <a:p>
+            <a:pPr marL="457200" lvl="1" indent="0">
+              <a:buNone/>
+            </a:pPr>
+            <a:endParaRPr lang="en-US" sz="1800" dirty="0">
+              <a:solidFill>
+                <a:schemeClr val="accent2">
+                  <a:lumMod val="50000"/>
+                </a:schemeClr>
+              </a:solidFill>
+            </a:endParaRPr>
+          </a:p>
+          <a:p>
+            <a:r>
+              <a:rPr lang="en-US" sz="2000" dirty="0" smtClean="0"/>
+              <a:t>Example</a:t>
+            </a:r>
+          </a:p>
+          <a:p>
+            <a:pPr lvl="1"/>
+            <a:r>
+              <a:rPr lang="en-US" dirty="0"/>
+              <a:t>DELETE FROM </a:t>
+            </a:r>
+            <a:r>
+              <a:rPr lang="en-US" dirty="0" smtClean="0">
+                <a:solidFill>
+                  <a:schemeClr val="accent2">
+                    <a:lumMod val="50000"/>
+                  </a:schemeClr>
+                </a:solidFill>
+              </a:rPr>
+              <a:t>song </a:t>
+            </a:r>
+            <a:r>
+              <a:rPr lang="en-US" dirty="0"/>
+              <a:t>WHERE </a:t>
+            </a:r>
+            <a:r>
+              <a:rPr lang="en-US" dirty="0" smtClean="0">
+                <a:solidFill>
+                  <a:schemeClr val="accent2">
+                    <a:lumMod val="50000"/>
+                  </a:schemeClr>
+                </a:solidFill>
+              </a:rPr>
+              <a:t>name = ‘</a:t>
+            </a:r>
+            <a:r>
+              <a:rPr lang="en-US" dirty="0" err="1" smtClean="0">
+                <a:solidFill>
+                  <a:schemeClr val="accent2">
+                    <a:lumMod val="50000"/>
+                  </a:schemeClr>
+                </a:solidFill>
+              </a:rPr>
+              <a:t>Yani</a:t>
+            </a:r>
+            <a:r>
+              <a:rPr lang="en-US" dirty="0" smtClean="0">
+                <a:solidFill>
+                  <a:schemeClr val="accent2">
+                    <a:lumMod val="50000"/>
+                  </a:schemeClr>
+                </a:solidFill>
+              </a:rPr>
+              <a:t>’</a:t>
+            </a:r>
+          </a:p>
+          <a:p>
+            <a:endParaRPr lang="en-US" dirty="0">
+              <a:solidFill>
+                <a:schemeClr val="accent2">
+                  <a:lumMod val="50000"/>
+                </a:schemeClr>
+              </a:solidFill>
+            </a:endParaRPr>
+          </a:p>
+          <a:p>
+            <a:r>
+              <a:rPr lang="en-US" dirty="0" smtClean="0"/>
+              <a:t>You Try It!</a:t>
+            </a:r>
+            <a:endParaRPr lang="en-US" dirty="0"/>
+          </a:p>
+          <a:p>
+            <a:pPr marL="457200" lvl="1" indent="0">
+              <a:buNone/>
+            </a:pPr>
+            <a:endParaRPr lang="en-US" dirty="0">
+              <a:solidFill>
+                <a:schemeClr val="accent2">
+                  <a:lumMod val="50000"/>
+                </a:schemeClr>
+              </a:solidFill>
+            </a:endParaRPr>
+          </a:p>
+          <a:p>
+            <a:endParaRPr lang="en-US" dirty="0"/>
+          </a:p>
+        </p:txBody>
+      </p:sp>
+    </p:spTree>
+    <p:extLst>
+      <p:ext uri="{BB962C8B-B14F-4D97-AF65-F5344CB8AC3E}">
+        <p14:creationId xmlns:p14="http://schemas.microsoft.com/office/powerpoint/2010/main" val="1069394999"/>
+      </p:ext>
+    </p:extLst>
+  </p:cSld>
+  <p:clrMapOvr>
+    <a:masterClrMapping/>
+  </p:clrMapOvr>
+  <p:timing>
+    <p:tnLst>
+      <p:par>
+        <p:cTn id="1" dur="indefinite" restart="never" nodeType="tmRoot"/>
+      </p:par>
+    </p:tnLst>
+  </p:timing>
+</p:sld>
+</file>
+
+<file path=ppt/slides/slide23.xml><?xml version="1.0" encoding="utf-8"?>
+<p:sld xmlns:a="http://schemas.openxmlformats.org/drawingml/2006/main" xmlns:r="http://schemas.openxmlformats.org/officeDocument/2006/relationships" xmlns:p="http://schemas.openxmlformats.org/presentationml/2006/main">
+  <p:cSld>
+    <p:spTree>
+      <p:nvGrpSpPr>
+        <p:cNvPr id="1" name=""/>
+        <p:cNvGrpSpPr/>
+        <p:nvPr/>
+      </p:nvGrpSpPr>
+      <p:grpSpPr>
+        <a:xfrm>
+          <a:off x="0" y="0"/>
+          <a:ext cx="0" cy="0"/>
+          <a:chOff x="0" y="0"/>
+          <a:chExt cx="0" cy="0"/>
+        </a:xfrm>
+      </p:grpSpPr>
+      <p:sp>
+        <p:nvSpPr>
+          <p:cNvPr id="2" name="Rectangle 1"/>
+          <p:cNvSpPr/>
+          <p:nvPr/>
+        </p:nvSpPr>
+        <p:spPr>
+          <a:xfrm>
+            <a:off x="0" y="814937"/>
+            <a:ext cx="12192000" cy="400110"/>
+          </a:xfrm>
+          <a:prstGeom prst="rect">
+            <a:avLst/>
+          </a:prstGeom>
+        </p:spPr>
+        <p:txBody>
+          <a:bodyPr wrap="square">
+            <a:spAutoFit/>
+          </a:bodyPr>
+          <a:lstStyle/>
+          <a:p>
+            <a:pPr lvl="1"/>
+            <a:r>
+              <a:rPr lang="en-US" sz="2000" dirty="0"/>
+              <a:t>DELETE FROM </a:t>
+            </a:r>
+            <a:r>
+              <a:rPr lang="en-US" sz="2000" dirty="0" err="1">
+                <a:solidFill>
+                  <a:schemeClr val="accent2">
+                    <a:lumMod val="50000"/>
+                  </a:schemeClr>
+                </a:solidFill>
+              </a:rPr>
+              <a:t>tablename</a:t>
+            </a:r>
+            <a:r>
+              <a:rPr lang="en-US" sz="2000" dirty="0">
+                <a:solidFill>
+                  <a:schemeClr val="accent2">
+                    <a:lumMod val="50000"/>
+                  </a:schemeClr>
+                </a:solidFill>
+              </a:rPr>
+              <a:t> </a:t>
+            </a:r>
+            <a:r>
+              <a:rPr lang="en-US" sz="2000" dirty="0"/>
+              <a:t>WHERE </a:t>
+            </a:r>
+            <a:r>
+              <a:rPr lang="en-US" sz="2000" dirty="0">
+                <a:solidFill>
+                  <a:schemeClr val="accent2">
+                    <a:lumMod val="50000"/>
+                  </a:schemeClr>
+                </a:solidFill>
+              </a:rPr>
+              <a:t>condition</a:t>
+            </a:r>
+            <a:endParaRPr lang="en-US" sz="2000" dirty="0">
+              <a:solidFill>
+                <a:schemeClr val="accent2">
+                  <a:lumMod val="50000"/>
+                </a:schemeClr>
+              </a:solidFill>
+            </a:endParaRPr>
+          </a:p>
+        </p:txBody>
+      </p:sp>
+      <p:graphicFrame>
+        <p:nvGraphicFramePr>
+          <p:cNvPr id="3" name="Table 2"/>
+          <p:cNvGraphicFramePr>
+            <a:graphicFrameLocks noGrp="1"/>
+          </p:cNvGraphicFramePr>
+          <p:nvPr>
+            <p:extLst>
+              <p:ext uri="{D42A27DB-BD31-4B8C-83A1-F6EECF244321}">
+                <p14:modId xmlns:p14="http://schemas.microsoft.com/office/powerpoint/2010/main" val="2902758477"/>
+              </p:ext>
+            </p:extLst>
+          </p:nvPr>
+        </p:nvGraphicFramePr>
+        <p:xfrm>
+          <a:off x="588539" y="2391435"/>
+          <a:ext cx="10108248" cy="3675062"/>
+        </p:xfrm>
+        <a:graphic>
+          <a:graphicData uri="http://schemas.openxmlformats.org/drawingml/2006/table">
+            <a:tbl>
+              <a:tblPr/>
+              <a:tblGrid>
+                <a:gridCol w="5054124"/>
+                <a:gridCol w="5054124"/>
+              </a:tblGrid>
+              <a:tr h="350006">
+                <a:tc>
+                  <a:txBody>
+                    <a:bodyPr/>
+                    <a:lstStyle/>
+                    <a:p>
+                      <a:pPr algn="l" fontAlgn="base"/>
+                      <a:r>
+                        <a:rPr lang="en-US" sz="1700">
+                          <a:effectLst/>
+                          <a:latin typeface="inherit"/>
+                        </a:rPr>
+                        <a:t>=</a:t>
+                      </a:r>
+                    </a:p>
+                  </a:txBody>
+                  <a:tcPr marL="87501" marR="87501" marT="43751" marB="43751" anchor="ctr">
+                    <a:lnL>
+                      <a:noFill/>
+                    </a:lnL>
+                    <a:lnR>
+                      <a:noFill/>
+                    </a:lnR>
+                    <a:lnT>
+                      <a:noFill/>
+                    </a:lnT>
+                    <a:lnB>
+                      <a:noFill/>
+                    </a:lnB>
+                    <a:solidFill>
+                      <a:srgbClr val="FFFFFF"/>
+                    </a:solidFill>
+                  </a:tcPr>
+                </a:tc>
+                <a:tc>
+                  <a:txBody>
+                    <a:bodyPr/>
+                    <a:lstStyle/>
+                    <a:p>
+                      <a:pPr algn="l" fontAlgn="base"/>
+                      <a:r>
+                        <a:rPr lang="en-US" sz="1700">
+                          <a:effectLst/>
+                          <a:latin typeface="inherit"/>
+                        </a:rPr>
+                        <a:t>Equal</a:t>
+                      </a:r>
+                    </a:p>
+                  </a:txBody>
+                  <a:tcPr marL="87501" marR="87501" marT="43751" marB="43751" anchor="ctr">
+                    <a:lnL>
+                      <a:noFill/>
+                    </a:lnL>
+                    <a:lnR>
+                      <a:noFill/>
+                    </a:lnR>
+                    <a:lnT>
+                      <a:noFill/>
+                    </a:lnT>
+                    <a:lnB>
+                      <a:noFill/>
+                    </a:lnB>
+                    <a:solidFill>
+                      <a:srgbClr val="FFFFFF"/>
+                    </a:solidFill>
+                  </a:tcPr>
+                </a:tc>
+              </a:tr>
+              <a:tr h="612510">
+                <a:tc>
+                  <a:txBody>
+                    <a:bodyPr/>
+                    <a:lstStyle/>
+                    <a:p>
+                      <a:pPr algn="l" fontAlgn="base"/>
+                      <a:r>
+                        <a:rPr lang="en-US" sz="1700">
+                          <a:effectLst/>
+                          <a:latin typeface="inherit"/>
+                        </a:rPr>
+                        <a:t>&lt;&gt;</a:t>
+                      </a:r>
+                    </a:p>
+                  </a:txBody>
+                  <a:tcPr marL="87501" marR="87501" marT="43751" marB="43751" anchor="ctr">
+                    <a:lnL>
+                      <a:noFill/>
+                    </a:lnL>
+                    <a:lnR>
+                      <a:noFill/>
+                    </a:lnR>
+                    <a:lnT>
+                      <a:noFill/>
+                    </a:lnT>
+                    <a:lnB>
+                      <a:noFill/>
+                    </a:lnB>
+                    <a:solidFill>
+                      <a:srgbClr val="FFFFFF"/>
+                    </a:solidFill>
+                  </a:tcPr>
+                </a:tc>
+                <a:tc>
+                  <a:txBody>
+                    <a:bodyPr/>
+                    <a:lstStyle/>
+                    <a:p>
+                      <a:pPr algn="l" fontAlgn="base"/>
+                      <a:r>
+                        <a:rPr lang="en-US" sz="1700">
+                          <a:effectLst/>
+                          <a:latin typeface="inherit"/>
+                        </a:rPr>
+                        <a:t>Not equal. </a:t>
+                      </a:r>
+                      <a:r>
+                        <a:rPr lang="en-US" sz="1700" i="1">
+                          <a:effectLst/>
+                          <a:latin typeface="inherit"/>
+                        </a:rPr>
+                        <a:t>Note:</a:t>
+                      </a:r>
+                      <a:r>
+                        <a:rPr lang="en-US" sz="1700">
+                          <a:effectLst/>
+                          <a:latin typeface="inherit"/>
+                        </a:rPr>
+                        <a:t> In some versions of SQL, this may be written as !=</a:t>
+                      </a:r>
+                    </a:p>
+                  </a:txBody>
+                  <a:tcPr marL="87501" marR="87501" marT="43751" marB="43751" anchor="ctr">
+                    <a:lnL>
+                      <a:noFill/>
+                    </a:lnL>
+                    <a:lnR>
+                      <a:noFill/>
+                    </a:lnR>
+                    <a:lnT>
+                      <a:noFill/>
+                    </a:lnT>
+                    <a:lnB>
+                      <a:noFill/>
+                    </a:lnB>
+                    <a:solidFill>
+                      <a:srgbClr val="FFFFFF"/>
+                    </a:solidFill>
+                  </a:tcPr>
+                </a:tc>
+              </a:tr>
+              <a:tr h="350006">
+                <a:tc>
+                  <a:txBody>
+                    <a:bodyPr/>
+                    <a:lstStyle/>
+                    <a:p>
+                      <a:pPr algn="l" fontAlgn="base"/>
+                      <a:r>
+                        <a:rPr lang="en-US" sz="1700">
+                          <a:effectLst/>
+                          <a:latin typeface="inherit"/>
+                        </a:rPr>
+                        <a:t>&gt;</a:t>
+                      </a:r>
+                    </a:p>
+                  </a:txBody>
+                  <a:tcPr marL="87501" marR="87501" marT="43751" marB="43751" anchor="ctr">
+                    <a:lnL>
+                      <a:noFill/>
+                    </a:lnL>
+                    <a:lnR>
+                      <a:noFill/>
+                    </a:lnR>
+                    <a:lnT>
+                      <a:noFill/>
+                    </a:lnT>
+                    <a:lnB>
+                      <a:noFill/>
+                    </a:lnB>
+                    <a:solidFill>
+                      <a:srgbClr val="FFFFFF"/>
+                    </a:solidFill>
+                  </a:tcPr>
+                </a:tc>
+                <a:tc>
+                  <a:txBody>
+                    <a:bodyPr/>
+                    <a:lstStyle/>
+                    <a:p>
+                      <a:pPr algn="l" fontAlgn="base"/>
+                      <a:r>
+                        <a:rPr lang="en-US" sz="1700">
+                          <a:effectLst/>
+                          <a:latin typeface="inherit"/>
+                        </a:rPr>
+                        <a:t>Greater than</a:t>
+                      </a:r>
+                    </a:p>
+                  </a:txBody>
+                  <a:tcPr marL="87501" marR="87501" marT="43751" marB="43751" anchor="ctr">
+                    <a:lnL>
+                      <a:noFill/>
+                    </a:lnL>
+                    <a:lnR>
+                      <a:noFill/>
+                    </a:lnR>
+                    <a:lnT>
+                      <a:noFill/>
+                    </a:lnT>
+                    <a:lnB>
+                      <a:noFill/>
+                    </a:lnB>
+                    <a:solidFill>
+                      <a:srgbClr val="FFFFFF"/>
+                    </a:solidFill>
+                  </a:tcPr>
+                </a:tc>
+              </a:tr>
+              <a:tr h="350006">
+                <a:tc>
+                  <a:txBody>
+                    <a:bodyPr/>
+                    <a:lstStyle/>
+                    <a:p>
+                      <a:pPr algn="l" fontAlgn="base"/>
+                      <a:r>
+                        <a:rPr lang="en-US" sz="1700">
+                          <a:effectLst/>
+                          <a:latin typeface="inherit"/>
+                        </a:rPr>
+                        <a:t>&lt;</a:t>
+                      </a:r>
+                    </a:p>
+                  </a:txBody>
+                  <a:tcPr marL="87501" marR="87501" marT="43751" marB="43751" anchor="ctr">
+                    <a:lnL>
+                      <a:noFill/>
+                    </a:lnL>
+                    <a:lnR>
+                      <a:noFill/>
+                    </a:lnR>
+                    <a:lnT>
+                      <a:noFill/>
+                    </a:lnT>
+                    <a:lnB>
+                      <a:noFill/>
+                    </a:lnB>
+                    <a:solidFill>
+                      <a:srgbClr val="FFFFFF"/>
+                    </a:solidFill>
+                  </a:tcPr>
+                </a:tc>
+                <a:tc>
+                  <a:txBody>
+                    <a:bodyPr/>
+                    <a:lstStyle/>
+                    <a:p>
+                      <a:pPr algn="l" fontAlgn="base"/>
+                      <a:r>
+                        <a:rPr lang="en-US" sz="1700">
+                          <a:effectLst/>
+                          <a:latin typeface="inherit"/>
+                        </a:rPr>
+                        <a:t>Less than</a:t>
+                      </a:r>
+                    </a:p>
+                  </a:txBody>
+                  <a:tcPr marL="87501" marR="87501" marT="43751" marB="43751" anchor="ctr">
+                    <a:lnL>
+                      <a:noFill/>
+                    </a:lnL>
+                    <a:lnR>
+                      <a:noFill/>
+                    </a:lnR>
+                    <a:lnT>
+                      <a:noFill/>
+                    </a:lnT>
+                    <a:lnB>
+                      <a:noFill/>
+                    </a:lnB>
+                    <a:solidFill>
+                      <a:srgbClr val="FFFFFF"/>
+                    </a:solidFill>
+                  </a:tcPr>
+                </a:tc>
+              </a:tr>
+              <a:tr h="350006">
+                <a:tc>
+                  <a:txBody>
+                    <a:bodyPr/>
+                    <a:lstStyle/>
+                    <a:p>
+                      <a:pPr algn="l" fontAlgn="base"/>
+                      <a:r>
+                        <a:rPr lang="en-US" sz="1700">
+                          <a:effectLst/>
+                          <a:latin typeface="inherit"/>
+                        </a:rPr>
+                        <a:t>&gt;=</a:t>
+                      </a:r>
+                    </a:p>
+                  </a:txBody>
+                  <a:tcPr marL="87501" marR="87501" marT="43751" marB="43751" anchor="ctr">
+                    <a:lnL>
+                      <a:noFill/>
+                    </a:lnL>
+                    <a:lnR>
+                      <a:noFill/>
+                    </a:lnR>
+                    <a:lnT>
+                      <a:noFill/>
+                    </a:lnT>
+                    <a:lnB>
+                      <a:noFill/>
+                    </a:lnB>
+                    <a:solidFill>
+                      <a:srgbClr val="FFFFFF"/>
+                    </a:solidFill>
+                  </a:tcPr>
+                </a:tc>
+                <a:tc>
+                  <a:txBody>
+                    <a:bodyPr/>
+                    <a:lstStyle/>
+                    <a:p>
+                      <a:pPr algn="l" fontAlgn="base"/>
+                      <a:r>
+                        <a:rPr lang="en-US" sz="1700">
+                          <a:effectLst/>
+                          <a:latin typeface="inherit"/>
+                        </a:rPr>
+                        <a:t>Greater than or equal</a:t>
+                      </a:r>
+                    </a:p>
+                  </a:txBody>
+                  <a:tcPr marL="87501" marR="87501" marT="43751" marB="43751" anchor="ctr">
+                    <a:lnL>
+                      <a:noFill/>
+                    </a:lnL>
+                    <a:lnR>
+                      <a:noFill/>
+                    </a:lnR>
+                    <a:lnT>
+                      <a:noFill/>
+                    </a:lnT>
+                    <a:lnB>
+                      <a:noFill/>
+                    </a:lnB>
+                    <a:solidFill>
+                      <a:srgbClr val="FFFFFF"/>
+                    </a:solidFill>
+                  </a:tcPr>
+                </a:tc>
+              </a:tr>
+              <a:tr h="350006">
+                <a:tc>
+                  <a:txBody>
+                    <a:bodyPr/>
+                    <a:lstStyle/>
+                    <a:p>
+                      <a:pPr algn="l" fontAlgn="base"/>
+                      <a:r>
+                        <a:rPr lang="en-US" sz="1700">
+                          <a:effectLst/>
+                          <a:latin typeface="inherit"/>
+                        </a:rPr>
+                        <a:t>&lt;=</a:t>
+                      </a:r>
+                    </a:p>
+                  </a:txBody>
+                  <a:tcPr marL="87501" marR="87501" marT="43751" marB="43751" anchor="ctr">
+                    <a:lnL>
+                      <a:noFill/>
+                    </a:lnL>
+                    <a:lnR>
+                      <a:noFill/>
+                    </a:lnR>
+                    <a:lnT>
+                      <a:noFill/>
+                    </a:lnT>
+                    <a:lnB>
+                      <a:noFill/>
+                    </a:lnB>
+                    <a:solidFill>
+                      <a:srgbClr val="FFFFFF"/>
+                    </a:solidFill>
+                  </a:tcPr>
+                </a:tc>
+                <a:tc>
+                  <a:txBody>
+                    <a:bodyPr/>
+                    <a:lstStyle/>
+                    <a:p>
+                      <a:pPr algn="l" fontAlgn="base"/>
+                      <a:r>
+                        <a:rPr lang="en-US" sz="1700">
+                          <a:effectLst/>
+                          <a:latin typeface="inherit"/>
+                        </a:rPr>
+                        <a:t>Less than or equal</a:t>
+                      </a:r>
+                    </a:p>
+                  </a:txBody>
+                  <a:tcPr marL="87501" marR="87501" marT="43751" marB="43751" anchor="ctr">
+                    <a:lnL>
+                      <a:noFill/>
+                    </a:lnL>
+                    <a:lnR>
+                      <a:noFill/>
+                    </a:lnR>
+                    <a:lnT>
+                      <a:noFill/>
+                    </a:lnT>
+                    <a:lnB>
+                      <a:noFill/>
+                    </a:lnB>
+                    <a:solidFill>
+                      <a:srgbClr val="FFFFFF"/>
+                    </a:solidFill>
+                  </a:tcPr>
+                </a:tc>
+              </a:tr>
+              <a:tr h="350006">
+                <a:tc>
+                  <a:txBody>
+                    <a:bodyPr/>
+                    <a:lstStyle/>
+                    <a:p>
+                      <a:pPr algn="l" fontAlgn="base"/>
+                      <a:r>
+                        <a:rPr lang="en-US" sz="1700">
+                          <a:effectLst/>
+                          <a:latin typeface="inherit"/>
+                        </a:rPr>
+                        <a:t>BETWEEN</a:t>
+                      </a:r>
+                    </a:p>
+                  </a:txBody>
+                  <a:tcPr marL="87501" marR="87501" marT="43751" marB="43751" anchor="ctr">
+                    <a:lnL>
+                      <a:noFill/>
+                    </a:lnL>
+                    <a:lnR>
+                      <a:noFill/>
+                    </a:lnR>
+                    <a:lnT>
+                      <a:noFill/>
+                    </a:lnT>
+                    <a:lnB>
+                      <a:noFill/>
+                    </a:lnB>
+                    <a:solidFill>
+                      <a:srgbClr val="FFFFFF"/>
+                    </a:solidFill>
+                  </a:tcPr>
+                </a:tc>
+                <a:tc>
+                  <a:txBody>
+                    <a:bodyPr/>
+                    <a:lstStyle/>
+                    <a:p>
+                      <a:pPr algn="l" fontAlgn="base"/>
+                      <a:r>
+                        <a:rPr lang="en-US" sz="1700">
+                          <a:effectLst/>
+                          <a:latin typeface="inherit"/>
+                        </a:rPr>
+                        <a:t>Between an inclusive range</a:t>
+                      </a:r>
+                    </a:p>
+                  </a:txBody>
+                  <a:tcPr marL="87501" marR="87501" marT="43751" marB="43751" anchor="ctr">
+                    <a:lnL>
+                      <a:noFill/>
+                    </a:lnL>
+                    <a:lnR>
+                      <a:noFill/>
+                    </a:lnR>
+                    <a:lnT>
+                      <a:noFill/>
+                    </a:lnT>
+                    <a:lnB>
+                      <a:noFill/>
+                    </a:lnB>
+                    <a:solidFill>
+                      <a:srgbClr val="FFFFFF"/>
+                    </a:solidFill>
+                  </a:tcPr>
+                </a:tc>
+              </a:tr>
+              <a:tr h="612510">
+                <a:tc>
+                  <a:txBody>
+                    <a:bodyPr/>
+                    <a:lstStyle/>
+                    <a:p>
+                      <a:pPr algn="l" fontAlgn="base"/>
+                      <a:r>
+                        <a:rPr lang="en-US" sz="1700">
+                          <a:effectLst/>
+                          <a:latin typeface="inherit"/>
+                        </a:rPr>
+                        <a:t>LIKE</a:t>
+                      </a:r>
+                    </a:p>
+                  </a:txBody>
+                  <a:tcPr marL="87501" marR="87501" marT="43751" marB="43751" anchor="ctr">
+                    <a:lnL>
+                      <a:noFill/>
+                    </a:lnL>
+                    <a:lnR>
+                      <a:noFill/>
+                    </a:lnR>
+                    <a:lnT>
+                      <a:noFill/>
+                    </a:lnT>
+                    <a:lnB>
+                      <a:noFill/>
+                    </a:lnB>
+                    <a:solidFill>
+                      <a:srgbClr val="FFFFFF"/>
+                    </a:solidFill>
+                  </a:tcPr>
+                </a:tc>
+                <a:tc>
+                  <a:txBody>
+                    <a:bodyPr/>
+                    <a:lstStyle/>
+                    <a:p>
+                      <a:pPr algn="l" fontAlgn="base"/>
+                      <a:r>
+                        <a:rPr lang="en-US" sz="1700">
+                          <a:effectLst/>
+                          <a:latin typeface="inherit"/>
+                        </a:rPr>
+                        <a:t>Search for a pattern (can use a wildcard character)</a:t>
+                      </a:r>
+                    </a:p>
+                  </a:txBody>
+                  <a:tcPr marL="87501" marR="87501" marT="43751" marB="43751" anchor="ctr">
+                    <a:lnL>
+                      <a:noFill/>
+                    </a:lnL>
+                    <a:lnR>
+                      <a:noFill/>
+                    </a:lnR>
+                    <a:lnT>
+                      <a:noFill/>
+                    </a:lnT>
+                    <a:lnB>
+                      <a:noFill/>
+                    </a:lnB>
+                    <a:solidFill>
+                      <a:srgbClr val="FFFFFF"/>
+                    </a:solidFill>
+                  </a:tcPr>
+                </a:tc>
+              </a:tr>
+              <a:tr h="350006">
+                <a:tc>
+                  <a:txBody>
+                    <a:bodyPr/>
+                    <a:lstStyle/>
+                    <a:p>
+                      <a:pPr algn="l" fontAlgn="base"/>
+                      <a:r>
+                        <a:rPr lang="en-US" sz="1700">
+                          <a:effectLst/>
+                          <a:latin typeface="inherit"/>
+                        </a:rPr>
+                        <a:t>IN</a:t>
+                      </a:r>
+                    </a:p>
+                  </a:txBody>
+                  <a:tcPr marL="87501" marR="87501" marT="43751" marB="43751" anchor="ctr">
+                    <a:lnL>
+                      <a:noFill/>
+                    </a:lnL>
+                    <a:lnR>
+                      <a:noFill/>
+                    </a:lnR>
+                    <a:lnT>
+                      <a:noFill/>
+                    </a:lnT>
+                    <a:lnB>
+                      <a:noFill/>
+                    </a:lnB>
+                    <a:solidFill>
+                      <a:srgbClr val="FFFFFF"/>
+                    </a:solidFill>
+                  </a:tcPr>
+                </a:tc>
+                <a:tc>
+                  <a:txBody>
+                    <a:bodyPr/>
+                    <a:lstStyle/>
+                    <a:p>
+                      <a:pPr algn="l" fontAlgn="base"/>
+                      <a:r>
+                        <a:rPr lang="en-US" sz="1700" dirty="0">
+                          <a:effectLst/>
+                          <a:latin typeface="inherit"/>
+                        </a:rPr>
+                        <a:t>To specify multiple possible values for a column</a:t>
+                      </a:r>
+                    </a:p>
+                  </a:txBody>
+                  <a:tcPr marL="87501" marR="87501" marT="43751" marB="43751" anchor="ctr">
+                    <a:lnL>
+                      <a:noFill/>
+                    </a:lnL>
+                    <a:lnR>
+                      <a:noFill/>
+                    </a:lnR>
+                    <a:lnT>
+                      <a:noFill/>
+                    </a:lnT>
+                    <a:lnB>
+                      <a:noFill/>
+                    </a:lnB>
+                    <a:solidFill>
+                      <a:srgbClr val="FFFFFF"/>
+                    </a:solidFill>
+                  </a:tcPr>
+                </a:tc>
+              </a:tr>
+            </a:tbl>
+          </a:graphicData>
+        </a:graphic>
+      </p:graphicFrame>
+      <p:sp>
+        <p:nvSpPr>
+          <p:cNvPr id="4" name="Rectangle 3"/>
+          <p:cNvSpPr/>
+          <p:nvPr/>
+        </p:nvSpPr>
+        <p:spPr>
+          <a:xfrm>
+            <a:off x="0" y="1726458"/>
+            <a:ext cx="12192000" cy="400110"/>
+          </a:xfrm>
+          <a:prstGeom prst="rect">
+            <a:avLst/>
+          </a:prstGeom>
+        </p:spPr>
+        <p:txBody>
+          <a:bodyPr wrap="square">
+            <a:spAutoFit/>
+          </a:bodyPr>
+          <a:lstStyle/>
+          <a:p>
+            <a:pPr lvl="1"/>
+            <a:r>
+              <a:rPr lang="en-US" sz="2000" dirty="0" smtClean="0"/>
+              <a:t>Operators that can be used with WHERE</a:t>
+            </a:r>
+            <a:endParaRPr lang="en-US" sz="2200" dirty="0">
+              <a:solidFill>
+                <a:schemeClr val="accent2">
+                  <a:lumMod val="50000"/>
+                </a:schemeClr>
+              </a:solidFill>
+            </a:endParaRPr>
+          </a:p>
+        </p:txBody>
+      </p:sp>
+    </p:spTree>
+    <p:extLst>
+      <p:ext uri="{BB962C8B-B14F-4D97-AF65-F5344CB8AC3E}">
+        <p14:creationId xmlns:p14="http://schemas.microsoft.com/office/powerpoint/2010/main" val="3058111862"/>
+      </p:ext>
+    </p:extLst>
+  </p:cSld>
+  <p:clrMapOvr>
+    <a:masterClrMapping/>
+  </p:clrMapOvr>
+  <p:timing>
+    <p:tnLst>
+      <p:par>
+        <p:cTn id="1" dur="indefinite" restart="never" nodeType="tmRoot"/>
+      </p:par>
+    </p:tnLst>
+  </p:timing>
+</p:sld>
+</file>
+
+<file path=ppt/slides/slide24.xml><?xml version="1.0" encoding="utf-8"?>
+<p:sld xmlns:a="http://schemas.openxmlformats.org/drawingml/2006/main" xmlns:r="http://schemas.openxmlformats.org/officeDocument/2006/relationships" xmlns:p="http://schemas.openxmlformats.org/presentationml/2006/main">
+  <p:cSld>
+    <p:spTree>
+      <p:nvGrpSpPr>
+        <p:cNvPr id="1" name=""/>
+        <p:cNvGrpSpPr/>
+        <p:nvPr/>
+      </p:nvGrpSpPr>
+      <p:grpSpPr>
+        <a:xfrm>
+          <a:off x="0" y="0"/>
+          <a:ext cx="0" cy="0"/>
+          <a:chOff x="0" y="0"/>
+          <a:chExt cx="0" cy="0"/>
+        </a:xfrm>
+      </p:grpSpPr>
+      <p:sp>
+        <p:nvSpPr>
+          <p:cNvPr id="2" name="Title 1"/>
+          <p:cNvSpPr>
+            <a:spLocks noGrp="1"/>
+          </p:cNvSpPr>
+          <p:nvPr>
+            <p:ph type="title"/>
+          </p:nvPr>
+        </p:nvSpPr>
+        <p:spPr/>
+        <p:txBody>
+          <a:bodyPr/>
+          <a:lstStyle/>
+          <a:p>
+            <a:r>
+              <a:rPr lang="en-US" dirty="0" smtClean="0"/>
+              <a:t>Retrieve (Querying)</a:t>
+            </a:r>
+            <a:endParaRPr lang="en-US" dirty="0"/>
+          </a:p>
+        </p:txBody>
+      </p:sp>
+      <p:sp>
+        <p:nvSpPr>
+          <p:cNvPr id="3" name="Content Placeholder 2"/>
+          <p:cNvSpPr>
+            <a:spLocks noGrp="1"/>
+          </p:cNvSpPr>
+          <p:nvPr>
+            <p:ph idx="1"/>
+          </p:nvPr>
+        </p:nvSpPr>
+        <p:spPr>
+          <a:xfrm>
+            <a:off x="637472" y="2678624"/>
+            <a:ext cx="10554574" cy="4471811"/>
+          </a:xfrm>
+        </p:spPr>
+        <p:txBody>
+          <a:bodyPr>
+            <a:normAutofit fontScale="92500" lnSpcReduction="20000"/>
+          </a:bodyPr>
+          <a:lstStyle/>
+          <a:p>
+            <a:r>
+              <a:rPr lang="en-US" sz="2400" dirty="0" smtClean="0"/>
+              <a:t>Generic Select Functions</a:t>
+            </a:r>
+          </a:p>
+          <a:p>
+            <a:pPr lvl="1"/>
+            <a:r>
+              <a:rPr lang="en-US" sz="2000" dirty="0" smtClean="0"/>
+              <a:t>SELECT </a:t>
+            </a:r>
+            <a:r>
+              <a:rPr lang="en-US" sz="2000" dirty="0" smtClean="0">
+                <a:solidFill>
+                  <a:schemeClr val="accent2">
+                    <a:lumMod val="50000"/>
+                  </a:schemeClr>
+                </a:solidFill>
+              </a:rPr>
+              <a:t>fieldname</a:t>
+            </a:r>
+            <a:r>
+              <a:rPr lang="en-US" sz="2000" dirty="0" smtClean="0"/>
+              <a:t> </a:t>
+            </a:r>
+            <a:r>
+              <a:rPr lang="en-US" sz="2000" dirty="0"/>
+              <a:t>FROM </a:t>
+            </a:r>
+            <a:r>
+              <a:rPr lang="en-US" sz="2000" dirty="0" err="1" smtClean="0">
+                <a:solidFill>
+                  <a:schemeClr val="accent2">
+                    <a:lumMod val="50000"/>
+                  </a:schemeClr>
+                </a:solidFill>
+              </a:rPr>
+              <a:t>tablename</a:t>
+            </a:r>
+            <a:endParaRPr lang="en-US" sz="2000" dirty="0" smtClean="0">
+              <a:solidFill>
+                <a:schemeClr val="accent2">
+                  <a:lumMod val="50000"/>
+                </a:schemeClr>
+              </a:solidFill>
+            </a:endParaRPr>
+          </a:p>
+          <a:p>
+            <a:pPr lvl="1"/>
+            <a:r>
+              <a:rPr lang="en-US" sz="2000" dirty="0" smtClean="0"/>
+              <a:t>SELECT </a:t>
+            </a:r>
+            <a:r>
+              <a:rPr lang="en-US" sz="2000" dirty="0"/>
+              <a:t>* FROM </a:t>
+            </a:r>
+            <a:r>
+              <a:rPr lang="en-US" sz="2000" dirty="0" err="1" smtClean="0">
+                <a:solidFill>
+                  <a:schemeClr val="accent2">
+                    <a:lumMod val="50000"/>
+                  </a:schemeClr>
+                </a:solidFill>
+              </a:rPr>
+              <a:t>tablename</a:t>
+            </a:r>
+            <a:endParaRPr lang="en-US" sz="2000" dirty="0" smtClean="0">
+              <a:solidFill>
+                <a:schemeClr val="accent2">
+                  <a:lumMod val="50000"/>
+                </a:schemeClr>
+              </a:solidFill>
+            </a:endParaRPr>
+          </a:p>
+          <a:p>
+            <a:pPr lvl="1"/>
+            <a:r>
+              <a:rPr lang="en-US" sz="2000" dirty="0" smtClean="0"/>
+              <a:t>SELECT </a:t>
+            </a:r>
+            <a:r>
+              <a:rPr lang="en-US" sz="2000" dirty="0" smtClean="0">
+                <a:solidFill>
+                  <a:schemeClr val="accent2">
+                    <a:lumMod val="50000"/>
+                  </a:schemeClr>
+                </a:solidFill>
+              </a:rPr>
+              <a:t>fieldname</a:t>
+            </a:r>
+            <a:r>
+              <a:rPr lang="en-US" sz="2000" dirty="0" smtClean="0"/>
+              <a:t> </a:t>
+            </a:r>
+            <a:r>
+              <a:rPr lang="en-US" sz="2000" dirty="0"/>
+              <a:t>FROM </a:t>
+            </a:r>
+            <a:r>
+              <a:rPr lang="en-US" sz="2000" dirty="0" err="1" smtClean="0">
+                <a:solidFill>
+                  <a:schemeClr val="accent2">
+                    <a:lumMod val="50000"/>
+                  </a:schemeClr>
+                </a:solidFill>
+              </a:rPr>
+              <a:t>tablename</a:t>
+            </a:r>
+            <a:r>
+              <a:rPr lang="en-US" sz="2000" dirty="0" smtClean="0">
+                <a:solidFill>
+                  <a:schemeClr val="accent2">
+                    <a:lumMod val="50000"/>
+                  </a:schemeClr>
+                </a:solidFill>
+              </a:rPr>
+              <a:t> </a:t>
+            </a:r>
+            <a:r>
+              <a:rPr lang="en-US" sz="2000" dirty="0"/>
+              <a:t>WHERE </a:t>
+            </a:r>
+            <a:r>
+              <a:rPr lang="en-US" sz="2000" dirty="0" smtClean="0">
+                <a:solidFill>
+                  <a:srgbClr val="7030A0"/>
+                </a:solidFill>
+              </a:rPr>
+              <a:t>condition</a:t>
+            </a:r>
+            <a:endParaRPr lang="en-US" sz="2000" dirty="0" smtClean="0">
+              <a:solidFill>
+                <a:srgbClr val="7030A0"/>
+              </a:solidFill>
+            </a:endParaRPr>
+          </a:p>
+          <a:p>
+            <a:pPr lvl="1"/>
+            <a:r>
+              <a:rPr lang="en-US" sz="2000" dirty="0" smtClean="0"/>
+              <a:t>SELECT * FROM </a:t>
+            </a:r>
+            <a:r>
+              <a:rPr lang="en-US" sz="2000" dirty="0" err="1" smtClean="0">
+                <a:solidFill>
+                  <a:schemeClr val="accent2">
+                    <a:lumMod val="50000"/>
+                  </a:schemeClr>
+                </a:solidFill>
+              </a:rPr>
+              <a:t>tablename</a:t>
+            </a:r>
+            <a:r>
+              <a:rPr lang="en-US" sz="2000" dirty="0" smtClean="0">
+                <a:solidFill>
+                  <a:schemeClr val="accent2">
+                    <a:lumMod val="50000"/>
+                  </a:schemeClr>
+                </a:solidFill>
+              </a:rPr>
+              <a:t> </a:t>
+            </a:r>
+            <a:r>
+              <a:rPr lang="en-US" sz="2000" dirty="0" smtClean="0"/>
+              <a:t>ORDER BY </a:t>
+            </a:r>
+            <a:r>
+              <a:rPr lang="en-US" sz="2000" dirty="0" smtClean="0">
+                <a:solidFill>
+                  <a:schemeClr val="accent2">
+                    <a:lumMod val="50000"/>
+                  </a:schemeClr>
+                </a:solidFill>
+              </a:rPr>
+              <a:t>field</a:t>
+            </a:r>
+            <a:endParaRPr lang="en-US" sz="2000" dirty="0" smtClean="0"/>
+          </a:p>
+          <a:p>
+            <a:r>
+              <a:rPr lang="en-US" sz="2400" dirty="0" smtClean="0"/>
+              <a:t>Example</a:t>
+            </a:r>
+          </a:p>
+          <a:p>
+            <a:pPr lvl="1"/>
+            <a:r>
+              <a:rPr lang="en-US" sz="1800" dirty="0" smtClean="0"/>
+              <a:t>SELECT </a:t>
+            </a:r>
+            <a:r>
+              <a:rPr lang="en-US" sz="1800" dirty="0" smtClean="0">
+                <a:solidFill>
+                  <a:schemeClr val="accent2">
+                    <a:lumMod val="50000"/>
+                  </a:schemeClr>
+                </a:solidFill>
+              </a:rPr>
+              <a:t>name</a:t>
+            </a:r>
+            <a:r>
+              <a:rPr lang="en-US" sz="1800" dirty="0" smtClean="0"/>
+              <a:t> FROM </a:t>
+            </a:r>
+            <a:r>
+              <a:rPr lang="en-US" sz="1800" dirty="0" smtClean="0">
+                <a:solidFill>
+                  <a:schemeClr val="accent2">
+                    <a:lumMod val="50000"/>
+                  </a:schemeClr>
+                </a:solidFill>
+              </a:rPr>
+              <a:t>song</a:t>
+            </a:r>
+            <a:r>
+              <a:rPr lang="en-US" sz="1800" dirty="0" smtClean="0"/>
+              <a:t> WHERE …</a:t>
+            </a:r>
+          </a:p>
+          <a:p>
+            <a:pPr lvl="1"/>
+            <a:r>
+              <a:rPr lang="en-US" sz="1800" dirty="0" smtClean="0"/>
+              <a:t>Conditions</a:t>
+            </a:r>
+          </a:p>
+          <a:p>
+            <a:pPr lvl="2"/>
+            <a:r>
+              <a:rPr lang="en-US" sz="1600" dirty="0" err="1" smtClean="0"/>
+              <a:t>artist_id</a:t>
+            </a:r>
+            <a:r>
+              <a:rPr lang="en-US" sz="1600" dirty="0" smtClean="0"/>
+              <a:t> = 1</a:t>
+            </a:r>
+          </a:p>
+          <a:p>
+            <a:pPr lvl="2"/>
+            <a:r>
+              <a:rPr lang="en-US" sz="1600" dirty="0" err="1" smtClean="0"/>
+              <a:t>genre_id</a:t>
+            </a:r>
+            <a:r>
+              <a:rPr lang="en-US" sz="1600" dirty="0" smtClean="0"/>
+              <a:t> &gt; 1</a:t>
+            </a:r>
+          </a:p>
+          <a:p>
+            <a:pPr marL="914400" lvl="2" indent="0">
+              <a:buNone/>
+            </a:pPr>
+            <a:endParaRPr lang="en-US" sz="1600" dirty="0" smtClean="0"/>
+          </a:p>
+          <a:p>
+            <a:r>
+              <a:rPr lang="en-US" sz="2000" dirty="0" smtClean="0"/>
+              <a:t>You Try It!</a:t>
+            </a:r>
+          </a:p>
+          <a:p>
+            <a:pPr marL="0" indent="0">
+              <a:buNone/>
+            </a:pPr>
+            <a:endParaRPr lang="en-US" dirty="0" smtClean="0"/>
+          </a:p>
+          <a:p>
+            <a:pPr lvl="1">
+              <a:buFont typeface="Arial" panose="020B0604020202020204" pitchFamily="34" charset="0"/>
+              <a:buChar char="•"/>
+            </a:pPr>
+            <a:endParaRPr lang="en-US" dirty="0" smtClean="0"/>
+          </a:p>
+        </p:txBody>
+      </p:sp>
+    </p:spTree>
+    <p:extLst>
+      <p:ext uri="{BB962C8B-B14F-4D97-AF65-F5344CB8AC3E}">
+        <p14:creationId xmlns:p14="http://schemas.microsoft.com/office/powerpoint/2010/main" val="3711139260"/>
+      </p:ext>
+    </p:extLst>
+  </p:cSld>
+  <p:clrMapOvr>
+    <a:masterClrMapping/>
+  </p:clrMapOvr>
+  <p:timing>
+    <p:tnLst>
+      <p:par>
+        <p:cTn id="1" dur="indefinite" restart="never" nodeType="tmRoot"/>
+      </p:par>
+    </p:tnLst>
+  </p:timing>
+</p:sld>
+</file>
+
+<file path=ppt/slides/slide25.xml><?xml version="1.0" encoding="utf-8"?>
+<p:sld xmlns:a="http://schemas.openxmlformats.org/drawingml/2006/main" xmlns:r="http://schemas.openxmlformats.org/officeDocument/2006/relationships" xmlns:p="http://schemas.openxmlformats.org/presentationml/2006/main">
+  <p:cSld>
+    <p:spTree>
+      <p:nvGrpSpPr>
+        <p:cNvPr id="1" name=""/>
+        <p:cNvGrpSpPr/>
+        <p:nvPr/>
+      </p:nvGrpSpPr>
+      <p:grpSpPr>
+        <a:xfrm>
+          <a:off x="0" y="0"/>
+          <a:ext cx="0" cy="0"/>
+          <a:chOff x="0" y="0"/>
+          <a:chExt cx="0" cy="0"/>
+        </a:xfrm>
+      </p:grpSpPr>
+      <p:sp>
+        <p:nvSpPr>
+          <p:cNvPr id="2" name="Title 1"/>
+          <p:cNvSpPr>
+            <a:spLocks noGrp="1"/>
+          </p:cNvSpPr>
+          <p:nvPr>
+            <p:ph type="title"/>
+          </p:nvPr>
+        </p:nvSpPr>
+        <p:spPr/>
+        <p:txBody>
+          <a:bodyPr/>
+          <a:lstStyle/>
+          <a:p>
+            <a:r>
+              <a:rPr lang="en-US" dirty="0" smtClean="0"/>
+              <a:t>Join</a:t>
+            </a:r>
+            <a:endParaRPr lang="en-US" dirty="0"/>
+          </a:p>
+        </p:txBody>
+      </p:sp>
+      <p:sp>
+        <p:nvSpPr>
+          <p:cNvPr id="3" name="Content Placeholder 2"/>
+          <p:cNvSpPr>
+            <a:spLocks noGrp="1"/>
+          </p:cNvSpPr>
+          <p:nvPr>
+            <p:ph idx="1"/>
+          </p:nvPr>
+        </p:nvSpPr>
+        <p:spPr>
+          <a:xfrm>
+            <a:off x="818712" y="2405167"/>
+            <a:ext cx="10554574" cy="3636511"/>
+          </a:xfrm>
+        </p:spPr>
+        <p:txBody>
+          <a:bodyPr>
+            <a:normAutofit/>
+          </a:bodyPr>
+          <a:lstStyle/>
+          <a:p>
+            <a:r>
+              <a:rPr lang="en-US" sz="2400" dirty="0" smtClean="0"/>
+              <a:t>Brings information from two tables together</a:t>
+            </a:r>
+          </a:p>
+          <a:p>
+            <a:r>
+              <a:rPr lang="en-US" sz="2400" dirty="0" smtClean="0"/>
+              <a:t>Generic Join function</a:t>
+            </a:r>
+          </a:p>
+          <a:p>
+            <a:pPr lvl="1"/>
+            <a:r>
+              <a:rPr lang="en-US" sz="2000" dirty="0" smtClean="0"/>
+              <a:t>SELECT </a:t>
+            </a:r>
+            <a:r>
+              <a:rPr lang="en-US" sz="2000" dirty="0" smtClean="0">
+                <a:solidFill>
+                  <a:schemeClr val="accent2">
+                    <a:lumMod val="50000"/>
+                  </a:schemeClr>
+                </a:solidFill>
+              </a:rPr>
+              <a:t>table1.field, table2.field </a:t>
+            </a:r>
+            <a:r>
+              <a:rPr lang="en-US" sz="2000" dirty="0" smtClean="0"/>
+              <a:t>FROM </a:t>
+            </a:r>
+            <a:r>
+              <a:rPr lang="en-US" sz="2000" dirty="0" smtClean="0">
+                <a:solidFill>
+                  <a:schemeClr val="accent2">
+                    <a:lumMod val="50000"/>
+                  </a:schemeClr>
+                </a:solidFill>
+              </a:rPr>
+              <a:t>table1</a:t>
+            </a:r>
+            <a:r>
+              <a:rPr lang="en-US" sz="2000" dirty="0" smtClean="0"/>
+              <a:t> JOIN </a:t>
+            </a:r>
+            <a:r>
+              <a:rPr lang="en-US" sz="2000" dirty="0" smtClean="0">
+                <a:solidFill>
+                  <a:schemeClr val="accent2">
+                    <a:lumMod val="50000"/>
+                  </a:schemeClr>
+                </a:solidFill>
+              </a:rPr>
+              <a:t>table2</a:t>
+            </a:r>
+            <a:r>
+              <a:rPr lang="en-US" sz="2000" dirty="0" smtClean="0"/>
+              <a:t> ON</a:t>
+            </a:r>
+            <a:r>
+              <a:rPr lang="en-US" sz="2000" dirty="0" smtClean="0">
+                <a:solidFill>
+                  <a:schemeClr val="accent2">
+                    <a:lumMod val="50000"/>
+                  </a:schemeClr>
+                </a:solidFill>
+              </a:rPr>
+              <a:t> table1.foreignkey = table2.primary key</a:t>
+            </a:r>
+            <a:endParaRPr lang="en-US" sz="2000" dirty="0">
+              <a:solidFill>
+                <a:schemeClr val="accent2">
+                  <a:lumMod val="50000"/>
+                </a:schemeClr>
+              </a:solidFill>
+            </a:endParaRPr>
+          </a:p>
+          <a:p>
+            <a:pPr lvl="1"/>
+            <a:r>
+              <a:rPr lang="en-US" sz="2000" dirty="0" smtClean="0"/>
+              <a:t>SELECT song.name, genre.name FROM song JOIN genre ON  </a:t>
+            </a:r>
+            <a:r>
+              <a:rPr lang="en-US" sz="2000" dirty="0" err="1" smtClean="0"/>
+              <a:t>song.genre_id</a:t>
+            </a:r>
+            <a:r>
+              <a:rPr lang="en-US" sz="2000" dirty="0" smtClean="0"/>
+              <a:t> = genre.id</a:t>
+            </a:r>
+          </a:p>
+          <a:p>
+            <a:pPr lvl="1"/>
+            <a:endParaRPr lang="en-US" sz="2000" dirty="0" smtClean="0"/>
+          </a:p>
+          <a:p>
+            <a:r>
+              <a:rPr lang="en-US" sz="2400" dirty="0" smtClean="0"/>
+              <a:t>You Try It </a:t>
+            </a:r>
+            <a:endParaRPr lang="en-US" sz="2400" dirty="0"/>
+          </a:p>
+        </p:txBody>
+      </p:sp>
+      <p:sp>
+        <p:nvSpPr>
+          <p:cNvPr id="4" name="TextBox 3"/>
+          <p:cNvSpPr txBox="1"/>
+          <p:nvPr/>
+        </p:nvSpPr>
+        <p:spPr>
+          <a:xfrm>
+            <a:off x="517585" y="6262777"/>
+            <a:ext cx="10679502" cy="646331"/>
+          </a:xfrm>
+          <a:prstGeom prst="rect">
+            <a:avLst/>
+          </a:prstGeom>
+          <a:noFill/>
+        </p:spPr>
+        <p:txBody>
+          <a:bodyPr wrap="square" rtlCol="0">
+            <a:spAutoFit/>
+          </a:bodyPr>
+          <a:lstStyle/>
+          <a:p>
+            <a:r>
+              <a:rPr lang="en-US" dirty="0" smtClean="0"/>
+              <a:t>***There </a:t>
+            </a:r>
+            <a:r>
+              <a:rPr lang="en-US" dirty="0"/>
+              <a:t>are different JOIN functions depending on the program you are using</a:t>
+            </a:r>
+          </a:p>
+          <a:p>
+            <a:endParaRPr lang="en-US" dirty="0"/>
+          </a:p>
+        </p:txBody>
+      </p:sp>
+    </p:spTree>
+    <p:extLst>
+      <p:ext uri="{BB962C8B-B14F-4D97-AF65-F5344CB8AC3E}">
+        <p14:creationId xmlns:p14="http://schemas.microsoft.com/office/powerpoint/2010/main" val="500879669"/>
+      </p:ext>
+    </p:extLst>
+  </p:cSld>
+  <p:clrMapOvr>
+    <a:masterClrMapping/>
+  </p:clrMapOvr>
+  <p:timing>
+    <p:tnLst>
+      <p:par>
+        <p:cTn id="1" dur="indefinite" restart="never" nodeType="tmRoot"/>
+      </p:par>
+    </p:tnLst>
+  </p:timing>
+</p:sld>
+</file>
+
+<file path=ppt/slides/slide26.xml><?xml version="1.0" encoding="utf-8"?>
+<p:sld xmlns:a="http://schemas.openxmlformats.org/drawingml/2006/main" xmlns:r="http://schemas.openxmlformats.org/officeDocument/2006/relationships" xmlns:p="http://schemas.openxmlformats.org/presentationml/2006/main">
+  <p:cSld>
+    <p:spTree>
+      <p:nvGrpSpPr>
+        <p:cNvPr id="1" name=""/>
+        <p:cNvGrpSpPr/>
+        <p:nvPr/>
+      </p:nvGrpSpPr>
+      <p:grpSpPr>
+        <a:xfrm>
+          <a:off x="0" y="0"/>
+          <a:ext cx="0" cy="0"/>
+          <a:chOff x="0" y="0"/>
+          <a:chExt cx="0" cy="0"/>
+        </a:xfrm>
+      </p:grpSpPr>
+      <p:sp>
+        <p:nvSpPr>
+          <p:cNvPr id="2" name="Rectangle 1"/>
+          <p:cNvSpPr/>
+          <p:nvPr/>
+        </p:nvSpPr>
+        <p:spPr>
+          <a:xfrm>
+            <a:off x="224287" y="193835"/>
+            <a:ext cx="12192000" cy="4154984"/>
+          </a:xfrm>
+          <a:prstGeom prst="rect">
+            <a:avLst/>
+          </a:prstGeom>
+        </p:spPr>
+        <p:txBody>
+          <a:bodyPr wrap="square">
+            <a:spAutoFit/>
+          </a:bodyPr>
+          <a:lstStyle/>
+          <a:p>
+            <a:pPr lvl="1"/>
+            <a:r>
+              <a:rPr lang="en-US" sz="2400" dirty="0" smtClean="0"/>
+              <a:t>Generic Join Function:</a:t>
+            </a:r>
+          </a:p>
+          <a:p>
+            <a:pPr lvl="1"/>
+            <a:endParaRPr lang="en-US" sz="2400" dirty="0" smtClean="0"/>
+          </a:p>
+          <a:p>
+            <a:pPr lvl="1"/>
+            <a:r>
+              <a:rPr lang="en-US" sz="2400" dirty="0" smtClean="0"/>
+              <a:t>SELECT </a:t>
+            </a:r>
+            <a:r>
+              <a:rPr lang="en-US" sz="2400" dirty="0">
+                <a:solidFill>
+                  <a:schemeClr val="accent2">
+                    <a:lumMod val="50000"/>
+                  </a:schemeClr>
+                </a:solidFill>
+              </a:rPr>
+              <a:t>table1.field, table2.field </a:t>
+            </a:r>
+            <a:r>
+              <a:rPr lang="en-US" sz="2400" dirty="0"/>
+              <a:t>FROM </a:t>
+            </a:r>
+            <a:r>
+              <a:rPr lang="en-US" sz="2400" dirty="0">
+                <a:solidFill>
+                  <a:schemeClr val="accent2">
+                    <a:lumMod val="50000"/>
+                  </a:schemeClr>
+                </a:solidFill>
+              </a:rPr>
+              <a:t>table1</a:t>
+            </a:r>
+            <a:r>
+              <a:rPr lang="en-US" sz="2400" dirty="0"/>
+              <a:t> JOIN </a:t>
+            </a:r>
+            <a:r>
+              <a:rPr lang="en-US" sz="2400" dirty="0">
+                <a:solidFill>
+                  <a:schemeClr val="accent2">
+                    <a:lumMod val="50000"/>
+                  </a:schemeClr>
+                </a:solidFill>
+              </a:rPr>
+              <a:t>table2</a:t>
+            </a:r>
+            <a:r>
+              <a:rPr lang="en-US" sz="2400" dirty="0"/>
+              <a:t> ON</a:t>
+            </a:r>
+            <a:r>
+              <a:rPr lang="en-US" sz="2400" dirty="0">
+                <a:solidFill>
+                  <a:schemeClr val="accent2">
+                    <a:lumMod val="50000"/>
+                  </a:schemeClr>
+                </a:solidFill>
+              </a:rPr>
+              <a:t> table1.foreignkey = table2.primary </a:t>
+            </a:r>
+            <a:r>
+              <a:rPr lang="en-US" sz="2400" dirty="0" smtClean="0">
+                <a:solidFill>
+                  <a:schemeClr val="accent2">
+                    <a:lumMod val="50000"/>
+                  </a:schemeClr>
+                </a:solidFill>
+              </a:rPr>
+              <a:t>key</a:t>
+            </a:r>
+          </a:p>
+          <a:p>
+            <a:pPr lvl="1"/>
+            <a:endParaRPr lang="en-US" sz="2400" dirty="0" smtClean="0">
+              <a:solidFill>
+                <a:schemeClr val="accent2">
+                  <a:lumMod val="50000"/>
+                </a:schemeClr>
+              </a:solidFill>
+            </a:endParaRPr>
+          </a:p>
+          <a:p>
+            <a:pPr lvl="1"/>
+            <a:r>
+              <a:rPr lang="en-US" sz="2400" dirty="0" smtClean="0"/>
+              <a:t>Example:</a:t>
+            </a:r>
+          </a:p>
+          <a:p>
+            <a:pPr lvl="1"/>
+            <a:endParaRPr lang="en-US" sz="2400" dirty="0"/>
+          </a:p>
+          <a:p>
+            <a:pPr lvl="1"/>
+            <a:r>
+              <a:rPr lang="en-US" sz="2400" dirty="0"/>
+              <a:t>SELECT </a:t>
+            </a:r>
+            <a:r>
+              <a:rPr lang="en-US" sz="2400" dirty="0">
+                <a:solidFill>
+                  <a:schemeClr val="accent2">
+                    <a:lumMod val="50000"/>
+                  </a:schemeClr>
+                </a:solidFill>
+              </a:rPr>
+              <a:t>song.name, genre.name </a:t>
+            </a:r>
+            <a:r>
+              <a:rPr lang="en-US" sz="2400" dirty="0"/>
+              <a:t>FROM </a:t>
+            </a:r>
+            <a:r>
+              <a:rPr lang="en-US" sz="2400" dirty="0">
+                <a:solidFill>
+                  <a:schemeClr val="accent2">
+                    <a:lumMod val="50000"/>
+                  </a:schemeClr>
+                </a:solidFill>
+              </a:rPr>
+              <a:t>song</a:t>
+            </a:r>
+            <a:r>
+              <a:rPr lang="en-US" sz="2400" dirty="0"/>
+              <a:t> JOIN </a:t>
+            </a:r>
+            <a:r>
+              <a:rPr lang="en-US" sz="2400" dirty="0">
+                <a:solidFill>
+                  <a:schemeClr val="accent2">
+                    <a:lumMod val="50000"/>
+                  </a:schemeClr>
+                </a:solidFill>
+              </a:rPr>
+              <a:t>genre</a:t>
+            </a:r>
+            <a:r>
+              <a:rPr lang="en-US" sz="2400" dirty="0"/>
+              <a:t> ON  </a:t>
+            </a:r>
+            <a:r>
+              <a:rPr lang="en-US" sz="2400" dirty="0" err="1">
+                <a:solidFill>
+                  <a:schemeClr val="accent2">
+                    <a:lumMod val="50000"/>
+                  </a:schemeClr>
+                </a:solidFill>
+              </a:rPr>
+              <a:t>song.genre_id</a:t>
+            </a:r>
+            <a:r>
+              <a:rPr lang="en-US" sz="2400" dirty="0">
+                <a:solidFill>
+                  <a:schemeClr val="accent2">
+                    <a:lumMod val="50000"/>
+                  </a:schemeClr>
+                </a:solidFill>
+              </a:rPr>
+              <a:t> = genre.id</a:t>
+            </a:r>
+          </a:p>
+          <a:p>
+            <a:pPr lvl="1"/>
+            <a:endParaRPr lang="en-US" sz="2400" dirty="0"/>
+          </a:p>
+          <a:p>
+            <a:pPr lvl="1"/>
+            <a:endParaRPr lang="en-US" sz="2400" dirty="0">
+              <a:solidFill>
+                <a:schemeClr val="accent2">
+                  <a:lumMod val="50000"/>
+                </a:schemeClr>
+              </a:solidFill>
+            </a:endParaRPr>
+          </a:p>
+        </p:txBody>
+      </p:sp>
+      <p:sp>
+        <p:nvSpPr>
+          <p:cNvPr id="4" name="Rectangle 3"/>
+          <p:cNvSpPr/>
+          <p:nvPr/>
+        </p:nvSpPr>
+        <p:spPr>
+          <a:xfrm>
+            <a:off x="224287" y="4003831"/>
+            <a:ext cx="12192000" cy="2523768"/>
+          </a:xfrm>
+          <a:prstGeom prst="rect">
+            <a:avLst/>
+          </a:prstGeom>
+        </p:spPr>
+        <p:txBody>
+          <a:bodyPr wrap="square">
+            <a:spAutoFit/>
+          </a:bodyPr>
+          <a:lstStyle/>
+          <a:p>
+            <a:pPr lvl="1"/>
+            <a:r>
+              <a:rPr lang="en-US" sz="2200" dirty="0" smtClean="0"/>
+              <a:t>Advanced:</a:t>
+            </a:r>
+          </a:p>
+          <a:p>
+            <a:pPr lvl="1"/>
+            <a:endParaRPr lang="en-US" sz="2200" dirty="0">
+              <a:solidFill>
+                <a:schemeClr val="accent2">
+                  <a:lumMod val="50000"/>
+                </a:schemeClr>
+              </a:solidFill>
+            </a:endParaRPr>
+          </a:p>
+          <a:p>
+            <a:pPr lvl="1"/>
+            <a:r>
+              <a:rPr lang="en-US" sz="2400" dirty="0"/>
+              <a:t>SELECT </a:t>
+            </a:r>
+            <a:r>
+              <a:rPr lang="en-US" sz="2400" dirty="0">
+                <a:solidFill>
+                  <a:schemeClr val="accent2">
+                    <a:lumMod val="50000"/>
+                  </a:schemeClr>
+                </a:solidFill>
+              </a:rPr>
+              <a:t>table1.field, table2.field </a:t>
+            </a:r>
+            <a:r>
+              <a:rPr lang="en-US" sz="2400" dirty="0"/>
+              <a:t>FROM </a:t>
+            </a:r>
+            <a:r>
+              <a:rPr lang="en-US" sz="2400" dirty="0">
+                <a:solidFill>
+                  <a:schemeClr val="accent2">
+                    <a:lumMod val="50000"/>
+                  </a:schemeClr>
+                </a:solidFill>
+              </a:rPr>
+              <a:t>table1</a:t>
+            </a:r>
+            <a:r>
+              <a:rPr lang="en-US" sz="2400" dirty="0"/>
+              <a:t> JOIN </a:t>
+            </a:r>
+            <a:r>
+              <a:rPr lang="en-US" sz="2400" dirty="0">
+                <a:solidFill>
+                  <a:schemeClr val="accent2">
+                    <a:lumMod val="50000"/>
+                  </a:schemeClr>
+                </a:solidFill>
+              </a:rPr>
+              <a:t>table2</a:t>
+            </a:r>
+            <a:r>
+              <a:rPr lang="en-US" sz="2400" dirty="0"/>
+              <a:t> ON</a:t>
+            </a:r>
+            <a:r>
+              <a:rPr lang="en-US" sz="2400" dirty="0">
+                <a:solidFill>
+                  <a:schemeClr val="accent2">
+                    <a:lumMod val="50000"/>
+                  </a:schemeClr>
+                </a:solidFill>
+              </a:rPr>
+              <a:t> table1.foreignkey = table2.primary </a:t>
+            </a:r>
+            <a:r>
+              <a:rPr lang="en-US" sz="2400" dirty="0" smtClean="0">
+                <a:solidFill>
+                  <a:schemeClr val="accent2">
+                    <a:lumMod val="50000"/>
+                  </a:schemeClr>
+                </a:solidFill>
+              </a:rPr>
+              <a:t>key </a:t>
+            </a:r>
+            <a:r>
+              <a:rPr lang="en-US" sz="2400" dirty="0" smtClean="0"/>
+              <a:t>WHERE </a:t>
+            </a:r>
+            <a:r>
+              <a:rPr lang="en-US" sz="2400" dirty="0" smtClean="0">
+                <a:solidFill>
+                  <a:schemeClr val="accent2">
+                    <a:lumMod val="50000"/>
+                  </a:schemeClr>
+                </a:solidFill>
+              </a:rPr>
+              <a:t>condition</a:t>
+            </a:r>
+            <a:endParaRPr lang="en-US" sz="2400" dirty="0">
+              <a:solidFill>
+                <a:schemeClr val="accent2">
+                  <a:lumMod val="50000"/>
+                </a:schemeClr>
+              </a:solidFill>
+            </a:endParaRPr>
+          </a:p>
+          <a:p>
+            <a:pPr lvl="1"/>
+            <a:endParaRPr lang="en-US" sz="2200" dirty="0" smtClean="0">
+              <a:solidFill>
+                <a:schemeClr val="accent2">
+                  <a:lumMod val="50000"/>
+                </a:schemeClr>
+              </a:solidFill>
+            </a:endParaRPr>
+          </a:p>
+          <a:p>
+            <a:pPr lvl="1"/>
+            <a:endParaRPr lang="en-US" sz="2200" dirty="0">
+              <a:solidFill>
+                <a:schemeClr val="accent2">
+                  <a:lumMod val="50000"/>
+                </a:schemeClr>
+              </a:solidFill>
+            </a:endParaRPr>
+          </a:p>
+          <a:p>
+            <a:pPr lvl="1"/>
+            <a:endParaRPr lang="en-US" sz="2200" dirty="0">
+              <a:solidFill>
+                <a:schemeClr val="accent2">
+                  <a:lumMod val="50000"/>
+                </a:schemeClr>
+              </a:solidFill>
+            </a:endParaRPr>
+          </a:p>
+        </p:txBody>
+      </p:sp>
+    </p:spTree>
+    <p:extLst>
+      <p:ext uri="{BB962C8B-B14F-4D97-AF65-F5344CB8AC3E}">
+        <p14:creationId xmlns:p14="http://schemas.microsoft.com/office/powerpoint/2010/main" val="907252708"/>
+      </p:ext>
+    </p:extLst>
+  </p:cSld>
+  <p:clrMapOvr>
+    <a:masterClrMapping/>
+  </p:clrMapOvr>
+  <p:timing>
+    <p:tnLst>
+      <p:par>
+        <p:cTn id="1" dur="indefinite" restart="never" nodeType="tmRoot"/>
+      </p:par>
+    </p:tnLst>
+  </p:timing>
+</p:sld>
+</file>
+
+<file path=ppt/slides/slide27.xml><?xml version="1.0" encoding="utf-8"?>
 <p:sld xmlns:a="http://schemas.openxmlformats.org/drawingml/2006/main" xmlns:r="http://schemas.openxmlformats.org/officeDocument/2006/relationships" xmlns:p="http://schemas.openxmlformats.org/presentationml/2006/main">
   <p:cSld>
     <p:spTree>
@@ -9966,105 +14686,7 @@
 </p:sld>
 </file>
 
-<file path=ppt/slides/slide21.xml><?xml version="1.0" encoding="utf-8"?>
-<p:sld xmlns:a="http://schemas.openxmlformats.org/drawingml/2006/main" xmlns:r="http://schemas.openxmlformats.org/officeDocument/2006/relationships" xmlns:p="http://schemas.openxmlformats.org/presentationml/2006/main">
-  <p:cSld>
-    <p:spTree>
-      <p:nvGrpSpPr>
-        <p:cNvPr id="1" name=""/>
-        <p:cNvGrpSpPr/>
-        <p:nvPr/>
-      </p:nvGrpSpPr>
-      <p:grpSpPr>
-        <a:xfrm>
-          <a:off x="0" y="0"/>
-          <a:ext cx="0" cy="0"/>
-          <a:chOff x="0" y="0"/>
-          <a:chExt cx="0" cy="0"/>
-        </a:xfrm>
-      </p:grpSpPr>
-      <p:sp>
-        <p:nvSpPr>
-          <p:cNvPr id="2" name="Title 1"/>
-          <p:cNvSpPr>
-            <a:spLocks noGrp="1"/>
-          </p:cNvSpPr>
-          <p:nvPr>
-            <p:ph type="title"/>
-          </p:nvPr>
-        </p:nvSpPr>
-        <p:spPr/>
-        <p:txBody>
-          <a:bodyPr/>
-          <a:lstStyle/>
-          <a:p>
-            <a:r>
-              <a:rPr lang="en-US" dirty="0" smtClean="0"/>
-              <a:t>Client Data </a:t>
-            </a:r>
-            <a:endParaRPr lang="en-US" dirty="0"/>
-          </a:p>
-        </p:txBody>
-      </p:sp>
-      <p:sp>
-        <p:nvSpPr>
-          <p:cNvPr id="3" name="Content Placeholder 2"/>
-          <p:cNvSpPr>
-            <a:spLocks noGrp="1"/>
-          </p:cNvSpPr>
-          <p:nvPr>
-            <p:ph sz="half" idx="1"/>
-          </p:nvPr>
-        </p:nvSpPr>
-        <p:spPr/>
-        <p:txBody>
-          <a:bodyPr/>
-          <a:lstStyle/>
-          <a:p>
-            <a:endParaRPr lang="en-US"/>
-          </a:p>
-        </p:txBody>
-      </p:sp>
-      <p:sp>
-        <p:nvSpPr>
-          <p:cNvPr id="4" name="Content Placeholder 3"/>
-          <p:cNvSpPr>
-            <a:spLocks noGrp="1"/>
-          </p:cNvSpPr>
-          <p:nvPr>
-            <p:ph sz="half" idx="2"/>
-          </p:nvPr>
-        </p:nvSpPr>
-        <p:spPr/>
-        <p:txBody>
-          <a:bodyPr/>
-          <a:lstStyle/>
-          <a:p>
-            <a:endParaRPr lang="en-US"/>
-          </a:p>
-        </p:txBody>
-      </p:sp>
-    </p:spTree>
-    <p:extLst>
-      <p:ext uri="{BB962C8B-B14F-4D97-AF65-F5344CB8AC3E}">
-        <p14:creationId xmlns:p14="http://schemas.microsoft.com/office/powerpoint/2010/main" val="216648507"/>
-      </p:ext>
-    </p:extLst>
-  </p:cSld>
-  <p:clrMapOvr>
-    <a:masterClrMapping/>
-  </p:clrMapOvr>
-  <p:timing>
-    <p:tnLst>
-      <p:par>
-        <p:cTn id="1" dur="indefinite" restart="never" nodeType="tmRoot"/>
-      </p:par>
-    </p:tnLst>
-  </p:timing>
-</p:sld>
-</file>
-
-<file path=ppt/slides/slide22.xml><?xml version="1.0" encoding="utf-8"?>
+<file path=ppt/slides/slide28.xml><?xml version="1.0" encoding="utf-8"?>
 <p:sld xmlns:a="http://schemas.openxmlformats.org/drawingml/2006/main" xmlns:r="http://schemas.openxmlformats.org/officeDocument/2006/relationships" xmlns:p="http://schemas.openxmlformats.org/presentationml/2006/main">
   <p:cSld>
     <p:spTree>
@@ -10178,7 +14800,7 @@
 </p:sld>
 </file>
 
-<file path=ppt/slides/slide23.xml><?xml version="1.0" encoding="utf-8"?>
+<file path=ppt/slides/slide29.xml><?xml version="1.0" encoding="utf-8"?>
 <p:sld xmlns:a="http://schemas.openxmlformats.org/drawingml/2006/main" xmlns:r="http://schemas.openxmlformats.org/officeDocument/2006/relationships" xmlns:p="http://schemas.openxmlformats.org/presentationml/2006/main">
   <p:cSld>
     <p:spTree>
@@ -10233,7 +14855,11 @@
           <a:bodyPr/>
           <a:lstStyle/>
           <a:p>
-            <a:endParaRPr lang="en-US"/>
+            <a:r>
+              <a:rPr lang="en-US" dirty="0" smtClean="0"/>
+              <a:t>On the white board</a:t>
+            </a:r>
+            <a:endParaRPr lang="en-US" dirty="0"/>
           </a:p>
         </p:txBody>
       </p:sp>
@@ -10276,7 +14902,7 @@
 </p:sld>
 </file>
 
-<file path=ppt/slides/slide24.xml><?xml version="1.0" encoding="utf-8"?>
+<file path=ppt/slides/slide3.xml><?xml version="1.0" encoding="utf-8"?>
 <p:sld xmlns:a="http://schemas.openxmlformats.org/drawingml/2006/main" xmlns:r="http://schemas.openxmlformats.org/officeDocument/2006/relationships" xmlns:p="http://schemas.openxmlformats.org/presentationml/2006/main">
   <p:cSld>
     <p:spTree>
@@ -10309,16 +14935,104 @@
           <a:lstStyle/>
           <a:p>
             <a:r>
+              <a:rPr lang="en-US" dirty="0" smtClean="0"/>
+              <a:t>Introductions</a:t>
+            </a:r>
+            <a:endParaRPr lang="en-US" dirty="0"/>
+          </a:p>
+        </p:txBody>
+      </p:sp>
+      <p:sp>
+        <p:nvSpPr>
+          <p:cNvPr id="3" name="Content Placeholder 2"/>
+          <p:cNvSpPr>
+            <a:spLocks noGrp="1"/>
+          </p:cNvSpPr>
+          <p:nvPr>
+            <p:ph idx="1"/>
+          </p:nvPr>
+        </p:nvSpPr>
+        <p:spPr/>
+        <p:txBody>
+          <a:bodyPr/>
+          <a:lstStyle/>
+          <a:p>
+            <a:r>
+              <a:rPr lang="en-US" dirty="0" smtClean="0"/>
+              <a:t>Hi !</a:t>
+            </a:r>
+          </a:p>
+          <a:p>
+            <a:endParaRPr lang="en-US" dirty="0"/>
+          </a:p>
+          <a:p>
+            <a:r>
+              <a:rPr lang="en-US" dirty="0" smtClean="0"/>
+              <a:t>Go around the room and say your name and what you hope to get from the class</a:t>
+            </a:r>
+            <a:endParaRPr lang="en-US" dirty="0"/>
+          </a:p>
+        </p:txBody>
+      </p:sp>
+    </p:spTree>
+    <p:extLst>
+      <p:ext uri="{BB962C8B-B14F-4D97-AF65-F5344CB8AC3E}">
+        <p14:creationId xmlns:p14="http://schemas.microsoft.com/office/powerpoint/2010/main" val="2954569309"/>
+      </p:ext>
+    </p:extLst>
+  </p:cSld>
+  <p:clrMapOvr>
+    <a:masterClrMapping/>
+  </p:clrMapOvr>
+  <p:timing>
+    <p:tnLst>
+      <p:par>
+        <p:cTn id="1" dur="indefinite" restart="never" nodeType="tmRoot"/>
+      </p:par>
+    </p:tnLst>
+  </p:timing>
+</p:sld>
+</file>
+
+<file path=ppt/slides/slide30.xml><?xml version="1.0" encoding="utf-8"?>
+<p:sld xmlns:a="http://schemas.openxmlformats.org/drawingml/2006/main" xmlns:r="http://schemas.openxmlformats.org/officeDocument/2006/relationships" xmlns:p="http://schemas.openxmlformats.org/presentationml/2006/main">
+  <p:cSld>
+    <p:spTree>
+      <p:nvGrpSpPr>
+        <p:cNvPr id="1" name=""/>
+        <p:cNvGrpSpPr/>
+        <p:nvPr/>
+      </p:nvGrpSpPr>
+      <p:grpSpPr>
+        <a:xfrm>
+          <a:off x="0" y="0"/>
+          <a:ext cx="0" cy="0"/>
+          <a:chOff x="0" y="0"/>
+          <a:chExt cx="0" cy="0"/>
+        </a:xfrm>
+      </p:grpSpPr>
+      <p:sp>
+        <p:nvSpPr>
+          <p:cNvPr id="2" name="Title 1"/>
+          <p:cNvSpPr>
+            <a:spLocks noGrp="1"/>
+          </p:cNvSpPr>
+          <p:nvPr>
+            <p:ph type="title"/>
+          </p:nvPr>
+        </p:nvSpPr>
+        <p:spPr/>
+        <p:txBody>
+          <a:bodyPr/>
+          <a:lstStyle/>
+          <a:p>
+            <a:r>
               <a:rPr lang="en-US" dirty="0"/>
               <a:t>Create </a:t>
             </a:r>
             <a:r>
               <a:rPr lang="en-US" dirty="0" smtClean="0"/>
-              <a:t>Example </a:t>
-            </a:r>
-            <a:r>
-              <a:rPr lang="en-US" dirty="0" smtClean="0"/>
-              <a:t>Tables</a:t>
+              <a:t>Example Tables</a:t>
             </a:r>
             <a:endParaRPr lang="en-US" dirty="0"/>
           </a:p>
@@ -11065,10 +15779,811 @@
           </a:p>
         </p:txBody>
       </p:sp>
+      <p:sp>
+        <p:nvSpPr>
+          <p:cNvPr id="14" name="Content Placeholder 2"/>
+          <p:cNvSpPr>
+            <a:spLocks noGrp="1"/>
+          </p:cNvSpPr>
+          <p:nvPr>
+            <p:ph idx="1"/>
+          </p:nvPr>
+        </p:nvSpPr>
+        <p:spPr>
+          <a:xfrm>
+            <a:off x="5185515" y="4074003"/>
+            <a:ext cx="7704187" cy="3636511"/>
+          </a:xfrm>
+        </p:spPr>
+        <p:txBody>
+          <a:bodyPr/>
+          <a:lstStyle/>
+          <a:p>
+            <a:pPr algn="l"/>
+            <a:r>
+              <a:rPr lang="en-US" sz="1800" dirty="0" smtClean="0"/>
+              <a:t>Create</a:t>
+            </a:r>
+          </a:p>
+          <a:p>
+            <a:pPr marL="0" indent="0" algn="l">
+              <a:buNone/>
+            </a:pPr>
+            <a:r>
+              <a:rPr lang="en-US" sz="1800" dirty="0" smtClean="0"/>
+              <a:t>CREATE TABLE </a:t>
+            </a:r>
+            <a:r>
+              <a:rPr lang="en-US" sz="1800" dirty="0" smtClean="0">
+                <a:solidFill>
+                  <a:schemeClr val="accent2">
+                    <a:lumMod val="50000"/>
+                  </a:schemeClr>
+                </a:solidFill>
+              </a:rPr>
+              <a:t>&lt;table name&gt; </a:t>
+            </a:r>
+            <a:r>
+              <a:rPr lang="en-US" sz="1800" dirty="0" smtClean="0"/>
+              <a:t>( </a:t>
+            </a:r>
+          </a:p>
+          <a:p>
+            <a:pPr marL="0" indent="0" algn="l">
+              <a:buNone/>
+            </a:pPr>
+            <a:r>
+              <a:rPr lang="en-US" sz="1800" dirty="0"/>
+              <a:t>i</a:t>
+            </a:r>
+            <a:r>
+              <a:rPr lang="en-US" sz="1800" dirty="0" smtClean="0"/>
+              <a:t>d INTEGER NOT NULL PRIMARY KEY </a:t>
+            </a:r>
+            <a:r>
+              <a:rPr lang="en-US" sz="1800" dirty="0" err="1" smtClean="0"/>
+              <a:t>AUTOINCREMENT</a:t>
+            </a:r>
+            <a:r>
+              <a:rPr lang="en-US" sz="1800" dirty="0" smtClean="0"/>
+              <a:t> UNIQUE,</a:t>
+            </a:r>
+          </a:p>
+          <a:p>
+            <a:pPr marL="0" indent="0" algn="l">
+              <a:buNone/>
+            </a:pPr>
+            <a:r>
+              <a:rPr lang="en-US" sz="1800" dirty="0" smtClean="0">
+                <a:solidFill>
+                  <a:schemeClr val="accent2">
+                    <a:lumMod val="50000"/>
+                  </a:schemeClr>
+                </a:solidFill>
+              </a:rPr>
+              <a:t>&lt;column name&gt; </a:t>
+            </a:r>
+            <a:r>
+              <a:rPr lang="en-US" sz="1800" dirty="0" smtClean="0"/>
+              <a:t> datatype,</a:t>
+            </a:r>
+          </a:p>
+          <a:p>
+            <a:pPr marL="0" indent="0" algn="l">
+              <a:buNone/>
+            </a:pPr>
+            <a:r>
+              <a:rPr lang="en-US" sz="1800" dirty="0">
+                <a:solidFill>
+                  <a:schemeClr val="accent2">
+                    <a:lumMod val="50000"/>
+                  </a:schemeClr>
+                </a:solidFill>
+              </a:rPr>
+              <a:t>&lt;column name&gt; </a:t>
+            </a:r>
+            <a:r>
+              <a:rPr lang="en-US" sz="1800" dirty="0"/>
+              <a:t> </a:t>
+            </a:r>
+            <a:r>
+              <a:rPr lang="en-US" sz="1800" dirty="0" smtClean="0"/>
+              <a:t>datatype</a:t>
+            </a:r>
+          </a:p>
+          <a:p>
+            <a:pPr marL="0" indent="0" algn="l">
+              <a:buNone/>
+            </a:pPr>
+            <a:r>
+              <a:rPr lang="en-US" sz="1800" dirty="0" smtClean="0"/>
+              <a:t>);</a:t>
+            </a:r>
+          </a:p>
+          <a:p>
+            <a:pPr marL="0" indent="0">
+              <a:buNone/>
+            </a:pPr>
+            <a:endParaRPr lang="en-US" dirty="0" smtClean="0"/>
+          </a:p>
+          <a:p>
+            <a:pPr marL="0" indent="0">
+              <a:buNone/>
+            </a:pPr>
+            <a:endParaRPr lang="en-US" dirty="0">
+              <a:solidFill>
+                <a:schemeClr val="accent2">
+                  <a:lumMod val="50000"/>
+                </a:schemeClr>
+              </a:solidFill>
+            </a:endParaRPr>
+          </a:p>
+        </p:txBody>
+      </p:sp>
     </p:spTree>
     <p:extLst>
       <p:ext uri="{BB962C8B-B14F-4D97-AF65-F5344CB8AC3E}">
         <p14:creationId xmlns:p14="http://schemas.microsoft.com/office/powerpoint/2010/main" val="3802024102"/>
+      </p:ext>
+    </p:extLst>
+  </p:cSld>
+  <p:clrMapOvr>
+    <a:masterClrMapping/>
+  </p:clrMapOvr>
+  <p:timing>
+    <p:tnLst>
+      <p:par>
+        <p:cTn id="1" dur="indefinite" restart="never" nodeType="tmRoot">
+          <p:childTnLst>
+            <p:seq concurrent="1" nextAc="seek">
+              <p:cTn id="2" dur="indefinite" nodeType="mainSeq">
+                <p:childTnLst>
+                  <p:par>
+                    <p:cTn id="3" fill="hold">
+                      <p:stCondLst>
+                        <p:cond delay="indefinite"/>
+                      </p:stCondLst>
+                      <p:childTnLst>
+                        <p:par>
+                          <p:cTn id="4" fill="hold">
+                            <p:stCondLst>
+                              <p:cond delay="0"/>
+                            </p:stCondLst>
+                            <p:childTnLst>
+                              <p:par>
+                                <p:cTn id="5" presetID="1" presetClass="entr" presetSubtype="0" fill="hold" grpId="0" nodeType="clickEffect">
+                                  <p:stCondLst>
+                                    <p:cond delay="0"/>
+                                  </p:stCondLst>
+                                  <p:childTnLst>
+                                    <p:set>
+                                      <p:cBhvr>
+                                        <p:cTn id="6" dur="1" fill="hold">
+                                          <p:stCondLst>
+                                            <p:cond delay="0"/>
+                                          </p:stCondLst>
+                                        </p:cTn>
+                                        <p:tgtEl>
+                                          <p:spTgt spid="14">
+                                            <p:txEl>
+                                              <p:pRg st="0" end="0"/>
+                                            </p:txEl>
+                                          </p:spTgt>
+                                        </p:tgtEl>
+                                        <p:attrNameLst>
+                                          <p:attrName>style.visibility</p:attrName>
+                                        </p:attrNameLst>
+                                      </p:cBhvr>
+                                      <p:to>
+                                        <p:strVal val="visible"/>
+                                      </p:to>
+                                    </p:set>
+                                  </p:childTnLst>
+                                </p:cTn>
+                              </p:par>
+                            </p:childTnLst>
+                          </p:cTn>
+                        </p:par>
+                      </p:childTnLst>
+                    </p:cTn>
+                  </p:par>
+                  <p:par>
+                    <p:cTn id="7" fill="hold">
+                      <p:stCondLst>
+                        <p:cond delay="indefinite"/>
+                      </p:stCondLst>
+                      <p:childTnLst>
+                        <p:par>
+                          <p:cTn id="8" fill="hold">
+                            <p:stCondLst>
+                              <p:cond delay="0"/>
+                            </p:stCondLst>
+                            <p:childTnLst>
+                              <p:par>
+                                <p:cTn id="9" presetID="1" presetClass="entr" presetSubtype="0" fill="hold" grpId="0" nodeType="clickEffect">
+                                  <p:stCondLst>
+                                    <p:cond delay="0"/>
+                                  </p:stCondLst>
+                                  <p:childTnLst>
+                                    <p:set>
+                                      <p:cBhvr>
+                                        <p:cTn id="10" dur="1" fill="hold">
+                                          <p:stCondLst>
+                                            <p:cond delay="0"/>
+                                          </p:stCondLst>
+                                        </p:cTn>
+                                        <p:tgtEl>
+                                          <p:spTgt spid="14">
+                                            <p:txEl>
+                                              <p:pRg st="1" end="1"/>
+                                            </p:txEl>
+                                          </p:spTgt>
+                                        </p:tgtEl>
+                                        <p:attrNameLst>
+                                          <p:attrName>style.visibility</p:attrName>
+                                        </p:attrNameLst>
+                                      </p:cBhvr>
+                                      <p:to>
+                                        <p:strVal val="visible"/>
+                                      </p:to>
+                                    </p:set>
+                                  </p:childTnLst>
+                                </p:cTn>
+                              </p:par>
+                            </p:childTnLst>
+                          </p:cTn>
+                        </p:par>
+                      </p:childTnLst>
+                    </p:cTn>
+                  </p:par>
+                  <p:par>
+                    <p:cTn id="11" fill="hold">
+                      <p:stCondLst>
+                        <p:cond delay="indefinite"/>
+                      </p:stCondLst>
+                      <p:childTnLst>
+                        <p:par>
+                          <p:cTn id="12" fill="hold">
+                            <p:stCondLst>
+                              <p:cond delay="0"/>
+                            </p:stCondLst>
+                            <p:childTnLst>
+                              <p:par>
+                                <p:cTn id="13" presetID="1" presetClass="entr" presetSubtype="0" fill="hold" grpId="0" nodeType="clickEffect">
+                                  <p:stCondLst>
+                                    <p:cond delay="0"/>
+                                  </p:stCondLst>
+                                  <p:childTnLst>
+                                    <p:set>
+                                      <p:cBhvr>
+                                        <p:cTn id="14" dur="1" fill="hold">
+                                          <p:stCondLst>
+                                            <p:cond delay="0"/>
+                                          </p:stCondLst>
+                                        </p:cTn>
+                                        <p:tgtEl>
+                                          <p:spTgt spid="14">
+                                            <p:txEl>
+                                              <p:pRg st="2" end="2"/>
+                                            </p:txEl>
+                                          </p:spTgt>
+                                        </p:tgtEl>
+                                        <p:attrNameLst>
+                                          <p:attrName>style.visibility</p:attrName>
+                                        </p:attrNameLst>
+                                      </p:cBhvr>
+                                      <p:to>
+                                        <p:strVal val="visible"/>
+                                      </p:to>
+                                    </p:set>
+                                  </p:childTnLst>
+                                </p:cTn>
+                              </p:par>
+                            </p:childTnLst>
+                          </p:cTn>
+                        </p:par>
+                      </p:childTnLst>
+                    </p:cTn>
+                  </p:par>
+                  <p:par>
+                    <p:cTn id="15" fill="hold">
+                      <p:stCondLst>
+                        <p:cond delay="indefinite"/>
+                      </p:stCondLst>
+                      <p:childTnLst>
+                        <p:par>
+                          <p:cTn id="16" fill="hold">
+                            <p:stCondLst>
+                              <p:cond delay="0"/>
+                            </p:stCondLst>
+                            <p:childTnLst>
+                              <p:par>
+                                <p:cTn id="17" presetID="1" presetClass="entr" presetSubtype="0" fill="hold" grpId="0" nodeType="clickEffect">
+                                  <p:stCondLst>
+                                    <p:cond delay="0"/>
+                                  </p:stCondLst>
+                                  <p:childTnLst>
+                                    <p:set>
+                                      <p:cBhvr>
+                                        <p:cTn id="18" dur="1" fill="hold">
+                                          <p:stCondLst>
+                                            <p:cond delay="0"/>
+                                          </p:stCondLst>
+                                        </p:cTn>
+                                        <p:tgtEl>
+                                          <p:spTgt spid="14">
+                                            <p:txEl>
+                                              <p:pRg st="3" end="3"/>
+                                            </p:txEl>
+                                          </p:spTgt>
+                                        </p:tgtEl>
+                                        <p:attrNameLst>
+                                          <p:attrName>style.visibility</p:attrName>
+                                        </p:attrNameLst>
+                                      </p:cBhvr>
+                                      <p:to>
+                                        <p:strVal val="visible"/>
+                                      </p:to>
+                                    </p:set>
+                                  </p:childTnLst>
+                                </p:cTn>
+                              </p:par>
+                            </p:childTnLst>
+                          </p:cTn>
+                        </p:par>
+                      </p:childTnLst>
+                    </p:cTn>
+                  </p:par>
+                  <p:par>
+                    <p:cTn id="19" fill="hold">
+                      <p:stCondLst>
+                        <p:cond delay="indefinite"/>
+                      </p:stCondLst>
+                      <p:childTnLst>
+                        <p:par>
+                          <p:cTn id="20" fill="hold">
+                            <p:stCondLst>
+                              <p:cond delay="0"/>
+                            </p:stCondLst>
+                            <p:childTnLst>
+                              <p:par>
+                                <p:cTn id="21" presetID="1" presetClass="entr" presetSubtype="0" fill="hold" grpId="0" nodeType="clickEffect">
+                                  <p:stCondLst>
+                                    <p:cond delay="0"/>
+                                  </p:stCondLst>
+                                  <p:childTnLst>
+                                    <p:set>
+                                      <p:cBhvr>
+                                        <p:cTn id="22" dur="1" fill="hold">
+                                          <p:stCondLst>
+                                            <p:cond delay="0"/>
+                                          </p:stCondLst>
+                                        </p:cTn>
+                                        <p:tgtEl>
+                                          <p:spTgt spid="14">
+                                            <p:txEl>
+                                              <p:pRg st="4" end="4"/>
+                                            </p:txEl>
+                                          </p:spTgt>
+                                        </p:tgtEl>
+                                        <p:attrNameLst>
+                                          <p:attrName>style.visibility</p:attrName>
+                                        </p:attrNameLst>
+                                      </p:cBhvr>
+                                      <p:to>
+                                        <p:strVal val="visible"/>
+                                      </p:to>
+                                    </p:set>
+                                  </p:childTnLst>
+                                </p:cTn>
+                              </p:par>
+                            </p:childTnLst>
+                          </p:cTn>
+                        </p:par>
+                      </p:childTnLst>
+                    </p:cTn>
+                  </p:par>
+                  <p:par>
+                    <p:cTn id="23" fill="hold">
+                      <p:stCondLst>
+                        <p:cond delay="indefinite"/>
+                      </p:stCondLst>
+                      <p:childTnLst>
+                        <p:par>
+                          <p:cTn id="24" fill="hold">
+                            <p:stCondLst>
+                              <p:cond delay="0"/>
+                            </p:stCondLst>
+                            <p:childTnLst>
+                              <p:par>
+                                <p:cTn id="25" presetID="1" presetClass="entr" presetSubtype="0" fill="hold" grpId="0" nodeType="clickEffect">
+                                  <p:stCondLst>
+                                    <p:cond delay="0"/>
+                                  </p:stCondLst>
+                                  <p:childTnLst>
+                                    <p:set>
+                                      <p:cBhvr>
+                                        <p:cTn id="26" dur="1" fill="hold">
+                                          <p:stCondLst>
+                                            <p:cond delay="0"/>
+                                          </p:stCondLst>
+                                        </p:cTn>
+                                        <p:tgtEl>
+                                          <p:spTgt spid="14">
+                                            <p:txEl>
+                                              <p:pRg st="5" end="5"/>
+                                            </p:txEl>
+                                          </p:spTgt>
+                                        </p:tgtEl>
+                                        <p:attrNameLst>
+                                          <p:attrName>style.visibility</p:attrName>
+                                        </p:attrNameLst>
+                                      </p:cBhvr>
+                                      <p:to>
+                                        <p:strVal val="visible"/>
+                                      </p:to>
+                                    </p:set>
+                                  </p:childTnLst>
+                                </p:cTn>
+                              </p:par>
+                            </p:childTnLst>
+                          </p:cTn>
+                        </p:par>
+                      </p:childTnLst>
+                    </p:cTn>
+                  </p:par>
+                </p:childTnLst>
+              </p:cTn>
+              <p:prevCondLst>
+                <p:cond evt="onPrev" delay="0">
+                  <p:tgtEl>
+                    <p:sldTgt/>
+                  </p:tgtEl>
+                </p:cond>
+              </p:prevCondLst>
+              <p:nextCondLst>
+                <p:cond evt="onNext" delay="0">
+                  <p:tgtEl>
+                    <p:sldTgt/>
+                  </p:tgtEl>
+                </p:cond>
+              </p:nextCondLst>
+            </p:seq>
+          </p:childTnLst>
+        </p:cTn>
+      </p:par>
+    </p:tnLst>
+    <p:bldLst>
+      <p:bldP spid="14" grpId="0" build="p"/>
+    </p:bldLst>
+  </p:timing>
+</p:sld>
+</file>
+
+<file path=ppt/slides/slide31.xml><?xml version="1.0" encoding="utf-8"?>
+<p:sld xmlns:a="http://schemas.openxmlformats.org/drawingml/2006/main" xmlns:r="http://schemas.openxmlformats.org/officeDocument/2006/relationships" xmlns:p="http://schemas.openxmlformats.org/presentationml/2006/main">
+  <p:cSld>
+    <p:spTree>
+      <p:nvGrpSpPr>
+        <p:cNvPr id="1" name=""/>
+        <p:cNvGrpSpPr/>
+        <p:nvPr/>
+      </p:nvGrpSpPr>
+      <p:grpSpPr>
+        <a:xfrm>
+          <a:off x="0" y="0"/>
+          <a:ext cx="0" cy="0"/>
+          <a:chOff x="0" y="0"/>
+          <a:chExt cx="0" cy="0"/>
+        </a:xfrm>
+      </p:grpSpPr>
+      <p:sp>
+        <p:nvSpPr>
+          <p:cNvPr id="2" name="Title 1"/>
+          <p:cNvSpPr>
+            <a:spLocks noGrp="1"/>
+          </p:cNvSpPr>
+          <p:nvPr>
+            <p:ph type="title"/>
+          </p:nvPr>
+        </p:nvSpPr>
+        <p:spPr/>
+        <p:txBody>
+          <a:bodyPr/>
+          <a:lstStyle/>
+          <a:p>
+            <a:r>
+              <a:rPr lang="en-US" dirty="0" smtClean="0"/>
+              <a:t>Insert Information into the tables</a:t>
+            </a:r>
+            <a:endParaRPr lang="en-US" dirty="0"/>
+          </a:p>
+        </p:txBody>
+      </p:sp>
+      <p:sp>
+        <p:nvSpPr>
+          <p:cNvPr id="3" name="Content Placeholder 2"/>
+          <p:cNvSpPr>
+            <a:spLocks noGrp="1"/>
+          </p:cNvSpPr>
+          <p:nvPr>
+            <p:ph idx="1"/>
+          </p:nvPr>
+        </p:nvSpPr>
+        <p:spPr/>
+        <p:txBody>
+          <a:bodyPr>
+            <a:normAutofit/>
+          </a:bodyPr>
+          <a:lstStyle/>
+          <a:p>
+            <a:r>
+              <a:rPr lang="en-US" sz="2000" dirty="0" smtClean="0"/>
+              <a:t>Use the </a:t>
+            </a:r>
+            <a:r>
+              <a:rPr lang="en-US" sz="2000" dirty="0" err="1" smtClean="0"/>
+              <a:t>UX</a:t>
+            </a:r>
+            <a:r>
+              <a:rPr lang="en-US" sz="2000" dirty="0" smtClean="0"/>
+              <a:t> and SQL</a:t>
+            </a:r>
+            <a:endParaRPr lang="en-US" sz="2000" dirty="0"/>
+          </a:p>
+        </p:txBody>
+      </p:sp>
+      <p:sp>
+        <p:nvSpPr>
+          <p:cNvPr id="4" name="Rectangle 3"/>
+          <p:cNvSpPr/>
+          <p:nvPr/>
+        </p:nvSpPr>
+        <p:spPr>
+          <a:xfrm>
+            <a:off x="1725284" y="4934635"/>
+            <a:ext cx="9420044" cy="369332"/>
+          </a:xfrm>
+          <a:prstGeom prst="rect">
+            <a:avLst/>
+          </a:prstGeom>
+        </p:spPr>
+        <p:txBody>
+          <a:bodyPr wrap="square">
+            <a:spAutoFit/>
+          </a:bodyPr>
+          <a:lstStyle/>
+          <a:p>
+            <a:r>
+              <a:rPr lang="en-US" dirty="0"/>
+              <a:t>INSERT INTO </a:t>
+            </a:r>
+            <a:r>
+              <a:rPr lang="en-US" dirty="0" err="1" smtClean="0"/>
+              <a:t>tablename</a:t>
+            </a:r>
+            <a:r>
+              <a:rPr lang="en-US" dirty="0" smtClean="0"/>
+              <a:t>(field1</a:t>
+            </a:r>
+            <a:r>
+              <a:rPr lang="en-US" dirty="0"/>
+              <a:t>, </a:t>
+            </a:r>
+            <a:r>
+              <a:rPr lang="en-US" dirty="0" smtClean="0"/>
+              <a:t>field2) VALUES </a:t>
+            </a:r>
+            <a:r>
+              <a:rPr lang="en-US" dirty="0"/>
+              <a:t>(field1_value, field2_value);</a:t>
+            </a:r>
+          </a:p>
+        </p:txBody>
+      </p:sp>
+    </p:spTree>
+    <p:extLst>
+      <p:ext uri="{BB962C8B-B14F-4D97-AF65-F5344CB8AC3E}">
+        <p14:creationId xmlns:p14="http://schemas.microsoft.com/office/powerpoint/2010/main" val="3794047903"/>
+      </p:ext>
+    </p:extLst>
+  </p:cSld>
+  <p:clrMapOvr>
+    <a:masterClrMapping/>
+  </p:clrMapOvr>
+  <p:timing>
+    <p:tnLst>
+      <p:par>
+        <p:cTn id="1" dur="indefinite" restart="never" nodeType="tmRoot">
+          <p:childTnLst>
+            <p:seq concurrent="1" nextAc="seek">
+              <p:cTn id="2" dur="indefinite" nodeType="mainSeq">
+                <p:childTnLst>
+                  <p:par>
+                    <p:cTn id="3" fill="hold">
+                      <p:stCondLst>
+                        <p:cond delay="indefinite"/>
+                      </p:stCondLst>
+                      <p:childTnLst>
+                        <p:par>
+                          <p:cTn id="4" fill="hold">
+                            <p:stCondLst>
+                              <p:cond delay="0"/>
+                            </p:stCondLst>
+                            <p:childTnLst>
+                              <p:par>
+                                <p:cTn id="5" presetID="1" presetClass="entr" presetSubtype="0" fill="hold" grpId="0" nodeType="clickEffect">
+                                  <p:stCondLst>
+                                    <p:cond delay="0"/>
+                                  </p:stCondLst>
+                                  <p:childTnLst>
+                                    <p:set>
+                                      <p:cBhvr>
+                                        <p:cTn id="6" dur="1" fill="hold">
+                                          <p:stCondLst>
+                                            <p:cond delay="0"/>
+                                          </p:stCondLst>
+                                        </p:cTn>
+                                        <p:tgtEl>
+                                          <p:spTgt spid="4"/>
+                                        </p:tgtEl>
+                                        <p:attrNameLst>
+                                          <p:attrName>style.visibility</p:attrName>
+                                        </p:attrNameLst>
+                                      </p:cBhvr>
+                                      <p:to>
+                                        <p:strVal val="visible"/>
+                                      </p:to>
+                                    </p:set>
+                                  </p:childTnLst>
+                                </p:cTn>
+                              </p:par>
+                            </p:childTnLst>
+                          </p:cTn>
+                        </p:par>
+                      </p:childTnLst>
+                    </p:cTn>
+                  </p:par>
+                </p:childTnLst>
+              </p:cTn>
+              <p:prevCondLst>
+                <p:cond evt="onPrev" delay="0">
+                  <p:tgtEl>
+                    <p:sldTgt/>
+                  </p:tgtEl>
+                </p:cond>
+              </p:prevCondLst>
+              <p:nextCondLst>
+                <p:cond evt="onNext" delay="0">
+                  <p:tgtEl>
+                    <p:sldTgt/>
+                  </p:tgtEl>
+                </p:cond>
+              </p:nextCondLst>
+            </p:seq>
+          </p:childTnLst>
+        </p:cTn>
+      </p:par>
+    </p:tnLst>
+    <p:bldLst>
+      <p:bldP spid="4" grpId="0"/>
+    </p:bldLst>
+  </p:timing>
+</p:sld>
+</file>
+
+<file path=ppt/slides/slide32.xml><?xml version="1.0" encoding="utf-8"?>
+<p:sld xmlns:a="http://schemas.openxmlformats.org/drawingml/2006/main" xmlns:r="http://schemas.openxmlformats.org/officeDocument/2006/relationships" xmlns:p="http://schemas.openxmlformats.org/presentationml/2006/main">
+  <p:cSld>
+    <p:spTree>
+      <p:nvGrpSpPr>
+        <p:cNvPr id="1" name=""/>
+        <p:cNvGrpSpPr/>
+        <p:nvPr/>
+      </p:nvGrpSpPr>
+      <p:grpSpPr>
+        <a:xfrm>
+          <a:off x="0" y="0"/>
+          <a:ext cx="0" cy="0"/>
+          <a:chOff x="0" y="0"/>
+          <a:chExt cx="0" cy="0"/>
+        </a:xfrm>
+      </p:grpSpPr>
+      <p:sp>
+        <p:nvSpPr>
+          <p:cNvPr id="2" name="Title 1"/>
+          <p:cNvSpPr>
+            <a:spLocks noGrp="1"/>
+          </p:cNvSpPr>
+          <p:nvPr>
+            <p:ph type="title"/>
+          </p:nvPr>
+        </p:nvSpPr>
+        <p:spPr/>
+        <p:txBody>
+          <a:bodyPr/>
+          <a:lstStyle/>
+          <a:p>
+            <a:r>
+              <a:rPr lang="en-US" dirty="0" smtClean="0"/>
+              <a:t>Query the Data</a:t>
+            </a:r>
+            <a:endParaRPr lang="en-US" dirty="0"/>
+          </a:p>
+        </p:txBody>
+      </p:sp>
+      <p:sp>
+        <p:nvSpPr>
+          <p:cNvPr id="3" name="Content Placeholder 2"/>
+          <p:cNvSpPr>
+            <a:spLocks noGrp="1"/>
+          </p:cNvSpPr>
+          <p:nvPr>
+            <p:ph idx="1"/>
+          </p:nvPr>
+        </p:nvSpPr>
+        <p:spPr/>
+        <p:txBody>
+          <a:bodyPr/>
+          <a:lstStyle/>
+          <a:p>
+            <a:r>
+              <a:rPr lang="en-US" dirty="0" smtClean="0"/>
+              <a:t>Try selecting whole tables</a:t>
+            </a:r>
+          </a:p>
+          <a:p>
+            <a:endParaRPr lang="en-US" dirty="0" smtClean="0"/>
+          </a:p>
+          <a:p>
+            <a:r>
+              <a:rPr lang="en-US" dirty="0" smtClean="0"/>
+              <a:t>Selecting just the names in a few tables</a:t>
+            </a:r>
+          </a:p>
+          <a:p>
+            <a:endParaRPr lang="en-US" dirty="0" smtClean="0"/>
+          </a:p>
+          <a:p>
+            <a:r>
+              <a:rPr lang="en-US" dirty="0" smtClean="0"/>
+              <a:t>Try the join function</a:t>
+            </a:r>
+          </a:p>
+          <a:p>
+            <a:pPr lvl="1"/>
+            <a:r>
+              <a:rPr lang="en-US" dirty="0" smtClean="0"/>
+              <a:t>Find all the company names that used </a:t>
+            </a:r>
+            <a:r>
+              <a:rPr lang="en-US" dirty="0" err="1" smtClean="0"/>
+              <a:t>serviceA</a:t>
+            </a:r>
+            <a:endParaRPr lang="en-US" dirty="0" smtClean="0"/>
+          </a:p>
+          <a:p>
+            <a:pPr lvl="1"/>
+            <a:r>
+              <a:rPr lang="en-US" dirty="0" smtClean="0"/>
+              <a:t>Find the client names that used </a:t>
+            </a:r>
+            <a:r>
+              <a:rPr lang="en-US" dirty="0" err="1" smtClean="0"/>
+              <a:t>serviceB</a:t>
+            </a:r>
+            <a:r>
+              <a:rPr lang="en-US" dirty="0" smtClean="0"/>
+              <a:t> </a:t>
+            </a:r>
+            <a:endParaRPr lang="en-US" dirty="0"/>
+          </a:p>
+        </p:txBody>
+      </p:sp>
+    </p:spTree>
+    <p:extLst>
+      <p:ext uri="{BB962C8B-B14F-4D97-AF65-F5344CB8AC3E}">
+        <p14:creationId xmlns:p14="http://schemas.microsoft.com/office/powerpoint/2010/main" val="1959572592"/>
       </p:ext>
     </p:extLst>
   </p:cSld>
@@ -11085,7 +16600,7 @@
 </p:sld>
 </file>
 
-<file path=ppt/slides/slide25.xml><?xml version="1.0" encoding="utf-8"?>
+<file path=ppt/slides/slide33.xml><?xml version="1.0" encoding="utf-8"?>
 <p:sld xmlns:a="http://schemas.openxmlformats.org/drawingml/2006/main" xmlns:r="http://schemas.openxmlformats.org/officeDocument/2006/relationships" xmlns:p="http://schemas.openxmlformats.org/presentationml/2006/main">
   <p:cSld>
     <p:spTree>
@@ -11104,64 +16619,343 @@
       </p:grpSpPr>
       <p:sp>
         <p:nvSpPr>
-          <p:cNvPr id="2" name="Title 1"/>
-          <p:cNvSpPr>
-            <a:spLocks noGrp="1"/>
-          </p:cNvSpPr>
-          <p:nvPr>
-            <p:ph type="title"/>
-          </p:nvPr>
-        </p:nvSpPr>
-        <p:spPr/>
-        <p:txBody>
-          <a:bodyPr/>
+          <p:cNvPr id="2" name="Rectangle 1"/>
+          <p:cNvSpPr/>
+          <p:nvPr/>
+        </p:nvSpPr>
+        <p:spPr>
+          <a:xfrm>
+            <a:off x="224287" y="1505050"/>
+            <a:ext cx="12192000" cy="3785652"/>
+          </a:xfrm>
+          <a:prstGeom prst="rect">
+            <a:avLst/>
+          </a:prstGeom>
+        </p:spPr>
+        <p:txBody>
+          <a:bodyPr wrap="square">
+            <a:spAutoFit/>
+          </a:bodyPr>
           <a:lstStyle/>
           <a:p>
             <a:r>
-              <a:rPr lang="en-US" dirty="0" smtClean="0"/>
-              <a:t>Insert Information into the tables</a:t>
-            </a:r>
-            <a:endParaRPr lang="en-US" dirty="0"/>
-          </a:p>
-        </p:txBody>
-      </p:sp>
-      <p:sp>
-        <p:nvSpPr>
-          <p:cNvPr id="3" name="Content Placeholder 2"/>
-          <p:cNvSpPr>
-            <a:spLocks noGrp="1"/>
-          </p:cNvSpPr>
-          <p:nvPr>
-            <p:ph idx="1"/>
-          </p:nvPr>
-        </p:nvSpPr>
-        <p:spPr/>
-        <p:txBody>
-          <a:bodyPr/>
+              <a:rPr lang="en-US" sz="2000" dirty="0"/>
+              <a:t>Generic Select Functions:</a:t>
+            </a:r>
+          </a:p>
+          <a:p>
+            <a:endParaRPr lang="en-US" sz="2000" dirty="0"/>
+          </a:p>
+          <a:p>
+            <a:pPr lvl="1"/>
+            <a:r>
+              <a:rPr lang="en-US" sz="2000" dirty="0"/>
+              <a:t>SELECT </a:t>
+            </a:r>
+            <a:r>
+              <a:rPr lang="en-US" sz="2000" dirty="0" smtClean="0">
+                <a:solidFill>
+                  <a:schemeClr val="accent2">
+                    <a:lumMod val="50000"/>
+                  </a:schemeClr>
+                </a:solidFill>
+              </a:rPr>
+              <a:t>fieldname</a:t>
+            </a:r>
+            <a:r>
+              <a:rPr lang="en-US" sz="2000" dirty="0" smtClean="0"/>
+              <a:t> </a:t>
+            </a:r>
+            <a:r>
+              <a:rPr lang="en-US" sz="2000" dirty="0"/>
+              <a:t>FROM </a:t>
+            </a:r>
+            <a:r>
+              <a:rPr lang="en-US" sz="2000" dirty="0" err="1" smtClean="0">
+                <a:solidFill>
+                  <a:schemeClr val="accent2">
+                    <a:lumMod val="50000"/>
+                  </a:schemeClr>
+                </a:solidFill>
+              </a:rPr>
+              <a:t>tablename</a:t>
+            </a:r>
+            <a:endParaRPr lang="en-US" sz="2000" dirty="0">
+              <a:solidFill>
+                <a:schemeClr val="accent2">
+                  <a:lumMod val="50000"/>
+                </a:schemeClr>
+              </a:solidFill>
+            </a:endParaRPr>
+          </a:p>
+          <a:p>
+            <a:pPr lvl="1"/>
+            <a:r>
+              <a:rPr lang="en-US" sz="2000" dirty="0"/>
+              <a:t>SELECT * FROM </a:t>
+            </a:r>
+            <a:r>
+              <a:rPr lang="en-US" sz="2000" dirty="0" err="1">
+                <a:solidFill>
+                  <a:schemeClr val="accent2">
+                    <a:lumMod val="50000"/>
+                  </a:schemeClr>
+                </a:solidFill>
+              </a:rPr>
+              <a:t>tablename</a:t>
+            </a:r>
+            <a:endParaRPr lang="en-US" sz="2000" dirty="0">
+              <a:solidFill>
+                <a:schemeClr val="accent2">
+                  <a:lumMod val="50000"/>
+                </a:schemeClr>
+              </a:solidFill>
+            </a:endParaRPr>
+          </a:p>
+          <a:p>
+            <a:pPr lvl="1"/>
+            <a:r>
+              <a:rPr lang="en-US" sz="2000" dirty="0" smtClean="0"/>
+              <a:t>SELECT </a:t>
+            </a:r>
+            <a:r>
+              <a:rPr lang="en-US" sz="2000" dirty="0" smtClean="0">
+                <a:solidFill>
+                  <a:schemeClr val="accent2">
+                    <a:lumMod val="50000"/>
+                  </a:schemeClr>
+                </a:solidFill>
+              </a:rPr>
+              <a:t>fieldname</a:t>
+            </a:r>
+            <a:r>
+              <a:rPr lang="en-US" sz="2000" dirty="0" smtClean="0"/>
+              <a:t> </a:t>
+            </a:r>
+            <a:r>
+              <a:rPr lang="en-US" sz="2000" dirty="0"/>
+              <a:t>FROM </a:t>
+            </a:r>
+            <a:r>
+              <a:rPr lang="en-US" sz="2000" dirty="0" err="1" smtClean="0">
+                <a:solidFill>
+                  <a:schemeClr val="accent2">
+                    <a:lumMod val="50000"/>
+                  </a:schemeClr>
+                </a:solidFill>
+              </a:rPr>
+              <a:t>tablename</a:t>
+            </a:r>
+            <a:r>
+              <a:rPr lang="en-US" sz="2000" dirty="0" smtClean="0">
+                <a:solidFill>
+                  <a:schemeClr val="accent2">
+                    <a:lumMod val="50000"/>
+                  </a:schemeClr>
+                </a:solidFill>
+              </a:rPr>
+              <a:t> </a:t>
+            </a:r>
+            <a:r>
+              <a:rPr lang="en-US" sz="2000" dirty="0" smtClean="0"/>
+              <a:t>WHERE </a:t>
+            </a:r>
+            <a:r>
+              <a:rPr lang="en-US" sz="2000" dirty="0" smtClean="0">
+                <a:solidFill>
+                  <a:srgbClr val="7030A0"/>
+                </a:solidFill>
+              </a:rPr>
+              <a:t>condition</a:t>
+            </a:r>
+            <a:endParaRPr lang="en-US" sz="2000" dirty="0">
+              <a:solidFill>
+                <a:srgbClr val="7030A0"/>
+              </a:solidFill>
+            </a:endParaRPr>
+          </a:p>
+          <a:p>
+            <a:pPr lvl="1"/>
+            <a:endParaRPr lang="en-US" sz="2000" dirty="0" smtClean="0"/>
+          </a:p>
+          <a:p>
+            <a:pPr lvl="1"/>
+            <a:r>
+              <a:rPr lang="en-US" sz="2000" dirty="0" smtClean="0"/>
+              <a:t>Generic Join Function:</a:t>
+            </a:r>
+          </a:p>
+          <a:p>
+            <a:pPr lvl="1"/>
+            <a:endParaRPr lang="en-US" sz="2000" dirty="0" smtClean="0"/>
+          </a:p>
+          <a:p>
+            <a:pPr lvl="1"/>
+            <a:r>
+              <a:rPr lang="en-US" sz="2000" dirty="0" smtClean="0"/>
+              <a:t>SELECT </a:t>
+            </a:r>
+            <a:r>
+              <a:rPr lang="en-US" sz="2000" dirty="0">
+                <a:solidFill>
+                  <a:schemeClr val="accent2">
+                    <a:lumMod val="50000"/>
+                  </a:schemeClr>
+                </a:solidFill>
+              </a:rPr>
+              <a:t>table1.field, table2.field </a:t>
+            </a:r>
+            <a:r>
+              <a:rPr lang="en-US" sz="2000" dirty="0"/>
+              <a:t>FROM </a:t>
+            </a:r>
+            <a:r>
+              <a:rPr lang="en-US" sz="2000" dirty="0">
+                <a:solidFill>
+                  <a:schemeClr val="accent2">
+                    <a:lumMod val="50000"/>
+                  </a:schemeClr>
+                </a:solidFill>
+              </a:rPr>
+              <a:t>table1</a:t>
+            </a:r>
+            <a:r>
+              <a:rPr lang="en-US" sz="2000" dirty="0"/>
+              <a:t> JOIN </a:t>
+            </a:r>
+            <a:r>
+              <a:rPr lang="en-US" sz="2000" dirty="0">
+                <a:solidFill>
+                  <a:schemeClr val="accent2">
+                    <a:lumMod val="50000"/>
+                  </a:schemeClr>
+                </a:solidFill>
+              </a:rPr>
+              <a:t>table2</a:t>
+            </a:r>
+            <a:r>
+              <a:rPr lang="en-US" sz="2000" dirty="0"/>
+              <a:t> ON</a:t>
+            </a:r>
+            <a:r>
+              <a:rPr lang="en-US" sz="2000" dirty="0">
+                <a:solidFill>
+                  <a:schemeClr val="accent2">
+                    <a:lumMod val="50000"/>
+                  </a:schemeClr>
+                </a:solidFill>
+              </a:rPr>
+              <a:t> table1.foreignkey = table2.primary </a:t>
+            </a:r>
+            <a:r>
+              <a:rPr lang="en-US" sz="2000" dirty="0" smtClean="0">
+                <a:solidFill>
+                  <a:schemeClr val="accent2">
+                    <a:lumMod val="50000"/>
+                  </a:schemeClr>
+                </a:solidFill>
+              </a:rPr>
+              <a:t>key</a:t>
+            </a:r>
+          </a:p>
+          <a:p>
+            <a:pPr lvl="1"/>
+            <a:endParaRPr lang="en-US" sz="2000" dirty="0">
+              <a:solidFill>
+                <a:schemeClr val="accent2">
+                  <a:lumMod val="50000"/>
+                </a:schemeClr>
+              </a:solidFill>
+            </a:endParaRPr>
+          </a:p>
+          <a:p>
+            <a:r>
+              <a:rPr lang="en-US" sz="2000" dirty="0" smtClean="0"/>
+              <a:t>	</a:t>
+            </a:r>
+            <a:endParaRPr lang="en-US" sz="2400" dirty="0" smtClean="0">
+              <a:solidFill>
+                <a:schemeClr val="accent2">
+                  <a:lumMod val="50000"/>
+                </a:schemeClr>
+              </a:solidFill>
+            </a:endParaRPr>
+          </a:p>
+        </p:txBody>
+      </p:sp>
+      <p:sp>
+        <p:nvSpPr>
+          <p:cNvPr id="4" name="Rectangle 3"/>
+          <p:cNvSpPr/>
+          <p:nvPr/>
+        </p:nvSpPr>
+        <p:spPr>
+          <a:xfrm>
+            <a:off x="224287" y="4003831"/>
+            <a:ext cx="12192000" cy="1107996"/>
+          </a:xfrm>
+          <a:prstGeom prst="rect">
+            <a:avLst/>
+          </a:prstGeom>
+        </p:spPr>
+        <p:txBody>
+          <a:bodyPr wrap="square">
+            <a:spAutoFit/>
+          </a:bodyPr>
           <a:lstStyle/>
           <a:p>
-            <a:r>
-              <a:rPr lang="en-US" dirty="0" smtClean="0"/>
-              <a:t>Use the </a:t>
-            </a:r>
-            <a:endParaRPr lang="en-US" dirty="0"/>
+            <a:pPr lvl="1"/>
+            <a:endParaRPr lang="en-US" sz="2200" dirty="0" smtClean="0">
+              <a:solidFill>
+                <a:schemeClr val="accent2">
+                  <a:lumMod val="50000"/>
+                </a:schemeClr>
+              </a:solidFill>
+            </a:endParaRPr>
+          </a:p>
+          <a:p>
+            <a:pPr lvl="1"/>
+            <a:endParaRPr lang="en-US" sz="2200" dirty="0">
+              <a:solidFill>
+                <a:schemeClr val="accent2">
+                  <a:lumMod val="50000"/>
+                </a:schemeClr>
+              </a:solidFill>
+            </a:endParaRPr>
+          </a:p>
+          <a:p>
+            <a:pPr lvl="1"/>
+            <a:endParaRPr lang="en-US" sz="2200" dirty="0">
+              <a:solidFill>
+                <a:schemeClr val="accent2">
+                  <a:lumMod val="50000"/>
+                </a:schemeClr>
+              </a:solidFill>
+            </a:endParaRPr>
           </a:p>
         </p:txBody>
       </p:sp>
     </p:spTree>
     <p:extLst>
       <p:ext uri="{BB962C8B-B14F-4D97-AF65-F5344CB8AC3E}">
-        <p14:creationId xmlns:p14="http://schemas.microsoft.com/office/powerpoint/2010/main" val="3794047903"/>
+        <p14:creationId xmlns:p14="http://schemas.microsoft.com/office/powerpoint/2010/main" val="3331468795"/>
       </p:ext>
     </p:extLst>
   </p:cSld>
   <p:clrMapOvr>
     <a:masterClrMapping/>
   </p:clrMapOvr>
+  <p:timing>
+    <p:tnLst>
+      <p:par>
+        <p:cTn id="1" dur="indefinite" restart="never" nodeType="tmRoot"/>
+      </p:par>
+    </p:tnLst>
+  </p:timing>
 </p:sld>
 </file>
 
-<file path=ppt/slides/slide26.xml><?xml version="1.0" encoding="utf-8"?>
+<file path=ppt/slides/slide34.xml><?xml version="1.0" encoding="utf-8"?>
 <p:sld xmlns:a="http://schemas.openxmlformats.org/drawingml/2006/main" xmlns:r="http://schemas.openxmlformats.org/officeDocument/2006/relationships" xmlns:p="http://schemas.openxmlformats.org/presentationml/2006/main">
   <p:cSld>
     <p:spTree>
@@ -11195,7 +16989,7 @@
           <a:p>
             <a:r>
               <a:rPr lang="en-US" dirty="0" smtClean="0"/>
-              <a:t>Query the Data</a:t>
+              <a:t>Last Things</a:t>
             </a:r>
             <a:endParaRPr lang="en-US" dirty="0"/>
           </a:p>
@@ -11213,151 +17007,45 @@
         </p:nvSpPr>
         <p:spPr/>
         <p:txBody>
-          <a:bodyPr/>
+          <a:bodyPr>
+            <a:normAutofit fontScale="92500" lnSpcReduction="10000"/>
+          </a:bodyPr>
           <a:lstStyle/>
           <a:p>
-            <a:r>
-              <a:rPr lang="en-US" dirty="0" smtClean="0"/>
-              <a:t>Try selecting whole tables</a:t>
-            </a:r>
-          </a:p>
-          <a:p>
-            <a:r>
-              <a:rPr lang="en-US" dirty="0" smtClean="0"/>
-              <a:t>Selecting just the names in a few tables</a:t>
-            </a:r>
-          </a:p>
-          <a:p>
-            <a:r>
-              <a:rPr lang="en-US" dirty="0" smtClean="0"/>
-              <a:t>Try the join function</a:t>
-            </a:r>
-          </a:p>
-          <a:p>
-            <a:pPr lvl="1"/>
-            <a:r>
-              <a:rPr lang="en-US" dirty="0" smtClean="0"/>
-              <a:t>Find all the company names that used </a:t>
-            </a:r>
-            <a:r>
-              <a:rPr lang="en-US" dirty="0" err="1" smtClean="0"/>
-              <a:t>serviceA</a:t>
-            </a:r>
             <a:endParaRPr lang="en-US" dirty="0" smtClean="0"/>
           </a:p>
           <a:p>
-            <a:pPr lvl="1"/>
-            <a:r>
-              <a:rPr lang="en-US" dirty="0" smtClean="0"/>
-              <a:t>Find the client names that used </a:t>
-            </a:r>
-            <a:r>
-              <a:rPr lang="en-US" dirty="0" err="1" smtClean="0"/>
-              <a:t>serviceB</a:t>
-            </a:r>
-            <a:r>
-              <a:rPr lang="en-US" dirty="0" smtClean="0"/>
-              <a:t> </a:t>
-            </a:r>
-            <a:endParaRPr lang="en-US" dirty="0"/>
-          </a:p>
-        </p:txBody>
-      </p:sp>
-    </p:spTree>
-    <p:extLst>
-      <p:ext uri="{BB962C8B-B14F-4D97-AF65-F5344CB8AC3E}">
-        <p14:creationId xmlns:p14="http://schemas.microsoft.com/office/powerpoint/2010/main" val="1959572592"/>
-      </p:ext>
-    </p:extLst>
-  </p:cSld>
-  <p:clrMapOvr>
-    <a:masterClrMapping/>
-  </p:clrMapOvr>
-</p:sld>
-</file>
-
-<file path=ppt/slides/slide27.xml><?xml version="1.0" encoding="utf-8"?>
-<p:sld xmlns:a="http://schemas.openxmlformats.org/drawingml/2006/main" xmlns:r="http://schemas.openxmlformats.org/officeDocument/2006/relationships" xmlns:p="http://schemas.openxmlformats.org/presentationml/2006/main">
-  <p:cSld>
-    <p:spTree>
-      <p:nvGrpSpPr>
-        <p:cNvPr id="1" name=""/>
-        <p:cNvGrpSpPr/>
-        <p:nvPr/>
-      </p:nvGrpSpPr>
-      <p:grpSpPr>
-        <a:xfrm>
-          <a:off x="0" y="0"/>
-          <a:ext cx="0" cy="0"/>
-          <a:chOff x="0" y="0"/>
-          <a:chExt cx="0" cy="0"/>
-        </a:xfrm>
-      </p:grpSpPr>
-      <p:sp>
-        <p:nvSpPr>
-          <p:cNvPr id="2" name="Title 1"/>
-          <p:cNvSpPr>
-            <a:spLocks noGrp="1"/>
-          </p:cNvSpPr>
-          <p:nvPr>
-            <p:ph type="title"/>
-          </p:nvPr>
-        </p:nvSpPr>
-        <p:spPr/>
-        <p:txBody>
-          <a:bodyPr/>
-          <a:lstStyle/>
-          <a:p>
-            <a:r>
-              <a:rPr lang="en-US" dirty="0" smtClean="0"/>
-              <a:t>Last Things</a:t>
-            </a:r>
-            <a:endParaRPr lang="en-US" dirty="0"/>
-          </a:p>
-        </p:txBody>
-      </p:sp>
-      <p:sp>
-        <p:nvSpPr>
-          <p:cNvPr id="3" name="Content Placeholder 2"/>
-          <p:cNvSpPr>
-            <a:spLocks noGrp="1"/>
-          </p:cNvSpPr>
-          <p:nvPr>
-            <p:ph idx="1"/>
-          </p:nvPr>
-        </p:nvSpPr>
-        <p:spPr/>
-        <p:txBody>
-          <a:bodyPr/>
-          <a:lstStyle/>
-          <a:p>
-            <a:endParaRPr lang="en-US" dirty="0" smtClean="0"/>
-          </a:p>
-          <a:p>
-            <a:r>
-              <a:rPr lang="en-US" dirty="0" smtClean="0"/>
+            <a:r>
+              <a:rPr lang="en-US" sz="2400" dirty="0" smtClean="0"/>
               <a:t>Thank you Digital Workshop for providing the space</a:t>
             </a:r>
           </a:p>
           <a:p>
-            <a:r>
-              <a:rPr lang="en-US" dirty="0" smtClean="0"/>
+            <a:endParaRPr lang="en-US" sz="2400" dirty="0" smtClean="0"/>
+          </a:p>
+          <a:p>
+            <a:r>
+              <a:rPr lang="en-US" sz="2400" dirty="0" smtClean="0"/>
               <a:t>Thank you Sharon for being a TA!</a:t>
             </a:r>
           </a:p>
           <a:p>
-            <a:r>
-              <a:rPr lang="en-US" dirty="0" smtClean="0"/>
+            <a:endParaRPr lang="en-US" sz="2400" dirty="0" smtClean="0"/>
+          </a:p>
+          <a:p>
+            <a:r>
+              <a:rPr lang="en-US" sz="2400" dirty="0" smtClean="0"/>
               <a:t>Thank YOU!</a:t>
             </a:r>
           </a:p>
           <a:p>
-            <a:r>
-              <a:rPr lang="en-US" dirty="0" smtClean="0"/>
-              <a:t>*also, these slides are on my posted on my GitHub under</a:t>
-            </a:r>
-          </a:p>
-          <a:p>
+            <a:endParaRPr lang="en-US" sz="2400" dirty="0" smtClean="0"/>
+          </a:p>
+          <a:p>
+            <a:r>
+              <a:rPr lang="en-US" sz="2400" dirty="0" smtClean="0"/>
+              <a:t>*also, these slides will be posted on my GitHub next week</a:t>
+            </a:r>
             <a:endParaRPr lang="en-US" dirty="0"/>
           </a:p>
         </p:txBody>
@@ -11366,157 +17054,6 @@
     <p:extLst>
       <p:ext uri="{BB962C8B-B14F-4D97-AF65-F5344CB8AC3E}">
         <p14:creationId xmlns:p14="http://schemas.microsoft.com/office/powerpoint/2010/main" val="3811184902"/>
-      </p:ext>
-    </p:extLst>
-  </p:cSld>
-  <p:clrMapOvr>
-    <a:masterClrMapping/>
-  </p:clrMapOvr>
-</p:sld>
-</file>
-
-<file path=ppt/slides/slide3.xml><?xml version="1.0" encoding="utf-8"?>
-<p:sld xmlns:a="http://schemas.openxmlformats.org/drawingml/2006/main" xmlns:r="http://schemas.openxmlformats.org/officeDocument/2006/relationships" xmlns:p="http://schemas.openxmlformats.org/presentationml/2006/main">
-  <p:cSld>
-    <p:spTree>
-      <p:nvGrpSpPr>
-        <p:cNvPr id="1" name=""/>
-        <p:cNvGrpSpPr/>
-        <p:nvPr/>
-      </p:nvGrpSpPr>
-      <p:grpSpPr>
-        <a:xfrm>
-          <a:off x="0" y="0"/>
-          <a:ext cx="0" cy="0"/>
-          <a:chOff x="0" y="0"/>
-          <a:chExt cx="0" cy="0"/>
-        </a:xfrm>
-      </p:grpSpPr>
-      <p:sp>
-        <p:nvSpPr>
-          <p:cNvPr id="2" name="Title 1"/>
-          <p:cNvSpPr>
-            <a:spLocks noGrp="1"/>
-          </p:cNvSpPr>
-          <p:nvPr>
-            <p:ph type="title"/>
-          </p:nvPr>
-        </p:nvSpPr>
-        <p:spPr/>
-        <p:txBody>
-          <a:bodyPr/>
-          <a:lstStyle/>
-          <a:p>
-            <a:r>
-              <a:rPr lang="en-US" dirty="0" smtClean="0"/>
-              <a:t>Background Information and Terms</a:t>
-            </a:r>
-            <a:endParaRPr lang="en-US" dirty="0"/>
-          </a:p>
-        </p:txBody>
-      </p:sp>
-      <p:sp>
-        <p:nvSpPr>
-          <p:cNvPr id="3" name="Content Placeholder 2"/>
-          <p:cNvSpPr>
-            <a:spLocks noGrp="1"/>
-          </p:cNvSpPr>
-          <p:nvPr>
-            <p:ph idx="1"/>
-          </p:nvPr>
-        </p:nvSpPr>
-        <p:spPr>
-          <a:xfrm>
-            <a:off x="818712" y="2222287"/>
-            <a:ext cx="10554574" cy="4116168"/>
-          </a:xfrm>
-        </p:spPr>
-        <p:txBody>
-          <a:bodyPr>
-            <a:normAutofit/>
-          </a:bodyPr>
-          <a:lstStyle/>
-          <a:p>
-            <a:r>
-              <a:rPr lang="en-US" sz="2000" dirty="0" smtClean="0"/>
-              <a:t>RDBMS: relational </a:t>
-            </a:r>
-            <a:r>
-              <a:rPr lang="en-US" sz="2000" dirty="0"/>
-              <a:t>database management </a:t>
-            </a:r>
-            <a:r>
-              <a:rPr lang="en-US" sz="2000" dirty="0" smtClean="0"/>
-              <a:t>system</a:t>
-            </a:r>
-          </a:p>
-          <a:p>
-            <a:pPr marL="0" indent="0">
-              <a:buNone/>
-            </a:pPr>
-            <a:r>
-              <a:rPr lang="en-US" sz="2000" dirty="0" smtClean="0"/>
-              <a:t> </a:t>
-            </a:r>
-            <a:endParaRPr lang="en-US" sz="2000" dirty="0"/>
-          </a:p>
-          <a:p>
-            <a:r>
-              <a:rPr lang="en-US" sz="2000" dirty="0" smtClean="0"/>
-              <a:t>First introduced by Oracle in the 1970’s</a:t>
-            </a:r>
-          </a:p>
-          <a:p>
-            <a:pPr marL="0" indent="0">
-              <a:buNone/>
-            </a:pPr>
-            <a:endParaRPr lang="en-US" sz="2000" dirty="0" smtClean="0"/>
-          </a:p>
-          <a:p>
-            <a:r>
-              <a:rPr lang="en-US" sz="2000" dirty="0" smtClean="0"/>
-              <a:t>SQL: Structured Query Language</a:t>
-            </a:r>
-          </a:p>
-          <a:p>
-            <a:pPr lvl="1"/>
-            <a:r>
-              <a:rPr lang="en-US" sz="1800" dirty="0" smtClean="0"/>
-              <a:t>Special purpose language for </a:t>
-            </a:r>
-            <a:r>
-              <a:rPr lang="en-US" sz="1800" dirty="0"/>
-              <a:t>managing data in a </a:t>
-            </a:r>
-            <a:r>
-              <a:rPr lang="en-US" sz="1800" dirty="0" smtClean="0"/>
-              <a:t>RDBMS</a:t>
-            </a:r>
-          </a:p>
-          <a:p>
-            <a:pPr lvl="1"/>
-            <a:r>
-              <a:rPr lang="en-US" sz="1800" dirty="0"/>
-              <a:t>Main language to manipulate data in database platforms</a:t>
-            </a:r>
-          </a:p>
-          <a:p>
-            <a:pPr lvl="1"/>
-            <a:r>
-              <a:rPr lang="en-US" sz="1800" dirty="0"/>
-              <a:t>SQL is an ANSI and ISO standard but there are different versions of </a:t>
-            </a:r>
-            <a:r>
-              <a:rPr lang="en-US" sz="1800" dirty="0" smtClean="0"/>
-              <a:t>SQL, but all versions support the major commands</a:t>
-            </a:r>
-          </a:p>
-        </p:txBody>
-      </p:sp>
-    </p:spTree>
-    <p:extLst>
-      <p:ext uri="{BB962C8B-B14F-4D97-AF65-F5344CB8AC3E}">
-        <p14:creationId xmlns:p14="http://schemas.microsoft.com/office/powerpoint/2010/main" val="2193813899"/>
       </p:ext>
     </p:extLst>
   </p:cSld>
@@ -11567,7 +17104,169 @@
           <a:p>
             <a:r>
               <a:rPr lang="en-US" dirty="0" smtClean="0"/>
-              <a:t>How do RDBMS work:</a:t>
+              <a:t>Background Information and Terms</a:t>
+            </a:r>
+            <a:endParaRPr lang="en-US" dirty="0"/>
+          </a:p>
+        </p:txBody>
+      </p:sp>
+      <p:sp>
+        <p:nvSpPr>
+          <p:cNvPr id="3" name="Content Placeholder 2"/>
+          <p:cNvSpPr>
+            <a:spLocks noGrp="1"/>
+          </p:cNvSpPr>
+          <p:nvPr>
+            <p:ph idx="1"/>
+          </p:nvPr>
+        </p:nvSpPr>
+        <p:spPr>
+          <a:xfrm>
+            <a:off x="818712" y="2222287"/>
+            <a:ext cx="10554574" cy="4116168"/>
+          </a:xfrm>
+        </p:spPr>
+        <p:txBody>
+          <a:bodyPr>
+            <a:normAutofit/>
+          </a:bodyPr>
+          <a:lstStyle/>
+          <a:p>
+            <a:r>
+              <a:rPr lang="en-US" sz="2000" dirty="0" smtClean="0"/>
+              <a:t>RDBMS: relational </a:t>
+            </a:r>
+            <a:r>
+              <a:rPr lang="en-US" sz="2000" dirty="0"/>
+              <a:t>database management </a:t>
+            </a:r>
+            <a:r>
+              <a:rPr lang="en-US" sz="2000" dirty="0" smtClean="0"/>
+              <a:t>system</a:t>
+            </a:r>
+          </a:p>
+          <a:p>
+            <a:pPr marL="0" indent="0">
+              <a:buNone/>
+            </a:pPr>
+            <a:r>
+              <a:rPr lang="en-US" sz="2000" dirty="0" smtClean="0"/>
+              <a:t> </a:t>
+            </a:r>
+            <a:endParaRPr lang="en-US" sz="2000" dirty="0"/>
+          </a:p>
+          <a:p>
+            <a:r>
+              <a:rPr lang="en-US" sz="2000" dirty="0" smtClean="0"/>
+              <a:t>First introduced by Oracle in the 1970’s</a:t>
+            </a:r>
+          </a:p>
+          <a:p>
+            <a:pPr marL="0" indent="0">
+              <a:buNone/>
+            </a:pPr>
+            <a:endParaRPr lang="en-US" sz="2000" dirty="0" smtClean="0"/>
+          </a:p>
+          <a:p>
+            <a:r>
+              <a:rPr lang="en-US" sz="2000" dirty="0" smtClean="0"/>
+              <a:t>SQL: Structured Query Language</a:t>
+            </a:r>
+          </a:p>
+          <a:p>
+            <a:pPr lvl="1"/>
+            <a:r>
+              <a:rPr lang="en-US" sz="1800" dirty="0" smtClean="0"/>
+              <a:t>Special purpose language for </a:t>
+            </a:r>
+            <a:r>
+              <a:rPr lang="en-US" sz="1800" dirty="0"/>
+              <a:t>managing data in a </a:t>
+            </a:r>
+            <a:r>
+              <a:rPr lang="en-US" sz="1800" dirty="0" smtClean="0"/>
+              <a:t>RDBMS</a:t>
+            </a:r>
+          </a:p>
+          <a:p>
+            <a:pPr lvl="1"/>
+            <a:r>
+              <a:rPr lang="en-US" sz="1800" dirty="0"/>
+              <a:t>Main language to manipulate data in database platforms</a:t>
+            </a:r>
+          </a:p>
+          <a:p>
+            <a:pPr lvl="1"/>
+            <a:r>
+              <a:rPr lang="en-US" sz="1800" dirty="0"/>
+              <a:t>SQL is an ANSI and ISO standard but there are different versions of </a:t>
+            </a:r>
+            <a:r>
+              <a:rPr lang="en-US" sz="1800" dirty="0" smtClean="0"/>
+              <a:t>SQL, but all versions support the major commands</a:t>
+            </a:r>
+          </a:p>
+        </p:txBody>
+      </p:sp>
+    </p:spTree>
+    <p:extLst>
+      <p:ext uri="{BB962C8B-B14F-4D97-AF65-F5344CB8AC3E}">
+        <p14:creationId xmlns:p14="http://schemas.microsoft.com/office/powerpoint/2010/main" val="2193813899"/>
+      </p:ext>
+    </p:extLst>
+  </p:cSld>
+  <p:clrMapOvr>
+    <a:masterClrMapping/>
+  </p:clrMapOvr>
+  <p:timing>
+    <p:tnLst>
+      <p:par>
+        <p:cTn id="1" dur="indefinite" restart="never" nodeType="tmRoot"/>
+      </p:par>
+    </p:tnLst>
+  </p:timing>
+</p:sld>
+</file>
+
+<file path=ppt/slides/slide5.xml><?xml version="1.0" encoding="utf-8"?>
+<p:sld xmlns:a="http://schemas.openxmlformats.org/drawingml/2006/main" xmlns:r="http://schemas.openxmlformats.org/officeDocument/2006/relationships" xmlns:p="http://schemas.openxmlformats.org/presentationml/2006/main">
+  <p:cSld>
+    <p:spTree>
+      <p:nvGrpSpPr>
+        <p:cNvPr id="1" name=""/>
+        <p:cNvGrpSpPr/>
+        <p:nvPr/>
+      </p:nvGrpSpPr>
+      <p:grpSpPr>
+        <a:xfrm>
+          <a:off x="0" y="0"/>
+          <a:ext cx="0" cy="0"/>
+          <a:chOff x="0" y="0"/>
+          <a:chExt cx="0" cy="0"/>
+        </a:xfrm>
+      </p:grpSpPr>
+      <p:sp>
+        <p:nvSpPr>
+          <p:cNvPr id="2" name="Title 1"/>
+          <p:cNvSpPr>
+            <a:spLocks noGrp="1"/>
+          </p:cNvSpPr>
+          <p:nvPr>
+            <p:ph type="title"/>
+          </p:nvPr>
+        </p:nvSpPr>
+        <p:spPr/>
+        <p:txBody>
+          <a:bodyPr/>
+          <a:lstStyle/>
+          <a:p>
+            <a:r>
+              <a:rPr lang="en-US" dirty="0" smtClean="0"/>
+              <a:t>How do RDBMS </a:t>
+            </a:r>
+            <a:r>
+              <a:rPr lang="en-US" dirty="0" smtClean="0"/>
+              <a:t>work?:</a:t>
             </a:r>
             <a:endParaRPr lang="en-US" dirty="0"/>
           </a:p>
@@ -11595,13 +17294,8 @@
           <a:p>
             <a:r>
               <a:rPr lang="en-US" sz="2800" dirty="0" smtClean="0"/>
-              <a:t> </a:t>
-            </a:r>
-            <a:r>
-              <a:rPr lang="en-US" sz="2800" dirty="0" smtClean="0"/>
-              <a:t>“Flat” data </a:t>
-            </a:r>
-            <a:endParaRPr lang="en-US" sz="2800" dirty="0" smtClean="0"/>
+              <a:t> “Flat” data </a:t>
+            </a:r>
           </a:p>
           <a:p>
             <a:pPr marL="0" indent="0">
@@ -11633,7 +17327,7 @@
           <a:graphicData uri="http://schemas.openxmlformats.org/presentationml/2006/ole">
             <mc:AlternateContent xmlns:mc="http://schemas.openxmlformats.org/markup-compatibility/2006">
               <mc:Choice xmlns:v="urn:schemas-microsoft-com:vml" Requires="v">
-                <p:oleObj spid="_x0000_s2058" name="Worksheet" r:id="rId4" imgW="3743440" imgH="581068" progId="Excel.Sheet.12">
+                <p:oleObj spid="_x0000_s2100" name="Worksheet" r:id="rId4" imgW="3743440" imgH="581068" progId="Excel.Sheet.12">
                   <p:embed/>
                 </p:oleObj>
               </mc:Choice>
@@ -11688,7 +17382,7 @@
 </p:sld>
 </file>
 
-<file path=ppt/slides/slide5.xml><?xml version="1.0" encoding="utf-8"?>
+<file path=ppt/slides/slide6.xml><?xml version="1.0" encoding="utf-8"?>
 <p:sld xmlns:a="http://schemas.openxmlformats.org/drawingml/2006/main" xmlns:r="http://schemas.openxmlformats.org/officeDocument/2006/relationships" xmlns:p="http://schemas.openxmlformats.org/presentationml/2006/main">
   <p:cSld>
     <p:spTree>
@@ -11722,7 +17416,11 @@
           <a:p>
             <a:r>
               <a:rPr lang="en-US" dirty="0"/>
-              <a:t>How do RDBMS work:</a:t>
+              <a:t>How do RDBMS </a:t>
+            </a:r>
+            <a:r>
+              <a:rPr lang="en-US" dirty="0" smtClean="0"/>
+              <a:t>work?:</a:t>
             </a:r>
             <a:endParaRPr lang="en-US" dirty="0"/>
           </a:p>
@@ -11750,25 +17448,8 @@
           <a:p>
             <a:r>
               <a:rPr lang="en-US" sz="2000" dirty="0" smtClean="0"/>
-              <a:t> This </a:t>
-            </a:r>
-            <a:r>
-              <a:rPr lang="en-US" sz="2000" dirty="0" smtClean="0"/>
-              <a:t>how a</a:t>
-            </a:r>
-            <a:r>
-              <a:rPr lang="en-US" sz="2000" dirty="0" smtClean="0"/>
-              <a:t> </a:t>
-            </a:r>
-            <a:r>
-              <a:rPr lang="en-US" sz="2000" dirty="0" smtClean="0"/>
-              <a:t>relational </a:t>
-            </a:r>
-            <a:r>
-              <a:rPr lang="en-US" sz="2000" dirty="0" smtClean="0"/>
-              <a:t>database is organized</a:t>
-            </a:r>
-            <a:endParaRPr lang="en-US" sz="2000" dirty="0" smtClean="0"/>
+              <a:t> This how a relational database is organized</a:t>
+            </a:r>
           </a:p>
           <a:p>
             <a:pPr marL="0" indent="0">
@@ -12050,7 +17731,7 @@
 </p:sld>
 </file>
 
-<file path=ppt/slides/slide6.xml><?xml version="1.0" encoding="utf-8"?>
+<file path=ppt/slides/slide7.xml><?xml version="1.0" encoding="utf-8"?>
 <p:sld xmlns:a="http://schemas.openxmlformats.org/drawingml/2006/main" xmlns:r="http://schemas.openxmlformats.org/officeDocument/2006/relationships" xmlns:p="http://schemas.openxmlformats.org/presentationml/2006/main">
   <p:cSld>
     <p:spTree>
@@ -12084,11 +17765,7 @@
           <a:p>
             <a:r>
               <a:rPr lang="en-US" dirty="0" smtClean="0"/>
-              <a:t>A Closer </a:t>
-            </a:r>
-            <a:r>
-              <a:rPr lang="en-US" dirty="0" smtClean="0"/>
-              <a:t>Look at Tables</a:t>
+              <a:t>A Closer Look at Tables</a:t>
             </a:r>
             <a:endParaRPr lang="en-US" dirty="0"/>
           </a:p>
@@ -12179,7 +17856,7 @@
         <p:grpSpPr>
           <a:xfrm>
             <a:off x="810000" y="2359907"/>
-            <a:ext cx="4590137" cy="883625"/>
+            <a:ext cx="4590137" cy="783619"/>
             <a:chOff x="810000" y="2359907"/>
             <a:chExt cx="4590137" cy="883625"/>
           </a:xfrm>
@@ -12207,10 +17884,22 @@
             <a:lstStyle/>
             <a:p>
               <a:r>
-                <a:rPr lang="en-US" dirty="0" smtClean="0"/>
+                <a:rPr lang="en-US" dirty="0" smtClean="0">
+                  <a:solidFill>
+                    <a:schemeClr val="accent4">
+                      <a:lumMod val="75000"/>
+                    </a:schemeClr>
+                  </a:solidFill>
+                </a:rPr>
                 <a:t>Table name</a:t>
               </a:r>
-              <a:endParaRPr lang="en-US" dirty="0"/>
+              <a:endParaRPr lang="en-US" dirty="0">
+                <a:solidFill>
+                  <a:schemeClr val="accent4">
+                    <a:lumMod val="75000"/>
+                  </a:schemeClr>
+                </a:solidFill>
+              </a:endParaRPr>
             </a:p>
           </p:txBody>
         </p:sp>
@@ -12262,7 +17951,13 @@
               <a:avLst/>
             </a:prstGeom>
             <a:noFill/>
-            <a:ln w="47625"/>
+            <a:ln w="47625">
+              <a:solidFill>
+                <a:schemeClr val="accent4">
+                  <a:lumMod val="75000"/>
+                </a:schemeClr>
+              </a:solidFill>
+            </a:ln>
           </p:spPr>
           <p:style>
             <a:lnRef idx="2">
@@ -12285,7 +17980,13 @@
             <a:lstStyle/>
             <a:p>
               <a:pPr algn="ctr"/>
-              <a:endParaRPr lang="en-US"/>
+              <a:endParaRPr lang="en-US">
+                <a:solidFill>
+                  <a:schemeClr val="accent4">
+                    <a:lumMod val="75000"/>
+                  </a:schemeClr>
+                </a:solidFill>
+              </a:endParaRPr>
             </a:p>
           </p:txBody>
         </p:sp>
@@ -12299,9 +18000,9 @@
         <p:grpSpPr>
           <a:xfrm>
             <a:off x="810000" y="2801719"/>
-            <a:ext cx="5849592" cy="883625"/>
+            <a:ext cx="5849592" cy="762635"/>
             <a:chOff x="810000" y="2359907"/>
-            <a:chExt cx="5849592" cy="883625"/>
+            <a:chExt cx="5849592" cy="762635"/>
           </a:xfrm>
         </p:grpSpPr>
         <p:sp>
@@ -12319,6 +18020,11 @@
               <a:avLst/>
             </a:prstGeom>
             <a:noFill/>
+            <a:ln>
+              <a:solidFill>
+                <a:srgbClr val="002060"/>
+              </a:solidFill>
+            </a:ln>
           </p:spPr>
           <p:txBody>
             <a:bodyPr wrap="square" rtlCol="0">
@@ -12376,13 +18082,17 @@
           <p:spPr>
             <a:xfrm>
               <a:off x="810000" y="2701714"/>
-              <a:ext cx="1467374" cy="541818"/>
+              <a:ext cx="1467374" cy="420828"/>
             </a:xfrm>
             <a:prstGeom prst="rect">
               <a:avLst/>
             </a:prstGeom>
             <a:noFill/>
-            <a:ln w="47625"/>
+            <a:ln w="47625">
+              <a:solidFill>
+                <a:srgbClr val="002060"/>
+              </a:solidFill>
+            </a:ln>
           </p:spPr>
           <p:style>
             <a:lnRef idx="2">
@@ -12439,6 +18149,11 @@
               <a:avLst/>
             </a:prstGeom>
             <a:noFill/>
+            <a:ln>
+              <a:solidFill>
+                <a:srgbClr val="92D050"/>
+              </a:solidFill>
+            </a:ln>
           </p:spPr>
           <p:txBody>
             <a:bodyPr wrap="square" rtlCol="0">
@@ -12469,6 +18184,9 @@
               <a:avLst/>
             </a:prstGeom>
             <a:ln>
+              <a:solidFill>
+                <a:srgbClr val="92D050"/>
+              </a:solidFill>
               <a:tailEnd type="triangle"/>
             </a:ln>
           </p:spPr>
@@ -12502,7 +18220,11 @@
               <a:avLst/>
             </a:prstGeom>
             <a:noFill/>
-            <a:ln w="47625"/>
+            <a:ln w="47625">
+              <a:solidFill>
+                <a:srgbClr val="92D050"/>
+              </a:solidFill>
+            </a:ln>
           </p:spPr>
           <p:style>
             <a:lnRef idx="2">
@@ -12538,7 +18260,7 @@
         </p:nvGrpSpPr>
         <p:grpSpPr>
           <a:xfrm>
-            <a:off x="792748" y="4013315"/>
+            <a:off x="810000" y="4045304"/>
             <a:ext cx="5029445" cy="1122219"/>
             <a:chOff x="810000" y="2701713"/>
             <a:chExt cx="5029445" cy="1122219"/>
@@ -12559,6 +18281,11 @@
               <a:avLst/>
             </a:prstGeom>
             <a:noFill/>
+            <a:ln>
+              <a:solidFill>
+                <a:srgbClr val="C00000"/>
+              </a:solidFill>
+            </a:ln>
           </p:spPr>
           <p:txBody>
             <a:bodyPr wrap="square" rtlCol="0">
@@ -12589,6 +18316,9 @@
               <a:avLst/>
             </a:prstGeom>
             <a:ln>
+              <a:solidFill>
+                <a:srgbClr val="C00000"/>
+              </a:solidFill>
               <a:tailEnd type="triangle"/>
             </a:ln>
           </p:spPr>
@@ -12622,7 +18352,11 @@
               <a:avLst/>
             </a:prstGeom>
             <a:noFill/>
-            <a:ln w="47625"/>
+            <a:ln w="47625">
+              <a:solidFill>
+                <a:srgbClr val="C00000"/>
+              </a:solidFill>
+            </a:ln>
           </p:spPr>
           <p:style>
             <a:lnRef idx="2">
@@ -12681,7 +18415,7 @@
                             </p:stCondLst>
                             <p:childTnLst>
                               <p:par>
-                                <p:cTn id="5" presetID="1" presetClass="exit" presetSubtype="0" fill="hold" nodeType="clickEffect">
+                                <p:cTn id="5" presetID="1" presetClass="entr" presetSubtype="0" fill="hold" nodeType="clickEffect">
                                   <p:stCondLst>
                                     <p:cond delay="0"/>
                                   </p:stCondLst>
@@ -12701,7 +18435,7 @@
                                         </p:attrNameLst>
                                       </p:cBhvr>
                                       <p:to>
-                                        <p:strVal val="hidden"/>
+                                        <p:strVal val="visible"/>
                                       </p:to>
                                     </p:set>
                                   </p:childTnLst>
@@ -12739,7 +18473,7 @@
                                           </p:stCondLst>
                                         </p:cTn>
                                         <p:tgtEl>
-                                          <p:spTgt spid="11"/>
+                                          <p:spTgt spid="10"/>
                                         </p:tgtEl>
                                         <p:attrNameLst>
                                           <p:attrName>style.visibility</p:attrName>
@@ -12771,7 +18505,7 @@
                             </p:stCondLst>
                             <p:childTnLst>
                               <p:par>
-                                <p:cTn id="13" presetID="1" presetClass="exit" presetSubtype="0" fill="hold" nodeType="clickEffect">
+                                <p:cTn id="13" presetID="1" presetClass="entr" presetSubtype="0" fill="hold" nodeType="clickEffect">
                                   <p:stCondLst>
                                     <p:cond delay="0"/>
                                   </p:stCondLst>
@@ -12784,14 +18518,14 @@
                                           </p:stCondLst>
                                         </p:cTn>
                                         <p:tgtEl>
-                                          <p:spTgt spid="15"/>
+                                          <p:spTgt spid="11"/>
                                         </p:tgtEl>
                                         <p:attrNameLst>
                                           <p:attrName>style.visibility</p:attrName>
                                         </p:attrNameLst>
                                       </p:cBhvr>
                                       <p:to>
-                                        <p:strVal val="hidden"/>
+                                        <p:strVal val="visible"/>
                                       </p:to>
                                     </p:set>
                                   </p:childTnLst>
@@ -12824,6 +18558,186 @@
                                     <p:set>
                                       <p:cBhvr>
                                         <p:cTn id="18" dur="1" fill="hold">
+                                          <p:stCondLst>
+                                            <p:cond delay="0"/>
+                                          </p:stCondLst>
+                                        </p:cTn>
+                                        <p:tgtEl>
+                                          <p:spTgt spid="11"/>
+                                        </p:tgtEl>
+                                        <p:attrNameLst>
+                                          <p:attrName>style.visibility</p:attrName>
+                                        </p:attrNameLst>
+                                      </p:cBhvr>
+                                      <p:to>
+                                        <p:strVal val="hidden"/>
+                                      </p:to>
+                                    </p:set>
+                                  </p:childTnLst>
+                                </p:cTn>
+                              </p:par>
+                            </p:childTnLst>
+                          </p:cTn>
+                        </p:par>
+                      </p:childTnLst>
+                    </p:cTn>
+                  </p:par>
+                  <p:par>
+                    <p:cTn id="19" fill="hold">
+                      <p:stCondLst>
+                        <p:cond delay="indefinite"/>
+                      </p:stCondLst>
+                      <p:childTnLst>
+                        <p:par>
+                          <p:cTn id="20" fill="hold">
+                            <p:stCondLst>
+                              <p:cond delay="0"/>
+                            </p:stCondLst>
+                            <p:childTnLst>
+                              <p:par>
+                                <p:cTn id="21" presetID="1" presetClass="entr" presetSubtype="0" fill="hold" nodeType="clickEffect">
+                                  <p:stCondLst>
+                                    <p:cond delay="0"/>
+                                  </p:stCondLst>
+                                  <p:childTnLst>
+                                    <p:set>
+                                      <p:cBhvr>
+                                        <p:cTn id="22" dur="1" fill="hold">
+                                          <p:stCondLst>
+                                            <p:cond delay="0"/>
+                                          </p:stCondLst>
+                                        </p:cTn>
+                                        <p:tgtEl>
+                                          <p:spTgt spid="15"/>
+                                        </p:tgtEl>
+                                        <p:attrNameLst>
+                                          <p:attrName>style.visibility</p:attrName>
+                                        </p:attrNameLst>
+                                      </p:cBhvr>
+                                      <p:to>
+                                        <p:strVal val="visible"/>
+                                      </p:to>
+                                    </p:set>
+                                  </p:childTnLst>
+                                </p:cTn>
+                              </p:par>
+                            </p:childTnLst>
+                          </p:cTn>
+                        </p:par>
+                      </p:childTnLst>
+                    </p:cTn>
+                  </p:par>
+                  <p:par>
+                    <p:cTn id="23" fill="hold">
+                      <p:stCondLst>
+                        <p:cond delay="indefinite"/>
+                      </p:stCondLst>
+                      <p:childTnLst>
+                        <p:par>
+                          <p:cTn id="24" fill="hold">
+                            <p:stCondLst>
+                              <p:cond delay="0"/>
+                            </p:stCondLst>
+                            <p:childTnLst>
+                              <p:par>
+                                <p:cTn id="25" presetID="1" presetClass="exit" presetSubtype="0" fill="hold" nodeType="clickEffect">
+                                  <p:stCondLst>
+                                    <p:cond delay="0"/>
+                                  </p:stCondLst>
+                                  <p:childTnLst>
+                                    <p:set>
+                                      <p:cBhvr>
+                                        <p:cTn id="26" dur="1" fill="hold">
+                                          <p:stCondLst>
+                                            <p:cond delay="0"/>
+                                          </p:stCondLst>
+                                        </p:cTn>
+                                        <p:tgtEl>
+                                          <p:spTgt spid="15"/>
+                                        </p:tgtEl>
+                                        <p:attrNameLst>
+                                          <p:attrName>style.visibility</p:attrName>
+                                        </p:attrNameLst>
+                                      </p:cBhvr>
+                                      <p:to>
+                                        <p:strVal val="hidden"/>
+                                      </p:to>
+                                    </p:set>
+                                  </p:childTnLst>
+                                </p:cTn>
+                              </p:par>
+                            </p:childTnLst>
+                          </p:cTn>
+                        </p:par>
+                      </p:childTnLst>
+                    </p:cTn>
+                  </p:par>
+                  <p:par>
+                    <p:cTn id="27" fill="hold">
+                      <p:stCondLst>
+                        <p:cond delay="indefinite"/>
+                      </p:stCondLst>
+                      <p:childTnLst>
+                        <p:par>
+                          <p:cTn id="28" fill="hold">
+                            <p:stCondLst>
+                              <p:cond delay="0"/>
+                            </p:stCondLst>
+                            <p:childTnLst>
+                              <p:par>
+                                <p:cTn id="29" presetID="1" presetClass="entr" presetSubtype="0" fill="hold" nodeType="clickEffect">
+                                  <p:stCondLst>
+                                    <p:cond delay="0"/>
+                                  </p:stCondLst>
+                                  <p:childTnLst>
+                                    <p:set>
+                                      <p:cBhvr>
+                                        <p:cTn id="30" dur="1" fill="hold">
+                                          <p:stCondLst>
+                                            <p:cond delay="0"/>
+                                          </p:stCondLst>
+                                        </p:cTn>
+                                        <p:tgtEl>
+                                          <p:spTgt spid="19"/>
+                                        </p:tgtEl>
+                                        <p:attrNameLst>
+                                          <p:attrName>style.visibility</p:attrName>
+                                        </p:attrNameLst>
+                                      </p:cBhvr>
+                                      <p:to>
+                                        <p:strVal val="visible"/>
+                                      </p:to>
+                                    </p:set>
+                                  </p:childTnLst>
+                                </p:cTn>
+                              </p:par>
+                            </p:childTnLst>
+                          </p:cTn>
+                        </p:par>
+                      </p:childTnLst>
+                    </p:cTn>
+                  </p:par>
+                  <p:par>
+                    <p:cTn id="31" fill="hold">
+                      <p:stCondLst>
+                        <p:cond delay="indefinite"/>
+                      </p:stCondLst>
+                      <p:childTnLst>
+                        <p:par>
+                          <p:cTn id="32" fill="hold">
+                            <p:stCondLst>
+                              <p:cond delay="0"/>
+                            </p:stCondLst>
+                            <p:childTnLst>
+                              <p:par>
+                                <p:cTn id="33" presetID="1" presetClass="exit" presetSubtype="0" fill="hold" nodeType="clickEffect">
+                                  <p:stCondLst>
+                                    <p:cond delay="0"/>
+                                  </p:stCondLst>
+                                  <p:childTnLst>
+                                    <p:set>
+                                      <p:cBhvr>
+                                        <p:cTn id="34" dur="1" fill="hold">
                                           <p:stCondLst>
                                             <p:cond delay="0"/>
                                           </p:stCondLst>
@@ -12873,7 +18787,7 @@
 </p:sld>
 </file>
 
-<file path=ppt/slides/slide7.xml><?xml version="1.0" encoding="utf-8"?>
+<file path=ppt/slides/slide8.xml><?xml version="1.0" encoding="utf-8"?>
 <p:sld xmlns:a="http://schemas.openxmlformats.org/drawingml/2006/main" xmlns:r="http://schemas.openxmlformats.org/officeDocument/2006/relationships" xmlns:p="http://schemas.openxmlformats.org/presentationml/2006/main">
   <p:cSld>
     <p:spTree>
@@ -12997,208 +18911,6 @@
 </p:sld>
 </file>
 
-<file path=ppt/slides/slide8.xml><?xml version="1.0" encoding="utf-8"?>
-<p:sld xmlns:a="http://schemas.openxmlformats.org/drawingml/2006/main" xmlns:r="http://schemas.openxmlformats.org/officeDocument/2006/relationships" xmlns:p="http://schemas.openxmlformats.org/presentationml/2006/main">
-  <p:cSld>
-    <p:spTree>
-      <p:nvGrpSpPr>
-        <p:cNvPr id="1" name=""/>
-        <p:cNvGrpSpPr/>
-        <p:nvPr/>
-      </p:nvGrpSpPr>
-      <p:grpSpPr>
-        <a:xfrm>
-          <a:off x="0" y="0"/>
-          <a:ext cx="0" cy="0"/>
-          <a:chOff x="0" y="0"/>
-          <a:chExt cx="0" cy="0"/>
-        </a:xfrm>
-      </p:grpSpPr>
-      <p:sp>
-        <p:nvSpPr>
-          <p:cNvPr id="2" name="Title 1"/>
-          <p:cNvSpPr>
-            <a:spLocks noGrp="1"/>
-          </p:cNvSpPr>
-          <p:nvPr>
-            <p:ph type="title"/>
-          </p:nvPr>
-        </p:nvSpPr>
-        <p:spPr/>
-        <p:txBody>
-          <a:bodyPr/>
-          <a:lstStyle/>
-          <a:p>
-            <a:r>
-              <a:rPr lang="en-US" dirty="0" smtClean="0"/>
-              <a:t>Fair and Balanced</a:t>
-            </a:r>
-            <a:endParaRPr lang="en-US" dirty="0"/>
-          </a:p>
-        </p:txBody>
-      </p:sp>
-      <p:sp>
-        <p:nvSpPr>
-          <p:cNvPr id="4" name="Text Placeholder 3"/>
-          <p:cNvSpPr>
-            <a:spLocks noGrp="1"/>
-          </p:cNvSpPr>
-          <p:nvPr>
-            <p:ph type="body" idx="1"/>
-          </p:nvPr>
-        </p:nvSpPr>
-        <p:spPr/>
-        <p:txBody>
-          <a:bodyPr/>
-          <a:lstStyle/>
-          <a:p>
-            <a:r>
-              <a:rPr lang="en-US" dirty="0" smtClean="0"/>
-              <a:t>The Good</a:t>
-            </a:r>
-            <a:endParaRPr lang="en-US" dirty="0"/>
-          </a:p>
-        </p:txBody>
-      </p:sp>
-      <p:sp>
-        <p:nvSpPr>
-          <p:cNvPr id="5" name="Content Placeholder 4"/>
-          <p:cNvSpPr>
-            <a:spLocks noGrp="1"/>
-          </p:cNvSpPr>
-          <p:nvPr>
-            <p:ph sz="half" idx="2"/>
-          </p:nvPr>
-        </p:nvSpPr>
-        <p:spPr/>
-        <p:txBody>
-          <a:bodyPr/>
-          <a:lstStyle/>
-          <a:p>
-            <a:r>
-              <a:rPr lang="en-US" dirty="0" smtClean="0"/>
-              <a:t>Stable</a:t>
-            </a:r>
-          </a:p>
-          <a:p>
-            <a:r>
-              <a:rPr lang="en-US" dirty="0" smtClean="0"/>
-              <a:t>Fast</a:t>
-            </a:r>
-          </a:p>
-          <a:p>
-            <a:r>
-              <a:rPr lang="en-US" dirty="0" smtClean="0"/>
-              <a:t>Handles large data sets</a:t>
-            </a:r>
-          </a:p>
-          <a:p>
-            <a:r>
-              <a:rPr lang="en-US" dirty="0" smtClean="0"/>
-              <a:t>Industry standards (SQL)</a:t>
-            </a:r>
-            <a:endParaRPr lang="en-US" dirty="0"/>
-          </a:p>
-        </p:txBody>
-      </p:sp>
-      <p:sp>
-        <p:nvSpPr>
-          <p:cNvPr id="6" name="Text Placeholder 5"/>
-          <p:cNvSpPr>
-            <a:spLocks noGrp="1"/>
-          </p:cNvSpPr>
-          <p:nvPr>
-            <p:ph type="body" sz="quarter" idx="3"/>
-          </p:nvPr>
-        </p:nvSpPr>
-        <p:spPr/>
-        <p:txBody>
-          <a:bodyPr/>
-          <a:lstStyle/>
-          <a:p>
-            <a:r>
-              <a:rPr lang="en-US" dirty="0" smtClean="0"/>
-              <a:t>The Bad</a:t>
-            </a:r>
-            <a:endParaRPr lang="en-US" dirty="0"/>
-          </a:p>
-        </p:txBody>
-      </p:sp>
-      <p:sp>
-        <p:nvSpPr>
-          <p:cNvPr id="7" name="Content Placeholder 6"/>
-          <p:cNvSpPr>
-            <a:spLocks noGrp="1"/>
-          </p:cNvSpPr>
-          <p:nvPr>
-            <p:ph sz="quarter" idx="4"/>
-          </p:nvPr>
-        </p:nvSpPr>
-        <p:spPr/>
-        <p:txBody>
-          <a:bodyPr/>
-          <a:lstStyle/>
-          <a:p>
-            <a:r>
-              <a:rPr lang="en-US" dirty="0" err="1" smtClean="0"/>
-              <a:t>RDM</a:t>
-            </a:r>
-            <a:r>
-              <a:rPr lang="en-US" dirty="0" smtClean="0"/>
-              <a:t> need to be planned BEFORE </a:t>
-            </a:r>
-            <a:r>
-              <a:rPr lang="en-US" dirty="0"/>
-              <a:t>you put any data </a:t>
-            </a:r>
-            <a:r>
-              <a:rPr lang="en-US" dirty="0" smtClean="0"/>
-              <a:t>in</a:t>
-            </a:r>
-          </a:p>
-          <a:p>
-            <a:r>
-              <a:rPr lang="en-US" dirty="0" smtClean="0"/>
-              <a:t>Adding </a:t>
-            </a:r>
-            <a:r>
-              <a:rPr lang="en-US" dirty="0"/>
-              <a:t>tables and subtracting tables as you go is possible, but a lot of work and you run the risk of making the whole thing unstable.   </a:t>
-            </a:r>
-            <a:endParaRPr lang="en-US" dirty="0" smtClean="0"/>
-          </a:p>
-          <a:p>
-            <a:r>
-              <a:rPr lang="en-US" dirty="0" smtClean="0"/>
-              <a:t>There </a:t>
-            </a:r>
-            <a:r>
-              <a:rPr lang="en-US" dirty="0"/>
-              <a:t>are other downsides, and if you are interested in that you can go to this website, which gives a pretty good point by point comparison. </a:t>
-            </a:r>
-          </a:p>
-        </p:txBody>
-      </p:sp>
-    </p:spTree>
-    <p:extLst>
-      <p:ext uri="{BB962C8B-B14F-4D97-AF65-F5344CB8AC3E}">
-        <p14:creationId xmlns:p14="http://schemas.microsoft.com/office/powerpoint/2010/main" val="274396566"/>
-      </p:ext>
-    </p:extLst>
-  </p:cSld>
-  <p:clrMapOvr>
-    <a:masterClrMapping/>
-  </p:clrMapOvr>
-  <p:timing>
-    <p:tnLst>
-      <p:par>
-        <p:cTn id="1" dur="indefinite" restart="never" nodeType="tmRoot"/>
-      </p:par>
-    </p:tnLst>
-  </p:timing>
-</p:sld>
-</file>
-
 <file path=ppt/slides/slide9.xml><?xml version="1.0" encoding="utf-8"?>
 <p:sld xmlns:a="http://schemas.openxmlformats.org/drawingml/2006/main" xmlns:r="http://schemas.openxmlformats.org/officeDocument/2006/relationships" xmlns:p="http://schemas.openxmlformats.org/presentationml/2006/main">
   <p:cSld>
@@ -13233,7 +18945,7 @@
           <a:p>
             <a:r>
               <a:rPr lang="en-US" dirty="0" smtClean="0"/>
-              <a:t>SQL</a:t>
+              <a:t>Fair and Balanced</a:t>
             </a:r>
             <a:endParaRPr lang="en-US" dirty="0"/>
           </a:p>
@@ -13241,112 +18953,138 @@
       </p:sp>
       <p:sp>
         <p:nvSpPr>
-          <p:cNvPr id="3" name="Content Placeholder 2"/>
-          <p:cNvSpPr>
-            <a:spLocks noGrp="1"/>
-          </p:cNvSpPr>
-          <p:nvPr>
-            <p:ph idx="1"/>
+          <p:cNvPr id="4" name="Text Placeholder 3"/>
+          <p:cNvSpPr>
+            <a:spLocks noGrp="1"/>
+          </p:cNvSpPr>
+          <p:nvPr>
+            <p:ph type="body" idx="1"/>
           </p:nvPr>
         </p:nvSpPr>
         <p:spPr/>
         <p:txBody>
-          <a:bodyPr>
-            <a:normAutofit fontScale="85000" lnSpcReduction="20000"/>
-          </a:bodyPr>
+          <a:bodyPr/>
           <a:lstStyle/>
           <a:p>
             <a:r>
+              <a:rPr lang="en-US" dirty="0" smtClean="0"/>
+              <a:t>The Good</a:t>
+            </a:r>
+            <a:endParaRPr lang="en-US" dirty="0"/>
+          </a:p>
+        </p:txBody>
+      </p:sp>
+      <p:sp>
+        <p:nvSpPr>
+          <p:cNvPr id="5" name="Content Placeholder 4"/>
+          <p:cNvSpPr>
+            <a:spLocks noGrp="1"/>
+          </p:cNvSpPr>
+          <p:nvPr>
+            <p:ph sz="half" idx="2"/>
+          </p:nvPr>
+        </p:nvSpPr>
+        <p:spPr/>
+        <p:txBody>
+          <a:bodyPr/>
+          <a:lstStyle/>
+          <a:p>
+            <a:r>
+              <a:rPr lang="en-US" dirty="0" smtClean="0"/>
+              <a:t>Stable</a:t>
+            </a:r>
+          </a:p>
+          <a:p>
+            <a:r>
+              <a:rPr lang="en-US" dirty="0" smtClean="0"/>
+              <a:t>Fast</a:t>
+            </a:r>
+          </a:p>
+          <a:p>
+            <a:r>
+              <a:rPr lang="en-US" dirty="0" smtClean="0"/>
+              <a:t>Handles large data sets</a:t>
+            </a:r>
+          </a:p>
+          <a:p>
+            <a:r>
+              <a:rPr lang="en-US" dirty="0" smtClean="0"/>
+              <a:t>Industry standards (SQL)</a:t>
+            </a:r>
+            <a:endParaRPr lang="en-US" dirty="0"/>
+          </a:p>
+        </p:txBody>
+      </p:sp>
+      <p:sp>
+        <p:nvSpPr>
+          <p:cNvPr id="6" name="Text Placeholder 5"/>
+          <p:cNvSpPr>
+            <a:spLocks noGrp="1"/>
+          </p:cNvSpPr>
+          <p:nvPr>
+            <p:ph type="body" sz="quarter" idx="3"/>
+          </p:nvPr>
+        </p:nvSpPr>
+        <p:spPr/>
+        <p:txBody>
+          <a:bodyPr/>
+          <a:lstStyle/>
+          <a:p>
+            <a:r>
+              <a:rPr lang="en-US" dirty="0" smtClean="0"/>
+              <a:t>The Bad</a:t>
+            </a:r>
+            <a:endParaRPr lang="en-US" dirty="0"/>
+          </a:p>
+        </p:txBody>
+      </p:sp>
+      <p:sp>
+        <p:nvSpPr>
+          <p:cNvPr id="7" name="Content Placeholder 6"/>
+          <p:cNvSpPr>
+            <a:spLocks noGrp="1"/>
+          </p:cNvSpPr>
+          <p:nvPr>
+            <p:ph sz="quarter" idx="4"/>
+          </p:nvPr>
+        </p:nvSpPr>
+        <p:spPr/>
+        <p:txBody>
+          <a:bodyPr/>
+          <a:lstStyle/>
+          <a:p>
+            <a:r>
+              <a:rPr lang="en-US" dirty="0" err="1" smtClean="0"/>
+              <a:t>RDMS</a:t>
+            </a:r>
+            <a:r>
+              <a:rPr lang="en-US" dirty="0" smtClean="0"/>
+              <a:t> need to be planned BEFORE </a:t>
+            </a:r>
+            <a:r>
               <a:rPr lang="en-US" dirty="0"/>
-              <a:t>Execute queries against a database and retrieve information from a database</a:t>
-            </a:r>
-          </a:p>
-          <a:p>
+              <a:t>you put any data </a:t>
+            </a:r>
+            <a:r>
+              <a:rPr lang="en-US" dirty="0" smtClean="0"/>
+              <a:t>in</a:t>
+            </a:r>
+          </a:p>
+          <a:p>
+            <a:r>
+              <a:rPr lang="en-US" dirty="0" smtClean="0"/>
+              <a:t>Adding </a:t>
+            </a:r>
             <a:r>
               <a:rPr lang="en-US" dirty="0"/>
-              <a:t>Create a new database and create tables in that database</a:t>
-            </a:r>
-          </a:p>
-          <a:p>
-            <a:r>
-              <a:rPr lang="en-US" dirty="0"/>
-              <a:t>Insert, update and delete records</a:t>
-            </a:r>
-          </a:p>
-          <a:p>
-            <a:r>
-              <a:rPr lang="en-US" dirty="0"/>
-              <a:t>Create stored procedures and views</a:t>
-            </a:r>
-          </a:p>
-          <a:p>
-            <a:r>
-              <a:rPr lang="en-US" dirty="0"/>
-              <a:t>Set permissions on database </a:t>
-            </a:r>
-            <a:r>
-              <a:rPr lang="en-US" dirty="0" err="1"/>
-              <a:t>objectsSQL</a:t>
-            </a:r>
-            <a:r>
-              <a:rPr lang="en-US" dirty="0" smtClean="0"/>
-              <a:t>: </a:t>
-            </a:r>
-            <a:r>
-              <a:rPr lang="en-US" dirty="0"/>
-              <a:t>Structured Query </a:t>
-            </a:r>
-            <a:r>
-              <a:rPr lang="en-US" dirty="0" smtClean="0"/>
-              <a:t>Language</a:t>
-            </a:r>
-          </a:p>
-          <a:p>
-            <a:endParaRPr lang="en-US" dirty="0"/>
-          </a:p>
-          <a:p>
-            <a:r>
-              <a:rPr lang="en-US" dirty="0" smtClean="0"/>
-              <a:t>CRUD:</a:t>
-            </a:r>
+              <a:t>tables and subtracting tables as you go is possible, but a lot of work and you run the risk of making the whole thing unstable.   </a:t>
+            </a:r>
+            <a:endParaRPr lang="en-US" dirty="0" smtClean="0"/>
           </a:p>
           <a:p>
             <a:pPr marL="0" indent="0">
               <a:buNone/>
             </a:pPr>
-            <a:r>
-              <a:rPr lang="en-US" dirty="0" smtClean="0"/>
-              <a:t>									C: create (tables)</a:t>
-            </a:r>
-          </a:p>
-          <a:p>
-            <a:pPr marL="0" indent="0">
-              <a:buNone/>
-            </a:pPr>
-            <a:r>
-              <a:rPr lang="en-US" dirty="0" smtClean="0"/>
-              <a:t>									R: retrieve (data)</a:t>
-            </a:r>
-          </a:p>
-          <a:p>
-            <a:pPr marL="0" indent="0">
-              <a:buNone/>
-            </a:pPr>
-            <a:r>
-              <a:rPr lang="en-US" dirty="0" smtClean="0"/>
-              <a:t>									U: update (data)</a:t>
-            </a:r>
-          </a:p>
-          <a:p>
-            <a:pPr marL="0" indent="0">
-              <a:buNone/>
-            </a:pPr>
-            <a:r>
-              <a:rPr lang="en-US" dirty="0" smtClean="0"/>
-              <a:t>									D: delete</a:t>
-            </a:r>
-          </a:p>
-          <a:p>
             <a:endParaRPr lang="en-US" dirty="0"/>
           </a:p>
         </p:txBody>
@@ -13354,7 +19092,7 @@
     </p:spTree>
     <p:extLst>
       <p:ext uri="{BB962C8B-B14F-4D97-AF65-F5344CB8AC3E}">
-        <p14:creationId xmlns:p14="http://schemas.microsoft.com/office/powerpoint/2010/main" val="3423406044"/>
+        <p14:creationId xmlns:p14="http://schemas.microsoft.com/office/powerpoint/2010/main" val="274396566"/>
       </p:ext>
     </p:extLst>
   </p:cSld>
